--- a/01_LiaisonEncastrement/Cours/Figures/Figures.pptx
+++ b/01_LiaisonEncastrement/Cours/Figures/Figures.pptx
@@ -7,6 +7,7 @@
   <p:sldIdLst>
     <p:sldId id="256" r:id="rId2"/>
     <p:sldId id="257" r:id="rId3"/>
+    <p:sldId id="258" r:id="rId4"/>
   </p:sldIdLst>
   <p:sldSz cx="9144000" cy="6858000" type="screen4x3"/>
   <p:notesSz cx="6858000" cy="9144000"/>
@@ -289,7 +290,7 @@
           <a:p>
             <a:fld id="{AA309A6D-C09C-4548-B29A-6CF363A7E532}" type="datetimeFigureOut">
               <a:rPr lang="fr-FR" smtClean="0"/>
-              <a:t>13/03/2016</a:t>
+              <a:t>11/05/2016</a:t>
             </a:fld>
             <a:endParaRPr lang="fr-BE"/>
           </a:p>
@@ -454,7 +455,7 @@
           <a:p>
             <a:fld id="{AA309A6D-C09C-4548-B29A-6CF363A7E532}" type="datetimeFigureOut">
               <a:rPr lang="fr-FR" smtClean="0"/>
-              <a:t>13/03/2016</a:t>
+              <a:t>11/05/2016</a:t>
             </a:fld>
             <a:endParaRPr lang="fr-BE"/>
           </a:p>
@@ -629,7 +630,7 @@
           <a:p>
             <a:fld id="{AA309A6D-C09C-4548-B29A-6CF363A7E532}" type="datetimeFigureOut">
               <a:rPr lang="fr-FR" smtClean="0"/>
-              <a:t>13/03/2016</a:t>
+              <a:t>11/05/2016</a:t>
             </a:fld>
             <a:endParaRPr lang="fr-BE"/>
           </a:p>
@@ -794,7 +795,7 @@
           <a:p>
             <a:fld id="{AA309A6D-C09C-4548-B29A-6CF363A7E532}" type="datetimeFigureOut">
               <a:rPr lang="fr-FR" smtClean="0"/>
-              <a:t>13/03/2016</a:t>
+              <a:t>11/05/2016</a:t>
             </a:fld>
             <a:endParaRPr lang="fr-BE"/>
           </a:p>
@@ -1035,7 +1036,7 @@
           <a:p>
             <a:fld id="{AA309A6D-C09C-4548-B29A-6CF363A7E532}" type="datetimeFigureOut">
               <a:rPr lang="fr-FR" smtClean="0"/>
-              <a:t>13/03/2016</a:t>
+              <a:t>11/05/2016</a:t>
             </a:fld>
             <a:endParaRPr lang="fr-BE"/>
           </a:p>
@@ -1318,7 +1319,7 @@
           <a:p>
             <a:fld id="{AA309A6D-C09C-4548-B29A-6CF363A7E532}" type="datetimeFigureOut">
               <a:rPr lang="fr-FR" smtClean="0"/>
-              <a:t>13/03/2016</a:t>
+              <a:t>11/05/2016</a:t>
             </a:fld>
             <a:endParaRPr lang="fr-BE"/>
           </a:p>
@@ -1735,7 +1736,7 @@
           <a:p>
             <a:fld id="{AA309A6D-C09C-4548-B29A-6CF363A7E532}" type="datetimeFigureOut">
               <a:rPr lang="fr-FR" smtClean="0"/>
-              <a:t>13/03/2016</a:t>
+              <a:t>11/05/2016</a:t>
             </a:fld>
             <a:endParaRPr lang="fr-BE"/>
           </a:p>
@@ -1848,7 +1849,7 @@
           <a:p>
             <a:fld id="{AA309A6D-C09C-4548-B29A-6CF363A7E532}" type="datetimeFigureOut">
               <a:rPr lang="fr-FR" smtClean="0"/>
-              <a:t>13/03/2016</a:t>
+              <a:t>11/05/2016</a:t>
             </a:fld>
             <a:endParaRPr lang="fr-BE"/>
           </a:p>
@@ -1938,7 +1939,7 @@
           <a:p>
             <a:fld id="{AA309A6D-C09C-4548-B29A-6CF363A7E532}" type="datetimeFigureOut">
               <a:rPr lang="fr-FR" smtClean="0"/>
-              <a:t>13/03/2016</a:t>
+              <a:t>11/05/2016</a:t>
             </a:fld>
             <a:endParaRPr lang="fr-BE"/>
           </a:p>
@@ -2210,7 +2211,7 @@
           <a:p>
             <a:fld id="{AA309A6D-C09C-4548-B29A-6CF363A7E532}" type="datetimeFigureOut">
               <a:rPr lang="fr-FR" smtClean="0"/>
-              <a:t>13/03/2016</a:t>
+              <a:t>11/05/2016</a:t>
             </a:fld>
             <a:endParaRPr lang="fr-BE"/>
           </a:p>
@@ -2458,7 +2459,7 @@
           <a:p>
             <a:fld id="{AA309A6D-C09C-4548-B29A-6CF363A7E532}" type="datetimeFigureOut">
               <a:rPr lang="fr-FR" smtClean="0"/>
-              <a:t>13/03/2016</a:t>
+              <a:t>11/05/2016</a:t>
             </a:fld>
             <a:endParaRPr lang="fr-BE"/>
           </a:p>
@@ -2666,7 +2667,7 @@
           <a:p>
             <a:fld id="{AA309A6D-C09C-4548-B29A-6CF363A7E532}" type="datetimeFigureOut">
               <a:rPr lang="fr-FR" smtClean="0"/>
-              <a:t>13/03/2016</a:t>
+              <a:t>11/05/2016</a:t>
             </a:fld>
             <a:endParaRPr lang="fr-BE"/>
           </a:p>
@@ -3098,7 +3099,7 @@
         </p:blipFill>
         <p:spPr bwMode="auto">
           <a:xfrm>
-            <a:off x="-3060848" y="2563772"/>
+            <a:off x="-612576" y="2924944"/>
             <a:ext cx="4121233" cy="2357413"/>
           </a:xfrm>
           <a:prstGeom prst="rect">
@@ -3326,6 +3327,254 @@
     <p:extLst>
       <p:ext uri="{BB962C8B-B14F-4D97-AF65-F5344CB8AC3E}">
         <p14:creationId xmlns:p14="http://schemas.microsoft.com/office/powerpoint/2010/main" val="2986769913"/>
+      </p:ext>
+    </p:extLst>
+  </p:cSld>
+  <p:clrMapOvr>
+    <a:masterClrMapping/>
+  </p:clrMapOvr>
+</p:sld>
+</file>
+
+<file path=ppt/slides/slide3.xml><?xml version="1.0" encoding="utf-8"?>
+<p:sld xmlns:a="http://schemas.openxmlformats.org/drawingml/2006/main" xmlns:r="http://schemas.openxmlformats.org/officeDocument/2006/relationships" xmlns:p="http://schemas.openxmlformats.org/presentationml/2006/main">
+  <p:cSld>
+    <p:spTree>
+      <p:nvGrpSpPr>
+        <p:cNvPr id="1" name=""/>
+        <p:cNvGrpSpPr/>
+        <p:nvPr/>
+      </p:nvGrpSpPr>
+      <p:grpSpPr>
+        <a:xfrm>
+          <a:off x="0" y="0"/>
+          <a:ext cx="0" cy="0"/>
+          <a:chOff x="0" y="0"/>
+          <a:chExt cx="0" cy="0"/>
+        </a:xfrm>
+      </p:grpSpPr>
+      <p:pic>
+        <p:nvPicPr>
+          <p:cNvPr id="1027" name="Picture 3" descr="F:\GitHub_Clef\07_Etude_Systemes_Mecaniques_Analyser_Concevoir_Realiser\Concevoir\03_LiaisonsEncastrementDemontables\Cours\LaTex_2012\png\PlanPrep_2.png"/>
+          <p:cNvPicPr>
+            <a:picLocks noChangeAspect="1" noChangeArrowheads="1"/>
+          </p:cNvPicPr>
+          <p:nvPr/>
+        </p:nvPicPr>
+        <p:blipFill rotWithShape="1">
+          <a:blip r:embed="rId2" cstate="print">
+            <a:extLst>
+              <a:ext uri="{28A0092B-C50C-407E-A947-70E740481C1C}">
+                <a14:useLocalDpi xmlns:a14="http://schemas.microsoft.com/office/drawing/2010/main" val="0"/>
+              </a:ext>
+            </a:extLst>
+          </a:blip>
+          <a:srcRect l="66066" b="10327"/>
+          <a:stretch/>
+        </p:blipFill>
+        <p:spPr bwMode="auto">
+          <a:xfrm>
+            <a:off x="3431728" y="2758827"/>
+            <a:ext cx="1272431" cy="2017192"/>
+          </a:xfrm>
+          <a:prstGeom prst="rect">
+            <a:avLst/>
+          </a:prstGeom>
+          <a:noFill/>
+          <a:extLst>
+            <a:ext uri="{909E8E84-426E-40DD-AFC4-6F175D3DCCD1}">
+              <a14:hiddenFill xmlns:a14="http://schemas.microsoft.com/office/drawing/2010/main">
+                <a:solidFill>
+                  <a:srgbClr val="FFFFFF"/>
+                </a:solidFill>
+              </a14:hiddenFill>
+            </a:ext>
+          </a:extLst>
+        </p:spPr>
+      </p:pic>
+      <p:pic>
+        <p:nvPicPr>
+          <p:cNvPr id="6" name="Picture 3" descr="F:\GitHub_Clef\07_Etude_Systemes_Mecaniques_Analyser_Concevoir_Realiser\Concevoir\03_LiaisonsEncastrementDemontables\Cours\LaTex_2012\png\PlanPrep_2.png"/>
+          <p:cNvPicPr>
+            <a:picLocks noChangeAspect="1" noChangeArrowheads="1"/>
+          </p:cNvPicPr>
+          <p:nvPr/>
+        </p:nvPicPr>
+        <p:blipFill rotWithShape="1">
+          <a:blip r:embed="rId2" cstate="print">
+            <a:extLst>
+              <a:ext uri="{28A0092B-C50C-407E-A947-70E740481C1C}">
+                <a14:useLocalDpi xmlns:a14="http://schemas.microsoft.com/office/drawing/2010/main" val="0"/>
+              </a:ext>
+            </a:extLst>
+          </a:blip>
+          <a:srcRect l="66066" b="10327"/>
+          <a:stretch/>
+        </p:blipFill>
+        <p:spPr bwMode="auto">
+          <a:xfrm>
+            <a:off x="5340375" y="2780928"/>
+            <a:ext cx="1272431" cy="2017192"/>
+          </a:xfrm>
+          <a:prstGeom prst="rect">
+            <a:avLst/>
+          </a:prstGeom>
+          <a:noFill/>
+          <a:extLst>
+            <a:ext uri="{909E8E84-426E-40DD-AFC4-6F175D3DCCD1}">
+              <a14:hiddenFill xmlns:a14="http://schemas.microsoft.com/office/drawing/2010/main">
+                <a:solidFill>
+                  <a:srgbClr val="FFFFFF"/>
+                </a:solidFill>
+              </a14:hiddenFill>
+            </a:ext>
+          </a:extLst>
+        </p:spPr>
+      </p:pic>
+      <p:cxnSp>
+        <p:nvCxnSpPr>
+          <p:cNvPr id="5" name="Connecteur droit 4"/>
+          <p:cNvCxnSpPr/>
+          <p:nvPr/>
+        </p:nvCxnSpPr>
+        <p:spPr>
+          <a:xfrm>
+            <a:off x="3707904" y="2939233"/>
+            <a:ext cx="0" cy="216024"/>
+          </a:xfrm>
+          <a:prstGeom prst="line">
+            <a:avLst/>
+          </a:prstGeom>
+          <a:ln w="28575">
+            <a:solidFill>
+              <a:srgbClr val="FF0000"/>
+            </a:solidFill>
+          </a:ln>
+        </p:spPr>
+        <p:style>
+          <a:lnRef idx="1">
+            <a:schemeClr val="accent1"/>
+          </a:lnRef>
+          <a:fillRef idx="0">
+            <a:schemeClr val="accent1"/>
+          </a:fillRef>
+          <a:effectRef idx="0">
+            <a:schemeClr val="accent1"/>
+          </a:effectRef>
+          <a:fontRef idx="minor">
+            <a:schemeClr val="tx1"/>
+          </a:fontRef>
+        </p:style>
+      </p:cxnSp>
+      <p:cxnSp>
+        <p:nvCxnSpPr>
+          <p:cNvPr id="9" name="Connecteur droit 8"/>
+          <p:cNvCxnSpPr/>
+          <p:nvPr/>
+        </p:nvCxnSpPr>
+        <p:spPr>
+          <a:xfrm>
+            <a:off x="3701058" y="4437112"/>
+            <a:ext cx="0" cy="216024"/>
+          </a:xfrm>
+          <a:prstGeom prst="line">
+            <a:avLst/>
+          </a:prstGeom>
+          <a:ln w="28575">
+            <a:solidFill>
+              <a:srgbClr val="FF0000"/>
+            </a:solidFill>
+          </a:ln>
+        </p:spPr>
+        <p:style>
+          <a:lnRef idx="1">
+            <a:schemeClr val="accent1"/>
+          </a:lnRef>
+          <a:fillRef idx="0">
+            <a:schemeClr val="accent1"/>
+          </a:fillRef>
+          <a:effectRef idx="0">
+            <a:schemeClr val="accent1"/>
+          </a:effectRef>
+          <a:fontRef idx="minor">
+            <a:schemeClr val="tx1"/>
+          </a:fontRef>
+        </p:style>
+      </p:cxnSp>
+      <p:cxnSp>
+        <p:nvCxnSpPr>
+          <p:cNvPr id="10" name="Connecteur droit 9"/>
+          <p:cNvCxnSpPr/>
+          <p:nvPr/>
+        </p:nvCxnSpPr>
+        <p:spPr>
+          <a:xfrm flipH="1">
+            <a:off x="5628305" y="4437112"/>
+            <a:ext cx="78730" cy="0"/>
+          </a:xfrm>
+          <a:prstGeom prst="line">
+            <a:avLst/>
+          </a:prstGeom>
+          <a:ln w="28575">
+            <a:solidFill>
+              <a:srgbClr val="FF0000"/>
+            </a:solidFill>
+          </a:ln>
+        </p:spPr>
+        <p:style>
+          <a:lnRef idx="1">
+            <a:schemeClr val="accent1"/>
+          </a:lnRef>
+          <a:fillRef idx="0">
+            <a:schemeClr val="accent1"/>
+          </a:fillRef>
+          <a:effectRef idx="0">
+            <a:schemeClr val="accent1"/>
+          </a:effectRef>
+          <a:fontRef idx="minor">
+            <a:schemeClr val="tx1"/>
+          </a:fontRef>
+        </p:style>
+      </p:cxnSp>
+      <p:cxnSp>
+        <p:nvCxnSpPr>
+          <p:cNvPr id="13" name="Connecteur droit 12"/>
+          <p:cNvCxnSpPr/>
+          <p:nvPr/>
+        </p:nvCxnSpPr>
+        <p:spPr>
+          <a:xfrm flipH="1">
+            <a:off x="5640635" y="3193924"/>
+            <a:ext cx="78730" cy="0"/>
+          </a:xfrm>
+          <a:prstGeom prst="line">
+            <a:avLst/>
+          </a:prstGeom>
+          <a:ln w="28575">
+            <a:solidFill>
+              <a:srgbClr val="FF0000"/>
+            </a:solidFill>
+          </a:ln>
+        </p:spPr>
+        <p:style>
+          <a:lnRef idx="1">
+            <a:schemeClr val="accent1"/>
+          </a:lnRef>
+          <a:fillRef idx="0">
+            <a:schemeClr val="accent1"/>
+          </a:fillRef>
+          <a:effectRef idx="0">
+            <a:schemeClr val="accent1"/>
+          </a:effectRef>
+          <a:fontRef idx="minor">
+            <a:schemeClr val="tx1"/>
+          </a:fontRef>
+        </p:style>
+      </p:cxnSp>
+    </p:spTree>
+    <p:extLst>
+      <p:ext uri="{BB962C8B-B14F-4D97-AF65-F5344CB8AC3E}">
+        <p14:creationId xmlns:p14="http://schemas.microsoft.com/office/powerpoint/2010/main" val="2049305541"/>
       </p:ext>
     </p:extLst>
   </p:cSld>

--- a/01_LiaisonEncastrement/Cours/Figures/Figures.pptx
+++ b/01_LiaisonEncastrement/Cours/Figures/Figures.pptx
@@ -8,6 +8,8 @@
     <p:sldId id="256" r:id="rId2"/>
     <p:sldId id="257" r:id="rId3"/>
     <p:sldId id="258" r:id="rId4"/>
+    <p:sldId id="259" r:id="rId5"/>
+    <p:sldId id="260" r:id="rId6"/>
   </p:sldIdLst>
   <p:sldSz cx="9144000" cy="6858000" type="screen4x3"/>
   <p:notesSz cx="6858000" cy="9144000"/>
@@ -290,7 +292,7 @@
           <a:p>
             <a:fld id="{AA309A6D-C09C-4548-B29A-6CF363A7E532}" type="datetimeFigureOut">
               <a:rPr lang="fr-FR" smtClean="0"/>
-              <a:t>11/05/2016</a:t>
+              <a:t>01/07/2016</a:t>
             </a:fld>
             <a:endParaRPr lang="fr-BE"/>
           </a:p>
@@ -455,7 +457,7 @@
           <a:p>
             <a:fld id="{AA309A6D-C09C-4548-B29A-6CF363A7E532}" type="datetimeFigureOut">
               <a:rPr lang="fr-FR" smtClean="0"/>
-              <a:t>11/05/2016</a:t>
+              <a:t>01/07/2016</a:t>
             </a:fld>
             <a:endParaRPr lang="fr-BE"/>
           </a:p>
@@ -630,7 +632,7 @@
           <a:p>
             <a:fld id="{AA309A6D-C09C-4548-B29A-6CF363A7E532}" type="datetimeFigureOut">
               <a:rPr lang="fr-FR" smtClean="0"/>
-              <a:t>11/05/2016</a:t>
+              <a:t>01/07/2016</a:t>
             </a:fld>
             <a:endParaRPr lang="fr-BE"/>
           </a:p>
@@ -795,7 +797,7 @@
           <a:p>
             <a:fld id="{AA309A6D-C09C-4548-B29A-6CF363A7E532}" type="datetimeFigureOut">
               <a:rPr lang="fr-FR" smtClean="0"/>
-              <a:t>11/05/2016</a:t>
+              <a:t>01/07/2016</a:t>
             </a:fld>
             <a:endParaRPr lang="fr-BE"/>
           </a:p>
@@ -1036,7 +1038,7 @@
           <a:p>
             <a:fld id="{AA309A6D-C09C-4548-B29A-6CF363A7E532}" type="datetimeFigureOut">
               <a:rPr lang="fr-FR" smtClean="0"/>
-              <a:t>11/05/2016</a:t>
+              <a:t>01/07/2016</a:t>
             </a:fld>
             <a:endParaRPr lang="fr-BE"/>
           </a:p>
@@ -1319,7 +1321,7 @@
           <a:p>
             <a:fld id="{AA309A6D-C09C-4548-B29A-6CF363A7E532}" type="datetimeFigureOut">
               <a:rPr lang="fr-FR" smtClean="0"/>
-              <a:t>11/05/2016</a:t>
+              <a:t>01/07/2016</a:t>
             </a:fld>
             <a:endParaRPr lang="fr-BE"/>
           </a:p>
@@ -1736,7 +1738,7 @@
           <a:p>
             <a:fld id="{AA309A6D-C09C-4548-B29A-6CF363A7E532}" type="datetimeFigureOut">
               <a:rPr lang="fr-FR" smtClean="0"/>
-              <a:t>11/05/2016</a:t>
+              <a:t>01/07/2016</a:t>
             </a:fld>
             <a:endParaRPr lang="fr-BE"/>
           </a:p>
@@ -1849,7 +1851,7 @@
           <a:p>
             <a:fld id="{AA309A6D-C09C-4548-B29A-6CF363A7E532}" type="datetimeFigureOut">
               <a:rPr lang="fr-FR" smtClean="0"/>
-              <a:t>11/05/2016</a:t>
+              <a:t>01/07/2016</a:t>
             </a:fld>
             <a:endParaRPr lang="fr-BE"/>
           </a:p>
@@ -1939,7 +1941,7 @@
           <a:p>
             <a:fld id="{AA309A6D-C09C-4548-B29A-6CF363A7E532}" type="datetimeFigureOut">
               <a:rPr lang="fr-FR" smtClean="0"/>
-              <a:t>11/05/2016</a:t>
+              <a:t>01/07/2016</a:t>
             </a:fld>
             <a:endParaRPr lang="fr-BE"/>
           </a:p>
@@ -2211,7 +2213,7 @@
           <a:p>
             <a:fld id="{AA309A6D-C09C-4548-B29A-6CF363A7E532}" type="datetimeFigureOut">
               <a:rPr lang="fr-FR" smtClean="0"/>
-              <a:t>11/05/2016</a:t>
+              <a:t>01/07/2016</a:t>
             </a:fld>
             <a:endParaRPr lang="fr-BE"/>
           </a:p>
@@ -2459,7 +2461,7 @@
           <a:p>
             <a:fld id="{AA309A6D-C09C-4548-B29A-6CF363A7E532}" type="datetimeFigureOut">
               <a:rPr lang="fr-FR" smtClean="0"/>
-              <a:t>11/05/2016</a:t>
+              <a:t>01/07/2016</a:t>
             </a:fld>
             <a:endParaRPr lang="fr-BE"/>
           </a:p>
@@ -2667,7 +2669,7 @@
           <a:p>
             <a:fld id="{AA309A6D-C09C-4548-B29A-6CF363A7E532}" type="datetimeFigureOut">
               <a:rPr lang="fr-FR" smtClean="0"/>
-              <a:t>11/05/2016</a:t>
+              <a:t>01/07/2016</a:t>
             </a:fld>
             <a:endParaRPr lang="fr-BE"/>
           </a:p>
@@ -3575,6 +3577,3321 @@
     <p:extLst>
       <p:ext uri="{BB962C8B-B14F-4D97-AF65-F5344CB8AC3E}">
         <p14:creationId xmlns:p14="http://schemas.microsoft.com/office/powerpoint/2010/main" val="2049305541"/>
+      </p:ext>
+    </p:extLst>
+  </p:cSld>
+  <p:clrMapOvr>
+    <a:masterClrMapping/>
+  </p:clrMapOvr>
+</p:sld>
+</file>
+
+<file path=ppt/slides/slide4.xml><?xml version="1.0" encoding="utf-8"?>
+<p:sld xmlns:a="http://schemas.openxmlformats.org/drawingml/2006/main" xmlns:r="http://schemas.openxmlformats.org/officeDocument/2006/relationships" xmlns:p="http://schemas.openxmlformats.org/presentationml/2006/main">
+  <p:cSld>
+    <p:spTree>
+      <p:nvGrpSpPr>
+        <p:cNvPr id="1" name=""/>
+        <p:cNvGrpSpPr/>
+        <p:nvPr/>
+      </p:nvGrpSpPr>
+      <p:grpSpPr>
+        <a:xfrm>
+          <a:off x="0" y="0"/>
+          <a:ext cx="0" cy="0"/>
+          <a:chOff x="0" y="0"/>
+          <a:chExt cx="0" cy="0"/>
+        </a:xfrm>
+      </p:grpSpPr>
+      <p:sp>
+        <p:nvSpPr>
+          <p:cNvPr id="69" name="Rectangle 68"/>
+          <p:cNvSpPr/>
+          <p:nvPr/>
+        </p:nvSpPr>
+        <p:spPr>
+          <a:xfrm>
+            <a:off x="4572001" y="1278209"/>
+            <a:ext cx="720081" cy="712862"/>
+          </a:xfrm>
+          <a:prstGeom prst="rect">
+            <a:avLst/>
+          </a:prstGeom>
+          <a:pattFill prst="ltUpDiag">
+            <a:fgClr>
+              <a:schemeClr val="accent1"/>
+            </a:fgClr>
+            <a:bgClr>
+              <a:schemeClr val="bg1"/>
+            </a:bgClr>
+          </a:pattFill>
+          <a:ln>
+            <a:noFill/>
+          </a:ln>
+        </p:spPr>
+        <p:style>
+          <a:lnRef idx="2">
+            <a:schemeClr val="accent1">
+              <a:shade val="50000"/>
+            </a:schemeClr>
+          </a:lnRef>
+          <a:fillRef idx="1">
+            <a:schemeClr val="accent1"/>
+          </a:fillRef>
+          <a:effectRef idx="0">
+            <a:schemeClr val="accent1"/>
+          </a:effectRef>
+          <a:fontRef idx="minor">
+            <a:schemeClr val="lt1"/>
+          </a:fontRef>
+        </p:style>
+        <p:txBody>
+          <a:bodyPr rtlCol="0" anchor="ctr"/>
+          <a:lstStyle/>
+          <a:p>
+            <a:pPr algn="ctr"/>
+            <a:endParaRPr lang="fr-FR"/>
+          </a:p>
+        </p:txBody>
+      </p:sp>
+      <p:sp>
+        <p:nvSpPr>
+          <p:cNvPr id="68" name="Rectangle 67"/>
+          <p:cNvSpPr/>
+          <p:nvPr/>
+        </p:nvSpPr>
+        <p:spPr>
+          <a:xfrm>
+            <a:off x="3131840" y="1268760"/>
+            <a:ext cx="720081" cy="712862"/>
+          </a:xfrm>
+          <a:prstGeom prst="rect">
+            <a:avLst/>
+          </a:prstGeom>
+          <a:pattFill prst="ltUpDiag">
+            <a:fgClr>
+              <a:schemeClr val="accent1"/>
+            </a:fgClr>
+            <a:bgClr>
+              <a:schemeClr val="bg1"/>
+            </a:bgClr>
+          </a:pattFill>
+          <a:ln>
+            <a:noFill/>
+          </a:ln>
+        </p:spPr>
+        <p:style>
+          <a:lnRef idx="2">
+            <a:schemeClr val="accent1">
+              <a:shade val="50000"/>
+            </a:schemeClr>
+          </a:lnRef>
+          <a:fillRef idx="1">
+            <a:schemeClr val="accent1"/>
+          </a:fillRef>
+          <a:effectRef idx="0">
+            <a:schemeClr val="accent1"/>
+          </a:effectRef>
+          <a:fontRef idx="minor">
+            <a:schemeClr val="lt1"/>
+          </a:fontRef>
+        </p:style>
+        <p:txBody>
+          <a:bodyPr rtlCol="0" anchor="ctr"/>
+          <a:lstStyle/>
+          <a:p>
+            <a:pPr algn="ctr"/>
+            <a:endParaRPr lang="fr-FR"/>
+          </a:p>
+        </p:txBody>
+      </p:sp>
+      <p:cxnSp>
+        <p:nvCxnSpPr>
+          <p:cNvPr id="5" name="Connecteur droit 4"/>
+          <p:cNvCxnSpPr/>
+          <p:nvPr/>
+        </p:nvCxnSpPr>
+        <p:spPr>
+          <a:xfrm>
+            <a:off x="1691680" y="548680"/>
+            <a:ext cx="0" cy="1440160"/>
+          </a:xfrm>
+          <a:prstGeom prst="line">
+            <a:avLst/>
+          </a:prstGeom>
+          <a:ln w="12700">
+            <a:solidFill>
+              <a:schemeClr val="accent5">
+                <a:lumMod val="50000"/>
+              </a:schemeClr>
+            </a:solidFill>
+          </a:ln>
+        </p:spPr>
+        <p:style>
+          <a:lnRef idx="1">
+            <a:schemeClr val="accent1"/>
+          </a:lnRef>
+          <a:fillRef idx="0">
+            <a:schemeClr val="accent1"/>
+          </a:fillRef>
+          <a:effectRef idx="0">
+            <a:schemeClr val="accent1"/>
+          </a:effectRef>
+          <a:fontRef idx="minor">
+            <a:schemeClr val="tx1"/>
+          </a:fontRef>
+        </p:style>
+      </p:cxnSp>
+      <p:cxnSp>
+        <p:nvCxnSpPr>
+          <p:cNvPr id="6" name="Connecteur droit 5"/>
+          <p:cNvCxnSpPr/>
+          <p:nvPr/>
+        </p:nvCxnSpPr>
+        <p:spPr>
+          <a:xfrm>
+            <a:off x="2411760" y="548680"/>
+            <a:ext cx="0" cy="1440160"/>
+          </a:xfrm>
+          <a:prstGeom prst="line">
+            <a:avLst/>
+          </a:prstGeom>
+          <a:ln w="12700">
+            <a:solidFill>
+              <a:schemeClr val="accent5">
+                <a:lumMod val="50000"/>
+              </a:schemeClr>
+            </a:solidFill>
+          </a:ln>
+        </p:spPr>
+        <p:style>
+          <a:lnRef idx="1">
+            <a:schemeClr val="accent1"/>
+          </a:lnRef>
+          <a:fillRef idx="0">
+            <a:schemeClr val="accent1"/>
+          </a:fillRef>
+          <a:effectRef idx="0">
+            <a:schemeClr val="accent1"/>
+          </a:effectRef>
+          <a:fontRef idx="minor">
+            <a:schemeClr val="tx1"/>
+          </a:fontRef>
+        </p:style>
+      </p:cxnSp>
+      <p:cxnSp>
+        <p:nvCxnSpPr>
+          <p:cNvPr id="7" name="Connecteur droit 6"/>
+          <p:cNvCxnSpPr/>
+          <p:nvPr/>
+        </p:nvCxnSpPr>
+        <p:spPr>
+          <a:xfrm>
+            <a:off x="1331640" y="543620"/>
+            <a:ext cx="1440160" cy="0"/>
+          </a:xfrm>
+          <a:prstGeom prst="line">
+            <a:avLst/>
+          </a:prstGeom>
+          <a:ln w="12700">
+            <a:solidFill>
+              <a:schemeClr val="accent5">
+                <a:lumMod val="50000"/>
+              </a:schemeClr>
+            </a:solidFill>
+          </a:ln>
+        </p:spPr>
+        <p:style>
+          <a:lnRef idx="1">
+            <a:schemeClr val="accent1"/>
+          </a:lnRef>
+          <a:fillRef idx="0">
+            <a:schemeClr val="accent1"/>
+          </a:fillRef>
+          <a:effectRef idx="0">
+            <a:schemeClr val="accent1"/>
+          </a:effectRef>
+          <a:fontRef idx="minor">
+            <a:schemeClr val="tx1"/>
+          </a:fontRef>
+        </p:style>
+      </p:cxnSp>
+      <p:cxnSp>
+        <p:nvCxnSpPr>
+          <p:cNvPr id="10" name="Connecteur droit 9"/>
+          <p:cNvCxnSpPr/>
+          <p:nvPr/>
+        </p:nvCxnSpPr>
+        <p:spPr>
+          <a:xfrm>
+            <a:off x="1691680" y="1981622"/>
+            <a:ext cx="720080" cy="0"/>
+          </a:xfrm>
+          <a:prstGeom prst="line">
+            <a:avLst/>
+          </a:prstGeom>
+          <a:ln w="12700">
+            <a:solidFill>
+              <a:schemeClr val="accent5">
+                <a:lumMod val="50000"/>
+              </a:schemeClr>
+            </a:solidFill>
+          </a:ln>
+        </p:spPr>
+        <p:style>
+          <a:lnRef idx="1">
+            <a:schemeClr val="accent1"/>
+          </a:lnRef>
+          <a:fillRef idx="0">
+            <a:schemeClr val="accent1"/>
+          </a:fillRef>
+          <a:effectRef idx="0">
+            <a:schemeClr val="accent1"/>
+          </a:effectRef>
+          <a:fontRef idx="minor">
+            <a:schemeClr val="tx1"/>
+          </a:fontRef>
+        </p:style>
+      </p:cxnSp>
+      <p:cxnSp>
+        <p:nvCxnSpPr>
+          <p:cNvPr id="12" name="Connecteur droit 11"/>
+          <p:cNvCxnSpPr/>
+          <p:nvPr/>
+        </p:nvCxnSpPr>
+        <p:spPr>
+          <a:xfrm>
+            <a:off x="1691680" y="1981622"/>
+            <a:ext cx="72008" cy="76200"/>
+          </a:xfrm>
+          <a:prstGeom prst="line">
+            <a:avLst/>
+          </a:prstGeom>
+          <a:ln w="12700">
+            <a:solidFill>
+              <a:schemeClr val="accent5">
+                <a:lumMod val="50000"/>
+              </a:schemeClr>
+            </a:solidFill>
+          </a:ln>
+        </p:spPr>
+        <p:style>
+          <a:lnRef idx="1">
+            <a:schemeClr val="accent1"/>
+          </a:lnRef>
+          <a:fillRef idx="0">
+            <a:schemeClr val="accent1"/>
+          </a:fillRef>
+          <a:effectRef idx="0">
+            <a:schemeClr val="accent1"/>
+          </a:effectRef>
+          <a:fontRef idx="minor">
+            <a:schemeClr val="tx1"/>
+          </a:fontRef>
+        </p:style>
+      </p:cxnSp>
+      <p:cxnSp>
+        <p:nvCxnSpPr>
+          <p:cNvPr id="15" name="Connecteur droit 14"/>
+          <p:cNvCxnSpPr/>
+          <p:nvPr/>
+        </p:nvCxnSpPr>
+        <p:spPr>
+          <a:xfrm flipH="1">
+            <a:off x="2339752" y="1981622"/>
+            <a:ext cx="72008" cy="76200"/>
+          </a:xfrm>
+          <a:prstGeom prst="line">
+            <a:avLst/>
+          </a:prstGeom>
+          <a:ln w="12700">
+            <a:solidFill>
+              <a:schemeClr val="accent5">
+                <a:lumMod val="50000"/>
+              </a:schemeClr>
+            </a:solidFill>
+          </a:ln>
+        </p:spPr>
+        <p:style>
+          <a:lnRef idx="1">
+            <a:schemeClr val="accent1"/>
+          </a:lnRef>
+          <a:fillRef idx="0">
+            <a:schemeClr val="accent1"/>
+          </a:fillRef>
+          <a:effectRef idx="0">
+            <a:schemeClr val="accent1"/>
+          </a:effectRef>
+          <a:fontRef idx="minor">
+            <a:schemeClr val="tx1"/>
+          </a:fontRef>
+        </p:style>
+      </p:cxnSp>
+      <p:cxnSp>
+        <p:nvCxnSpPr>
+          <p:cNvPr id="16" name="Connecteur droit 15"/>
+          <p:cNvCxnSpPr/>
+          <p:nvPr/>
+        </p:nvCxnSpPr>
+        <p:spPr>
+          <a:xfrm>
+            <a:off x="1761577" y="2057822"/>
+            <a:ext cx="578175" cy="0"/>
+          </a:xfrm>
+          <a:prstGeom prst="line">
+            <a:avLst/>
+          </a:prstGeom>
+          <a:ln w="12700">
+            <a:solidFill>
+              <a:schemeClr val="accent5">
+                <a:lumMod val="50000"/>
+              </a:schemeClr>
+            </a:solidFill>
+          </a:ln>
+        </p:spPr>
+        <p:style>
+          <a:lnRef idx="1">
+            <a:schemeClr val="accent1"/>
+          </a:lnRef>
+          <a:fillRef idx="0">
+            <a:schemeClr val="accent1"/>
+          </a:fillRef>
+          <a:effectRef idx="0">
+            <a:schemeClr val="accent1"/>
+          </a:effectRef>
+          <a:fontRef idx="minor">
+            <a:schemeClr val="tx1"/>
+          </a:fontRef>
+        </p:style>
+      </p:cxnSp>
+      <p:cxnSp>
+        <p:nvCxnSpPr>
+          <p:cNvPr id="18" name="Connecteur droit 17"/>
+          <p:cNvCxnSpPr/>
+          <p:nvPr/>
+        </p:nvCxnSpPr>
+        <p:spPr>
+          <a:xfrm>
+            <a:off x="2051720" y="-243408"/>
+            <a:ext cx="0" cy="2384648"/>
+          </a:xfrm>
+          <a:prstGeom prst="line">
+            <a:avLst/>
+          </a:prstGeom>
+          <a:ln w="6350">
+            <a:solidFill>
+              <a:schemeClr val="accent5">
+                <a:lumMod val="50000"/>
+              </a:schemeClr>
+            </a:solidFill>
+            <a:prstDash val="lgDashDot"/>
+          </a:ln>
+        </p:spPr>
+        <p:style>
+          <a:lnRef idx="1">
+            <a:schemeClr val="accent1"/>
+          </a:lnRef>
+          <a:fillRef idx="0">
+            <a:schemeClr val="accent1"/>
+          </a:fillRef>
+          <a:effectRef idx="0">
+            <a:schemeClr val="accent1"/>
+          </a:effectRef>
+          <a:fontRef idx="minor">
+            <a:schemeClr val="tx1"/>
+          </a:fontRef>
+        </p:style>
+      </p:cxnSp>
+      <p:cxnSp>
+        <p:nvCxnSpPr>
+          <p:cNvPr id="20" name="Connecteur droit 19"/>
+          <p:cNvCxnSpPr/>
+          <p:nvPr/>
+        </p:nvCxnSpPr>
+        <p:spPr>
+          <a:xfrm rot="5400000">
+            <a:off x="1043640" y="255620"/>
+            <a:ext cx="576000" cy="0"/>
+          </a:xfrm>
+          <a:prstGeom prst="line">
+            <a:avLst/>
+          </a:prstGeom>
+          <a:ln w="12700">
+            <a:solidFill>
+              <a:schemeClr val="accent5">
+                <a:lumMod val="50000"/>
+              </a:schemeClr>
+            </a:solidFill>
+          </a:ln>
+        </p:spPr>
+        <p:style>
+          <a:lnRef idx="1">
+            <a:schemeClr val="accent1"/>
+          </a:lnRef>
+          <a:fillRef idx="0">
+            <a:schemeClr val="accent1"/>
+          </a:fillRef>
+          <a:effectRef idx="0">
+            <a:schemeClr val="accent1"/>
+          </a:effectRef>
+          <a:fontRef idx="minor">
+            <a:schemeClr val="tx1"/>
+          </a:fontRef>
+        </p:style>
+      </p:cxnSp>
+      <p:cxnSp>
+        <p:nvCxnSpPr>
+          <p:cNvPr id="21" name="Connecteur droit 20"/>
+          <p:cNvCxnSpPr/>
+          <p:nvPr/>
+        </p:nvCxnSpPr>
+        <p:spPr>
+          <a:xfrm rot="5400000">
+            <a:off x="2483800" y="255620"/>
+            <a:ext cx="576000" cy="0"/>
+          </a:xfrm>
+          <a:prstGeom prst="line">
+            <a:avLst/>
+          </a:prstGeom>
+          <a:ln w="12700">
+            <a:solidFill>
+              <a:schemeClr val="accent5">
+                <a:lumMod val="50000"/>
+              </a:schemeClr>
+            </a:solidFill>
+          </a:ln>
+        </p:spPr>
+        <p:style>
+          <a:lnRef idx="1">
+            <a:schemeClr val="accent1"/>
+          </a:lnRef>
+          <a:fillRef idx="0">
+            <a:schemeClr val="accent1"/>
+          </a:fillRef>
+          <a:effectRef idx="0">
+            <a:schemeClr val="accent1"/>
+          </a:effectRef>
+          <a:fontRef idx="minor">
+            <a:schemeClr val="tx1"/>
+          </a:fontRef>
+        </p:style>
+      </p:cxnSp>
+      <p:cxnSp>
+        <p:nvCxnSpPr>
+          <p:cNvPr id="24" name="Connecteur droit 23"/>
+          <p:cNvCxnSpPr/>
+          <p:nvPr/>
+        </p:nvCxnSpPr>
+        <p:spPr>
+          <a:xfrm>
+            <a:off x="1331640" y="-32380"/>
+            <a:ext cx="1440160" cy="0"/>
+          </a:xfrm>
+          <a:prstGeom prst="line">
+            <a:avLst/>
+          </a:prstGeom>
+          <a:ln w="12700">
+            <a:solidFill>
+              <a:schemeClr val="accent5">
+                <a:lumMod val="50000"/>
+              </a:schemeClr>
+            </a:solidFill>
+          </a:ln>
+        </p:spPr>
+        <p:style>
+          <a:lnRef idx="1">
+            <a:schemeClr val="accent1"/>
+          </a:lnRef>
+          <a:fillRef idx="0">
+            <a:schemeClr val="accent1"/>
+          </a:fillRef>
+          <a:effectRef idx="0">
+            <a:schemeClr val="accent1"/>
+          </a:effectRef>
+          <a:fontRef idx="minor">
+            <a:schemeClr val="tx1"/>
+          </a:fontRef>
+        </p:style>
+      </p:cxnSp>
+      <p:cxnSp>
+        <p:nvCxnSpPr>
+          <p:cNvPr id="26" name="Connecteur droit 25"/>
+          <p:cNvCxnSpPr/>
+          <p:nvPr/>
+        </p:nvCxnSpPr>
+        <p:spPr>
+          <a:xfrm>
+            <a:off x="1761577" y="692696"/>
+            <a:ext cx="0" cy="1365126"/>
+          </a:xfrm>
+          <a:prstGeom prst="line">
+            <a:avLst/>
+          </a:prstGeom>
+          <a:ln w="6350">
+            <a:solidFill>
+              <a:schemeClr val="accent5">
+                <a:lumMod val="50000"/>
+              </a:schemeClr>
+            </a:solidFill>
+          </a:ln>
+        </p:spPr>
+        <p:style>
+          <a:lnRef idx="1">
+            <a:schemeClr val="accent1"/>
+          </a:lnRef>
+          <a:fillRef idx="0">
+            <a:schemeClr val="accent1"/>
+          </a:fillRef>
+          <a:effectRef idx="0">
+            <a:schemeClr val="accent1"/>
+          </a:effectRef>
+          <a:fontRef idx="minor">
+            <a:schemeClr val="tx1"/>
+          </a:fontRef>
+        </p:style>
+      </p:cxnSp>
+      <p:cxnSp>
+        <p:nvCxnSpPr>
+          <p:cNvPr id="28" name="Connecteur droit 27"/>
+          <p:cNvCxnSpPr/>
+          <p:nvPr/>
+        </p:nvCxnSpPr>
+        <p:spPr>
+          <a:xfrm>
+            <a:off x="2339752" y="692696"/>
+            <a:ext cx="0" cy="1365126"/>
+          </a:xfrm>
+          <a:prstGeom prst="line">
+            <a:avLst/>
+          </a:prstGeom>
+          <a:ln w="6350">
+            <a:solidFill>
+              <a:schemeClr val="accent5">
+                <a:lumMod val="50000"/>
+              </a:schemeClr>
+            </a:solidFill>
+          </a:ln>
+        </p:spPr>
+        <p:style>
+          <a:lnRef idx="1">
+            <a:schemeClr val="accent1"/>
+          </a:lnRef>
+          <a:fillRef idx="0">
+            <a:schemeClr val="accent1"/>
+          </a:fillRef>
+          <a:effectRef idx="0">
+            <a:schemeClr val="accent1"/>
+          </a:effectRef>
+          <a:fontRef idx="minor">
+            <a:schemeClr val="tx1"/>
+          </a:fontRef>
+        </p:style>
+      </p:cxnSp>
+      <p:cxnSp>
+        <p:nvCxnSpPr>
+          <p:cNvPr id="29" name="Connecteur droit 28"/>
+          <p:cNvCxnSpPr/>
+          <p:nvPr/>
+        </p:nvCxnSpPr>
+        <p:spPr>
+          <a:xfrm>
+            <a:off x="1691680" y="692696"/>
+            <a:ext cx="720080" cy="0"/>
+          </a:xfrm>
+          <a:prstGeom prst="line">
+            <a:avLst/>
+          </a:prstGeom>
+          <a:ln w="6350">
+            <a:solidFill>
+              <a:schemeClr val="accent5">
+                <a:lumMod val="50000"/>
+              </a:schemeClr>
+            </a:solidFill>
+          </a:ln>
+        </p:spPr>
+        <p:style>
+          <a:lnRef idx="1">
+            <a:schemeClr val="accent1"/>
+          </a:lnRef>
+          <a:fillRef idx="0">
+            <a:schemeClr val="accent1"/>
+          </a:fillRef>
+          <a:effectRef idx="0">
+            <a:schemeClr val="accent1"/>
+          </a:effectRef>
+          <a:fontRef idx="minor">
+            <a:schemeClr val="tx1"/>
+          </a:fontRef>
+        </p:style>
+      </p:cxnSp>
+      <p:cxnSp>
+        <p:nvCxnSpPr>
+          <p:cNvPr id="37" name="Connecteur droit 36"/>
+          <p:cNvCxnSpPr/>
+          <p:nvPr/>
+        </p:nvCxnSpPr>
+        <p:spPr>
+          <a:xfrm>
+            <a:off x="1691680" y="-33378"/>
+            <a:ext cx="0" cy="288998"/>
+          </a:xfrm>
+          <a:prstGeom prst="line">
+            <a:avLst/>
+          </a:prstGeom>
+          <a:ln w="6350">
+            <a:solidFill>
+              <a:schemeClr val="accent5">
+                <a:lumMod val="50000"/>
+              </a:schemeClr>
+            </a:solidFill>
+            <a:prstDash val="dash"/>
+          </a:ln>
+        </p:spPr>
+        <p:style>
+          <a:lnRef idx="1">
+            <a:schemeClr val="accent1"/>
+          </a:lnRef>
+          <a:fillRef idx="0">
+            <a:schemeClr val="accent1"/>
+          </a:fillRef>
+          <a:effectRef idx="0">
+            <a:schemeClr val="accent1"/>
+          </a:effectRef>
+          <a:fontRef idx="minor">
+            <a:schemeClr val="tx1"/>
+          </a:fontRef>
+        </p:style>
+      </p:cxnSp>
+      <p:cxnSp>
+        <p:nvCxnSpPr>
+          <p:cNvPr id="40" name="Connecteur droit 39"/>
+          <p:cNvCxnSpPr/>
+          <p:nvPr/>
+        </p:nvCxnSpPr>
+        <p:spPr>
+          <a:xfrm>
+            <a:off x="2411760" y="-32380"/>
+            <a:ext cx="0" cy="288998"/>
+          </a:xfrm>
+          <a:prstGeom prst="line">
+            <a:avLst/>
+          </a:prstGeom>
+          <a:ln w="6350">
+            <a:solidFill>
+              <a:schemeClr val="accent5">
+                <a:lumMod val="50000"/>
+              </a:schemeClr>
+            </a:solidFill>
+            <a:prstDash val="dash"/>
+          </a:ln>
+        </p:spPr>
+        <p:style>
+          <a:lnRef idx="1">
+            <a:schemeClr val="accent1"/>
+          </a:lnRef>
+          <a:fillRef idx="0">
+            <a:schemeClr val="accent1"/>
+          </a:fillRef>
+          <a:effectRef idx="0">
+            <a:schemeClr val="accent1"/>
+          </a:effectRef>
+          <a:fontRef idx="minor">
+            <a:schemeClr val="tx1"/>
+          </a:fontRef>
+        </p:style>
+      </p:cxnSp>
+      <p:cxnSp>
+        <p:nvCxnSpPr>
+          <p:cNvPr id="41" name="Connecteur droit 40"/>
+          <p:cNvCxnSpPr/>
+          <p:nvPr/>
+        </p:nvCxnSpPr>
+        <p:spPr>
+          <a:xfrm flipH="1">
+            <a:off x="1691680" y="255620"/>
+            <a:ext cx="720080" cy="0"/>
+          </a:xfrm>
+          <a:prstGeom prst="line">
+            <a:avLst/>
+          </a:prstGeom>
+          <a:ln w="6350">
+            <a:solidFill>
+              <a:schemeClr val="accent5">
+                <a:lumMod val="50000"/>
+              </a:schemeClr>
+            </a:solidFill>
+            <a:prstDash val="dash"/>
+          </a:ln>
+        </p:spPr>
+        <p:style>
+          <a:lnRef idx="1">
+            <a:schemeClr val="accent1"/>
+          </a:lnRef>
+          <a:fillRef idx="0">
+            <a:schemeClr val="accent1"/>
+          </a:fillRef>
+          <a:effectRef idx="0">
+            <a:schemeClr val="accent1"/>
+          </a:effectRef>
+          <a:fontRef idx="minor">
+            <a:schemeClr val="tx1"/>
+          </a:fontRef>
+        </p:style>
+      </p:cxnSp>
+      <p:cxnSp>
+        <p:nvCxnSpPr>
+          <p:cNvPr id="45" name="Connecteur droit 44"/>
+          <p:cNvCxnSpPr/>
+          <p:nvPr/>
+        </p:nvCxnSpPr>
+        <p:spPr>
+          <a:xfrm>
+            <a:off x="1907704" y="-32380"/>
+            <a:ext cx="0" cy="288998"/>
+          </a:xfrm>
+          <a:prstGeom prst="line">
+            <a:avLst/>
+          </a:prstGeom>
+          <a:ln w="6350">
+            <a:solidFill>
+              <a:schemeClr val="accent5">
+                <a:lumMod val="50000"/>
+              </a:schemeClr>
+            </a:solidFill>
+            <a:prstDash val="dash"/>
+          </a:ln>
+        </p:spPr>
+        <p:style>
+          <a:lnRef idx="1">
+            <a:schemeClr val="accent1"/>
+          </a:lnRef>
+          <a:fillRef idx="0">
+            <a:schemeClr val="accent1"/>
+          </a:fillRef>
+          <a:effectRef idx="0">
+            <a:schemeClr val="accent1"/>
+          </a:effectRef>
+          <a:fontRef idx="minor">
+            <a:schemeClr val="tx1"/>
+          </a:fontRef>
+        </p:style>
+      </p:cxnSp>
+      <p:cxnSp>
+        <p:nvCxnSpPr>
+          <p:cNvPr id="46" name="Connecteur droit 45"/>
+          <p:cNvCxnSpPr/>
+          <p:nvPr/>
+        </p:nvCxnSpPr>
+        <p:spPr>
+          <a:xfrm>
+            <a:off x="2217141" y="-33378"/>
+            <a:ext cx="0" cy="288998"/>
+          </a:xfrm>
+          <a:prstGeom prst="line">
+            <a:avLst/>
+          </a:prstGeom>
+          <a:ln w="6350">
+            <a:solidFill>
+              <a:schemeClr val="accent5">
+                <a:lumMod val="50000"/>
+              </a:schemeClr>
+            </a:solidFill>
+            <a:prstDash val="dash"/>
+          </a:ln>
+        </p:spPr>
+        <p:style>
+          <a:lnRef idx="1">
+            <a:schemeClr val="accent1"/>
+          </a:lnRef>
+          <a:fillRef idx="0">
+            <a:schemeClr val="accent1"/>
+          </a:fillRef>
+          <a:effectRef idx="0">
+            <a:schemeClr val="accent1"/>
+          </a:effectRef>
+          <a:fontRef idx="minor">
+            <a:schemeClr val="tx1"/>
+          </a:fontRef>
+        </p:style>
+      </p:cxnSp>
+      <p:cxnSp>
+        <p:nvCxnSpPr>
+          <p:cNvPr id="48" name="Connecteur droit 47"/>
+          <p:cNvCxnSpPr/>
+          <p:nvPr/>
+        </p:nvCxnSpPr>
+        <p:spPr>
+          <a:xfrm flipH="1">
+            <a:off x="2051720" y="256618"/>
+            <a:ext cx="360040" cy="75701"/>
+          </a:xfrm>
+          <a:prstGeom prst="line">
+            <a:avLst/>
+          </a:prstGeom>
+          <a:ln w="6350">
+            <a:solidFill>
+              <a:schemeClr val="accent5">
+                <a:lumMod val="50000"/>
+              </a:schemeClr>
+            </a:solidFill>
+            <a:prstDash val="dash"/>
+          </a:ln>
+        </p:spPr>
+        <p:style>
+          <a:lnRef idx="1">
+            <a:schemeClr val="accent1"/>
+          </a:lnRef>
+          <a:fillRef idx="0">
+            <a:schemeClr val="accent1"/>
+          </a:fillRef>
+          <a:effectRef idx="0">
+            <a:schemeClr val="accent1"/>
+          </a:effectRef>
+          <a:fontRef idx="minor">
+            <a:schemeClr val="tx1"/>
+          </a:fontRef>
+        </p:style>
+      </p:cxnSp>
+      <p:cxnSp>
+        <p:nvCxnSpPr>
+          <p:cNvPr id="51" name="Connecteur droit 50"/>
+          <p:cNvCxnSpPr/>
+          <p:nvPr/>
+        </p:nvCxnSpPr>
+        <p:spPr>
+          <a:xfrm>
+            <a:off x="1727684" y="255620"/>
+            <a:ext cx="360040" cy="75701"/>
+          </a:xfrm>
+          <a:prstGeom prst="line">
+            <a:avLst/>
+          </a:prstGeom>
+          <a:ln w="6350">
+            <a:solidFill>
+              <a:schemeClr val="accent5">
+                <a:lumMod val="50000"/>
+              </a:schemeClr>
+            </a:solidFill>
+            <a:prstDash val="dash"/>
+          </a:ln>
+        </p:spPr>
+        <p:style>
+          <a:lnRef idx="1">
+            <a:schemeClr val="accent1"/>
+          </a:lnRef>
+          <a:fillRef idx="0">
+            <a:schemeClr val="accent1"/>
+          </a:fillRef>
+          <a:effectRef idx="0">
+            <a:schemeClr val="accent1"/>
+          </a:effectRef>
+          <a:fontRef idx="minor">
+            <a:schemeClr val="tx1"/>
+          </a:fontRef>
+        </p:style>
+      </p:cxnSp>
+      <p:cxnSp>
+        <p:nvCxnSpPr>
+          <p:cNvPr id="52" name="Connecteur droit 51"/>
+          <p:cNvCxnSpPr/>
+          <p:nvPr/>
+        </p:nvCxnSpPr>
+        <p:spPr>
+          <a:xfrm>
+            <a:off x="3851921" y="1268760"/>
+            <a:ext cx="0" cy="712862"/>
+          </a:xfrm>
+          <a:prstGeom prst="line">
+            <a:avLst/>
+          </a:prstGeom>
+          <a:ln w="12700">
+            <a:solidFill>
+              <a:schemeClr val="accent5">
+                <a:lumMod val="50000"/>
+              </a:schemeClr>
+            </a:solidFill>
+          </a:ln>
+        </p:spPr>
+        <p:style>
+          <a:lnRef idx="1">
+            <a:schemeClr val="accent1"/>
+          </a:lnRef>
+          <a:fillRef idx="0">
+            <a:schemeClr val="accent1"/>
+          </a:fillRef>
+          <a:effectRef idx="0">
+            <a:schemeClr val="accent1"/>
+          </a:effectRef>
+          <a:fontRef idx="minor">
+            <a:schemeClr val="tx1"/>
+          </a:fontRef>
+        </p:style>
+      </p:cxnSp>
+      <p:cxnSp>
+        <p:nvCxnSpPr>
+          <p:cNvPr id="54" name="Connecteur droit 53"/>
+          <p:cNvCxnSpPr/>
+          <p:nvPr/>
+        </p:nvCxnSpPr>
+        <p:spPr>
+          <a:xfrm>
+            <a:off x="4572001" y="1268760"/>
+            <a:ext cx="0" cy="723815"/>
+          </a:xfrm>
+          <a:prstGeom prst="line">
+            <a:avLst/>
+          </a:prstGeom>
+          <a:ln w="12700">
+            <a:solidFill>
+              <a:schemeClr val="accent5">
+                <a:lumMod val="50000"/>
+              </a:schemeClr>
+            </a:solidFill>
+          </a:ln>
+        </p:spPr>
+        <p:style>
+          <a:lnRef idx="1">
+            <a:schemeClr val="accent1"/>
+          </a:lnRef>
+          <a:fillRef idx="0">
+            <a:schemeClr val="accent1"/>
+          </a:fillRef>
+          <a:effectRef idx="0">
+            <a:schemeClr val="accent1"/>
+          </a:effectRef>
+          <a:fontRef idx="minor">
+            <a:schemeClr val="tx1"/>
+          </a:fontRef>
+        </p:style>
+      </p:cxnSp>
+      <p:cxnSp>
+        <p:nvCxnSpPr>
+          <p:cNvPr id="55" name="Connecteur droit 54"/>
+          <p:cNvCxnSpPr/>
+          <p:nvPr/>
+        </p:nvCxnSpPr>
+        <p:spPr>
+          <a:xfrm>
+            <a:off x="3131840" y="1268760"/>
+            <a:ext cx="2160240" cy="0"/>
+          </a:xfrm>
+          <a:prstGeom prst="line">
+            <a:avLst/>
+          </a:prstGeom>
+          <a:ln w="12700">
+            <a:solidFill>
+              <a:schemeClr val="accent5">
+                <a:lumMod val="50000"/>
+              </a:schemeClr>
+            </a:solidFill>
+          </a:ln>
+        </p:spPr>
+        <p:style>
+          <a:lnRef idx="1">
+            <a:schemeClr val="accent1"/>
+          </a:lnRef>
+          <a:fillRef idx="0">
+            <a:schemeClr val="accent1"/>
+          </a:fillRef>
+          <a:effectRef idx="0">
+            <a:schemeClr val="accent1"/>
+          </a:effectRef>
+          <a:fontRef idx="minor">
+            <a:schemeClr val="tx1"/>
+          </a:fontRef>
+        </p:style>
+      </p:cxnSp>
+      <p:cxnSp>
+        <p:nvCxnSpPr>
+          <p:cNvPr id="61" name="Connecteur droit 60"/>
+          <p:cNvCxnSpPr/>
+          <p:nvPr/>
+        </p:nvCxnSpPr>
+        <p:spPr>
+          <a:xfrm>
+            <a:off x="3131840" y="1988840"/>
+            <a:ext cx="2160240" cy="0"/>
+          </a:xfrm>
+          <a:prstGeom prst="line">
+            <a:avLst/>
+          </a:prstGeom>
+          <a:ln w="12700">
+            <a:solidFill>
+              <a:schemeClr val="accent5">
+                <a:lumMod val="50000"/>
+              </a:schemeClr>
+            </a:solidFill>
+          </a:ln>
+        </p:spPr>
+        <p:style>
+          <a:lnRef idx="1">
+            <a:schemeClr val="accent1"/>
+          </a:lnRef>
+          <a:fillRef idx="0">
+            <a:schemeClr val="accent1"/>
+          </a:fillRef>
+          <a:effectRef idx="0">
+            <a:schemeClr val="accent1"/>
+          </a:effectRef>
+          <a:fontRef idx="minor">
+            <a:schemeClr val="tx1"/>
+          </a:fontRef>
+        </p:style>
+      </p:cxnSp>
+      <p:cxnSp>
+        <p:nvCxnSpPr>
+          <p:cNvPr id="62" name="Connecteur droit 61"/>
+          <p:cNvCxnSpPr/>
+          <p:nvPr/>
+        </p:nvCxnSpPr>
+        <p:spPr>
+          <a:xfrm>
+            <a:off x="3131840" y="1268760"/>
+            <a:ext cx="0" cy="712862"/>
+          </a:xfrm>
+          <a:prstGeom prst="line">
+            <a:avLst/>
+          </a:prstGeom>
+          <a:ln w="12700">
+            <a:solidFill>
+              <a:schemeClr val="accent5">
+                <a:lumMod val="50000"/>
+              </a:schemeClr>
+            </a:solidFill>
+          </a:ln>
+        </p:spPr>
+        <p:style>
+          <a:lnRef idx="1">
+            <a:schemeClr val="accent1"/>
+          </a:lnRef>
+          <a:fillRef idx="0">
+            <a:schemeClr val="accent1"/>
+          </a:fillRef>
+          <a:effectRef idx="0">
+            <a:schemeClr val="accent1"/>
+          </a:effectRef>
+          <a:fontRef idx="minor">
+            <a:schemeClr val="tx1"/>
+          </a:fontRef>
+        </p:style>
+      </p:cxnSp>
+      <p:cxnSp>
+        <p:nvCxnSpPr>
+          <p:cNvPr id="63" name="Connecteur droit 62"/>
+          <p:cNvCxnSpPr/>
+          <p:nvPr/>
+        </p:nvCxnSpPr>
+        <p:spPr>
+          <a:xfrm>
+            <a:off x="5292080" y="1257807"/>
+            <a:ext cx="0" cy="723815"/>
+          </a:xfrm>
+          <a:prstGeom prst="line">
+            <a:avLst/>
+          </a:prstGeom>
+          <a:ln w="12700">
+            <a:solidFill>
+              <a:schemeClr val="accent5">
+                <a:lumMod val="50000"/>
+              </a:schemeClr>
+            </a:solidFill>
+          </a:ln>
+        </p:spPr>
+        <p:style>
+          <a:lnRef idx="1">
+            <a:schemeClr val="accent1"/>
+          </a:lnRef>
+          <a:fillRef idx="0">
+            <a:schemeClr val="accent1"/>
+          </a:fillRef>
+          <a:effectRef idx="0">
+            <a:schemeClr val="accent1"/>
+          </a:effectRef>
+          <a:fontRef idx="minor">
+            <a:schemeClr val="tx1"/>
+          </a:fontRef>
+        </p:style>
+      </p:cxnSp>
+      <p:cxnSp>
+        <p:nvCxnSpPr>
+          <p:cNvPr id="64" name="Connecteur droit 63"/>
+          <p:cNvCxnSpPr/>
+          <p:nvPr/>
+        </p:nvCxnSpPr>
+        <p:spPr>
+          <a:xfrm>
+            <a:off x="4211960" y="1196752"/>
+            <a:ext cx="0" cy="861070"/>
+          </a:xfrm>
+          <a:prstGeom prst="line">
+            <a:avLst/>
+          </a:prstGeom>
+          <a:ln w="6350">
+            <a:solidFill>
+              <a:schemeClr val="accent5">
+                <a:lumMod val="50000"/>
+              </a:schemeClr>
+            </a:solidFill>
+            <a:prstDash val="lgDashDot"/>
+          </a:ln>
+        </p:spPr>
+        <p:style>
+          <a:lnRef idx="1">
+            <a:schemeClr val="accent1"/>
+          </a:lnRef>
+          <a:fillRef idx="0">
+            <a:schemeClr val="accent1"/>
+          </a:fillRef>
+          <a:effectRef idx="0">
+            <a:schemeClr val="accent1"/>
+          </a:effectRef>
+          <a:fontRef idx="minor">
+            <a:schemeClr val="tx1"/>
+          </a:fontRef>
+        </p:style>
+      </p:cxnSp>
+      <p:cxnSp>
+        <p:nvCxnSpPr>
+          <p:cNvPr id="70" name="Connecteur droit 69"/>
+          <p:cNvCxnSpPr/>
+          <p:nvPr/>
+        </p:nvCxnSpPr>
+        <p:spPr>
+          <a:xfrm>
+            <a:off x="3923928" y="1274236"/>
+            <a:ext cx="0" cy="712862"/>
+          </a:xfrm>
+          <a:prstGeom prst="line">
+            <a:avLst/>
+          </a:prstGeom>
+          <a:ln w="6350">
+            <a:solidFill>
+              <a:schemeClr val="accent5">
+                <a:lumMod val="50000"/>
+              </a:schemeClr>
+            </a:solidFill>
+          </a:ln>
+        </p:spPr>
+        <p:style>
+          <a:lnRef idx="1">
+            <a:schemeClr val="accent1"/>
+          </a:lnRef>
+          <a:fillRef idx="0">
+            <a:schemeClr val="accent1"/>
+          </a:fillRef>
+          <a:effectRef idx="0">
+            <a:schemeClr val="accent1"/>
+          </a:effectRef>
+          <a:fontRef idx="minor">
+            <a:schemeClr val="tx1"/>
+          </a:fontRef>
+        </p:style>
+      </p:cxnSp>
+      <p:cxnSp>
+        <p:nvCxnSpPr>
+          <p:cNvPr id="71" name="Connecteur droit 70"/>
+          <p:cNvCxnSpPr/>
+          <p:nvPr/>
+        </p:nvCxnSpPr>
+        <p:spPr>
+          <a:xfrm>
+            <a:off x="4499992" y="1269683"/>
+            <a:ext cx="0" cy="712862"/>
+          </a:xfrm>
+          <a:prstGeom prst="line">
+            <a:avLst/>
+          </a:prstGeom>
+          <a:ln w="6350">
+            <a:solidFill>
+              <a:schemeClr val="accent5">
+                <a:lumMod val="50000"/>
+              </a:schemeClr>
+            </a:solidFill>
+          </a:ln>
+        </p:spPr>
+        <p:style>
+          <a:lnRef idx="1">
+            <a:schemeClr val="accent1"/>
+          </a:lnRef>
+          <a:fillRef idx="0">
+            <a:schemeClr val="accent1"/>
+          </a:fillRef>
+          <a:effectRef idx="0">
+            <a:schemeClr val="accent1"/>
+          </a:effectRef>
+          <a:fontRef idx="minor">
+            <a:schemeClr val="tx1"/>
+          </a:fontRef>
+        </p:style>
+      </p:cxnSp>
+      <p:sp>
+        <p:nvSpPr>
+          <p:cNvPr id="72" name="Rectangle 71"/>
+          <p:cNvSpPr/>
+          <p:nvPr/>
+        </p:nvSpPr>
+        <p:spPr>
+          <a:xfrm>
+            <a:off x="4499992" y="2710568"/>
+            <a:ext cx="780747" cy="712862"/>
+          </a:xfrm>
+          <a:prstGeom prst="rect">
+            <a:avLst/>
+          </a:prstGeom>
+          <a:pattFill prst="ltUpDiag">
+            <a:fgClr>
+              <a:schemeClr val="accent1"/>
+            </a:fgClr>
+            <a:bgClr>
+              <a:schemeClr val="bg1"/>
+            </a:bgClr>
+          </a:pattFill>
+          <a:ln>
+            <a:noFill/>
+          </a:ln>
+        </p:spPr>
+        <p:style>
+          <a:lnRef idx="2">
+            <a:schemeClr val="accent1">
+              <a:shade val="50000"/>
+            </a:schemeClr>
+          </a:lnRef>
+          <a:fillRef idx="1">
+            <a:schemeClr val="accent1"/>
+          </a:fillRef>
+          <a:effectRef idx="0">
+            <a:schemeClr val="accent1"/>
+          </a:effectRef>
+          <a:fontRef idx="minor">
+            <a:schemeClr val="lt1"/>
+          </a:fontRef>
+        </p:style>
+        <p:txBody>
+          <a:bodyPr rtlCol="0" anchor="ctr"/>
+          <a:lstStyle/>
+          <a:p>
+            <a:pPr algn="ctr"/>
+            <a:endParaRPr lang="fr-FR"/>
+          </a:p>
+        </p:txBody>
+      </p:sp>
+      <p:sp>
+        <p:nvSpPr>
+          <p:cNvPr id="73" name="Rectangle 72"/>
+          <p:cNvSpPr/>
+          <p:nvPr/>
+        </p:nvSpPr>
+        <p:spPr>
+          <a:xfrm>
+            <a:off x="3120497" y="2707057"/>
+            <a:ext cx="803431" cy="712862"/>
+          </a:xfrm>
+          <a:prstGeom prst="rect">
+            <a:avLst/>
+          </a:prstGeom>
+          <a:pattFill prst="ltUpDiag">
+            <a:fgClr>
+              <a:schemeClr val="accent1"/>
+            </a:fgClr>
+            <a:bgClr>
+              <a:schemeClr val="bg1"/>
+            </a:bgClr>
+          </a:pattFill>
+          <a:ln>
+            <a:noFill/>
+          </a:ln>
+        </p:spPr>
+        <p:style>
+          <a:lnRef idx="2">
+            <a:schemeClr val="accent1">
+              <a:shade val="50000"/>
+            </a:schemeClr>
+          </a:lnRef>
+          <a:fillRef idx="1">
+            <a:schemeClr val="accent1"/>
+          </a:fillRef>
+          <a:effectRef idx="0">
+            <a:schemeClr val="accent1"/>
+          </a:effectRef>
+          <a:fontRef idx="minor">
+            <a:schemeClr val="lt1"/>
+          </a:fontRef>
+        </p:style>
+        <p:txBody>
+          <a:bodyPr rtlCol="0" anchor="ctr"/>
+          <a:lstStyle/>
+          <a:p>
+            <a:pPr algn="ctr"/>
+            <a:endParaRPr lang="fr-FR"/>
+          </a:p>
+        </p:txBody>
+      </p:sp>
+      <p:cxnSp>
+        <p:nvCxnSpPr>
+          <p:cNvPr id="74" name="Connecteur droit 73"/>
+          <p:cNvCxnSpPr/>
+          <p:nvPr/>
+        </p:nvCxnSpPr>
+        <p:spPr>
+          <a:xfrm>
+            <a:off x="3923928" y="2712533"/>
+            <a:ext cx="0" cy="712862"/>
+          </a:xfrm>
+          <a:prstGeom prst="line">
+            <a:avLst/>
+          </a:prstGeom>
+          <a:ln w="12700">
+            <a:solidFill>
+              <a:schemeClr val="accent5">
+                <a:lumMod val="50000"/>
+              </a:schemeClr>
+            </a:solidFill>
+          </a:ln>
+        </p:spPr>
+        <p:style>
+          <a:lnRef idx="1">
+            <a:schemeClr val="accent1"/>
+          </a:lnRef>
+          <a:fillRef idx="0">
+            <a:schemeClr val="accent1"/>
+          </a:fillRef>
+          <a:effectRef idx="0">
+            <a:schemeClr val="accent1"/>
+          </a:effectRef>
+          <a:fontRef idx="minor">
+            <a:schemeClr val="tx1"/>
+          </a:fontRef>
+        </p:style>
+      </p:cxnSp>
+      <p:cxnSp>
+        <p:nvCxnSpPr>
+          <p:cNvPr id="75" name="Connecteur droit 74"/>
+          <p:cNvCxnSpPr/>
+          <p:nvPr/>
+        </p:nvCxnSpPr>
+        <p:spPr>
+          <a:xfrm>
+            <a:off x="4499992" y="2706595"/>
+            <a:ext cx="0" cy="723815"/>
+          </a:xfrm>
+          <a:prstGeom prst="line">
+            <a:avLst/>
+          </a:prstGeom>
+          <a:ln w="12700">
+            <a:solidFill>
+              <a:schemeClr val="accent5">
+                <a:lumMod val="50000"/>
+              </a:schemeClr>
+            </a:solidFill>
+          </a:ln>
+        </p:spPr>
+        <p:style>
+          <a:lnRef idx="1">
+            <a:schemeClr val="accent1"/>
+          </a:lnRef>
+          <a:fillRef idx="0">
+            <a:schemeClr val="accent1"/>
+          </a:fillRef>
+          <a:effectRef idx="0">
+            <a:schemeClr val="accent1"/>
+          </a:effectRef>
+          <a:fontRef idx="minor">
+            <a:schemeClr val="tx1"/>
+          </a:fontRef>
+        </p:style>
+      </p:cxnSp>
+      <p:cxnSp>
+        <p:nvCxnSpPr>
+          <p:cNvPr id="76" name="Connecteur droit 75"/>
+          <p:cNvCxnSpPr/>
+          <p:nvPr/>
+        </p:nvCxnSpPr>
+        <p:spPr>
+          <a:xfrm>
+            <a:off x="3120497" y="2707057"/>
+            <a:ext cx="2160240" cy="0"/>
+          </a:xfrm>
+          <a:prstGeom prst="line">
+            <a:avLst/>
+          </a:prstGeom>
+          <a:ln w="12700">
+            <a:solidFill>
+              <a:schemeClr val="accent5">
+                <a:lumMod val="50000"/>
+              </a:schemeClr>
+            </a:solidFill>
+          </a:ln>
+        </p:spPr>
+        <p:style>
+          <a:lnRef idx="1">
+            <a:schemeClr val="accent1"/>
+          </a:lnRef>
+          <a:fillRef idx="0">
+            <a:schemeClr val="accent1"/>
+          </a:fillRef>
+          <a:effectRef idx="0">
+            <a:schemeClr val="accent1"/>
+          </a:effectRef>
+          <a:fontRef idx="minor">
+            <a:schemeClr val="tx1"/>
+          </a:fontRef>
+        </p:style>
+      </p:cxnSp>
+      <p:cxnSp>
+        <p:nvCxnSpPr>
+          <p:cNvPr id="77" name="Connecteur droit 76"/>
+          <p:cNvCxnSpPr/>
+          <p:nvPr/>
+        </p:nvCxnSpPr>
+        <p:spPr>
+          <a:xfrm>
+            <a:off x="3120497" y="3427137"/>
+            <a:ext cx="2160240" cy="0"/>
+          </a:xfrm>
+          <a:prstGeom prst="line">
+            <a:avLst/>
+          </a:prstGeom>
+          <a:ln w="12700">
+            <a:solidFill>
+              <a:schemeClr val="accent5">
+                <a:lumMod val="50000"/>
+              </a:schemeClr>
+            </a:solidFill>
+          </a:ln>
+        </p:spPr>
+        <p:style>
+          <a:lnRef idx="1">
+            <a:schemeClr val="accent1"/>
+          </a:lnRef>
+          <a:fillRef idx="0">
+            <a:schemeClr val="accent1"/>
+          </a:fillRef>
+          <a:effectRef idx="0">
+            <a:schemeClr val="accent1"/>
+          </a:effectRef>
+          <a:fontRef idx="minor">
+            <a:schemeClr val="tx1"/>
+          </a:fontRef>
+        </p:style>
+      </p:cxnSp>
+      <p:cxnSp>
+        <p:nvCxnSpPr>
+          <p:cNvPr id="78" name="Connecteur droit 77"/>
+          <p:cNvCxnSpPr/>
+          <p:nvPr/>
+        </p:nvCxnSpPr>
+        <p:spPr>
+          <a:xfrm>
+            <a:off x="3120497" y="2707057"/>
+            <a:ext cx="0" cy="712862"/>
+          </a:xfrm>
+          <a:prstGeom prst="line">
+            <a:avLst/>
+          </a:prstGeom>
+          <a:ln w="12700">
+            <a:solidFill>
+              <a:schemeClr val="accent5">
+                <a:lumMod val="50000"/>
+              </a:schemeClr>
+            </a:solidFill>
+          </a:ln>
+        </p:spPr>
+        <p:style>
+          <a:lnRef idx="1">
+            <a:schemeClr val="accent1"/>
+          </a:lnRef>
+          <a:fillRef idx="0">
+            <a:schemeClr val="accent1"/>
+          </a:fillRef>
+          <a:effectRef idx="0">
+            <a:schemeClr val="accent1"/>
+          </a:effectRef>
+          <a:fontRef idx="minor">
+            <a:schemeClr val="tx1"/>
+          </a:fontRef>
+        </p:style>
+      </p:cxnSp>
+      <p:cxnSp>
+        <p:nvCxnSpPr>
+          <p:cNvPr id="79" name="Connecteur droit 78"/>
+          <p:cNvCxnSpPr/>
+          <p:nvPr/>
+        </p:nvCxnSpPr>
+        <p:spPr>
+          <a:xfrm>
+            <a:off x="5280737" y="2696104"/>
+            <a:ext cx="0" cy="723815"/>
+          </a:xfrm>
+          <a:prstGeom prst="line">
+            <a:avLst/>
+          </a:prstGeom>
+          <a:ln w="12700">
+            <a:solidFill>
+              <a:schemeClr val="accent5">
+                <a:lumMod val="50000"/>
+              </a:schemeClr>
+            </a:solidFill>
+          </a:ln>
+        </p:spPr>
+        <p:style>
+          <a:lnRef idx="1">
+            <a:schemeClr val="accent1"/>
+          </a:lnRef>
+          <a:fillRef idx="0">
+            <a:schemeClr val="accent1"/>
+          </a:fillRef>
+          <a:effectRef idx="0">
+            <a:schemeClr val="accent1"/>
+          </a:effectRef>
+          <a:fontRef idx="minor">
+            <a:schemeClr val="tx1"/>
+          </a:fontRef>
+        </p:style>
+      </p:cxnSp>
+      <p:cxnSp>
+        <p:nvCxnSpPr>
+          <p:cNvPr id="80" name="Connecteur droit 79"/>
+          <p:cNvCxnSpPr/>
+          <p:nvPr/>
+        </p:nvCxnSpPr>
+        <p:spPr>
+          <a:xfrm>
+            <a:off x="4200617" y="2635049"/>
+            <a:ext cx="0" cy="861070"/>
+          </a:xfrm>
+          <a:prstGeom prst="line">
+            <a:avLst/>
+          </a:prstGeom>
+          <a:ln w="6350">
+            <a:solidFill>
+              <a:schemeClr val="accent5">
+                <a:lumMod val="50000"/>
+              </a:schemeClr>
+            </a:solidFill>
+            <a:prstDash val="lgDashDot"/>
+          </a:ln>
+        </p:spPr>
+        <p:style>
+          <a:lnRef idx="1">
+            <a:schemeClr val="accent1"/>
+          </a:lnRef>
+          <a:fillRef idx="0">
+            <a:schemeClr val="accent1"/>
+          </a:fillRef>
+          <a:effectRef idx="0">
+            <a:schemeClr val="accent1"/>
+          </a:effectRef>
+          <a:fontRef idx="minor">
+            <a:schemeClr val="tx1"/>
+          </a:fontRef>
+        </p:style>
+      </p:cxnSp>
+      <p:cxnSp>
+        <p:nvCxnSpPr>
+          <p:cNvPr id="81" name="Connecteur droit 80"/>
+          <p:cNvCxnSpPr/>
+          <p:nvPr/>
+        </p:nvCxnSpPr>
+        <p:spPr>
+          <a:xfrm>
+            <a:off x="3851810" y="2718010"/>
+            <a:ext cx="0" cy="712862"/>
+          </a:xfrm>
+          <a:prstGeom prst="line">
+            <a:avLst/>
+          </a:prstGeom>
+          <a:ln w="6350">
+            <a:solidFill>
+              <a:schemeClr val="accent5">
+                <a:lumMod val="50000"/>
+              </a:schemeClr>
+            </a:solidFill>
+          </a:ln>
+        </p:spPr>
+        <p:style>
+          <a:lnRef idx="1">
+            <a:schemeClr val="accent1"/>
+          </a:lnRef>
+          <a:fillRef idx="0">
+            <a:schemeClr val="accent1"/>
+          </a:fillRef>
+          <a:effectRef idx="0">
+            <a:schemeClr val="accent1"/>
+          </a:effectRef>
+          <a:fontRef idx="minor">
+            <a:schemeClr val="tx1"/>
+          </a:fontRef>
+        </p:style>
+      </p:cxnSp>
+      <p:cxnSp>
+        <p:nvCxnSpPr>
+          <p:cNvPr id="82" name="Connecteur droit 81"/>
+          <p:cNvCxnSpPr/>
+          <p:nvPr/>
+        </p:nvCxnSpPr>
+        <p:spPr>
+          <a:xfrm>
+            <a:off x="4572000" y="2707185"/>
+            <a:ext cx="0" cy="712862"/>
+          </a:xfrm>
+          <a:prstGeom prst="line">
+            <a:avLst/>
+          </a:prstGeom>
+          <a:ln w="6350">
+            <a:solidFill>
+              <a:schemeClr val="accent5">
+                <a:lumMod val="50000"/>
+              </a:schemeClr>
+            </a:solidFill>
+          </a:ln>
+        </p:spPr>
+        <p:style>
+          <a:lnRef idx="1">
+            <a:schemeClr val="accent1"/>
+          </a:lnRef>
+          <a:fillRef idx="0">
+            <a:schemeClr val="accent1"/>
+          </a:fillRef>
+          <a:effectRef idx="0">
+            <a:schemeClr val="accent1"/>
+          </a:effectRef>
+          <a:fontRef idx="minor">
+            <a:schemeClr val="tx1"/>
+          </a:fontRef>
+        </p:style>
+      </p:cxnSp>
+    </p:spTree>
+    <p:extLst>
+      <p:ext uri="{BB962C8B-B14F-4D97-AF65-F5344CB8AC3E}">
+        <p14:creationId xmlns:p14="http://schemas.microsoft.com/office/powerpoint/2010/main" val="1241474384"/>
+      </p:ext>
+    </p:extLst>
+  </p:cSld>
+  <p:clrMapOvr>
+    <a:masterClrMapping/>
+  </p:clrMapOvr>
+</p:sld>
+</file>
+
+<file path=ppt/slides/slide5.xml><?xml version="1.0" encoding="utf-8"?>
+<p:sld xmlns:a="http://schemas.openxmlformats.org/drawingml/2006/main" xmlns:r="http://schemas.openxmlformats.org/officeDocument/2006/relationships" xmlns:p="http://schemas.openxmlformats.org/presentationml/2006/main">
+  <p:cSld>
+    <p:spTree>
+      <p:nvGrpSpPr>
+        <p:cNvPr id="1" name=""/>
+        <p:cNvGrpSpPr/>
+        <p:nvPr/>
+      </p:nvGrpSpPr>
+      <p:grpSpPr>
+        <a:xfrm>
+          <a:off x="0" y="0"/>
+          <a:ext cx="0" cy="0"/>
+          <a:chOff x="0" y="0"/>
+          <a:chExt cx="0" cy="0"/>
+        </a:xfrm>
+      </p:grpSpPr>
+      <p:sp>
+        <p:nvSpPr>
+          <p:cNvPr id="69" name="Rectangle 68"/>
+          <p:cNvSpPr/>
+          <p:nvPr/>
+        </p:nvSpPr>
+        <p:spPr>
+          <a:xfrm flipH="1">
+            <a:off x="4560658" y="1999210"/>
+            <a:ext cx="720081" cy="712862"/>
+          </a:xfrm>
+          <a:prstGeom prst="rect">
+            <a:avLst/>
+          </a:prstGeom>
+          <a:pattFill prst="ltUpDiag">
+            <a:fgClr>
+              <a:schemeClr val="accent1"/>
+            </a:fgClr>
+            <a:bgClr>
+              <a:schemeClr val="bg1"/>
+            </a:bgClr>
+          </a:pattFill>
+          <a:ln>
+            <a:noFill/>
+          </a:ln>
+        </p:spPr>
+        <p:style>
+          <a:lnRef idx="2">
+            <a:schemeClr val="accent1">
+              <a:shade val="50000"/>
+            </a:schemeClr>
+          </a:lnRef>
+          <a:fillRef idx="1">
+            <a:schemeClr val="accent1"/>
+          </a:fillRef>
+          <a:effectRef idx="0">
+            <a:schemeClr val="accent1"/>
+          </a:effectRef>
+          <a:fontRef idx="minor">
+            <a:schemeClr val="lt1"/>
+          </a:fontRef>
+        </p:style>
+        <p:txBody>
+          <a:bodyPr rtlCol="0" anchor="ctr"/>
+          <a:lstStyle/>
+          <a:p>
+            <a:pPr algn="ctr"/>
+            <a:endParaRPr lang="fr-FR"/>
+          </a:p>
+        </p:txBody>
+      </p:sp>
+      <p:sp>
+        <p:nvSpPr>
+          <p:cNvPr id="68" name="Rectangle 67"/>
+          <p:cNvSpPr/>
+          <p:nvPr/>
+        </p:nvSpPr>
+        <p:spPr>
+          <a:xfrm flipH="1">
+            <a:off x="3120497" y="1989761"/>
+            <a:ext cx="720081" cy="712862"/>
+          </a:xfrm>
+          <a:prstGeom prst="rect">
+            <a:avLst/>
+          </a:prstGeom>
+          <a:pattFill prst="ltUpDiag">
+            <a:fgClr>
+              <a:schemeClr val="accent1"/>
+            </a:fgClr>
+            <a:bgClr>
+              <a:schemeClr val="bg1"/>
+            </a:bgClr>
+          </a:pattFill>
+          <a:ln>
+            <a:noFill/>
+          </a:ln>
+        </p:spPr>
+        <p:style>
+          <a:lnRef idx="2">
+            <a:schemeClr val="accent1">
+              <a:shade val="50000"/>
+            </a:schemeClr>
+          </a:lnRef>
+          <a:fillRef idx="1">
+            <a:schemeClr val="accent1"/>
+          </a:fillRef>
+          <a:effectRef idx="0">
+            <a:schemeClr val="accent1"/>
+          </a:effectRef>
+          <a:fontRef idx="minor">
+            <a:schemeClr val="lt1"/>
+          </a:fontRef>
+        </p:style>
+        <p:txBody>
+          <a:bodyPr rtlCol="0" anchor="ctr"/>
+          <a:lstStyle/>
+          <a:p>
+            <a:pPr algn="ctr"/>
+            <a:endParaRPr lang="fr-FR"/>
+          </a:p>
+        </p:txBody>
+      </p:sp>
+      <p:grpSp>
+        <p:nvGrpSpPr>
+          <p:cNvPr id="2" name="Groupe 1"/>
+          <p:cNvGrpSpPr/>
+          <p:nvPr/>
+        </p:nvGrpSpPr>
+        <p:grpSpPr>
+          <a:xfrm>
+            <a:off x="3477915" y="1208456"/>
+            <a:ext cx="1440160" cy="2384648"/>
+            <a:chOff x="1331640" y="-243408"/>
+            <a:chExt cx="1440160" cy="2384648"/>
+          </a:xfrm>
+        </p:grpSpPr>
+        <p:cxnSp>
+          <p:nvCxnSpPr>
+            <p:cNvPr id="5" name="Connecteur droit 4"/>
+            <p:cNvCxnSpPr/>
+            <p:nvPr/>
+          </p:nvCxnSpPr>
+          <p:spPr>
+            <a:xfrm>
+              <a:off x="1691680" y="548680"/>
+              <a:ext cx="0" cy="1440160"/>
+            </a:xfrm>
+            <a:prstGeom prst="line">
+              <a:avLst/>
+            </a:prstGeom>
+            <a:ln w="12700">
+              <a:solidFill>
+                <a:schemeClr val="accent5">
+                  <a:lumMod val="50000"/>
+                </a:schemeClr>
+              </a:solidFill>
+            </a:ln>
+          </p:spPr>
+          <p:style>
+            <a:lnRef idx="1">
+              <a:schemeClr val="accent1"/>
+            </a:lnRef>
+            <a:fillRef idx="0">
+              <a:schemeClr val="accent1"/>
+            </a:fillRef>
+            <a:effectRef idx="0">
+              <a:schemeClr val="accent1"/>
+            </a:effectRef>
+            <a:fontRef idx="minor">
+              <a:schemeClr val="tx1"/>
+            </a:fontRef>
+          </p:style>
+        </p:cxnSp>
+        <p:cxnSp>
+          <p:nvCxnSpPr>
+            <p:cNvPr id="6" name="Connecteur droit 5"/>
+            <p:cNvCxnSpPr/>
+            <p:nvPr/>
+          </p:nvCxnSpPr>
+          <p:spPr>
+            <a:xfrm>
+              <a:off x="2411760" y="548680"/>
+              <a:ext cx="0" cy="1440160"/>
+            </a:xfrm>
+            <a:prstGeom prst="line">
+              <a:avLst/>
+            </a:prstGeom>
+            <a:ln w="12700">
+              <a:solidFill>
+                <a:schemeClr val="accent5">
+                  <a:lumMod val="50000"/>
+                </a:schemeClr>
+              </a:solidFill>
+            </a:ln>
+          </p:spPr>
+          <p:style>
+            <a:lnRef idx="1">
+              <a:schemeClr val="accent1"/>
+            </a:lnRef>
+            <a:fillRef idx="0">
+              <a:schemeClr val="accent1"/>
+            </a:fillRef>
+            <a:effectRef idx="0">
+              <a:schemeClr val="accent1"/>
+            </a:effectRef>
+            <a:fontRef idx="minor">
+              <a:schemeClr val="tx1"/>
+            </a:fontRef>
+          </p:style>
+        </p:cxnSp>
+        <p:cxnSp>
+          <p:nvCxnSpPr>
+            <p:cNvPr id="7" name="Connecteur droit 6"/>
+            <p:cNvCxnSpPr/>
+            <p:nvPr/>
+          </p:nvCxnSpPr>
+          <p:spPr>
+            <a:xfrm>
+              <a:off x="1331640" y="543620"/>
+              <a:ext cx="1440160" cy="0"/>
+            </a:xfrm>
+            <a:prstGeom prst="line">
+              <a:avLst/>
+            </a:prstGeom>
+            <a:ln w="12700">
+              <a:solidFill>
+                <a:schemeClr val="accent5">
+                  <a:lumMod val="50000"/>
+                </a:schemeClr>
+              </a:solidFill>
+            </a:ln>
+          </p:spPr>
+          <p:style>
+            <a:lnRef idx="1">
+              <a:schemeClr val="accent1"/>
+            </a:lnRef>
+            <a:fillRef idx="0">
+              <a:schemeClr val="accent1"/>
+            </a:fillRef>
+            <a:effectRef idx="0">
+              <a:schemeClr val="accent1"/>
+            </a:effectRef>
+            <a:fontRef idx="minor">
+              <a:schemeClr val="tx1"/>
+            </a:fontRef>
+          </p:style>
+        </p:cxnSp>
+        <p:cxnSp>
+          <p:nvCxnSpPr>
+            <p:cNvPr id="10" name="Connecteur droit 9"/>
+            <p:cNvCxnSpPr/>
+            <p:nvPr/>
+          </p:nvCxnSpPr>
+          <p:spPr>
+            <a:xfrm>
+              <a:off x="1691680" y="1981622"/>
+              <a:ext cx="720080" cy="0"/>
+            </a:xfrm>
+            <a:prstGeom prst="line">
+              <a:avLst/>
+            </a:prstGeom>
+            <a:ln w="12700">
+              <a:solidFill>
+                <a:schemeClr val="accent5">
+                  <a:lumMod val="50000"/>
+                </a:schemeClr>
+              </a:solidFill>
+            </a:ln>
+          </p:spPr>
+          <p:style>
+            <a:lnRef idx="1">
+              <a:schemeClr val="accent1"/>
+            </a:lnRef>
+            <a:fillRef idx="0">
+              <a:schemeClr val="accent1"/>
+            </a:fillRef>
+            <a:effectRef idx="0">
+              <a:schemeClr val="accent1"/>
+            </a:effectRef>
+            <a:fontRef idx="minor">
+              <a:schemeClr val="tx1"/>
+            </a:fontRef>
+          </p:style>
+        </p:cxnSp>
+        <p:cxnSp>
+          <p:nvCxnSpPr>
+            <p:cNvPr id="12" name="Connecteur droit 11"/>
+            <p:cNvCxnSpPr/>
+            <p:nvPr/>
+          </p:nvCxnSpPr>
+          <p:spPr>
+            <a:xfrm>
+              <a:off x="1691680" y="1981622"/>
+              <a:ext cx="72008" cy="76200"/>
+            </a:xfrm>
+            <a:prstGeom prst="line">
+              <a:avLst/>
+            </a:prstGeom>
+            <a:ln w="12700">
+              <a:solidFill>
+                <a:schemeClr val="accent5">
+                  <a:lumMod val="50000"/>
+                </a:schemeClr>
+              </a:solidFill>
+            </a:ln>
+          </p:spPr>
+          <p:style>
+            <a:lnRef idx="1">
+              <a:schemeClr val="accent1"/>
+            </a:lnRef>
+            <a:fillRef idx="0">
+              <a:schemeClr val="accent1"/>
+            </a:fillRef>
+            <a:effectRef idx="0">
+              <a:schemeClr val="accent1"/>
+            </a:effectRef>
+            <a:fontRef idx="minor">
+              <a:schemeClr val="tx1"/>
+            </a:fontRef>
+          </p:style>
+        </p:cxnSp>
+        <p:cxnSp>
+          <p:nvCxnSpPr>
+            <p:cNvPr id="15" name="Connecteur droit 14"/>
+            <p:cNvCxnSpPr/>
+            <p:nvPr/>
+          </p:nvCxnSpPr>
+          <p:spPr>
+            <a:xfrm flipH="1">
+              <a:off x="2339752" y="1981622"/>
+              <a:ext cx="72008" cy="76200"/>
+            </a:xfrm>
+            <a:prstGeom prst="line">
+              <a:avLst/>
+            </a:prstGeom>
+            <a:ln w="12700">
+              <a:solidFill>
+                <a:schemeClr val="accent5">
+                  <a:lumMod val="50000"/>
+                </a:schemeClr>
+              </a:solidFill>
+            </a:ln>
+          </p:spPr>
+          <p:style>
+            <a:lnRef idx="1">
+              <a:schemeClr val="accent1"/>
+            </a:lnRef>
+            <a:fillRef idx="0">
+              <a:schemeClr val="accent1"/>
+            </a:fillRef>
+            <a:effectRef idx="0">
+              <a:schemeClr val="accent1"/>
+            </a:effectRef>
+            <a:fontRef idx="minor">
+              <a:schemeClr val="tx1"/>
+            </a:fontRef>
+          </p:style>
+        </p:cxnSp>
+        <p:cxnSp>
+          <p:nvCxnSpPr>
+            <p:cNvPr id="16" name="Connecteur droit 15"/>
+            <p:cNvCxnSpPr/>
+            <p:nvPr/>
+          </p:nvCxnSpPr>
+          <p:spPr>
+            <a:xfrm>
+              <a:off x="1761577" y="2057822"/>
+              <a:ext cx="578175" cy="0"/>
+            </a:xfrm>
+            <a:prstGeom prst="line">
+              <a:avLst/>
+            </a:prstGeom>
+            <a:ln w="12700">
+              <a:solidFill>
+                <a:schemeClr val="accent5">
+                  <a:lumMod val="50000"/>
+                </a:schemeClr>
+              </a:solidFill>
+            </a:ln>
+          </p:spPr>
+          <p:style>
+            <a:lnRef idx="1">
+              <a:schemeClr val="accent1"/>
+            </a:lnRef>
+            <a:fillRef idx="0">
+              <a:schemeClr val="accent1"/>
+            </a:fillRef>
+            <a:effectRef idx="0">
+              <a:schemeClr val="accent1"/>
+            </a:effectRef>
+            <a:fontRef idx="minor">
+              <a:schemeClr val="tx1"/>
+            </a:fontRef>
+          </p:style>
+        </p:cxnSp>
+        <p:cxnSp>
+          <p:nvCxnSpPr>
+            <p:cNvPr id="18" name="Connecteur droit 17"/>
+            <p:cNvCxnSpPr/>
+            <p:nvPr/>
+          </p:nvCxnSpPr>
+          <p:spPr>
+            <a:xfrm>
+              <a:off x="2051720" y="-243408"/>
+              <a:ext cx="0" cy="2384648"/>
+            </a:xfrm>
+            <a:prstGeom prst="line">
+              <a:avLst/>
+            </a:prstGeom>
+            <a:ln w="6350">
+              <a:solidFill>
+                <a:schemeClr val="accent5">
+                  <a:lumMod val="50000"/>
+                </a:schemeClr>
+              </a:solidFill>
+              <a:prstDash val="lgDashDot"/>
+            </a:ln>
+          </p:spPr>
+          <p:style>
+            <a:lnRef idx="1">
+              <a:schemeClr val="accent1"/>
+            </a:lnRef>
+            <a:fillRef idx="0">
+              <a:schemeClr val="accent1"/>
+            </a:fillRef>
+            <a:effectRef idx="0">
+              <a:schemeClr val="accent1"/>
+            </a:effectRef>
+            <a:fontRef idx="minor">
+              <a:schemeClr val="tx1"/>
+            </a:fontRef>
+          </p:style>
+        </p:cxnSp>
+        <p:cxnSp>
+          <p:nvCxnSpPr>
+            <p:cNvPr id="20" name="Connecteur droit 19"/>
+            <p:cNvCxnSpPr/>
+            <p:nvPr/>
+          </p:nvCxnSpPr>
+          <p:spPr>
+            <a:xfrm rot="5400000">
+              <a:off x="1043640" y="255620"/>
+              <a:ext cx="576000" cy="0"/>
+            </a:xfrm>
+            <a:prstGeom prst="line">
+              <a:avLst/>
+            </a:prstGeom>
+            <a:ln w="12700">
+              <a:solidFill>
+                <a:schemeClr val="accent5">
+                  <a:lumMod val="50000"/>
+                </a:schemeClr>
+              </a:solidFill>
+            </a:ln>
+          </p:spPr>
+          <p:style>
+            <a:lnRef idx="1">
+              <a:schemeClr val="accent1"/>
+            </a:lnRef>
+            <a:fillRef idx="0">
+              <a:schemeClr val="accent1"/>
+            </a:fillRef>
+            <a:effectRef idx="0">
+              <a:schemeClr val="accent1"/>
+            </a:effectRef>
+            <a:fontRef idx="minor">
+              <a:schemeClr val="tx1"/>
+            </a:fontRef>
+          </p:style>
+        </p:cxnSp>
+        <p:cxnSp>
+          <p:nvCxnSpPr>
+            <p:cNvPr id="21" name="Connecteur droit 20"/>
+            <p:cNvCxnSpPr/>
+            <p:nvPr/>
+          </p:nvCxnSpPr>
+          <p:spPr>
+            <a:xfrm rot="5400000">
+              <a:off x="2483800" y="255620"/>
+              <a:ext cx="576000" cy="0"/>
+            </a:xfrm>
+            <a:prstGeom prst="line">
+              <a:avLst/>
+            </a:prstGeom>
+            <a:ln w="12700">
+              <a:solidFill>
+                <a:schemeClr val="accent5">
+                  <a:lumMod val="50000"/>
+                </a:schemeClr>
+              </a:solidFill>
+            </a:ln>
+          </p:spPr>
+          <p:style>
+            <a:lnRef idx="1">
+              <a:schemeClr val="accent1"/>
+            </a:lnRef>
+            <a:fillRef idx="0">
+              <a:schemeClr val="accent1"/>
+            </a:fillRef>
+            <a:effectRef idx="0">
+              <a:schemeClr val="accent1"/>
+            </a:effectRef>
+            <a:fontRef idx="minor">
+              <a:schemeClr val="tx1"/>
+            </a:fontRef>
+          </p:style>
+        </p:cxnSp>
+        <p:cxnSp>
+          <p:nvCxnSpPr>
+            <p:cNvPr id="24" name="Connecteur droit 23"/>
+            <p:cNvCxnSpPr/>
+            <p:nvPr/>
+          </p:nvCxnSpPr>
+          <p:spPr>
+            <a:xfrm>
+              <a:off x="1331640" y="-32380"/>
+              <a:ext cx="1440160" cy="0"/>
+            </a:xfrm>
+            <a:prstGeom prst="line">
+              <a:avLst/>
+            </a:prstGeom>
+            <a:ln w="12700">
+              <a:solidFill>
+                <a:schemeClr val="accent5">
+                  <a:lumMod val="50000"/>
+                </a:schemeClr>
+              </a:solidFill>
+            </a:ln>
+          </p:spPr>
+          <p:style>
+            <a:lnRef idx="1">
+              <a:schemeClr val="accent1"/>
+            </a:lnRef>
+            <a:fillRef idx="0">
+              <a:schemeClr val="accent1"/>
+            </a:fillRef>
+            <a:effectRef idx="0">
+              <a:schemeClr val="accent1"/>
+            </a:effectRef>
+            <a:fontRef idx="minor">
+              <a:schemeClr val="tx1"/>
+            </a:fontRef>
+          </p:style>
+        </p:cxnSp>
+        <p:cxnSp>
+          <p:nvCxnSpPr>
+            <p:cNvPr id="26" name="Connecteur droit 25"/>
+            <p:cNvCxnSpPr/>
+            <p:nvPr/>
+          </p:nvCxnSpPr>
+          <p:spPr>
+            <a:xfrm>
+              <a:off x="1761577" y="692696"/>
+              <a:ext cx="0" cy="1365126"/>
+            </a:xfrm>
+            <a:prstGeom prst="line">
+              <a:avLst/>
+            </a:prstGeom>
+            <a:ln w="6350">
+              <a:solidFill>
+                <a:schemeClr val="accent5">
+                  <a:lumMod val="50000"/>
+                </a:schemeClr>
+              </a:solidFill>
+            </a:ln>
+          </p:spPr>
+          <p:style>
+            <a:lnRef idx="1">
+              <a:schemeClr val="accent1"/>
+            </a:lnRef>
+            <a:fillRef idx="0">
+              <a:schemeClr val="accent1"/>
+            </a:fillRef>
+            <a:effectRef idx="0">
+              <a:schemeClr val="accent1"/>
+            </a:effectRef>
+            <a:fontRef idx="minor">
+              <a:schemeClr val="tx1"/>
+            </a:fontRef>
+          </p:style>
+        </p:cxnSp>
+        <p:cxnSp>
+          <p:nvCxnSpPr>
+            <p:cNvPr id="28" name="Connecteur droit 27"/>
+            <p:cNvCxnSpPr/>
+            <p:nvPr/>
+          </p:nvCxnSpPr>
+          <p:spPr>
+            <a:xfrm>
+              <a:off x="2339752" y="692696"/>
+              <a:ext cx="0" cy="1365126"/>
+            </a:xfrm>
+            <a:prstGeom prst="line">
+              <a:avLst/>
+            </a:prstGeom>
+            <a:ln w="6350">
+              <a:solidFill>
+                <a:schemeClr val="accent5">
+                  <a:lumMod val="50000"/>
+                </a:schemeClr>
+              </a:solidFill>
+            </a:ln>
+          </p:spPr>
+          <p:style>
+            <a:lnRef idx="1">
+              <a:schemeClr val="accent1"/>
+            </a:lnRef>
+            <a:fillRef idx="0">
+              <a:schemeClr val="accent1"/>
+            </a:fillRef>
+            <a:effectRef idx="0">
+              <a:schemeClr val="accent1"/>
+            </a:effectRef>
+            <a:fontRef idx="minor">
+              <a:schemeClr val="tx1"/>
+            </a:fontRef>
+          </p:style>
+        </p:cxnSp>
+        <p:cxnSp>
+          <p:nvCxnSpPr>
+            <p:cNvPr id="29" name="Connecteur droit 28"/>
+            <p:cNvCxnSpPr/>
+            <p:nvPr/>
+          </p:nvCxnSpPr>
+          <p:spPr>
+            <a:xfrm>
+              <a:off x="1691680" y="692696"/>
+              <a:ext cx="720080" cy="0"/>
+            </a:xfrm>
+            <a:prstGeom prst="line">
+              <a:avLst/>
+            </a:prstGeom>
+            <a:ln w="6350">
+              <a:solidFill>
+                <a:schemeClr val="accent5">
+                  <a:lumMod val="50000"/>
+                </a:schemeClr>
+              </a:solidFill>
+            </a:ln>
+          </p:spPr>
+          <p:style>
+            <a:lnRef idx="1">
+              <a:schemeClr val="accent1"/>
+            </a:lnRef>
+            <a:fillRef idx="0">
+              <a:schemeClr val="accent1"/>
+            </a:fillRef>
+            <a:effectRef idx="0">
+              <a:schemeClr val="accent1"/>
+            </a:effectRef>
+            <a:fontRef idx="minor">
+              <a:schemeClr val="tx1"/>
+            </a:fontRef>
+          </p:style>
+        </p:cxnSp>
+        <p:cxnSp>
+          <p:nvCxnSpPr>
+            <p:cNvPr id="37" name="Connecteur droit 36"/>
+            <p:cNvCxnSpPr/>
+            <p:nvPr/>
+          </p:nvCxnSpPr>
+          <p:spPr>
+            <a:xfrm>
+              <a:off x="1691680" y="-33378"/>
+              <a:ext cx="0" cy="288998"/>
+            </a:xfrm>
+            <a:prstGeom prst="line">
+              <a:avLst/>
+            </a:prstGeom>
+            <a:ln w="6350">
+              <a:solidFill>
+                <a:schemeClr val="accent5">
+                  <a:lumMod val="50000"/>
+                </a:schemeClr>
+              </a:solidFill>
+              <a:prstDash val="dash"/>
+            </a:ln>
+          </p:spPr>
+          <p:style>
+            <a:lnRef idx="1">
+              <a:schemeClr val="accent1"/>
+            </a:lnRef>
+            <a:fillRef idx="0">
+              <a:schemeClr val="accent1"/>
+            </a:fillRef>
+            <a:effectRef idx="0">
+              <a:schemeClr val="accent1"/>
+            </a:effectRef>
+            <a:fontRef idx="minor">
+              <a:schemeClr val="tx1"/>
+            </a:fontRef>
+          </p:style>
+        </p:cxnSp>
+        <p:cxnSp>
+          <p:nvCxnSpPr>
+            <p:cNvPr id="40" name="Connecteur droit 39"/>
+            <p:cNvCxnSpPr/>
+            <p:nvPr/>
+          </p:nvCxnSpPr>
+          <p:spPr>
+            <a:xfrm>
+              <a:off x="2411760" y="-32380"/>
+              <a:ext cx="0" cy="288998"/>
+            </a:xfrm>
+            <a:prstGeom prst="line">
+              <a:avLst/>
+            </a:prstGeom>
+            <a:ln w="6350">
+              <a:solidFill>
+                <a:schemeClr val="accent5">
+                  <a:lumMod val="50000"/>
+                </a:schemeClr>
+              </a:solidFill>
+              <a:prstDash val="dash"/>
+            </a:ln>
+          </p:spPr>
+          <p:style>
+            <a:lnRef idx="1">
+              <a:schemeClr val="accent1"/>
+            </a:lnRef>
+            <a:fillRef idx="0">
+              <a:schemeClr val="accent1"/>
+            </a:fillRef>
+            <a:effectRef idx="0">
+              <a:schemeClr val="accent1"/>
+            </a:effectRef>
+            <a:fontRef idx="minor">
+              <a:schemeClr val="tx1"/>
+            </a:fontRef>
+          </p:style>
+        </p:cxnSp>
+        <p:cxnSp>
+          <p:nvCxnSpPr>
+            <p:cNvPr id="41" name="Connecteur droit 40"/>
+            <p:cNvCxnSpPr/>
+            <p:nvPr/>
+          </p:nvCxnSpPr>
+          <p:spPr>
+            <a:xfrm flipH="1">
+              <a:off x="1691680" y="255620"/>
+              <a:ext cx="720080" cy="0"/>
+            </a:xfrm>
+            <a:prstGeom prst="line">
+              <a:avLst/>
+            </a:prstGeom>
+            <a:ln w="6350">
+              <a:solidFill>
+                <a:schemeClr val="accent5">
+                  <a:lumMod val="50000"/>
+                </a:schemeClr>
+              </a:solidFill>
+              <a:prstDash val="dash"/>
+            </a:ln>
+          </p:spPr>
+          <p:style>
+            <a:lnRef idx="1">
+              <a:schemeClr val="accent1"/>
+            </a:lnRef>
+            <a:fillRef idx="0">
+              <a:schemeClr val="accent1"/>
+            </a:fillRef>
+            <a:effectRef idx="0">
+              <a:schemeClr val="accent1"/>
+            </a:effectRef>
+            <a:fontRef idx="minor">
+              <a:schemeClr val="tx1"/>
+            </a:fontRef>
+          </p:style>
+        </p:cxnSp>
+        <p:cxnSp>
+          <p:nvCxnSpPr>
+            <p:cNvPr id="45" name="Connecteur droit 44"/>
+            <p:cNvCxnSpPr/>
+            <p:nvPr/>
+          </p:nvCxnSpPr>
+          <p:spPr>
+            <a:xfrm>
+              <a:off x="1907704" y="-32380"/>
+              <a:ext cx="0" cy="288998"/>
+            </a:xfrm>
+            <a:prstGeom prst="line">
+              <a:avLst/>
+            </a:prstGeom>
+            <a:ln w="6350">
+              <a:solidFill>
+                <a:schemeClr val="accent5">
+                  <a:lumMod val="50000"/>
+                </a:schemeClr>
+              </a:solidFill>
+              <a:prstDash val="dash"/>
+            </a:ln>
+          </p:spPr>
+          <p:style>
+            <a:lnRef idx="1">
+              <a:schemeClr val="accent1"/>
+            </a:lnRef>
+            <a:fillRef idx="0">
+              <a:schemeClr val="accent1"/>
+            </a:fillRef>
+            <a:effectRef idx="0">
+              <a:schemeClr val="accent1"/>
+            </a:effectRef>
+            <a:fontRef idx="minor">
+              <a:schemeClr val="tx1"/>
+            </a:fontRef>
+          </p:style>
+        </p:cxnSp>
+        <p:cxnSp>
+          <p:nvCxnSpPr>
+            <p:cNvPr id="46" name="Connecteur droit 45"/>
+            <p:cNvCxnSpPr/>
+            <p:nvPr/>
+          </p:nvCxnSpPr>
+          <p:spPr>
+            <a:xfrm>
+              <a:off x="2217141" y="-33378"/>
+              <a:ext cx="0" cy="288998"/>
+            </a:xfrm>
+            <a:prstGeom prst="line">
+              <a:avLst/>
+            </a:prstGeom>
+            <a:ln w="6350">
+              <a:solidFill>
+                <a:schemeClr val="accent5">
+                  <a:lumMod val="50000"/>
+                </a:schemeClr>
+              </a:solidFill>
+              <a:prstDash val="dash"/>
+            </a:ln>
+          </p:spPr>
+          <p:style>
+            <a:lnRef idx="1">
+              <a:schemeClr val="accent1"/>
+            </a:lnRef>
+            <a:fillRef idx="0">
+              <a:schemeClr val="accent1"/>
+            </a:fillRef>
+            <a:effectRef idx="0">
+              <a:schemeClr val="accent1"/>
+            </a:effectRef>
+            <a:fontRef idx="minor">
+              <a:schemeClr val="tx1"/>
+            </a:fontRef>
+          </p:style>
+        </p:cxnSp>
+        <p:cxnSp>
+          <p:nvCxnSpPr>
+            <p:cNvPr id="48" name="Connecteur droit 47"/>
+            <p:cNvCxnSpPr/>
+            <p:nvPr/>
+          </p:nvCxnSpPr>
+          <p:spPr>
+            <a:xfrm flipH="1">
+              <a:off x="2051720" y="256618"/>
+              <a:ext cx="360040" cy="75701"/>
+            </a:xfrm>
+            <a:prstGeom prst="line">
+              <a:avLst/>
+            </a:prstGeom>
+            <a:ln w="6350">
+              <a:solidFill>
+                <a:schemeClr val="accent5">
+                  <a:lumMod val="50000"/>
+                </a:schemeClr>
+              </a:solidFill>
+              <a:prstDash val="dash"/>
+            </a:ln>
+          </p:spPr>
+          <p:style>
+            <a:lnRef idx="1">
+              <a:schemeClr val="accent1"/>
+            </a:lnRef>
+            <a:fillRef idx="0">
+              <a:schemeClr val="accent1"/>
+            </a:fillRef>
+            <a:effectRef idx="0">
+              <a:schemeClr val="accent1"/>
+            </a:effectRef>
+            <a:fontRef idx="minor">
+              <a:schemeClr val="tx1"/>
+            </a:fontRef>
+          </p:style>
+        </p:cxnSp>
+        <p:cxnSp>
+          <p:nvCxnSpPr>
+            <p:cNvPr id="51" name="Connecteur droit 50"/>
+            <p:cNvCxnSpPr/>
+            <p:nvPr/>
+          </p:nvCxnSpPr>
+          <p:spPr>
+            <a:xfrm>
+              <a:off x="1727684" y="255620"/>
+              <a:ext cx="360040" cy="75701"/>
+            </a:xfrm>
+            <a:prstGeom prst="line">
+              <a:avLst/>
+            </a:prstGeom>
+            <a:ln w="6350">
+              <a:solidFill>
+                <a:schemeClr val="accent5">
+                  <a:lumMod val="50000"/>
+                </a:schemeClr>
+              </a:solidFill>
+              <a:prstDash val="dash"/>
+            </a:ln>
+          </p:spPr>
+          <p:style>
+            <a:lnRef idx="1">
+              <a:schemeClr val="accent1"/>
+            </a:lnRef>
+            <a:fillRef idx="0">
+              <a:schemeClr val="accent1"/>
+            </a:fillRef>
+            <a:effectRef idx="0">
+              <a:schemeClr val="accent1"/>
+            </a:effectRef>
+            <a:fontRef idx="minor">
+              <a:schemeClr val="tx1"/>
+            </a:fontRef>
+          </p:style>
+        </p:cxnSp>
+      </p:grpSp>
+      <p:cxnSp>
+        <p:nvCxnSpPr>
+          <p:cNvPr id="52" name="Connecteur droit 51"/>
+          <p:cNvCxnSpPr/>
+          <p:nvPr/>
+        </p:nvCxnSpPr>
+        <p:spPr>
+          <a:xfrm>
+            <a:off x="3840578" y="1989761"/>
+            <a:ext cx="0" cy="712862"/>
+          </a:xfrm>
+          <a:prstGeom prst="line">
+            <a:avLst/>
+          </a:prstGeom>
+          <a:ln w="12700">
+            <a:solidFill>
+              <a:schemeClr val="accent5">
+                <a:lumMod val="50000"/>
+              </a:schemeClr>
+            </a:solidFill>
+          </a:ln>
+        </p:spPr>
+        <p:style>
+          <a:lnRef idx="1">
+            <a:schemeClr val="accent1"/>
+          </a:lnRef>
+          <a:fillRef idx="0">
+            <a:schemeClr val="accent1"/>
+          </a:fillRef>
+          <a:effectRef idx="0">
+            <a:schemeClr val="accent1"/>
+          </a:effectRef>
+          <a:fontRef idx="minor">
+            <a:schemeClr val="tx1"/>
+          </a:fontRef>
+        </p:style>
+      </p:cxnSp>
+      <p:cxnSp>
+        <p:nvCxnSpPr>
+          <p:cNvPr id="54" name="Connecteur droit 53"/>
+          <p:cNvCxnSpPr/>
+          <p:nvPr/>
+        </p:nvCxnSpPr>
+        <p:spPr>
+          <a:xfrm>
+            <a:off x="4560658" y="1989761"/>
+            <a:ext cx="0" cy="723815"/>
+          </a:xfrm>
+          <a:prstGeom prst="line">
+            <a:avLst/>
+          </a:prstGeom>
+          <a:ln w="12700">
+            <a:solidFill>
+              <a:schemeClr val="accent5">
+                <a:lumMod val="50000"/>
+              </a:schemeClr>
+            </a:solidFill>
+          </a:ln>
+        </p:spPr>
+        <p:style>
+          <a:lnRef idx="1">
+            <a:schemeClr val="accent1"/>
+          </a:lnRef>
+          <a:fillRef idx="0">
+            <a:schemeClr val="accent1"/>
+          </a:fillRef>
+          <a:effectRef idx="0">
+            <a:schemeClr val="accent1"/>
+          </a:effectRef>
+          <a:fontRef idx="minor">
+            <a:schemeClr val="tx1"/>
+          </a:fontRef>
+        </p:style>
+      </p:cxnSp>
+      <p:cxnSp>
+        <p:nvCxnSpPr>
+          <p:cNvPr id="55" name="Connecteur droit 54"/>
+          <p:cNvCxnSpPr/>
+          <p:nvPr/>
+        </p:nvCxnSpPr>
+        <p:spPr>
+          <a:xfrm>
+            <a:off x="3120497" y="1989761"/>
+            <a:ext cx="2160240" cy="0"/>
+          </a:xfrm>
+          <a:prstGeom prst="line">
+            <a:avLst/>
+          </a:prstGeom>
+          <a:ln w="12700">
+            <a:solidFill>
+              <a:schemeClr val="accent5">
+                <a:lumMod val="50000"/>
+              </a:schemeClr>
+            </a:solidFill>
+          </a:ln>
+        </p:spPr>
+        <p:style>
+          <a:lnRef idx="1">
+            <a:schemeClr val="accent1"/>
+          </a:lnRef>
+          <a:fillRef idx="0">
+            <a:schemeClr val="accent1"/>
+          </a:fillRef>
+          <a:effectRef idx="0">
+            <a:schemeClr val="accent1"/>
+          </a:effectRef>
+          <a:fontRef idx="minor">
+            <a:schemeClr val="tx1"/>
+          </a:fontRef>
+        </p:style>
+      </p:cxnSp>
+      <p:cxnSp>
+        <p:nvCxnSpPr>
+          <p:cNvPr id="61" name="Connecteur droit 60"/>
+          <p:cNvCxnSpPr/>
+          <p:nvPr/>
+        </p:nvCxnSpPr>
+        <p:spPr>
+          <a:xfrm>
+            <a:off x="3120497" y="2709841"/>
+            <a:ext cx="2160240" cy="0"/>
+          </a:xfrm>
+          <a:prstGeom prst="line">
+            <a:avLst/>
+          </a:prstGeom>
+          <a:ln w="12700">
+            <a:solidFill>
+              <a:schemeClr val="accent5">
+                <a:lumMod val="50000"/>
+              </a:schemeClr>
+            </a:solidFill>
+          </a:ln>
+        </p:spPr>
+        <p:style>
+          <a:lnRef idx="1">
+            <a:schemeClr val="accent1"/>
+          </a:lnRef>
+          <a:fillRef idx="0">
+            <a:schemeClr val="accent1"/>
+          </a:fillRef>
+          <a:effectRef idx="0">
+            <a:schemeClr val="accent1"/>
+          </a:effectRef>
+          <a:fontRef idx="minor">
+            <a:schemeClr val="tx1"/>
+          </a:fontRef>
+        </p:style>
+      </p:cxnSp>
+      <p:cxnSp>
+        <p:nvCxnSpPr>
+          <p:cNvPr id="62" name="Connecteur droit 61"/>
+          <p:cNvCxnSpPr/>
+          <p:nvPr/>
+        </p:nvCxnSpPr>
+        <p:spPr>
+          <a:xfrm>
+            <a:off x="3120497" y="1989761"/>
+            <a:ext cx="0" cy="712862"/>
+          </a:xfrm>
+          <a:prstGeom prst="line">
+            <a:avLst/>
+          </a:prstGeom>
+          <a:ln w="12700">
+            <a:solidFill>
+              <a:schemeClr val="accent5">
+                <a:lumMod val="50000"/>
+              </a:schemeClr>
+            </a:solidFill>
+          </a:ln>
+        </p:spPr>
+        <p:style>
+          <a:lnRef idx="1">
+            <a:schemeClr val="accent1"/>
+          </a:lnRef>
+          <a:fillRef idx="0">
+            <a:schemeClr val="accent1"/>
+          </a:fillRef>
+          <a:effectRef idx="0">
+            <a:schemeClr val="accent1"/>
+          </a:effectRef>
+          <a:fontRef idx="minor">
+            <a:schemeClr val="tx1"/>
+          </a:fontRef>
+        </p:style>
+      </p:cxnSp>
+      <p:cxnSp>
+        <p:nvCxnSpPr>
+          <p:cNvPr id="63" name="Connecteur droit 62"/>
+          <p:cNvCxnSpPr/>
+          <p:nvPr/>
+        </p:nvCxnSpPr>
+        <p:spPr>
+          <a:xfrm>
+            <a:off x="5280737" y="1978808"/>
+            <a:ext cx="0" cy="723815"/>
+          </a:xfrm>
+          <a:prstGeom prst="line">
+            <a:avLst/>
+          </a:prstGeom>
+          <a:ln w="12700">
+            <a:solidFill>
+              <a:schemeClr val="accent5">
+                <a:lumMod val="50000"/>
+              </a:schemeClr>
+            </a:solidFill>
+          </a:ln>
+        </p:spPr>
+        <p:style>
+          <a:lnRef idx="1">
+            <a:schemeClr val="accent1"/>
+          </a:lnRef>
+          <a:fillRef idx="0">
+            <a:schemeClr val="accent1"/>
+          </a:fillRef>
+          <a:effectRef idx="0">
+            <a:schemeClr val="accent1"/>
+          </a:effectRef>
+          <a:fontRef idx="minor">
+            <a:schemeClr val="tx1"/>
+          </a:fontRef>
+        </p:style>
+      </p:cxnSp>
+      <p:cxnSp>
+        <p:nvCxnSpPr>
+          <p:cNvPr id="64" name="Connecteur droit 63"/>
+          <p:cNvCxnSpPr/>
+          <p:nvPr/>
+        </p:nvCxnSpPr>
+        <p:spPr>
+          <a:xfrm>
+            <a:off x="4200617" y="1917753"/>
+            <a:ext cx="0" cy="861070"/>
+          </a:xfrm>
+          <a:prstGeom prst="line">
+            <a:avLst/>
+          </a:prstGeom>
+          <a:ln w="6350">
+            <a:solidFill>
+              <a:schemeClr val="accent5">
+                <a:lumMod val="50000"/>
+              </a:schemeClr>
+            </a:solidFill>
+            <a:prstDash val="lgDashDot"/>
+          </a:ln>
+        </p:spPr>
+        <p:style>
+          <a:lnRef idx="1">
+            <a:schemeClr val="accent1"/>
+          </a:lnRef>
+          <a:fillRef idx="0">
+            <a:schemeClr val="accent1"/>
+          </a:fillRef>
+          <a:effectRef idx="0">
+            <a:schemeClr val="accent1"/>
+          </a:effectRef>
+          <a:fontRef idx="minor">
+            <a:schemeClr val="tx1"/>
+          </a:fontRef>
+        </p:style>
+      </p:cxnSp>
+      <p:sp>
+        <p:nvSpPr>
+          <p:cNvPr id="72" name="Rectangle 71"/>
+          <p:cNvSpPr/>
+          <p:nvPr/>
+        </p:nvSpPr>
+        <p:spPr>
+          <a:xfrm>
+            <a:off x="4499992" y="2710568"/>
+            <a:ext cx="780747" cy="712862"/>
+          </a:xfrm>
+          <a:prstGeom prst="rect">
+            <a:avLst/>
+          </a:prstGeom>
+          <a:pattFill prst="ltUpDiag">
+            <a:fgClr>
+              <a:schemeClr val="accent1"/>
+            </a:fgClr>
+            <a:bgClr>
+              <a:schemeClr val="bg1"/>
+            </a:bgClr>
+          </a:pattFill>
+          <a:ln>
+            <a:noFill/>
+          </a:ln>
+        </p:spPr>
+        <p:style>
+          <a:lnRef idx="2">
+            <a:schemeClr val="accent1">
+              <a:shade val="50000"/>
+            </a:schemeClr>
+          </a:lnRef>
+          <a:fillRef idx="1">
+            <a:schemeClr val="accent1"/>
+          </a:fillRef>
+          <a:effectRef idx="0">
+            <a:schemeClr val="accent1"/>
+          </a:effectRef>
+          <a:fontRef idx="minor">
+            <a:schemeClr val="lt1"/>
+          </a:fontRef>
+        </p:style>
+        <p:txBody>
+          <a:bodyPr rtlCol="0" anchor="ctr"/>
+          <a:lstStyle/>
+          <a:p>
+            <a:pPr algn="ctr"/>
+            <a:endParaRPr lang="fr-FR"/>
+          </a:p>
+        </p:txBody>
+      </p:sp>
+      <p:sp>
+        <p:nvSpPr>
+          <p:cNvPr id="73" name="Rectangle 72"/>
+          <p:cNvSpPr/>
+          <p:nvPr/>
+        </p:nvSpPr>
+        <p:spPr>
+          <a:xfrm>
+            <a:off x="3120497" y="2707057"/>
+            <a:ext cx="803431" cy="712862"/>
+          </a:xfrm>
+          <a:prstGeom prst="rect">
+            <a:avLst/>
+          </a:prstGeom>
+          <a:pattFill prst="ltUpDiag">
+            <a:fgClr>
+              <a:schemeClr val="accent1"/>
+            </a:fgClr>
+            <a:bgClr>
+              <a:schemeClr val="bg1"/>
+            </a:bgClr>
+          </a:pattFill>
+          <a:ln>
+            <a:noFill/>
+          </a:ln>
+        </p:spPr>
+        <p:style>
+          <a:lnRef idx="2">
+            <a:schemeClr val="accent1">
+              <a:shade val="50000"/>
+            </a:schemeClr>
+          </a:lnRef>
+          <a:fillRef idx="1">
+            <a:schemeClr val="accent1"/>
+          </a:fillRef>
+          <a:effectRef idx="0">
+            <a:schemeClr val="accent1"/>
+          </a:effectRef>
+          <a:fontRef idx="minor">
+            <a:schemeClr val="lt1"/>
+          </a:fontRef>
+        </p:style>
+        <p:txBody>
+          <a:bodyPr rtlCol="0" anchor="ctr"/>
+          <a:lstStyle/>
+          <a:p>
+            <a:pPr algn="ctr"/>
+            <a:endParaRPr lang="fr-FR"/>
+          </a:p>
+        </p:txBody>
+      </p:sp>
+      <p:cxnSp>
+        <p:nvCxnSpPr>
+          <p:cNvPr id="74" name="Connecteur droit 73"/>
+          <p:cNvCxnSpPr/>
+          <p:nvPr/>
+        </p:nvCxnSpPr>
+        <p:spPr>
+          <a:xfrm>
+            <a:off x="3923928" y="2712533"/>
+            <a:ext cx="0" cy="712862"/>
+          </a:xfrm>
+          <a:prstGeom prst="line">
+            <a:avLst/>
+          </a:prstGeom>
+          <a:ln w="12700">
+            <a:solidFill>
+              <a:schemeClr val="accent5">
+                <a:lumMod val="50000"/>
+              </a:schemeClr>
+            </a:solidFill>
+          </a:ln>
+        </p:spPr>
+        <p:style>
+          <a:lnRef idx="1">
+            <a:schemeClr val="accent1"/>
+          </a:lnRef>
+          <a:fillRef idx="0">
+            <a:schemeClr val="accent1"/>
+          </a:fillRef>
+          <a:effectRef idx="0">
+            <a:schemeClr val="accent1"/>
+          </a:effectRef>
+          <a:fontRef idx="minor">
+            <a:schemeClr val="tx1"/>
+          </a:fontRef>
+        </p:style>
+      </p:cxnSp>
+      <p:cxnSp>
+        <p:nvCxnSpPr>
+          <p:cNvPr id="75" name="Connecteur droit 74"/>
+          <p:cNvCxnSpPr/>
+          <p:nvPr/>
+        </p:nvCxnSpPr>
+        <p:spPr>
+          <a:xfrm>
+            <a:off x="4499992" y="2706595"/>
+            <a:ext cx="0" cy="723815"/>
+          </a:xfrm>
+          <a:prstGeom prst="line">
+            <a:avLst/>
+          </a:prstGeom>
+          <a:ln w="12700">
+            <a:solidFill>
+              <a:schemeClr val="accent5">
+                <a:lumMod val="50000"/>
+              </a:schemeClr>
+            </a:solidFill>
+          </a:ln>
+        </p:spPr>
+        <p:style>
+          <a:lnRef idx="1">
+            <a:schemeClr val="accent1"/>
+          </a:lnRef>
+          <a:fillRef idx="0">
+            <a:schemeClr val="accent1"/>
+          </a:fillRef>
+          <a:effectRef idx="0">
+            <a:schemeClr val="accent1"/>
+          </a:effectRef>
+          <a:fontRef idx="minor">
+            <a:schemeClr val="tx1"/>
+          </a:fontRef>
+        </p:style>
+      </p:cxnSp>
+      <p:cxnSp>
+        <p:nvCxnSpPr>
+          <p:cNvPr id="76" name="Connecteur droit 75"/>
+          <p:cNvCxnSpPr/>
+          <p:nvPr/>
+        </p:nvCxnSpPr>
+        <p:spPr>
+          <a:xfrm>
+            <a:off x="3120497" y="2707057"/>
+            <a:ext cx="2160240" cy="0"/>
+          </a:xfrm>
+          <a:prstGeom prst="line">
+            <a:avLst/>
+          </a:prstGeom>
+          <a:ln w="12700">
+            <a:solidFill>
+              <a:schemeClr val="accent5">
+                <a:lumMod val="50000"/>
+              </a:schemeClr>
+            </a:solidFill>
+          </a:ln>
+        </p:spPr>
+        <p:style>
+          <a:lnRef idx="1">
+            <a:schemeClr val="accent1"/>
+          </a:lnRef>
+          <a:fillRef idx="0">
+            <a:schemeClr val="accent1"/>
+          </a:fillRef>
+          <a:effectRef idx="0">
+            <a:schemeClr val="accent1"/>
+          </a:effectRef>
+          <a:fontRef idx="minor">
+            <a:schemeClr val="tx1"/>
+          </a:fontRef>
+        </p:style>
+      </p:cxnSp>
+      <p:cxnSp>
+        <p:nvCxnSpPr>
+          <p:cNvPr id="77" name="Connecteur droit 76"/>
+          <p:cNvCxnSpPr/>
+          <p:nvPr/>
+        </p:nvCxnSpPr>
+        <p:spPr>
+          <a:xfrm>
+            <a:off x="3120497" y="3427137"/>
+            <a:ext cx="2160240" cy="0"/>
+          </a:xfrm>
+          <a:prstGeom prst="line">
+            <a:avLst/>
+          </a:prstGeom>
+          <a:ln w="12700">
+            <a:solidFill>
+              <a:schemeClr val="accent5">
+                <a:lumMod val="50000"/>
+              </a:schemeClr>
+            </a:solidFill>
+          </a:ln>
+        </p:spPr>
+        <p:style>
+          <a:lnRef idx="1">
+            <a:schemeClr val="accent1"/>
+          </a:lnRef>
+          <a:fillRef idx="0">
+            <a:schemeClr val="accent1"/>
+          </a:fillRef>
+          <a:effectRef idx="0">
+            <a:schemeClr val="accent1"/>
+          </a:effectRef>
+          <a:fontRef idx="minor">
+            <a:schemeClr val="tx1"/>
+          </a:fontRef>
+        </p:style>
+      </p:cxnSp>
+      <p:cxnSp>
+        <p:nvCxnSpPr>
+          <p:cNvPr id="78" name="Connecteur droit 77"/>
+          <p:cNvCxnSpPr/>
+          <p:nvPr/>
+        </p:nvCxnSpPr>
+        <p:spPr>
+          <a:xfrm>
+            <a:off x="3120497" y="2707057"/>
+            <a:ext cx="0" cy="712862"/>
+          </a:xfrm>
+          <a:prstGeom prst="line">
+            <a:avLst/>
+          </a:prstGeom>
+          <a:ln w="12700">
+            <a:solidFill>
+              <a:schemeClr val="accent5">
+                <a:lumMod val="50000"/>
+              </a:schemeClr>
+            </a:solidFill>
+          </a:ln>
+        </p:spPr>
+        <p:style>
+          <a:lnRef idx="1">
+            <a:schemeClr val="accent1"/>
+          </a:lnRef>
+          <a:fillRef idx="0">
+            <a:schemeClr val="accent1"/>
+          </a:fillRef>
+          <a:effectRef idx="0">
+            <a:schemeClr val="accent1"/>
+          </a:effectRef>
+          <a:fontRef idx="minor">
+            <a:schemeClr val="tx1"/>
+          </a:fontRef>
+        </p:style>
+      </p:cxnSp>
+      <p:cxnSp>
+        <p:nvCxnSpPr>
+          <p:cNvPr id="79" name="Connecteur droit 78"/>
+          <p:cNvCxnSpPr/>
+          <p:nvPr/>
+        </p:nvCxnSpPr>
+        <p:spPr>
+          <a:xfrm>
+            <a:off x="5280737" y="2696104"/>
+            <a:ext cx="0" cy="723815"/>
+          </a:xfrm>
+          <a:prstGeom prst="line">
+            <a:avLst/>
+          </a:prstGeom>
+          <a:ln w="12700">
+            <a:solidFill>
+              <a:schemeClr val="accent5">
+                <a:lumMod val="50000"/>
+              </a:schemeClr>
+            </a:solidFill>
+          </a:ln>
+        </p:spPr>
+        <p:style>
+          <a:lnRef idx="1">
+            <a:schemeClr val="accent1"/>
+          </a:lnRef>
+          <a:fillRef idx="0">
+            <a:schemeClr val="accent1"/>
+          </a:fillRef>
+          <a:effectRef idx="0">
+            <a:schemeClr val="accent1"/>
+          </a:effectRef>
+          <a:fontRef idx="minor">
+            <a:schemeClr val="tx1"/>
+          </a:fontRef>
+        </p:style>
+      </p:cxnSp>
+      <p:cxnSp>
+        <p:nvCxnSpPr>
+          <p:cNvPr id="80" name="Connecteur droit 79"/>
+          <p:cNvCxnSpPr/>
+          <p:nvPr/>
+        </p:nvCxnSpPr>
+        <p:spPr>
+          <a:xfrm>
+            <a:off x="4200617" y="2635049"/>
+            <a:ext cx="0" cy="861070"/>
+          </a:xfrm>
+          <a:prstGeom prst="line">
+            <a:avLst/>
+          </a:prstGeom>
+          <a:ln w="6350">
+            <a:solidFill>
+              <a:schemeClr val="accent5">
+                <a:lumMod val="50000"/>
+              </a:schemeClr>
+            </a:solidFill>
+            <a:prstDash val="lgDashDot"/>
+          </a:ln>
+        </p:spPr>
+        <p:style>
+          <a:lnRef idx="1">
+            <a:schemeClr val="accent1"/>
+          </a:lnRef>
+          <a:fillRef idx="0">
+            <a:schemeClr val="accent1"/>
+          </a:fillRef>
+          <a:effectRef idx="0">
+            <a:schemeClr val="accent1"/>
+          </a:effectRef>
+          <a:fontRef idx="minor">
+            <a:schemeClr val="tx1"/>
+          </a:fontRef>
+        </p:style>
+      </p:cxnSp>
+      <p:cxnSp>
+        <p:nvCxnSpPr>
+          <p:cNvPr id="81" name="Connecteur droit 80"/>
+          <p:cNvCxnSpPr/>
+          <p:nvPr/>
+        </p:nvCxnSpPr>
+        <p:spPr>
+          <a:xfrm>
+            <a:off x="3851810" y="2718010"/>
+            <a:ext cx="0" cy="712862"/>
+          </a:xfrm>
+          <a:prstGeom prst="line">
+            <a:avLst/>
+          </a:prstGeom>
+          <a:ln w="6350">
+            <a:solidFill>
+              <a:schemeClr val="accent5">
+                <a:lumMod val="50000"/>
+              </a:schemeClr>
+            </a:solidFill>
+          </a:ln>
+        </p:spPr>
+        <p:style>
+          <a:lnRef idx="1">
+            <a:schemeClr val="accent1"/>
+          </a:lnRef>
+          <a:fillRef idx="0">
+            <a:schemeClr val="accent1"/>
+          </a:fillRef>
+          <a:effectRef idx="0">
+            <a:schemeClr val="accent1"/>
+          </a:effectRef>
+          <a:fontRef idx="minor">
+            <a:schemeClr val="tx1"/>
+          </a:fontRef>
+        </p:style>
+      </p:cxnSp>
+      <p:cxnSp>
+        <p:nvCxnSpPr>
+          <p:cNvPr id="82" name="Connecteur droit 81"/>
+          <p:cNvCxnSpPr/>
+          <p:nvPr/>
+        </p:nvCxnSpPr>
+        <p:spPr>
+          <a:xfrm>
+            <a:off x="4572000" y="2707185"/>
+            <a:ext cx="0" cy="712862"/>
+          </a:xfrm>
+          <a:prstGeom prst="line">
+            <a:avLst/>
+          </a:prstGeom>
+          <a:ln w="6350">
+            <a:solidFill>
+              <a:schemeClr val="accent5">
+                <a:lumMod val="50000"/>
+              </a:schemeClr>
+            </a:solidFill>
+          </a:ln>
+        </p:spPr>
+        <p:style>
+          <a:lnRef idx="1">
+            <a:schemeClr val="accent1"/>
+          </a:lnRef>
+          <a:fillRef idx="0">
+            <a:schemeClr val="accent1"/>
+          </a:fillRef>
+          <a:effectRef idx="0">
+            <a:schemeClr val="accent1"/>
+          </a:effectRef>
+          <a:fontRef idx="minor">
+            <a:schemeClr val="tx1"/>
+          </a:fontRef>
+        </p:style>
+      </p:cxnSp>
+    </p:spTree>
+    <p:extLst>
+      <p:ext uri="{BB962C8B-B14F-4D97-AF65-F5344CB8AC3E}">
+        <p14:creationId xmlns:p14="http://schemas.microsoft.com/office/powerpoint/2010/main" val="1812929947"/>
       </p:ext>
     </p:extLst>
   </p:cSld>

--- a/01_LiaisonEncastrement/Cours/Figures/Figures.pptx
+++ b/01_LiaisonEncastrement/Cours/Figures/Figures.pptx
@@ -4,6 +4,9 @@
   <p:sldMasterIdLst>
     <p:sldMasterId id="2147483648" r:id="rId1"/>
   </p:sldMasterIdLst>
+  <p:notesMasterIdLst>
+    <p:notesMasterId r:id="rId7"/>
+  </p:notesMasterIdLst>
   <p:sldIdLst>
     <p:sldId id="256" r:id="rId2"/>
     <p:sldId id="257" r:id="rId3"/>
@@ -109,6 +112,440 @@
     </a:lvl9pPr>
   </p:defaultTextStyle>
 </p:presentation>
+</file>
+
+<file path=ppt/notesMasters/notesMaster1.xml><?xml version="1.0" encoding="utf-8"?>
+<p:notesMaster xmlns:a="http://schemas.openxmlformats.org/drawingml/2006/main" xmlns:r="http://schemas.openxmlformats.org/officeDocument/2006/relationships" xmlns:p="http://schemas.openxmlformats.org/presentationml/2006/main">
+  <p:cSld>
+    <p:bg>
+      <p:bgRef idx="1001">
+        <a:schemeClr val="bg1"/>
+      </p:bgRef>
+    </p:bg>
+    <p:spTree>
+      <p:nvGrpSpPr>
+        <p:cNvPr id="1" name=""/>
+        <p:cNvGrpSpPr/>
+        <p:nvPr/>
+      </p:nvGrpSpPr>
+      <p:grpSpPr>
+        <a:xfrm>
+          <a:off x="0" y="0"/>
+          <a:ext cx="0" cy="0"/>
+          <a:chOff x="0" y="0"/>
+          <a:chExt cx="0" cy="0"/>
+        </a:xfrm>
+      </p:grpSpPr>
+      <p:sp>
+        <p:nvSpPr>
+          <p:cNvPr id="2" name="Espace réservé de l'en-tête 1"/>
+          <p:cNvSpPr>
+            <a:spLocks noGrp="1"/>
+          </p:cNvSpPr>
+          <p:nvPr>
+            <p:ph type="hdr" sz="quarter"/>
+          </p:nvPr>
+        </p:nvSpPr>
+        <p:spPr>
+          <a:xfrm>
+            <a:off x="0" y="0"/>
+            <a:ext cx="2971800" cy="457200"/>
+          </a:xfrm>
+          <a:prstGeom prst="rect">
+            <a:avLst/>
+          </a:prstGeom>
+        </p:spPr>
+        <p:txBody>
+          <a:bodyPr vert="horz" lIns="91440" tIns="45720" rIns="91440" bIns="45720" rtlCol="0"/>
+          <a:lstStyle>
+            <a:lvl1pPr algn="l">
+              <a:defRPr sz="1200"/>
+            </a:lvl1pPr>
+          </a:lstStyle>
+          <a:p>
+            <a:endParaRPr lang="fr-FR"/>
+          </a:p>
+        </p:txBody>
+      </p:sp>
+      <p:sp>
+        <p:nvSpPr>
+          <p:cNvPr id="3" name="Espace réservé de la date 2"/>
+          <p:cNvSpPr>
+            <a:spLocks noGrp="1"/>
+          </p:cNvSpPr>
+          <p:nvPr>
+            <p:ph type="dt" idx="1"/>
+          </p:nvPr>
+        </p:nvSpPr>
+        <p:spPr>
+          <a:xfrm>
+            <a:off x="3884613" y="0"/>
+            <a:ext cx="2971800" cy="457200"/>
+          </a:xfrm>
+          <a:prstGeom prst="rect">
+            <a:avLst/>
+          </a:prstGeom>
+        </p:spPr>
+        <p:txBody>
+          <a:bodyPr vert="horz" lIns="91440" tIns="45720" rIns="91440" bIns="45720" rtlCol="0"/>
+          <a:lstStyle>
+            <a:lvl1pPr algn="r">
+              <a:defRPr sz="1200"/>
+            </a:lvl1pPr>
+          </a:lstStyle>
+          <a:p>
+            <a:fld id="{FF4F525E-41B1-4D42-8A42-4B8DA0C928B5}" type="datetimeFigureOut">
+              <a:rPr lang="fr-FR" smtClean="0"/>
+              <a:t>01/07/2016</a:t>
+            </a:fld>
+            <a:endParaRPr lang="fr-FR"/>
+          </a:p>
+        </p:txBody>
+      </p:sp>
+      <p:sp>
+        <p:nvSpPr>
+          <p:cNvPr id="4" name="Espace réservé de l'image des diapositives 3"/>
+          <p:cNvSpPr>
+            <a:spLocks noGrp="1" noRot="1" noChangeAspect="1"/>
+          </p:cNvSpPr>
+          <p:nvPr>
+            <p:ph type="sldImg" idx="2"/>
+          </p:nvPr>
+        </p:nvSpPr>
+        <p:spPr>
+          <a:xfrm>
+            <a:off x="1143000" y="685800"/>
+            <a:ext cx="4572000" cy="3429000"/>
+          </a:xfrm>
+          <a:prstGeom prst="rect">
+            <a:avLst/>
+          </a:prstGeom>
+          <a:noFill/>
+          <a:ln w="12700">
+            <a:solidFill>
+              <a:prstClr val="black"/>
+            </a:solidFill>
+          </a:ln>
+        </p:spPr>
+        <p:txBody>
+          <a:bodyPr vert="horz" lIns="91440" tIns="45720" rIns="91440" bIns="45720" rtlCol="0" anchor="ctr"/>
+          <a:lstStyle/>
+          <a:p>
+            <a:endParaRPr lang="fr-FR"/>
+          </a:p>
+        </p:txBody>
+      </p:sp>
+      <p:sp>
+        <p:nvSpPr>
+          <p:cNvPr id="5" name="Espace réservé des commentaires 4"/>
+          <p:cNvSpPr>
+            <a:spLocks noGrp="1"/>
+          </p:cNvSpPr>
+          <p:nvPr>
+            <p:ph type="body" sz="quarter" idx="3"/>
+          </p:nvPr>
+        </p:nvSpPr>
+        <p:spPr>
+          <a:xfrm>
+            <a:off x="685800" y="4343400"/>
+            <a:ext cx="5486400" cy="4114800"/>
+          </a:xfrm>
+          <a:prstGeom prst="rect">
+            <a:avLst/>
+          </a:prstGeom>
+        </p:spPr>
+        <p:txBody>
+          <a:bodyPr vert="horz" lIns="91440" tIns="45720" rIns="91440" bIns="45720" rtlCol="0"/>
+          <a:lstStyle/>
+          <a:p>
+            <a:pPr lvl="0"/>
+            <a:r>
+              <a:rPr lang="fr-FR" smtClean="0"/>
+              <a:t>Modifiez les styles du texte du masque</a:t>
+            </a:r>
+          </a:p>
+          <a:p>
+            <a:pPr lvl="1"/>
+            <a:r>
+              <a:rPr lang="fr-FR" smtClean="0"/>
+              <a:t>Deuxième niveau</a:t>
+            </a:r>
+          </a:p>
+          <a:p>
+            <a:pPr lvl="2"/>
+            <a:r>
+              <a:rPr lang="fr-FR" smtClean="0"/>
+              <a:t>Troisième niveau</a:t>
+            </a:r>
+          </a:p>
+          <a:p>
+            <a:pPr lvl="3"/>
+            <a:r>
+              <a:rPr lang="fr-FR" smtClean="0"/>
+              <a:t>Quatrième niveau</a:t>
+            </a:r>
+          </a:p>
+          <a:p>
+            <a:pPr lvl="4"/>
+            <a:r>
+              <a:rPr lang="fr-FR" smtClean="0"/>
+              <a:t>Cinquième niveau</a:t>
+            </a:r>
+            <a:endParaRPr lang="fr-FR"/>
+          </a:p>
+        </p:txBody>
+      </p:sp>
+      <p:sp>
+        <p:nvSpPr>
+          <p:cNvPr id="6" name="Espace réservé du pied de page 5"/>
+          <p:cNvSpPr>
+            <a:spLocks noGrp="1"/>
+          </p:cNvSpPr>
+          <p:nvPr>
+            <p:ph type="ftr" sz="quarter" idx="4"/>
+          </p:nvPr>
+        </p:nvSpPr>
+        <p:spPr>
+          <a:xfrm>
+            <a:off x="0" y="8685213"/>
+            <a:ext cx="2971800" cy="457200"/>
+          </a:xfrm>
+          <a:prstGeom prst="rect">
+            <a:avLst/>
+          </a:prstGeom>
+        </p:spPr>
+        <p:txBody>
+          <a:bodyPr vert="horz" lIns="91440" tIns="45720" rIns="91440" bIns="45720" rtlCol="0" anchor="b"/>
+          <a:lstStyle>
+            <a:lvl1pPr algn="l">
+              <a:defRPr sz="1200"/>
+            </a:lvl1pPr>
+          </a:lstStyle>
+          <a:p>
+            <a:endParaRPr lang="fr-FR"/>
+          </a:p>
+        </p:txBody>
+      </p:sp>
+      <p:sp>
+        <p:nvSpPr>
+          <p:cNvPr id="7" name="Espace réservé du numéro de diapositive 6"/>
+          <p:cNvSpPr>
+            <a:spLocks noGrp="1"/>
+          </p:cNvSpPr>
+          <p:nvPr>
+            <p:ph type="sldNum" sz="quarter" idx="5"/>
+          </p:nvPr>
+        </p:nvSpPr>
+        <p:spPr>
+          <a:xfrm>
+            <a:off x="3884613" y="8685213"/>
+            <a:ext cx="2971800" cy="457200"/>
+          </a:xfrm>
+          <a:prstGeom prst="rect">
+            <a:avLst/>
+          </a:prstGeom>
+        </p:spPr>
+        <p:txBody>
+          <a:bodyPr vert="horz" lIns="91440" tIns="45720" rIns="91440" bIns="45720" rtlCol="0" anchor="b"/>
+          <a:lstStyle>
+            <a:lvl1pPr algn="r">
+              <a:defRPr sz="1200"/>
+            </a:lvl1pPr>
+          </a:lstStyle>
+          <a:p>
+            <a:fld id="{CA8570F5-2E3D-4969-A998-18667143157D}" type="slidenum">
+              <a:rPr lang="fr-FR" smtClean="0"/>
+              <a:t>‹N°›</a:t>
+            </a:fld>
+            <a:endParaRPr lang="fr-FR"/>
+          </a:p>
+        </p:txBody>
+      </p:sp>
+    </p:spTree>
+    <p:extLst>
+      <p:ext uri="{BB962C8B-B14F-4D97-AF65-F5344CB8AC3E}">
+        <p14:creationId xmlns:p14="http://schemas.microsoft.com/office/powerpoint/2010/main" val="213096871"/>
+      </p:ext>
+    </p:extLst>
+  </p:cSld>
+  <p:clrMap bg1="lt1" tx1="dk1" bg2="lt2" tx2="dk2" accent1="accent1" accent2="accent2" accent3="accent3" accent4="accent4" accent5="accent5" accent6="accent6" hlink="hlink" folHlink="folHlink"/>
+  <p:notesStyle>
+    <a:lvl1pPr marL="0" algn="l" defTabSz="914400" rtl="0" eaLnBrk="1" latinLnBrk="0" hangingPunct="1">
+      <a:defRPr sz="1200" kern="1200">
+        <a:solidFill>
+          <a:schemeClr val="tx1"/>
+        </a:solidFill>
+        <a:latin typeface="+mn-lt"/>
+        <a:ea typeface="+mn-ea"/>
+        <a:cs typeface="+mn-cs"/>
+      </a:defRPr>
+    </a:lvl1pPr>
+    <a:lvl2pPr marL="457200" algn="l" defTabSz="914400" rtl="0" eaLnBrk="1" latinLnBrk="0" hangingPunct="1">
+      <a:defRPr sz="1200" kern="1200">
+        <a:solidFill>
+          <a:schemeClr val="tx1"/>
+        </a:solidFill>
+        <a:latin typeface="+mn-lt"/>
+        <a:ea typeface="+mn-ea"/>
+        <a:cs typeface="+mn-cs"/>
+      </a:defRPr>
+    </a:lvl2pPr>
+    <a:lvl3pPr marL="914400" algn="l" defTabSz="914400" rtl="0" eaLnBrk="1" latinLnBrk="0" hangingPunct="1">
+      <a:defRPr sz="1200" kern="1200">
+        <a:solidFill>
+          <a:schemeClr val="tx1"/>
+        </a:solidFill>
+        <a:latin typeface="+mn-lt"/>
+        <a:ea typeface="+mn-ea"/>
+        <a:cs typeface="+mn-cs"/>
+      </a:defRPr>
+    </a:lvl3pPr>
+    <a:lvl4pPr marL="1371600" algn="l" defTabSz="914400" rtl="0" eaLnBrk="1" latinLnBrk="0" hangingPunct="1">
+      <a:defRPr sz="1200" kern="1200">
+        <a:solidFill>
+          <a:schemeClr val="tx1"/>
+        </a:solidFill>
+        <a:latin typeface="+mn-lt"/>
+        <a:ea typeface="+mn-ea"/>
+        <a:cs typeface="+mn-cs"/>
+      </a:defRPr>
+    </a:lvl4pPr>
+    <a:lvl5pPr marL="1828800" algn="l" defTabSz="914400" rtl="0" eaLnBrk="1" latinLnBrk="0" hangingPunct="1">
+      <a:defRPr sz="1200" kern="1200">
+        <a:solidFill>
+          <a:schemeClr val="tx1"/>
+        </a:solidFill>
+        <a:latin typeface="+mn-lt"/>
+        <a:ea typeface="+mn-ea"/>
+        <a:cs typeface="+mn-cs"/>
+      </a:defRPr>
+    </a:lvl5pPr>
+    <a:lvl6pPr marL="2286000" algn="l" defTabSz="914400" rtl="0" eaLnBrk="1" latinLnBrk="0" hangingPunct="1">
+      <a:defRPr sz="1200" kern="1200">
+        <a:solidFill>
+          <a:schemeClr val="tx1"/>
+        </a:solidFill>
+        <a:latin typeface="+mn-lt"/>
+        <a:ea typeface="+mn-ea"/>
+        <a:cs typeface="+mn-cs"/>
+      </a:defRPr>
+    </a:lvl6pPr>
+    <a:lvl7pPr marL="2743200" algn="l" defTabSz="914400" rtl="0" eaLnBrk="1" latinLnBrk="0" hangingPunct="1">
+      <a:defRPr sz="1200" kern="1200">
+        <a:solidFill>
+          <a:schemeClr val="tx1"/>
+        </a:solidFill>
+        <a:latin typeface="+mn-lt"/>
+        <a:ea typeface="+mn-ea"/>
+        <a:cs typeface="+mn-cs"/>
+      </a:defRPr>
+    </a:lvl7pPr>
+    <a:lvl8pPr marL="3200400" algn="l" defTabSz="914400" rtl="0" eaLnBrk="1" latinLnBrk="0" hangingPunct="1">
+      <a:defRPr sz="1200" kern="1200">
+        <a:solidFill>
+          <a:schemeClr val="tx1"/>
+        </a:solidFill>
+        <a:latin typeface="+mn-lt"/>
+        <a:ea typeface="+mn-ea"/>
+        <a:cs typeface="+mn-cs"/>
+      </a:defRPr>
+    </a:lvl8pPr>
+    <a:lvl9pPr marL="3657600" algn="l" defTabSz="914400" rtl="0" eaLnBrk="1" latinLnBrk="0" hangingPunct="1">
+      <a:defRPr sz="1200" kern="1200">
+        <a:solidFill>
+          <a:schemeClr val="tx1"/>
+        </a:solidFill>
+        <a:latin typeface="+mn-lt"/>
+        <a:ea typeface="+mn-ea"/>
+        <a:cs typeface="+mn-cs"/>
+      </a:defRPr>
+    </a:lvl9pPr>
+  </p:notesStyle>
+</p:notesMaster>
+</file>
+
+<file path=ppt/notesSlides/notesSlide1.xml><?xml version="1.0" encoding="utf-8"?>
+<p:notes xmlns:a="http://schemas.openxmlformats.org/drawingml/2006/main" xmlns:r="http://schemas.openxmlformats.org/officeDocument/2006/relationships" xmlns:p="http://schemas.openxmlformats.org/presentationml/2006/main">
+  <p:cSld>
+    <p:spTree>
+      <p:nvGrpSpPr>
+        <p:cNvPr id="1" name=""/>
+        <p:cNvGrpSpPr/>
+        <p:nvPr/>
+      </p:nvGrpSpPr>
+      <p:grpSpPr>
+        <a:xfrm>
+          <a:off x="0" y="0"/>
+          <a:ext cx="0" cy="0"/>
+          <a:chOff x="0" y="0"/>
+          <a:chExt cx="0" cy="0"/>
+        </a:xfrm>
+      </p:grpSpPr>
+      <p:sp>
+        <p:nvSpPr>
+          <p:cNvPr id="2" name="Espace réservé de l'image des diapositives 1"/>
+          <p:cNvSpPr>
+            <a:spLocks noGrp="1" noRot="1" noChangeAspect="1"/>
+          </p:cNvSpPr>
+          <p:nvPr>
+            <p:ph type="sldImg"/>
+          </p:nvPr>
+        </p:nvSpPr>
+        <p:spPr/>
+      </p:sp>
+      <p:sp>
+        <p:nvSpPr>
+          <p:cNvPr id="3" name="Espace réservé des commentaires 2"/>
+          <p:cNvSpPr>
+            <a:spLocks noGrp="1"/>
+          </p:cNvSpPr>
+          <p:nvPr>
+            <p:ph type="body" idx="1"/>
+          </p:nvPr>
+        </p:nvSpPr>
+        <p:spPr/>
+        <p:txBody>
+          <a:bodyPr/>
+          <a:lstStyle/>
+          <a:p>
+            <a:endParaRPr lang="fr-FR" dirty="0"/>
+          </a:p>
+        </p:txBody>
+      </p:sp>
+      <p:sp>
+        <p:nvSpPr>
+          <p:cNvPr id="4" name="Espace réservé du numéro de diapositive 3"/>
+          <p:cNvSpPr>
+            <a:spLocks noGrp="1"/>
+          </p:cNvSpPr>
+          <p:nvPr>
+            <p:ph type="sldNum" sz="quarter" idx="10"/>
+          </p:nvPr>
+        </p:nvSpPr>
+        <p:spPr/>
+        <p:txBody>
+          <a:bodyPr/>
+          <a:lstStyle/>
+          <a:p>
+            <a:fld id="{CA8570F5-2E3D-4969-A998-18667143157D}" type="slidenum">
+              <a:rPr lang="fr-FR" smtClean="0"/>
+              <a:t>5</a:t>
+            </a:fld>
+            <a:endParaRPr lang="fr-FR"/>
+          </a:p>
+        </p:txBody>
+      </p:sp>
+    </p:spTree>
+    <p:extLst>
+      <p:ext uri="{BB962C8B-B14F-4D97-AF65-F5344CB8AC3E}">
+        <p14:creationId xmlns:p14="http://schemas.microsoft.com/office/powerpoint/2010/main" val="2330899470"/>
+      </p:ext>
+    </p:extLst>
+  </p:cSld>
+  <p:clrMapOvr>
+    <a:masterClrMapping/>
+  </p:clrMapOvr>
+</p:notes>
 </file>
 
 <file path=ppt/slideLayouts/slideLayout1.xml><?xml version="1.0" encoding="utf-8"?>
@@ -5292,14 +5729,112 @@
       </p:grpSpPr>
       <p:sp>
         <p:nvSpPr>
-          <p:cNvPr id="69" name="Rectangle 68"/>
+          <p:cNvPr id="89" name="Rectangle 88"/>
           <p:cNvSpPr/>
           <p:nvPr/>
         </p:nvSpPr>
         <p:spPr>
-          <a:xfrm flipH="1">
-            <a:off x="4560658" y="1999210"/>
-            <a:ext cx="720081" cy="712862"/>
+          <a:xfrm>
+            <a:off x="4572098" y="2000745"/>
+            <a:ext cx="45719" cy="705724"/>
+          </a:xfrm>
+          <a:prstGeom prst="rect">
+            <a:avLst/>
+          </a:prstGeom>
+          <a:solidFill>
+            <a:schemeClr val="accent2">
+              <a:lumMod val="60000"/>
+              <a:lumOff val="40000"/>
+            </a:schemeClr>
+          </a:solidFill>
+          <a:ln>
+            <a:noFill/>
+          </a:ln>
+        </p:spPr>
+        <p:style>
+          <a:lnRef idx="2">
+            <a:schemeClr val="accent1">
+              <a:shade val="50000"/>
+            </a:schemeClr>
+          </a:lnRef>
+          <a:fillRef idx="1">
+            <a:schemeClr val="accent1"/>
+          </a:fillRef>
+          <a:effectRef idx="0">
+            <a:schemeClr val="accent1"/>
+          </a:effectRef>
+          <a:fontRef idx="minor">
+            <a:schemeClr val="lt1"/>
+          </a:fontRef>
+        </p:style>
+        <p:txBody>
+          <a:bodyPr rtlCol="0" anchor="ctr"/>
+          <a:lstStyle/>
+          <a:p>
+            <a:pPr algn="ctr"/>
+            <a:endParaRPr lang="fr-FR"/>
+          </a:p>
+        </p:txBody>
+      </p:sp>
+      <p:sp>
+        <p:nvSpPr>
+          <p:cNvPr id="88" name="Rectangle 87"/>
+          <p:cNvSpPr/>
+          <p:nvPr/>
+        </p:nvSpPr>
+        <p:spPr>
+          <a:xfrm>
+            <a:off x="3798382" y="1996900"/>
+            <a:ext cx="45719" cy="705724"/>
+          </a:xfrm>
+          <a:prstGeom prst="rect">
+            <a:avLst/>
+          </a:prstGeom>
+          <a:solidFill>
+            <a:schemeClr val="accent2">
+              <a:lumMod val="60000"/>
+              <a:lumOff val="40000"/>
+            </a:schemeClr>
+          </a:solidFill>
+          <a:ln>
+            <a:noFill/>
+          </a:ln>
+        </p:spPr>
+        <p:style>
+          <a:lnRef idx="2">
+            <a:schemeClr val="accent1">
+              <a:shade val="50000"/>
+            </a:schemeClr>
+          </a:lnRef>
+          <a:fillRef idx="1">
+            <a:schemeClr val="accent1"/>
+          </a:fillRef>
+          <a:effectRef idx="0">
+            <a:schemeClr val="accent1"/>
+          </a:effectRef>
+          <a:fontRef idx="minor">
+            <a:schemeClr val="lt1"/>
+          </a:fontRef>
+        </p:style>
+        <p:txBody>
+          <a:bodyPr rtlCol="0" anchor="ctr"/>
+          <a:lstStyle/>
+          <a:p>
+            <a:pPr algn="ctr"/>
+            <a:endParaRPr lang="fr-FR"/>
+          </a:p>
+        </p:txBody>
+      </p:sp>
+      <p:sp>
+        <p:nvSpPr>
+          <p:cNvPr id="72" name="Rectangle 71"/>
+          <p:cNvSpPr/>
+          <p:nvPr/>
+        </p:nvSpPr>
+        <p:spPr>
+          <a:xfrm>
+            <a:off x="4496504" y="2710568"/>
+            <a:ext cx="784236" cy="712862"/>
           </a:xfrm>
           <a:prstGeom prst="rect">
             <a:avLst/>
@@ -5343,14 +5878,60 @@
       </p:sp>
       <p:sp>
         <p:nvSpPr>
-          <p:cNvPr id="68" name="Rectangle 67"/>
+          <p:cNvPr id="87" name="Triangle rectangle 86"/>
           <p:cNvSpPr/>
           <p:nvPr/>
         </p:nvSpPr>
         <p:spPr>
-          <a:xfrm flipH="1">
-            <a:off x="3120497" y="1989761"/>
-            <a:ext cx="720081" cy="712862"/>
+          <a:xfrm flipV="1">
+            <a:off x="4497110" y="3212974"/>
+            <a:ext cx="63547" cy="72007"/>
+          </a:xfrm>
+          <a:prstGeom prst="rtTriangle">
+            <a:avLst/>
+          </a:prstGeom>
+          <a:solidFill>
+            <a:schemeClr val="bg1"/>
+          </a:solidFill>
+          <a:ln>
+            <a:noFill/>
+          </a:ln>
+        </p:spPr>
+        <p:style>
+          <a:lnRef idx="2">
+            <a:schemeClr val="accent1">
+              <a:shade val="50000"/>
+            </a:schemeClr>
+          </a:lnRef>
+          <a:fillRef idx="1">
+            <a:schemeClr val="accent1"/>
+          </a:fillRef>
+          <a:effectRef idx="0">
+            <a:schemeClr val="accent1"/>
+          </a:effectRef>
+          <a:fontRef idx="minor">
+            <a:schemeClr val="lt1"/>
+          </a:fontRef>
+        </p:style>
+        <p:txBody>
+          <a:bodyPr rtlCol="0" anchor="ctr"/>
+          <a:lstStyle/>
+          <a:p>
+            <a:pPr algn="ctr"/>
+            <a:endParaRPr lang="fr-FR"/>
+          </a:p>
+        </p:txBody>
+      </p:sp>
+      <p:sp>
+        <p:nvSpPr>
+          <p:cNvPr id="73" name="Rectangle 72"/>
+          <p:cNvSpPr/>
+          <p:nvPr/>
+        </p:nvSpPr>
+        <p:spPr>
+          <a:xfrm>
+            <a:off x="3120497" y="2707057"/>
+            <a:ext cx="797081" cy="712862"/>
           </a:xfrm>
           <a:prstGeom prst="rect">
             <a:avLst/>
@@ -5392,6 +5973,200 @@
           </a:p>
         </p:txBody>
       </p:sp>
+      <p:sp>
+        <p:nvSpPr>
+          <p:cNvPr id="47" name="Triangle rectangle 46"/>
+          <p:cNvSpPr/>
+          <p:nvPr/>
+        </p:nvSpPr>
+        <p:spPr>
+          <a:xfrm flipH="1" flipV="1">
+            <a:off x="3851919" y="3212975"/>
+            <a:ext cx="63547" cy="72007"/>
+          </a:xfrm>
+          <a:prstGeom prst="rtTriangle">
+            <a:avLst/>
+          </a:prstGeom>
+          <a:solidFill>
+            <a:schemeClr val="bg1"/>
+          </a:solidFill>
+          <a:ln>
+            <a:noFill/>
+          </a:ln>
+        </p:spPr>
+        <p:style>
+          <a:lnRef idx="2">
+            <a:schemeClr val="accent1">
+              <a:shade val="50000"/>
+            </a:schemeClr>
+          </a:lnRef>
+          <a:fillRef idx="1">
+            <a:schemeClr val="accent1"/>
+          </a:fillRef>
+          <a:effectRef idx="0">
+            <a:schemeClr val="accent1"/>
+          </a:effectRef>
+          <a:fontRef idx="minor">
+            <a:schemeClr val="lt1"/>
+          </a:fontRef>
+        </p:style>
+        <p:txBody>
+          <a:bodyPr rtlCol="0" anchor="ctr"/>
+          <a:lstStyle/>
+          <a:p>
+            <a:pPr algn="ctr"/>
+            <a:endParaRPr lang="fr-FR"/>
+          </a:p>
+        </p:txBody>
+      </p:sp>
+      <p:sp>
+        <p:nvSpPr>
+          <p:cNvPr id="86" name="Rectangle 85"/>
+          <p:cNvSpPr/>
+          <p:nvPr/>
+        </p:nvSpPr>
+        <p:spPr>
+          <a:xfrm>
+            <a:off x="3847282" y="2696104"/>
+            <a:ext cx="724718" cy="516872"/>
+          </a:xfrm>
+          <a:prstGeom prst="rect">
+            <a:avLst/>
+          </a:prstGeom>
+          <a:solidFill>
+            <a:schemeClr val="bg1"/>
+          </a:solidFill>
+          <a:ln>
+            <a:noFill/>
+          </a:ln>
+        </p:spPr>
+        <p:style>
+          <a:lnRef idx="2">
+            <a:schemeClr val="accent1">
+              <a:shade val="50000"/>
+            </a:schemeClr>
+          </a:lnRef>
+          <a:fillRef idx="1">
+            <a:schemeClr val="accent1"/>
+          </a:fillRef>
+          <a:effectRef idx="0">
+            <a:schemeClr val="accent1"/>
+          </a:effectRef>
+          <a:fontRef idx="minor">
+            <a:schemeClr val="lt1"/>
+          </a:fontRef>
+        </p:style>
+        <p:txBody>
+          <a:bodyPr rtlCol="0" anchor="ctr"/>
+          <a:lstStyle/>
+          <a:p>
+            <a:pPr algn="ctr"/>
+            <a:endParaRPr lang="fr-FR"/>
+          </a:p>
+        </p:txBody>
+      </p:sp>
+      <p:sp>
+        <p:nvSpPr>
+          <p:cNvPr id="69" name="Rectangle 68"/>
+          <p:cNvSpPr/>
+          <p:nvPr/>
+        </p:nvSpPr>
+        <p:spPr>
+          <a:xfrm flipH="1">
+            <a:off x="4593208" y="1999210"/>
+            <a:ext cx="687530" cy="712862"/>
+          </a:xfrm>
+          <a:prstGeom prst="rect">
+            <a:avLst/>
+          </a:prstGeom>
+          <a:pattFill prst="ltUpDiag">
+            <a:fgClr>
+              <a:schemeClr val="accent1"/>
+            </a:fgClr>
+            <a:bgClr>
+              <a:schemeClr val="bg1"/>
+            </a:bgClr>
+          </a:pattFill>
+          <a:ln>
+            <a:noFill/>
+          </a:ln>
+        </p:spPr>
+        <p:style>
+          <a:lnRef idx="2">
+            <a:schemeClr val="accent1">
+              <a:shade val="50000"/>
+            </a:schemeClr>
+          </a:lnRef>
+          <a:fillRef idx="1">
+            <a:schemeClr val="accent1"/>
+          </a:fillRef>
+          <a:effectRef idx="0">
+            <a:schemeClr val="accent1"/>
+          </a:effectRef>
+          <a:fontRef idx="minor">
+            <a:schemeClr val="lt1"/>
+          </a:fontRef>
+        </p:style>
+        <p:txBody>
+          <a:bodyPr rtlCol="0" anchor="ctr"/>
+          <a:lstStyle/>
+          <a:p>
+            <a:pPr algn="ctr"/>
+            <a:endParaRPr lang="fr-FR"/>
+          </a:p>
+        </p:txBody>
+      </p:sp>
+      <p:sp>
+        <p:nvSpPr>
+          <p:cNvPr id="68" name="Rectangle 67"/>
+          <p:cNvSpPr/>
+          <p:nvPr/>
+        </p:nvSpPr>
+        <p:spPr>
+          <a:xfrm flipH="1">
+            <a:off x="3120497" y="1989761"/>
+            <a:ext cx="686476" cy="712862"/>
+          </a:xfrm>
+          <a:prstGeom prst="rect">
+            <a:avLst/>
+          </a:prstGeom>
+          <a:pattFill prst="ltUpDiag">
+            <a:fgClr>
+              <a:schemeClr val="accent1"/>
+            </a:fgClr>
+            <a:bgClr>
+              <a:schemeClr val="bg1"/>
+            </a:bgClr>
+          </a:pattFill>
+          <a:ln>
+            <a:noFill/>
+          </a:ln>
+        </p:spPr>
+        <p:style>
+          <a:lnRef idx="2">
+            <a:schemeClr val="accent1">
+              <a:shade val="50000"/>
+            </a:schemeClr>
+          </a:lnRef>
+          <a:fillRef idx="1">
+            <a:schemeClr val="accent1"/>
+          </a:fillRef>
+          <a:effectRef idx="0">
+            <a:schemeClr val="accent1"/>
+          </a:effectRef>
+          <a:fontRef idx="minor">
+            <a:schemeClr val="lt1"/>
+          </a:fontRef>
+        </p:style>
+        <p:txBody>
+          <a:bodyPr rtlCol="0" anchor="ctr"/>
+          <a:lstStyle/>
+          <a:p>
+            <a:pPr algn="ctr"/>
+            <a:endParaRPr lang="fr-FR" b="1" dirty="0"/>
+          </a:p>
+        </p:txBody>
+      </p:sp>
       <p:grpSp>
         <p:nvGrpSpPr>
           <p:cNvPr id="2" name="Groupe 1"/>
@@ -5400,10 +6175,10 @@
         </p:nvGrpSpPr>
         <p:grpSpPr>
           <a:xfrm>
-            <a:off x="3477915" y="1208456"/>
-            <a:ext cx="1440160" cy="2384648"/>
+            <a:off x="3485530" y="1208456"/>
+            <a:ext cx="1440160" cy="2364560"/>
             <a:chOff x="1331640" y="-243408"/>
-            <a:chExt cx="1440160" cy="2384648"/>
+            <a:chExt cx="1440160" cy="2364560"/>
           </a:xfrm>
         </p:grpSpPr>
         <p:cxnSp>
@@ -5415,7 +6190,7 @@
           <p:spPr>
             <a:xfrm>
               <a:off x="1691680" y="548680"/>
-              <a:ext cx="0" cy="1440160"/>
+              <a:ext cx="0" cy="1212432"/>
             </a:xfrm>
             <a:prstGeom prst="line">
               <a:avLst/>
@@ -5452,7 +6227,7 @@
           <p:spPr>
             <a:xfrm>
               <a:off x="2411760" y="548680"/>
-              <a:ext cx="0" cy="1440160"/>
+              <a:ext cx="0" cy="1212432"/>
             </a:xfrm>
             <a:prstGeom prst="line">
               <a:avLst/>
@@ -5525,7 +6300,7 @@
           </p:nvCxnSpPr>
           <p:spPr>
             <a:xfrm>
-              <a:off x="1691680" y="1981622"/>
+              <a:off x="1686687" y="1761112"/>
               <a:ext cx="720080" cy="0"/>
             </a:xfrm>
             <a:prstGeom prst="line">
@@ -5562,7 +6337,7 @@
           </p:nvCxnSpPr>
           <p:spPr>
             <a:xfrm>
-              <a:off x="1691680" y="1981622"/>
+              <a:off x="1691680" y="1761112"/>
               <a:ext cx="72008" cy="76200"/>
             </a:xfrm>
             <a:prstGeom prst="line">
@@ -5599,7 +6374,7 @@
           </p:nvCxnSpPr>
           <p:spPr>
             <a:xfrm flipH="1">
-              <a:off x="2339752" y="1981622"/>
+              <a:off x="2339752" y="1761112"/>
               <a:ext cx="72008" cy="76200"/>
             </a:xfrm>
             <a:prstGeom prst="line">
@@ -5636,7 +6411,7 @@
           </p:nvCxnSpPr>
           <p:spPr>
             <a:xfrm>
-              <a:off x="1761577" y="2057822"/>
+              <a:off x="1761577" y="1833120"/>
               <a:ext cx="578175" cy="0"/>
             </a:xfrm>
             <a:prstGeom prst="line">
@@ -5674,7 +6449,7 @@
           <p:spPr>
             <a:xfrm>
               <a:off x="2051720" y="-243408"/>
-              <a:ext cx="0" cy="2384648"/>
+              <a:ext cx="0" cy="2364560"/>
             </a:xfrm>
             <a:prstGeom prst="line">
               <a:avLst/>
@@ -5823,7 +6598,7 @@
           <p:spPr>
             <a:xfrm>
               <a:off x="1761577" y="692696"/>
-              <a:ext cx="0" cy="1365126"/>
+              <a:ext cx="0" cy="1140424"/>
             </a:xfrm>
             <a:prstGeom prst="line">
               <a:avLst/>
@@ -5860,7 +6635,7 @@
           <p:spPr>
             <a:xfrm>
               <a:off x="2339752" y="692696"/>
-              <a:ext cx="0" cy="1365126"/>
+              <a:ext cx="0" cy="1144616"/>
             </a:xfrm>
             <a:prstGeom prst="line">
               <a:avLst/>
@@ -6161,7 +6936,7 @@
           </p:nvCxnSpPr>
           <p:spPr>
             <a:xfrm>
-              <a:off x="1727684" y="255620"/>
+              <a:off x="1698030" y="255620"/>
               <a:ext cx="360040" cy="75701"/>
             </a:xfrm>
             <a:prstGeom prst="line">
@@ -6191,6 +6966,154 @@
             </a:fontRef>
           </p:style>
         </p:cxnSp>
+        <p:cxnSp>
+          <p:nvCxnSpPr>
+            <p:cNvPr id="65" name="Connecteur droit 64"/>
+            <p:cNvCxnSpPr/>
+            <p:nvPr/>
+          </p:nvCxnSpPr>
+          <p:spPr>
+            <a:xfrm flipH="1">
+              <a:off x="2413583" y="1761112"/>
+              <a:ext cx="1" cy="216024"/>
+            </a:xfrm>
+            <a:prstGeom prst="line">
+              <a:avLst/>
+            </a:prstGeom>
+            <a:ln w="6350">
+              <a:solidFill>
+                <a:schemeClr val="accent5">
+                  <a:lumMod val="50000"/>
+                </a:schemeClr>
+              </a:solidFill>
+            </a:ln>
+          </p:spPr>
+          <p:style>
+            <a:lnRef idx="1">
+              <a:schemeClr val="accent1"/>
+            </a:lnRef>
+            <a:fillRef idx="0">
+              <a:schemeClr val="accent1"/>
+            </a:fillRef>
+            <a:effectRef idx="0">
+              <a:schemeClr val="accent1"/>
+            </a:effectRef>
+            <a:fontRef idx="minor">
+              <a:schemeClr val="tx1"/>
+            </a:fontRef>
+          </p:style>
+        </p:cxnSp>
+        <p:cxnSp>
+          <p:nvCxnSpPr>
+            <p:cNvPr id="70" name="Connecteur droit 69"/>
+            <p:cNvCxnSpPr/>
+            <p:nvPr/>
+          </p:nvCxnSpPr>
+          <p:spPr>
+            <a:xfrm flipH="1">
+              <a:off x="1693392" y="1761112"/>
+              <a:ext cx="1" cy="216024"/>
+            </a:xfrm>
+            <a:prstGeom prst="line">
+              <a:avLst/>
+            </a:prstGeom>
+            <a:ln w="6350">
+              <a:solidFill>
+                <a:schemeClr val="accent5">
+                  <a:lumMod val="50000"/>
+                </a:schemeClr>
+              </a:solidFill>
+            </a:ln>
+          </p:spPr>
+          <p:style>
+            <a:lnRef idx="1">
+              <a:schemeClr val="accent1"/>
+            </a:lnRef>
+            <a:fillRef idx="0">
+              <a:schemeClr val="accent1"/>
+            </a:fillRef>
+            <a:effectRef idx="0">
+              <a:schemeClr val="accent1"/>
+            </a:effectRef>
+            <a:fontRef idx="minor">
+              <a:schemeClr val="tx1"/>
+            </a:fontRef>
+          </p:style>
+        </p:cxnSp>
+        <p:cxnSp>
+          <p:nvCxnSpPr>
+            <p:cNvPr id="71" name="Connecteur droit 70"/>
+            <p:cNvCxnSpPr/>
+            <p:nvPr/>
+          </p:nvCxnSpPr>
+          <p:spPr>
+            <a:xfrm flipH="1">
+              <a:off x="1761577" y="1833120"/>
+              <a:ext cx="0" cy="134935"/>
+            </a:xfrm>
+            <a:prstGeom prst="line">
+              <a:avLst/>
+            </a:prstGeom>
+            <a:ln w="12700">
+              <a:solidFill>
+                <a:schemeClr val="accent5">
+                  <a:lumMod val="50000"/>
+                </a:schemeClr>
+              </a:solidFill>
+            </a:ln>
+          </p:spPr>
+          <p:style>
+            <a:lnRef idx="1">
+              <a:schemeClr val="accent1"/>
+            </a:lnRef>
+            <a:fillRef idx="0">
+              <a:schemeClr val="accent1"/>
+            </a:fillRef>
+            <a:effectRef idx="0">
+              <a:schemeClr val="accent1"/>
+            </a:effectRef>
+            <a:fontRef idx="minor">
+              <a:schemeClr val="tx1"/>
+            </a:fontRef>
+          </p:style>
+        </p:cxnSp>
+        <p:cxnSp>
+          <p:nvCxnSpPr>
+            <p:cNvPr id="85" name="Connecteur droit 84"/>
+            <p:cNvCxnSpPr/>
+            <p:nvPr/>
+          </p:nvCxnSpPr>
+          <p:spPr>
+            <a:xfrm flipH="1">
+              <a:off x="2342613" y="1833119"/>
+              <a:ext cx="0" cy="134935"/>
+            </a:xfrm>
+            <a:prstGeom prst="line">
+              <a:avLst/>
+            </a:prstGeom>
+            <a:ln w="12700">
+              <a:solidFill>
+                <a:schemeClr val="accent5">
+                  <a:lumMod val="50000"/>
+                </a:schemeClr>
+              </a:solidFill>
+            </a:ln>
+          </p:spPr>
+          <p:style>
+            <a:lnRef idx="1">
+              <a:schemeClr val="accent1"/>
+            </a:lnRef>
+            <a:fillRef idx="0">
+              <a:schemeClr val="accent1"/>
+            </a:fillRef>
+            <a:effectRef idx="0">
+              <a:schemeClr val="accent1"/>
+            </a:effectRef>
+            <a:fontRef idx="minor">
+              <a:schemeClr val="tx1"/>
+            </a:fontRef>
+          </p:style>
+        </p:cxnSp>
       </p:grpSp>
       <p:cxnSp>
         <p:nvCxnSpPr>
@@ -6200,7 +7123,7 @@
         </p:nvCxnSpPr>
         <p:spPr>
           <a:xfrm>
-            <a:off x="3840578" y="1989761"/>
+            <a:off x="3813324" y="1995902"/>
             <a:ext cx="0" cy="712862"/>
           </a:xfrm>
           <a:prstGeom prst="line">
@@ -6237,7 +7160,7 @@
         </p:nvCxnSpPr>
         <p:spPr>
           <a:xfrm>
-            <a:off x="4560658" y="1989761"/>
+            <a:off x="4593208" y="1989761"/>
             <a:ext cx="0" cy="723815"/>
           </a:xfrm>
           <a:prstGeom prst="line">
@@ -6274,7 +7197,7 @@
         </p:nvCxnSpPr>
         <p:spPr>
           <a:xfrm>
-            <a:off x="3120497" y="1989761"/>
+            <a:off x="3120497" y="1996111"/>
             <a:ext cx="2160240" cy="0"/>
           </a:xfrm>
           <a:prstGeom prst="line">
@@ -6310,9 +7233,9 @@
           <p:nvPr/>
         </p:nvCxnSpPr>
         <p:spPr>
-          <a:xfrm>
-            <a:off x="3120497" y="2709841"/>
-            <a:ext cx="2160240" cy="0"/>
+          <a:xfrm flipV="1">
+            <a:off x="4565650" y="2709841"/>
+            <a:ext cx="715087" cy="0"/>
           </a:xfrm>
           <a:prstGeom prst="line">
             <a:avLst/>
@@ -6416,220 +7339,6 @@
       </p:cxnSp>
       <p:cxnSp>
         <p:nvCxnSpPr>
-          <p:cNvPr id="64" name="Connecteur droit 63"/>
-          <p:cNvCxnSpPr/>
-          <p:nvPr/>
-        </p:nvCxnSpPr>
-        <p:spPr>
-          <a:xfrm>
-            <a:off x="4200617" y="1917753"/>
-            <a:ext cx="0" cy="861070"/>
-          </a:xfrm>
-          <a:prstGeom prst="line">
-            <a:avLst/>
-          </a:prstGeom>
-          <a:ln w="6350">
-            <a:solidFill>
-              <a:schemeClr val="accent5">
-                <a:lumMod val="50000"/>
-              </a:schemeClr>
-            </a:solidFill>
-            <a:prstDash val="lgDashDot"/>
-          </a:ln>
-        </p:spPr>
-        <p:style>
-          <a:lnRef idx="1">
-            <a:schemeClr val="accent1"/>
-          </a:lnRef>
-          <a:fillRef idx="0">
-            <a:schemeClr val="accent1"/>
-          </a:fillRef>
-          <a:effectRef idx="0">
-            <a:schemeClr val="accent1"/>
-          </a:effectRef>
-          <a:fontRef idx="minor">
-            <a:schemeClr val="tx1"/>
-          </a:fontRef>
-        </p:style>
-      </p:cxnSp>
-      <p:sp>
-        <p:nvSpPr>
-          <p:cNvPr id="72" name="Rectangle 71"/>
-          <p:cNvSpPr/>
-          <p:nvPr/>
-        </p:nvSpPr>
-        <p:spPr>
-          <a:xfrm>
-            <a:off x="4499992" y="2710568"/>
-            <a:ext cx="780747" cy="712862"/>
-          </a:xfrm>
-          <a:prstGeom prst="rect">
-            <a:avLst/>
-          </a:prstGeom>
-          <a:pattFill prst="ltUpDiag">
-            <a:fgClr>
-              <a:schemeClr val="accent1"/>
-            </a:fgClr>
-            <a:bgClr>
-              <a:schemeClr val="bg1"/>
-            </a:bgClr>
-          </a:pattFill>
-          <a:ln>
-            <a:noFill/>
-          </a:ln>
-        </p:spPr>
-        <p:style>
-          <a:lnRef idx="2">
-            <a:schemeClr val="accent1">
-              <a:shade val="50000"/>
-            </a:schemeClr>
-          </a:lnRef>
-          <a:fillRef idx="1">
-            <a:schemeClr val="accent1"/>
-          </a:fillRef>
-          <a:effectRef idx="0">
-            <a:schemeClr val="accent1"/>
-          </a:effectRef>
-          <a:fontRef idx="minor">
-            <a:schemeClr val="lt1"/>
-          </a:fontRef>
-        </p:style>
-        <p:txBody>
-          <a:bodyPr rtlCol="0" anchor="ctr"/>
-          <a:lstStyle/>
-          <a:p>
-            <a:pPr algn="ctr"/>
-            <a:endParaRPr lang="fr-FR"/>
-          </a:p>
-        </p:txBody>
-      </p:sp>
-      <p:sp>
-        <p:nvSpPr>
-          <p:cNvPr id="73" name="Rectangle 72"/>
-          <p:cNvSpPr/>
-          <p:nvPr/>
-        </p:nvSpPr>
-        <p:spPr>
-          <a:xfrm>
-            <a:off x="3120497" y="2707057"/>
-            <a:ext cx="803431" cy="712862"/>
-          </a:xfrm>
-          <a:prstGeom prst="rect">
-            <a:avLst/>
-          </a:prstGeom>
-          <a:pattFill prst="ltUpDiag">
-            <a:fgClr>
-              <a:schemeClr val="accent1"/>
-            </a:fgClr>
-            <a:bgClr>
-              <a:schemeClr val="bg1"/>
-            </a:bgClr>
-          </a:pattFill>
-          <a:ln>
-            <a:noFill/>
-          </a:ln>
-        </p:spPr>
-        <p:style>
-          <a:lnRef idx="2">
-            <a:schemeClr val="accent1">
-              <a:shade val="50000"/>
-            </a:schemeClr>
-          </a:lnRef>
-          <a:fillRef idx="1">
-            <a:schemeClr val="accent1"/>
-          </a:fillRef>
-          <a:effectRef idx="0">
-            <a:schemeClr val="accent1"/>
-          </a:effectRef>
-          <a:fontRef idx="minor">
-            <a:schemeClr val="lt1"/>
-          </a:fontRef>
-        </p:style>
-        <p:txBody>
-          <a:bodyPr rtlCol="0" anchor="ctr"/>
-          <a:lstStyle/>
-          <a:p>
-            <a:pPr algn="ctr"/>
-            <a:endParaRPr lang="fr-FR"/>
-          </a:p>
-        </p:txBody>
-      </p:sp>
-      <p:cxnSp>
-        <p:nvCxnSpPr>
-          <p:cNvPr id="74" name="Connecteur droit 73"/>
-          <p:cNvCxnSpPr/>
-          <p:nvPr/>
-        </p:nvCxnSpPr>
-        <p:spPr>
-          <a:xfrm>
-            <a:off x="3923928" y="2712533"/>
-            <a:ext cx="0" cy="712862"/>
-          </a:xfrm>
-          <a:prstGeom prst="line">
-            <a:avLst/>
-          </a:prstGeom>
-          <a:ln w="12700">
-            <a:solidFill>
-              <a:schemeClr val="accent5">
-                <a:lumMod val="50000"/>
-              </a:schemeClr>
-            </a:solidFill>
-          </a:ln>
-        </p:spPr>
-        <p:style>
-          <a:lnRef idx="1">
-            <a:schemeClr val="accent1"/>
-          </a:lnRef>
-          <a:fillRef idx="0">
-            <a:schemeClr val="accent1"/>
-          </a:fillRef>
-          <a:effectRef idx="0">
-            <a:schemeClr val="accent1"/>
-          </a:effectRef>
-          <a:fontRef idx="minor">
-            <a:schemeClr val="tx1"/>
-          </a:fontRef>
-        </p:style>
-      </p:cxnSp>
-      <p:cxnSp>
-        <p:nvCxnSpPr>
-          <p:cNvPr id="75" name="Connecteur droit 74"/>
-          <p:cNvCxnSpPr/>
-          <p:nvPr/>
-        </p:nvCxnSpPr>
-        <p:spPr>
-          <a:xfrm>
-            <a:off x="4499992" y="2706595"/>
-            <a:ext cx="0" cy="723815"/>
-          </a:xfrm>
-          <a:prstGeom prst="line">
-            <a:avLst/>
-          </a:prstGeom>
-          <a:ln w="12700">
-            <a:solidFill>
-              <a:schemeClr val="accent5">
-                <a:lumMod val="50000"/>
-              </a:schemeClr>
-            </a:solidFill>
-          </a:ln>
-        </p:spPr>
-        <p:style>
-          <a:lnRef idx="1">
-            <a:schemeClr val="accent1"/>
-          </a:lnRef>
-          <a:fillRef idx="0">
-            <a:schemeClr val="accent1"/>
-          </a:fillRef>
-          <a:effectRef idx="0">
-            <a:schemeClr val="accent1"/>
-          </a:effectRef>
-          <a:fontRef idx="minor">
-            <a:schemeClr val="tx1"/>
-          </a:fontRef>
-        </p:style>
-      </p:cxnSp>
-      <p:cxnSp>
-        <p:nvCxnSpPr>
           <p:cNvPr id="76" name="Connecteur droit 75"/>
           <p:cNvCxnSpPr/>
           <p:nvPr/>
@@ -6637,7 +7346,7 @@
         <p:spPr>
           <a:xfrm>
             <a:off x="3120497" y="2707057"/>
-            <a:ext cx="2160240" cy="0"/>
+            <a:ext cx="731313" cy="0"/>
           </a:xfrm>
           <a:prstGeom prst="line">
             <a:avLst/>
@@ -6674,7 +7383,7 @@
         <p:spPr>
           <a:xfrm>
             <a:off x="3120497" y="3427137"/>
-            <a:ext cx="2160240" cy="0"/>
+            <a:ext cx="2160242" cy="0"/>
           </a:xfrm>
           <a:prstGeom prst="line">
             <a:avLst/>
@@ -6776,118 +7485,66 @@
           </a:fontRef>
         </p:style>
       </p:cxnSp>
-      <p:cxnSp>
-        <p:nvCxnSpPr>
-          <p:cNvPr id="80" name="Connecteur droit 79"/>
-          <p:cNvCxnSpPr/>
+      <p:sp>
+        <p:nvSpPr>
+          <p:cNvPr id="49" name="ZoneTexte 48"/>
+          <p:cNvSpPr txBox="1"/>
           <p:nvPr/>
-        </p:nvCxnSpPr>
-        <p:spPr>
-          <a:xfrm>
-            <a:off x="4200617" y="2635049"/>
-            <a:ext cx="0" cy="861070"/>
-          </a:xfrm>
-          <a:prstGeom prst="line">
-            <a:avLst/>
-          </a:prstGeom>
-          <a:ln w="6350">
-            <a:solidFill>
-              <a:schemeClr val="accent5">
-                <a:lumMod val="50000"/>
-              </a:schemeClr>
-            </a:solidFill>
-            <a:prstDash val="lgDashDot"/>
-          </a:ln>
-        </p:spPr>
-        <p:style>
-          <a:lnRef idx="1">
-            <a:schemeClr val="accent1"/>
-          </a:lnRef>
-          <a:fillRef idx="0">
-            <a:schemeClr val="accent1"/>
-          </a:fillRef>
-          <a:effectRef idx="0">
-            <a:schemeClr val="accent1"/>
-          </a:effectRef>
-          <a:fontRef idx="minor">
-            <a:schemeClr val="tx1"/>
-          </a:fontRef>
-        </p:style>
-      </p:cxnSp>
-      <p:cxnSp>
-        <p:nvCxnSpPr>
-          <p:cNvPr id="81" name="Connecteur droit 80"/>
-          <p:cNvCxnSpPr/>
+        </p:nvSpPr>
+        <p:spPr>
+          <a:xfrm>
+            <a:off x="4578350" y="1999210"/>
+            <a:ext cx="1001762" cy="507831"/>
+          </a:xfrm>
+          <a:prstGeom prst="rect">
+            <a:avLst/>
+          </a:prstGeom>
+          <a:noFill/>
+        </p:spPr>
+        <p:txBody>
+          <a:bodyPr wrap="square" rtlCol="0">
+            <a:spAutoFit/>
+          </a:bodyPr>
+          <a:lstStyle/>
+          <a:p>
+            <a:r>
+              <a:rPr lang="fr-FR" sz="900" b="1" dirty="0" smtClean="0"/>
+              <a:t>Jeu entre la vis et la pièce intermédiaire</a:t>
+            </a:r>
+            <a:endParaRPr lang="fr-FR" sz="900" b="1" dirty="0"/>
+          </a:p>
+        </p:txBody>
+      </p:sp>
+      <p:sp>
+        <p:nvSpPr>
+          <p:cNvPr id="90" name="ZoneTexte 89"/>
+          <p:cNvSpPr txBox="1"/>
           <p:nvPr/>
-        </p:nvCxnSpPr>
-        <p:spPr>
-          <a:xfrm>
-            <a:off x="3851810" y="2718010"/>
-            <a:ext cx="0" cy="712862"/>
-          </a:xfrm>
-          <a:prstGeom prst="line">
-            <a:avLst/>
-          </a:prstGeom>
-          <a:ln w="6350">
-            <a:solidFill>
-              <a:schemeClr val="accent5">
-                <a:lumMod val="50000"/>
-              </a:schemeClr>
-            </a:solidFill>
-          </a:ln>
-        </p:spPr>
-        <p:style>
-          <a:lnRef idx="1">
-            <a:schemeClr val="accent1"/>
-          </a:lnRef>
-          <a:fillRef idx="0">
-            <a:schemeClr val="accent1"/>
-          </a:fillRef>
-          <a:effectRef idx="0">
-            <a:schemeClr val="accent1"/>
-          </a:effectRef>
-          <a:fontRef idx="minor">
-            <a:schemeClr val="tx1"/>
-          </a:fontRef>
-        </p:style>
-      </p:cxnSp>
-      <p:cxnSp>
-        <p:nvCxnSpPr>
-          <p:cNvPr id="82" name="Connecteur droit 81"/>
-          <p:cNvCxnSpPr/>
-          <p:nvPr/>
-        </p:nvCxnSpPr>
-        <p:spPr>
-          <a:xfrm>
-            <a:off x="4572000" y="2707185"/>
-            <a:ext cx="0" cy="712862"/>
-          </a:xfrm>
-          <a:prstGeom prst="line">
-            <a:avLst/>
-          </a:prstGeom>
-          <a:ln w="6350">
-            <a:solidFill>
-              <a:schemeClr val="accent5">
-                <a:lumMod val="50000"/>
-              </a:schemeClr>
-            </a:solidFill>
-          </a:ln>
-        </p:spPr>
-        <p:style>
-          <a:lnRef idx="1">
-            <a:schemeClr val="accent1"/>
-          </a:lnRef>
-          <a:fillRef idx="0">
-            <a:schemeClr val="accent1"/>
-          </a:fillRef>
-          <a:effectRef idx="0">
-            <a:schemeClr val="accent1"/>
-          </a:effectRef>
-          <a:fontRef idx="minor">
-            <a:schemeClr val="tx1"/>
-          </a:fontRef>
-        </p:style>
-      </p:cxnSp>
+        </p:nvSpPr>
+        <p:spPr>
+          <a:xfrm>
+            <a:off x="4617817" y="2793626"/>
+            <a:ext cx="1001762" cy="646331"/>
+          </a:xfrm>
+          <a:prstGeom prst="rect">
+            <a:avLst/>
+          </a:prstGeom>
+          <a:noFill/>
+        </p:spPr>
+        <p:txBody>
+          <a:bodyPr wrap="square" rtlCol="0">
+            <a:spAutoFit/>
+          </a:bodyPr>
+          <a:lstStyle/>
+          <a:p>
+            <a:r>
+              <a:rPr lang="fr-FR" sz="900" b="1" dirty="0" smtClean="0"/>
+              <a:t>Seule la dernière pièce de l’assemblage est taraudée</a:t>
+            </a:r>
+            <a:endParaRPr lang="fr-FR" sz="900" b="1" dirty="0"/>
+          </a:p>
+        </p:txBody>
+      </p:sp>
     </p:spTree>
     <p:extLst>
       <p:ext uri="{BB962C8B-B14F-4D97-AF65-F5344CB8AC3E}">
@@ -7182,4 +7839,289 @@
   <a:objectDefaults/>
   <a:extraClrSchemeLst/>
 </a:theme>
+</file>
+
+<file path=ppt/theme/theme2.xml><?xml version="1.0" encoding="utf-8"?>
+<a:theme xmlns:a="http://schemas.openxmlformats.org/drawingml/2006/main" name="Thème Office">
+  <a:themeElements>
+    <a:clrScheme name="Office">
+      <a:dk1>
+        <a:sysClr val="windowText" lastClr="000000"/>
+      </a:dk1>
+      <a:lt1>
+        <a:sysClr val="window" lastClr="FFFFFF"/>
+      </a:lt1>
+      <a:dk2>
+        <a:srgbClr val="1F497D"/>
+      </a:dk2>
+      <a:lt2>
+        <a:srgbClr val="EEECE1"/>
+      </a:lt2>
+      <a:accent1>
+        <a:srgbClr val="4F81BD"/>
+      </a:accent1>
+      <a:accent2>
+        <a:srgbClr val="C0504D"/>
+      </a:accent2>
+      <a:accent3>
+        <a:srgbClr val="9BBB59"/>
+      </a:accent3>
+      <a:accent4>
+        <a:srgbClr val="8064A2"/>
+      </a:accent4>
+      <a:accent5>
+        <a:srgbClr val="4BACC6"/>
+      </a:accent5>
+      <a:accent6>
+        <a:srgbClr val="F79646"/>
+      </a:accent6>
+      <a:hlink>
+        <a:srgbClr val="0000FF"/>
+      </a:hlink>
+      <a:folHlink>
+        <a:srgbClr val="800080"/>
+      </a:folHlink>
+    </a:clrScheme>
+    <a:fontScheme name="Office">
+      <a:majorFont>
+        <a:latin typeface="Calibri"/>
+        <a:ea typeface=""/>
+        <a:cs typeface=""/>
+        <a:font script="Jpan" typeface="ＭＳ Ｐゴシック"/>
+        <a:font script="Hang" typeface="맑은 고딕"/>
+        <a:font script="Hans" typeface="宋体"/>
+        <a:font script="Hant" typeface="新細明體"/>
+        <a:font script="Arab" typeface="Times New Roman"/>
+        <a:font script="Hebr" typeface="Times New Roman"/>
+        <a:font script="Thai" typeface="Angsana New"/>
+        <a:font script="Ethi" typeface="Nyala"/>
+        <a:font script="Beng" typeface="Vrinda"/>
+        <a:font script="Gujr" typeface="Shruti"/>
+        <a:font script="Khmr" typeface="MoolBoran"/>
+        <a:font script="Knda" typeface="Tunga"/>
+        <a:font script="Guru" typeface="Raavi"/>
+        <a:font script="Cans" typeface="Euphemia"/>
+        <a:font script="Cher" typeface="Plantagenet Cherokee"/>
+        <a:font script="Yiii" typeface="Microsoft Yi Baiti"/>
+        <a:font script="Tibt" typeface="Microsoft Himalaya"/>
+        <a:font script="Thaa" typeface="MV Boli"/>
+        <a:font script="Deva" typeface="Mangal"/>
+        <a:font script="Telu" typeface="Gautami"/>
+        <a:font script="Taml" typeface="Latha"/>
+        <a:font script="Syrc" typeface="Estrangelo Edessa"/>
+        <a:font script="Orya" typeface="Kalinga"/>
+        <a:font script="Mlym" typeface="Kartika"/>
+        <a:font script="Laoo" typeface="DokChampa"/>
+        <a:font script="Sinh" typeface="Iskoola Pota"/>
+        <a:font script="Mong" typeface="Mongolian Baiti"/>
+        <a:font script="Viet" typeface="Times New Roman"/>
+        <a:font script="Uigh" typeface="Microsoft Uighur"/>
+        <a:font script="Geor" typeface="Sylfaen"/>
+      </a:majorFont>
+      <a:minorFont>
+        <a:latin typeface="Calibri"/>
+        <a:ea typeface=""/>
+        <a:cs typeface=""/>
+        <a:font script="Jpan" typeface="ＭＳ Ｐゴシック"/>
+        <a:font script="Hang" typeface="맑은 고딕"/>
+        <a:font script="Hans" typeface="宋体"/>
+        <a:font script="Hant" typeface="新細明體"/>
+        <a:font script="Arab" typeface="Arial"/>
+        <a:font script="Hebr" typeface="Arial"/>
+        <a:font script="Thai" typeface="Cordia New"/>
+        <a:font script="Ethi" typeface="Nyala"/>
+        <a:font script="Beng" typeface="Vrinda"/>
+        <a:font script="Gujr" typeface="Shruti"/>
+        <a:font script="Khmr" typeface="DaunPenh"/>
+        <a:font script="Knda" typeface="Tunga"/>
+        <a:font script="Guru" typeface="Raavi"/>
+        <a:font script="Cans" typeface="Euphemia"/>
+        <a:font script="Cher" typeface="Plantagenet Cherokee"/>
+        <a:font script="Yiii" typeface="Microsoft Yi Baiti"/>
+        <a:font script="Tibt" typeface="Microsoft Himalaya"/>
+        <a:font script="Thaa" typeface="MV Boli"/>
+        <a:font script="Deva" typeface="Mangal"/>
+        <a:font script="Telu" typeface="Gautami"/>
+        <a:font script="Taml" typeface="Latha"/>
+        <a:font script="Syrc" typeface="Estrangelo Edessa"/>
+        <a:font script="Orya" typeface="Kalinga"/>
+        <a:font script="Mlym" typeface="Kartika"/>
+        <a:font script="Laoo" typeface="DokChampa"/>
+        <a:font script="Sinh" typeface="Iskoola Pota"/>
+        <a:font script="Mong" typeface="Mongolian Baiti"/>
+        <a:font script="Viet" typeface="Arial"/>
+        <a:font script="Uigh" typeface="Microsoft Uighur"/>
+        <a:font script="Geor" typeface="Sylfaen"/>
+      </a:minorFont>
+    </a:fontScheme>
+    <a:fmtScheme name="Office">
+      <a:fillStyleLst>
+        <a:solidFill>
+          <a:schemeClr val="phClr"/>
+        </a:solidFill>
+        <a:gradFill rotWithShape="1">
+          <a:gsLst>
+            <a:gs pos="0">
+              <a:schemeClr val="phClr">
+                <a:tint val="50000"/>
+                <a:satMod val="300000"/>
+              </a:schemeClr>
+            </a:gs>
+            <a:gs pos="35000">
+              <a:schemeClr val="phClr">
+                <a:tint val="37000"/>
+                <a:satMod val="300000"/>
+              </a:schemeClr>
+            </a:gs>
+            <a:gs pos="100000">
+              <a:schemeClr val="phClr">
+                <a:tint val="15000"/>
+                <a:satMod val="350000"/>
+              </a:schemeClr>
+            </a:gs>
+          </a:gsLst>
+          <a:lin ang="16200000" scaled="1"/>
+        </a:gradFill>
+        <a:gradFill rotWithShape="1">
+          <a:gsLst>
+            <a:gs pos="0">
+              <a:schemeClr val="phClr">
+                <a:shade val="51000"/>
+                <a:satMod val="130000"/>
+              </a:schemeClr>
+            </a:gs>
+            <a:gs pos="80000">
+              <a:schemeClr val="phClr">
+                <a:shade val="93000"/>
+                <a:satMod val="130000"/>
+              </a:schemeClr>
+            </a:gs>
+            <a:gs pos="100000">
+              <a:schemeClr val="phClr">
+                <a:shade val="94000"/>
+                <a:satMod val="135000"/>
+              </a:schemeClr>
+            </a:gs>
+          </a:gsLst>
+          <a:lin ang="16200000" scaled="0"/>
+        </a:gradFill>
+      </a:fillStyleLst>
+      <a:lnStyleLst>
+        <a:ln w="9525" cap="flat" cmpd="sng" algn="ctr">
+          <a:solidFill>
+            <a:schemeClr val="phClr">
+              <a:shade val="95000"/>
+              <a:satMod val="105000"/>
+            </a:schemeClr>
+          </a:solidFill>
+          <a:prstDash val="solid"/>
+        </a:ln>
+        <a:ln w="25400" cap="flat" cmpd="sng" algn="ctr">
+          <a:solidFill>
+            <a:schemeClr val="phClr"/>
+          </a:solidFill>
+          <a:prstDash val="solid"/>
+        </a:ln>
+        <a:ln w="38100" cap="flat" cmpd="sng" algn="ctr">
+          <a:solidFill>
+            <a:schemeClr val="phClr"/>
+          </a:solidFill>
+          <a:prstDash val="solid"/>
+        </a:ln>
+      </a:lnStyleLst>
+      <a:effectStyleLst>
+        <a:effectStyle>
+          <a:effectLst>
+            <a:outerShdw blurRad="40000" dist="20000" dir="5400000" rotWithShape="0">
+              <a:srgbClr val="000000">
+                <a:alpha val="38000"/>
+              </a:srgbClr>
+            </a:outerShdw>
+          </a:effectLst>
+        </a:effectStyle>
+        <a:effectStyle>
+          <a:effectLst>
+            <a:outerShdw blurRad="40000" dist="23000" dir="5400000" rotWithShape="0">
+              <a:srgbClr val="000000">
+                <a:alpha val="35000"/>
+              </a:srgbClr>
+            </a:outerShdw>
+          </a:effectLst>
+        </a:effectStyle>
+        <a:effectStyle>
+          <a:effectLst>
+            <a:outerShdw blurRad="40000" dist="23000" dir="5400000" rotWithShape="0">
+              <a:srgbClr val="000000">
+                <a:alpha val="35000"/>
+              </a:srgbClr>
+            </a:outerShdw>
+          </a:effectLst>
+          <a:scene3d>
+            <a:camera prst="orthographicFront">
+              <a:rot lat="0" lon="0" rev="0"/>
+            </a:camera>
+            <a:lightRig rig="threePt" dir="t">
+              <a:rot lat="0" lon="0" rev="1200000"/>
+            </a:lightRig>
+          </a:scene3d>
+          <a:sp3d>
+            <a:bevelT w="63500" h="25400"/>
+          </a:sp3d>
+        </a:effectStyle>
+      </a:effectStyleLst>
+      <a:bgFillStyleLst>
+        <a:solidFill>
+          <a:schemeClr val="phClr"/>
+        </a:solidFill>
+        <a:gradFill rotWithShape="1">
+          <a:gsLst>
+            <a:gs pos="0">
+              <a:schemeClr val="phClr">
+                <a:tint val="40000"/>
+                <a:satMod val="350000"/>
+              </a:schemeClr>
+            </a:gs>
+            <a:gs pos="40000">
+              <a:schemeClr val="phClr">
+                <a:tint val="45000"/>
+                <a:shade val="99000"/>
+                <a:satMod val="350000"/>
+              </a:schemeClr>
+            </a:gs>
+            <a:gs pos="100000">
+              <a:schemeClr val="phClr">
+                <a:shade val="20000"/>
+                <a:satMod val="255000"/>
+              </a:schemeClr>
+            </a:gs>
+          </a:gsLst>
+          <a:path path="circle">
+            <a:fillToRect l="50000" t="-80000" r="50000" b="180000"/>
+          </a:path>
+        </a:gradFill>
+        <a:gradFill rotWithShape="1">
+          <a:gsLst>
+            <a:gs pos="0">
+              <a:schemeClr val="phClr">
+                <a:tint val="80000"/>
+                <a:satMod val="300000"/>
+              </a:schemeClr>
+            </a:gs>
+            <a:gs pos="100000">
+              <a:schemeClr val="phClr">
+                <a:shade val="30000"/>
+                <a:satMod val="200000"/>
+              </a:schemeClr>
+            </a:gs>
+          </a:gsLst>
+          <a:path path="circle">
+            <a:fillToRect l="50000" t="50000" r="50000" b="50000"/>
+          </a:path>
+        </a:gradFill>
+      </a:bgFillStyleLst>
+    </a:fmtScheme>
+  </a:themeElements>
+  <a:objectDefaults/>
+  <a:extraClrSchemeLst/>
+</a:theme>
 </file>
--- a/01_LiaisonEncastrement/Cours/Figures/Figures.pptx
+++ b/01_LiaisonEncastrement/Cours/Figures/Figures.pptx
@@ -5,7 +5,7 @@
     <p:sldMasterId id="2147483648" r:id="rId1"/>
   </p:sldMasterIdLst>
   <p:notesMasterIdLst>
-    <p:notesMasterId r:id="rId7"/>
+    <p:notesMasterId r:id="rId10"/>
   </p:notesMasterIdLst>
   <p:sldIdLst>
     <p:sldId id="256" r:id="rId2"/>
@@ -13,6 +13,9 @@
     <p:sldId id="258" r:id="rId4"/>
     <p:sldId id="259" r:id="rId5"/>
     <p:sldId id="260" r:id="rId6"/>
+    <p:sldId id="261" r:id="rId7"/>
+    <p:sldId id="263" r:id="rId8"/>
+    <p:sldId id="262" r:id="rId9"/>
   </p:sldIdLst>
   <p:sldSz cx="9144000" cy="6858000" type="screen4x3"/>
   <p:notesSz cx="6858000" cy="9144000"/>
@@ -196,7 +199,7 @@
           <a:p>
             <a:fld id="{FF4F525E-41B1-4D42-8A42-4B8DA0C928B5}" type="datetimeFigureOut">
               <a:rPr lang="fr-FR" smtClean="0"/>
-              <a:t>01/07/2016</a:t>
+              <a:t>04/07/2016</a:t>
             </a:fld>
             <a:endParaRPr lang="fr-FR"/>
           </a:p>
@@ -729,7 +732,7 @@
           <a:p>
             <a:fld id="{AA309A6D-C09C-4548-B29A-6CF363A7E532}" type="datetimeFigureOut">
               <a:rPr lang="fr-FR" smtClean="0"/>
-              <a:t>01/07/2016</a:t>
+              <a:t>04/07/2016</a:t>
             </a:fld>
             <a:endParaRPr lang="fr-BE"/>
           </a:p>
@@ -894,7 +897,7 @@
           <a:p>
             <a:fld id="{AA309A6D-C09C-4548-B29A-6CF363A7E532}" type="datetimeFigureOut">
               <a:rPr lang="fr-FR" smtClean="0"/>
-              <a:t>01/07/2016</a:t>
+              <a:t>04/07/2016</a:t>
             </a:fld>
             <a:endParaRPr lang="fr-BE"/>
           </a:p>
@@ -1069,7 +1072,7 @@
           <a:p>
             <a:fld id="{AA309A6D-C09C-4548-B29A-6CF363A7E532}" type="datetimeFigureOut">
               <a:rPr lang="fr-FR" smtClean="0"/>
-              <a:t>01/07/2016</a:t>
+              <a:t>04/07/2016</a:t>
             </a:fld>
             <a:endParaRPr lang="fr-BE"/>
           </a:p>
@@ -1234,7 +1237,7 @@
           <a:p>
             <a:fld id="{AA309A6D-C09C-4548-B29A-6CF363A7E532}" type="datetimeFigureOut">
               <a:rPr lang="fr-FR" smtClean="0"/>
-              <a:t>01/07/2016</a:t>
+              <a:t>04/07/2016</a:t>
             </a:fld>
             <a:endParaRPr lang="fr-BE"/>
           </a:p>
@@ -1475,7 +1478,7 @@
           <a:p>
             <a:fld id="{AA309A6D-C09C-4548-B29A-6CF363A7E532}" type="datetimeFigureOut">
               <a:rPr lang="fr-FR" smtClean="0"/>
-              <a:t>01/07/2016</a:t>
+              <a:t>04/07/2016</a:t>
             </a:fld>
             <a:endParaRPr lang="fr-BE"/>
           </a:p>
@@ -1758,7 +1761,7 @@
           <a:p>
             <a:fld id="{AA309A6D-C09C-4548-B29A-6CF363A7E532}" type="datetimeFigureOut">
               <a:rPr lang="fr-FR" smtClean="0"/>
-              <a:t>01/07/2016</a:t>
+              <a:t>04/07/2016</a:t>
             </a:fld>
             <a:endParaRPr lang="fr-BE"/>
           </a:p>
@@ -2175,7 +2178,7 @@
           <a:p>
             <a:fld id="{AA309A6D-C09C-4548-B29A-6CF363A7E532}" type="datetimeFigureOut">
               <a:rPr lang="fr-FR" smtClean="0"/>
-              <a:t>01/07/2016</a:t>
+              <a:t>04/07/2016</a:t>
             </a:fld>
             <a:endParaRPr lang="fr-BE"/>
           </a:p>
@@ -2288,7 +2291,7 @@
           <a:p>
             <a:fld id="{AA309A6D-C09C-4548-B29A-6CF363A7E532}" type="datetimeFigureOut">
               <a:rPr lang="fr-FR" smtClean="0"/>
-              <a:t>01/07/2016</a:t>
+              <a:t>04/07/2016</a:t>
             </a:fld>
             <a:endParaRPr lang="fr-BE"/>
           </a:p>
@@ -2378,7 +2381,7 @@
           <a:p>
             <a:fld id="{AA309A6D-C09C-4548-B29A-6CF363A7E532}" type="datetimeFigureOut">
               <a:rPr lang="fr-FR" smtClean="0"/>
-              <a:t>01/07/2016</a:t>
+              <a:t>04/07/2016</a:t>
             </a:fld>
             <a:endParaRPr lang="fr-BE"/>
           </a:p>
@@ -2650,7 +2653,7 @@
           <a:p>
             <a:fld id="{AA309A6D-C09C-4548-B29A-6CF363A7E532}" type="datetimeFigureOut">
               <a:rPr lang="fr-FR" smtClean="0"/>
-              <a:t>01/07/2016</a:t>
+              <a:t>04/07/2016</a:t>
             </a:fld>
             <a:endParaRPr lang="fr-BE"/>
           </a:p>
@@ -2898,7 +2901,7 @@
           <a:p>
             <a:fld id="{AA309A6D-C09C-4548-B29A-6CF363A7E532}" type="datetimeFigureOut">
               <a:rPr lang="fr-FR" smtClean="0"/>
-              <a:t>01/07/2016</a:t>
+              <a:t>04/07/2016</a:t>
             </a:fld>
             <a:endParaRPr lang="fr-BE"/>
           </a:p>
@@ -3106,7 +3109,7 @@
           <a:p>
             <a:fld id="{AA309A6D-C09C-4548-B29A-6CF363A7E532}" type="datetimeFigureOut">
               <a:rPr lang="fr-FR" smtClean="0"/>
-              <a:t>01/07/2016</a:t>
+              <a:t>04/07/2016</a:t>
             </a:fld>
             <a:endParaRPr lang="fr-BE"/>
           </a:p>
@@ -7558,6 +7561,5917 @@
 </p:sld>
 </file>
 
+<file path=ppt/slides/slide6.xml><?xml version="1.0" encoding="utf-8"?>
+<p:sld xmlns:a="http://schemas.openxmlformats.org/drawingml/2006/main" xmlns:r="http://schemas.openxmlformats.org/officeDocument/2006/relationships" xmlns:p="http://schemas.openxmlformats.org/presentationml/2006/main">
+  <p:cSld>
+    <p:spTree>
+      <p:nvGrpSpPr>
+        <p:cNvPr id="1" name=""/>
+        <p:cNvGrpSpPr/>
+        <p:nvPr/>
+      </p:nvGrpSpPr>
+      <p:grpSpPr>
+        <a:xfrm>
+          <a:off x="0" y="0"/>
+          <a:ext cx="0" cy="0"/>
+          <a:chOff x="0" y="0"/>
+          <a:chExt cx="0" cy="0"/>
+        </a:xfrm>
+      </p:grpSpPr>
+      <p:sp>
+        <p:nvSpPr>
+          <p:cNvPr id="166" name="Forme libre 165"/>
+          <p:cNvSpPr/>
+          <p:nvPr/>
+        </p:nvSpPr>
+        <p:spPr>
+          <a:xfrm>
+            <a:off x="2362200" y="1270000"/>
+            <a:ext cx="679714" cy="133350"/>
+          </a:xfrm>
+          <a:custGeom>
+            <a:avLst/>
+            <a:gdLst>
+              <a:gd name="connsiteX0" fmla="*/ 0 w 679714"/>
+              <a:gd name="connsiteY0" fmla="*/ 0 h 133350"/>
+              <a:gd name="connsiteX1" fmla="*/ 9525 w 679714"/>
+              <a:gd name="connsiteY1" fmla="*/ 25400 h 133350"/>
+              <a:gd name="connsiteX2" fmla="*/ 15875 w 679714"/>
+              <a:gd name="connsiteY2" fmla="*/ 47625 h 133350"/>
+              <a:gd name="connsiteX3" fmla="*/ 22225 w 679714"/>
+              <a:gd name="connsiteY3" fmla="*/ 57150 h 133350"/>
+              <a:gd name="connsiteX4" fmla="*/ 28575 w 679714"/>
+              <a:gd name="connsiteY4" fmla="*/ 76200 h 133350"/>
+              <a:gd name="connsiteX5" fmla="*/ 31750 w 679714"/>
+              <a:gd name="connsiteY5" fmla="*/ 85725 h 133350"/>
+              <a:gd name="connsiteX6" fmla="*/ 38100 w 679714"/>
+              <a:gd name="connsiteY6" fmla="*/ 95250 h 133350"/>
+              <a:gd name="connsiteX7" fmla="*/ 60325 w 679714"/>
+              <a:gd name="connsiteY7" fmla="*/ 117475 h 133350"/>
+              <a:gd name="connsiteX8" fmla="*/ 190500 w 679714"/>
+              <a:gd name="connsiteY8" fmla="*/ 123825 h 133350"/>
+              <a:gd name="connsiteX9" fmla="*/ 250825 w 679714"/>
+              <a:gd name="connsiteY9" fmla="*/ 130175 h 133350"/>
+              <a:gd name="connsiteX10" fmla="*/ 285750 w 679714"/>
+              <a:gd name="connsiteY10" fmla="*/ 133350 h 133350"/>
+              <a:gd name="connsiteX11" fmla="*/ 431800 w 679714"/>
+              <a:gd name="connsiteY11" fmla="*/ 130175 h 133350"/>
+              <a:gd name="connsiteX12" fmla="*/ 454025 w 679714"/>
+              <a:gd name="connsiteY12" fmla="*/ 123825 h 133350"/>
+              <a:gd name="connsiteX13" fmla="*/ 473075 w 679714"/>
+              <a:gd name="connsiteY13" fmla="*/ 120650 h 133350"/>
+              <a:gd name="connsiteX14" fmla="*/ 492125 w 679714"/>
+              <a:gd name="connsiteY14" fmla="*/ 114300 h 133350"/>
+              <a:gd name="connsiteX15" fmla="*/ 508000 w 679714"/>
+              <a:gd name="connsiteY15" fmla="*/ 111125 h 133350"/>
+              <a:gd name="connsiteX16" fmla="*/ 527050 w 679714"/>
+              <a:gd name="connsiteY16" fmla="*/ 104775 h 133350"/>
+              <a:gd name="connsiteX17" fmla="*/ 581025 w 679714"/>
+              <a:gd name="connsiteY17" fmla="*/ 107950 h 133350"/>
+              <a:gd name="connsiteX18" fmla="*/ 590550 w 679714"/>
+              <a:gd name="connsiteY18" fmla="*/ 111125 h 133350"/>
+              <a:gd name="connsiteX19" fmla="*/ 615950 w 679714"/>
+              <a:gd name="connsiteY19" fmla="*/ 114300 h 133350"/>
+              <a:gd name="connsiteX20" fmla="*/ 657225 w 679714"/>
+              <a:gd name="connsiteY20" fmla="*/ 111125 h 133350"/>
+              <a:gd name="connsiteX21" fmla="*/ 669925 w 679714"/>
+              <a:gd name="connsiteY21" fmla="*/ 92075 h 133350"/>
+              <a:gd name="connsiteX22" fmla="*/ 673100 w 679714"/>
+              <a:gd name="connsiteY22" fmla="*/ 69850 h 133350"/>
+              <a:gd name="connsiteX23" fmla="*/ 679450 w 679714"/>
+              <a:gd name="connsiteY23" fmla="*/ 31750 h 133350"/>
+              <a:gd name="connsiteX24" fmla="*/ 679450 w 679714"/>
+              <a:gd name="connsiteY24" fmla="*/ 3175 h 133350"/>
+            </a:gdLst>
+            <a:ahLst/>
+            <a:cxnLst>
+              <a:cxn ang="0">
+                <a:pos x="connsiteX0" y="connsiteY0"/>
+              </a:cxn>
+              <a:cxn ang="0">
+                <a:pos x="connsiteX1" y="connsiteY1"/>
+              </a:cxn>
+              <a:cxn ang="0">
+                <a:pos x="connsiteX2" y="connsiteY2"/>
+              </a:cxn>
+              <a:cxn ang="0">
+                <a:pos x="connsiteX3" y="connsiteY3"/>
+              </a:cxn>
+              <a:cxn ang="0">
+                <a:pos x="connsiteX4" y="connsiteY4"/>
+              </a:cxn>
+              <a:cxn ang="0">
+                <a:pos x="connsiteX5" y="connsiteY5"/>
+              </a:cxn>
+              <a:cxn ang="0">
+                <a:pos x="connsiteX6" y="connsiteY6"/>
+              </a:cxn>
+              <a:cxn ang="0">
+                <a:pos x="connsiteX7" y="connsiteY7"/>
+              </a:cxn>
+              <a:cxn ang="0">
+                <a:pos x="connsiteX8" y="connsiteY8"/>
+              </a:cxn>
+              <a:cxn ang="0">
+                <a:pos x="connsiteX9" y="connsiteY9"/>
+              </a:cxn>
+              <a:cxn ang="0">
+                <a:pos x="connsiteX10" y="connsiteY10"/>
+              </a:cxn>
+              <a:cxn ang="0">
+                <a:pos x="connsiteX11" y="connsiteY11"/>
+              </a:cxn>
+              <a:cxn ang="0">
+                <a:pos x="connsiteX12" y="connsiteY12"/>
+              </a:cxn>
+              <a:cxn ang="0">
+                <a:pos x="connsiteX13" y="connsiteY13"/>
+              </a:cxn>
+              <a:cxn ang="0">
+                <a:pos x="connsiteX14" y="connsiteY14"/>
+              </a:cxn>
+              <a:cxn ang="0">
+                <a:pos x="connsiteX15" y="connsiteY15"/>
+              </a:cxn>
+              <a:cxn ang="0">
+                <a:pos x="connsiteX16" y="connsiteY16"/>
+              </a:cxn>
+              <a:cxn ang="0">
+                <a:pos x="connsiteX17" y="connsiteY17"/>
+              </a:cxn>
+              <a:cxn ang="0">
+                <a:pos x="connsiteX18" y="connsiteY18"/>
+              </a:cxn>
+              <a:cxn ang="0">
+                <a:pos x="connsiteX19" y="connsiteY19"/>
+              </a:cxn>
+              <a:cxn ang="0">
+                <a:pos x="connsiteX20" y="connsiteY20"/>
+              </a:cxn>
+              <a:cxn ang="0">
+                <a:pos x="connsiteX21" y="connsiteY21"/>
+              </a:cxn>
+              <a:cxn ang="0">
+                <a:pos x="connsiteX22" y="connsiteY22"/>
+              </a:cxn>
+              <a:cxn ang="0">
+                <a:pos x="connsiteX23" y="connsiteY23"/>
+              </a:cxn>
+              <a:cxn ang="0">
+                <a:pos x="connsiteX24" y="connsiteY24"/>
+              </a:cxn>
+            </a:cxnLst>
+            <a:rect l="l" t="t" r="r" b="b"/>
+            <a:pathLst>
+              <a:path w="679714" h="133350">
+                <a:moveTo>
+                  <a:pt x="0" y="0"/>
+                </a:moveTo>
+                <a:cubicBezTo>
+                  <a:pt x="8053" y="40263"/>
+                  <a:pt x="-2738" y="-3214"/>
+                  <a:pt x="9525" y="25400"/>
+                </a:cubicBezTo>
+                <a:cubicBezTo>
+                  <a:pt x="15629" y="39642"/>
+                  <a:pt x="9696" y="35268"/>
+                  <a:pt x="15875" y="47625"/>
+                </a:cubicBezTo>
+                <a:cubicBezTo>
+                  <a:pt x="17582" y="51038"/>
+                  <a:pt x="20675" y="53663"/>
+                  <a:pt x="22225" y="57150"/>
+                </a:cubicBezTo>
+                <a:cubicBezTo>
+                  <a:pt x="24943" y="63267"/>
+                  <a:pt x="26458" y="69850"/>
+                  <a:pt x="28575" y="76200"/>
+                </a:cubicBezTo>
+                <a:lnTo>
+                  <a:pt x="31750" y="85725"/>
+                </a:lnTo>
+                <a:cubicBezTo>
+                  <a:pt x="32957" y="89345"/>
+                  <a:pt x="36393" y="91837"/>
+                  <a:pt x="38100" y="95250"/>
+                </a:cubicBezTo>
+                <a:cubicBezTo>
+                  <a:pt x="44125" y="107300"/>
+                  <a:pt x="37494" y="113670"/>
+                  <a:pt x="60325" y="117475"/>
+                </a:cubicBezTo>
+                <a:cubicBezTo>
+                  <a:pt x="115928" y="126742"/>
+                  <a:pt x="72940" y="120466"/>
+                  <a:pt x="190500" y="123825"/>
+                </a:cubicBezTo>
+                <a:cubicBezTo>
+                  <a:pt x="222234" y="130172"/>
+                  <a:pt x="197433" y="125904"/>
+                  <a:pt x="250825" y="130175"/>
+                </a:cubicBezTo>
+                <a:cubicBezTo>
+                  <a:pt x="262477" y="131107"/>
+                  <a:pt x="274108" y="132292"/>
+                  <a:pt x="285750" y="133350"/>
+                </a:cubicBezTo>
+                <a:lnTo>
+                  <a:pt x="431800" y="130175"/>
+                </a:lnTo>
+                <a:cubicBezTo>
+                  <a:pt x="440233" y="129838"/>
+                  <a:pt x="446123" y="125581"/>
+                  <a:pt x="454025" y="123825"/>
+                </a:cubicBezTo>
+                <a:cubicBezTo>
+                  <a:pt x="460309" y="122428"/>
+                  <a:pt x="466725" y="121708"/>
+                  <a:pt x="473075" y="120650"/>
+                </a:cubicBezTo>
+                <a:cubicBezTo>
+                  <a:pt x="479425" y="118533"/>
+                  <a:pt x="485561" y="115613"/>
+                  <a:pt x="492125" y="114300"/>
+                </a:cubicBezTo>
+                <a:cubicBezTo>
+                  <a:pt x="497417" y="113242"/>
+                  <a:pt x="502794" y="112545"/>
+                  <a:pt x="508000" y="111125"/>
+                </a:cubicBezTo>
+                <a:cubicBezTo>
+                  <a:pt x="514458" y="109364"/>
+                  <a:pt x="527050" y="104775"/>
+                  <a:pt x="527050" y="104775"/>
+                </a:cubicBezTo>
+                <a:cubicBezTo>
+                  <a:pt x="545042" y="105833"/>
+                  <a:pt x="563092" y="106157"/>
+                  <a:pt x="581025" y="107950"/>
+                </a:cubicBezTo>
+                <a:cubicBezTo>
+                  <a:pt x="584355" y="108283"/>
+                  <a:pt x="587257" y="110526"/>
+                  <a:pt x="590550" y="111125"/>
+                </a:cubicBezTo>
+                <a:cubicBezTo>
+                  <a:pt x="598945" y="112651"/>
+                  <a:pt x="607483" y="113242"/>
+                  <a:pt x="615950" y="114300"/>
+                </a:cubicBezTo>
+                <a:lnTo>
+                  <a:pt x="657225" y="111125"/>
+                </a:lnTo>
+                <a:cubicBezTo>
+                  <a:pt x="664282" y="108219"/>
+                  <a:pt x="669925" y="92075"/>
+                  <a:pt x="669925" y="92075"/>
+                </a:cubicBezTo>
+                <a:cubicBezTo>
+                  <a:pt x="670983" y="84667"/>
+                  <a:pt x="671870" y="77232"/>
+                  <a:pt x="673100" y="69850"/>
+                </a:cubicBezTo>
+                <a:cubicBezTo>
+                  <a:pt x="675651" y="54544"/>
+                  <a:pt x="678412" y="48352"/>
+                  <a:pt x="679450" y="31750"/>
+                </a:cubicBezTo>
+                <a:cubicBezTo>
+                  <a:pt x="680044" y="22244"/>
+                  <a:pt x="679450" y="12700"/>
+                  <a:pt x="679450" y="3175"/>
+                </a:cubicBezTo>
+              </a:path>
+            </a:pathLst>
+          </a:custGeom>
+          <a:pattFill prst="ltDnDiag">
+            <a:fgClr>
+              <a:schemeClr val="accent5">
+                <a:lumMod val="50000"/>
+              </a:schemeClr>
+            </a:fgClr>
+            <a:bgClr>
+              <a:schemeClr val="bg1"/>
+            </a:bgClr>
+          </a:pattFill>
+          <a:ln w="12700">
+            <a:solidFill>
+              <a:schemeClr val="accent5">
+                <a:lumMod val="50000"/>
+              </a:schemeClr>
+            </a:solidFill>
+          </a:ln>
+        </p:spPr>
+        <p:style>
+          <a:lnRef idx="1">
+            <a:schemeClr val="accent1"/>
+          </a:lnRef>
+          <a:fillRef idx="0">
+            <a:schemeClr val="accent1"/>
+          </a:fillRef>
+          <a:effectRef idx="0">
+            <a:schemeClr val="accent1"/>
+          </a:effectRef>
+          <a:fontRef idx="minor">
+            <a:schemeClr val="tx1"/>
+          </a:fontRef>
+        </p:style>
+        <p:txBody>
+          <a:bodyPr rtlCol="0" anchor="ctr"/>
+          <a:lstStyle/>
+          <a:p>
+            <a:pPr algn="ctr"/>
+            <a:endParaRPr lang="fr-FR"/>
+          </a:p>
+        </p:txBody>
+      </p:sp>
+      <p:sp>
+        <p:nvSpPr>
+          <p:cNvPr id="165" name="Rectangle 164"/>
+          <p:cNvSpPr/>
+          <p:nvPr/>
+        </p:nvSpPr>
+        <p:spPr>
+          <a:xfrm>
+            <a:off x="2412244" y="1267520"/>
+            <a:ext cx="575580" cy="72008"/>
+          </a:xfrm>
+          <a:prstGeom prst="rect">
+            <a:avLst/>
+          </a:prstGeom>
+          <a:solidFill>
+            <a:schemeClr val="bg1"/>
+          </a:solidFill>
+          <a:ln w="12700">
+            <a:solidFill>
+              <a:schemeClr val="accent5">
+                <a:lumMod val="50000"/>
+              </a:schemeClr>
+            </a:solidFill>
+          </a:ln>
+        </p:spPr>
+        <p:style>
+          <a:lnRef idx="1">
+            <a:schemeClr val="accent1"/>
+          </a:lnRef>
+          <a:fillRef idx="0">
+            <a:schemeClr val="accent1"/>
+          </a:fillRef>
+          <a:effectRef idx="0">
+            <a:schemeClr val="accent1"/>
+          </a:effectRef>
+          <a:fontRef idx="minor">
+            <a:schemeClr val="tx1"/>
+          </a:fontRef>
+        </p:style>
+        <p:txBody>
+          <a:bodyPr rtlCol="0" anchor="ctr"/>
+          <a:lstStyle/>
+          <a:p>
+            <a:pPr algn="ctr"/>
+            <a:endParaRPr lang="fr-FR"/>
+          </a:p>
+        </p:txBody>
+      </p:sp>
+      <p:cxnSp>
+        <p:nvCxnSpPr>
+          <p:cNvPr id="5" name="Connecteur droit 4"/>
+          <p:cNvCxnSpPr/>
+          <p:nvPr/>
+        </p:nvCxnSpPr>
+        <p:spPr>
+          <a:xfrm>
+            <a:off x="3129729" y="1268760"/>
+            <a:ext cx="0" cy="720080"/>
+          </a:xfrm>
+          <a:prstGeom prst="line">
+            <a:avLst/>
+          </a:prstGeom>
+          <a:ln w="12700">
+            <a:solidFill>
+              <a:schemeClr val="accent5">
+                <a:lumMod val="50000"/>
+              </a:schemeClr>
+            </a:solidFill>
+          </a:ln>
+        </p:spPr>
+        <p:style>
+          <a:lnRef idx="1">
+            <a:schemeClr val="accent1"/>
+          </a:lnRef>
+          <a:fillRef idx="0">
+            <a:schemeClr val="accent1"/>
+          </a:fillRef>
+          <a:effectRef idx="0">
+            <a:schemeClr val="accent1"/>
+          </a:effectRef>
+          <a:fontRef idx="minor">
+            <a:schemeClr val="tx1"/>
+          </a:fontRef>
+        </p:style>
+      </p:cxnSp>
+      <p:sp>
+        <p:nvSpPr>
+          <p:cNvPr id="159" name="Forme libre 158"/>
+          <p:cNvSpPr/>
+          <p:nvPr/>
+        </p:nvSpPr>
+        <p:spPr>
+          <a:xfrm>
+            <a:off x="2746375" y="1489075"/>
+            <a:ext cx="457200" cy="301625"/>
+          </a:xfrm>
+          <a:custGeom>
+            <a:avLst/>
+            <a:gdLst>
+              <a:gd name="connsiteX0" fmla="*/ 454025 w 457200"/>
+              <a:gd name="connsiteY0" fmla="*/ 15875 h 301625"/>
+              <a:gd name="connsiteX1" fmla="*/ 403225 w 457200"/>
+              <a:gd name="connsiteY1" fmla="*/ 12700 h 301625"/>
+              <a:gd name="connsiteX2" fmla="*/ 269875 w 457200"/>
+              <a:gd name="connsiteY2" fmla="*/ 6350 h 301625"/>
+              <a:gd name="connsiteX3" fmla="*/ 200025 w 457200"/>
+              <a:gd name="connsiteY3" fmla="*/ 0 h 301625"/>
+              <a:gd name="connsiteX4" fmla="*/ 127000 w 457200"/>
+              <a:gd name="connsiteY4" fmla="*/ 3175 h 301625"/>
+              <a:gd name="connsiteX5" fmla="*/ 88900 w 457200"/>
+              <a:gd name="connsiteY5" fmla="*/ 12700 h 301625"/>
+              <a:gd name="connsiteX6" fmla="*/ 73025 w 457200"/>
+              <a:gd name="connsiteY6" fmla="*/ 15875 h 301625"/>
+              <a:gd name="connsiteX7" fmla="*/ 53975 w 457200"/>
+              <a:gd name="connsiteY7" fmla="*/ 22225 h 301625"/>
+              <a:gd name="connsiteX8" fmla="*/ 28575 w 457200"/>
+              <a:gd name="connsiteY8" fmla="*/ 28575 h 301625"/>
+              <a:gd name="connsiteX9" fmla="*/ 15875 w 457200"/>
+              <a:gd name="connsiteY9" fmla="*/ 47625 h 301625"/>
+              <a:gd name="connsiteX10" fmla="*/ 0 w 457200"/>
+              <a:gd name="connsiteY10" fmla="*/ 76200 h 301625"/>
+              <a:gd name="connsiteX11" fmla="*/ 3175 w 457200"/>
+              <a:gd name="connsiteY11" fmla="*/ 174625 h 301625"/>
+              <a:gd name="connsiteX12" fmla="*/ 6350 w 457200"/>
+              <a:gd name="connsiteY12" fmla="*/ 184150 h 301625"/>
+              <a:gd name="connsiteX13" fmla="*/ 25400 w 457200"/>
+              <a:gd name="connsiteY13" fmla="*/ 196850 h 301625"/>
+              <a:gd name="connsiteX14" fmla="*/ 53975 w 457200"/>
+              <a:gd name="connsiteY14" fmla="*/ 215900 h 301625"/>
+              <a:gd name="connsiteX15" fmla="*/ 63500 w 457200"/>
+              <a:gd name="connsiteY15" fmla="*/ 222250 h 301625"/>
+              <a:gd name="connsiteX16" fmla="*/ 76200 w 457200"/>
+              <a:gd name="connsiteY16" fmla="*/ 225425 h 301625"/>
+              <a:gd name="connsiteX17" fmla="*/ 92075 w 457200"/>
+              <a:gd name="connsiteY17" fmla="*/ 228600 h 301625"/>
+              <a:gd name="connsiteX18" fmla="*/ 101600 w 457200"/>
+              <a:gd name="connsiteY18" fmla="*/ 231775 h 301625"/>
+              <a:gd name="connsiteX19" fmla="*/ 114300 w 457200"/>
+              <a:gd name="connsiteY19" fmla="*/ 234950 h 301625"/>
+              <a:gd name="connsiteX20" fmla="*/ 146050 w 457200"/>
+              <a:gd name="connsiteY20" fmla="*/ 244475 h 301625"/>
+              <a:gd name="connsiteX21" fmla="*/ 155575 w 457200"/>
+              <a:gd name="connsiteY21" fmla="*/ 250825 h 301625"/>
+              <a:gd name="connsiteX22" fmla="*/ 161925 w 457200"/>
+              <a:gd name="connsiteY22" fmla="*/ 260350 h 301625"/>
+              <a:gd name="connsiteX23" fmla="*/ 174625 w 457200"/>
+              <a:gd name="connsiteY23" fmla="*/ 263525 h 301625"/>
+              <a:gd name="connsiteX24" fmla="*/ 184150 w 457200"/>
+              <a:gd name="connsiteY24" fmla="*/ 269875 h 301625"/>
+              <a:gd name="connsiteX25" fmla="*/ 196850 w 457200"/>
+              <a:gd name="connsiteY25" fmla="*/ 273050 h 301625"/>
+              <a:gd name="connsiteX26" fmla="*/ 206375 w 457200"/>
+              <a:gd name="connsiteY26" fmla="*/ 276225 h 301625"/>
+              <a:gd name="connsiteX27" fmla="*/ 234950 w 457200"/>
+              <a:gd name="connsiteY27" fmla="*/ 288925 h 301625"/>
+              <a:gd name="connsiteX28" fmla="*/ 244475 w 457200"/>
+              <a:gd name="connsiteY28" fmla="*/ 292100 h 301625"/>
+              <a:gd name="connsiteX29" fmla="*/ 254000 w 457200"/>
+              <a:gd name="connsiteY29" fmla="*/ 295275 h 301625"/>
+              <a:gd name="connsiteX30" fmla="*/ 295275 w 457200"/>
+              <a:gd name="connsiteY30" fmla="*/ 301625 h 301625"/>
+              <a:gd name="connsiteX31" fmla="*/ 355600 w 457200"/>
+              <a:gd name="connsiteY31" fmla="*/ 295275 h 301625"/>
+              <a:gd name="connsiteX32" fmla="*/ 365125 w 457200"/>
+              <a:gd name="connsiteY32" fmla="*/ 292100 h 301625"/>
+              <a:gd name="connsiteX33" fmla="*/ 377825 w 457200"/>
+              <a:gd name="connsiteY33" fmla="*/ 288925 h 301625"/>
+              <a:gd name="connsiteX34" fmla="*/ 457200 w 457200"/>
+              <a:gd name="connsiteY34" fmla="*/ 292100 h 301625"/>
+            </a:gdLst>
+            <a:ahLst/>
+            <a:cxnLst>
+              <a:cxn ang="0">
+                <a:pos x="connsiteX0" y="connsiteY0"/>
+              </a:cxn>
+              <a:cxn ang="0">
+                <a:pos x="connsiteX1" y="connsiteY1"/>
+              </a:cxn>
+              <a:cxn ang="0">
+                <a:pos x="connsiteX2" y="connsiteY2"/>
+              </a:cxn>
+              <a:cxn ang="0">
+                <a:pos x="connsiteX3" y="connsiteY3"/>
+              </a:cxn>
+              <a:cxn ang="0">
+                <a:pos x="connsiteX4" y="connsiteY4"/>
+              </a:cxn>
+              <a:cxn ang="0">
+                <a:pos x="connsiteX5" y="connsiteY5"/>
+              </a:cxn>
+              <a:cxn ang="0">
+                <a:pos x="connsiteX6" y="connsiteY6"/>
+              </a:cxn>
+              <a:cxn ang="0">
+                <a:pos x="connsiteX7" y="connsiteY7"/>
+              </a:cxn>
+              <a:cxn ang="0">
+                <a:pos x="connsiteX8" y="connsiteY8"/>
+              </a:cxn>
+              <a:cxn ang="0">
+                <a:pos x="connsiteX9" y="connsiteY9"/>
+              </a:cxn>
+              <a:cxn ang="0">
+                <a:pos x="connsiteX10" y="connsiteY10"/>
+              </a:cxn>
+              <a:cxn ang="0">
+                <a:pos x="connsiteX11" y="connsiteY11"/>
+              </a:cxn>
+              <a:cxn ang="0">
+                <a:pos x="connsiteX12" y="connsiteY12"/>
+              </a:cxn>
+              <a:cxn ang="0">
+                <a:pos x="connsiteX13" y="connsiteY13"/>
+              </a:cxn>
+              <a:cxn ang="0">
+                <a:pos x="connsiteX14" y="connsiteY14"/>
+              </a:cxn>
+              <a:cxn ang="0">
+                <a:pos x="connsiteX15" y="connsiteY15"/>
+              </a:cxn>
+              <a:cxn ang="0">
+                <a:pos x="connsiteX16" y="connsiteY16"/>
+              </a:cxn>
+              <a:cxn ang="0">
+                <a:pos x="connsiteX17" y="connsiteY17"/>
+              </a:cxn>
+              <a:cxn ang="0">
+                <a:pos x="connsiteX18" y="connsiteY18"/>
+              </a:cxn>
+              <a:cxn ang="0">
+                <a:pos x="connsiteX19" y="connsiteY19"/>
+              </a:cxn>
+              <a:cxn ang="0">
+                <a:pos x="connsiteX20" y="connsiteY20"/>
+              </a:cxn>
+              <a:cxn ang="0">
+                <a:pos x="connsiteX21" y="connsiteY21"/>
+              </a:cxn>
+              <a:cxn ang="0">
+                <a:pos x="connsiteX22" y="connsiteY22"/>
+              </a:cxn>
+              <a:cxn ang="0">
+                <a:pos x="connsiteX23" y="connsiteY23"/>
+              </a:cxn>
+              <a:cxn ang="0">
+                <a:pos x="connsiteX24" y="connsiteY24"/>
+              </a:cxn>
+              <a:cxn ang="0">
+                <a:pos x="connsiteX25" y="connsiteY25"/>
+              </a:cxn>
+              <a:cxn ang="0">
+                <a:pos x="connsiteX26" y="connsiteY26"/>
+              </a:cxn>
+              <a:cxn ang="0">
+                <a:pos x="connsiteX27" y="connsiteY27"/>
+              </a:cxn>
+              <a:cxn ang="0">
+                <a:pos x="connsiteX28" y="connsiteY28"/>
+              </a:cxn>
+              <a:cxn ang="0">
+                <a:pos x="connsiteX29" y="connsiteY29"/>
+              </a:cxn>
+              <a:cxn ang="0">
+                <a:pos x="connsiteX30" y="connsiteY30"/>
+              </a:cxn>
+              <a:cxn ang="0">
+                <a:pos x="connsiteX31" y="connsiteY31"/>
+              </a:cxn>
+              <a:cxn ang="0">
+                <a:pos x="connsiteX32" y="connsiteY32"/>
+              </a:cxn>
+              <a:cxn ang="0">
+                <a:pos x="connsiteX33" y="connsiteY33"/>
+              </a:cxn>
+              <a:cxn ang="0">
+                <a:pos x="connsiteX34" y="connsiteY34"/>
+              </a:cxn>
+            </a:cxnLst>
+            <a:rect l="l" t="t" r="r" b="b"/>
+            <a:pathLst>
+              <a:path w="457200" h="301625">
+                <a:moveTo>
+                  <a:pt x="454025" y="15875"/>
+                </a:moveTo>
+                <a:lnTo>
+                  <a:pt x="403225" y="12700"/>
+                </a:lnTo>
+                <a:cubicBezTo>
+                  <a:pt x="361740" y="10626"/>
+                  <a:pt x="312047" y="9513"/>
+                  <a:pt x="269875" y="6350"/>
+                </a:cubicBezTo>
+                <a:cubicBezTo>
+                  <a:pt x="246561" y="4601"/>
+                  <a:pt x="200025" y="0"/>
+                  <a:pt x="200025" y="0"/>
+                </a:cubicBezTo>
+                <a:cubicBezTo>
+                  <a:pt x="175683" y="1058"/>
+                  <a:pt x="151307" y="1499"/>
+                  <a:pt x="127000" y="3175"/>
+                </a:cubicBezTo>
+                <a:cubicBezTo>
+                  <a:pt x="95854" y="5323"/>
+                  <a:pt x="119769" y="6526"/>
+                  <a:pt x="88900" y="12700"/>
+                </a:cubicBezTo>
+                <a:cubicBezTo>
+                  <a:pt x="83608" y="13758"/>
+                  <a:pt x="78231" y="14455"/>
+                  <a:pt x="73025" y="15875"/>
+                </a:cubicBezTo>
+                <a:cubicBezTo>
+                  <a:pt x="66567" y="17636"/>
+                  <a:pt x="60539" y="20912"/>
+                  <a:pt x="53975" y="22225"/>
+                </a:cubicBezTo>
+                <a:cubicBezTo>
+                  <a:pt x="34818" y="26056"/>
+                  <a:pt x="43220" y="23693"/>
+                  <a:pt x="28575" y="28575"/>
+                </a:cubicBezTo>
+                <a:cubicBezTo>
+                  <a:pt x="22503" y="46791"/>
+                  <a:pt x="29748" y="29788"/>
+                  <a:pt x="15875" y="47625"/>
+                </a:cubicBezTo>
+                <a:cubicBezTo>
+                  <a:pt x="3138" y="64001"/>
+                  <a:pt x="4790" y="61829"/>
+                  <a:pt x="0" y="76200"/>
+                </a:cubicBezTo>
+                <a:cubicBezTo>
+                  <a:pt x="1058" y="109008"/>
+                  <a:pt x="1247" y="141856"/>
+                  <a:pt x="3175" y="174625"/>
+                </a:cubicBezTo>
+                <a:cubicBezTo>
+                  <a:pt x="3372" y="177966"/>
+                  <a:pt x="3983" y="181783"/>
+                  <a:pt x="6350" y="184150"/>
+                </a:cubicBezTo>
+                <a:cubicBezTo>
+                  <a:pt x="11746" y="189546"/>
+                  <a:pt x="19050" y="192617"/>
+                  <a:pt x="25400" y="196850"/>
+                </a:cubicBezTo>
+                <a:lnTo>
+                  <a:pt x="53975" y="215900"/>
+                </a:lnTo>
+                <a:cubicBezTo>
+                  <a:pt x="57150" y="218017"/>
+                  <a:pt x="59798" y="221325"/>
+                  <a:pt x="63500" y="222250"/>
+                </a:cubicBezTo>
+                <a:cubicBezTo>
+                  <a:pt x="67733" y="223308"/>
+                  <a:pt x="71940" y="224478"/>
+                  <a:pt x="76200" y="225425"/>
+                </a:cubicBezTo>
+                <a:cubicBezTo>
+                  <a:pt x="81468" y="226596"/>
+                  <a:pt x="86840" y="227291"/>
+                  <a:pt x="92075" y="228600"/>
+                </a:cubicBezTo>
+                <a:cubicBezTo>
+                  <a:pt x="95322" y="229412"/>
+                  <a:pt x="98382" y="230856"/>
+                  <a:pt x="101600" y="231775"/>
+                </a:cubicBezTo>
+                <a:cubicBezTo>
+                  <a:pt x="105796" y="232974"/>
+                  <a:pt x="110120" y="233696"/>
+                  <a:pt x="114300" y="234950"/>
+                </a:cubicBezTo>
+                <a:cubicBezTo>
+                  <a:pt x="152949" y="246545"/>
+                  <a:pt x="116778" y="237157"/>
+                  <a:pt x="146050" y="244475"/>
+                </a:cubicBezTo>
+                <a:cubicBezTo>
+                  <a:pt x="149225" y="246592"/>
+                  <a:pt x="152877" y="248127"/>
+                  <a:pt x="155575" y="250825"/>
+                </a:cubicBezTo>
+                <a:cubicBezTo>
+                  <a:pt x="158273" y="253523"/>
+                  <a:pt x="158750" y="258233"/>
+                  <a:pt x="161925" y="260350"/>
+                </a:cubicBezTo>
+                <a:cubicBezTo>
+                  <a:pt x="165556" y="262771"/>
+                  <a:pt x="170392" y="262467"/>
+                  <a:pt x="174625" y="263525"/>
+                </a:cubicBezTo>
+                <a:cubicBezTo>
+                  <a:pt x="177800" y="265642"/>
+                  <a:pt x="180643" y="268372"/>
+                  <a:pt x="184150" y="269875"/>
+                </a:cubicBezTo>
+                <a:cubicBezTo>
+                  <a:pt x="188161" y="271594"/>
+                  <a:pt x="192654" y="271851"/>
+                  <a:pt x="196850" y="273050"/>
+                </a:cubicBezTo>
+                <a:cubicBezTo>
+                  <a:pt x="200068" y="273969"/>
+                  <a:pt x="203200" y="275167"/>
+                  <a:pt x="206375" y="276225"/>
+                </a:cubicBezTo>
+                <a:cubicBezTo>
+                  <a:pt x="221469" y="286288"/>
+                  <a:pt x="212280" y="281368"/>
+                  <a:pt x="234950" y="288925"/>
+                </a:cubicBezTo>
+                <a:lnTo>
+                  <a:pt x="244475" y="292100"/>
+                </a:lnTo>
+                <a:cubicBezTo>
+                  <a:pt x="247650" y="293158"/>
+                  <a:pt x="250718" y="294619"/>
+                  <a:pt x="254000" y="295275"/>
+                </a:cubicBezTo>
+                <a:cubicBezTo>
+                  <a:pt x="278242" y="300123"/>
+                  <a:pt x="264520" y="297781"/>
+                  <a:pt x="295275" y="301625"/>
+                </a:cubicBezTo>
+                <a:cubicBezTo>
+                  <a:pt x="316200" y="300015"/>
+                  <a:pt x="335427" y="299758"/>
+                  <a:pt x="355600" y="295275"/>
+                </a:cubicBezTo>
+                <a:cubicBezTo>
+                  <a:pt x="358867" y="294549"/>
+                  <a:pt x="361907" y="293019"/>
+                  <a:pt x="365125" y="292100"/>
+                </a:cubicBezTo>
+                <a:cubicBezTo>
+                  <a:pt x="369321" y="290901"/>
+                  <a:pt x="373592" y="289983"/>
+                  <a:pt x="377825" y="288925"/>
+                </a:cubicBezTo>
+                <a:cubicBezTo>
+                  <a:pt x="452965" y="292192"/>
+                  <a:pt x="426485" y="292100"/>
+                  <a:pt x="457200" y="292100"/>
+                </a:cubicBezTo>
+              </a:path>
+            </a:pathLst>
+          </a:custGeom>
+          <a:pattFill prst="ltDnDiag">
+            <a:fgClr>
+              <a:schemeClr val="accent5">
+                <a:lumMod val="50000"/>
+              </a:schemeClr>
+            </a:fgClr>
+            <a:bgClr>
+              <a:schemeClr val="bg1"/>
+            </a:bgClr>
+          </a:pattFill>
+          <a:ln w="12700">
+            <a:solidFill>
+              <a:schemeClr val="accent5">
+                <a:lumMod val="50000"/>
+              </a:schemeClr>
+            </a:solidFill>
+          </a:ln>
+        </p:spPr>
+        <p:style>
+          <a:lnRef idx="1">
+            <a:schemeClr val="accent1"/>
+          </a:lnRef>
+          <a:fillRef idx="0">
+            <a:schemeClr val="accent1"/>
+          </a:fillRef>
+          <a:effectRef idx="0">
+            <a:schemeClr val="accent1"/>
+          </a:effectRef>
+          <a:fontRef idx="minor">
+            <a:schemeClr val="tx1"/>
+          </a:fontRef>
+        </p:style>
+        <p:txBody>
+          <a:bodyPr rtlCol="0" anchor="ctr"/>
+          <a:lstStyle/>
+          <a:p>
+            <a:pPr algn="ctr"/>
+            <a:endParaRPr lang="fr-FR"/>
+          </a:p>
+        </p:txBody>
+      </p:sp>
+      <p:sp>
+        <p:nvSpPr>
+          <p:cNvPr id="161" name="Trapèze 160"/>
+          <p:cNvSpPr/>
+          <p:nvPr/>
+        </p:nvSpPr>
+        <p:spPr>
+          <a:xfrm rot="16200000">
+            <a:off x="2890369" y="1611594"/>
+            <a:ext cx="171556" cy="45721"/>
+          </a:xfrm>
+          <a:prstGeom prst="trapezoid">
+            <a:avLst>
+              <a:gd name="adj" fmla="val 72676"/>
+            </a:avLst>
+          </a:prstGeom>
+          <a:solidFill>
+            <a:schemeClr val="bg1"/>
+          </a:solidFill>
+          <a:ln w="12700">
+            <a:solidFill>
+              <a:schemeClr val="accent5">
+                <a:lumMod val="50000"/>
+              </a:schemeClr>
+            </a:solidFill>
+          </a:ln>
+        </p:spPr>
+        <p:style>
+          <a:lnRef idx="1">
+            <a:schemeClr val="accent1"/>
+          </a:lnRef>
+          <a:fillRef idx="0">
+            <a:schemeClr val="accent1"/>
+          </a:fillRef>
+          <a:effectRef idx="0">
+            <a:schemeClr val="accent1"/>
+          </a:effectRef>
+          <a:fontRef idx="minor">
+            <a:schemeClr val="tx1"/>
+          </a:fontRef>
+        </p:style>
+        <p:txBody>
+          <a:bodyPr rtlCol="0" anchor="ctr"/>
+          <a:lstStyle/>
+          <a:p>
+            <a:pPr algn="ctr"/>
+            <a:endParaRPr lang="fr-FR">
+              <a:solidFill>
+                <a:schemeClr val="tx1"/>
+              </a:solidFill>
+            </a:endParaRPr>
+          </a:p>
+        </p:txBody>
+      </p:sp>
+      <p:sp>
+        <p:nvSpPr>
+          <p:cNvPr id="154" name="ZoneTexte 153"/>
+          <p:cNvSpPr txBox="1"/>
+          <p:nvPr/>
+        </p:nvSpPr>
+        <p:spPr>
+          <a:xfrm>
+            <a:off x="1002577" y="1905393"/>
+            <a:ext cx="1744811" cy="415498"/>
+          </a:xfrm>
+          <a:prstGeom prst="rect">
+            <a:avLst/>
+          </a:prstGeom>
+          <a:noFill/>
+        </p:spPr>
+        <p:txBody>
+          <a:bodyPr wrap="square" lIns="36000" rtlCol="0">
+            <a:spAutoFit/>
+          </a:bodyPr>
+          <a:lstStyle>
+            <a:defPPr>
+              <a:defRPr lang="fr-FR"/>
+            </a:defPPr>
+            <a:lvl1pPr>
+              <a:defRPr sz="1050"/>
+            </a:lvl1pPr>
+          </a:lstStyle>
+          <a:p>
+            <a:r>
+              <a:rPr lang="fr-FR" dirty="0" smtClean="0"/>
+              <a:t>Épaulement</a:t>
+            </a:r>
+          </a:p>
+          <a:p>
+            <a:r>
+              <a:rPr lang="fr-FR" dirty="0" smtClean="0"/>
+              <a:t>(Arrêt en translation)</a:t>
+            </a:r>
+          </a:p>
+        </p:txBody>
+      </p:sp>
+      <p:sp>
+        <p:nvSpPr>
+          <p:cNvPr id="118" name="Rectangle 117"/>
+          <p:cNvSpPr/>
+          <p:nvPr/>
+        </p:nvSpPr>
+        <p:spPr>
+          <a:xfrm>
+            <a:off x="2267744" y="1165474"/>
+            <a:ext cx="1008112" cy="102046"/>
+          </a:xfrm>
+          <a:prstGeom prst="rect">
+            <a:avLst/>
+          </a:prstGeom>
+          <a:solidFill>
+            <a:schemeClr val="accent5">
+              <a:lumMod val="20000"/>
+              <a:lumOff val="80000"/>
+            </a:schemeClr>
+          </a:solidFill>
+          <a:ln w="12700">
+            <a:solidFill>
+              <a:schemeClr val="accent5">
+                <a:lumMod val="20000"/>
+                <a:lumOff val="80000"/>
+              </a:schemeClr>
+            </a:solidFill>
+          </a:ln>
+        </p:spPr>
+        <p:style>
+          <a:lnRef idx="1">
+            <a:schemeClr val="accent1"/>
+          </a:lnRef>
+          <a:fillRef idx="0">
+            <a:schemeClr val="accent1"/>
+          </a:fillRef>
+          <a:effectRef idx="0">
+            <a:schemeClr val="accent1"/>
+          </a:effectRef>
+          <a:fontRef idx="minor">
+            <a:schemeClr val="tx1"/>
+          </a:fontRef>
+        </p:style>
+        <p:txBody>
+          <a:bodyPr rtlCol="0" anchor="ctr"/>
+          <a:lstStyle/>
+          <a:p>
+            <a:pPr algn="ctr"/>
+            <a:endParaRPr lang="fr-FR"/>
+          </a:p>
+        </p:txBody>
+      </p:sp>
+      <p:sp>
+        <p:nvSpPr>
+          <p:cNvPr id="105" name="Rectangle 104"/>
+          <p:cNvSpPr/>
+          <p:nvPr/>
+        </p:nvSpPr>
+        <p:spPr>
+          <a:xfrm>
+            <a:off x="2268799" y="777243"/>
+            <a:ext cx="1001840" cy="388231"/>
+          </a:xfrm>
+          <a:prstGeom prst="rect">
+            <a:avLst/>
+          </a:prstGeom>
+          <a:pattFill prst="ltDnDiag">
+            <a:fgClr>
+              <a:schemeClr val="accent5">
+                <a:lumMod val="50000"/>
+              </a:schemeClr>
+            </a:fgClr>
+            <a:bgClr>
+              <a:schemeClr val="bg1"/>
+            </a:bgClr>
+          </a:pattFill>
+          <a:ln w="12700">
+            <a:noFill/>
+          </a:ln>
+        </p:spPr>
+        <p:style>
+          <a:lnRef idx="1">
+            <a:schemeClr val="accent1"/>
+          </a:lnRef>
+          <a:fillRef idx="0">
+            <a:schemeClr val="accent1"/>
+          </a:fillRef>
+          <a:effectRef idx="0">
+            <a:schemeClr val="accent1"/>
+          </a:effectRef>
+          <a:fontRef idx="minor">
+            <a:schemeClr val="tx1"/>
+          </a:fontRef>
+        </p:style>
+        <p:txBody>
+          <a:bodyPr rtlCol="0" anchor="ctr"/>
+          <a:lstStyle/>
+          <a:p>
+            <a:pPr algn="ctr"/>
+            <a:endParaRPr lang="fr-FR"/>
+          </a:p>
+        </p:txBody>
+      </p:sp>
+      <p:sp>
+        <p:nvSpPr>
+          <p:cNvPr id="103" name="Rectangle 102"/>
+          <p:cNvSpPr/>
+          <p:nvPr/>
+        </p:nvSpPr>
+        <p:spPr>
+          <a:xfrm>
+            <a:off x="2268799" y="1988840"/>
+            <a:ext cx="1007057" cy="499890"/>
+          </a:xfrm>
+          <a:prstGeom prst="rect">
+            <a:avLst/>
+          </a:prstGeom>
+          <a:pattFill prst="ltDnDiag">
+            <a:fgClr>
+              <a:schemeClr val="accent5">
+                <a:lumMod val="50000"/>
+              </a:schemeClr>
+            </a:fgClr>
+            <a:bgClr>
+              <a:schemeClr val="bg1"/>
+            </a:bgClr>
+          </a:pattFill>
+          <a:ln w="12700">
+            <a:noFill/>
+          </a:ln>
+        </p:spPr>
+        <p:style>
+          <a:lnRef idx="1">
+            <a:schemeClr val="accent1"/>
+          </a:lnRef>
+          <a:fillRef idx="0">
+            <a:schemeClr val="accent1"/>
+          </a:fillRef>
+          <a:effectRef idx="0">
+            <a:schemeClr val="accent1"/>
+          </a:effectRef>
+          <a:fontRef idx="minor">
+            <a:schemeClr val="tx1"/>
+          </a:fontRef>
+        </p:style>
+        <p:txBody>
+          <a:bodyPr rtlCol="0" anchor="ctr"/>
+          <a:lstStyle/>
+          <a:p>
+            <a:pPr algn="ctr"/>
+            <a:endParaRPr lang="fr-FR"/>
+          </a:p>
+        </p:txBody>
+      </p:sp>
+      <p:sp>
+        <p:nvSpPr>
+          <p:cNvPr id="102" name="Rectangle à coins arrondis 101"/>
+          <p:cNvSpPr/>
+          <p:nvPr/>
+        </p:nvSpPr>
+        <p:spPr>
+          <a:xfrm>
+            <a:off x="3345973" y="1484783"/>
+            <a:ext cx="144016" cy="288031"/>
+          </a:xfrm>
+          <a:prstGeom prst="roundRect">
+            <a:avLst/>
+          </a:prstGeom>
+          <a:solidFill>
+            <a:schemeClr val="bg1"/>
+          </a:solidFill>
+          <a:ln w="12700">
+            <a:solidFill>
+              <a:schemeClr val="accent5">
+                <a:lumMod val="50000"/>
+              </a:schemeClr>
+            </a:solidFill>
+          </a:ln>
+        </p:spPr>
+        <p:style>
+          <a:lnRef idx="1">
+            <a:schemeClr val="accent1"/>
+          </a:lnRef>
+          <a:fillRef idx="0">
+            <a:schemeClr val="accent1"/>
+          </a:fillRef>
+          <a:effectRef idx="0">
+            <a:schemeClr val="accent1"/>
+          </a:effectRef>
+          <a:fontRef idx="minor">
+            <a:schemeClr val="tx1"/>
+          </a:fontRef>
+        </p:style>
+        <p:txBody>
+          <a:bodyPr rtlCol="0" anchor="ctr"/>
+          <a:lstStyle/>
+          <a:p>
+            <a:pPr algn="ctr"/>
+            <a:endParaRPr lang="fr-FR">
+              <a:solidFill>
+                <a:schemeClr val="tx1"/>
+              </a:solidFill>
+            </a:endParaRPr>
+          </a:p>
+        </p:txBody>
+      </p:sp>
+      <p:cxnSp>
+        <p:nvCxnSpPr>
+          <p:cNvPr id="4" name="Connecteur droit 3"/>
+          <p:cNvCxnSpPr/>
+          <p:nvPr/>
+        </p:nvCxnSpPr>
+        <p:spPr>
+          <a:xfrm>
+            <a:off x="2267744" y="1268760"/>
+            <a:ext cx="1002895" cy="0"/>
+          </a:xfrm>
+          <a:prstGeom prst="line">
+            <a:avLst/>
+          </a:prstGeom>
+          <a:ln w="12700">
+            <a:solidFill>
+              <a:schemeClr val="accent5">
+                <a:lumMod val="50000"/>
+              </a:schemeClr>
+            </a:solidFill>
+          </a:ln>
+        </p:spPr>
+        <p:style>
+          <a:lnRef idx="1">
+            <a:schemeClr val="accent1"/>
+          </a:lnRef>
+          <a:fillRef idx="0">
+            <a:schemeClr val="accent1"/>
+          </a:fillRef>
+          <a:effectRef idx="0">
+            <a:schemeClr val="accent1"/>
+          </a:effectRef>
+          <a:fontRef idx="minor">
+            <a:schemeClr val="tx1"/>
+          </a:fontRef>
+        </p:style>
+      </p:cxnSp>
+      <p:cxnSp>
+        <p:nvCxnSpPr>
+          <p:cNvPr id="6" name="Connecteur droit 5"/>
+          <p:cNvCxnSpPr/>
+          <p:nvPr/>
+        </p:nvCxnSpPr>
+        <p:spPr>
+          <a:xfrm>
+            <a:off x="2267744" y="1988840"/>
+            <a:ext cx="861985" cy="0"/>
+          </a:xfrm>
+          <a:prstGeom prst="line">
+            <a:avLst/>
+          </a:prstGeom>
+          <a:ln w="12700">
+            <a:solidFill>
+              <a:schemeClr val="accent5">
+                <a:lumMod val="50000"/>
+              </a:schemeClr>
+            </a:solidFill>
+          </a:ln>
+        </p:spPr>
+        <p:style>
+          <a:lnRef idx="1">
+            <a:schemeClr val="accent1"/>
+          </a:lnRef>
+          <a:fillRef idx="0">
+            <a:schemeClr val="accent1"/>
+          </a:fillRef>
+          <a:effectRef idx="0">
+            <a:schemeClr val="accent1"/>
+          </a:effectRef>
+          <a:fontRef idx="minor">
+            <a:schemeClr val="tx1"/>
+          </a:fontRef>
+        </p:style>
+      </p:cxnSp>
+      <p:cxnSp>
+        <p:nvCxnSpPr>
+          <p:cNvPr id="11" name="Connecteur droit 10"/>
+          <p:cNvCxnSpPr/>
+          <p:nvPr/>
+        </p:nvCxnSpPr>
+        <p:spPr>
+          <a:xfrm>
+            <a:off x="3203848" y="1340768"/>
+            <a:ext cx="0" cy="576064"/>
+          </a:xfrm>
+          <a:prstGeom prst="line">
+            <a:avLst/>
+          </a:prstGeom>
+          <a:ln w="12700">
+            <a:solidFill>
+              <a:schemeClr val="accent5">
+                <a:lumMod val="50000"/>
+              </a:schemeClr>
+            </a:solidFill>
+          </a:ln>
+        </p:spPr>
+        <p:style>
+          <a:lnRef idx="1">
+            <a:schemeClr val="accent1"/>
+          </a:lnRef>
+          <a:fillRef idx="0">
+            <a:schemeClr val="accent1"/>
+          </a:fillRef>
+          <a:effectRef idx="0">
+            <a:schemeClr val="accent1"/>
+          </a:effectRef>
+          <a:fontRef idx="minor">
+            <a:schemeClr val="tx1"/>
+          </a:fontRef>
+        </p:style>
+      </p:cxnSp>
+      <p:cxnSp>
+        <p:nvCxnSpPr>
+          <p:cNvPr id="13" name="Connecteur droit 12"/>
+          <p:cNvCxnSpPr/>
+          <p:nvPr/>
+        </p:nvCxnSpPr>
+        <p:spPr>
+          <a:xfrm flipH="1">
+            <a:off x="3129730" y="1916832"/>
+            <a:ext cx="74118" cy="72008"/>
+          </a:xfrm>
+          <a:prstGeom prst="line">
+            <a:avLst/>
+          </a:prstGeom>
+          <a:ln w="12700">
+            <a:solidFill>
+              <a:schemeClr val="accent5">
+                <a:lumMod val="50000"/>
+              </a:schemeClr>
+            </a:solidFill>
+          </a:ln>
+        </p:spPr>
+        <p:style>
+          <a:lnRef idx="1">
+            <a:schemeClr val="accent1"/>
+          </a:lnRef>
+          <a:fillRef idx="0">
+            <a:schemeClr val="accent1"/>
+          </a:fillRef>
+          <a:effectRef idx="0">
+            <a:schemeClr val="accent1"/>
+          </a:effectRef>
+          <a:fontRef idx="minor">
+            <a:schemeClr val="tx1"/>
+          </a:fontRef>
+        </p:style>
+      </p:cxnSp>
+      <p:cxnSp>
+        <p:nvCxnSpPr>
+          <p:cNvPr id="16" name="Connecteur droit 15"/>
+          <p:cNvCxnSpPr/>
+          <p:nvPr/>
+        </p:nvCxnSpPr>
+        <p:spPr>
+          <a:xfrm flipH="1" flipV="1">
+            <a:off x="3129729" y="1268760"/>
+            <a:ext cx="74119" cy="72008"/>
+          </a:xfrm>
+          <a:prstGeom prst="line">
+            <a:avLst/>
+          </a:prstGeom>
+          <a:ln w="12700">
+            <a:solidFill>
+              <a:schemeClr val="accent5">
+                <a:lumMod val="50000"/>
+              </a:schemeClr>
+            </a:solidFill>
+          </a:ln>
+        </p:spPr>
+        <p:style>
+          <a:lnRef idx="1">
+            <a:schemeClr val="accent1"/>
+          </a:lnRef>
+          <a:fillRef idx="0">
+            <a:schemeClr val="accent1"/>
+          </a:fillRef>
+          <a:effectRef idx="0">
+            <a:schemeClr val="accent1"/>
+          </a:effectRef>
+          <a:fontRef idx="minor">
+            <a:schemeClr val="tx1"/>
+          </a:fontRef>
+        </p:style>
+      </p:cxnSp>
+      <p:cxnSp>
+        <p:nvCxnSpPr>
+          <p:cNvPr id="27" name="Connecteur droit 26"/>
+          <p:cNvCxnSpPr/>
+          <p:nvPr/>
+        </p:nvCxnSpPr>
+        <p:spPr>
+          <a:xfrm>
+            <a:off x="2267744" y="1196752"/>
+            <a:ext cx="0" cy="864096"/>
+          </a:xfrm>
+          <a:prstGeom prst="line">
+            <a:avLst/>
+          </a:prstGeom>
+          <a:ln w="12700">
+            <a:solidFill>
+              <a:schemeClr val="accent5">
+                <a:lumMod val="50000"/>
+              </a:schemeClr>
+            </a:solidFill>
+          </a:ln>
+        </p:spPr>
+        <p:style>
+          <a:lnRef idx="1">
+            <a:schemeClr val="accent1"/>
+          </a:lnRef>
+          <a:fillRef idx="0">
+            <a:schemeClr val="accent1"/>
+          </a:fillRef>
+          <a:effectRef idx="0">
+            <a:schemeClr val="accent1"/>
+          </a:effectRef>
+          <a:fontRef idx="minor">
+            <a:schemeClr val="tx1"/>
+          </a:fontRef>
+        </p:style>
+      </p:cxnSp>
+      <p:cxnSp>
+        <p:nvCxnSpPr>
+          <p:cNvPr id="31" name="Connecteur droit 30"/>
+          <p:cNvCxnSpPr/>
+          <p:nvPr/>
+        </p:nvCxnSpPr>
+        <p:spPr>
+          <a:xfrm>
+            <a:off x="2160259" y="1196752"/>
+            <a:ext cx="108540" cy="0"/>
+          </a:xfrm>
+          <a:prstGeom prst="line">
+            <a:avLst/>
+          </a:prstGeom>
+          <a:ln w="12700">
+            <a:solidFill>
+              <a:schemeClr val="accent5">
+                <a:lumMod val="50000"/>
+              </a:schemeClr>
+            </a:solidFill>
+          </a:ln>
+        </p:spPr>
+        <p:style>
+          <a:lnRef idx="1">
+            <a:schemeClr val="accent1"/>
+          </a:lnRef>
+          <a:fillRef idx="0">
+            <a:schemeClr val="accent1"/>
+          </a:fillRef>
+          <a:effectRef idx="0">
+            <a:schemeClr val="accent1"/>
+          </a:effectRef>
+          <a:fontRef idx="minor">
+            <a:schemeClr val="tx1"/>
+          </a:fontRef>
+        </p:style>
+      </p:cxnSp>
+      <p:cxnSp>
+        <p:nvCxnSpPr>
+          <p:cNvPr id="36" name="Connecteur droit 35"/>
+          <p:cNvCxnSpPr/>
+          <p:nvPr/>
+        </p:nvCxnSpPr>
+        <p:spPr>
+          <a:xfrm>
+            <a:off x="2160259" y="2062212"/>
+            <a:ext cx="108540" cy="0"/>
+          </a:xfrm>
+          <a:prstGeom prst="line">
+            <a:avLst/>
+          </a:prstGeom>
+          <a:ln w="12700">
+            <a:solidFill>
+              <a:schemeClr val="accent5">
+                <a:lumMod val="50000"/>
+              </a:schemeClr>
+            </a:solidFill>
+          </a:ln>
+        </p:spPr>
+        <p:style>
+          <a:lnRef idx="1">
+            <a:schemeClr val="accent1"/>
+          </a:lnRef>
+          <a:fillRef idx="0">
+            <a:schemeClr val="accent1"/>
+          </a:fillRef>
+          <a:effectRef idx="0">
+            <a:schemeClr val="accent1"/>
+          </a:effectRef>
+          <a:fontRef idx="minor">
+            <a:schemeClr val="tx1"/>
+          </a:fontRef>
+        </p:style>
+      </p:cxnSp>
+      <p:cxnSp>
+        <p:nvCxnSpPr>
+          <p:cNvPr id="37" name="Connecteur droit 36"/>
+          <p:cNvCxnSpPr/>
+          <p:nvPr/>
+        </p:nvCxnSpPr>
+        <p:spPr>
+          <a:xfrm>
+            <a:off x="2160259" y="1088740"/>
+            <a:ext cx="0" cy="1080120"/>
+          </a:xfrm>
+          <a:prstGeom prst="line">
+            <a:avLst/>
+          </a:prstGeom>
+          <a:ln w="12700">
+            <a:solidFill>
+              <a:schemeClr val="accent5">
+                <a:lumMod val="50000"/>
+              </a:schemeClr>
+            </a:solidFill>
+          </a:ln>
+        </p:spPr>
+        <p:style>
+          <a:lnRef idx="1">
+            <a:schemeClr val="accent1"/>
+          </a:lnRef>
+          <a:fillRef idx="0">
+            <a:schemeClr val="accent1"/>
+          </a:fillRef>
+          <a:effectRef idx="0">
+            <a:schemeClr val="accent1"/>
+          </a:effectRef>
+          <a:fontRef idx="minor">
+            <a:schemeClr val="tx1"/>
+          </a:fontRef>
+        </p:style>
+      </p:cxnSp>
+      <p:sp>
+        <p:nvSpPr>
+          <p:cNvPr id="39" name="Rectangle 38"/>
+          <p:cNvSpPr/>
+          <p:nvPr/>
+        </p:nvSpPr>
+        <p:spPr>
+          <a:xfrm>
+            <a:off x="2483768" y="1196752"/>
+            <a:ext cx="432048" cy="142776"/>
+          </a:xfrm>
+          <a:prstGeom prst="rect">
+            <a:avLst/>
+          </a:prstGeom>
+          <a:solidFill>
+            <a:schemeClr val="bg1"/>
+          </a:solidFill>
+          <a:ln w="12700">
+            <a:solidFill>
+              <a:schemeClr val="accent5">
+                <a:lumMod val="50000"/>
+              </a:schemeClr>
+            </a:solidFill>
+          </a:ln>
+        </p:spPr>
+        <p:style>
+          <a:lnRef idx="1">
+            <a:schemeClr val="accent1"/>
+          </a:lnRef>
+          <a:fillRef idx="0">
+            <a:schemeClr val="accent1"/>
+          </a:fillRef>
+          <a:effectRef idx="0">
+            <a:schemeClr val="accent1"/>
+          </a:effectRef>
+          <a:fontRef idx="minor">
+            <a:schemeClr val="tx1"/>
+          </a:fontRef>
+        </p:style>
+        <p:txBody>
+          <a:bodyPr rtlCol="0" anchor="ctr"/>
+          <a:lstStyle/>
+          <a:p>
+            <a:pPr algn="ctr"/>
+            <a:endParaRPr lang="fr-FR"/>
+          </a:p>
+        </p:txBody>
+      </p:sp>
+      <p:cxnSp>
+        <p:nvCxnSpPr>
+          <p:cNvPr id="45" name="Connecteur droit 44"/>
+          <p:cNvCxnSpPr/>
+          <p:nvPr/>
+        </p:nvCxnSpPr>
+        <p:spPr>
+          <a:xfrm>
+            <a:off x="2268799" y="1165474"/>
+            <a:ext cx="1007057" cy="0"/>
+          </a:xfrm>
+          <a:prstGeom prst="line">
+            <a:avLst/>
+          </a:prstGeom>
+          <a:ln w="12700">
+            <a:solidFill>
+              <a:schemeClr val="accent5">
+                <a:lumMod val="50000"/>
+              </a:schemeClr>
+            </a:solidFill>
+          </a:ln>
+        </p:spPr>
+        <p:style>
+          <a:lnRef idx="1">
+            <a:schemeClr val="accent1"/>
+          </a:lnRef>
+          <a:fillRef idx="0">
+            <a:schemeClr val="accent1"/>
+          </a:fillRef>
+          <a:effectRef idx="0">
+            <a:schemeClr val="accent1"/>
+          </a:effectRef>
+          <a:fontRef idx="minor">
+            <a:schemeClr val="tx1"/>
+          </a:fontRef>
+        </p:style>
+      </p:cxnSp>
+      <p:cxnSp>
+        <p:nvCxnSpPr>
+          <p:cNvPr id="46" name="Connecteur droit 45"/>
+          <p:cNvCxnSpPr/>
+          <p:nvPr/>
+        </p:nvCxnSpPr>
+        <p:spPr>
+          <a:xfrm flipV="1">
+            <a:off x="2268799" y="764704"/>
+            <a:ext cx="0" cy="502816"/>
+          </a:xfrm>
+          <a:prstGeom prst="line">
+            <a:avLst/>
+          </a:prstGeom>
+          <a:ln w="12700">
+            <a:solidFill>
+              <a:schemeClr val="accent5">
+                <a:lumMod val="50000"/>
+              </a:schemeClr>
+            </a:solidFill>
+          </a:ln>
+        </p:spPr>
+        <p:style>
+          <a:lnRef idx="1">
+            <a:schemeClr val="accent1"/>
+          </a:lnRef>
+          <a:fillRef idx="0">
+            <a:schemeClr val="accent1"/>
+          </a:fillRef>
+          <a:effectRef idx="0">
+            <a:schemeClr val="accent1"/>
+          </a:effectRef>
+          <a:fontRef idx="minor">
+            <a:schemeClr val="tx1"/>
+          </a:fontRef>
+        </p:style>
+      </p:cxnSp>
+      <p:cxnSp>
+        <p:nvCxnSpPr>
+          <p:cNvPr id="50" name="Connecteur droit 49"/>
+          <p:cNvCxnSpPr/>
+          <p:nvPr/>
+        </p:nvCxnSpPr>
+        <p:spPr>
+          <a:xfrm flipV="1">
+            <a:off x="3275856" y="764704"/>
+            <a:ext cx="0" cy="1726952"/>
+          </a:xfrm>
+          <a:prstGeom prst="line">
+            <a:avLst/>
+          </a:prstGeom>
+          <a:ln w="12700">
+            <a:solidFill>
+              <a:schemeClr val="accent5">
+                <a:lumMod val="50000"/>
+              </a:schemeClr>
+            </a:solidFill>
+          </a:ln>
+        </p:spPr>
+        <p:style>
+          <a:lnRef idx="1">
+            <a:schemeClr val="accent1"/>
+          </a:lnRef>
+          <a:fillRef idx="0">
+            <a:schemeClr val="accent1"/>
+          </a:fillRef>
+          <a:effectRef idx="0">
+            <a:schemeClr val="accent1"/>
+          </a:effectRef>
+          <a:fontRef idx="minor">
+            <a:schemeClr val="tx1"/>
+          </a:fontRef>
+        </p:style>
+      </p:cxnSp>
+      <p:cxnSp>
+        <p:nvCxnSpPr>
+          <p:cNvPr id="53" name="Connecteur droit 52"/>
+          <p:cNvCxnSpPr/>
+          <p:nvPr/>
+        </p:nvCxnSpPr>
+        <p:spPr>
+          <a:xfrm>
+            <a:off x="2267744" y="768128"/>
+            <a:ext cx="1007057" cy="0"/>
+          </a:xfrm>
+          <a:prstGeom prst="line">
+            <a:avLst/>
+          </a:prstGeom>
+          <a:ln w="12700">
+            <a:solidFill>
+              <a:schemeClr val="accent5">
+                <a:lumMod val="50000"/>
+              </a:schemeClr>
+            </a:solidFill>
+          </a:ln>
+        </p:spPr>
+        <p:style>
+          <a:lnRef idx="1">
+            <a:schemeClr val="accent1"/>
+          </a:lnRef>
+          <a:fillRef idx="0">
+            <a:schemeClr val="accent1"/>
+          </a:fillRef>
+          <a:effectRef idx="0">
+            <a:schemeClr val="accent1"/>
+          </a:effectRef>
+          <a:fontRef idx="minor">
+            <a:schemeClr val="tx1"/>
+          </a:fontRef>
+        </p:style>
+      </p:cxnSp>
+      <p:cxnSp>
+        <p:nvCxnSpPr>
+          <p:cNvPr id="54" name="Connecteur droit 53"/>
+          <p:cNvCxnSpPr/>
+          <p:nvPr/>
+        </p:nvCxnSpPr>
+        <p:spPr>
+          <a:xfrm flipV="1">
+            <a:off x="2267744" y="1988840"/>
+            <a:ext cx="0" cy="502816"/>
+          </a:xfrm>
+          <a:prstGeom prst="line">
+            <a:avLst/>
+          </a:prstGeom>
+          <a:ln w="12700">
+            <a:solidFill>
+              <a:schemeClr val="accent5">
+                <a:lumMod val="50000"/>
+              </a:schemeClr>
+            </a:solidFill>
+          </a:ln>
+        </p:spPr>
+        <p:style>
+          <a:lnRef idx="1">
+            <a:schemeClr val="accent1"/>
+          </a:lnRef>
+          <a:fillRef idx="0">
+            <a:schemeClr val="accent1"/>
+          </a:fillRef>
+          <a:effectRef idx="0">
+            <a:schemeClr val="accent1"/>
+          </a:effectRef>
+          <a:fontRef idx="minor">
+            <a:schemeClr val="tx1"/>
+          </a:fontRef>
+        </p:style>
+      </p:cxnSp>
+      <p:cxnSp>
+        <p:nvCxnSpPr>
+          <p:cNvPr id="55" name="Connecteur droit 54"/>
+          <p:cNvCxnSpPr/>
+          <p:nvPr/>
+        </p:nvCxnSpPr>
+        <p:spPr>
+          <a:xfrm>
+            <a:off x="2267743" y="2488730"/>
+            <a:ext cx="1007057" cy="0"/>
+          </a:xfrm>
+          <a:prstGeom prst="line">
+            <a:avLst/>
+          </a:prstGeom>
+          <a:ln w="12700">
+            <a:solidFill>
+              <a:schemeClr val="accent5">
+                <a:lumMod val="50000"/>
+              </a:schemeClr>
+            </a:solidFill>
+          </a:ln>
+        </p:spPr>
+        <p:style>
+          <a:lnRef idx="1">
+            <a:schemeClr val="accent1"/>
+          </a:lnRef>
+          <a:fillRef idx="0">
+            <a:schemeClr val="accent1"/>
+          </a:fillRef>
+          <a:effectRef idx="0">
+            <a:schemeClr val="accent1"/>
+          </a:effectRef>
+          <a:fontRef idx="minor">
+            <a:schemeClr val="tx1"/>
+          </a:fontRef>
+        </p:style>
+      </p:cxnSp>
+      <p:cxnSp>
+        <p:nvCxnSpPr>
+          <p:cNvPr id="57" name="Connecteur droit 56"/>
+          <p:cNvCxnSpPr/>
+          <p:nvPr/>
+        </p:nvCxnSpPr>
+        <p:spPr>
+          <a:xfrm>
+            <a:off x="2268799" y="1988840"/>
+            <a:ext cx="1007057" cy="0"/>
+          </a:xfrm>
+          <a:prstGeom prst="line">
+            <a:avLst/>
+          </a:prstGeom>
+          <a:ln w="12700">
+            <a:solidFill>
+              <a:schemeClr val="accent5">
+                <a:lumMod val="50000"/>
+              </a:schemeClr>
+            </a:solidFill>
+          </a:ln>
+        </p:spPr>
+        <p:style>
+          <a:lnRef idx="1">
+            <a:schemeClr val="accent1"/>
+          </a:lnRef>
+          <a:fillRef idx="0">
+            <a:schemeClr val="accent1"/>
+          </a:fillRef>
+          <a:effectRef idx="0">
+            <a:schemeClr val="accent1"/>
+          </a:effectRef>
+          <a:fontRef idx="minor">
+            <a:schemeClr val="tx1"/>
+          </a:fontRef>
+        </p:style>
+      </p:cxnSp>
+      <p:sp>
+        <p:nvSpPr>
+          <p:cNvPr id="58" name="Rectangle 57"/>
+          <p:cNvSpPr/>
+          <p:nvPr/>
+        </p:nvSpPr>
+        <p:spPr>
+          <a:xfrm>
+            <a:off x="3275856" y="1027188"/>
+            <a:ext cx="45719" cy="1213060"/>
+          </a:xfrm>
+          <a:prstGeom prst="rect">
+            <a:avLst/>
+          </a:prstGeom>
+          <a:pattFill prst="ltUpDiag">
+            <a:fgClr>
+              <a:schemeClr val="accent5">
+                <a:lumMod val="50000"/>
+              </a:schemeClr>
+            </a:fgClr>
+            <a:bgClr>
+              <a:schemeClr val="bg1"/>
+            </a:bgClr>
+          </a:pattFill>
+          <a:ln w="12700">
+            <a:solidFill>
+              <a:schemeClr val="accent5">
+                <a:lumMod val="50000"/>
+              </a:schemeClr>
+            </a:solidFill>
+          </a:ln>
+        </p:spPr>
+        <p:style>
+          <a:lnRef idx="1">
+            <a:schemeClr val="accent1"/>
+          </a:lnRef>
+          <a:fillRef idx="0">
+            <a:schemeClr val="accent1"/>
+          </a:fillRef>
+          <a:effectRef idx="0">
+            <a:schemeClr val="accent1"/>
+          </a:effectRef>
+          <a:fontRef idx="minor">
+            <a:schemeClr val="tx1"/>
+          </a:fontRef>
+        </p:style>
+        <p:txBody>
+          <a:bodyPr rtlCol="0" anchor="ctr"/>
+          <a:lstStyle/>
+          <a:p>
+            <a:pPr algn="ctr"/>
+            <a:endParaRPr lang="fr-FR"/>
+          </a:p>
+        </p:txBody>
+      </p:sp>
+      <p:sp>
+        <p:nvSpPr>
+          <p:cNvPr id="59" name="Rectangle 58"/>
+          <p:cNvSpPr/>
+          <p:nvPr/>
+        </p:nvSpPr>
+        <p:spPr>
+          <a:xfrm>
+            <a:off x="3275856" y="1518119"/>
+            <a:ext cx="45719" cy="228305"/>
+          </a:xfrm>
+          <a:prstGeom prst="rect">
+            <a:avLst/>
+          </a:prstGeom>
+          <a:solidFill>
+            <a:schemeClr val="bg1"/>
+          </a:solidFill>
+          <a:ln w="12700">
+            <a:solidFill>
+              <a:schemeClr val="accent5">
+                <a:lumMod val="50000"/>
+              </a:schemeClr>
+            </a:solidFill>
+          </a:ln>
+        </p:spPr>
+        <p:style>
+          <a:lnRef idx="1">
+            <a:schemeClr val="accent1"/>
+          </a:lnRef>
+          <a:fillRef idx="0">
+            <a:schemeClr val="accent1"/>
+          </a:fillRef>
+          <a:effectRef idx="0">
+            <a:schemeClr val="accent1"/>
+          </a:effectRef>
+          <a:fontRef idx="minor">
+            <a:schemeClr val="tx1"/>
+          </a:fontRef>
+        </p:style>
+        <p:txBody>
+          <a:bodyPr rtlCol="0" anchor="ctr"/>
+          <a:lstStyle/>
+          <a:p>
+            <a:pPr algn="ctr"/>
+            <a:endParaRPr lang="fr-FR"/>
+          </a:p>
+        </p:txBody>
+      </p:sp>
+      <p:sp>
+        <p:nvSpPr>
+          <p:cNvPr id="60" name="Rectangle 59"/>
+          <p:cNvSpPr/>
+          <p:nvPr/>
+        </p:nvSpPr>
+        <p:spPr>
+          <a:xfrm>
+            <a:off x="2987824" y="1547202"/>
+            <a:ext cx="333752" cy="173031"/>
+          </a:xfrm>
+          <a:prstGeom prst="rect">
+            <a:avLst/>
+          </a:prstGeom>
+          <a:solidFill>
+            <a:schemeClr val="bg1"/>
+          </a:solidFill>
+          <a:ln w="12700">
+            <a:solidFill>
+              <a:schemeClr val="accent5">
+                <a:lumMod val="50000"/>
+              </a:schemeClr>
+            </a:solidFill>
+          </a:ln>
+        </p:spPr>
+        <p:style>
+          <a:lnRef idx="1">
+            <a:schemeClr val="accent1"/>
+          </a:lnRef>
+          <a:fillRef idx="0">
+            <a:schemeClr val="accent1"/>
+          </a:fillRef>
+          <a:effectRef idx="0">
+            <a:schemeClr val="accent1"/>
+          </a:effectRef>
+          <a:fontRef idx="minor">
+            <a:schemeClr val="tx1"/>
+          </a:fontRef>
+        </p:style>
+        <p:txBody>
+          <a:bodyPr rtlCol="0" anchor="ctr"/>
+          <a:lstStyle/>
+          <a:p>
+            <a:pPr algn="ctr"/>
+            <a:endParaRPr lang="fr-FR"/>
+          </a:p>
+        </p:txBody>
+      </p:sp>
+      <p:sp>
+        <p:nvSpPr>
+          <p:cNvPr id="61" name="Rectangle 60"/>
+          <p:cNvSpPr/>
+          <p:nvPr/>
+        </p:nvSpPr>
+        <p:spPr>
+          <a:xfrm>
+            <a:off x="3323114" y="1484784"/>
+            <a:ext cx="45719" cy="288031"/>
+          </a:xfrm>
+          <a:prstGeom prst="rect">
+            <a:avLst/>
+          </a:prstGeom>
+          <a:solidFill>
+            <a:schemeClr val="bg1"/>
+          </a:solidFill>
+          <a:ln w="12700">
+            <a:solidFill>
+              <a:schemeClr val="accent5">
+                <a:lumMod val="50000"/>
+              </a:schemeClr>
+            </a:solidFill>
+          </a:ln>
+        </p:spPr>
+        <p:style>
+          <a:lnRef idx="1">
+            <a:schemeClr val="accent1"/>
+          </a:lnRef>
+          <a:fillRef idx="0">
+            <a:schemeClr val="accent1"/>
+          </a:fillRef>
+          <a:effectRef idx="0">
+            <a:schemeClr val="accent1"/>
+          </a:effectRef>
+          <a:fontRef idx="minor">
+            <a:schemeClr val="tx1"/>
+          </a:fontRef>
+        </p:style>
+        <p:txBody>
+          <a:bodyPr rtlCol="0" anchor="ctr"/>
+          <a:lstStyle/>
+          <a:p>
+            <a:pPr algn="ctr"/>
+            <a:endParaRPr lang="fr-FR"/>
+          </a:p>
+        </p:txBody>
+      </p:sp>
+      <p:cxnSp>
+        <p:nvCxnSpPr>
+          <p:cNvPr id="64" name="Connecteur droit 63"/>
+          <p:cNvCxnSpPr/>
+          <p:nvPr/>
+        </p:nvCxnSpPr>
+        <p:spPr>
+          <a:xfrm>
+            <a:off x="2915816" y="1547902"/>
+            <a:ext cx="71479" cy="0"/>
+          </a:xfrm>
+          <a:prstGeom prst="line">
+            <a:avLst/>
+          </a:prstGeom>
+          <a:ln w="6350">
+            <a:solidFill>
+              <a:schemeClr val="accent5">
+                <a:lumMod val="50000"/>
+              </a:schemeClr>
+            </a:solidFill>
+          </a:ln>
+        </p:spPr>
+        <p:style>
+          <a:lnRef idx="1">
+            <a:schemeClr val="accent1"/>
+          </a:lnRef>
+          <a:fillRef idx="0">
+            <a:schemeClr val="accent1"/>
+          </a:fillRef>
+          <a:effectRef idx="0">
+            <a:schemeClr val="accent1"/>
+          </a:effectRef>
+          <a:fontRef idx="minor">
+            <a:schemeClr val="tx1"/>
+          </a:fontRef>
+        </p:style>
+      </p:cxnSp>
+      <p:cxnSp>
+        <p:nvCxnSpPr>
+          <p:cNvPr id="67" name="Connecteur droit 66"/>
+          <p:cNvCxnSpPr/>
+          <p:nvPr/>
+        </p:nvCxnSpPr>
+        <p:spPr>
+          <a:xfrm>
+            <a:off x="2915815" y="1720233"/>
+            <a:ext cx="71479" cy="0"/>
+          </a:xfrm>
+          <a:prstGeom prst="line">
+            <a:avLst/>
+          </a:prstGeom>
+          <a:ln w="6350">
+            <a:solidFill>
+              <a:schemeClr val="accent5">
+                <a:lumMod val="50000"/>
+              </a:schemeClr>
+            </a:solidFill>
+          </a:ln>
+        </p:spPr>
+        <p:style>
+          <a:lnRef idx="1">
+            <a:schemeClr val="accent1"/>
+          </a:lnRef>
+          <a:fillRef idx="0">
+            <a:schemeClr val="accent1"/>
+          </a:fillRef>
+          <a:effectRef idx="0">
+            <a:schemeClr val="accent1"/>
+          </a:effectRef>
+          <a:fontRef idx="minor">
+            <a:schemeClr val="tx1"/>
+          </a:fontRef>
+        </p:style>
+      </p:cxnSp>
+      <p:cxnSp>
+        <p:nvCxnSpPr>
+          <p:cNvPr id="76" name="Connecteur droit 75"/>
+          <p:cNvCxnSpPr/>
+          <p:nvPr/>
+        </p:nvCxnSpPr>
+        <p:spPr>
+          <a:xfrm>
+            <a:off x="2952342" y="1579488"/>
+            <a:ext cx="0" cy="104745"/>
+          </a:xfrm>
+          <a:prstGeom prst="line">
+            <a:avLst/>
+          </a:prstGeom>
+          <a:ln w="12700">
+            <a:solidFill>
+              <a:schemeClr val="accent5">
+                <a:lumMod val="50000"/>
+              </a:schemeClr>
+            </a:solidFill>
+          </a:ln>
+        </p:spPr>
+        <p:style>
+          <a:lnRef idx="1">
+            <a:schemeClr val="accent1"/>
+          </a:lnRef>
+          <a:fillRef idx="0">
+            <a:schemeClr val="accent1"/>
+          </a:fillRef>
+          <a:effectRef idx="0">
+            <a:schemeClr val="accent1"/>
+          </a:effectRef>
+          <a:fontRef idx="minor">
+            <a:schemeClr val="tx1"/>
+          </a:fontRef>
+        </p:style>
+      </p:cxnSp>
+      <p:sp>
+        <p:nvSpPr>
+          <p:cNvPr id="86" name="Rectangle 85"/>
+          <p:cNvSpPr/>
+          <p:nvPr/>
+        </p:nvSpPr>
+        <p:spPr>
+          <a:xfrm flipH="1">
+            <a:off x="2843808" y="1584677"/>
+            <a:ext cx="108532" cy="99556"/>
+          </a:xfrm>
+          <a:prstGeom prst="rect">
+            <a:avLst/>
+          </a:prstGeom>
+          <a:solidFill>
+            <a:schemeClr val="bg1"/>
+          </a:solidFill>
+          <a:ln w="12700">
+            <a:solidFill>
+              <a:schemeClr val="accent5">
+                <a:lumMod val="50000"/>
+              </a:schemeClr>
+            </a:solidFill>
+          </a:ln>
+        </p:spPr>
+        <p:style>
+          <a:lnRef idx="1">
+            <a:schemeClr val="accent1"/>
+          </a:lnRef>
+          <a:fillRef idx="0">
+            <a:schemeClr val="accent1"/>
+          </a:fillRef>
+          <a:effectRef idx="0">
+            <a:schemeClr val="accent1"/>
+          </a:effectRef>
+          <a:fontRef idx="minor">
+            <a:schemeClr val="tx1"/>
+          </a:fontRef>
+        </p:style>
+        <p:txBody>
+          <a:bodyPr rtlCol="0" anchor="ctr"/>
+          <a:lstStyle/>
+          <a:p>
+            <a:pPr algn="ctr"/>
+            <a:endParaRPr lang="fr-FR"/>
+          </a:p>
+        </p:txBody>
+      </p:sp>
+      <p:cxnSp>
+        <p:nvCxnSpPr>
+          <p:cNvPr id="88" name="Connecteur droit 87"/>
+          <p:cNvCxnSpPr/>
+          <p:nvPr/>
+        </p:nvCxnSpPr>
+        <p:spPr>
+          <a:xfrm flipV="1">
+            <a:off x="2915815" y="1547202"/>
+            <a:ext cx="1" cy="173031"/>
+          </a:xfrm>
+          <a:prstGeom prst="line">
+            <a:avLst/>
+          </a:prstGeom>
+          <a:ln w="6350">
+            <a:solidFill>
+              <a:schemeClr val="accent5">
+                <a:lumMod val="50000"/>
+              </a:schemeClr>
+            </a:solidFill>
+          </a:ln>
+        </p:spPr>
+        <p:style>
+          <a:lnRef idx="1">
+            <a:schemeClr val="accent1"/>
+          </a:lnRef>
+          <a:fillRef idx="0">
+            <a:schemeClr val="accent1"/>
+          </a:fillRef>
+          <a:effectRef idx="0">
+            <a:schemeClr val="accent1"/>
+          </a:effectRef>
+          <a:fontRef idx="minor">
+            <a:schemeClr val="tx1"/>
+          </a:fontRef>
+        </p:style>
+      </p:cxnSp>
+      <p:cxnSp>
+        <p:nvCxnSpPr>
+          <p:cNvPr id="41" name="Connecteur droit 40"/>
+          <p:cNvCxnSpPr/>
+          <p:nvPr/>
+        </p:nvCxnSpPr>
+        <p:spPr>
+          <a:xfrm flipH="1">
+            <a:off x="2052247" y="1629941"/>
+            <a:ext cx="1440160" cy="620"/>
+          </a:xfrm>
+          <a:prstGeom prst="line">
+            <a:avLst/>
+          </a:prstGeom>
+          <a:ln w="6350">
+            <a:solidFill>
+              <a:schemeClr val="accent5">
+                <a:lumMod val="50000"/>
+              </a:schemeClr>
+            </a:solidFill>
+            <a:prstDash val="lgDashDot"/>
+          </a:ln>
+        </p:spPr>
+        <p:style>
+          <a:lnRef idx="1">
+            <a:schemeClr val="accent1"/>
+          </a:lnRef>
+          <a:fillRef idx="0">
+            <a:schemeClr val="accent1"/>
+          </a:fillRef>
+          <a:effectRef idx="0">
+            <a:schemeClr val="accent1"/>
+          </a:effectRef>
+          <a:fontRef idx="minor">
+            <a:schemeClr val="tx1"/>
+          </a:fontRef>
+        </p:style>
+      </p:cxnSp>
+      <p:cxnSp>
+        <p:nvCxnSpPr>
+          <p:cNvPr id="91" name="Connecteur droit 90"/>
+          <p:cNvCxnSpPr/>
+          <p:nvPr/>
+        </p:nvCxnSpPr>
+        <p:spPr>
+          <a:xfrm>
+            <a:off x="2954492" y="1584677"/>
+            <a:ext cx="344223" cy="0"/>
+          </a:xfrm>
+          <a:prstGeom prst="line">
+            <a:avLst/>
+          </a:prstGeom>
+          <a:ln w="6350">
+            <a:solidFill>
+              <a:schemeClr val="accent5">
+                <a:lumMod val="50000"/>
+              </a:schemeClr>
+            </a:solidFill>
+          </a:ln>
+        </p:spPr>
+        <p:style>
+          <a:lnRef idx="1">
+            <a:schemeClr val="accent1"/>
+          </a:lnRef>
+          <a:fillRef idx="0">
+            <a:schemeClr val="accent1"/>
+          </a:fillRef>
+          <a:effectRef idx="0">
+            <a:schemeClr val="accent1"/>
+          </a:effectRef>
+          <a:fontRef idx="minor">
+            <a:schemeClr val="tx1"/>
+          </a:fontRef>
+        </p:style>
+      </p:cxnSp>
+      <p:cxnSp>
+        <p:nvCxnSpPr>
+          <p:cNvPr id="96" name="Connecteur droit 95"/>
+          <p:cNvCxnSpPr/>
+          <p:nvPr/>
+        </p:nvCxnSpPr>
+        <p:spPr>
+          <a:xfrm>
+            <a:off x="2953284" y="1686896"/>
+            <a:ext cx="344223" cy="0"/>
+          </a:xfrm>
+          <a:prstGeom prst="line">
+            <a:avLst/>
+          </a:prstGeom>
+          <a:ln w="6350">
+            <a:solidFill>
+              <a:schemeClr val="accent5">
+                <a:lumMod val="50000"/>
+              </a:schemeClr>
+            </a:solidFill>
+          </a:ln>
+        </p:spPr>
+        <p:style>
+          <a:lnRef idx="1">
+            <a:schemeClr val="accent1"/>
+          </a:lnRef>
+          <a:fillRef idx="0">
+            <a:schemeClr val="accent1"/>
+          </a:fillRef>
+          <a:effectRef idx="0">
+            <a:schemeClr val="accent1"/>
+          </a:effectRef>
+          <a:fontRef idx="minor">
+            <a:schemeClr val="tx1"/>
+          </a:fontRef>
+        </p:style>
+      </p:cxnSp>
+      <p:cxnSp>
+        <p:nvCxnSpPr>
+          <p:cNvPr id="97" name="Connecteur droit 96"/>
+          <p:cNvCxnSpPr/>
+          <p:nvPr/>
+        </p:nvCxnSpPr>
+        <p:spPr>
+          <a:xfrm flipV="1">
+            <a:off x="3298715" y="1548677"/>
+            <a:ext cx="1" cy="173031"/>
+          </a:xfrm>
+          <a:prstGeom prst="line">
+            <a:avLst/>
+          </a:prstGeom>
+          <a:ln w="6350">
+            <a:solidFill>
+              <a:schemeClr val="accent5">
+                <a:lumMod val="50000"/>
+              </a:schemeClr>
+            </a:solidFill>
+          </a:ln>
+        </p:spPr>
+        <p:style>
+          <a:lnRef idx="1">
+            <a:schemeClr val="accent1"/>
+          </a:lnRef>
+          <a:fillRef idx="0">
+            <a:schemeClr val="accent1"/>
+          </a:fillRef>
+          <a:effectRef idx="0">
+            <a:schemeClr val="accent1"/>
+          </a:effectRef>
+          <a:fontRef idx="minor">
+            <a:schemeClr val="tx1"/>
+          </a:fontRef>
+        </p:style>
+      </p:cxnSp>
+      <p:cxnSp>
+        <p:nvCxnSpPr>
+          <p:cNvPr id="99" name="Connecteur droit 98"/>
+          <p:cNvCxnSpPr/>
+          <p:nvPr/>
+        </p:nvCxnSpPr>
+        <p:spPr>
+          <a:xfrm>
+            <a:off x="3368833" y="1484784"/>
+            <a:ext cx="51039" cy="0"/>
+          </a:xfrm>
+          <a:prstGeom prst="line">
+            <a:avLst/>
+          </a:prstGeom>
+          <a:ln w="12700">
+            <a:solidFill>
+              <a:schemeClr val="accent5">
+                <a:lumMod val="50000"/>
+              </a:schemeClr>
+            </a:solidFill>
+          </a:ln>
+        </p:spPr>
+        <p:style>
+          <a:lnRef idx="1">
+            <a:schemeClr val="accent1"/>
+          </a:lnRef>
+          <a:fillRef idx="0">
+            <a:schemeClr val="accent1"/>
+          </a:fillRef>
+          <a:effectRef idx="0">
+            <a:schemeClr val="accent1"/>
+          </a:effectRef>
+          <a:fontRef idx="minor">
+            <a:schemeClr val="tx1"/>
+          </a:fontRef>
+        </p:style>
+      </p:cxnSp>
+      <p:cxnSp>
+        <p:nvCxnSpPr>
+          <p:cNvPr id="101" name="Connecteur droit 100"/>
+          <p:cNvCxnSpPr/>
+          <p:nvPr/>
+        </p:nvCxnSpPr>
+        <p:spPr>
+          <a:xfrm>
+            <a:off x="3368833" y="1772815"/>
+            <a:ext cx="51039" cy="0"/>
+          </a:xfrm>
+          <a:prstGeom prst="line">
+            <a:avLst/>
+          </a:prstGeom>
+          <a:ln w="12700">
+            <a:solidFill>
+              <a:schemeClr val="accent5">
+                <a:lumMod val="50000"/>
+              </a:schemeClr>
+            </a:solidFill>
+          </a:ln>
+        </p:spPr>
+        <p:style>
+          <a:lnRef idx="1">
+            <a:schemeClr val="accent1"/>
+          </a:lnRef>
+          <a:fillRef idx="0">
+            <a:schemeClr val="accent1"/>
+          </a:fillRef>
+          <a:effectRef idx="0">
+            <a:schemeClr val="accent1"/>
+          </a:effectRef>
+          <a:fontRef idx="minor">
+            <a:schemeClr val="tx1"/>
+          </a:fontRef>
+        </p:style>
+      </p:cxnSp>
+      <p:cxnSp>
+        <p:nvCxnSpPr>
+          <p:cNvPr id="109" name="Connecteur droit avec flèche 108"/>
+          <p:cNvCxnSpPr/>
+          <p:nvPr/>
+        </p:nvCxnSpPr>
+        <p:spPr>
+          <a:xfrm>
+            <a:off x="1763688" y="2039419"/>
+            <a:ext cx="504056" cy="0"/>
+          </a:xfrm>
+          <a:prstGeom prst="straightConnector1">
+            <a:avLst/>
+          </a:prstGeom>
+          <a:ln>
+            <a:solidFill>
+              <a:srgbClr val="C00000"/>
+            </a:solidFill>
+            <a:tailEnd type="stealth" w="sm" len="med"/>
+          </a:ln>
+        </p:spPr>
+        <p:style>
+          <a:lnRef idx="1">
+            <a:schemeClr val="accent1"/>
+          </a:lnRef>
+          <a:fillRef idx="0">
+            <a:schemeClr val="accent1"/>
+          </a:fillRef>
+          <a:effectRef idx="0">
+            <a:schemeClr val="accent1"/>
+          </a:effectRef>
+          <a:fontRef idx="minor">
+            <a:schemeClr val="tx1"/>
+          </a:fontRef>
+        </p:style>
+      </p:cxnSp>
+      <p:cxnSp>
+        <p:nvCxnSpPr>
+          <p:cNvPr id="110" name="Connecteur droit avec flèche 109"/>
+          <p:cNvCxnSpPr/>
+          <p:nvPr/>
+        </p:nvCxnSpPr>
+        <p:spPr>
+          <a:xfrm flipV="1">
+            <a:off x="2835598" y="1702233"/>
+            <a:ext cx="0" cy="646647"/>
+          </a:xfrm>
+          <a:prstGeom prst="straightConnector1">
+            <a:avLst/>
+          </a:prstGeom>
+          <a:ln>
+            <a:solidFill>
+              <a:srgbClr val="C00000"/>
+            </a:solidFill>
+            <a:tailEnd type="stealth" w="sm" len="med"/>
+          </a:ln>
+        </p:spPr>
+        <p:style>
+          <a:lnRef idx="1">
+            <a:schemeClr val="accent1"/>
+          </a:lnRef>
+          <a:fillRef idx="0">
+            <a:schemeClr val="accent1"/>
+          </a:fillRef>
+          <a:effectRef idx="0">
+            <a:schemeClr val="accent1"/>
+          </a:effectRef>
+          <a:fontRef idx="minor">
+            <a:schemeClr val="tx1"/>
+          </a:fontRef>
+        </p:style>
+      </p:cxnSp>
+      <p:cxnSp>
+        <p:nvCxnSpPr>
+          <p:cNvPr id="113" name="Connecteur droit avec flèche 112"/>
+          <p:cNvCxnSpPr/>
+          <p:nvPr/>
+        </p:nvCxnSpPr>
+        <p:spPr>
+          <a:xfrm flipV="1">
+            <a:off x="2915816" y="1755783"/>
+            <a:ext cx="0" cy="484630"/>
+          </a:xfrm>
+          <a:prstGeom prst="straightConnector1">
+            <a:avLst/>
+          </a:prstGeom>
+          <a:ln>
+            <a:solidFill>
+              <a:srgbClr val="C00000"/>
+            </a:solidFill>
+            <a:tailEnd type="stealth" w="sm" len="med"/>
+          </a:ln>
+        </p:spPr>
+        <p:style>
+          <a:lnRef idx="1">
+            <a:schemeClr val="accent1"/>
+          </a:lnRef>
+          <a:fillRef idx="0">
+            <a:schemeClr val="accent1"/>
+          </a:fillRef>
+          <a:effectRef idx="0">
+            <a:schemeClr val="accent1"/>
+          </a:effectRef>
+          <a:fontRef idx="minor">
+            <a:schemeClr val="tx1"/>
+          </a:fontRef>
+        </p:style>
+      </p:cxnSp>
+      <p:cxnSp>
+        <p:nvCxnSpPr>
+          <p:cNvPr id="114" name="Connecteur droit avec flèche 113"/>
+          <p:cNvCxnSpPr>
+            <a:stCxn id="147" idx="1"/>
+          </p:cNvCxnSpPr>
+          <p:nvPr/>
+        </p:nvCxnSpPr>
+        <p:spPr>
+          <a:xfrm flipH="1" flipV="1">
+            <a:off x="2957786" y="1755783"/>
+            <a:ext cx="3294" cy="350020"/>
+          </a:xfrm>
+          <a:prstGeom prst="straightConnector1">
+            <a:avLst/>
+          </a:prstGeom>
+          <a:ln>
+            <a:solidFill>
+              <a:srgbClr val="C00000"/>
+            </a:solidFill>
+            <a:tailEnd type="stealth" w="sm" len="med"/>
+          </a:ln>
+        </p:spPr>
+        <p:style>
+          <a:lnRef idx="1">
+            <a:schemeClr val="accent1"/>
+          </a:lnRef>
+          <a:fillRef idx="0">
+            <a:schemeClr val="accent1"/>
+          </a:fillRef>
+          <a:effectRef idx="0">
+            <a:schemeClr val="accent1"/>
+          </a:effectRef>
+          <a:fontRef idx="minor">
+            <a:schemeClr val="tx1"/>
+          </a:fontRef>
+        </p:style>
+      </p:cxnSp>
+      <p:cxnSp>
+        <p:nvCxnSpPr>
+          <p:cNvPr id="119" name="Connecteur droit avec flèche 118"/>
+          <p:cNvCxnSpPr/>
+          <p:nvPr/>
+        </p:nvCxnSpPr>
+        <p:spPr>
+          <a:xfrm flipH="1">
+            <a:off x="3290684" y="1377004"/>
+            <a:ext cx="309208" cy="0"/>
+          </a:xfrm>
+          <a:prstGeom prst="straightConnector1">
+            <a:avLst/>
+          </a:prstGeom>
+          <a:ln>
+            <a:solidFill>
+              <a:srgbClr val="C00000"/>
+            </a:solidFill>
+            <a:tailEnd type="stealth" w="sm" len="med"/>
+          </a:ln>
+        </p:spPr>
+        <p:style>
+          <a:lnRef idx="1">
+            <a:schemeClr val="accent1"/>
+          </a:lnRef>
+          <a:fillRef idx="0">
+            <a:schemeClr val="accent1"/>
+          </a:fillRef>
+          <a:effectRef idx="0">
+            <a:schemeClr val="accent1"/>
+          </a:effectRef>
+          <a:fontRef idx="minor">
+            <a:schemeClr val="tx1"/>
+          </a:fontRef>
+        </p:style>
+      </p:cxnSp>
+      <p:cxnSp>
+        <p:nvCxnSpPr>
+          <p:cNvPr id="121" name="Connecteur droit avec flèche 120"/>
+          <p:cNvCxnSpPr/>
+          <p:nvPr/>
+        </p:nvCxnSpPr>
+        <p:spPr>
+          <a:xfrm>
+            <a:off x="3148364" y="1376132"/>
+            <a:ext cx="56347" cy="1741"/>
+          </a:xfrm>
+          <a:prstGeom prst="straightConnector1">
+            <a:avLst/>
+          </a:prstGeom>
+          <a:ln>
+            <a:solidFill>
+              <a:srgbClr val="C00000"/>
+            </a:solidFill>
+            <a:tailEnd type="stealth" w="sm" len="med"/>
+          </a:ln>
+        </p:spPr>
+        <p:style>
+          <a:lnRef idx="1">
+            <a:schemeClr val="accent1"/>
+          </a:lnRef>
+          <a:fillRef idx="0">
+            <a:schemeClr val="accent1"/>
+          </a:fillRef>
+          <a:effectRef idx="0">
+            <a:schemeClr val="accent1"/>
+          </a:effectRef>
+          <a:fontRef idx="minor">
+            <a:schemeClr val="tx1"/>
+          </a:fontRef>
+        </p:style>
+      </p:cxnSp>
+      <p:cxnSp>
+        <p:nvCxnSpPr>
+          <p:cNvPr id="124" name="Connecteur droit 123"/>
+          <p:cNvCxnSpPr/>
+          <p:nvPr/>
+        </p:nvCxnSpPr>
+        <p:spPr>
+          <a:xfrm flipH="1">
+            <a:off x="3321575" y="1600254"/>
+            <a:ext cx="45718" cy="27926"/>
+          </a:xfrm>
+          <a:prstGeom prst="line">
+            <a:avLst/>
+          </a:prstGeom>
+          <a:ln w="12700">
+            <a:solidFill>
+              <a:schemeClr val="accent5">
+                <a:lumMod val="50000"/>
+              </a:schemeClr>
+            </a:solidFill>
+          </a:ln>
+        </p:spPr>
+        <p:style>
+          <a:lnRef idx="1">
+            <a:schemeClr val="accent1"/>
+          </a:lnRef>
+          <a:fillRef idx="0">
+            <a:schemeClr val="accent1"/>
+          </a:fillRef>
+          <a:effectRef idx="0">
+            <a:schemeClr val="accent1"/>
+          </a:effectRef>
+          <a:fontRef idx="minor">
+            <a:schemeClr val="tx1"/>
+          </a:fontRef>
+        </p:style>
+      </p:cxnSp>
+      <p:cxnSp>
+        <p:nvCxnSpPr>
+          <p:cNvPr id="129" name="Connecteur droit 128"/>
+          <p:cNvCxnSpPr/>
+          <p:nvPr/>
+        </p:nvCxnSpPr>
+        <p:spPr>
+          <a:xfrm flipH="1">
+            <a:off x="3329024" y="1621229"/>
+            <a:ext cx="45718" cy="27926"/>
+          </a:xfrm>
+          <a:prstGeom prst="line">
+            <a:avLst/>
+          </a:prstGeom>
+          <a:ln w="12700">
+            <a:solidFill>
+              <a:schemeClr val="accent5">
+                <a:lumMod val="50000"/>
+              </a:schemeClr>
+            </a:solidFill>
+          </a:ln>
+        </p:spPr>
+        <p:style>
+          <a:lnRef idx="1">
+            <a:schemeClr val="accent1"/>
+          </a:lnRef>
+          <a:fillRef idx="0">
+            <a:schemeClr val="accent1"/>
+          </a:fillRef>
+          <a:effectRef idx="0">
+            <a:schemeClr val="accent1"/>
+          </a:effectRef>
+          <a:fontRef idx="minor">
+            <a:schemeClr val="tx1"/>
+          </a:fontRef>
+        </p:style>
+      </p:cxnSp>
+      <p:cxnSp>
+        <p:nvCxnSpPr>
+          <p:cNvPr id="130" name="Connecteur droit avec flèche 129"/>
+          <p:cNvCxnSpPr>
+            <a:stCxn id="137" idx="1"/>
+          </p:cNvCxnSpPr>
+          <p:nvPr/>
+        </p:nvCxnSpPr>
+        <p:spPr>
+          <a:xfrm flipH="1" flipV="1">
+            <a:off x="3367295" y="1607933"/>
+            <a:ext cx="252192" cy="184501"/>
+          </a:xfrm>
+          <a:prstGeom prst="straightConnector1">
+            <a:avLst/>
+          </a:prstGeom>
+          <a:ln>
+            <a:solidFill>
+              <a:srgbClr val="C00000"/>
+            </a:solidFill>
+            <a:tailEnd type="stealth" w="sm" len="med"/>
+          </a:ln>
+        </p:spPr>
+        <p:style>
+          <a:lnRef idx="1">
+            <a:schemeClr val="accent1"/>
+          </a:lnRef>
+          <a:fillRef idx="0">
+            <a:schemeClr val="accent1"/>
+          </a:fillRef>
+          <a:effectRef idx="0">
+            <a:schemeClr val="accent1"/>
+          </a:effectRef>
+          <a:fontRef idx="minor">
+            <a:schemeClr val="tx1"/>
+          </a:fontRef>
+        </p:style>
+      </p:cxnSp>
+      <p:cxnSp>
+        <p:nvCxnSpPr>
+          <p:cNvPr id="131" name="Connecteur droit avec flèche 130"/>
+          <p:cNvCxnSpPr>
+            <a:stCxn id="134" idx="1"/>
+          </p:cNvCxnSpPr>
+          <p:nvPr/>
+        </p:nvCxnSpPr>
+        <p:spPr>
+          <a:xfrm flipH="1">
+            <a:off x="3102726" y="1056862"/>
+            <a:ext cx="505612" cy="176995"/>
+          </a:xfrm>
+          <a:prstGeom prst="straightConnector1">
+            <a:avLst/>
+          </a:prstGeom>
+          <a:ln>
+            <a:solidFill>
+              <a:srgbClr val="C00000"/>
+            </a:solidFill>
+            <a:tailEnd type="stealth" w="sm" len="med"/>
+          </a:ln>
+        </p:spPr>
+        <p:style>
+          <a:lnRef idx="1">
+            <a:schemeClr val="accent1"/>
+          </a:lnRef>
+          <a:fillRef idx="0">
+            <a:schemeClr val="accent1"/>
+          </a:fillRef>
+          <a:effectRef idx="0">
+            <a:schemeClr val="accent1"/>
+          </a:effectRef>
+          <a:fontRef idx="minor">
+            <a:schemeClr val="tx1"/>
+          </a:fontRef>
+        </p:style>
+      </p:cxnSp>
+      <p:sp>
+        <p:nvSpPr>
+          <p:cNvPr id="134" name="ZoneTexte 133"/>
+          <p:cNvSpPr txBox="1"/>
+          <p:nvPr/>
+        </p:nvSpPr>
+        <p:spPr>
+          <a:xfrm>
+            <a:off x="3608338" y="849113"/>
+            <a:ext cx="1296144" cy="415498"/>
+          </a:xfrm>
+          <a:prstGeom prst="rect">
+            <a:avLst/>
+          </a:prstGeom>
+          <a:noFill/>
+        </p:spPr>
+        <p:txBody>
+          <a:bodyPr wrap="square" lIns="36000" rtlCol="0">
+            <a:spAutoFit/>
+          </a:bodyPr>
+          <a:lstStyle/>
+          <a:p>
+            <a:r>
+              <a:rPr lang="fr-FR" sz="1050" dirty="0" smtClean="0"/>
+              <a:t>Rainure de clavette </a:t>
+            </a:r>
+            <a:r>
+              <a:rPr lang="fr-FR" sz="1050" dirty="0" err="1" smtClean="0"/>
+              <a:t>débouchante</a:t>
+            </a:r>
+            <a:r>
+              <a:rPr lang="fr-FR" sz="1050" dirty="0" smtClean="0"/>
+              <a:t> ! </a:t>
+            </a:r>
+            <a:endParaRPr lang="fr-FR" sz="1050" dirty="0"/>
+          </a:p>
+        </p:txBody>
+      </p:sp>
+      <p:sp>
+        <p:nvSpPr>
+          <p:cNvPr id="135" name="ZoneTexte 134"/>
+          <p:cNvSpPr txBox="1"/>
+          <p:nvPr/>
+        </p:nvSpPr>
+        <p:spPr>
+          <a:xfrm>
+            <a:off x="3603984" y="1176462"/>
+            <a:ext cx="1744811" cy="415498"/>
+          </a:xfrm>
+          <a:prstGeom prst="rect">
+            <a:avLst/>
+          </a:prstGeom>
+          <a:noFill/>
+        </p:spPr>
+        <p:txBody>
+          <a:bodyPr wrap="square" lIns="36000" rtlCol="0">
+            <a:spAutoFit/>
+          </a:bodyPr>
+          <a:lstStyle>
+            <a:defPPr>
+              <a:defRPr lang="fr-FR"/>
+            </a:defPPr>
+            <a:lvl1pPr>
+              <a:defRPr sz="1050"/>
+            </a:lvl1pPr>
+          </a:lstStyle>
+          <a:p>
+            <a:r>
+              <a:rPr lang="fr-FR" dirty="0"/>
+              <a:t>Jeu fonctionnel permettant de garantir le serrage</a:t>
+            </a:r>
+          </a:p>
+        </p:txBody>
+      </p:sp>
+      <p:sp>
+        <p:nvSpPr>
+          <p:cNvPr id="137" name="ZoneTexte 136"/>
+          <p:cNvSpPr txBox="1"/>
+          <p:nvPr/>
+        </p:nvSpPr>
+        <p:spPr>
+          <a:xfrm>
+            <a:off x="3619487" y="1584685"/>
+            <a:ext cx="1744811" cy="415498"/>
+          </a:xfrm>
+          <a:prstGeom prst="rect">
+            <a:avLst/>
+          </a:prstGeom>
+          <a:noFill/>
+        </p:spPr>
+        <p:txBody>
+          <a:bodyPr wrap="square" lIns="36000" rtlCol="0">
+            <a:spAutoFit/>
+          </a:bodyPr>
+          <a:lstStyle>
+            <a:defPPr>
+              <a:defRPr lang="fr-FR"/>
+            </a:defPPr>
+            <a:lvl1pPr>
+              <a:defRPr sz="1050"/>
+            </a:lvl1pPr>
+          </a:lstStyle>
+          <a:p>
+            <a:r>
+              <a:rPr lang="fr-FR" dirty="0" smtClean="0"/>
+              <a:t>Rondelle fendue pour éviter à la vis de se desserrer</a:t>
+            </a:r>
+            <a:endParaRPr lang="fr-FR" dirty="0"/>
+          </a:p>
+        </p:txBody>
+      </p:sp>
+      <p:cxnSp>
+        <p:nvCxnSpPr>
+          <p:cNvPr id="138" name="Connecteur droit avec flèche 137"/>
+          <p:cNvCxnSpPr/>
+          <p:nvPr/>
+        </p:nvCxnSpPr>
+        <p:spPr>
+          <a:xfrm flipV="1">
+            <a:off x="3608338" y="901130"/>
+            <a:ext cx="1" cy="288032"/>
+          </a:xfrm>
+          <a:prstGeom prst="straightConnector1">
+            <a:avLst/>
+          </a:prstGeom>
+          <a:ln>
+            <a:solidFill>
+              <a:srgbClr val="C00000"/>
+            </a:solidFill>
+            <a:tailEnd type="none" w="sm" len="med"/>
+          </a:ln>
+        </p:spPr>
+        <p:style>
+          <a:lnRef idx="1">
+            <a:schemeClr val="accent1"/>
+          </a:lnRef>
+          <a:fillRef idx="0">
+            <a:schemeClr val="accent1"/>
+          </a:fillRef>
+          <a:effectRef idx="0">
+            <a:schemeClr val="accent1"/>
+          </a:effectRef>
+          <a:fontRef idx="minor">
+            <a:schemeClr val="tx1"/>
+          </a:fontRef>
+        </p:style>
+      </p:cxnSp>
+      <p:cxnSp>
+        <p:nvCxnSpPr>
+          <p:cNvPr id="142" name="Connecteur droit avec flèche 141"/>
+          <p:cNvCxnSpPr/>
+          <p:nvPr/>
+        </p:nvCxnSpPr>
+        <p:spPr>
+          <a:xfrm flipV="1">
+            <a:off x="3599891" y="1233857"/>
+            <a:ext cx="1" cy="288032"/>
+          </a:xfrm>
+          <a:prstGeom prst="straightConnector1">
+            <a:avLst/>
+          </a:prstGeom>
+          <a:ln>
+            <a:solidFill>
+              <a:srgbClr val="C00000"/>
+            </a:solidFill>
+            <a:tailEnd type="none" w="sm" len="med"/>
+          </a:ln>
+        </p:spPr>
+        <p:style>
+          <a:lnRef idx="1">
+            <a:schemeClr val="accent1"/>
+          </a:lnRef>
+          <a:fillRef idx="0">
+            <a:schemeClr val="accent1"/>
+          </a:fillRef>
+          <a:effectRef idx="0">
+            <a:schemeClr val="accent1"/>
+          </a:effectRef>
+          <a:fontRef idx="minor">
+            <a:schemeClr val="tx1"/>
+          </a:fontRef>
+        </p:style>
+      </p:cxnSp>
+      <p:cxnSp>
+        <p:nvCxnSpPr>
+          <p:cNvPr id="144" name="Connecteur droit avec flèche 143"/>
+          <p:cNvCxnSpPr/>
+          <p:nvPr/>
+        </p:nvCxnSpPr>
+        <p:spPr>
+          <a:xfrm flipV="1">
+            <a:off x="3619487" y="1646229"/>
+            <a:ext cx="1" cy="288032"/>
+          </a:xfrm>
+          <a:prstGeom prst="straightConnector1">
+            <a:avLst/>
+          </a:prstGeom>
+          <a:ln>
+            <a:solidFill>
+              <a:srgbClr val="C00000"/>
+            </a:solidFill>
+            <a:tailEnd type="none" w="sm" len="med"/>
+          </a:ln>
+        </p:spPr>
+        <p:style>
+          <a:lnRef idx="1">
+            <a:schemeClr val="accent1"/>
+          </a:lnRef>
+          <a:fillRef idx="0">
+            <a:schemeClr val="accent1"/>
+          </a:fillRef>
+          <a:effectRef idx="0">
+            <a:schemeClr val="accent1"/>
+          </a:effectRef>
+          <a:fontRef idx="minor">
+            <a:schemeClr val="tx1"/>
+          </a:fontRef>
+        </p:style>
+      </p:cxnSp>
+      <p:sp>
+        <p:nvSpPr>
+          <p:cNvPr id="147" name="ZoneTexte 146"/>
+          <p:cNvSpPr txBox="1"/>
+          <p:nvPr/>
+        </p:nvSpPr>
+        <p:spPr>
+          <a:xfrm>
+            <a:off x="2961080" y="1978845"/>
+            <a:ext cx="1744811" cy="253916"/>
+          </a:xfrm>
+          <a:prstGeom prst="rect">
+            <a:avLst/>
+          </a:prstGeom>
+          <a:noFill/>
+        </p:spPr>
+        <p:txBody>
+          <a:bodyPr wrap="square" lIns="36000" rtlCol="0">
+            <a:spAutoFit/>
+          </a:bodyPr>
+          <a:lstStyle>
+            <a:defPPr>
+              <a:defRPr lang="fr-FR"/>
+            </a:defPPr>
+            <a:lvl1pPr>
+              <a:defRPr sz="1050"/>
+            </a:lvl1pPr>
+          </a:lstStyle>
+          <a:p>
+            <a:r>
+              <a:rPr lang="fr-FR" dirty="0" smtClean="0"/>
+              <a:t>Extrémité de la vis</a:t>
+            </a:r>
+            <a:endParaRPr lang="fr-FR" dirty="0"/>
+          </a:p>
+        </p:txBody>
+      </p:sp>
+      <p:sp>
+        <p:nvSpPr>
+          <p:cNvPr id="152" name="ZoneTexte 151"/>
+          <p:cNvSpPr txBox="1"/>
+          <p:nvPr/>
+        </p:nvSpPr>
+        <p:spPr>
+          <a:xfrm>
+            <a:off x="2915816" y="2113455"/>
+            <a:ext cx="1744811" cy="253916"/>
+          </a:xfrm>
+          <a:prstGeom prst="rect">
+            <a:avLst/>
+          </a:prstGeom>
+          <a:noFill/>
+        </p:spPr>
+        <p:txBody>
+          <a:bodyPr wrap="square" lIns="36000" rtlCol="0">
+            <a:spAutoFit/>
+          </a:bodyPr>
+          <a:lstStyle>
+            <a:defPPr>
+              <a:defRPr lang="fr-FR"/>
+            </a:defPPr>
+            <a:lvl1pPr>
+              <a:defRPr sz="1050"/>
+            </a:lvl1pPr>
+          </a:lstStyle>
+          <a:p>
+            <a:r>
+              <a:rPr lang="fr-FR" dirty="0" smtClean="0"/>
+              <a:t>Fin du taraudage</a:t>
+            </a:r>
+            <a:endParaRPr lang="fr-FR" dirty="0"/>
+          </a:p>
+        </p:txBody>
+      </p:sp>
+      <p:sp>
+        <p:nvSpPr>
+          <p:cNvPr id="153" name="ZoneTexte 152"/>
+          <p:cNvSpPr txBox="1"/>
+          <p:nvPr/>
+        </p:nvSpPr>
+        <p:spPr>
+          <a:xfrm>
+            <a:off x="2870552" y="2248065"/>
+            <a:ext cx="1744811" cy="253916"/>
+          </a:xfrm>
+          <a:prstGeom prst="rect">
+            <a:avLst/>
+          </a:prstGeom>
+          <a:noFill/>
+        </p:spPr>
+        <p:txBody>
+          <a:bodyPr wrap="square" lIns="36000" rtlCol="0">
+            <a:spAutoFit/>
+          </a:bodyPr>
+          <a:lstStyle>
+            <a:defPPr>
+              <a:defRPr lang="fr-FR"/>
+            </a:defPPr>
+            <a:lvl1pPr>
+              <a:defRPr sz="1050"/>
+            </a:lvl1pPr>
+          </a:lstStyle>
+          <a:p>
+            <a:r>
+              <a:rPr lang="fr-FR" dirty="0" smtClean="0"/>
+              <a:t>Fin du perçage</a:t>
+            </a:r>
+          </a:p>
+        </p:txBody>
+      </p:sp>
+      <p:sp>
+        <p:nvSpPr>
+          <p:cNvPr id="160" name="Triangle isocèle 159"/>
+          <p:cNvSpPr/>
+          <p:nvPr/>
+        </p:nvSpPr>
+        <p:spPr>
+          <a:xfrm rot="16200000">
+            <a:off x="2775182" y="1615404"/>
+            <a:ext cx="102219" cy="36000"/>
+          </a:xfrm>
+          <a:prstGeom prst="triangle">
+            <a:avLst/>
+          </a:prstGeom>
+          <a:solidFill>
+            <a:schemeClr val="bg1"/>
+          </a:solidFill>
+          <a:ln w="12700">
+            <a:solidFill>
+              <a:schemeClr val="accent5">
+                <a:lumMod val="50000"/>
+              </a:schemeClr>
+            </a:solidFill>
+          </a:ln>
+        </p:spPr>
+        <p:style>
+          <a:lnRef idx="1">
+            <a:schemeClr val="accent1"/>
+          </a:lnRef>
+          <a:fillRef idx="0">
+            <a:schemeClr val="accent1"/>
+          </a:fillRef>
+          <a:effectRef idx="0">
+            <a:schemeClr val="accent1"/>
+          </a:effectRef>
+          <a:fontRef idx="minor">
+            <a:schemeClr val="tx1"/>
+          </a:fontRef>
+        </p:style>
+        <p:txBody>
+          <a:bodyPr rtlCol="0" anchor="ctr"/>
+          <a:lstStyle/>
+          <a:p>
+            <a:pPr algn="ctr"/>
+            <a:endParaRPr lang="fr-FR">
+              <a:solidFill>
+                <a:schemeClr val="tx1"/>
+              </a:solidFill>
+            </a:endParaRPr>
+          </a:p>
+        </p:txBody>
+      </p:sp>
+    </p:spTree>
+    <p:extLst>
+      <p:ext uri="{BB962C8B-B14F-4D97-AF65-F5344CB8AC3E}">
+        <p14:creationId xmlns:p14="http://schemas.microsoft.com/office/powerpoint/2010/main" val="3588692603"/>
+      </p:ext>
+    </p:extLst>
+  </p:cSld>
+  <p:clrMapOvr>
+    <a:masterClrMapping/>
+  </p:clrMapOvr>
+</p:sld>
+</file>
+
+<file path=ppt/slides/slide7.xml><?xml version="1.0" encoding="utf-8"?>
+<p:sld xmlns:a="http://schemas.openxmlformats.org/drawingml/2006/main" xmlns:r="http://schemas.openxmlformats.org/officeDocument/2006/relationships" xmlns:p="http://schemas.openxmlformats.org/presentationml/2006/main">
+  <p:cSld>
+    <p:spTree>
+      <p:nvGrpSpPr>
+        <p:cNvPr id="1" name=""/>
+        <p:cNvGrpSpPr/>
+        <p:nvPr/>
+      </p:nvGrpSpPr>
+      <p:grpSpPr>
+        <a:xfrm>
+          <a:off x="0" y="0"/>
+          <a:ext cx="0" cy="0"/>
+          <a:chOff x="0" y="0"/>
+          <a:chExt cx="0" cy="0"/>
+        </a:xfrm>
+      </p:grpSpPr>
+      <p:sp>
+        <p:nvSpPr>
+          <p:cNvPr id="166" name="Forme libre 165"/>
+          <p:cNvSpPr/>
+          <p:nvPr/>
+        </p:nvSpPr>
+        <p:spPr>
+          <a:xfrm>
+            <a:off x="2362200" y="1270000"/>
+            <a:ext cx="1087152" cy="133350"/>
+          </a:xfrm>
+          <a:custGeom>
+            <a:avLst/>
+            <a:gdLst>
+              <a:gd name="connsiteX0" fmla="*/ 0 w 679714"/>
+              <a:gd name="connsiteY0" fmla="*/ 0 h 133350"/>
+              <a:gd name="connsiteX1" fmla="*/ 9525 w 679714"/>
+              <a:gd name="connsiteY1" fmla="*/ 25400 h 133350"/>
+              <a:gd name="connsiteX2" fmla="*/ 15875 w 679714"/>
+              <a:gd name="connsiteY2" fmla="*/ 47625 h 133350"/>
+              <a:gd name="connsiteX3" fmla="*/ 22225 w 679714"/>
+              <a:gd name="connsiteY3" fmla="*/ 57150 h 133350"/>
+              <a:gd name="connsiteX4" fmla="*/ 28575 w 679714"/>
+              <a:gd name="connsiteY4" fmla="*/ 76200 h 133350"/>
+              <a:gd name="connsiteX5" fmla="*/ 31750 w 679714"/>
+              <a:gd name="connsiteY5" fmla="*/ 85725 h 133350"/>
+              <a:gd name="connsiteX6" fmla="*/ 38100 w 679714"/>
+              <a:gd name="connsiteY6" fmla="*/ 95250 h 133350"/>
+              <a:gd name="connsiteX7" fmla="*/ 60325 w 679714"/>
+              <a:gd name="connsiteY7" fmla="*/ 117475 h 133350"/>
+              <a:gd name="connsiteX8" fmla="*/ 190500 w 679714"/>
+              <a:gd name="connsiteY8" fmla="*/ 123825 h 133350"/>
+              <a:gd name="connsiteX9" fmla="*/ 250825 w 679714"/>
+              <a:gd name="connsiteY9" fmla="*/ 130175 h 133350"/>
+              <a:gd name="connsiteX10" fmla="*/ 285750 w 679714"/>
+              <a:gd name="connsiteY10" fmla="*/ 133350 h 133350"/>
+              <a:gd name="connsiteX11" fmla="*/ 431800 w 679714"/>
+              <a:gd name="connsiteY11" fmla="*/ 130175 h 133350"/>
+              <a:gd name="connsiteX12" fmla="*/ 454025 w 679714"/>
+              <a:gd name="connsiteY12" fmla="*/ 123825 h 133350"/>
+              <a:gd name="connsiteX13" fmla="*/ 473075 w 679714"/>
+              <a:gd name="connsiteY13" fmla="*/ 120650 h 133350"/>
+              <a:gd name="connsiteX14" fmla="*/ 492125 w 679714"/>
+              <a:gd name="connsiteY14" fmla="*/ 114300 h 133350"/>
+              <a:gd name="connsiteX15" fmla="*/ 508000 w 679714"/>
+              <a:gd name="connsiteY15" fmla="*/ 111125 h 133350"/>
+              <a:gd name="connsiteX16" fmla="*/ 527050 w 679714"/>
+              <a:gd name="connsiteY16" fmla="*/ 104775 h 133350"/>
+              <a:gd name="connsiteX17" fmla="*/ 581025 w 679714"/>
+              <a:gd name="connsiteY17" fmla="*/ 107950 h 133350"/>
+              <a:gd name="connsiteX18" fmla="*/ 590550 w 679714"/>
+              <a:gd name="connsiteY18" fmla="*/ 111125 h 133350"/>
+              <a:gd name="connsiteX19" fmla="*/ 615950 w 679714"/>
+              <a:gd name="connsiteY19" fmla="*/ 114300 h 133350"/>
+              <a:gd name="connsiteX20" fmla="*/ 657225 w 679714"/>
+              <a:gd name="connsiteY20" fmla="*/ 111125 h 133350"/>
+              <a:gd name="connsiteX21" fmla="*/ 669925 w 679714"/>
+              <a:gd name="connsiteY21" fmla="*/ 92075 h 133350"/>
+              <a:gd name="connsiteX22" fmla="*/ 673100 w 679714"/>
+              <a:gd name="connsiteY22" fmla="*/ 69850 h 133350"/>
+              <a:gd name="connsiteX23" fmla="*/ 679450 w 679714"/>
+              <a:gd name="connsiteY23" fmla="*/ 31750 h 133350"/>
+              <a:gd name="connsiteX24" fmla="*/ 679450 w 679714"/>
+              <a:gd name="connsiteY24" fmla="*/ 3175 h 133350"/>
+            </a:gdLst>
+            <a:ahLst/>
+            <a:cxnLst>
+              <a:cxn ang="0">
+                <a:pos x="connsiteX0" y="connsiteY0"/>
+              </a:cxn>
+              <a:cxn ang="0">
+                <a:pos x="connsiteX1" y="connsiteY1"/>
+              </a:cxn>
+              <a:cxn ang="0">
+                <a:pos x="connsiteX2" y="connsiteY2"/>
+              </a:cxn>
+              <a:cxn ang="0">
+                <a:pos x="connsiteX3" y="connsiteY3"/>
+              </a:cxn>
+              <a:cxn ang="0">
+                <a:pos x="connsiteX4" y="connsiteY4"/>
+              </a:cxn>
+              <a:cxn ang="0">
+                <a:pos x="connsiteX5" y="connsiteY5"/>
+              </a:cxn>
+              <a:cxn ang="0">
+                <a:pos x="connsiteX6" y="connsiteY6"/>
+              </a:cxn>
+              <a:cxn ang="0">
+                <a:pos x="connsiteX7" y="connsiteY7"/>
+              </a:cxn>
+              <a:cxn ang="0">
+                <a:pos x="connsiteX8" y="connsiteY8"/>
+              </a:cxn>
+              <a:cxn ang="0">
+                <a:pos x="connsiteX9" y="connsiteY9"/>
+              </a:cxn>
+              <a:cxn ang="0">
+                <a:pos x="connsiteX10" y="connsiteY10"/>
+              </a:cxn>
+              <a:cxn ang="0">
+                <a:pos x="connsiteX11" y="connsiteY11"/>
+              </a:cxn>
+              <a:cxn ang="0">
+                <a:pos x="connsiteX12" y="connsiteY12"/>
+              </a:cxn>
+              <a:cxn ang="0">
+                <a:pos x="connsiteX13" y="connsiteY13"/>
+              </a:cxn>
+              <a:cxn ang="0">
+                <a:pos x="connsiteX14" y="connsiteY14"/>
+              </a:cxn>
+              <a:cxn ang="0">
+                <a:pos x="connsiteX15" y="connsiteY15"/>
+              </a:cxn>
+              <a:cxn ang="0">
+                <a:pos x="connsiteX16" y="connsiteY16"/>
+              </a:cxn>
+              <a:cxn ang="0">
+                <a:pos x="connsiteX17" y="connsiteY17"/>
+              </a:cxn>
+              <a:cxn ang="0">
+                <a:pos x="connsiteX18" y="connsiteY18"/>
+              </a:cxn>
+              <a:cxn ang="0">
+                <a:pos x="connsiteX19" y="connsiteY19"/>
+              </a:cxn>
+              <a:cxn ang="0">
+                <a:pos x="connsiteX20" y="connsiteY20"/>
+              </a:cxn>
+              <a:cxn ang="0">
+                <a:pos x="connsiteX21" y="connsiteY21"/>
+              </a:cxn>
+              <a:cxn ang="0">
+                <a:pos x="connsiteX22" y="connsiteY22"/>
+              </a:cxn>
+              <a:cxn ang="0">
+                <a:pos x="connsiteX23" y="connsiteY23"/>
+              </a:cxn>
+              <a:cxn ang="0">
+                <a:pos x="connsiteX24" y="connsiteY24"/>
+              </a:cxn>
+            </a:cxnLst>
+            <a:rect l="l" t="t" r="r" b="b"/>
+            <a:pathLst>
+              <a:path w="679714" h="133350">
+                <a:moveTo>
+                  <a:pt x="0" y="0"/>
+                </a:moveTo>
+                <a:cubicBezTo>
+                  <a:pt x="8053" y="40263"/>
+                  <a:pt x="-2738" y="-3214"/>
+                  <a:pt x="9525" y="25400"/>
+                </a:cubicBezTo>
+                <a:cubicBezTo>
+                  <a:pt x="15629" y="39642"/>
+                  <a:pt x="9696" y="35268"/>
+                  <a:pt x="15875" y="47625"/>
+                </a:cubicBezTo>
+                <a:cubicBezTo>
+                  <a:pt x="17582" y="51038"/>
+                  <a:pt x="20675" y="53663"/>
+                  <a:pt x="22225" y="57150"/>
+                </a:cubicBezTo>
+                <a:cubicBezTo>
+                  <a:pt x="24943" y="63267"/>
+                  <a:pt x="26458" y="69850"/>
+                  <a:pt x="28575" y="76200"/>
+                </a:cubicBezTo>
+                <a:lnTo>
+                  <a:pt x="31750" y="85725"/>
+                </a:lnTo>
+                <a:cubicBezTo>
+                  <a:pt x="32957" y="89345"/>
+                  <a:pt x="36393" y="91837"/>
+                  <a:pt x="38100" y="95250"/>
+                </a:cubicBezTo>
+                <a:cubicBezTo>
+                  <a:pt x="44125" y="107300"/>
+                  <a:pt x="37494" y="113670"/>
+                  <a:pt x="60325" y="117475"/>
+                </a:cubicBezTo>
+                <a:cubicBezTo>
+                  <a:pt x="115928" y="126742"/>
+                  <a:pt x="72940" y="120466"/>
+                  <a:pt x="190500" y="123825"/>
+                </a:cubicBezTo>
+                <a:cubicBezTo>
+                  <a:pt x="222234" y="130172"/>
+                  <a:pt x="197433" y="125904"/>
+                  <a:pt x="250825" y="130175"/>
+                </a:cubicBezTo>
+                <a:cubicBezTo>
+                  <a:pt x="262477" y="131107"/>
+                  <a:pt x="274108" y="132292"/>
+                  <a:pt x="285750" y="133350"/>
+                </a:cubicBezTo>
+                <a:lnTo>
+                  <a:pt x="431800" y="130175"/>
+                </a:lnTo>
+                <a:cubicBezTo>
+                  <a:pt x="440233" y="129838"/>
+                  <a:pt x="446123" y="125581"/>
+                  <a:pt x="454025" y="123825"/>
+                </a:cubicBezTo>
+                <a:cubicBezTo>
+                  <a:pt x="460309" y="122428"/>
+                  <a:pt x="466725" y="121708"/>
+                  <a:pt x="473075" y="120650"/>
+                </a:cubicBezTo>
+                <a:cubicBezTo>
+                  <a:pt x="479425" y="118533"/>
+                  <a:pt x="485561" y="115613"/>
+                  <a:pt x="492125" y="114300"/>
+                </a:cubicBezTo>
+                <a:cubicBezTo>
+                  <a:pt x="497417" y="113242"/>
+                  <a:pt x="502794" y="112545"/>
+                  <a:pt x="508000" y="111125"/>
+                </a:cubicBezTo>
+                <a:cubicBezTo>
+                  <a:pt x="514458" y="109364"/>
+                  <a:pt x="527050" y="104775"/>
+                  <a:pt x="527050" y="104775"/>
+                </a:cubicBezTo>
+                <a:cubicBezTo>
+                  <a:pt x="545042" y="105833"/>
+                  <a:pt x="563092" y="106157"/>
+                  <a:pt x="581025" y="107950"/>
+                </a:cubicBezTo>
+                <a:cubicBezTo>
+                  <a:pt x="584355" y="108283"/>
+                  <a:pt x="587257" y="110526"/>
+                  <a:pt x="590550" y="111125"/>
+                </a:cubicBezTo>
+                <a:cubicBezTo>
+                  <a:pt x="598945" y="112651"/>
+                  <a:pt x="607483" y="113242"/>
+                  <a:pt x="615950" y="114300"/>
+                </a:cubicBezTo>
+                <a:lnTo>
+                  <a:pt x="657225" y="111125"/>
+                </a:lnTo>
+                <a:cubicBezTo>
+                  <a:pt x="664282" y="108219"/>
+                  <a:pt x="669925" y="92075"/>
+                  <a:pt x="669925" y="92075"/>
+                </a:cubicBezTo>
+                <a:cubicBezTo>
+                  <a:pt x="670983" y="84667"/>
+                  <a:pt x="671870" y="77232"/>
+                  <a:pt x="673100" y="69850"/>
+                </a:cubicBezTo>
+                <a:cubicBezTo>
+                  <a:pt x="675651" y="54544"/>
+                  <a:pt x="678412" y="48352"/>
+                  <a:pt x="679450" y="31750"/>
+                </a:cubicBezTo>
+                <a:cubicBezTo>
+                  <a:pt x="680044" y="22244"/>
+                  <a:pt x="679450" y="12700"/>
+                  <a:pt x="679450" y="3175"/>
+                </a:cubicBezTo>
+              </a:path>
+            </a:pathLst>
+          </a:custGeom>
+          <a:pattFill prst="ltDnDiag">
+            <a:fgClr>
+              <a:schemeClr val="accent5">
+                <a:lumMod val="50000"/>
+              </a:schemeClr>
+            </a:fgClr>
+            <a:bgClr>
+              <a:schemeClr val="bg1"/>
+            </a:bgClr>
+          </a:pattFill>
+          <a:ln w="12700">
+            <a:solidFill>
+              <a:schemeClr val="accent5">
+                <a:lumMod val="50000"/>
+              </a:schemeClr>
+            </a:solidFill>
+          </a:ln>
+        </p:spPr>
+        <p:style>
+          <a:lnRef idx="1">
+            <a:schemeClr val="accent1"/>
+          </a:lnRef>
+          <a:fillRef idx="0">
+            <a:schemeClr val="accent1"/>
+          </a:fillRef>
+          <a:effectRef idx="0">
+            <a:schemeClr val="accent1"/>
+          </a:effectRef>
+          <a:fontRef idx="minor">
+            <a:schemeClr val="tx1"/>
+          </a:fontRef>
+        </p:style>
+        <p:txBody>
+          <a:bodyPr rtlCol="0" anchor="ctr"/>
+          <a:lstStyle/>
+          <a:p>
+            <a:pPr algn="ctr"/>
+            <a:endParaRPr lang="fr-FR"/>
+          </a:p>
+        </p:txBody>
+      </p:sp>
+      <p:sp>
+        <p:nvSpPr>
+          <p:cNvPr id="205" name="Rectangle 204"/>
+          <p:cNvSpPr/>
+          <p:nvPr/>
+        </p:nvSpPr>
+        <p:spPr>
+          <a:xfrm>
+            <a:off x="3111973" y="1251586"/>
+            <a:ext cx="380434" cy="79042"/>
+          </a:xfrm>
+          <a:prstGeom prst="rect">
+            <a:avLst/>
+          </a:prstGeom>
+          <a:solidFill>
+            <a:schemeClr val="bg1"/>
+          </a:solidFill>
+          <a:ln>
+            <a:noFill/>
+          </a:ln>
+        </p:spPr>
+        <p:style>
+          <a:lnRef idx="2">
+            <a:schemeClr val="accent1">
+              <a:shade val="50000"/>
+            </a:schemeClr>
+          </a:lnRef>
+          <a:fillRef idx="1">
+            <a:schemeClr val="accent1"/>
+          </a:fillRef>
+          <a:effectRef idx="0">
+            <a:schemeClr val="accent1"/>
+          </a:effectRef>
+          <a:fontRef idx="minor">
+            <a:schemeClr val="lt1"/>
+          </a:fontRef>
+        </p:style>
+        <p:txBody>
+          <a:bodyPr rtlCol="0" anchor="ctr"/>
+          <a:lstStyle/>
+          <a:p>
+            <a:pPr algn="ctr"/>
+            <a:endParaRPr lang="fr-FR">
+              <a:solidFill>
+                <a:schemeClr val="bg1"/>
+              </a:solidFill>
+            </a:endParaRPr>
+          </a:p>
+        </p:txBody>
+      </p:sp>
+      <p:sp>
+        <p:nvSpPr>
+          <p:cNvPr id="177" name="Rectangle 176"/>
+          <p:cNvSpPr/>
+          <p:nvPr/>
+        </p:nvSpPr>
+        <p:spPr>
+          <a:xfrm flipH="1" flipV="1">
+            <a:off x="3161223" y="1985914"/>
+            <a:ext cx="45719" cy="87052"/>
+          </a:xfrm>
+          <a:prstGeom prst="rect">
+            <a:avLst/>
+          </a:prstGeom>
+          <a:pattFill prst="ltUpDiag">
+            <a:fgClr>
+              <a:schemeClr val="accent5">
+                <a:lumMod val="50000"/>
+              </a:schemeClr>
+            </a:fgClr>
+            <a:bgClr>
+              <a:schemeClr val="bg1"/>
+            </a:bgClr>
+          </a:pattFill>
+          <a:ln w="12700">
+            <a:noFill/>
+          </a:ln>
+        </p:spPr>
+        <p:style>
+          <a:lnRef idx="1">
+            <a:schemeClr val="accent1"/>
+          </a:lnRef>
+          <a:fillRef idx="0">
+            <a:schemeClr val="accent1"/>
+          </a:fillRef>
+          <a:effectRef idx="0">
+            <a:schemeClr val="accent1"/>
+          </a:effectRef>
+          <a:fontRef idx="minor">
+            <a:schemeClr val="tx1"/>
+          </a:fontRef>
+        </p:style>
+        <p:txBody>
+          <a:bodyPr rtlCol="0" anchor="ctr"/>
+          <a:lstStyle/>
+          <a:p>
+            <a:pPr algn="ctr"/>
+            <a:endParaRPr lang="fr-FR"/>
+          </a:p>
+        </p:txBody>
+      </p:sp>
+      <p:sp>
+        <p:nvSpPr>
+          <p:cNvPr id="155" name="Rectangle 154"/>
+          <p:cNvSpPr/>
+          <p:nvPr/>
+        </p:nvSpPr>
+        <p:spPr>
+          <a:xfrm flipH="1">
+            <a:off x="3158131" y="1172276"/>
+            <a:ext cx="36000" cy="158620"/>
+          </a:xfrm>
+          <a:prstGeom prst="rect">
+            <a:avLst/>
+          </a:prstGeom>
+          <a:pattFill prst="ltUpDiag">
+            <a:fgClr>
+              <a:schemeClr val="accent5">
+                <a:lumMod val="50000"/>
+              </a:schemeClr>
+            </a:fgClr>
+            <a:bgClr>
+              <a:schemeClr val="bg1"/>
+            </a:bgClr>
+          </a:pattFill>
+          <a:ln w="12700">
+            <a:noFill/>
+          </a:ln>
+        </p:spPr>
+        <p:style>
+          <a:lnRef idx="1">
+            <a:schemeClr val="accent1"/>
+          </a:lnRef>
+          <a:fillRef idx="0">
+            <a:schemeClr val="accent1"/>
+          </a:fillRef>
+          <a:effectRef idx="0">
+            <a:schemeClr val="accent1"/>
+          </a:effectRef>
+          <a:fontRef idx="minor">
+            <a:schemeClr val="tx1"/>
+          </a:fontRef>
+        </p:style>
+        <p:txBody>
+          <a:bodyPr rtlCol="0" anchor="ctr"/>
+          <a:lstStyle/>
+          <a:p>
+            <a:pPr algn="ctr"/>
+            <a:endParaRPr lang="fr-FR"/>
+          </a:p>
+        </p:txBody>
+      </p:sp>
+      <p:sp>
+        <p:nvSpPr>
+          <p:cNvPr id="165" name="Rectangle 164"/>
+          <p:cNvSpPr/>
+          <p:nvPr/>
+        </p:nvSpPr>
+        <p:spPr>
+          <a:xfrm>
+            <a:off x="2412244" y="1267520"/>
+            <a:ext cx="575580" cy="72008"/>
+          </a:xfrm>
+          <a:prstGeom prst="rect">
+            <a:avLst/>
+          </a:prstGeom>
+          <a:solidFill>
+            <a:schemeClr val="bg1"/>
+          </a:solidFill>
+          <a:ln w="12700">
+            <a:solidFill>
+              <a:schemeClr val="accent5">
+                <a:lumMod val="50000"/>
+              </a:schemeClr>
+            </a:solidFill>
+          </a:ln>
+        </p:spPr>
+        <p:style>
+          <a:lnRef idx="1">
+            <a:schemeClr val="accent1"/>
+          </a:lnRef>
+          <a:fillRef idx="0">
+            <a:schemeClr val="accent1"/>
+          </a:fillRef>
+          <a:effectRef idx="0">
+            <a:schemeClr val="accent1"/>
+          </a:effectRef>
+          <a:fontRef idx="minor">
+            <a:schemeClr val="tx1"/>
+          </a:fontRef>
+        </p:style>
+        <p:txBody>
+          <a:bodyPr rtlCol="0" anchor="ctr"/>
+          <a:lstStyle/>
+          <a:p>
+            <a:pPr algn="ctr"/>
+            <a:endParaRPr lang="fr-FR"/>
+          </a:p>
+        </p:txBody>
+      </p:sp>
+      <p:cxnSp>
+        <p:nvCxnSpPr>
+          <p:cNvPr id="5" name="Connecteur droit 4"/>
+          <p:cNvCxnSpPr/>
+          <p:nvPr/>
+        </p:nvCxnSpPr>
+        <p:spPr>
+          <a:xfrm>
+            <a:off x="3413352" y="1270000"/>
+            <a:ext cx="36000" cy="36000"/>
+          </a:xfrm>
+          <a:prstGeom prst="line">
+            <a:avLst/>
+          </a:prstGeom>
+          <a:ln w="12700">
+            <a:solidFill>
+              <a:schemeClr val="accent5">
+                <a:lumMod val="50000"/>
+              </a:schemeClr>
+            </a:solidFill>
+          </a:ln>
+        </p:spPr>
+        <p:style>
+          <a:lnRef idx="1">
+            <a:schemeClr val="accent1"/>
+          </a:lnRef>
+          <a:fillRef idx="0">
+            <a:schemeClr val="accent1"/>
+          </a:fillRef>
+          <a:effectRef idx="0">
+            <a:schemeClr val="accent1"/>
+          </a:effectRef>
+          <a:fontRef idx="minor">
+            <a:schemeClr val="tx1"/>
+          </a:fontRef>
+        </p:style>
+      </p:cxnSp>
+      <p:sp>
+        <p:nvSpPr>
+          <p:cNvPr id="154" name="ZoneTexte 153"/>
+          <p:cNvSpPr txBox="1"/>
+          <p:nvPr/>
+        </p:nvSpPr>
+        <p:spPr>
+          <a:xfrm>
+            <a:off x="1002577" y="1905393"/>
+            <a:ext cx="1744811" cy="415498"/>
+          </a:xfrm>
+          <a:prstGeom prst="rect">
+            <a:avLst/>
+          </a:prstGeom>
+          <a:noFill/>
+        </p:spPr>
+        <p:txBody>
+          <a:bodyPr wrap="square" lIns="36000" rtlCol="0">
+            <a:spAutoFit/>
+          </a:bodyPr>
+          <a:lstStyle>
+            <a:defPPr>
+              <a:defRPr lang="fr-FR"/>
+            </a:defPPr>
+            <a:lvl1pPr>
+              <a:defRPr sz="1050"/>
+            </a:lvl1pPr>
+          </a:lstStyle>
+          <a:p>
+            <a:r>
+              <a:rPr lang="fr-FR" dirty="0" smtClean="0"/>
+              <a:t>Épaulement</a:t>
+            </a:r>
+          </a:p>
+          <a:p>
+            <a:r>
+              <a:rPr lang="fr-FR" dirty="0" smtClean="0"/>
+              <a:t>(Arrêt en translation)</a:t>
+            </a:r>
+          </a:p>
+        </p:txBody>
+      </p:sp>
+      <p:sp>
+        <p:nvSpPr>
+          <p:cNvPr id="118" name="Rectangle 117"/>
+          <p:cNvSpPr/>
+          <p:nvPr/>
+        </p:nvSpPr>
+        <p:spPr>
+          <a:xfrm>
+            <a:off x="2267744" y="1165474"/>
+            <a:ext cx="884268" cy="102046"/>
+          </a:xfrm>
+          <a:prstGeom prst="rect">
+            <a:avLst/>
+          </a:prstGeom>
+          <a:solidFill>
+            <a:schemeClr val="accent5">
+              <a:lumMod val="20000"/>
+              <a:lumOff val="80000"/>
+            </a:schemeClr>
+          </a:solidFill>
+          <a:ln w="12700">
+            <a:solidFill>
+              <a:schemeClr val="accent5">
+                <a:lumMod val="20000"/>
+                <a:lumOff val="80000"/>
+              </a:schemeClr>
+            </a:solidFill>
+          </a:ln>
+        </p:spPr>
+        <p:style>
+          <a:lnRef idx="1">
+            <a:schemeClr val="accent1"/>
+          </a:lnRef>
+          <a:fillRef idx="0">
+            <a:schemeClr val="accent1"/>
+          </a:fillRef>
+          <a:effectRef idx="0">
+            <a:schemeClr val="accent1"/>
+          </a:effectRef>
+          <a:fontRef idx="minor">
+            <a:schemeClr val="tx1"/>
+          </a:fontRef>
+        </p:style>
+        <p:txBody>
+          <a:bodyPr rtlCol="0" anchor="ctr"/>
+          <a:lstStyle/>
+          <a:p>
+            <a:pPr algn="ctr"/>
+            <a:endParaRPr lang="fr-FR"/>
+          </a:p>
+        </p:txBody>
+      </p:sp>
+      <p:sp>
+        <p:nvSpPr>
+          <p:cNvPr id="105" name="Rectangle 104"/>
+          <p:cNvSpPr/>
+          <p:nvPr/>
+        </p:nvSpPr>
+        <p:spPr>
+          <a:xfrm>
+            <a:off x="2268798" y="777243"/>
+            <a:ext cx="883213" cy="388231"/>
+          </a:xfrm>
+          <a:prstGeom prst="rect">
+            <a:avLst/>
+          </a:prstGeom>
+          <a:pattFill prst="ltDnDiag">
+            <a:fgClr>
+              <a:schemeClr val="accent5">
+                <a:lumMod val="50000"/>
+              </a:schemeClr>
+            </a:fgClr>
+            <a:bgClr>
+              <a:schemeClr val="bg1"/>
+            </a:bgClr>
+          </a:pattFill>
+          <a:ln w="12700">
+            <a:noFill/>
+          </a:ln>
+        </p:spPr>
+        <p:style>
+          <a:lnRef idx="1">
+            <a:schemeClr val="accent1"/>
+          </a:lnRef>
+          <a:fillRef idx="0">
+            <a:schemeClr val="accent1"/>
+          </a:fillRef>
+          <a:effectRef idx="0">
+            <a:schemeClr val="accent1"/>
+          </a:effectRef>
+          <a:fontRef idx="minor">
+            <a:schemeClr val="tx1"/>
+          </a:fontRef>
+        </p:style>
+        <p:txBody>
+          <a:bodyPr rtlCol="0" anchor="ctr"/>
+          <a:lstStyle/>
+          <a:p>
+            <a:pPr algn="ctr"/>
+            <a:endParaRPr lang="fr-FR"/>
+          </a:p>
+        </p:txBody>
+      </p:sp>
+      <p:sp>
+        <p:nvSpPr>
+          <p:cNvPr id="103" name="Rectangle 102"/>
+          <p:cNvSpPr/>
+          <p:nvPr/>
+        </p:nvSpPr>
+        <p:spPr>
+          <a:xfrm>
+            <a:off x="2268799" y="1988840"/>
+            <a:ext cx="883213" cy="499890"/>
+          </a:xfrm>
+          <a:prstGeom prst="rect">
+            <a:avLst/>
+          </a:prstGeom>
+          <a:pattFill prst="ltDnDiag">
+            <a:fgClr>
+              <a:schemeClr val="accent5">
+                <a:lumMod val="50000"/>
+              </a:schemeClr>
+            </a:fgClr>
+            <a:bgClr>
+              <a:schemeClr val="bg1"/>
+            </a:bgClr>
+          </a:pattFill>
+          <a:ln w="12700">
+            <a:noFill/>
+          </a:ln>
+        </p:spPr>
+        <p:style>
+          <a:lnRef idx="1">
+            <a:schemeClr val="accent1"/>
+          </a:lnRef>
+          <a:fillRef idx="0">
+            <a:schemeClr val="accent1"/>
+          </a:fillRef>
+          <a:effectRef idx="0">
+            <a:schemeClr val="accent1"/>
+          </a:effectRef>
+          <a:fontRef idx="minor">
+            <a:schemeClr val="tx1"/>
+          </a:fontRef>
+        </p:style>
+        <p:txBody>
+          <a:bodyPr rtlCol="0" anchor="ctr"/>
+          <a:lstStyle/>
+          <a:p>
+            <a:pPr algn="ctr"/>
+            <a:endParaRPr lang="fr-FR"/>
+          </a:p>
+        </p:txBody>
+      </p:sp>
+      <p:cxnSp>
+        <p:nvCxnSpPr>
+          <p:cNvPr id="4" name="Connecteur droit 3"/>
+          <p:cNvCxnSpPr/>
+          <p:nvPr/>
+        </p:nvCxnSpPr>
+        <p:spPr>
+          <a:xfrm>
+            <a:off x="2266343" y="1268760"/>
+            <a:ext cx="882000" cy="0"/>
+          </a:xfrm>
+          <a:prstGeom prst="line">
+            <a:avLst/>
+          </a:prstGeom>
+          <a:ln w="12700">
+            <a:solidFill>
+              <a:schemeClr val="accent5">
+                <a:lumMod val="50000"/>
+              </a:schemeClr>
+            </a:solidFill>
+          </a:ln>
+        </p:spPr>
+        <p:style>
+          <a:lnRef idx="1">
+            <a:schemeClr val="accent1"/>
+          </a:lnRef>
+          <a:fillRef idx="0">
+            <a:schemeClr val="accent1"/>
+          </a:fillRef>
+          <a:effectRef idx="0">
+            <a:schemeClr val="accent1"/>
+          </a:effectRef>
+          <a:fontRef idx="minor">
+            <a:schemeClr val="tx1"/>
+          </a:fontRef>
+        </p:style>
+      </p:cxnSp>
+      <p:cxnSp>
+        <p:nvCxnSpPr>
+          <p:cNvPr id="6" name="Connecteur droit 5"/>
+          <p:cNvCxnSpPr/>
+          <p:nvPr/>
+        </p:nvCxnSpPr>
+        <p:spPr>
+          <a:xfrm>
+            <a:off x="2267744" y="1988840"/>
+            <a:ext cx="861985" cy="0"/>
+          </a:xfrm>
+          <a:prstGeom prst="line">
+            <a:avLst/>
+          </a:prstGeom>
+          <a:ln w="12700">
+            <a:solidFill>
+              <a:schemeClr val="accent5">
+                <a:lumMod val="50000"/>
+              </a:schemeClr>
+            </a:solidFill>
+          </a:ln>
+        </p:spPr>
+        <p:style>
+          <a:lnRef idx="1">
+            <a:schemeClr val="accent1"/>
+          </a:lnRef>
+          <a:fillRef idx="0">
+            <a:schemeClr val="accent1"/>
+          </a:fillRef>
+          <a:effectRef idx="0">
+            <a:schemeClr val="accent1"/>
+          </a:effectRef>
+          <a:fontRef idx="minor">
+            <a:schemeClr val="tx1"/>
+          </a:fontRef>
+        </p:style>
+      </p:cxnSp>
+      <p:cxnSp>
+        <p:nvCxnSpPr>
+          <p:cNvPr id="27" name="Connecteur droit 26"/>
+          <p:cNvCxnSpPr/>
+          <p:nvPr/>
+        </p:nvCxnSpPr>
+        <p:spPr>
+          <a:xfrm>
+            <a:off x="2267744" y="1196752"/>
+            <a:ext cx="0" cy="864096"/>
+          </a:xfrm>
+          <a:prstGeom prst="line">
+            <a:avLst/>
+          </a:prstGeom>
+          <a:ln w="12700">
+            <a:solidFill>
+              <a:schemeClr val="accent5">
+                <a:lumMod val="50000"/>
+              </a:schemeClr>
+            </a:solidFill>
+          </a:ln>
+        </p:spPr>
+        <p:style>
+          <a:lnRef idx="1">
+            <a:schemeClr val="accent1"/>
+          </a:lnRef>
+          <a:fillRef idx="0">
+            <a:schemeClr val="accent1"/>
+          </a:fillRef>
+          <a:effectRef idx="0">
+            <a:schemeClr val="accent1"/>
+          </a:effectRef>
+          <a:fontRef idx="minor">
+            <a:schemeClr val="tx1"/>
+          </a:fontRef>
+        </p:style>
+      </p:cxnSp>
+      <p:cxnSp>
+        <p:nvCxnSpPr>
+          <p:cNvPr id="31" name="Connecteur droit 30"/>
+          <p:cNvCxnSpPr/>
+          <p:nvPr/>
+        </p:nvCxnSpPr>
+        <p:spPr>
+          <a:xfrm>
+            <a:off x="2160259" y="1196752"/>
+            <a:ext cx="108540" cy="0"/>
+          </a:xfrm>
+          <a:prstGeom prst="line">
+            <a:avLst/>
+          </a:prstGeom>
+          <a:ln w="12700">
+            <a:solidFill>
+              <a:schemeClr val="accent5">
+                <a:lumMod val="50000"/>
+              </a:schemeClr>
+            </a:solidFill>
+          </a:ln>
+        </p:spPr>
+        <p:style>
+          <a:lnRef idx="1">
+            <a:schemeClr val="accent1"/>
+          </a:lnRef>
+          <a:fillRef idx="0">
+            <a:schemeClr val="accent1"/>
+          </a:fillRef>
+          <a:effectRef idx="0">
+            <a:schemeClr val="accent1"/>
+          </a:effectRef>
+          <a:fontRef idx="minor">
+            <a:schemeClr val="tx1"/>
+          </a:fontRef>
+        </p:style>
+      </p:cxnSp>
+      <p:cxnSp>
+        <p:nvCxnSpPr>
+          <p:cNvPr id="36" name="Connecteur droit 35"/>
+          <p:cNvCxnSpPr/>
+          <p:nvPr/>
+        </p:nvCxnSpPr>
+        <p:spPr>
+          <a:xfrm>
+            <a:off x="2160259" y="2062212"/>
+            <a:ext cx="108540" cy="0"/>
+          </a:xfrm>
+          <a:prstGeom prst="line">
+            <a:avLst/>
+          </a:prstGeom>
+          <a:ln w="12700">
+            <a:solidFill>
+              <a:schemeClr val="accent5">
+                <a:lumMod val="50000"/>
+              </a:schemeClr>
+            </a:solidFill>
+          </a:ln>
+        </p:spPr>
+        <p:style>
+          <a:lnRef idx="1">
+            <a:schemeClr val="accent1"/>
+          </a:lnRef>
+          <a:fillRef idx="0">
+            <a:schemeClr val="accent1"/>
+          </a:fillRef>
+          <a:effectRef idx="0">
+            <a:schemeClr val="accent1"/>
+          </a:effectRef>
+          <a:fontRef idx="minor">
+            <a:schemeClr val="tx1"/>
+          </a:fontRef>
+        </p:style>
+      </p:cxnSp>
+      <p:cxnSp>
+        <p:nvCxnSpPr>
+          <p:cNvPr id="37" name="Connecteur droit 36"/>
+          <p:cNvCxnSpPr/>
+          <p:nvPr/>
+        </p:nvCxnSpPr>
+        <p:spPr>
+          <a:xfrm>
+            <a:off x="2160259" y="1088740"/>
+            <a:ext cx="0" cy="1080120"/>
+          </a:xfrm>
+          <a:prstGeom prst="line">
+            <a:avLst/>
+          </a:prstGeom>
+          <a:ln w="12700">
+            <a:solidFill>
+              <a:schemeClr val="accent5">
+                <a:lumMod val="50000"/>
+              </a:schemeClr>
+            </a:solidFill>
+          </a:ln>
+        </p:spPr>
+        <p:style>
+          <a:lnRef idx="1">
+            <a:schemeClr val="accent1"/>
+          </a:lnRef>
+          <a:fillRef idx="0">
+            <a:schemeClr val="accent1"/>
+          </a:fillRef>
+          <a:effectRef idx="0">
+            <a:schemeClr val="accent1"/>
+          </a:effectRef>
+          <a:fontRef idx="minor">
+            <a:schemeClr val="tx1"/>
+          </a:fontRef>
+        </p:style>
+      </p:cxnSp>
+      <p:sp>
+        <p:nvSpPr>
+          <p:cNvPr id="39" name="Rectangle 38"/>
+          <p:cNvSpPr/>
+          <p:nvPr/>
+        </p:nvSpPr>
+        <p:spPr>
+          <a:xfrm>
+            <a:off x="2483768" y="1196752"/>
+            <a:ext cx="432048" cy="142776"/>
+          </a:xfrm>
+          <a:prstGeom prst="rect">
+            <a:avLst/>
+          </a:prstGeom>
+          <a:solidFill>
+            <a:schemeClr val="bg1"/>
+          </a:solidFill>
+          <a:ln w="12700">
+            <a:solidFill>
+              <a:schemeClr val="accent5">
+                <a:lumMod val="50000"/>
+              </a:schemeClr>
+            </a:solidFill>
+          </a:ln>
+        </p:spPr>
+        <p:style>
+          <a:lnRef idx="1">
+            <a:schemeClr val="accent1"/>
+          </a:lnRef>
+          <a:fillRef idx="0">
+            <a:schemeClr val="accent1"/>
+          </a:fillRef>
+          <a:effectRef idx="0">
+            <a:schemeClr val="accent1"/>
+          </a:effectRef>
+          <a:fontRef idx="minor">
+            <a:schemeClr val="tx1"/>
+          </a:fontRef>
+        </p:style>
+        <p:txBody>
+          <a:bodyPr rtlCol="0" anchor="ctr"/>
+          <a:lstStyle/>
+          <a:p>
+            <a:pPr algn="ctr"/>
+            <a:endParaRPr lang="fr-FR"/>
+          </a:p>
+        </p:txBody>
+      </p:sp>
+      <p:cxnSp>
+        <p:nvCxnSpPr>
+          <p:cNvPr id="45" name="Connecteur droit 44"/>
+          <p:cNvCxnSpPr/>
+          <p:nvPr/>
+        </p:nvCxnSpPr>
+        <p:spPr>
+          <a:xfrm>
+            <a:off x="2268799" y="1165474"/>
+            <a:ext cx="883213" cy="0"/>
+          </a:xfrm>
+          <a:prstGeom prst="line">
+            <a:avLst/>
+          </a:prstGeom>
+          <a:ln w="12700">
+            <a:solidFill>
+              <a:schemeClr val="accent5">
+                <a:lumMod val="50000"/>
+              </a:schemeClr>
+            </a:solidFill>
+          </a:ln>
+        </p:spPr>
+        <p:style>
+          <a:lnRef idx="1">
+            <a:schemeClr val="accent1"/>
+          </a:lnRef>
+          <a:fillRef idx="0">
+            <a:schemeClr val="accent1"/>
+          </a:fillRef>
+          <a:effectRef idx="0">
+            <a:schemeClr val="accent1"/>
+          </a:effectRef>
+          <a:fontRef idx="minor">
+            <a:schemeClr val="tx1"/>
+          </a:fontRef>
+        </p:style>
+      </p:cxnSp>
+      <p:cxnSp>
+        <p:nvCxnSpPr>
+          <p:cNvPr id="46" name="Connecteur droit 45"/>
+          <p:cNvCxnSpPr/>
+          <p:nvPr/>
+        </p:nvCxnSpPr>
+        <p:spPr>
+          <a:xfrm flipV="1">
+            <a:off x="2268799" y="764704"/>
+            <a:ext cx="0" cy="502816"/>
+          </a:xfrm>
+          <a:prstGeom prst="line">
+            <a:avLst/>
+          </a:prstGeom>
+          <a:ln w="12700">
+            <a:solidFill>
+              <a:schemeClr val="accent5">
+                <a:lumMod val="50000"/>
+              </a:schemeClr>
+            </a:solidFill>
+          </a:ln>
+        </p:spPr>
+        <p:style>
+          <a:lnRef idx="1">
+            <a:schemeClr val="accent1"/>
+          </a:lnRef>
+          <a:fillRef idx="0">
+            <a:schemeClr val="accent1"/>
+          </a:fillRef>
+          <a:effectRef idx="0">
+            <a:schemeClr val="accent1"/>
+          </a:effectRef>
+          <a:fontRef idx="minor">
+            <a:schemeClr val="tx1"/>
+          </a:fontRef>
+        </p:style>
+      </p:cxnSp>
+      <p:cxnSp>
+        <p:nvCxnSpPr>
+          <p:cNvPr id="50" name="Connecteur droit 49"/>
+          <p:cNvCxnSpPr/>
+          <p:nvPr/>
+        </p:nvCxnSpPr>
+        <p:spPr>
+          <a:xfrm flipV="1">
+            <a:off x="3152012" y="761778"/>
+            <a:ext cx="0" cy="508222"/>
+          </a:xfrm>
+          <a:prstGeom prst="line">
+            <a:avLst/>
+          </a:prstGeom>
+          <a:ln w="12700">
+            <a:solidFill>
+              <a:schemeClr val="accent5">
+                <a:lumMod val="50000"/>
+              </a:schemeClr>
+            </a:solidFill>
+          </a:ln>
+        </p:spPr>
+        <p:style>
+          <a:lnRef idx="1">
+            <a:schemeClr val="accent1"/>
+          </a:lnRef>
+          <a:fillRef idx="0">
+            <a:schemeClr val="accent1"/>
+          </a:fillRef>
+          <a:effectRef idx="0">
+            <a:schemeClr val="accent1"/>
+          </a:effectRef>
+          <a:fontRef idx="minor">
+            <a:schemeClr val="tx1"/>
+          </a:fontRef>
+        </p:style>
+      </p:cxnSp>
+      <p:cxnSp>
+        <p:nvCxnSpPr>
+          <p:cNvPr id="53" name="Connecteur droit 52"/>
+          <p:cNvCxnSpPr/>
+          <p:nvPr/>
+        </p:nvCxnSpPr>
+        <p:spPr>
+          <a:xfrm>
+            <a:off x="2267744" y="768128"/>
+            <a:ext cx="884268" cy="0"/>
+          </a:xfrm>
+          <a:prstGeom prst="line">
+            <a:avLst/>
+          </a:prstGeom>
+          <a:ln w="12700">
+            <a:solidFill>
+              <a:schemeClr val="accent5">
+                <a:lumMod val="50000"/>
+              </a:schemeClr>
+            </a:solidFill>
+          </a:ln>
+        </p:spPr>
+        <p:style>
+          <a:lnRef idx="1">
+            <a:schemeClr val="accent1"/>
+          </a:lnRef>
+          <a:fillRef idx="0">
+            <a:schemeClr val="accent1"/>
+          </a:fillRef>
+          <a:effectRef idx="0">
+            <a:schemeClr val="accent1"/>
+          </a:effectRef>
+          <a:fontRef idx="minor">
+            <a:schemeClr val="tx1"/>
+          </a:fontRef>
+        </p:style>
+      </p:cxnSp>
+      <p:cxnSp>
+        <p:nvCxnSpPr>
+          <p:cNvPr id="54" name="Connecteur droit 53"/>
+          <p:cNvCxnSpPr/>
+          <p:nvPr/>
+        </p:nvCxnSpPr>
+        <p:spPr>
+          <a:xfrm flipV="1">
+            <a:off x="2267744" y="1988840"/>
+            <a:ext cx="0" cy="502816"/>
+          </a:xfrm>
+          <a:prstGeom prst="line">
+            <a:avLst/>
+          </a:prstGeom>
+          <a:ln w="12700">
+            <a:solidFill>
+              <a:schemeClr val="accent5">
+                <a:lumMod val="50000"/>
+              </a:schemeClr>
+            </a:solidFill>
+          </a:ln>
+        </p:spPr>
+        <p:style>
+          <a:lnRef idx="1">
+            <a:schemeClr val="accent1"/>
+          </a:lnRef>
+          <a:fillRef idx="0">
+            <a:schemeClr val="accent1"/>
+          </a:fillRef>
+          <a:effectRef idx="0">
+            <a:schemeClr val="accent1"/>
+          </a:effectRef>
+          <a:fontRef idx="minor">
+            <a:schemeClr val="tx1"/>
+          </a:fontRef>
+        </p:style>
+      </p:cxnSp>
+      <p:cxnSp>
+        <p:nvCxnSpPr>
+          <p:cNvPr id="55" name="Connecteur droit 54"/>
+          <p:cNvCxnSpPr/>
+          <p:nvPr/>
+        </p:nvCxnSpPr>
+        <p:spPr>
+          <a:xfrm>
+            <a:off x="2267743" y="2488730"/>
+            <a:ext cx="894582" cy="0"/>
+          </a:xfrm>
+          <a:prstGeom prst="line">
+            <a:avLst/>
+          </a:prstGeom>
+          <a:ln w="12700">
+            <a:solidFill>
+              <a:schemeClr val="accent5">
+                <a:lumMod val="50000"/>
+              </a:schemeClr>
+            </a:solidFill>
+          </a:ln>
+        </p:spPr>
+        <p:style>
+          <a:lnRef idx="1">
+            <a:schemeClr val="accent1"/>
+          </a:lnRef>
+          <a:fillRef idx="0">
+            <a:schemeClr val="accent1"/>
+          </a:fillRef>
+          <a:effectRef idx="0">
+            <a:schemeClr val="accent1"/>
+          </a:effectRef>
+          <a:fontRef idx="minor">
+            <a:schemeClr val="tx1"/>
+          </a:fontRef>
+        </p:style>
+      </p:cxnSp>
+      <p:cxnSp>
+        <p:nvCxnSpPr>
+          <p:cNvPr id="41" name="Connecteur droit 40"/>
+          <p:cNvCxnSpPr/>
+          <p:nvPr/>
+        </p:nvCxnSpPr>
+        <p:spPr>
+          <a:xfrm flipH="1">
+            <a:off x="2052247" y="1629941"/>
+            <a:ext cx="1440160" cy="620"/>
+          </a:xfrm>
+          <a:prstGeom prst="line">
+            <a:avLst/>
+          </a:prstGeom>
+          <a:ln w="6350">
+            <a:solidFill>
+              <a:schemeClr val="accent5">
+                <a:lumMod val="50000"/>
+              </a:schemeClr>
+            </a:solidFill>
+            <a:prstDash val="lgDashDot"/>
+          </a:ln>
+        </p:spPr>
+        <p:style>
+          <a:lnRef idx="1">
+            <a:schemeClr val="accent1"/>
+          </a:lnRef>
+          <a:fillRef idx="0">
+            <a:schemeClr val="accent1"/>
+          </a:fillRef>
+          <a:effectRef idx="0">
+            <a:schemeClr val="accent1"/>
+          </a:effectRef>
+          <a:fontRef idx="minor">
+            <a:schemeClr val="tx1"/>
+          </a:fontRef>
+        </p:style>
+      </p:cxnSp>
+      <p:cxnSp>
+        <p:nvCxnSpPr>
+          <p:cNvPr id="109" name="Connecteur droit avec flèche 108"/>
+          <p:cNvCxnSpPr/>
+          <p:nvPr/>
+        </p:nvCxnSpPr>
+        <p:spPr>
+          <a:xfrm>
+            <a:off x="1763688" y="2039419"/>
+            <a:ext cx="504056" cy="0"/>
+          </a:xfrm>
+          <a:prstGeom prst="straightConnector1">
+            <a:avLst/>
+          </a:prstGeom>
+          <a:ln>
+            <a:solidFill>
+              <a:srgbClr val="C00000"/>
+            </a:solidFill>
+            <a:tailEnd type="stealth" w="sm" len="med"/>
+          </a:ln>
+        </p:spPr>
+        <p:style>
+          <a:lnRef idx="1">
+            <a:schemeClr val="accent1"/>
+          </a:lnRef>
+          <a:fillRef idx="0">
+            <a:schemeClr val="accent1"/>
+          </a:fillRef>
+          <a:effectRef idx="0">
+            <a:schemeClr val="accent1"/>
+          </a:effectRef>
+          <a:fontRef idx="minor">
+            <a:schemeClr val="tx1"/>
+          </a:fontRef>
+        </p:style>
+      </p:cxnSp>
+      <p:cxnSp>
+        <p:nvCxnSpPr>
+          <p:cNvPr id="65" name="Connecteur droit 64"/>
+          <p:cNvCxnSpPr/>
+          <p:nvPr/>
+        </p:nvCxnSpPr>
+        <p:spPr>
+          <a:xfrm>
+            <a:off x="3059832" y="1270000"/>
+            <a:ext cx="0" cy="718840"/>
+          </a:xfrm>
+          <a:prstGeom prst="line">
+            <a:avLst/>
+          </a:prstGeom>
+          <a:ln w="6350">
+            <a:solidFill>
+              <a:schemeClr val="accent5">
+                <a:lumMod val="50000"/>
+              </a:schemeClr>
+            </a:solidFill>
+          </a:ln>
+        </p:spPr>
+        <p:style>
+          <a:lnRef idx="1">
+            <a:schemeClr val="accent1"/>
+          </a:lnRef>
+          <a:fillRef idx="0">
+            <a:schemeClr val="accent1"/>
+          </a:fillRef>
+          <a:effectRef idx="0">
+            <a:schemeClr val="accent1"/>
+          </a:effectRef>
+          <a:fontRef idx="minor">
+            <a:schemeClr val="tx1"/>
+          </a:fontRef>
+        </p:style>
+      </p:cxnSp>
+      <p:cxnSp>
+        <p:nvCxnSpPr>
+          <p:cNvPr id="73" name="Connecteur droit 72"/>
+          <p:cNvCxnSpPr/>
+          <p:nvPr/>
+        </p:nvCxnSpPr>
+        <p:spPr>
+          <a:xfrm flipV="1">
+            <a:off x="3059832" y="1303338"/>
+            <a:ext cx="52042" cy="0"/>
+          </a:xfrm>
+          <a:prstGeom prst="line">
+            <a:avLst/>
+          </a:prstGeom>
+          <a:ln w="6350">
+            <a:solidFill>
+              <a:schemeClr val="accent5">
+                <a:lumMod val="50000"/>
+              </a:schemeClr>
+            </a:solidFill>
+          </a:ln>
+        </p:spPr>
+        <p:style>
+          <a:lnRef idx="1">
+            <a:schemeClr val="accent1"/>
+          </a:lnRef>
+          <a:fillRef idx="0">
+            <a:schemeClr val="accent1"/>
+          </a:fillRef>
+          <a:effectRef idx="0">
+            <a:schemeClr val="accent1"/>
+          </a:effectRef>
+          <a:fontRef idx="minor">
+            <a:schemeClr val="tx1"/>
+          </a:fontRef>
+        </p:style>
+      </p:cxnSp>
+      <p:cxnSp>
+        <p:nvCxnSpPr>
+          <p:cNvPr id="78" name="Connecteur droit 77"/>
+          <p:cNvCxnSpPr/>
+          <p:nvPr/>
+        </p:nvCxnSpPr>
+        <p:spPr>
+          <a:xfrm flipV="1">
+            <a:off x="3111874" y="1267521"/>
+            <a:ext cx="1" cy="69154"/>
+          </a:xfrm>
+          <a:prstGeom prst="line">
+            <a:avLst/>
+          </a:prstGeom>
+          <a:ln w="12700">
+            <a:solidFill>
+              <a:schemeClr val="accent5">
+                <a:lumMod val="50000"/>
+              </a:schemeClr>
+            </a:solidFill>
+          </a:ln>
+        </p:spPr>
+        <p:style>
+          <a:lnRef idx="1">
+            <a:schemeClr val="accent1"/>
+          </a:lnRef>
+          <a:fillRef idx="0">
+            <a:schemeClr val="accent1"/>
+          </a:fillRef>
+          <a:effectRef idx="0">
+            <a:schemeClr val="accent1"/>
+          </a:effectRef>
+          <a:fontRef idx="minor">
+            <a:schemeClr val="tx1"/>
+          </a:fontRef>
+        </p:style>
+      </p:cxnSp>
+      <p:cxnSp>
+        <p:nvCxnSpPr>
+          <p:cNvPr id="89" name="Connecteur droit 88"/>
+          <p:cNvCxnSpPr/>
+          <p:nvPr/>
+        </p:nvCxnSpPr>
+        <p:spPr>
+          <a:xfrm flipH="1">
+            <a:off x="3111875" y="1336675"/>
+            <a:ext cx="337477" cy="0"/>
+          </a:xfrm>
+          <a:prstGeom prst="line">
+            <a:avLst/>
+          </a:prstGeom>
+          <a:ln w="12700">
+            <a:solidFill>
+              <a:schemeClr val="accent5">
+                <a:lumMod val="50000"/>
+              </a:schemeClr>
+            </a:solidFill>
+          </a:ln>
+        </p:spPr>
+        <p:style>
+          <a:lnRef idx="1">
+            <a:schemeClr val="accent1"/>
+          </a:lnRef>
+          <a:fillRef idx="0">
+            <a:schemeClr val="accent1"/>
+          </a:fillRef>
+          <a:effectRef idx="0">
+            <a:schemeClr val="accent1"/>
+          </a:effectRef>
+          <a:fontRef idx="minor">
+            <a:schemeClr val="tx1"/>
+          </a:fontRef>
+        </p:style>
+      </p:cxnSp>
+      <p:cxnSp>
+        <p:nvCxnSpPr>
+          <p:cNvPr id="93" name="Connecteur droit 92"/>
+          <p:cNvCxnSpPr/>
+          <p:nvPr/>
+        </p:nvCxnSpPr>
+        <p:spPr>
+          <a:xfrm>
+            <a:off x="3413352" y="1336675"/>
+            <a:ext cx="1" cy="652165"/>
+          </a:xfrm>
+          <a:prstGeom prst="line">
+            <a:avLst/>
+          </a:prstGeom>
+          <a:ln w="12700">
+            <a:solidFill>
+              <a:schemeClr val="accent5">
+                <a:lumMod val="50000"/>
+              </a:schemeClr>
+            </a:solidFill>
+          </a:ln>
+        </p:spPr>
+        <p:style>
+          <a:lnRef idx="1">
+            <a:schemeClr val="accent1"/>
+          </a:lnRef>
+          <a:fillRef idx="0">
+            <a:schemeClr val="accent1"/>
+          </a:fillRef>
+          <a:effectRef idx="0">
+            <a:schemeClr val="accent1"/>
+          </a:effectRef>
+          <a:fontRef idx="minor">
+            <a:schemeClr val="tx1"/>
+          </a:fontRef>
+        </p:style>
+      </p:cxnSp>
+      <p:cxnSp>
+        <p:nvCxnSpPr>
+          <p:cNvPr id="98" name="Connecteur droit 97"/>
+          <p:cNvCxnSpPr/>
+          <p:nvPr/>
+        </p:nvCxnSpPr>
+        <p:spPr>
+          <a:xfrm flipV="1">
+            <a:off x="3413323" y="1952840"/>
+            <a:ext cx="36000" cy="36000"/>
+          </a:xfrm>
+          <a:prstGeom prst="line">
+            <a:avLst/>
+          </a:prstGeom>
+          <a:ln w="12700">
+            <a:solidFill>
+              <a:schemeClr val="accent5">
+                <a:lumMod val="50000"/>
+              </a:schemeClr>
+            </a:solidFill>
+          </a:ln>
+        </p:spPr>
+        <p:style>
+          <a:lnRef idx="1">
+            <a:schemeClr val="accent1"/>
+          </a:lnRef>
+          <a:fillRef idx="0">
+            <a:schemeClr val="accent1"/>
+          </a:fillRef>
+          <a:effectRef idx="0">
+            <a:schemeClr val="accent1"/>
+          </a:effectRef>
+          <a:fontRef idx="minor">
+            <a:schemeClr val="tx1"/>
+          </a:fontRef>
+        </p:style>
+      </p:cxnSp>
+      <p:cxnSp>
+        <p:nvCxnSpPr>
+          <p:cNvPr id="100" name="Connecteur droit 99"/>
+          <p:cNvCxnSpPr/>
+          <p:nvPr/>
+        </p:nvCxnSpPr>
+        <p:spPr>
+          <a:xfrm>
+            <a:off x="3449323" y="1302098"/>
+            <a:ext cx="29" cy="650742"/>
+          </a:xfrm>
+          <a:prstGeom prst="line">
+            <a:avLst/>
+          </a:prstGeom>
+          <a:ln w="12700">
+            <a:solidFill>
+              <a:schemeClr val="accent5">
+                <a:lumMod val="50000"/>
+              </a:schemeClr>
+            </a:solidFill>
+          </a:ln>
+        </p:spPr>
+        <p:style>
+          <a:lnRef idx="1">
+            <a:schemeClr val="accent1"/>
+          </a:lnRef>
+          <a:fillRef idx="0">
+            <a:schemeClr val="accent1"/>
+          </a:fillRef>
+          <a:effectRef idx="0">
+            <a:schemeClr val="accent1"/>
+          </a:effectRef>
+          <a:fontRef idx="minor">
+            <a:schemeClr val="tx1"/>
+          </a:fontRef>
+        </p:style>
+      </p:cxnSp>
+      <p:cxnSp>
+        <p:nvCxnSpPr>
+          <p:cNvPr id="106" name="Connecteur droit 105"/>
+          <p:cNvCxnSpPr/>
+          <p:nvPr/>
+        </p:nvCxnSpPr>
+        <p:spPr>
+          <a:xfrm>
+            <a:off x="3059832" y="1952840"/>
+            <a:ext cx="389491" cy="0"/>
+          </a:xfrm>
+          <a:prstGeom prst="line">
+            <a:avLst/>
+          </a:prstGeom>
+          <a:ln w="6350">
+            <a:solidFill>
+              <a:schemeClr val="accent5">
+                <a:lumMod val="50000"/>
+              </a:schemeClr>
+            </a:solidFill>
+          </a:ln>
+        </p:spPr>
+        <p:style>
+          <a:lnRef idx="1">
+            <a:schemeClr val="accent1"/>
+          </a:lnRef>
+          <a:fillRef idx="0">
+            <a:schemeClr val="accent1"/>
+          </a:fillRef>
+          <a:effectRef idx="0">
+            <a:schemeClr val="accent1"/>
+          </a:effectRef>
+          <a:fontRef idx="minor">
+            <a:schemeClr val="tx1"/>
+          </a:fontRef>
+        </p:style>
+      </p:cxnSp>
+      <p:cxnSp>
+        <p:nvCxnSpPr>
+          <p:cNvPr id="111" name="Connecteur droit 110"/>
+          <p:cNvCxnSpPr/>
+          <p:nvPr/>
+        </p:nvCxnSpPr>
+        <p:spPr>
+          <a:xfrm flipH="1">
+            <a:off x="3152011" y="1088740"/>
+            <a:ext cx="36505" cy="99380"/>
+          </a:xfrm>
+          <a:prstGeom prst="line">
+            <a:avLst/>
+          </a:prstGeom>
+          <a:ln w="12700">
+            <a:solidFill>
+              <a:schemeClr val="accent5">
+                <a:lumMod val="50000"/>
+              </a:schemeClr>
+            </a:solidFill>
+          </a:ln>
+        </p:spPr>
+        <p:style>
+          <a:lnRef idx="1">
+            <a:schemeClr val="accent1"/>
+          </a:lnRef>
+          <a:fillRef idx="0">
+            <a:schemeClr val="accent1"/>
+          </a:fillRef>
+          <a:effectRef idx="0">
+            <a:schemeClr val="accent1"/>
+          </a:effectRef>
+          <a:fontRef idx="minor">
+            <a:schemeClr val="tx1"/>
+          </a:fontRef>
+        </p:style>
+      </p:cxnSp>
+      <p:cxnSp>
+        <p:nvCxnSpPr>
+          <p:cNvPr id="116" name="Connecteur droit 115"/>
+          <p:cNvCxnSpPr/>
+          <p:nvPr/>
+        </p:nvCxnSpPr>
+        <p:spPr>
+          <a:xfrm flipH="1">
+            <a:off x="3197731" y="1188120"/>
+            <a:ext cx="25021" cy="0"/>
+          </a:xfrm>
+          <a:prstGeom prst="line">
+            <a:avLst/>
+          </a:prstGeom>
+          <a:ln w="12700">
+            <a:solidFill>
+              <a:schemeClr val="accent5">
+                <a:lumMod val="50000"/>
+              </a:schemeClr>
+            </a:solidFill>
+          </a:ln>
+        </p:spPr>
+        <p:style>
+          <a:lnRef idx="1">
+            <a:schemeClr val="accent1"/>
+          </a:lnRef>
+          <a:fillRef idx="0">
+            <a:schemeClr val="accent1"/>
+          </a:fillRef>
+          <a:effectRef idx="0">
+            <a:schemeClr val="accent1"/>
+          </a:effectRef>
+          <a:fontRef idx="minor">
+            <a:schemeClr val="tx1"/>
+          </a:fontRef>
+        </p:style>
+      </p:cxnSp>
+      <p:cxnSp>
+        <p:nvCxnSpPr>
+          <p:cNvPr id="117" name="Connecteur droit 116"/>
+          <p:cNvCxnSpPr/>
+          <p:nvPr/>
+        </p:nvCxnSpPr>
+        <p:spPr>
+          <a:xfrm flipH="1">
+            <a:off x="3196897" y="1156432"/>
+            <a:ext cx="77903" cy="31688"/>
+          </a:xfrm>
+          <a:prstGeom prst="line">
+            <a:avLst/>
+          </a:prstGeom>
+          <a:ln w="12700">
+            <a:solidFill>
+              <a:schemeClr val="accent5">
+                <a:lumMod val="50000"/>
+              </a:schemeClr>
+            </a:solidFill>
+          </a:ln>
+        </p:spPr>
+        <p:style>
+          <a:lnRef idx="1">
+            <a:schemeClr val="accent1"/>
+          </a:lnRef>
+          <a:fillRef idx="0">
+            <a:schemeClr val="accent1"/>
+          </a:fillRef>
+          <a:effectRef idx="0">
+            <a:schemeClr val="accent1"/>
+          </a:effectRef>
+          <a:fontRef idx="minor">
+            <a:schemeClr val="tx1"/>
+          </a:fontRef>
+        </p:style>
+      </p:cxnSp>
+      <p:cxnSp>
+        <p:nvCxnSpPr>
+          <p:cNvPr id="120" name="Connecteur droit 119"/>
+          <p:cNvCxnSpPr/>
+          <p:nvPr/>
+        </p:nvCxnSpPr>
+        <p:spPr>
+          <a:xfrm flipV="1">
+            <a:off x="3290611" y="1120687"/>
+            <a:ext cx="0" cy="66355"/>
+          </a:xfrm>
+          <a:prstGeom prst="line">
+            <a:avLst/>
+          </a:prstGeom>
+          <a:ln w="12700">
+            <a:solidFill>
+              <a:schemeClr val="accent5">
+                <a:lumMod val="50000"/>
+              </a:schemeClr>
+            </a:solidFill>
+          </a:ln>
+        </p:spPr>
+        <p:style>
+          <a:lnRef idx="1">
+            <a:schemeClr val="accent1"/>
+          </a:lnRef>
+          <a:fillRef idx="0">
+            <a:schemeClr val="accent1"/>
+          </a:fillRef>
+          <a:effectRef idx="0">
+            <a:schemeClr val="accent1"/>
+          </a:effectRef>
+          <a:fontRef idx="minor">
+            <a:schemeClr val="tx1"/>
+          </a:fontRef>
+        </p:style>
+      </p:cxnSp>
+      <p:cxnSp>
+        <p:nvCxnSpPr>
+          <p:cNvPr id="127" name="Connecteur droit 126"/>
+          <p:cNvCxnSpPr/>
+          <p:nvPr/>
+        </p:nvCxnSpPr>
+        <p:spPr>
+          <a:xfrm flipH="1">
+            <a:off x="3186247" y="1133786"/>
+            <a:ext cx="77903" cy="31688"/>
+          </a:xfrm>
+          <a:prstGeom prst="line">
+            <a:avLst/>
+          </a:prstGeom>
+          <a:ln w="12700">
+            <a:solidFill>
+              <a:schemeClr val="accent5">
+                <a:lumMod val="50000"/>
+              </a:schemeClr>
+            </a:solidFill>
+          </a:ln>
+        </p:spPr>
+        <p:style>
+          <a:lnRef idx="1">
+            <a:schemeClr val="accent1"/>
+          </a:lnRef>
+          <a:fillRef idx="0">
+            <a:schemeClr val="accent1"/>
+          </a:fillRef>
+          <a:effectRef idx="0">
+            <a:schemeClr val="accent1"/>
+          </a:effectRef>
+          <a:fontRef idx="minor">
+            <a:schemeClr val="tx1"/>
+          </a:fontRef>
+        </p:style>
+      </p:cxnSp>
+      <p:cxnSp>
+        <p:nvCxnSpPr>
+          <p:cNvPr id="128" name="Connecteur droit 127"/>
+          <p:cNvCxnSpPr/>
+          <p:nvPr/>
+        </p:nvCxnSpPr>
+        <p:spPr>
+          <a:xfrm flipH="1" flipV="1">
+            <a:off x="3259388" y="1136167"/>
+            <a:ext cx="11706" cy="22646"/>
+          </a:xfrm>
+          <a:prstGeom prst="line">
+            <a:avLst/>
+          </a:prstGeom>
+          <a:ln w="12700">
+            <a:solidFill>
+              <a:schemeClr val="accent5">
+                <a:lumMod val="50000"/>
+              </a:schemeClr>
+            </a:solidFill>
+          </a:ln>
+        </p:spPr>
+        <p:style>
+          <a:lnRef idx="1">
+            <a:schemeClr val="accent1"/>
+          </a:lnRef>
+          <a:fillRef idx="0">
+            <a:schemeClr val="accent1"/>
+          </a:fillRef>
+          <a:effectRef idx="0">
+            <a:schemeClr val="accent1"/>
+          </a:effectRef>
+          <a:fontRef idx="minor">
+            <a:schemeClr val="tx1"/>
+          </a:fontRef>
+        </p:style>
+      </p:cxnSp>
+      <p:cxnSp>
+        <p:nvCxnSpPr>
+          <p:cNvPr id="132" name="Connecteur droit 131"/>
+          <p:cNvCxnSpPr/>
+          <p:nvPr/>
+        </p:nvCxnSpPr>
+        <p:spPr>
+          <a:xfrm flipV="1">
+            <a:off x="3152011" y="1188120"/>
+            <a:ext cx="0" cy="142776"/>
+          </a:xfrm>
+          <a:prstGeom prst="line">
+            <a:avLst/>
+          </a:prstGeom>
+          <a:ln w="12700">
+            <a:solidFill>
+              <a:schemeClr val="accent5">
+                <a:lumMod val="50000"/>
+              </a:schemeClr>
+            </a:solidFill>
+          </a:ln>
+        </p:spPr>
+        <p:style>
+          <a:lnRef idx="1">
+            <a:schemeClr val="accent1"/>
+          </a:lnRef>
+          <a:fillRef idx="0">
+            <a:schemeClr val="accent1"/>
+          </a:fillRef>
+          <a:effectRef idx="0">
+            <a:schemeClr val="accent1"/>
+          </a:effectRef>
+          <a:fontRef idx="minor">
+            <a:schemeClr val="tx1"/>
+          </a:fontRef>
+        </p:style>
+      </p:cxnSp>
+      <p:cxnSp>
+        <p:nvCxnSpPr>
+          <p:cNvPr id="136" name="Connecteur droit 135"/>
+          <p:cNvCxnSpPr/>
+          <p:nvPr/>
+        </p:nvCxnSpPr>
+        <p:spPr>
+          <a:xfrm flipV="1">
+            <a:off x="3188516" y="1187852"/>
+            <a:ext cx="0" cy="142776"/>
+          </a:xfrm>
+          <a:prstGeom prst="line">
+            <a:avLst/>
+          </a:prstGeom>
+          <a:ln w="12700">
+            <a:solidFill>
+              <a:schemeClr val="accent5">
+                <a:lumMod val="50000"/>
+              </a:schemeClr>
+            </a:solidFill>
+          </a:ln>
+        </p:spPr>
+        <p:style>
+          <a:lnRef idx="1">
+            <a:schemeClr val="accent1"/>
+          </a:lnRef>
+          <a:fillRef idx="0">
+            <a:schemeClr val="accent1"/>
+          </a:fillRef>
+          <a:effectRef idx="0">
+            <a:schemeClr val="accent1"/>
+          </a:effectRef>
+          <a:fontRef idx="minor">
+            <a:schemeClr val="tx1"/>
+          </a:fontRef>
+        </p:style>
+      </p:cxnSp>
+      <p:cxnSp>
+        <p:nvCxnSpPr>
+          <p:cNvPr id="139" name="Connecteur droit 138"/>
+          <p:cNvCxnSpPr/>
+          <p:nvPr/>
+        </p:nvCxnSpPr>
+        <p:spPr>
+          <a:xfrm flipH="1">
+            <a:off x="3188516" y="1085071"/>
+            <a:ext cx="29581" cy="82528"/>
+          </a:xfrm>
+          <a:prstGeom prst="line">
+            <a:avLst/>
+          </a:prstGeom>
+          <a:ln w="12700">
+            <a:solidFill>
+              <a:schemeClr val="accent5">
+                <a:lumMod val="50000"/>
+              </a:schemeClr>
+            </a:solidFill>
+          </a:ln>
+        </p:spPr>
+        <p:style>
+          <a:lnRef idx="1">
+            <a:schemeClr val="accent1"/>
+          </a:lnRef>
+          <a:fillRef idx="0">
+            <a:schemeClr val="accent1"/>
+          </a:fillRef>
+          <a:effectRef idx="0">
+            <a:schemeClr val="accent1"/>
+          </a:effectRef>
+          <a:fontRef idx="minor">
+            <a:schemeClr val="tx1"/>
+          </a:fontRef>
+        </p:style>
+      </p:cxnSp>
+      <p:cxnSp>
+        <p:nvCxnSpPr>
+          <p:cNvPr id="141" name="Connecteur droit 140"/>
+          <p:cNvCxnSpPr/>
+          <p:nvPr/>
+        </p:nvCxnSpPr>
+        <p:spPr>
+          <a:xfrm flipH="1">
+            <a:off x="3186024" y="1088740"/>
+            <a:ext cx="27466" cy="0"/>
+          </a:xfrm>
+          <a:prstGeom prst="line">
+            <a:avLst/>
+          </a:prstGeom>
+          <a:ln w="12700">
+            <a:solidFill>
+              <a:schemeClr val="accent5">
+                <a:lumMod val="50000"/>
+              </a:schemeClr>
+            </a:solidFill>
+          </a:ln>
+        </p:spPr>
+        <p:style>
+          <a:lnRef idx="1">
+            <a:schemeClr val="accent1"/>
+          </a:lnRef>
+          <a:fillRef idx="0">
+            <a:schemeClr val="accent1"/>
+          </a:fillRef>
+          <a:effectRef idx="0">
+            <a:schemeClr val="accent1"/>
+          </a:effectRef>
+          <a:fontRef idx="minor">
+            <a:schemeClr val="tx1"/>
+          </a:fontRef>
+        </p:style>
+      </p:cxnSp>
+      <p:cxnSp>
+        <p:nvCxnSpPr>
+          <p:cNvPr id="145" name="Connecteur droit 144"/>
+          <p:cNvCxnSpPr/>
+          <p:nvPr/>
+        </p:nvCxnSpPr>
+        <p:spPr>
+          <a:xfrm flipH="1">
+            <a:off x="3280818" y="1271190"/>
+            <a:ext cx="132535" cy="0"/>
+          </a:xfrm>
+          <a:prstGeom prst="line">
+            <a:avLst/>
+          </a:prstGeom>
+          <a:ln w="12700">
+            <a:solidFill>
+              <a:schemeClr val="accent5">
+                <a:lumMod val="50000"/>
+              </a:schemeClr>
+            </a:solidFill>
+          </a:ln>
+        </p:spPr>
+        <p:style>
+          <a:lnRef idx="1">
+            <a:schemeClr val="accent1"/>
+          </a:lnRef>
+          <a:fillRef idx="0">
+            <a:schemeClr val="accent1"/>
+          </a:fillRef>
+          <a:effectRef idx="0">
+            <a:schemeClr val="accent1"/>
+          </a:effectRef>
+          <a:fontRef idx="minor">
+            <a:schemeClr val="tx1"/>
+          </a:fontRef>
+        </p:style>
+      </p:cxnSp>
+      <p:cxnSp>
+        <p:nvCxnSpPr>
+          <p:cNvPr id="151" name="Connecteur droit 150"/>
+          <p:cNvCxnSpPr/>
+          <p:nvPr/>
+        </p:nvCxnSpPr>
+        <p:spPr>
+          <a:xfrm>
+            <a:off x="3205634" y="1120687"/>
+            <a:ext cx="84977" cy="0"/>
+          </a:xfrm>
+          <a:prstGeom prst="line">
+            <a:avLst/>
+          </a:prstGeom>
+          <a:ln w="12700">
+            <a:solidFill>
+              <a:schemeClr val="accent5">
+                <a:lumMod val="50000"/>
+              </a:schemeClr>
+            </a:solidFill>
+          </a:ln>
+        </p:spPr>
+        <p:style>
+          <a:lnRef idx="1">
+            <a:schemeClr val="accent1"/>
+          </a:lnRef>
+          <a:fillRef idx="0">
+            <a:schemeClr val="accent1"/>
+          </a:fillRef>
+          <a:effectRef idx="0">
+            <a:schemeClr val="accent1"/>
+          </a:effectRef>
+          <a:fontRef idx="minor">
+            <a:schemeClr val="tx1"/>
+          </a:fontRef>
+        </p:style>
+      </p:cxnSp>
+      <p:sp>
+        <p:nvSpPr>
+          <p:cNvPr id="156" name="Rectangle 155"/>
+          <p:cNvSpPr/>
+          <p:nvPr/>
+        </p:nvSpPr>
+        <p:spPr>
+          <a:xfrm rot="3993707" flipH="1">
+            <a:off x="3215313" y="1129275"/>
+            <a:ext cx="18000" cy="72000"/>
+          </a:xfrm>
+          <a:prstGeom prst="rect">
+            <a:avLst/>
+          </a:prstGeom>
+          <a:pattFill prst="ltUpDiag">
+            <a:fgClr>
+              <a:schemeClr val="accent5">
+                <a:lumMod val="50000"/>
+              </a:schemeClr>
+            </a:fgClr>
+            <a:bgClr>
+              <a:schemeClr val="bg1"/>
+            </a:bgClr>
+          </a:pattFill>
+          <a:ln w="12700">
+            <a:noFill/>
+          </a:ln>
+        </p:spPr>
+        <p:style>
+          <a:lnRef idx="1">
+            <a:schemeClr val="accent1"/>
+          </a:lnRef>
+          <a:fillRef idx="0">
+            <a:schemeClr val="accent1"/>
+          </a:fillRef>
+          <a:effectRef idx="0">
+            <a:schemeClr val="accent1"/>
+          </a:effectRef>
+          <a:fontRef idx="minor">
+            <a:schemeClr val="tx1"/>
+          </a:fontRef>
+        </p:style>
+        <p:txBody>
+          <a:bodyPr rtlCol="0" anchor="ctr"/>
+          <a:lstStyle/>
+          <a:p>
+            <a:pPr algn="ctr"/>
+            <a:endParaRPr lang="fr-FR"/>
+          </a:p>
+        </p:txBody>
+      </p:sp>
+      <p:cxnSp>
+        <p:nvCxnSpPr>
+          <p:cNvPr id="175" name="Connecteur droit 174"/>
+          <p:cNvCxnSpPr/>
+          <p:nvPr/>
+        </p:nvCxnSpPr>
+        <p:spPr>
+          <a:xfrm flipH="1" flipV="1">
+            <a:off x="3162325" y="1167656"/>
+            <a:ext cx="27812" cy="0"/>
+          </a:xfrm>
+          <a:prstGeom prst="line">
+            <a:avLst/>
+          </a:prstGeom>
+          <a:ln w="12700">
+            <a:solidFill>
+              <a:schemeClr val="accent5">
+                <a:lumMod val="50000"/>
+              </a:schemeClr>
+            </a:solidFill>
+          </a:ln>
+        </p:spPr>
+        <p:style>
+          <a:lnRef idx="1">
+            <a:schemeClr val="accent1"/>
+          </a:lnRef>
+          <a:fillRef idx="0">
+            <a:schemeClr val="accent1"/>
+          </a:fillRef>
+          <a:effectRef idx="0">
+            <a:schemeClr val="accent1"/>
+          </a:effectRef>
+          <a:fontRef idx="minor">
+            <a:schemeClr val="tx1"/>
+          </a:fontRef>
+        </p:style>
+      </p:cxnSp>
+      <p:sp>
+        <p:nvSpPr>
+          <p:cNvPr id="125" name="Rectangle 124"/>
+          <p:cNvSpPr/>
+          <p:nvPr/>
+        </p:nvSpPr>
+        <p:spPr>
+          <a:xfrm>
+            <a:off x="3187373" y="1188119"/>
+            <a:ext cx="108000" cy="83071"/>
+          </a:xfrm>
+          <a:prstGeom prst="rect">
+            <a:avLst/>
+          </a:prstGeom>
+          <a:pattFill prst="ltDnDiag">
+            <a:fgClr>
+              <a:schemeClr val="accent5">
+                <a:lumMod val="50000"/>
+              </a:schemeClr>
+            </a:fgClr>
+            <a:bgClr>
+              <a:schemeClr val="bg1"/>
+            </a:bgClr>
+          </a:pattFill>
+          <a:ln w="12700">
+            <a:solidFill>
+              <a:schemeClr val="accent5">
+                <a:lumMod val="50000"/>
+              </a:schemeClr>
+            </a:solidFill>
+          </a:ln>
+        </p:spPr>
+        <p:style>
+          <a:lnRef idx="1">
+            <a:schemeClr val="accent1"/>
+          </a:lnRef>
+          <a:fillRef idx="0">
+            <a:schemeClr val="accent1"/>
+          </a:fillRef>
+          <a:effectRef idx="0">
+            <a:schemeClr val="accent1"/>
+          </a:effectRef>
+          <a:fontRef idx="minor">
+            <a:schemeClr val="tx1"/>
+          </a:fontRef>
+        </p:style>
+        <p:txBody>
+          <a:bodyPr rtlCol="0" anchor="ctr"/>
+          <a:lstStyle/>
+          <a:p>
+            <a:pPr algn="ctr"/>
+            <a:endParaRPr lang="fr-FR"/>
+          </a:p>
+        </p:txBody>
+      </p:sp>
+      <p:cxnSp>
+        <p:nvCxnSpPr>
+          <p:cNvPr id="176" name="Connecteur droit 175"/>
+          <p:cNvCxnSpPr/>
+          <p:nvPr/>
+        </p:nvCxnSpPr>
+        <p:spPr>
+          <a:xfrm flipV="1">
+            <a:off x="3158131" y="1985914"/>
+            <a:ext cx="0" cy="502816"/>
+          </a:xfrm>
+          <a:prstGeom prst="line">
+            <a:avLst/>
+          </a:prstGeom>
+          <a:ln w="12700">
+            <a:solidFill>
+              <a:schemeClr val="accent5">
+                <a:lumMod val="50000"/>
+              </a:schemeClr>
+            </a:solidFill>
+          </a:ln>
+        </p:spPr>
+        <p:style>
+          <a:lnRef idx="1">
+            <a:schemeClr val="accent1"/>
+          </a:lnRef>
+          <a:fillRef idx="0">
+            <a:schemeClr val="accent1"/>
+          </a:fillRef>
+          <a:effectRef idx="0">
+            <a:schemeClr val="accent1"/>
+          </a:effectRef>
+          <a:fontRef idx="minor">
+            <a:schemeClr val="tx1"/>
+          </a:fontRef>
+        </p:style>
+      </p:cxnSp>
+      <p:cxnSp>
+        <p:nvCxnSpPr>
+          <p:cNvPr id="179" name="Connecteur droit 178"/>
+          <p:cNvCxnSpPr/>
+          <p:nvPr/>
+        </p:nvCxnSpPr>
+        <p:spPr>
+          <a:xfrm flipH="1" flipV="1">
+            <a:off x="3159867" y="2071889"/>
+            <a:ext cx="37865" cy="96971"/>
+          </a:xfrm>
+          <a:prstGeom prst="line">
+            <a:avLst/>
+          </a:prstGeom>
+          <a:ln w="12700">
+            <a:solidFill>
+              <a:schemeClr val="accent5">
+                <a:lumMod val="50000"/>
+              </a:schemeClr>
+            </a:solidFill>
+          </a:ln>
+        </p:spPr>
+        <p:style>
+          <a:lnRef idx="1">
+            <a:schemeClr val="accent1"/>
+          </a:lnRef>
+          <a:fillRef idx="0">
+            <a:schemeClr val="accent1"/>
+          </a:fillRef>
+          <a:effectRef idx="0">
+            <a:schemeClr val="accent1"/>
+          </a:effectRef>
+          <a:fontRef idx="minor">
+            <a:schemeClr val="tx1"/>
+          </a:fontRef>
+        </p:style>
+      </p:cxnSp>
+      <p:cxnSp>
+        <p:nvCxnSpPr>
+          <p:cNvPr id="180" name="Connecteur droit 179"/>
+          <p:cNvCxnSpPr/>
+          <p:nvPr/>
+        </p:nvCxnSpPr>
+        <p:spPr>
+          <a:xfrm flipH="1" flipV="1">
+            <a:off x="3205587" y="2071888"/>
+            <a:ext cx="25021" cy="0"/>
+          </a:xfrm>
+          <a:prstGeom prst="line">
+            <a:avLst/>
+          </a:prstGeom>
+          <a:ln w="12700">
+            <a:solidFill>
+              <a:schemeClr val="accent5">
+                <a:lumMod val="50000"/>
+              </a:schemeClr>
+            </a:solidFill>
+          </a:ln>
+        </p:spPr>
+        <p:style>
+          <a:lnRef idx="1">
+            <a:schemeClr val="accent1"/>
+          </a:lnRef>
+          <a:fillRef idx="0">
+            <a:schemeClr val="accent1"/>
+          </a:fillRef>
+          <a:effectRef idx="0">
+            <a:schemeClr val="accent1"/>
+          </a:effectRef>
+          <a:fontRef idx="minor">
+            <a:schemeClr val="tx1"/>
+          </a:fontRef>
+        </p:style>
+      </p:cxnSp>
+      <p:cxnSp>
+        <p:nvCxnSpPr>
+          <p:cNvPr id="182" name="Connecteur droit 181"/>
+          <p:cNvCxnSpPr/>
+          <p:nvPr/>
+        </p:nvCxnSpPr>
+        <p:spPr>
+          <a:xfrm>
+            <a:off x="3298467" y="2072966"/>
+            <a:ext cx="0" cy="66355"/>
+          </a:xfrm>
+          <a:prstGeom prst="line">
+            <a:avLst/>
+          </a:prstGeom>
+          <a:ln w="12700">
+            <a:solidFill>
+              <a:schemeClr val="accent5">
+                <a:lumMod val="50000"/>
+              </a:schemeClr>
+            </a:solidFill>
+          </a:ln>
+        </p:spPr>
+        <p:style>
+          <a:lnRef idx="1">
+            <a:schemeClr val="accent1"/>
+          </a:lnRef>
+          <a:fillRef idx="0">
+            <a:schemeClr val="accent1"/>
+          </a:fillRef>
+          <a:effectRef idx="0">
+            <a:schemeClr val="accent1"/>
+          </a:effectRef>
+          <a:fontRef idx="minor">
+            <a:schemeClr val="tx1"/>
+          </a:fontRef>
+        </p:style>
+      </p:cxnSp>
+      <p:cxnSp>
+        <p:nvCxnSpPr>
+          <p:cNvPr id="187" name="Connecteur droit 186"/>
+          <p:cNvCxnSpPr/>
+          <p:nvPr/>
+        </p:nvCxnSpPr>
+        <p:spPr>
+          <a:xfrm flipH="1" flipV="1">
+            <a:off x="3192934" y="2068093"/>
+            <a:ext cx="32264" cy="100767"/>
+          </a:xfrm>
+          <a:prstGeom prst="line">
+            <a:avLst/>
+          </a:prstGeom>
+          <a:ln w="12700">
+            <a:solidFill>
+              <a:schemeClr val="accent5">
+                <a:lumMod val="50000"/>
+              </a:schemeClr>
+            </a:solidFill>
+          </a:ln>
+        </p:spPr>
+        <p:style>
+          <a:lnRef idx="1">
+            <a:schemeClr val="accent1"/>
+          </a:lnRef>
+          <a:fillRef idx="0">
+            <a:schemeClr val="accent1"/>
+          </a:fillRef>
+          <a:effectRef idx="0">
+            <a:schemeClr val="accent1"/>
+          </a:effectRef>
+          <a:fontRef idx="minor">
+            <a:schemeClr val="tx1"/>
+          </a:fontRef>
+        </p:style>
+      </p:cxnSp>
+      <p:cxnSp>
+        <p:nvCxnSpPr>
+          <p:cNvPr id="188" name="Connecteur droit 187"/>
+          <p:cNvCxnSpPr/>
+          <p:nvPr/>
+        </p:nvCxnSpPr>
+        <p:spPr>
+          <a:xfrm flipH="1" flipV="1">
+            <a:off x="3193735" y="2164343"/>
+            <a:ext cx="27466" cy="0"/>
+          </a:xfrm>
+          <a:prstGeom prst="line">
+            <a:avLst/>
+          </a:prstGeom>
+          <a:ln w="12700">
+            <a:solidFill>
+              <a:schemeClr val="accent5">
+                <a:lumMod val="50000"/>
+              </a:schemeClr>
+            </a:solidFill>
+          </a:ln>
+        </p:spPr>
+        <p:style>
+          <a:lnRef idx="1">
+            <a:schemeClr val="accent1"/>
+          </a:lnRef>
+          <a:fillRef idx="0">
+            <a:schemeClr val="accent1"/>
+          </a:fillRef>
+          <a:effectRef idx="0">
+            <a:schemeClr val="accent1"/>
+          </a:effectRef>
+          <a:fontRef idx="minor">
+            <a:schemeClr val="tx1"/>
+          </a:fontRef>
+        </p:style>
+      </p:cxnSp>
+      <p:cxnSp>
+        <p:nvCxnSpPr>
+          <p:cNvPr id="190" name="Connecteur droit 189"/>
+          <p:cNvCxnSpPr/>
+          <p:nvPr/>
+        </p:nvCxnSpPr>
+        <p:spPr>
+          <a:xfrm flipV="1">
+            <a:off x="3213490" y="2139321"/>
+            <a:ext cx="84977" cy="0"/>
+          </a:xfrm>
+          <a:prstGeom prst="line">
+            <a:avLst/>
+          </a:prstGeom>
+          <a:ln w="12700">
+            <a:solidFill>
+              <a:schemeClr val="accent5">
+                <a:lumMod val="50000"/>
+              </a:schemeClr>
+            </a:solidFill>
+          </a:ln>
+        </p:spPr>
+        <p:style>
+          <a:lnRef idx="1">
+            <a:schemeClr val="accent1"/>
+          </a:lnRef>
+          <a:fillRef idx="0">
+            <a:schemeClr val="accent1"/>
+          </a:fillRef>
+          <a:effectRef idx="0">
+            <a:schemeClr val="accent1"/>
+          </a:effectRef>
+          <a:fontRef idx="minor">
+            <a:schemeClr val="tx1"/>
+          </a:fontRef>
+        </p:style>
+      </p:cxnSp>
+      <p:sp>
+        <p:nvSpPr>
+          <p:cNvPr id="193" name="Rectangle 192"/>
+          <p:cNvSpPr/>
+          <p:nvPr/>
+        </p:nvSpPr>
+        <p:spPr>
+          <a:xfrm flipV="1">
+            <a:off x="3195229" y="1988816"/>
+            <a:ext cx="103238" cy="83071"/>
+          </a:xfrm>
+          <a:prstGeom prst="rect">
+            <a:avLst/>
+          </a:prstGeom>
+          <a:pattFill prst="ltDnDiag">
+            <a:fgClr>
+              <a:schemeClr val="accent5">
+                <a:lumMod val="50000"/>
+              </a:schemeClr>
+            </a:fgClr>
+            <a:bgClr>
+              <a:schemeClr val="bg1"/>
+            </a:bgClr>
+          </a:pattFill>
+          <a:ln w="12700">
+            <a:solidFill>
+              <a:schemeClr val="accent5">
+                <a:lumMod val="50000"/>
+              </a:schemeClr>
+            </a:solidFill>
+          </a:ln>
+        </p:spPr>
+        <p:style>
+          <a:lnRef idx="1">
+            <a:schemeClr val="accent1"/>
+          </a:lnRef>
+          <a:fillRef idx="0">
+            <a:schemeClr val="accent1"/>
+          </a:fillRef>
+          <a:effectRef idx="0">
+            <a:schemeClr val="accent1"/>
+          </a:effectRef>
+          <a:fontRef idx="minor">
+            <a:schemeClr val="tx1"/>
+          </a:fontRef>
+        </p:style>
+        <p:txBody>
+          <a:bodyPr rtlCol="0" anchor="ctr"/>
+          <a:lstStyle/>
+          <a:p>
+            <a:pPr algn="ctr"/>
+            <a:endParaRPr lang="fr-FR"/>
+          </a:p>
+        </p:txBody>
+      </p:sp>
+      <p:cxnSp>
+        <p:nvCxnSpPr>
+          <p:cNvPr id="57" name="Connecteur droit 56"/>
+          <p:cNvCxnSpPr/>
+          <p:nvPr/>
+        </p:nvCxnSpPr>
+        <p:spPr>
+          <a:xfrm>
+            <a:off x="2268799" y="1988840"/>
+            <a:ext cx="1144554" cy="0"/>
+          </a:xfrm>
+          <a:prstGeom prst="line">
+            <a:avLst/>
+          </a:prstGeom>
+          <a:ln w="12700">
+            <a:solidFill>
+              <a:schemeClr val="accent5">
+                <a:lumMod val="50000"/>
+              </a:schemeClr>
+            </a:solidFill>
+          </a:ln>
+        </p:spPr>
+        <p:style>
+          <a:lnRef idx="1">
+            <a:schemeClr val="accent1"/>
+          </a:lnRef>
+          <a:fillRef idx="0">
+            <a:schemeClr val="accent1"/>
+          </a:fillRef>
+          <a:effectRef idx="0">
+            <a:schemeClr val="accent1"/>
+          </a:effectRef>
+          <a:fontRef idx="minor">
+            <a:schemeClr val="tx1"/>
+          </a:fontRef>
+        </p:style>
+      </p:cxnSp>
+      <p:cxnSp>
+        <p:nvCxnSpPr>
+          <p:cNvPr id="197" name="Connecteur droit 196"/>
+          <p:cNvCxnSpPr/>
+          <p:nvPr/>
+        </p:nvCxnSpPr>
+        <p:spPr>
+          <a:xfrm flipH="1">
+            <a:off x="3158005" y="2070585"/>
+            <a:ext cx="41013" cy="0"/>
+          </a:xfrm>
+          <a:prstGeom prst="line">
+            <a:avLst/>
+          </a:prstGeom>
+          <a:ln w="12700">
+            <a:solidFill>
+              <a:schemeClr val="accent5">
+                <a:lumMod val="50000"/>
+              </a:schemeClr>
+            </a:solidFill>
+          </a:ln>
+        </p:spPr>
+        <p:style>
+          <a:lnRef idx="1">
+            <a:schemeClr val="accent1"/>
+          </a:lnRef>
+          <a:fillRef idx="0">
+            <a:schemeClr val="accent1"/>
+          </a:fillRef>
+          <a:effectRef idx="0">
+            <a:schemeClr val="accent1"/>
+          </a:effectRef>
+          <a:fontRef idx="minor">
+            <a:schemeClr val="tx1"/>
+          </a:fontRef>
+        </p:style>
+      </p:cxnSp>
+      <p:cxnSp>
+        <p:nvCxnSpPr>
+          <p:cNvPr id="206" name="Connecteur droit avec flèche 205"/>
+          <p:cNvCxnSpPr/>
+          <p:nvPr/>
+        </p:nvCxnSpPr>
+        <p:spPr>
+          <a:xfrm flipH="1">
+            <a:off x="3302190" y="1302098"/>
+            <a:ext cx="333706" cy="0"/>
+          </a:xfrm>
+          <a:prstGeom prst="straightConnector1">
+            <a:avLst/>
+          </a:prstGeom>
+          <a:ln>
+            <a:solidFill>
+              <a:srgbClr val="C00000"/>
+            </a:solidFill>
+            <a:tailEnd type="stealth" w="sm" len="med"/>
+          </a:ln>
+        </p:spPr>
+        <p:style>
+          <a:lnRef idx="1">
+            <a:schemeClr val="accent1"/>
+          </a:lnRef>
+          <a:fillRef idx="0">
+            <a:schemeClr val="accent1"/>
+          </a:fillRef>
+          <a:effectRef idx="0">
+            <a:schemeClr val="accent1"/>
+          </a:effectRef>
+          <a:fontRef idx="minor">
+            <a:schemeClr val="tx1"/>
+          </a:fontRef>
+        </p:style>
+      </p:cxnSp>
+      <p:sp>
+        <p:nvSpPr>
+          <p:cNvPr id="210" name="ZoneTexte 209"/>
+          <p:cNvSpPr txBox="1"/>
+          <p:nvPr/>
+        </p:nvSpPr>
+        <p:spPr>
+          <a:xfrm>
+            <a:off x="3635896" y="1153864"/>
+            <a:ext cx="1129232" cy="415498"/>
+          </a:xfrm>
+          <a:prstGeom prst="rect">
+            <a:avLst/>
+          </a:prstGeom>
+          <a:noFill/>
+        </p:spPr>
+        <p:txBody>
+          <a:bodyPr wrap="square" lIns="36000" rtlCol="0">
+            <a:spAutoFit/>
+          </a:bodyPr>
+          <a:lstStyle>
+            <a:defPPr>
+              <a:defRPr lang="fr-FR"/>
+            </a:defPPr>
+            <a:lvl1pPr>
+              <a:defRPr sz="1050"/>
+            </a:lvl1pPr>
+          </a:lstStyle>
+          <a:p>
+            <a:r>
+              <a:rPr lang="fr-FR" dirty="0" smtClean="0"/>
+              <a:t>Rainure de la rondelle frein</a:t>
+            </a:r>
+          </a:p>
+        </p:txBody>
+      </p:sp>
+      <p:pic>
+        <p:nvPicPr>
+          <p:cNvPr id="1027" name="Picture 3"/>
+          <p:cNvPicPr>
+            <a:picLocks noChangeAspect="1" noChangeArrowheads="1"/>
+          </p:cNvPicPr>
+          <p:nvPr/>
+        </p:nvPicPr>
+        <p:blipFill>
+          <a:blip r:embed="rId2" cstate="print">
+            <a:extLst>
+              <a:ext uri="{28A0092B-C50C-407E-A947-70E740481C1C}">
+                <a14:useLocalDpi xmlns:a14="http://schemas.microsoft.com/office/drawing/2010/main" val="0"/>
+              </a:ext>
+            </a:extLst>
+          </a:blip>
+          <a:srcRect/>
+          <a:stretch>
+            <a:fillRect/>
+          </a:stretch>
+        </p:blipFill>
+        <p:spPr bwMode="auto">
+          <a:xfrm>
+            <a:off x="3635895" y="1538696"/>
+            <a:ext cx="741929" cy="630164"/>
+          </a:xfrm>
+          <a:prstGeom prst="rect">
+            <a:avLst/>
+          </a:prstGeom>
+          <a:noFill/>
+          <a:ln>
+            <a:noFill/>
+          </a:ln>
+          <a:effectLst/>
+          <a:extLst>
+            <a:ext uri="{909E8E84-426E-40DD-AFC4-6F175D3DCCD1}">
+              <a14:hiddenFill xmlns:a14="http://schemas.microsoft.com/office/drawing/2010/main">
+                <a:solidFill>
+                  <a:schemeClr val="accent1"/>
+                </a:solidFill>
+              </a14:hiddenFill>
+            </a:ext>
+            <a:ext uri="{91240B29-F687-4F45-9708-019B960494DF}">
+              <a14:hiddenLine xmlns:a14="http://schemas.microsoft.com/office/drawing/2010/main" w="9525">
+                <a:solidFill>
+                  <a:schemeClr val="tx1"/>
+                </a:solidFill>
+                <a:miter lim="800000"/>
+                <a:headEnd/>
+                <a:tailEnd/>
+              </a14:hiddenLine>
+            </a:ext>
+            <a:ext uri="{AF507438-7753-43E0-B8FC-AC1667EBCBE1}">
+              <a14:hiddenEffects xmlns:a14="http://schemas.microsoft.com/office/drawing/2010/main">
+                <a:effectLst>
+                  <a:outerShdw dist="35921" dir="2700000" algn="ctr" rotWithShape="0">
+                    <a:schemeClr val="bg2"/>
+                  </a:outerShdw>
+                </a:effectLst>
+              </a14:hiddenEffects>
+            </a:ext>
+          </a:extLst>
+        </p:spPr>
+      </p:pic>
+    </p:spTree>
+    <p:extLst>
+      <p:ext uri="{BB962C8B-B14F-4D97-AF65-F5344CB8AC3E}">
+        <p14:creationId xmlns:p14="http://schemas.microsoft.com/office/powerpoint/2010/main" val="2476083634"/>
+      </p:ext>
+    </p:extLst>
+  </p:cSld>
+  <p:clrMapOvr>
+    <a:masterClrMapping/>
+  </p:clrMapOvr>
+</p:sld>
+</file>
+
+<file path=ppt/slides/slide8.xml><?xml version="1.0" encoding="utf-8"?>
+<p:sld xmlns:a="http://schemas.openxmlformats.org/drawingml/2006/main" xmlns:r="http://schemas.openxmlformats.org/officeDocument/2006/relationships" xmlns:p="http://schemas.openxmlformats.org/presentationml/2006/main">
+  <p:cSld>
+    <p:spTree>
+      <p:nvGrpSpPr>
+        <p:cNvPr id="1" name=""/>
+        <p:cNvGrpSpPr/>
+        <p:nvPr/>
+      </p:nvGrpSpPr>
+      <p:grpSpPr>
+        <a:xfrm>
+          <a:off x="0" y="0"/>
+          <a:ext cx="0" cy="0"/>
+          <a:chOff x="0" y="0"/>
+          <a:chExt cx="0" cy="0"/>
+        </a:xfrm>
+      </p:grpSpPr>
+    </p:spTree>
+    <p:extLst>
+      <p:ext uri="{BB962C8B-B14F-4D97-AF65-F5344CB8AC3E}">
+        <p14:creationId xmlns:p14="http://schemas.microsoft.com/office/powerpoint/2010/main" val="858293831"/>
+      </p:ext>
+    </p:extLst>
+  </p:cSld>
+  <p:clrMapOvr>
+    <a:masterClrMapping/>
+  </p:clrMapOvr>
+</p:sld>
+</file>
+
 <file path=ppt/theme/theme1.xml><?xml version="1.0" encoding="utf-8"?>
 <a:theme xmlns:a="http://schemas.openxmlformats.org/drawingml/2006/main" name="Thème Office">
   <a:themeElements>

--- a/01_LiaisonEncastrement/Cours/Figures/Figures.pptx
+++ b/01_LiaisonEncastrement/Cours/Figures/Figures.pptx
@@ -199,7 +199,7 @@
           <a:p>
             <a:fld id="{FF4F525E-41B1-4D42-8A42-4B8DA0C928B5}" type="datetimeFigureOut">
               <a:rPr lang="fr-FR" smtClean="0"/>
-              <a:t>04/07/2016</a:t>
+              <a:t>05/07/2016</a:t>
             </a:fld>
             <a:endParaRPr lang="fr-FR"/>
           </a:p>
@@ -732,7 +732,7 @@
           <a:p>
             <a:fld id="{AA309A6D-C09C-4548-B29A-6CF363A7E532}" type="datetimeFigureOut">
               <a:rPr lang="fr-FR" smtClean="0"/>
-              <a:t>04/07/2016</a:t>
+              <a:t>05/07/2016</a:t>
             </a:fld>
             <a:endParaRPr lang="fr-BE"/>
           </a:p>
@@ -897,7 +897,7 @@
           <a:p>
             <a:fld id="{AA309A6D-C09C-4548-B29A-6CF363A7E532}" type="datetimeFigureOut">
               <a:rPr lang="fr-FR" smtClean="0"/>
-              <a:t>04/07/2016</a:t>
+              <a:t>05/07/2016</a:t>
             </a:fld>
             <a:endParaRPr lang="fr-BE"/>
           </a:p>
@@ -1072,7 +1072,7 @@
           <a:p>
             <a:fld id="{AA309A6D-C09C-4548-B29A-6CF363A7E532}" type="datetimeFigureOut">
               <a:rPr lang="fr-FR" smtClean="0"/>
-              <a:t>04/07/2016</a:t>
+              <a:t>05/07/2016</a:t>
             </a:fld>
             <a:endParaRPr lang="fr-BE"/>
           </a:p>
@@ -1237,7 +1237,7 @@
           <a:p>
             <a:fld id="{AA309A6D-C09C-4548-B29A-6CF363A7E532}" type="datetimeFigureOut">
               <a:rPr lang="fr-FR" smtClean="0"/>
-              <a:t>04/07/2016</a:t>
+              <a:t>05/07/2016</a:t>
             </a:fld>
             <a:endParaRPr lang="fr-BE"/>
           </a:p>
@@ -1478,7 +1478,7 @@
           <a:p>
             <a:fld id="{AA309A6D-C09C-4548-B29A-6CF363A7E532}" type="datetimeFigureOut">
               <a:rPr lang="fr-FR" smtClean="0"/>
-              <a:t>04/07/2016</a:t>
+              <a:t>05/07/2016</a:t>
             </a:fld>
             <a:endParaRPr lang="fr-BE"/>
           </a:p>
@@ -1761,7 +1761,7 @@
           <a:p>
             <a:fld id="{AA309A6D-C09C-4548-B29A-6CF363A7E532}" type="datetimeFigureOut">
               <a:rPr lang="fr-FR" smtClean="0"/>
-              <a:t>04/07/2016</a:t>
+              <a:t>05/07/2016</a:t>
             </a:fld>
             <a:endParaRPr lang="fr-BE"/>
           </a:p>
@@ -2178,7 +2178,7 @@
           <a:p>
             <a:fld id="{AA309A6D-C09C-4548-B29A-6CF363A7E532}" type="datetimeFigureOut">
               <a:rPr lang="fr-FR" smtClean="0"/>
-              <a:t>04/07/2016</a:t>
+              <a:t>05/07/2016</a:t>
             </a:fld>
             <a:endParaRPr lang="fr-BE"/>
           </a:p>
@@ -2291,7 +2291,7 @@
           <a:p>
             <a:fld id="{AA309A6D-C09C-4548-B29A-6CF363A7E532}" type="datetimeFigureOut">
               <a:rPr lang="fr-FR" smtClean="0"/>
-              <a:t>04/07/2016</a:t>
+              <a:t>05/07/2016</a:t>
             </a:fld>
             <a:endParaRPr lang="fr-BE"/>
           </a:p>
@@ -2381,7 +2381,7 @@
           <a:p>
             <a:fld id="{AA309A6D-C09C-4548-B29A-6CF363A7E532}" type="datetimeFigureOut">
               <a:rPr lang="fr-FR" smtClean="0"/>
-              <a:t>04/07/2016</a:t>
+              <a:t>05/07/2016</a:t>
             </a:fld>
             <a:endParaRPr lang="fr-BE"/>
           </a:p>
@@ -2653,7 +2653,7 @@
           <a:p>
             <a:fld id="{AA309A6D-C09C-4548-B29A-6CF363A7E532}" type="datetimeFigureOut">
               <a:rPr lang="fr-FR" smtClean="0"/>
-              <a:t>04/07/2016</a:t>
+              <a:t>05/07/2016</a:t>
             </a:fld>
             <a:endParaRPr lang="fr-BE"/>
           </a:p>
@@ -2901,7 +2901,7 @@
           <a:p>
             <a:fld id="{AA309A6D-C09C-4548-B29A-6CF363A7E532}" type="datetimeFigureOut">
               <a:rPr lang="fr-FR" smtClean="0"/>
-              <a:t>04/07/2016</a:t>
+              <a:t>05/07/2016</a:t>
             </a:fld>
             <a:endParaRPr lang="fr-BE"/>
           </a:p>
@@ -3109,7 +3109,7 @@
           <a:p>
             <a:fld id="{AA309A6D-C09C-4548-B29A-6CF363A7E532}" type="datetimeFigureOut">
               <a:rPr lang="fr-FR" smtClean="0"/>
-              <a:t>04/07/2016</a:t>
+              <a:t>05/07/2016</a:t>
             </a:fld>
             <a:endParaRPr lang="fr-BE"/>
           </a:p>
@@ -13459,6 +13459,2398 @@
           <a:chExt cx="0" cy="0"/>
         </a:xfrm>
       </p:grpSpPr>
+      <p:sp>
+        <p:nvSpPr>
+          <p:cNvPr id="1051" name="Forme libre 1050"/>
+          <p:cNvSpPr/>
+          <p:nvPr/>
+        </p:nvSpPr>
+        <p:spPr>
+          <a:xfrm>
+            <a:off x="3567113" y="1002506"/>
+            <a:ext cx="576262" cy="438150"/>
+          </a:xfrm>
+          <a:custGeom>
+            <a:avLst/>
+            <a:gdLst>
+              <a:gd name="connsiteX0" fmla="*/ 0 w 576262"/>
+              <a:gd name="connsiteY0" fmla="*/ 0 h 438150"/>
+              <a:gd name="connsiteX1" fmla="*/ 4762 w 576262"/>
+              <a:gd name="connsiteY1" fmla="*/ 407194 h 438150"/>
+              <a:gd name="connsiteX2" fmla="*/ 145256 w 576262"/>
+              <a:gd name="connsiteY2" fmla="*/ 407194 h 438150"/>
+              <a:gd name="connsiteX3" fmla="*/ 145256 w 576262"/>
+              <a:gd name="connsiteY3" fmla="*/ 438150 h 438150"/>
+              <a:gd name="connsiteX4" fmla="*/ 576262 w 576262"/>
+              <a:gd name="connsiteY4" fmla="*/ 438150 h 438150"/>
+              <a:gd name="connsiteX5" fmla="*/ 576262 w 576262"/>
+              <a:gd name="connsiteY5" fmla="*/ 273844 h 438150"/>
+              <a:gd name="connsiteX6" fmla="*/ 423862 w 576262"/>
+              <a:gd name="connsiteY6" fmla="*/ 273844 h 438150"/>
+              <a:gd name="connsiteX7" fmla="*/ 285750 w 576262"/>
+              <a:gd name="connsiteY7" fmla="*/ 204788 h 438150"/>
+              <a:gd name="connsiteX8" fmla="*/ 230981 w 576262"/>
+              <a:gd name="connsiteY8" fmla="*/ 69057 h 438150"/>
+              <a:gd name="connsiteX9" fmla="*/ 138112 w 576262"/>
+              <a:gd name="connsiteY9" fmla="*/ 69057 h 438150"/>
+              <a:gd name="connsiteX10" fmla="*/ 138112 w 576262"/>
+              <a:gd name="connsiteY10" fmla="*/ 0 h 438150"/>
+              <a:gd name="connsiteX11" fmla="*/ 0 w 576262"/>
+              <a:gd name="connsiteY11" fmla="*/ 0 h 438150"/>
+            </a:gdLst>
+            <a:ahLst/>
+            <a:cxnLst>
+              <a:cxn ang="0">
+                <a:pos x="connsiteX0" y="connsiteY0"/>
+              </a:cxn>
+              <a:cxn ang="0">
+                <a:pos x="connsiteX1" y="connsiteY1"/>
+              </a:cxn>
+              <a:cxn ang="0">
+                <a:pos x="connsiteX2" y="connsiteY2"/>
+              </a:cxn>
+              <a:cxn ang="0">
+                <a:pos x="connsiteX3" y="connsiteY3"/>
+              </a:cxn>
+              <a:cxn ang="0">
+                <a:pos x="connsiteX4" y="connsiteY4"/>
+              </a:cxn>
+              <a:cxn ang="0">
+                <a:pos x="connsiteX5" y="connsiteY5"/>
+              </a:cxn>
+              <a:cxn ang="0">
+                <a:pos x="connsiteX6" y="connsiteY6"/>
+              </a:cxn>
+              <a:cxn ang="0">
+                <a:pos x="connsiteX7" y="connsiteY7"/>
+              </a:cxn>
+              <a:cxn ang="0">
+                <a:pos x="connsiteX8" y="connsiteY8"/>
+              </a:cxn>
+              <a:cxn ang="0">
+                <a:pos x="connsiteX9" y="connsiteY9"/>
+              </a:cxn>
+              <a:cxn ang="0">
+                <a:pos x="connsiteX10" y="connsiteY10"/>
+              </a:cxn>
+              <a:cxn ang="0">
+                <a:pos x="connsiteX11" y="connsiteY11"/>
+              </a:cxn>
+            </a:cxnLst>
+            <a:rect l="l" t="t" r="r" b="b"/>
+            <a:pathLst>
+              <a:path w="576262" h="438150">
+                <a:moveTo>
+                  <a:pt x="0" y="0"/>
+                </a:moveTo>
+                <a:cubicBezTo>
+                  <a:pt x="1587" y="135731"/>
+                  <a:pt x="3175" y="271463"/>
+                  <a:pt x="4762" y="407194"/>
+                </a:cubicBezTo>
+                <a:lnTo>
+                  <a:pt x="145256" y="407194"/>
+                </a:lnTo>
+                <a:lnTo>
+                  <a:pt x="145256" y="438150"/>
+                </a:lnTo>
+                <a:lnTo>
+                  <a:pt x="576262" y="438150"/>
+                </a:lnTo>
+                <a:lnTo>
+                  <a:pt x="576262" y="273844"/>
+                </a:lnTo>
+                <a:lnTo>
+                  <a:pt x="423862" y="273844"/>
+                </a:lnTo>
+                <a:lnTo>
+                  <a:pt x="285750" y="204788"/>
+                </a:lnTo>
+                <a:lnTo>
+                  <a:pt x="230981" y="69057"/>
+                </a:lnTo>
+                <a:lnTo>
+                  <a:pt x="138112" y="69057"/>
+                </a:lnTo>
+                <a:lnTo>
+                  <a:pt x="138112" y="0"/>
+                </a:lnTo>
+                <a:lnTo>
+                  <a:pt x="0" y="0"/>
+                </a:lnTo>
+                <a:close/>
+              </a:path>
+            </a:pathLst>
+          </a:custGeom>
+          <a:pattFill prst="ltDnDiag">
+            <a:fgClr>
+              <a:schemeClr val="accent1"/>
+            </a:fgClr>
+            <a:bgClr>
+              <a:schemeClr val="bg1"/>
+            </a:bgClr>
+          </a:pattFill>
+          <a:ln>
+            <a:noFill/>
+          </a:ln>
+        </p:spPr>
+        <p:style>
+          <a:lnRef idx="2">
+            <a:schemeClr val="accent1">
+              <a:shade val="50000"/>
+            </a:schemeClr>
+          </a:lnRef>
+          <a:fillRef idx="1">
+            <a:schemeClr val="accent1"/>
+          </a:fillRef>
+          <a:effectRef idx="0">
+            <a:schemeClr val="accent1"/>
+          </a:effectRef>
+          <a:fontRef idx="minor">
+            <a:schemeClr val="lt1"/>
+          </a:fontRef>
+        </p:style>
+        <p:txBody>
+          <a:bodyPr rtlCol="0" anchor="ctr"/>
+          <a:lstStyle/>
+          <a:p>
+            <a:pPr algn="ctr"/>
+            <a:endParaRPr lang="fr-FR"/>
+          </a:p>
+        </p:txBody>
+      </p:sp>
+      <p:sp>
+        <p:nvSpPr>
+          <p:cNvPr id="190" name="Rectangle 189"/>
+          <p:cNvSpPr/>
+          <p:nvPr/>
+        </p:nvSpPr>
+        <p:spPr>
+          <a:xfrm>
+            <a:off x="3563888" y="694056"/>
+            <a:ext cx="143109" cy="67973"/>
+          </a:xfrm>
+          <a:prstGeom prst="rect">
+            <a:avLst/>
+          </a:prstGeom>
+          <a:pattFill prst="ltDnDiag">
+            <a:fgClr>
+              <a:schemeClr val="accent1"/>
+            </a:fgClr>
+            <a:bgClr>
+              <a:schemeClr val="bg1"/>
+            </a:bgClr>
+          </a:pattFill>
+          <a:ln>
+            <a:noFill/>
+          </a:ln>
+        </p:spPr>
+        <p:style>
+          <a:lnRef idx="2">
+            <a:schemeClr val="accent1">
+              <a:shade val="50000"/>
+            </a:schemeClr>
+          </a:lnRef>
+          <a:fillRef idx="1">
+            <a:schemeClr val="accent1"/>
+          </a:fillRef>
+          <a:effectRef idx="0">
+            <a:schemeClr val="accent1"/>
+          </a:effectRef>
+          <a:fontRef idx="minor">
+            <a:schemeClr val="lt1"/>
+          </a:fontRef>
+        </p:style>
+        <p:txBody>
+          <a:bodyPr rtlCol="0" anchor="ctr"/>
+          <a:lstStyle/>
+          <a:p>
+            <a:pPr algn="ctr"/>
+            <a:endParaRPr lang="fr-FR"/>
+          </a:p>
+        </p:txBody>
+      </p:sp>
+      <p:grpSp>
+        <p:nvGrpSpPr>
+          <p:cNvPr id="135" name="Groupe 134"/>
+          <p:cNvGrpSpPr/>
+          <p:nvPr/>
+        </p:nvGrpSpPr>
+        <p:grpSpPr>
+          <a:xfrm rot="5400000">
+            <a:off x="3215163" y="810765"/>
+            <a:ext cx="332645" cy="144016"/>
+            <a:chOff x="2064420" y="764284"/>
+            <a:chExt cx="436115" cy="180020"/>
+          </a:xfrm>
+        </p:grpSpPr>
+        <p:sp>
+          <p:nvSpPr>
+            <p:cNvPr id="136" name="Rectangle à coins arrondis 135"/>
+            <p:cNvSpPr/>
+            <p:nvPr/>
+          </p:nvSpPr>
+          <p:spPr>
+            <a:xfrm>
+              <a:off x="2064420" y="764284"/>
+              <a:ext cx="131316" cy="180020"/>
+            </a:xfrm>
+            <a:prstGeom prst="roundRect">
+              <a:avLst>
+                <a:gd name="adj" fmla="val 30158"/>
+              </a:avLst>
+            </a:prstGeom>
+            <a:solidFill>
+              <a:schemeClr val="bg1"/>
+            </a:solidFill>
+            <a:ln w="12700">
+              <a:solidFill>
+                <a:schemeClr val="accent5">
+                  <a:lumMod val="50000"/>
+                </a:schemeClr>
+              </a:solidFill>
+            </a:ln>
+          </p:spPr>
+          <p:style>
+            <a:lnRef idx="1">
+              <a:schemeClr val="accent1"/>
+            </a:lnRef>
+            <a:fillRef idx="0">
+              <a:schemeClr val="accent1"/>
+            </a:fillRef>
+            <a:effectRef idx="0">
+              <a:schemeClr val="accent1"/>
+            </a:effectRef>
+            <a:fontRef idx="minor">
+              <a:schemeClr val="tx1"/>
+            </a:fontRef>
+          </p:style>
+          <p:txBody>
+            <a:bodyPr rtlCol="0" anchor="ctr"/>
+            <a:lstStyle/>
+            <a:p>
+              <a:pPr algn="ctr"/>
+              <a:endParaRPr lang="fr-FR"/>
+            </a:p>
+          </p:txBody>
+        </p:sp>
+        <p:sp>
+          <p:nvSpPr>
+            <p:cNvPr id="137" name="Rectangle à coins arrondis 136"/>
+            <p:cNvSpPr/>
+            <p:nvPr/>
+          </p:nvSpPr>
+          <p:spPr>
+            <a:xfrm>
+              <a:off x="2195958" y="764284"/>
+              <a:ext cx="173261" cy="180020"/>
+            </a:xfrm>
+            <a:prstGeom prst="roundRect">
+              <a:avLst>
+                <a:gd name="adj" fmla="val 30158"/>
+              </a:avLst>
+            </a:prstGeom>
+            <a:solidFill>
+              <a:schemeClr val="bg1"/>
+            </a:solidFill>
+            <a:ln w="12700">
+              <a:solidFill>
+                <a:schemeClr val="accent5">
+                  <a:lumMod val="50000"/>
+                </a:schemeClr>
+              </a:solidFill>
+            </a:ln>
+          </p:spPr>
+          <p:style>
+            <a:lnRef idx="1">
+              <a:schemeClr val="accent1"/>
+            </a:lnRef>
+            <a:fillRef idx="0">
+              <a:schemeClr val="accent1"/>
+            </a:fillRef>
+            <a:effectRef idx="0">
+              <a:schemeClr val="accent1"/>
+            </a:effectRef>
+            <a:fontRef idx="minor">
+              <a:schemeClr val="tx1"/>
+            </a:fontRef>
+          </p:style>
+          <p:txBody>
+            <a:bodyPr rtlCol="0" anchor="ctr"/>
+            <a:lstStyle/>
+            <a:p>
+              <a:pPr algn="ctr"/>
+              <a:endParaRPr lang="fr-FR"/>
+            </a:p>
+          </p:txBody>
+        </p:sp>
+        <p:sp>
+          <p:nvSpPr>
+            <p:cNvPr id="138" name="Rectangle à coins arrondis 137"/>
+            <p:cNvSpPr/>
+            <p:nvPr/>
+          </p:nvSpPr>
+          <p:spPr>
+            <a:xfrm>
+              <a:off x="2369219" y="764284"/>
+              <a:ext cx="131316" cy="180020"/>
+            </a:xfrm>
+            <a:prstGeom prst="roundRect">
+              <a:avLst>
+                <a:gd name="adj" fmla="val 30158"/>
+              </a:avLst>
+            </a:prstGeom>
+            <a:solidFill>
+              <a:schemeClr val="bg1"/>
+            </a:solidFill>
+            <a:ln w="12700">
+              <a:solidFill>
+                <a:schemeClr val="accent5">
+                  <a:lumMod val="50000"/>
+                </a:schemeClr>
+              </a:solidFill>
+            </a:ln>
+          </p:spPr>
+          <p:style>
+            <a:lnRef idx="1">
+              <a:schemeClr val="accent1"/>
+            </a:lnRef>
+            <a:fillRef idx="0">
+              <a:schemeClr val="accent1"/>
+            </a:fillRef>
+            <a:effectRef idx="0">
+              <a:schemeClr val="accent1"/>
+            </a:effectRef>
+            <a:fontRef idx="minor">
+              <a:schemeClr val="tx1"/>
+            </a:fontRef>
+          </p:style>
+          <p:txBody>
+            <a:bodyPr rtlCol="0" anchor="ctr"/>
+            <a:lstStyle/>
+            <a:p>
+              <a:pPr algn="ctr"/>
+              <a:endParaRPr lang="fr-FR"/>
+            </a:p>
+          </p:txBody>
+        </p:sp>
+        <p:sp>
+          <p:nvSpPr>
+            <p:cNvPr id="139" name="Rectangle à coins arrondis 138"/>
+            <p:cNvSpPr/>
+            <p:nvPr/>
+          </p:nvSpPr>
+          <p:spPr>
+            <a:xfrm>
+              <a:off x="2064420" y="764284"/>
+              <a:ext cx="436115" cy="180020"/>
+            </a:xfrm>
+            <a:prstGeom prst="roundRect">
+              <a:avLst>
+                <a:gd name="adj" fmla="val 30158"/>
+              </a:avLst>
+            </a:prstGeom>
+            <a:ln w="12700">
+              <a:solidFill>
+                <a:schemeClr val="accent5">
+                  <a:lumMod val="50000"/>
+                </a:schemeClr>
+              </a:solidFill>
+            </a:ln>
+          </p:spPr>
+          <p:style>
+            <a:lnRef idx="1">
+              <a:schemeClr val="accent1"/>
+            </a:lnRef>
+            <a:fillRef idx="0">
+              <a:schemeClr val="accent1"/>
+            </a:fillRef>
+            <a:effectRef idx="0">
+              <a:schemeClr val="accent1"/>
+            </a:effectRef>
+            <a:fontRef idx="minor">
+              <a:schemeClr val="tx1"/>
+            </a:fontRef>
+          </p:style>
+          <p:txBody>
+            <a:bodyPr rtlCol="0" anchor="ctr"/>
+            <a:lstStyle/>
+            <a:p>
+              <a:pPr algn="ctr"/>
+              <a:endParaRPr lang="fr-FR"/>
+            </a:p>
+          </p:txBody>
+        </p:sp>
+      </p:grpSp>
+      <p:sp>
+        <p:nvSpPr>
+          <p:cNvPr id="140" name="Rectangle 139"/>
+          <p:cNvSpPr/>
+          <p:nvPr/>
+        </p:nvSpPr>
+        <p:spPr>
+          <a:xfrm flipH="1">
+            <a:off x="3419582" y="716451"/>
+            <a:ext cx="144306" cy="353666"/>
+          </a:xfrm>
+          <a:prstGeom prst="rect">
+            <a:avLst/>
+          </a:prstGeom>
+          <a:solidFill>
+            <a:schemeClr val="bg1"/>
+          </a:solidFill>
+          <a:ln w="12700">
+            <a:solidFill>
+              <a:schemeClr val="bg1"/>
+            </a:solidFill>
+          </a:ln>
+        </p:spPr>
+        <p:style>
+          <a:lnRef idx="1">
+            <a:schemeClr val="accent1"/>
+          </a:lnRef>
+          <a:fillRef idx="0">
+            <a:schemeClr val="accent1"/>
+          </a:fillRef>
+          <a:effectRef idx="0">
+            <a:schemeClr val="accent1"/>
+          </a:effectRef>
+          <a:fontRef idx="minor">
+            <a:schemeClr val="tx1"/>
+          </a:fontRef>
+        </p:style>
+        <p:txBody>
+          <a:bodyPr rtlCol="0" anchor="ctr"/>
+          <a:lstStyle/>
+          <a:p>
+            <a:pPr algn="ctr"/>
+            <a:endParaRPr lang="fr-FR"/>
+          </a:p>
+        </p:txBody>
+      </p:sp>
+      <p:sp>
+        <p:nvSpPr>
+          <p:cNvPr id="1050" name="Rectangle 1049"/>
+          <p:cNvSpPr/>
+          <p:nvPr/>
+        </p:nvSpPr>
+        <p:spPr>
+          <a:xfrm>
+            <a:off x="3419872" y="696731"/>
+            <a:ext cx="144016" cy="67973"/>
+          </a:xfrm>
+          <a:prstGeom prst="rect">
+            <a:avLst/>
+          </a:prstGeom>
+          <a:pattFill prst="ltUpDiag">
+            <a:fgClr>
+              <a:schemeClr val="accent1"/>
+            </a:fgClr>
+            <a:bgClr>
+              <a:schemeClr val="bg1"/>
+            </a:bgClr>
+          </a:pattFill>
+          <a:ln>
+            <a:noFill/>
+          </a:ln>
+        </p:spPr>
+        <p:style>
+          <a:lnRef idx="2">
+            <a:schemeClr val="accent1">
+              <a:shade val="50000"/>
+            </a:schemeClr>
+          </a:lnRef>
+          <a:fillRef idx="1">
+            <a:schemeClr val="accent1"/>
+          </a:fillRef>
+          <a:effectRef idx="0">
+            <a:schemeClr val="accent1"/>
+          </a:effectRef>
+          <a:fontRef idx="minor">
+            <a:schemeClr val="lt1"/>
+          </a:fontRef>
+        </p:style>
+        <p:txBody>
+          <a:bodyPr rtlCol="0" anchor="ctr"/>
+          <a:lstStyle/>
+          <a:p>
+            <a:pPr algn="ctr"/>
+            <a:endParaRPr lang="fr-FR"/>
+          </a:p>
+        </p:txBody>
+      </p:sp>
+      <p:sp>
+        <p:nvSpPr>
+          <p:cNvPr id="1049" name="Forme libre 1048"/>
+          <p:cNvSpPr/>
+          <p:nvPr/>
+        </p:nvSpPr>
+        <p:spPr>
+          <a:xfrm>
+            <a:off x="2995613" y="1004888"/>
+            <a:ext cx="631031" cy="476250"/>
+          </a:xfrm>
+          <a:custGeom>
+            <a:avLst/>
+            <a:gdLst>
+              <a:gd name="connsiteX0" fmla="*/ 340518 w 631031"/>
+              <a:gd name="connsiteY0" fmla="*/ 123825 h 476250"/>
+              <a:gd name="connsiteX1" fmla="*/ 431006 w 631031"/>
+              <a:gd name="connsiteY1" fmla="*/ 123825 h 476250"/>
+              <a:gd name="connsiteX2" fmla="*/ 431006 w 631031"/>
+              <a:gd name="connsiteY2" fmla="*/ 0 h 476250"/>
+              <a:gd name="connsiteX3" fmla="*/ 564356 w 631031"/>
+              <a:gd name="connsiteY3" fmla="*/ 0 h 476250"/>
+              <a:gd name="connsiteX4" fmla="*/ 566737 w 631031"/>
+              <a:gd name="connsiteY4" fmla="*/ 411956 h 476250"/>
+              <a:gd name="connsiteX5" fmla="*/ 631031 w 631031"/>
+              <a:gd name="connsiteY5" fmla="*/ 411956 h 476250"/>
+              <a:gd name="connsiteX6" fmla="*/ 631031 w 631031"/>
+              <a:gd name="connsiteY6" fmla="*/ 476250 h 476250"/>
+              <a:gd name="connsiteX7" fmla="*/ 0 w 631031"/>
+              <a:gd name="connsiteY7" fmla="*/ 476250 h 476250"/>
+              <a:gd name="connsiteX8" fmla="*/ 0 w 631031"/>
+              <a:gd name="connsiteY8" fmla="*/ 321468 h 476250"/>
+              <a:gd name="connsiteX9" fmla="*/ 145256 w 631031"/>
+              <a:gd name="connsiteY9" fmla="*/ 321468 h 476250"/>
+              <a:gd name="connsiteX10" fmla="*/ 280987 w 631031"/>
+              <a:gd name="connsiteY10" fmla="*/ 261937 h 476250"/>
+              <a:gd name="connsiteX11" fmla="*/ 340518 w 631031"/>
+              <a:gd name="connsiteY11" fmla="*/ 123825 h 476250"/>
+            </a:gdLst>
+            <a:ahLst/>
+            <a:cxnLst>
+              <a:cxn ang="0">
+                <a:pos x="connsiteX0" y="connsiteY0"/>
+              </a:cxn>
+              <a:cxn ang="0">
+                <a:pos x="connsiteX1" y="connsiteY1"/>
+              </a:cxn>
+              <a:cxn ang="0">
+                <a:pos x="connsiteX2" y="connsiteY2"/>
+              </a:cxn>
+              <a:cxn ang="0">
+                <a:pos x="connsiteX3" y="connsiteY3"/>
+              </a:cxn>
+              <a:cxn ang="0">
+                <a:pos x="connsiteX4" y="connsiteY4"/>
+              </a:cxn>
+              <a:cxn ang="0">
+                <a:pos x="connsiteX5" y="connsiteY5"/>
+              </a:cxn>
+              <a:cxn ang="0">
+                <a:pos x="connsiteX6" y="connsiteY6"/>
+              </a:cxn>
+              <a:cxn ang="0">
+                <a:pos x="connsiteX7" y="connsiteY7"/>
+              </a:cxn>
+              <a:cxn ang="0">
+                <a:pos x="connsiteX8" y="connsiteY8"/>
+              </a:cxn>
+              <a:cxn ang="0">
+                <a:pos x="connsiteX9" y="connsiteY9"/>
+              </a:cxn>
+              <a:cxn ang="0">
+                <a:pos x="connsiteX10" y="connsiteY10"/>
+              </a:cxn>
+              <a:cxn ang="0">
+                <a:pos x="connsiteX11" y="connsiteY11"/>
+              </a:cxn>
+            </a:cxnLst>
+            <a:rect l="l" t="t" r="r" b="b"/>
+            <a:pathLst>
+              <a:path w="631031" h="476250">
+                <a:moveTo>
+                  <a:pt x="340518" y="123825"/>
+                </a:moveTo>
+                <a:lnTo>
+                  <a:pt x="431006" y="123825"/>
+                </a:lnTo>
+                <a:lnTo>
+                  <a:pt x="431006" y="0"/>
+                </a:lnTo>
+                <a:lnTo>
+                  <a:pt x="564356" y="0"/>
+                </a:lnTo>
+                <a:cubicBezTo>
+                  <a:pt x="565150" y="137319"/>
+                  <a:pt x="565943" y="274637"/>
+                  <a:pt x="566737" y="411956"/>
+                </a:cubicBezTo>
+                <a:lnTo>
+                  <a:pt x="631031" y="411956"/>
+                </a:lnTo>
+                <a:lnTo>
+                  <a:pt x="631031" y="476250"/>
+                </a:lnTo>
+                <a:lnTo>
+                  <a:pt x="0" y="476250"/>
+                </a:lnTo>
+                <a:lnTo>
+                  <a:pt x="0" y="321468"/>
+                </a:lnTo>
+                <a:lnTo>
+                  <a:pt x="145256" y="321468"/>
+                </a:lnTo>
+                <a:lnTo>
+                  <a:pt x="280987" y="261937"/>
+                </a:lnTo>
+                <a:lnTo>
+                  <a:pt x="340518" y="123825"/>
+                </a:lnTo>
+                <a:close/>
+              </a:path>
+            </a:pathLst>
+          </a:custGeom>
+          <a:pattFill prst="ltUpDiag">
+            <a:fgClr>
+              <a:schemeClr val="accent1"/>
+            </a:fgClr>
+            <a:bgClr>
+              <a:schemeClr val="bg1"/>
+            </a:bgClr>
+          </a:pattFill>
+          <a:ln>
+            <a:noFill/>
+          </a:ln>
+        </p:spPr>
+        <p:style>
+          <a:lnRef idx="2">
+            <a:schemeClr val="accent1">
+              <a:shade val="50000"/>
+            </a:schemeClr>
+          </a:lnRef>
+          <a:fillRef idx="1">
+            <a:schemeClr val="accent1"/>
+          </a:fillRef>
+          <a:effectRef idx="0">
+            <a:schemeClr val="accent1"/>
+          </a:effectRef>
+          <a:fontRef idx="minor">
+            <a:schemeClr val="lt1"/>
+          </a:fontRef>
+        </p:style>
+        <p:txBody>
+          <a:bodyPr rtlCol="0" anchor="ctr"/>
+          <a:lstStyle/>
+          <a:p>
+            <a:pPr algn="ctr"/>
+            <a:endParaRPr lang="fr-FR"/>
+          </a:p>
+        </p:txBody>
+      </p:sp>
+      <p:cxnSp>
+        <p:nvCxnSpPr>
+          <p:cNvPr id="130" name="Connecteur droit 129"/>
+          <p:cNvCxnSpPr/>
+          <p:nvPr/>
+        </p:nvCxnSpPr>
+        <p:spPr>
+          <a:xfrm>
+            <a:off x="3491880" y="802647"/>
+            <a:ext cx="415378" cy="0"/>
+          </a:xfrm>
+          <a:prstGeom prst="line">
+            <a:avLst/>
+          </a:prstGeom>
+          <a:ln w="6350">
+            <a:solidFill>
+              <a:schemeClr val="accent5">
+                <a:lumMod val="50000"/>
+              </a:schemeClr>
+            </a:solidFill>
+          </a:ln>
+        </p:spPr>
+        <p:style>
+          <a:lnRef idx="1">
+            <a:schemeClr val="accent1"/>
+          </a:lnRef>
+          <a:fillRef idx="0">
+            <a:schemeClr val="accent1"/>
+          </a:fillRef>
+          <a:effectRef idx="0">
+            <a:schemeClr val="accent1"/>
+          </a:effectRef>
+          <a:fontRef idx="minor">
+            <a:schemeClr val="tx1"/>
+          </a:fontRef>
+        </p:style>
+      </p:cxnSp>
+      <p:cxnSp>
+        <p:nvCxnSpPr>
+          <p:cNvPr id="2" name="Connecteur droit 1"/>
+          <p:cNvCxnSpPr/>
+          <p:nvPr/>
+        </p:nvCxnSpPr>
+        <p:spPr>
+          <a:xfrm>
+            <a:off x="2987824" y="1323385"/>
+            <a:ext cx="144016" cy="0"/>
+          </a:xfrm>
+          <a:prstGeom prst="line">
+            <a:avLst/>
+          </a:prstGeom>
+          <a:ln w="12700">
+            <a:solidFill>
+              <a:schemeClr val="accent5">
+                <a:lumMod val="50000"/>
+              </a:schemeClr>
+            </a:solidFill>
+          </a:ln>
+        </p:spPr>
+        <p:style>
+          <a:lnRef idx="1">
+            <a:schemeClr val="accent1"/>
+          </a:lnRef>
+          <a:fillRef idx="0">
+            <a:schemeClr val="accent1"/>
+          </a:fillRef>
+          <a:effectRef idx="0">
+            <a:schemeClr val="accent1"/>
+          </a:effectRef>
+          <a:fontRef idx="minor">
+            <a:schemeClr val="tx1"/>
+          </a:fontRef>
+        </p:style>
+      </p:cxnSp>
+      <p:sp>
+        <p:nvSpPr>
+          <p:cNvPr id="7" name="Arc 6"/>
+          <p:cNvSpPr/>
+          <p:nvPr/>
+        </p:nvSpPr>
+        <p:spPr>
+          <a:xfrm rot="5400000">
+            <a:off x="2933198" y="926101"/>
+            <a:ext cx="397284" cy="397284"/>
+          </a:xfrm>
+          <a:prstGeom prst="arc">
+            <a:avLst/>
+          </a:prstGeom>
+          <a:solidFill>
+            <a:schemeClr val="bg1"/>
+          </a:solidFill>
+          <a:ln w="12700">
+            <a:solidFill>
+              <a:schemeClr val="accent5">
+                <a:lumMod val="50000"/>
+              </a:schemeClr>
+            </a:solidFill>
+          </a:ln>
+        </p:spPr>
+        <p:style>
+          <a:lnRef idx="1">
+            <a:schemeClr val="accent1"/>
+          </a:lnRef>
+          <a:fillRef idx="0">
+            <a:schemeClr val="accent1"/>
+          </a:fillRef>
+          <a:effectRef idx="0">
+            <a:schemeClr val="accent1"/>
+          </a:effectRef>
+          <a:fontRef idx="minor">
+            <a:schemeClr val="tx1"/>
+          </a:fontRef>
+        </p:style>
+        <p:txBody>
+          <a:bodyPr rtlCol="0" anchor="ctr"/>
+          <a:lstStyle/>
+          <a:p>
+            <a:pPr algn="ctr"/>
+            <a:endParaRPr lang="fr-FR"/>
+          </a:p>
+        </p:txBody>
+      </p:sp>
+      <p:cxnSp>
+        <p:nvCxnSpPr>
+          <p:cNvPr id="9" name="Connecteur droit 8"/>
+          <p:cNvCxnSpPr>
+            <a:endCxn id="7" idx="0"/>
+          </p:cNvCxnSpPr>
+          <p:nvPr/>
+        </p:nvCxnSpPr>
+        <p:spPr>
+          <a:xfrm flipH="1">
+            <a:off x="3330482" y="1124743"/>
+            <a:ext cx="89390" cy="0"/>
+          </a:xfrm>
+          <a:prstGeom prst="line">
+            <a:avLst/>
+          </a:prstGeom>
+          <a:ln w="12700">
+            <a:solidFill>
+              <a:schemeClr val="accent5">
+                <a:lumMod val="50000"/>
+              </a:schemeClr>
+            </a:solidFill>
+          </a:ln>
+        </p:spPr>
+        <p:style>
+          <a:lnRef idx="1">
+            <a:schemeClr val="accent1"/>
+          </a:lnRef>
+          <a:fillRef idx="0">
+            <a:schemeClr val="accent1"/>
+          </a:fillRef>
+          <a:effectRef idx="0">
+            <a:schemeClr val="accent1"/>
+          </a:effectRef>
+          <a:fontRef idx="minor">
+            <a:schemeClr val="tx1"/>
+          </a:fontRef>
+        </p:style>
+      </p:cxnSp>
+      <p:cxnSp>
+        <p:nvCxnSpPr>
+          <p:cNvPr id="14" name="Connecteur droit 13"/>
+          <p:cNvCxnSpPr/>
+          <p:nvPr/>
+        </p:nvCxnSpPr>
+        <p:spPr>
+          <a:xfrm>
+            <a:off x="3418061" y="689521"/>
+            <a:ext cx="0" cy="435222"/>
+          </a:xfrm>
+          <a:prstGeom prst="line">
+            <a:avLst/>
+          </a:prstGeom>
+          <a:ln w="12700">
+            <a:solidFill>
+              <a:schemeClr val="accent5">
+                <a:lumMod val="50000"/>
+              </a:schemeClr>
+            </a:solidFill>
+          </a:ln>
+        </p:spPr>
+        <p:style>
+          <a:lnRef idx="1">
+            <a:schemeClr val="accent1"/>
+          </a:lnRef>
+          <a:fillRef idx="0">
+            <a:schemeClr val="accent1"/>
+          </a:fillRef>
+          <a:effectRef idx="0">
+            <a:schemeClr val="accent1"/>
+          </a:effectRef>
+          <a:fontRef idx="minor">
+            <a:schemeClr val="tx1"/>
+          </a:fontRef>
+        </p:style>
+      </p:cxnSp>
+      <p:cxnSp>
+        <p:nvCxnSpPr>
+          <p:cNvPr id="18" name="Connecteur droit 17"/>
+          <p:cNvCxnSpPr/>
+          <p:nvPr/>
+        </p:nvCxnSpPr>
+        <p:spPr>
+          <a:xfrm>
+            <a:off x="3419872" y="692696"/>
+            <a:ext cx="288032" cy="0"/>
+          </a:xfrm>
+          <a:prstGeom prst="line">
+            <a:avLst/>
+          </a:prstGeom>
+          <a:ln w="12700">
+            <a:solidFill>
+              <a:schemeClr val="accent5">
+                <a:lumMod val="50000"/>
+              </a:schemeClr>
+            </a:solidFill>
+          </a:ln>
+        </p:spPr>
+        <p:style>
+          <a:lnRef idx="1">
+            <a:schemeClr val="accent1"/>
+          </a:lnRef>
+          <a:fillRef idx="0">
+            <a:schemeClr val="accent1"/>
+          </a:fillRef>
+          <a:effectRef idx="0">
+            <a:schemeClr val="accent1"/>
+          </a:effectRef>
+          <a:fontRef idx="minor">
+            <a:schemeClr val="tx1"/>
+          </a:fontRef>
+        </p:style>
+      </p:cxnSp>
+      <p:cxnSp>
+        <p:nvCxnSpPr>
+          <p:cNvPr id="21" name="Connecteur droit 20"/>
+          <p:cNvCxnSpPr/>
+          <p:nvPr/>
+        </p:nvCxnSpPr>
+        <p:spPr>
+          <a:xfrm>
+            <a:off x="3563888" y="997395"/>
+            <a:ext cx="0" cy="415133"/>
+          </a:xfrm>
+          <a:prstGeom prst="line">
+            <a:avLst/>
+          </a:prstGeom>
+          <a:ln w="12700">
+            <a:solidFill>
+              <a:schemeClr val="accent5">
+                <a:lumMod val="50000"/>
+              </a:schemeClr>
+            </a:solidFill>
+          </a:ln>
+        </p:spPr>
+        <p:style>
+          <a:lnRef idx="1">
+            <a:schemeClr val="accent1"/>
+          </a:lnRef>
+          <a:fillRef idx="0">
+            <a:schemeClr val="accent1"/>
+          </a:fillRef>
+          <a:effectRef idx="0">
+            <a:schemeClr val="accent1"/>
+          </a:effectRef>
+          <a:fontRef idx="minor">
+            <a:schemeClr val="tx1"/>
+          </a:fontRef>
+        </p:style>
+      </p:cxnSp>
+      <p:cxnSp>
+        <p:nvCxnSpPr>
+          <p:cNvPr id="23" name="Connecteur droit 22"/>
+          <p:cNvCxnSpPr/>
+          <p:nvPr/>
+        </p:nvCxnSpPr>
+        <p:spPr>
+          <a:xfrm>
+            <a:off x="2987824" y="1484784"/>
+            <a:ext cx="648072" cy="0"/>
+          </a:xfrm>
+          <a:prstGeom prst="line">
+            <a:avLst/>
+          </a:prstGeom>
+          <a:ln w="12700">
+            <a:solidFill>
+              <a:schemeClr val="accent5">
+                <a:lumMod val="50000"/>
+              </a:schemeClr>
+            </a:solidFill>
+          </a:ln>
+        </p:spPr>
+        <p:style>
+          <a:lnRef idx="1">
+            <a:schemeClr val="accent1"/>
+          </a:lnRef>
+          <a:fillRef idx="0">
+            <a:schemeClr val="accent1"/>
+          </a:fillRef>
+          <a:effectRef idx="0">
+            <a:schemeClr val="accent1"/>
+          </a:effectRef>
+          <a:fontRef idx="minor">
+            <a:schemeClr val="tx1"/>
+          </a:fontRef>
+        </p:style>
+      </p:cxnSp>
+      <p:cxnSp>
+        <p:nvCxnSpPr>
+          <p:cNvPr id="27" name="Connecteur droit 26"/>
+          <p:cNvCxnSpPr/>
+          <p:nvPr/>
+        </p:nvCxnSpPr>
+        <p:spPr>
+          <a:xfrm flipV="1">
+            <a:off x="3330482" y="881407"/>
+            <a:ext cx="449430" cy="1"/>
+          </a:xfrm>
+          <a:prstGeom prst="line">
+            <a:avLst/>
+          </a:prstGeom>
+          <a:ln w="6350">
+            <a:solidFill>
+              <a:schemeClr val="accent5">
+                <a:lumMod val="50000"/>
+              </a:schemeClr>
+            </a:solidFill>
+            <a:prstDash val="lgDashDot"/>
+          </a:ln>
+        </p:spPr>
+        <p:style>
+          <a:lnRef idx="1">
+            <a:schemeClr val="accent1"/>
+          </a:lnRef>
+          <a:fillRef idx="0">
+            <a:schemeClr val="accent1"/>
+          </a:fillRef>
+          <a:effectRef idx="0">
+            <a:schemeClr val="accent1"/>
+          </a:effectRef>
+          <a:fontRef idx="minor">
+            <a:schemeClr val="tx1"/>
+          </a:fontRef>
+        </p:style>
+      </p:cxnSp>
+      <p:cxnSp>
+        <p:nvCxnSpPr>
+          <p:cNvPr id="31" name="Connecteur droit 30"/>
+          <p:cNvCxnSpPr/>
+          <p:nvPr/>
+        </p:nvCxnSpPr>
+        <p:spPr>
+          <a:xfrm>
+            <a:off x="3707904" y="978152"/>
+            <a:ext cx="0" cy="91967"/>
+          </a:xfrm>
+          <a:prstGeom prst="line">
+            <a:avLst/>
+          </a:prstGeom>
+          <a:ln w="12700">
+            <a:solidFill>
+              <a:schemeClr val="accent5">
+                <a:lumMod val="50000"/>
+              </a:schemeClr>
+            </a:solidFill>
+          </a:ln>
+        </p:spPr>
+        <p:style>
+          <a:lnRef idx="1">
+            <a:schemeClr val="accent1"/>
+          </a:lnRef>
+          <a:fillRef idx="0">
+            <a:schemeClr val="accent1"/>
+          </a:fillRef>
+          <a:effectRef idx="0">
+            <a:schemeClr val="accent1"/>
+          </a:effectRef>
+          <a:fontRef idx="minor">
+            <a:schemeClr val="tx1"/>
+          </a:fontRef>
+        </p:style>
+      </p:cxnSp>
+      <p:cxnSp>
+        <p:nvCxnSpPr>
+          <p:cNvPr id="32" name="Connecteur droit 31"/>
+          <p:cNvCxnSpPr/>
+          <p:nvPr/>
+        </p:nvCxnSpPr>
+        <p:spPr>
+          <a:xfrm flipH="1">
+            <a:off x="3707904" y="1070118"/>
+            <a:ext cx="89390" cy="0"/>
+          </a:xfrm>
+          <a:prstGeom prst="line">
+            <a:avLst/>
+          </a:prstGeom>
+          <a:ln w="12700">
+            <a:solidFill>
+              <a:schemeClr val="accent5">
+                <a:lumMod val="50000"/>
+              </a:schemeClr>
+            </a:solidFill>
+          </a:ln>
+        </p:spPr>
+        <p:style>
+          <a:lnRef idx="1">
+            <a:schemeClr val="accent1"/>
+          </a:lnRef>
+          <a:fillRef idx="0">
+            <a:schemeClr val="accent1"/>
+          </a:fillRef>
+          <a:effectRef idx="0">
+            <a:schemeClr val="accent1"/>
+          </a:effectRef>
+          <a:fontRef idx="minor">
+            <a:schemeClr val="tx1"/>
+          </a:fontRef>
+        </p:style>
+      </p:cxnSp>
+      <p:sp>
+        <p:nvSpPr>
+          <p:cNvPr id="35" name="Arc 34"/>
+          <p:cNvSpPr/>
+          <p:nvPr/>
+        </p:nvSpPr>
+        <p:spPr>
+          <a:xfrm rot="16200000" flipH="1">
+            <a:off x="3797294" y="871476"/>
+            <a:ext cx="397284" cy="397284"/>
+          </a:xfrm>
+          <a:prstGeom prst="arc">
+            <a:avLst/>
+          </a:prstGeom>
+          <a:ln w="12700">
+            <a:solidFill>
+              <a:schemeClr val="accent5">
+                <a:lumMod val="50000"/>
+              </a:schemeClr>
+            </a:solidFill>
+          </a:ln>
+        </p:spPr>
+        <p:style>
+          <a:lnRef idx="1">
+            <a:schemeClr val="accent1"/>
+          </a:lnRef>
+          <a:fillRef idx="0">
+            <a:schemeClr val="accent1"/>
+          </a:fillRef>
+          <a:effectRef idx="0">
+            <a:schemeClr val="accent1"/>
+          </a:effectRef>
+          <a:fontRef idx="minor">
+            <a:schemeClr val="tx1"/>
+          </a:fontRef>
+        </p:style>
+        <p:txBody>
+          <a:bodyPr rtlCol="0" anchor="ctr"/>
+          <a:lstStyle/>
+          <a:p>
+            <a:pPr algn="ctr"/>
+            <a:endParaRPr lang="fr-FR"/>
+          </a:p>
+        </p:txBody>
+      </p:sp>
+      <p:cxnSp>
+        <p:nvCxnSpPr>
+          <p:cNvPr id="37" name="Connecteur droit 36"/>
+          <p:cNvCxnSpPr/>
+          <p:nvPr/>
+        </p:nvCxnSpPr>
+        <p:spPr>
+          <a:xfrm>
+            <a:off x="3995936" y="1268760"/>
+            <a:ext cx="144016" cy="0"/>
+          </a:xfrm>
+          <a:prstGeom prst="line">
+            <a:avLst/>
+          </a:prstGeom>
+          <a:ln w="12700">
+            <a:solidFill>
+              <a:schemeClr val="accent5">
+                <a:lumMod val="50000"/>
+              </a:schemeClr>
+            </a:solidFill>
+          </a:ln>
+        </p:spPr>
+        <p:style>
+          <a:lnRef idx="1">
+            <a:schemeClr val="accent1"/>
+          </a:lnRef>
+          <a:fillRef idx="0">
+            <a:schemeClr val="accent1"/>
+          </a:fillRef>
+          <a:effectRef idx="0">
+            <a:schemeClr val="accent1"/>
+          </a:effectRef>
+          <a:fontRef idx="minor">
+            <a:schemeClr val="tx1"/>
+          </a:fontRef>
+        </p:style>
+      </p:cxnSp>
+      <p:cxnSp>
+        <p:nvCxnSpPr>
+          <p:cNvPr id="42" name="Connecteur droit 41"/>
+          <p:cNvCxnSpPr/>
+          <p:nvPr/>
+        </p:nvCxnSpPr>
+        <p:spPr>
+          <a:xfrm>
+            <a:off x="3703067" y="1444509"/>
+            <a:ext cx="436885" cy="0"/>
+          </a:xfrm>
+          <a:prstGeom prst="line">
+            <a:avLst/>
+          </a:prstGeom>
+          <a:ln w="12700">
+            <a:solidFill>
+              <a:schemeClr val="accent5">
+                <a:lumMod val="50000"/>
+              </a:schemeClr>
+            </a:solidFill>
+          </a:ln>
+        </p:spPr>
+        <p:style>
+          <a:lnRef idx="1">
+            <a:schemeClr val="accent1"/>
+          </a:lnRef>
+          <a:fillRef idx="0">
+            <a:schemeClr val="accent1"/>
+          </a:fillRef>
+          <a:effectRef idx="0">
+            <a:schemeClr val="accent1"/>
+          </a:effectRef>
+          <a:fontRef idx="minor">
+            <a:schemeClr val="tx1"/>
+          </a:fontRef>
+        </p:style>
+      </p:cxnSp>
+      <p:cxnSp>
+        <p:nvCxnSpPr>
+          <p:cNvPr id="47" name="Connecteur droit 46"/>
+          <p:cNvCxnSpPr/>
+          <p:nvPr/>
+        </p:nvCxnSpPr>
+        <p:spPr>
+          <a:xfrm flipH="1">
+            <a:off x="3631134" y="1412528"/>
+            <a:ext cx="0" cy="72256"/>
+          </a:xfrm>
+          <a:prstGeom prst="line">
+            <a:avLst/>
+          </a:prstGeom>
+          <a:ln w="12700">
+            <a:solidFill>
+              <a:schemeClr val="accent5">
+                <a:lumMod val="50000"/>
+              </a:schemeClr>
+            </a:solidFill>
+          </a:ln>
+        </p:spPr>
+        <p:style>
+          <a:lnRef idx="1">
+            <a:schemeClr val="accent1"/>
+          </a:lnRef>
+          <a:fillRef idx="0">
+            <a:schemeClr val="accent1"/>
+          </a:fillRef>
+          <a:effectRef idx="0">
+            <a:schemeClr val="accent1"/>
+          </a:effectRef>
+          <a:fontRef idx="minor">
+            <a:schemeClr val="tx1"/>
+          </a:fontRef>
+        </p:style>
+      </p:cxnSp>
+      <p:cxnSp>
+        <p:nvCxnSpPr>
+          <p:cNvPr id="48" name="Connecteur droit 47"/>
+          <p:cNvCxnSpPr/>
+          <p:nvPr/>
+        </p:nvCxnSpPr>
+        <p:spPr>
+          <a:xfrm>
+            <a:off x="3703067" y="1410593"/>
+            <a:ext cx="0" cy="36000"/>
+          </a:xfrm>
+          <a:prstGeom prst="line">
+            <a:avLst/>
+          </a:prstGeom>
+          <a:ln w="12700">
+            <a:solidFill>
+              <a:schemeClr val="accent5">
+                <a:lumMod val="50000"/>
+              </a:schemeClr>
+            </a:solidFill>
+          </a:ln>
+        </p:spPr>
+        <p:style>
+          <a:lnRef idx="1">
+            <a:schemeClr val="accent1"/>
+          </a:lnRef>
+          <a:fillRef idx="0">
+            <a:schemeClr val="accent1"/>
+          </a:fillRef>
+          <a:effectRef idx="0">
+            <a:schemeClr val="accent1"/>
+          </a:effectRef>
+          <a:fontRef idx="minor">
+            <a:schemeClr val="tx1"/>
+          </a:fontRef>
+        </p:style>
+      </p:cxnSp>
+      <p:cxnSp>
+        <p:nvCxnSpPr>
+          <p:cNvPr id="51" name="Connecteur droit 50"/>
+          <p:cNvCxnSpPr/>
+          <p:nvPr/>
+        </p:nvCxnSpPr>
+        <p:spPr>
+          <a:xfrm>
+            <a:off x="3562982" y="1410593"/>
+            <a:ext cx="144922" cy="0"/>
+          </a:xfrm>
+          <a:prstGeom prst="line">
+            <a:avLst/>
+          </a:prstGeom>
+          <a:ln w="12700">
+            <a:solidFill>
+              <a:schemeClr val="accent5">
+                <a:lumMod val="50000"/>
+              </a:schemeClr>
+            </a:solidFill>
+          </a:ln>
+        </p:spPr>
+        <p:style>
+          <a:lnRef idx="1">
+            <a:schemeClr val="accent1"/>
+          </a:lnRef>
+          <a:fillRef idx="0">
+            <a:schemeClr val="accent1"/>
+          </a:fillRef>
+          <a:effectRef idx="0">
+            <a:schemeClr val="accent1"/>
+          </a:effectRef>
+          <a:fontRef idx="minor">
+            <a:schemeClr val="tx1"/>
+          </a:fontRef>
+        </p:style>
+      </p:cxnSp>
+      <p:cxnSp>
+        <p:nvCxnSpPr>
+          <p:cNvPr id="53" name="Connecteur droit 52"/>
+          <p:cNvCxnSpPr/>
+          <p:nvPr/>
+        </p:nvCxnSpPr>
+        <p:spPr>
+          <a:xfrm>
+            <a:off x="3418061" y="764704"/>
+            <a:ext cx="289843" cy="0"/>
+          </a:xfrm>
+          <a:prstGeom prst="line">
+            <a:avLst/>
+          </a:prstGeom>
+          <a:ln w="12700">
+            <a:solidFill>
+              <a:schemeClr val="accent5">
+                <a:lumMod val="50000"/>
+              </a:schemeClr>
+            </a:solidFill>
+          </a:ln>
+        </p:spPr>
+        <p:style>
+          <a:lnRef idx="1">
+            <a:schemeClr val="accent1"/>
+          </a:lnRef>
+          <a:fillRef idx="0">
+            <a:schemeClr val="accent1"/>
+          </a:fillRef>
+          <a:effectRef idx="0">
+            <a:schemeClr val="accent1"/>
+          </a:effectRef>
+          <a:fontRef idx="minor">
+            <a:schemeClr val="tx1"/>
+          </a:fontRef>
+        </p:style>
+      </p:cxnSp>
+      <p:cxnSp>
+        <p:nvCxnSpPr>
+          <p:cNvPr id="56" name="Connecteur droit 55"/>
+          <p:cNvCxnSpPr/>
+          <p:nvPr/>
+        </p:nvCxnSpPr>
+        <p:spPr>
+          <a:xfrm>
+            <a:off x="3491880" y="958663"/>
+            <a:ext cx="413489" cy="0"/>
+          </a:xfrm>
+          <a:prstGeom prst="line">
+            <a:avLst/>
+          </a:prstGeom>
+          <a:ln w="6350">
+            <a:solidFill>
+              <a:schemeClr val="accent5">
+                <a:lumMod val="50000"/>
+              </a:schemeClr>
+            </a:solidFill>
+          </a:ln>
+        </p:spPr>
+        <p:style>
+          <a:lnRef idx="1">
+            <a:schemeClr val="accent1"/>
+          </a:lnRef>
+          <a:fillRef idx="0">
+            <a:schemeClr val="accent1"/>
+          </a:fillRef>
+          <a:effectRef idx="0">
+            <a:schemeClr val="accent1"/>
+          </a:effectRef>
+          <a:fontRef idx="minor">
+            <a:schemeClr val="tx1"/>
+          </a:fontRef>
+        </p:style>
+      </p:cxnSp>
+      <p:cxnSp>
+        <p:nvCxnSpPr>
+          <p:cNvPr id="58" name="Connecteur droit 57"/>
+          <p:cNvCxnSpPr/>
+          <p:nvPr/>
+        </p:nvCxnSpPr>
+        <p:spPr>
+          <a:xfrm>
+            <a:off x="3419872" y="783752"/>
+            <a:ext cx="291654" cy="0"/>
+          </a:xfrm>
+          <a:prstGeom prst="line">
+            <a:avLst/>
+          </a:prstGeom>
+          <a:ln w="12700">
+            <a:solidFill>
+              <a:schemeClr val="accent5">
+                <a:lumMod val="50000"/>
+              </a:schemeClr>
+            </a:solidFill>
+          </a:ln>
+        </p:spPr>
+        <p:style>
+          <a:lnRef idx="1">
+            <a:schemeClr val="accent1"/>
+          </a:lnRef>
+          <a:fillRef idx="0">
+            <a:schemeClr val="accent1"/>
+          </a:fillRef>
+          <a:effectRef idx="0">
+            <a:schemeClr val="accent1"/>
+          </a:effectRef>
+          <a:fontRef idx="minor">
+            <a:schemeClr val="tx1"/>
+          </a:fontRef>
+        </p:style>
+      </p:cxnSp>
+      <p:cxnSp>
+        <p:nvCxnSpPr>
+          <p:cNvPr id="60" name="Connecteur droit 59"/>
+          <p:cNvCxnSpPr/>
+          <p:nvPr/>
+        </p:nvCxnSpPr>
+        <p:spPr>
+          <a:xfrm flipV="1">
+            <a:off x="3491880" y="783752"/>
+            <a:ext cx="0" cy="194400"/>
+          </a:xfrm>
+          <a:prstGeom prst="line">
+            <a:avLst/>
+          </a:prstGeom>
+          <a:ln w="12700">
+            <a:solidFill>
+              <a:schemeClr val="accent5">
+                <a:lumMod val="50000"/>
+              </a:schemeClr>
+            </a:solidFill>
+          </a:ln>
+        </p:spPr>
+        <p:style>
+          <a:lnRef idx="1">
+            <a:schemeClr val="accent1"/>
+          </a:lnRef>
+          <a:fillRef idx="0">
+            <a:schemeClr val="accent1"/>
+          </a:fillRef>
+          <a:effectRef idx="0">
+            <a:schemeClr val="accent1"/>
+          </a:effectRef>
+          <a:fontRef idx="minor">
+            <a:schemeClr val="tx1"/>
+          </a:fontRef>
+        </p:style>
+      </p:cxnSp>
+      <p:cxnSp>
+        <p:nvCxnSpPr>
+          <p:cNvPr id="63" name="Connecteur droit 62"/>
+          <p:cNvCxnSpPr/>
+          <p:nvPr/>
+        </p:nvCxnSpPr>
+        <p:spPr>
+          <a:xfrm>
+            <a:off x="3418061" y="978152"/>
+            <a:ext cx="291654" cy="0"/>
+          </a:xfrm>
+          <a:prstGeom prst="line">
+            <a:avLst/>
+          </a:prstGeom>
+          <a:ln w="12700">
+            <a:solidFill>
+              <a:schemeClr val="accent5">
+                <a:lumMod val="50000"/>
+              </a:schemeClr>
+            </a:solidFill>
+          </a:ln>
+        </p:spPr>
+        <p:style>
+          <a:lnRef idx="1">
+            <a:schemeClr val="accent1"/>
+          </a:lnRef>
+          <a:fillRef idx="0">
+            <a:schemeClr val="accent1"/>
+          </a:fillRef>
+          <a:effectRef idx="0">
+            <a:schemeClr val="accent1"/>
+          </a:effectRef>
+          <a:fontRef idx="minor">
+            <a:schemeClr val="tx1"/>
+          </a:fontRef>
+        </p:style>
+      </p:cxnSp>
+      <p:cxnSp>
+        <p:nvCxnSpPr>
+          <p:cNvPr id="64" name="Connecteur droit 63"/>
+          <p:cNvCxnSpPr/>
+          <p:nvPr/>
+        </p:nvCxnSpPr>
+        <p:spPr>
+          <a:xfrm>
+            <a:off x="3418061" y="997395"/>
+            <a:ext cx="285006" cy="0"/>
+          </a:xfrm>
+          <a:prstGeom prst="line">
+            <a:avLst/>
+          </a:prstGeom>
+          <a:ln w="12700">
+            <a:solidFill>
+              <a:schemeClr val="accent5">
+                <a:lumMod val="50000"/>
+              </a:schemeClr>
+            </a:solidFill>
+          </a:ln>
+        </p:spPr>
+        <p:style>
+          <a:lnRef idx="1">
+            <a:schemeClr val="accent1"/>
+          </a:lnRef>
+          <a:fillRef idx="0">
+            <a:schemeClr val="accent1"/>
+          </a:fillRef>
+          <a:effectRef idx="0">
+            <a:schemeClr val="accent1"/>
+          </a:effectRef>
+          <a:fontRef idx="minor">
+            <a:schemeClr val="tx1"/>
+          </a:fontRef>
+        </p:style>
+      </p:cxnSp>
+      <p:cxnSp>
+        <p:nvCxnSpPr>
+          <p:cNvPr id="68" name="Connecteur droit 67"/>
+          <p:cNvCxnSpPr/>
+          <p:nvPr/>
+        </p:nvCxnSpPr>
+        <p:spPr>
+          <a:xfrm>
+            <a:off x="3565699" y="692697"/>
+            <a:ext cx="0" cy="72007"/>
+          </a:xfrm>
+          <a:prstGeom prst="line">
+            <a:avLst/>
+          </a:prstGeom>
+          <a:ln w="12700">
+            <a:solidFill>
+              <a:schemeClr val="accent5">
+                <a:lumMod val="50000"/>
+              </a:schemeClr>
+            </a:solidFill>
+          </a:ln>
+        </p:spPr>
+        <p:style>
+          <a:lnRef idx="1">
+            <a:schemeClr val="accent1"/>
+          </a:lnRef>
+          <a:fillRef idx="0">
+            <a:schemeClr val="accent1"/>
+          </a:fillRef>
+          <a:effectRef idx="0">
+            <a:schemeClr val="accent1"/>
+          </a:effectRef>
+          <a:fontRef idx="minor">
+            <a:schemeClr val="tx1"/>
+          </a:fontRef>
+        </p:style>
+      </p:cxnSp>
+      <p:cxnSp>
+        <p:nvCxnSpPr>
+          <p:cNvPr id="84" name="Connecteur droit 83"/>
+          <p:cNvCxnSpPr/>
+          <p:nvPr/>
+        </p:nvCxnSpPr>
+        <p:spPr>
+          <a:xfrm>
+            <a:off x="3708202" y="691785"/>
+            <a:ext cx="0" cy="91967"/>
+          </a:xfrm>
+          <a:prstGeom prst="line">
+            <a:avLst/>
+          </a:prstGeom>
+          <a:ln w="12700">
+            <a:solidFill>
+              <a:schemeClr val="accent5">
+                <a:lumMod val="50000"/>
+              </a:schemeClr>
+            </a:solidFill>
+          </a:ln>
+        </p:spPr>
+        <p:style>
+          <a:lnRef idx="1">
+            <a:schemeClr val="accent1"/>
+          </a:lnRef>
+          <a:fillRef idx="0">
+            <a:schemeClr val="accent1"/>
+          </a:fillRef>
+          <a:effectRef idx="0">
+            <a:schemeClr val="accent1"/>
+          </a:effectRef>
+          <a:fontRef idx="minor">
+            <a:schemeClr val="tx1"/>
+          </a:fontRef>
+        </p:style>
+      </p:cxnSp>
+      <p:grpSp>
+        <p:nvGrpSpPr>
+          <p:cNvPr id="115" name="Groupe 114"/>
+          <p:cNvGrpSpPr/>
+          <p:nvPr/>
+        </p:nvGrpSpPr>
+        <p:grpSpPr>
+          <a:xfrm rot="5400000">
+            <a:off x="3631588" y="828766"/>
+            <a:ext cx="332645" cy="108016"/>
+            <a:chOff x="2064420" y="764284"/>
+            <a:chExt cx="436115" cy="180020"/>
+          </a:xfrm>
+        </p:grpSpPr>
+        <p:sp>
+          <p:nvSpPr>
+            <p:cNvPr id="108" name="Rectangle à coins arrondis 107"/>
+            <p:cNvSpPr/>
+            <p:nvPr/>
+          </p:nvSpPr>
+          <p:spPr>
+            <a:xfrm>
+              <a:off x="2064420" y="764284"/>
+              <a:ext cx="131316" cy="180020"/>
+            </a:xfrm>
+            <a:prstGeom prst="roundRect">
+              <a:avLst>
+                <a:gd name="adj" fmla="val 30158"/>
+              </a:avLst>
+            </a:prstGeom>
+            <a:solidFill>
+              <a:schemeClr val="bg1"/>
+            </a:solidFill>
+            <a:ln w="12700">
+              <a:solidFill>
+                <a:schemeClr val="accent5">
+                  <a:lumMod val="50000"/>
+                </a:schemeClr>
+              </a:solidFill>
+            </a:ln>
+          </p:spPr>
+          <p:style>
+            <a:lnRef idx="1">
+              <a:schemeClr val="accent1"/>
+            </a:lnRef>
+            <a:fillRef idx="0">
+              <a:schemeClr val="accent1"/>
+            </a:fillRef>
+            <a:effectRef idx="0">
+              <a:schemeClr val="accent1"/>
+            </a:effectRef>
+            <a:fontRef idx="minor">
+              <a:schemeClr val="tx1"/>
+            </a:fontRef>
+          </p:style>
+          <p:txBody>
+            <a:bodyPr rtlCol="0" anchor="ctr"/>
+            <a:lstStyle/>
+            <a:p>
+              <a:pPr algn="ctr"/>
+              <a:endParaRPr lang="fr-FR"/>
+            </a:p>
+          </p:txBody>
+        </p:sp>
+        <p:sp>
+          <p:nvSpPr>
+            <p:cNvPr id="112" name="Rectangle à coins arrondis 111"/>
+            <p:cNvSpPr/>
+            <p:nvPr/>
+          </p:nvSpPr>
+          <p:spPr>
+            <a:xfrm>
+              <a:off x="2195958" y="764284"/>
+              <a:ext cx="173261" cy="180020"/>
+            </a:xfrm>
+            <a:prstGeom prst="roundRect">
+              <a:avLst>
+                <a:gd name="adj" fmla="val 30158"/>
+              </a:avLst>
+            </a:prstGeom>
+            <a:solidFill>
+              <a:schemeClr val="bg1"/>
+            </a:solidFill>
+            <a:ln w="12700">
+              <a:solidFill>
+                <a:schemeClr val="accent5">
+                  <a:lumMod val="50000"/>
+                </a:schemeClr>
+              </a:solidFill>
+            </a:ln>
+          </p:spPr>
+          <p:style>
+            <a:lnRef idx="1">
+              <a:schemeClr val="accent1"/>
+            </a:lnRef>
+            <a:fillRef idx="0">
+              <a:schemeClr val="accent1"/>
+            </a:fillRef>
+            <a:effectRef idx="0">
+              <a:schemeClr val="accent1"/>
+            </a:effectRef>
+            <a:fontRef idx="minor">
+              <a:schemeClr val="tx1"/>
+            </a:fontRef>
+          </p:style>
+          <p:txBody>
+            <a:bodyPr rtlCol="0" anchor="ctr"/>
+            <a:lstStyle/>
+            <a:p>
+              <a:pPr algn="ctr"/>
+              <a:endParaRPr lang="fr-FR"/>
+            </a:p>
+          </p:txBody>
+        </p:sp>
+        <p:sp>
+          <p:nvSpPr>
+            <p:cNvPr id="113" name="Rectangle à coins arrondis 112"/>
+            <p:cNvSpPr/>
+            <p:nvPr/>
+          </p:nvSpPr>
+          <p:spPr>
+            <a:xfrm>
+              <a:off x="2369219" y="764284"/>
+              <a:ext cx="131316" cy="180020"/>
+            </a:xfrm>
+            <a:prstGeom prst="roundRect">
+              <a:avLst>
+                <a:gd name="adj" fmla="val 30158"/>
+              </a:avLst>
+            </a:prstGeom>
+            <a:solidFill>
+              <a:schemeClr val="bg1"/>
+            </a:solidFill>
+            <a:ln w="12700">
+              <a:solidFill>
+                <a:schemeClr val="accent5">
+                  <a:lumMod val="50000"/>
+                </a:schemeClr>
+              </a:solidFill>
+            </a:ln>
+          </p:spPr>
+          <p:style>
+            <a:lnRef idx="1">
+              <a:schemeClr val="accent1"/>
+            </a:lnRef>
+            <a:fillRef idx="0">
+              <a:schemeClr val="accent1"/>
+            </a:fillRef>
+            <a:effectRef idx="0">
+              <a:schemeClr val="accent1"/>
+            </a:effectRef>
+            <a:fontRef idx="minor">
+              <a:schemeClr val="tx1"/>
+            </a:fontRef>
+          </p:style>
+          <p:txBody>
+            <a:bodyPr rtlCol="0" anchor="ctr"/>
+            <a:lstStyle/>
+            <a:p>
+              <a:pPr algn="ctr"/>
+              <a:endParaRPr lang="fr-FR"/>
+            </a:p>
+          </p:txBody>
+        </p:sp>
+        <p:sp>
+          <p:nvSpPr>
+            <p:cNvPr id="114" name="Rectangle à coins arrondis 113"/>
+            <p:cNvSpPr/>
+            <p:nvPr/>
+          </p:nvSpPr>
+          <p:spPr>
+            <a:xfrm>
+              <a:off x="2064420" y="764284"/>
+              <a:ext cx="436115" cy="180020"/>
+            </a:xfrm>
+            <a:prstGeom prst="roundRect">
+              <a:avLst>
+                <a:gd name="adj" fmla="val 30158"/>
+              </a:avLst>
+            </a:prstGeom>
+            <a:ln w="12700">
+              <a:solidFill>
+                <a:schemeClr val="accent5">
+                  <a:lumMod val="50000"/>
+                </a:schemeClr>
+              </a:solidFill>
+            </a:ln>
+          </p:spPr>
+          <p:style>
+            <a:lnRef idx="1">
+              <a:schemeClr val="accent1"/>
+            </a:lnRef>
+            <a:fillRef idx="0">
+              <a:schemeClr val="accent1"/>
+            </a:fillRef>
+            <a:effectRef idx="0">
+              <a:schemeClr val="accent1"/>
+            </a:effectRef>
+            <a:fontRef idx="minor">
+              <a:schemeClr val="tx1"/>
+            </a:fontRef>
+          </p:style>
+          <p:txBody>
+            <a:bodyPr rtlCol="0" anchor="ctr"/>
+            <a:lstStyle/>
+            <a:p>
+              <a:pPr algn="ctr"/>
+              <a:endParaRPr lang="fr-FR"/>
+            </a:p>
+          </p:txBody>
+        </p:sp>
+      </p:grpSp>
+      <p:cxnSp>
+        <p:nvCxnSpPr>
+          <p:cNvPr id="118" name="Connecteur droit 117"/>
+          <p:cNvCxnSpPr/>
+          <p:nvPr/>
+        </p:nvCxnSpPr>
+        <p:spPr>
+          <a:xfrm>
+            <a:off x="3851920" y="783752"/>
+            <a:ext cx="36000" cy="0"/>
+          </a:xfrm>
+          <a:prstGeom prst="line">
+            <a:avLst/>
+          </a:prstGeom>
+          <a:ln w="12700">
+            <a:solidFill>
+              <a:schemeClr val="accent5">
+                <a:lumMod val="50000"/>
+              </a:schemeClr>
+            </a:solidFill>
+          </a:ln>
+        </p:spPr>
+        <p:style>
+          <a:lnRef idx="1">
+            <a:schemeClr val="accent1"/>
+          </a:lnRef>
+          <a:fillRef idx="0">
+            <a:schemeClr val="accent1"/>
+          </a:fillRef>
+          <a:effectRef idx="0">
+            <a:schemeClr val="accent1"/>
+          </a:effectRef>
+          <a:fontRef idx="minor">
+            <a:schemeClr val="tx1"/>
+          </a:fontRef>
+        </p:style>
+      </p:cxnSp>
+      <p:cxnSp>
+        <p:nvCxnSpPr>
+          <p:cNvPr id="120" name="Connecteur droit 119"/>
+          <p:cNvCxnSpPr/>
+          <p:nvPr/>
+        </p:nvCxnSpPr>
+        <p:spPr>
+          <a:xfrm>
+            <a:off x="3851920" y="978472"/>
+            <a:ext cx="36000" cy="0"/>
+          </a:xfrm>
+          <a:prstGeom prst="line">
+            <a:avLst/>
+          </a:prstGeom>
+          <a:ln w="12700">
+            <a:solidFill>
+              <a:schemeClr val="accent5">
+                <a:lumMod val="50000"/>
+              </a:schemeClr>
+            </a:solidFill>
+          </a:ln>
+        </p:spPr>
+        <p:style>
+          <a:lnRef idx="1">
+            <a:schemeClr val="accent1"/>
+          </a:lnRef>
+          <a:fillRef idx="0">
+            <a:schemeClr val="accent1"/>
+          </a:fillRef>
+          <a:effectRef idx="0">
+            <a:schemeClr val="accent1"/>
+          </a:effectRef>
+          <a:fontRef idx="minor">
+            <a:schemeClr val="tx1"/>
+          </a:fontRef>
+        </p:style>
+      </p:cxnSp>
+      <p:cxnSp>
+        <p:nvCxnSpPr>
+          <p:cNvPr id="121" name="Connecteur droit 120"/>
+          <p:cNvCxnSpPr/>
+          <p:nvPr/>
+        </p:nvCxnSpPr>
+        <p:spPr>
+          <a:xfrm flipV="1">
+            <a:off x="3887920" y="783753"/>
+            <a:ext cx="0" cy="194719"/>
+          </a:xfrm>
+          <a:prstGeom prst="line">
+            <a:avLst/>
+          </a:prstGeom>
+          <a:ln w="12700">
+            <a:solidFill>
+              <a:schemeClr val="accent5">
+                <a:lumMod val="50000"/>
+              </a:schemeClr>
+            </a:solidFill>
+          </a:ln>
+        </p:spPr>
+        <p:style>
+          <a:lnRef idx="1">
+            <a:schemeClr val="accent1"/>
+          </a:lnRef>
+          <a:fillRef idx="0">
+            <a:schemeClr val="accent1"/>
+          </a:fillRef>
+          <a:effectRef idx="0">
+            <a:schemeClr val="accent1"/>
+          </a:effectRef>
+          <a:fontRef idx="minor">
+            <a:schemeClr val="tx1"/>
+          </a:fontRef>
+        </p:style>
+      </p:cxnSp>
+      <p:cxnSp>
+        <p:nvCxnSpPr>
+          <p:cNvPr id="124" name="Connecteur droit 123"/>
+          <p:cNvCxnSpPr/>
+          <p:nvPr/>
+        </p:nvCxnSpPr>
+        <p:spPr>
+          <a:xfrm flipH="1" flipV="1">
+            <a:off x="3883769" y="783753"/>
+            <a:ext cx="21600" cy="18000"/>
+          </a:xfrm>
+          <a:prstGeom prst="line">
+            <a:avLst/>
+          </a:prstGeom>
+          <a:ln w="12700">
+            <a:solidFill>
+              <a:schemeClr val="accent5">
+                <a:lumMod val="50000"/>
+              </a:schemeClr>
+            </a:solidFill>
+          </a:ln>
+        </p:spPr>
+        <p:style>
+          <a:lnRef idx="1">
+            <a:schemeClr val="accent1"/>
+          </a:lnRef>
+          <a:fillRef idx="0">
+            <a:schemeClr val="accent1"/>
+          </a:fillRef>
+          <a:effectRef idx="0">
+            <a:schemeClr val="accent1"/>
+          </a:effectRef>
+          <a:fontRef idx="minor">
+            <a:schemeClr val="tx1"/>
+          </a:fontRef>
+        </p:style>
+      </p:cxnSp>
+      <p:cxnSp>
+        <p:nvCxnSpPr>
+          <p:cNvPr id="127" name="Connecteur droit 126"/>
+          <p:cNvCxnSpPr/>
+          <p:nvPr/>
+        </p:nvCxnSpPr>
+        <p:spPr>
+          <a:xfrm flipH="1">
+            <a:off x="3887920" y="960152"/>
+            <a:ext cx="21600" cy="18000"/>
+          </a:xfrm>
+          <a:prstGeom prst="line">
+            <a:avLst/>
+          </a:prstGeom>
+          <a:ln w="12700">
+            <a:solidFill>
+              <a:schemeClr val="accent5">
+                <a:lumMod val="50000"/>
+              </a:schemeClr>
+            </a:solidFill>
+          </a:ln>
+        </p:spPr>
+        <p:style>
+          <a:lnRef idx="1">
+            <a:schemeClr val="accent1"/>
+          </a:lnRef>
+          <a:fillRef idx="0">
+            <a:schemeClr val="accent1"/>
+          </a:fillRef>
+          <a:effectRef idx="0">
+            <a:schemeClr val="accent1"/>
+          </a:effectRef>
+          <a:fontRef idx="minor">
+            <a:schemeClr val="tx1"/>
+          </a:fontRef>
+        </p:style>
+      </p:cxnSp>
+      <p:cxnSp>
+        <p:nvCxnSpPr>
+          <p:cNvPr id="128" name="Connecteur droit 127"/>
+          <p:cNvCxnSpPr/>
+          <p:nvPr/>
+        </p:nvCxnSpPr>
+        <p:spPr>
+          <a:xfrm flipV="1">
+            <a:off x="3907258" y="801754"/>
+            <a:ext cx="0" cy="158398"/>
+          </a:xfrm>
+          <a:prstGeom prst="line">
+            <a:avLst/>
+          </a:prstGeom>
+          <a:ln w="12700">
+            <a:solidFill>
+              <a:schemeClr val="accent5">
+                <a:lumMod val="50000"/>
+              </a:schemeClr>
+            </a:solidFill>
+          </a:ln>
+        </p:spPr>
+        <p:style>
+          <a:lnRef idx="1">
+            <a:schemeClr val="accent1"/>
+          </a:lnRef>
+          <a:fillRef idx="0">
+            <a:schemeClr val="accent1"/>
+          </a:fillRef>
+          <a:effectRef idx="0">
+            <a:schemeClr val="accent1"/>
+          </a:effectRef>
+          <a:fontRef idx="minor">
+            <a:schemeClr val="tx1"/>
+          </a:fontRef>
+        </p:style>
+      </p:cxnSp>
+      <p:sp>
+        <p:nvSpPr>
+          <p:cNvPr id="116" name="Rectangle 115"/>
+          <p:cNvSpPr/>
+          <p:nvPr/>
+        </p:nvSpPr>
+        <p:spPr>
+          <a:xfrm>
+            <a:off x="3707904" y="712809"/>
+            <a:ext cx="36000" cy="336286"/>
+          </a:xfrm>
+          <a:prstGeom prst="rect">
+            <a:avLst/>
+          </a:prstGeom>
+          <a:solidFill>
+            <a:schemeClr val="bg1"/>
+          </a:solidFill>
+          <a:ln w="12700">
+            <a:solidFill>
+              <a:schemeClr val="accent5">
+                <a:lumMod val="50000"/>
+              </a:schemeClr>
+            </a:solidFill>
+          </a:ln>
+        </p:spPr>
+        <p:style>
+          <a:lnRef idx="1">
+            <a:schemeClr val="accent1"/>
+          </a:lnRef>
+          <a:fillRef idx="0">
+            <a:schemeClr val="accent1"/>
+          </a:fillRef>
+          <a:effectRef idx="0">
+            <a:schemeClr val="accent1"/>
+          </a:effectRef>
+          <a:fontRef idx="minor">
+            <a:schemeClr val="tx1"/>
+          </a:fontRef>
+        </p:style>
+        <p:txBody>
+          <a:bodyPr rtlCol="0" anchor="ctr"/>
+          <a:lstStyle/>
+          <a:p>
+            <a:pPr algn="ctr"/>
+            <a:endParaRPr lang="fr-FR"/>
+          </a:p>
+        </p:txBody>
+      </p:sp>
+      <p:cxnSp>
+        <p:nvCxnSpPr>
+          <p:cNvPr id="133" name="Connecteur droit 132"/>
+          <p:cNvCxnSpPr/>
+          <p:nvPr/>
+        </p:nvCxnSpPr>
+        <p:spPr>
+          <a:xfrm flipV="1">
+            <a:off x="3707902" y="838593"/>
+            <a:ext cx="36000" cy="36000"/>
+          </a:xfrm>
+          <a:prstGeom prst="line">
+            <a:avLst/>
+          </a:prstGeom>
+          <a:ln w="12700">
+            <a:solidFill>
+              <a:schemeClr val="accent5">
+                <a:lumMod val="50000"/>
+              </a:schemeClr>
+            </a:solidFill>
+          </a:ln>
+        </p:spPr>
+        <p:style>
+          <a:lnRef idx="1">
+            <a:schemeClr val="accent1"/>
+          </a:lnRef>
+          <a:fillRef idx="0">
+            <a:schemeClr val="accent1"/>
+          </a:fillRef>
+          <a:effectRef idx="0">
+            <a:schemeClr val="accent1"/>
+          </a:effectRef>
+          <a:fontRef idx="minor">
+            <a:schemeClr val="tx1"/>
+          </a:fontRef>
+        </p:style>
+      </p:cxnSp>
+      <p:cxnSp>
+        <p:nvCxnSpPr>
+          <p:cNvPr id="134" name="Connecteur droit 133"/>
+          <p:cNvCxnSpPr/>
+          <p:nvPr/>
+        </p:nvCxnSpPr>
+        <p:spPr>
+          <a:xfrm flipV="1">
+            <a:off x="3709715" y="874593"/>
+            <a:ext cx="36000" cy="36000"/>
+          </a:xfrm>
+          <a:prstGeom prst="line">
+            <a:avLst/>
+          </a:prstGeom>
+          <a:ln w="12700">
+            <a:solidFill>
+              <a:schemeClr val="accent5">
+                <a:lumMod val="50000"/>
+              </a:schemeClr>
+            </a:solidFill>
+          </a:ln>
+        </p:spPr>
+        <p:style>
+          <a:lnRef idx="1">
+            <a:schemeClr val="accent1"/>
+          </a:lnRef>
+          <a:fillRef idx="0">
+            <a:schemeClr val="accent1"/>
+          </a:fillRef>
+          <a:effectRef idx="0">
+            <a:schemeClr val="accent1"/>
+          </a:effectRef>
+          <a:fontRef idx="minor">
+            <a:schemeClr val="tx1"/>
+          </a:fontRef>
+        </p:style>
+      </p:cxnSp>
+      <p:cxnSp>
+        <p:nvCxnSpPr>
+          <p:cNvPr id="192" name="Connecteur droit avec flèche 191"/>
+          <p:cNvCxnSpPr>
+            <a:stCxn id="193" idx="1"/>
+          </p:cNvCxnSpPr>
+          <p:nvPr/>
+        </p:nvCxnSpPr>
+        <p:spPr>
+          <a:xfrm flipH="1">
+            <a:off x="3567113" y="1162222"/>
+            <a:ext cx="669182" cy="80791"/>
+          </a:xfrm>
+          <a:prstGeom prst="straightConnector1">
+            <a:avLst/>
+          </a:prstGeom>
+          <a:ln>
+            <a:solidFill>
+              <a:srgbClr val="C00000"/>
+            </a:solidFill>
+            <a:tailEnd type="stealth" w="sm" len="med"/>
+          </a:ln>
+        </p:spPr>
+        <p:style>
+          <a:lnRef idx="1">
+            <a:schemeClr val="accent1"/>
+          </a:lnRef>
+          <a:fillRef idx="0">
+            <a:schemeClr val="accent1"/>
+          </a:fillRef>
+          <a:effectRef idx="0">
+            <a:schemeClr val="accent1"/>
+          </a:effectRef>
+          <a:fontRef idx="minor">
+            <a:schemeClr val="tx1"/>
+          </a:fontRef>
+        </p:style>
+      </p:cxnSp>
+      <p:sp>
+        <p:nvSpPr>
+          <p:cNvPr id="193" name="ZoneTexte 192"/>
+          <p:cNvSpPr txBox="1"/>
+          <p:nvPr/>
+        </p:nvSpPr>
+        <p:spPr>
+          <a:xfrm>
+            <a:off x="4236295" y="1035264"/>
+            <a:ext cx="1296144" cy="253916"/>
+          </a:xfrm>
+          <a:prstGeom prst="rect">
+            <a:avLst/>
+          </a:prstGeom>
+          <a:noFill/>
+        </p:spPr>
+        <p:txBody>
+          <a:bodyPr wrap="square" lIns="36000" rtlCol="0">
+            <a:spAutoFit/>
+          </a:bodyPr>
+          <a:lstStyle/>
+          <a:p>
+            <a:r>
+              <a:rPr lang="fr-FR" sz="1050" dirty="0" smtClean="0"/>
+              <a:t>Appui plan</a:t>
+            </a:r>
+            <a:endParaRPr lang="fr-FR" sz="1050" dirty="0"/>
+          </a:p>
+        </p:txBody>
+      </p:sp>
+      <p:cxnSp>
+        <p:nvCxnSpPr>
+          <p:cNvPr id="194" name="Connecteur droit avec flèche 193"/>
+          <p:cNvCxnSpPr/>
+          <p:nvPr/>
+        </p:nvCxnSpPr>
+        <p:spPr>
+          <a:xfrm flipV="1">
+            <a:off x="4236296" y="1087282"/>
+            <a:ext cx="0" cy="181478"/>
+          </a:xfrm>
+          <a:prstGeom prst="straightConnector1">
+            <a:avLst/>
+          </a:prstGeom>
+          <a:ln>
+            <a:solidFill>
+              <a:srgbClr val="C00000"/>
+            </a:solidFill>
+            <a:tailEnd type="none" w="sm" len="med"/>
+          </a:ln>
+        </p:spPr>
+        <p:style>
+          <a:lnRef idx="1">
+            <a:schemeClr val="accent1"/>
+          </a:lnRef>
+          <a:fillRef idx="0">
+            <a:schemeClr val="accent1"/>
+          </a:fillRef>
+          <a:effectRef idx="0">
+            <a:schemeClr val="accent1"/>
+          </a:effectRef>
+          <a:fontRef idx="minor">
+            <a:schemeClr val="tx1"/>
+          </a:fontRef>
+        </p:style>
+      </p:cxnSp>
+      <p:cxnSp>
+        <p:nvCxnSpPr>
+          <p:cNvPr id="198" name="Connecteur droit avec flèche 197"/>
+          <p:cNvCxnSpPr>
+            <a:stCxn id="199" idx="1"/>
+            <a:endCxn id="1049" idx="5"/>
+          </p:cNvCxnSpPr>
+          <p:nvPr/>
+        </p:nvCxnSpPr>
+        <p:spPr>
+          <a:xfrm flipH="1">
+            <a:off x="3626644" y="1402862"/>
+            <a:ext cx="606477" cy="13982"/>
+          </a:xfrm>
+          <a:prstGeom prst="straightConnector1">
+            <a:avLst/>
+          </a:prstGeom>
+          <a:ln>
+            <a:solidFill>
+              <a:srgbClr val="C00000"/>
+            </a:solidFill>
+            <a:tailEnd type="oval" w="sm" len="sm"/>
+          </a:ln>
+        </p:spPr>
+        <p:style>
+          <a:lnRef idx="1">
+            <a:schemeClr val="accent1"/>
+          </a:lnRef>
+          <a:fillRef idx="0">
+            <a:schemeClr val="accent1"/>
+          </a:fillRef>
+          <a:effectRef idx="0">
+            <a:schemeClr val="accent1"/>
+          </a:effectRef>
+          <a:fontRef idx="minor">
+            <a:schemeClr val="tx1"/>
+          </a:fontRef>
+        </p:style>
+      </p:cxnSp>
+      <p:sp>
+        <p:nvSpPr>
+          <p:cNvPr id="199" name="ZoneTexte 198"/>
+          <p:cNvSpPr txBox="1"/>
+          <p:nvPr/>
+        </p:nvSpPr>
+        <p:spPr>
+          <a:xfrm>
+            <a:off x="4233121" y="1275904"/>
+            <a:ext cx="1296144" cy="253916"/>
+          </a:xfrm>
+          <a:prstGeom prst="rect">
+            <a:avLst/>
+          </a:prstGeom>
+          <a:noFill/>
+        </p:spPr>
+        <p:txBody>
+          <a:bodyPr wrap="square" lIns="36000" rtlCol="0">
+            <a:spAutoFit/>
+          </a:bodyPr>
+          <a:lstStyle/>
+          <a:p>
+            <a:r>
+              <a:rPr lang="fr-FR" sz="1050" dirty="0" smtClean="0"/>
+              <a:t>Centrage court</a:t>
+            </a:r>
+            <a:endParaRPr lang="fr-FR" sz="1050" dirty="0"/>
+          </a:p>
+        </p:txBody>
+      </p:sp>
+      <p:cxnSp>
+        <p:nvCxnSpPr>
+          <p:cNvPr id="200" name="Connecteur droit avec flèche 199"/>
+          <p:cNvCxnSpPr/>
+          <p:nvPr/>
+        </p:nvCxnSpPr>
+        <p:spPr>
+          <a:xfrm flipV="1">
+            <a:off x="4233122" y="1327922"/>
+            <a:ext cx="0" cy="181478"/>
+          </a:xfrm>
+          <a:prstGeom prst="straightConnector1">
+            <a:avLst/>
+          </a:prstGeom>
+          <a:ln>
+            <a:solidFill>
+              <a:srgbClr val="C00000"/>
+            </a:solidFill>
+            <a:tailEnd type="none" w="sm" len="med"/>
+          </a:ln>
+        </p:spPr>
+        <p:style>
+          <a:lnRef idx="1">
+            <a:schemeClr val="accent1"/>
+          </a:lnRef>
+          <a:fillRef idx="0">
+            <a:schemeClr val="accent1"/>
+          </a:fillRef>
+          <a:effectRef idx="0">
+            <a:schemeClr val="accent1"/>
+          </a:effectRef>
+          <a:fontRef idx="minor">
+            <a:schemeClr val="tx1"/>
+          </a:fontRef>
+        </p:style>
+      </p:cxnSp>
     </p:spTree>
     <p:extLst>
       <p:ext uri="{BB962C8B-B14F-4D97-AF65-F5344CB8AC3E}">

--- a/01_LiaisonEncastrement/Cours/Figures/Figures.pptx
+++ b/01_LiaisonEncastrement/Cours/Figures/Figures.pptx
@@ -114,6 +114,22 @@
       </a:defRPr>
     </a:lvl9pPr>
   </p:defaultTextStyle>
+  <p:extLst>
+    <p:ext uri="{EFAFB233-063F-42B5-8137-9DF3F51BA10A}">
+      <p15:sldGuideLst xmlns:p15="http://schemas.microsoft.com/office/powerpoint/2012/main">
+        <p15:guide id="1" orient="horz" pos="2160">
+          <p15:clr>
+            <a:srgbClr val="A4A3A4"/>
+          </p15:clr>
+        </p15:guide>
+        <p15:guide id="2" pos="2880">
+          <p15:clr>
+            <a:srgbClr val="A4A3A4"/>
+          </p15:clr>
+        </p15:guide>
+      </p15:sldGuideLst>
+    </p:ext>
+  </p:extLst>
 </p:presentation>
 </file>
 
@@ -199,7 +215,7 @@
           <a:p>
             <a:fld id="{FF4F525E-41B1-4D42-8A42-4B8DA0C928B5}" type="datetimeFigureOut">
               <a:rPr lang="fr-FR" smtClean="0"/>
-              <a:t>05/07/2016</a:t>
+              <a:t>06/07/2016</a:t>
             </a:fld>
             <a:endParaRPr lang="fr-FR"/>
           </a:p>
@@ -263,38 +279,37 @@
           <a:p>
             <a:pPr lvl="0"/>
             <a:r>
-              <a:rPr lang="fr-FR" smtClean="0"/>
+              <a:rPr lang="fr-FR"/>
               <a:t>Modifiez les styles du texte du masque</a:t>
             </a:r>
           </a:p>
           <a:p>
             <a:pPr lvl="1"/>
             <a:r>
-              <a:rPr lang="fr-FR" smtClean="0"/>
+              <a:rPr lang="fr-FR"/>
               <a:t>Deuxième niveau</a:t>
             </a:r>
           </a:p>
           <a:p>
             <a:pPr lvl="2"/>
             <a:r>
-              <a:rPr lang="fr-FR" smtClean="0"/>
+              <a:rPr lang="fr-FR"/>
               <a:t>Troisième niveau</a:t>
             </a:r>
           </a:p>
           <a:p>
             <a:pPr lvl="3"/>
             <a:r>
-              <a:rPr lang="fr-FR" smtClean="0"/>
+              <a:rPr lang="fr-FR"/>
               <a:t>Quatrième niveau</a:t>
             </a:r>
           </a:p>
           <a:p>
             <a:pPr lvl="4"/>
             <a:r>
-              <a:rPr lang="fr-FR" smtClean="0"/>
+              <a:rPr lang="fr-FR"/>
               <a:t>Cinquième niveau</a:t>
             </a:r>
-            <a:endParaRPr lang="fr-FR"/>
           </a:p>
         </p:txBody>
       </p:sp>
@@ -589,7 +604,7 @@
           <a:lstStyle/>
           <a:p>
             <a:r>
-              <a:rPr lang="fr-FR" smtClean="0"/>
+              <a:rPr lang="fr-FR"/>
               <a:t>Cliquez pour modifier le style du titre</a:t>
             </a:r>
             <a:endParaRPr lang="fr-BE"/>
@@ -708,7 +723,7 @@
           </a:lstStyle>
           <a:p>
             <a:r>
-              <a:rPr lang="fr-FR" smtClean="0"/>
+              <a:rPr lang="fr-FR"/>
               <a:t>Cliquez pour modifier le style des sous-titres du masque</a:t>
             </a:r>
             <a:endParaRPr lang="fr-BE"/>
@@ -732,7 +747,7 @@
           <a:p>
             <a:fld id="{AA309A6D-C09C-4548-B29A-6CF363A7E532}" type="datetimeFigureOut">
               <a:rPr lang="fr-FR" smtClean="0"/>
-              <a:t>05/07/2016</a:t>
+              <a:t>06/07/2016</a:t>
             </a:fld>
             <a:endParaRPr lang="fr-BE"/>
           </a:p>
@@ -821,7 +836,7 @@
           <a:lstStyle/>
           <a:p>
             <a:r>
-              <a:rPr lang="fr-FR" smtClean="0"/>
+              <a:rPr lang="fr-FR"/>
               <a:t>Cliquez pour modifier le style du titre</a:t>
             </a:r>
             <a:endParaRPr lang="fr-BE"/>
@@ -845,35 +860,35 @@
           <a:p>
             <a:pPr lvl="0"/>
             <a:r>
-              <a:rPr lang="fr-FR" smtClean="0"/>
+              <a:rPr lang="fr-FR"/>
               <a:t>Cliquez pour modifier les styles du texte du masque</a:t>
             </a:r>
           </a:p>
           <a:p>
             <a:pPr lvl="1"/>
             <a:r>
-              <a:rPr lang="fr-FR" smtClean="0"/>
+              <a:rPr lang="fr-FR"/>
               <a:t>Deuxième niveau</a:t>
             </a:r>
           </a:p>
           <a:p>
             <a:pPr lvl="2"/>
             <a:r>
-              <a:rPr lang="fr-FR" smtClean="0"/>
+              <a:rPr lang="fr-FR"/>
               <a:t>Troisième niveau</a:t>
             </a:r>
           </a:p>
           <a:p>
             <a:pPr lvl="3"/>
             <a:r>
-              <a:rPr lang="fr-FR" smtClean="0"/>
+              <a:rPr lang="fr-FR"/>
               <a:t>Quatrième niveau</a:t>
             </a:r>
           </a:p>
           <a:p>
             <a:pPr lvl="4"/>
             <a:r>
-              <a:rPr lang="fr-FR" smtClean="0"/>
+              <a:rPr lang="fr-FR"/>
               <a:t>Cinquième niveau</a:t>
             </a:r>
             <a:endParaRPr lang="fr-BE"/>
@@ -897,7 +912,7 @@
           <a:p>
             <a:fld id="{AA309A6D-C09C-4548-B29A-6CF363A7E532}" type="datetimeFigureOut">
               <a:rPr lang="fr-FR" smtClean="0"/>
-              <a:t>05/07/2016</a:t>
+              <a:t>06/07/2016</a:t>
             </a:fld>
             <a:endParaRPr lang="fr-BE"/>
           </a:p>
@@ -991,7 +1006,7 @@
           <a:lstStyle/>
           <a:p>
             <a:r>
-              <a:rPr lang="fr-FR" smtClean="0"/>
+              <a:rPr lang="fr-FR"/>
               <a:t>Cliquez pour modifier le style du titre</a:t>
             </a:r>
             <a:endParaRPr lang="fr-BE"/>
@@ -1020,35 +1035,35 @@
           <a:p>
             <a:pPr lvl="0"/>
             <a:r>
-              <a:rPr lang="fr-FR" smtClean="0"/>
+              <a:rPr lang="fr-FR"/>
               <a:t>Cliquez pour modifier les styles du texte du masque</a:t>
             </a:r>
           </a:p>
           <a:p>
             <a:pPr lvl="1"/>
             <a:r>
-              <a:rPr lang="fr-FR" smtClean="0"/>
+              <a:rPr lang="fr-FR"/>
               <a:t>Deuxième niveau</a:t>
             </a:r>
           </a:p>
           <a:p>
             <a:pPr lvl="2"/>
             <a:r>
-              <a:rPr lang="fr-FR" smtClean="0"/>
+              <a:rPr lang="fr-FR"/>
               <a:t>Troisième niveau</a:t>
             </a:r>
           </a:p>
           <a:p>
             <a:pPr lvl="3"/>
             <a:r>
-              <a:rPr lang="fr-FR" smtClean="0"/>
+              <a:rPr lang="fr-FR"/>
               <a:t>Quatrième niveau</a:t>
             </a:r>
           </a:p>
           <a:p>
             <a:pPr lvl="4"/>
             <a:r>
-              <a:rPr lang="fr-FR" smtClean="0"/>
+              <a:rPr lang="fr-FR"/>
               <a:t>Cinquième niveau</a:t>
             </a:r>
             <a:endParaRPr lang="fr-BE"/>
@@ -1072,7 +1087,7 @@
           <a:p>
             <a:fld id="{AA309A6D-C09C-4548-B29A-6CF363A7E532}" type="datetimeFigureOut">
               <a:rPr lang="fr-FR" smtClean="0"/>
-              <a:t>05/07/2016</a:t>
+              <a:t>06/07/2016</a:t>
             </a:fld>
             <a:endParaRPr lang="fr-BE"/>
           </a:p>
@@ -1161,7 +1176,7 @@
           <a:lstStyle/>
           <a:p>
             <a:r>
-              <a:rPr lang="fr-FR" smtClean="0"/>
+              <a:rPr lang="fr-FR"/>
               <a:t>Cliquez pour modifier le style du titre</a:t>
             </a:r>
             <a:endParaRPr lang="fr-BE"/>
@@ -1185,35 +1200,35 @@
           <a:p>
             <a:pPr lvl="0"/>
             <a:r>
-              <a:rPr lang="fr-FR" smtClean="0"/>
+              <a:rPr lang="fr-FR"/>
               <a:t>Cliquez pour modifier les styles du texte du masque</a:t>
             </a:r>
           </a:p>
           <a:p>
             <a:pPr lvl="1"/>
             <a:r>
-              <a:rPr lang="fr-FR" smtClean="0"/>
+              <a:rPr lang="fr-FR"/>
               <a:t>Deuxième niveau</a:t>
             </a:r>
           </a:p>
           <a:p>
             <a:pPr lvl="2"/>
             <a:r>
-              <a:rPr lang="fr-FR" smtClean="0"/>
+              <a:rPr lang="fr-FR"/>
               <a:t>Troisième niveau</a:t>
             </a:r>
           </a:p>
           <a:p>
             <a:pPr lvl="3"/>
             <a:r>
-              <a:rPr lang="fr-FR" smtClean="0"/>
+              <a:rPr lang="fr-FR"/>
               <a:t>Quatrième niveau</a:t>
             </a:r>
           </a:p>
           <a:p>
             <a:pPr lvl="4"/>
             <a:r>
-              <a:rPr lang="fr-FR" smtClean="0"/>
+              <a:rPr lang="fr-FR"/>
               <a:t>Cinquième niveau</a:t>
             </a:r>
             <a:endParaRPr lang="fr-BE"/>
@@ -1237,7 +1252,7 @@
           <a:p>
             <a:fld id="{AA309A6D-C09C-4548-B29A-6CF363A7E532}" type="datetimeFigureOut">
               <a:rPr lang="fr-FR" smtClean="0"/>
-              <a:t>05/07/2016</a:t>
+              <a:t>06/07/2016</a:t>
             </a:fld>
             <a:endParaRPr lang="fr-BE"/>
           </a:p>
@@ -1335,7 +1350,7 @@
           </a:lstStyle>
           <a:p>
             <a:r>
-              <a:rPr lang="fr-FR" smtClean="0"/>
+              <a:rPr lang="fr-FR"/>
               <a:t>Cliquez pour modifier le style du titre</a:t>
             </a:r>
             <a:endParaRPr lang="fr-BE"/>
@@ -1455,7 +1470,7 @@
           <a:p>
             <a:pPr lvl="0"/>
             <a:r>
-              <a:rPr lang="fr-FR" smtClean="0"/>
+              <a:rPr lang="fr-FR"/>
               <a:t>Cliquez pour modifier les styles du texte du masque</a:t>
             </a:r>
           </a:p>
@@ -1478,7 +1493,7 @@
           <a:p>
             <a:fld id="{AA309A6D-C09C-4548-B29A-6CF363A7E532}" type="datetimeFigureOut">
               <a:rPr lang="fr-FR" smtClean="0"/>
-              <a:t>05/07/2016</a:t>
+              <a:t>06/07/2016</a:t>
             </a:fld>
             <a:endParaRPr lang="fr-BE"/>
           </a:p>
@@ -1567,7 +1582,7 @@
           <a:lstStyle/>
           <a:p>
             <a:r>
-              <a:rPr lang="fr-FR" smtClean="0"/>
+              <a:rPr lang="fr-FR"/>
               <a:t>Cliquez pour modifier le style du titre</a:t>
             </a:r>
             <a:endParaRPr lang="fr-BE"/>
@@ -1624,35 +1639,35 @@
           <a:p>
             <a:pPr lvl="0"/>
             <a:r>
-              <a:rPr lang="fr-FR" smtClean="0"/>
+              <a:rPr lang="fr-FR"/>
               <a:t>Cliquez pour modifier les styles du texte du masque</a:t>
             </a:r>
           </a:p>
           <a:p>
             <a:pPr lvl="1"/>
             <a:r>
-              <a:rPr lang="fr-FR" smtClean="0"/>
+              <a:rPr lang="fr-FR"/>
               <a:t>Deuxième niveau</a:t>
             </a:r>
           </a:p>
           <a:p>
             <a:pPr lvl="2"/>
             <a:r>
-              <a:rPr lang="fr-FR" smtClean="0"/>
+              <a:rPr lang="fr-FR"/>
               <a:t>Troisième niveau</a:t>
             </a:r>
           </a:p>
           <a:p>
             <a:pPr lvl="3"/>
             <a:r>
-              <a:rPr lang="fr-FR" smtClean="0"/>
+              <a:rPr lang="fr-FR"/>
               <a:t>Quatrième niveau</a:t>
             </a:r>
           </a:p>
           <a:p>
             <a:pPr lvl="4"/>
             <a:r>
-              <a:rPr lang="fr-FR" smtClean="0"/>
+              <a:rPr lang="fr-FR"/>
               <a:t>Cinquième niveau</a:t>
             </a:r>
             <a:endParaRPr lang="fr-BE"/>
@@ -1709,35 +1724,35 @@
           <a:p>
             <a:pPr lvl="0"/>
             <a:r>
-              <a:rPr lang="fr-FR" smtClean="0"/>
+              <a:rPr lang="fr-FR"/>
               <a:t>Cliquez pour modifier les styles du texte du masque</a:t>
             </a:r>
           </a:p>
           <a:p>
             <a:pPr lvl="1"/>
             <a:r>
-              <a:rPr lang="fr-FR" smtClean="0"/>
+              <a:rPr lang="fr-FR"/>
               <a:t>Deuxième niveau</a:t>
             </a:r>
           </a:p>
           <a:p>
             <a:pPr lvl="2"/>
             <a:r>
-              <a:rPr lang="fr-FR" smtClean="0"/>
+              <a:rPr lang="fr-FR"/>
               <a:t>Troisième niveau</a:t>
             </a:r>
           </a:p>
           <a:p>
             <a:pPr lvl="3"/>
             <a:r>
-              <a:rPr lang="fr-FR" smtClean="0"/>
+              <a:rPr lang="fr-FR"/>
               <a:t>Quatrième niveau</a:t>
             </a:r>
           </a:p>
           <a:p>
             <a:pPr lvl="4"/>
             <a:r>
-              <a:rPr lang="fr-FR" smtClean="0"/>
+              <a:rPr lang="fr-FR"/>
               <a:t>Cinquième niveau</a:t>
             </a:r>
             <a:endParaRPr lang="fr-BE"/>
@@ -1761,7 +1776,7 @@
           <a:p>
             <a:fld id="{AA309A6D-C09C-4548-B29A-6CF363A7E532}" type="datetimeFigureOut">
               <a:rPr lang="fr-FR" smtClean="0"/>
-              <a:t>05/07/2016</a:t>
+              <a:t>06/07/2016</a:t>
             </a:fld>
             <a:endParaRPr lang="fr-BE"/>
           </a:p>
@@ -1854,7 +1869,7 @@
           </a:lstStyle>
           <a:p>
             <a:r>
-              <a:rPr lang="fr-FR" smtClean="0"/>
+              <a:rPr lang="fr-FR"/>
               <a:t>Cliquez pour modifier le style du titre</a:t>
             </a:r>
             <a:endParaRPr lang="fr-BE"/>
@@ -1920,7 +1935,7 @@
           <a:p>
             <a:pPr lvl="0"/>
             <a:r>
-              <a:rPr lang="fr-FR" smtClean="0"/>
+              <a:rPr lang="fr-FR"/>
               <a:t>Cliquez pour modifier les styles du texte du masque</a:t>
             </a:r>
           </a:p>
@@ -1976,35 +1991,35 @@
           <a:p>
             <a:pPr lvl="0"/>
             <a:r>
-              <a:rPr lang="fr-FR" smtClean="0"/>
+              <a:rPr lang="fr-FR"/>
               <a:t>Cliquez pour modifier les styles du texte du masque</a:t>
             </a:r>
           </a:p>
           <a:p>
             <a:pPr lvl="1"/>
             <a:r>
-              <a:rPr lang="fr-FR" smtClean="0"/>
+              <a:rPr lang="fr-FR"/>
               <a:t>Deuxième niveau</a:t>
             </a:r>
           </a:p>
           <a:p>
             <a:pPr lvl="2"/>
             <a:r>
-              <a:rPr lang="fr-FR" smtClean="0"/>
+              <a:rPr lang="fr-FR"/>
               <a:t>Troisième niveau</a:t>
             </a:r>
           </a:p>
           <a:p>
             <a:pPr lvl="3"/>
             <a:r>
-              <a:rPr lang="fr-FR" smtClean="0"/>
+              <a:rPr lang="fr-FR"/>
               <a:t>Quatrième niveau</a:t>
             </a:r>
           </a:p>
           <a:p>
             <a:pPr lvl="4"/>
             <a:r>
-              <a:rPr lang="fr-FR" smtClean="0"/>
+              <a:rPr lang="fr-FR"/>
               <a:t>Cinquième niveau</a:t>
             </a:r>
             <a:endParaRPr lang="fr-BE"/>
@@ -2070,7 +2085,7 @@
           <a:p>
             <a:pPr lvl="0"/>
             <a:r>
-              <a:rPr lang="fr-FR" smtClean="0"/>
+              <a:rPr lang="fr-FR"/>
               <a:t>Cliquez pour modifier les styles du texte du masque</a:t>
             </a:r>
           </a:p>
@@ -2126,35 +2141,35 @@
           <a:p>
             <a:pPr lvl="0"/>
             <a:r>
-              <a:rPr lang="fr-FR" smtClean="0"/>
+              <a:rPr lang="fr-FR"/>
               <a:t>Cliquez pour modifier les styles du texte du masque</a:t>
             </a:r>
           </a:p>
           <a:p>
             <a:pPr lvl="1"/>
             <a:r>
-              <a:rPr lang="fr-FR" smtClean="0"/>
+              <a:rPr lang="fr-FR"/>
               <a:t>Deuxième niveau</a:t>
             </a:r>
           </a:p>
           <a:p>
             <a:pPr lvl="2"/>
             <a:r>
-              <a:rPr lang="fr-FR" smtClean="0"/>
+              <a:rPr lang="fr-FR"/>
               <a:t>Troisième niveau</a:t>
             </a:r>
           </a:p>
           <a:p>
             <a:pPr lvl="3"/>
             <a:r>
-              <a:rPr lang="fr-FR" smtClean="0"/>
+              <a:rPr lang="fr-FR"/>
               <a:t>Quatrième niveau</a:t>
             </a:r>
           </a:p>
           <a:p>
             <a:pPr lvl="4"/>
             <a:r>
-              <a:rPr lang="fr-FR" smtClean="0"/>
+              <a:rPr lang="fr-FR"/>
               <a:t>Cinquième niveau</a:t>
             </a:r>
             <a:endParaRPr lang="fr-BE"/>
@@ -2178,7 +2193,7 @@
           <a:p>
             <a:fld id="{AA309A6D-C09C-4548-B29A-6CF363A7E532}" type="datetimeFigureOut">
               <a:rPr lang="fr-FR" smtClean="0"/>
-              <a:t>05/07/2016</a:t>
+              <a:t>06/07/2016</a:t>
             </a:fld>
             <a:endParaRPr lang="fr-BE"/>
           </a:p>
@@ -2267,7 +2282,7 @@
           <a:lstStyle/>
           <a:p>
             <a:r>
-              <a:rPr lang="fr-FR" smtClean="0"/>
+              <a:rPr lang="fr-FR"/>
               <a:t>Cliquez pour modifier le style du titre</a:t>
             </a:r>
             <a:endParaRPr lang="fr-BE"/>
@@ -2291,7 +2306,7 @@
           <a:p>
             <a:fld id="{AA309A6D-C09C-4548-B29A-6CF363A7E532}" type="datetimeFigureOut">
               <a:rPr lang="fr-FR" smtClean="0"/>
-              <a:t>05/07/2016</a:t>
+              <a:t>06/07/2016</a:t>
             </a:fld>
             <a:endParaRPr lang="fr-BE"/>
           </a:p>
@@ -2381,7 +2396,7 @@
           <a:p>
             <a:fld id="{AA309A6D-C09C-4548-B29A-6CF363A7E532}" type="datetimeFigureOut">
               <a:rPr lang="fr-FR" smtClean="0"/>
-              <a:t>05/07/2016</a:t>
+              <a:t>06/07/2016</a:t>
             </a:fld>
             <a:endParaRPr lang="fr-BE"/>
           </a:p>
@@ -2479,7 +2494,7 @@
           </a:lstStyle>
           <a:p>
             <a:r>
-              <a:rPr lang="fr-FR" smtClean="0"/>
+              <a:rPr lang="fr-FR"/>
               <a:t>Cliquez pour modifier le style du titre</a:t>
             </a:r>
             <a:endParaRPr lang="fr-BE"/>
@@ -2536,35 +2551,35 @@
           <a:p>
             <a:pPr lvl="0"/>
             <a:r>
-              <a:rPr lang="fr-FR" smtClean="0"/>
+              <a:rPr lang="fr-FR"/>
               <a:t>Cliquez pour modifier les styles du texte du masque</a:t>
             </a:r>
           </a:p>
           <a:p>
             <a:pPr lvl="1"/>
             <a:r>
-              <a:rPr lang="fr-FR" smtClean="0"/>
+              <a:rPr lang="fr-FR"/>
               <a:t>Deuxième niveau</a:t>
             </a:r>
           </a:p>
           <a:p>
             <a:pPr lvl="2"/>
             <a:r>
-              <a:rPr lang="fr-FR" smtClean="0"/>
+              <a:rPr lang="fr-FR"/>
               <a:t>Troisième niveau</a:t>
             </a:r>
           </a:p>
           <a:p>
             <a:pPr lvl="3"/>
             <a:r>
-              <a:rPr lang="fr-FR" smtClean="0"/>
+              <a:rPr lang="fr-FR"/>
               <a:t>Quatrième niveau</a:t>
             </a:r>
           </a:p>
           <a:p>
             <a:pPr lvl="4"/>
             <a:r>
-              <a:rPr lang="fr-FR" smtClean="0"/>
+              <a:rPr lang="fr-FR"/>
               <a:t>Cinquième niveau</a:t>
             </a:r>
             <a:endParaRPr lang="fr-BE"/>
@@ -2630,7 +2645,7 @@
           <a:p>
             <a:pPr lvl="0"/>
             <a:r>
-              <a:rPr lang="fr-FR" smtClean="0"/>
+              <a:rPr lang="fr-FR"/>
               <a:t>Cliquez pour modifier les styles du texte du masque</a:t>
             </a:r>
           </a:p>
@@ -2653,7 +2668,7 @@
           <a:p>
             <a:fld id="{AA309A6D-C09C-4548-B29A-6CF363A7E532}" type="datetimeFigureOut">
               <a:rPr lang="fr-FR" smtClean="0"/>
-              <a:t>05/07/2016</a:t>
+              <a:t>06/07/2016</a:t>
             </a:fld>
             <a:endParaRPr lang="fr-BE"/>
           </a:p>
@@ -2751,7 +2766,7 @@
           </a:lstStyle>
           <a:p>
             <a:r>
-              <a:rPr lang="fr-FR" smtClean="0"/>
+              <a:rPr lang="fr-FR"/>
               <a:t>Cliquez pour modifier le style du titre</a:t>
             </a:r>
             <a:endParaRPr lang="fr-BE"/>
@@ -2878,7 +2893,7 @@
           <a:p>
             <a:pPr lvl="0"/>
             <a:r>
-              <a:rPr lang="fr-FR" smtClean="0"/>
+              <a:rPr lang="fr-FR"/>
               <a:t>Cliquez pour modifier les styles du texte du masque</a:t>
             </a:r>
           </a:p>
@@ -2901,7 +2916,7 @@
           <a:p>
             <a:fld id="{AA309A6D-C09C-4548-B29A-6CF363A7E532}" type="datetimeFigureOut">
               <a:rPr lang="fr-FR" smtClean="0"/>
-              <a:t>05/07/2016</a:t>
+              <a:t>06/07/2016</a:t>
             </a:fld>
             <a:endParaRPr lang="fr-BE"/>
           </a:p>
@@ -3005,7 +3020,7 @@
           <a:lstStyle/>
           <a:p>
             <a:r>
-              <a:rPr lang="fr-FR" smtClean="0"/>
+              <a:rPr lang="fr-FR"/>
               <a:t>Cliquez pour modifier le style du titre</a:t>
             </a:r>
             <a:endParaRPr lang="fr-BE"/>
@@ -3039,35 +3054,35 @@
           <a:p>
             <a:pPr lvl="0"/>
             <a:r>
-              <a:rPr lang="fr-FR" smtClean="0"/>
+              <a:rPr lang="fr-FR"/>
               <a:t>Cliquez pour modifier les styles du texte du masque</a:t>
             </a:r>
           </a:p>
           <a:p>
             <a:pPr lvl="1"/>
             <a:r>
-              <a:rPr lang="fr-FR" smtClean="0"/>
+              <a:rPr lang="fr-FR"/>
               <a:t>Deuxième niveau</a:t>
             </a:r>
           </a:p>
           <a:p>
             <a:pPr lvl="2"/>
             <a:r>
-              <a:rPr lang="fr-FR" smtClean="0"/>
+              <a:rPr lang="fr-FR"/>
               <a:t>Troisième niveau</a:t>
             </a:r>
           </a:p>
           <a:p>
             <a:pPr lvl="3"/>
             <a:r>
-              <a:rPr lang="fr-FR" smtClean="0"/>
+              <a:rPr lang="fr-FR"/>
               <a:t>Quatrième niveau</a:t>
             </a:r>
           </a:p>
           <a:p>
             <a:pPr lvl="4"/>
             <a:r>
-              <a:rPr lang="fr-FR" smtClean="0"/>
+              <a:rPr lang="fr-FR"/>
               <a:t>Cinquième niveau</a:t>
             </a:r>
             <a:endParaRPr lang="fr-BE"/>
@@ -3109,7 +3124,7 @@
           <a:p>
             <a:fld id="{AA309A6D-C09C-4548-B29A-6CF363A7E532}" type="datetimeFigureOut">
               <a:rPr lang="fr-FR" smtClean="0"/>
-              <a:t>05/07/2016</a:t>
+              <a:t>06/07/2016</a:t>
             </a:fld>
             <a:endParaRPr lang="fr-BE"/>
           </a:p>
@@ -3607,13 +3622,9 @@
             <a:pPr algn="ctr"/>
             <a:r>
               <a:rPr lang="fr-FR" sz="1600" b="1" i="1" dirty="0"/>
-              <a:t>http://www.costadoat.fr</a:t>
+              <a:t>http://www.costadoat.fr/</a:t>
             </a:r>
-            <a:r>
-              <a:rPr lang="fr-FR" sz="1600" b="1" i="1" dirty="0" smtClean="0"/>
-              <a:t>/</a:t>
-            </a:r>
-            <a:endParaRPr lang="fr-FR" sz="1600" b="1" i="1" dirty="0" smtClean="0">
+            <a:endParaRPr lang="fr-FR" sz="1600" b="1" i="1" dirty="0">
               <a:hlinkClick r:id="rId4"/>
             </a:endParaRPr>
           </a:p>
@@ -7511,10 +7522,9 @@
           <a:lstStyle/>
           <a:p>
             <a:r>
-              <a:rPr lang="fr-FR" sz="900" b="1" dirty="0" smtClean="0"/>
+              <a:rPr lang="fr-FR" sz="900" b="1" dirty="0"/>
               <a:t>Jeu entre la vis et la pièce intermédiaire</a:t>
             </a:r>
-            <a:endParaRPr lang="fr-FR" sz="900" b="1" dirty="0"/>
           </a:p>
         </p:txBody>
       </p:sp>
@@ -7541,10 +7551,9 @@
           <a:lstStyle/>
           <a:p>
             <a:r>
-              <a:rPr lang="fr-FR" sz="900" b="1" dirty="0" smtClean="0"/>
+              <a:rPr lang="fr-FR" sz="900" b="1" dirty="0"/>
               <a:t>Seule la dernière pièce de l’assemblage est taraudée</a:t>
             </a:r>
-            <a:endParaRPr lang="fr-FR" sz="900" b="1" dirty="0"/>
           </a:p>
         </p:txBody>
       </p:sp>
@@ -8461,13 +8470,13 @@
           </a:lstStyle>
           <a:p>
             <a:r>
-              <a:rPr lang="fr-FR" dirty="0" smtClean="0"/>
+              <a:rPr lang="fr-FR" dirty="0"/>
               <a:t>Épaulement</a:t>
             </a:r>
           </a:p>
           <a:p>
             <a:r>
-              <a:rPr lang="fr-FR" dirty="0" smtClean="0"/>
+              <a:rPr lang="fr-FR" dirty="0"/>
               <a:t>(Arrêt en translation)</a:t>
             </a:r>
           </a:p>
@@ -10328,18 +10337,17 @@
           <a:lstStyle/>
           <a:p>
             <a:r>
-              <a:rPr lang="fr-FR" sz="1050" dirty="0" smtClean="0"/>
+              <a:rPr lang="fr-FR" sz="1050" dirty="0"/>
               <a:t>Rainure de clavette </a:t>
             </a:r>
             <a:r>
-              <a:rPr lang="fr-FR" sz="1050" dirty="0" err="1" smtClean="0"/>
+              <a:rPr lang="fr-FR" sz="1050" dirty="0" err="1"/>
               <a:t>débouchante</a:t>
             </a:r>
             <a:r>
-              <a:rPr lang="fr-FR" sz="1050" dirty="0" smtClean="0"/>
+              <a:rPr lang="fr-FR" sz="1050" dirty="0"/>
               <a:t> ! </a:t>
             </a:r>
-            <a:endParaRPr lang="fr-FR" sz="1050" dirty="0"/>
           </a:p>
         </p:txBody>
       </p:sp>
@@ -10409,10 +10417,9 @@
           </a:lstStyle>
           <a:p>
             <a:r>
-              <a:rPr lang="fr-FR" dirty="0" smtClean="0"/>
+              <a:rPr lang="fr-FR" dirty="0"/>
               <a:t>Rondelle fendue pour éviter à la vis de se desserrer</a:t>
             </a:r>
-            <a:endParaRPr lang="fr-FR" dirty="0"/>
           </a:p>
         </p:txBody>
       </p:sp>
@@ -10554,10 +10561,9 @@
           </a:lstStyle>
           <a:p>
             <a:r>
-              <a:rPr lang="fr-FR" dirty="0" smtClean="0"/>
+              <a:rPr lang="fr-FR" dirty="0"/>
               <a:t>Extrémité de la vis</a:t>
             </a:r>
-            <a:endParaRPr lang="fr-FR" dirty="0"/>
           </a:p>
         </p:txBody>
       </p:sp>
@@ -10591,10 +10597,9 @@
           </a:lstStyle>
           <a:p>
             <a:r>
-              <a:rPr lang="fr-FR" dirty="0" smtClean="0"/>
+              <a:rPr lang="fr-FR" dirty="0"/>
               <a:t>Fin du taraudage</a:t>
             </a:r>
-            <a:endParaRPr lang="fr-FR" dirty="0"/>
           </a:p>
         </p:txBody>
       </p:sp>
@@ -10628,7 +10633,7 @@
           </a:lstStyle>
           <a:p>
             <a:r>
-              <a:rPr lang="fr-FR" dirty="0" smtClean="0"/>
+              <a:rPr lang="fr-FR" dirty="0"/>
               <a:t>Fin du perçage</a:t>
             </a:r>
           </a:p>
@@ -11290,13 +11295,13 @@
           </a:lstStyle>
           <a:p>
             <a:r>
-              <a:rPr lang="fr-FR" dirty="0" smtClean="0"/>
+              <a:rPr lang="fr-FR" dirty="0"/>
               <a:t>Épaulement</a:t>
             </a:r>
           </a:p>
           <a:p>
             <a:r>
-              <a:rPr lang="fr-FR" dirty="0" smtClean="0"/>
+              <a:rPr lang="fr-FR" dirty="0"/>
               <a:t>(Arrêt en translation)</a:t>
             </a:r>
           </a:p>
@@ -13359,7 +13364,7 @@
           </a:lstStyle>
           <a:p>
             <a:r>
-              <a:rPr lang="fr-FR" dirty="0" smtClean="0"/>
+              <a:rPr lang="fr-FR" dirty="0"/>
               <a:t>Rainure de la rondelle frein</a:t>
             </a:r>
           </a:p>
@@ -13621,6 +13626,103 @@
       </p:sp>
       <p:sp>
         <p:nvSpPr>
+          <p:cNvPr id="59" name="Forme libre 58"/>
+          <p:cNvSpPr/>
+          <p:nvPr/>
+        </p:nvSpPr>
+        <p:spPr>
+          <a:xfrm rot="20932008">
+            <a:off x="4111807" y="1238413"/>
+            <a:ext cx="94532" cy="247463"/>
+          </a:xfrm>
+          <a:custGeom>
+            <a:avLst/>
+            <a:gdLst>
+              <a:gd name="connsiteX0" fmla="*/ 88900 w 95082"/>
+              <a:gd name="connsiteY0" fmla="*/ 0 h 254000"/>
+              <a:gd name="connsiteX1" fmla="*/ 85725 w 95082"/>
+              <a:gd name="connsiteY1" fmla="*/ 139700 h 254000"/>
+              <a:gd name="connsiteX2" fmla="*/ 0 w 95082"/>
+              <a:gd name="connsiteY2" fmla="*/ 254000 h 254000"/>
+              <a:gd name="connsiteX0" fmla="*/ 88900 w 89272"/>
+              <a:gd name="connsiteY0" fmla="*/ 0 h 254000"/>
+              <a:gd name="connsiteX1" fmla="*/ 15875 w 89272"/>
+              <a:gd name="connsiteY1" fmla="*/ 130175 h 254000"/>
+              <a:gd name="connsiteX2" fmla="*/ 0 w 89272"/>
+              <a:gd name="connsiteY2" fmla="*/ 254000 h 254000"/>
+              <a:gd name="connsiteX0" fmla="*/ 88900 w 88900"/>
+              <a:gd name="connsiteY0" fmla="*/ 0 h 254000"/>
+              <a:gd name="connsiteX1" fmla="*/ 0 w 88900"/>
+              <a:gd name="connsiteY1" fmla="*/ 254000 h 254000"/>
+              <a:gd name="connsiteX0" fmla="*/ 88900 w 88900"/>
+              <a:gd name="connsiteY0" fmla="*/ 0 h 254000"/>
+              <a:gd name="connsiteX1" fmla="*/ 0 w 88900"/>
+              <a:gd name="connsiteY1" fmla="*/ 254000 h 254000"/>
+              <a:gd name="connsiteX0" fmla="*/ 88900 w 88900"/>
+              <a:gd name="connsiteY0" fmla="*/ 0 h 254000"/>
+              <a:gd name="connsiteX1" fmla="*/ 0 w 88900"/>
+              <a:gd name="connsiteY1" fmla="*/ 254000 h 254000"/>
+              <a:gd name="connsiteX0" fmla="*/ 139700 w 139700"/>
+              <a:gd name="connsiteY0" fmla="*/ 0 h 250825"/>
+              <a:gd name="connsiteX1" fmla="*/ 0 w 139700"/>
+              <a:gd name="connsiteY1" fmla="*/ 250825 h 250825"/>
+            </a:gdLst>
+            <a:ahLst/>
+            <a:cxnLst>
+              <a:cxn ang="0">
+                <a:pos x="connsiteX0" y="connsiteY0"/>
+              </a:cxn>
+              <a:cxn ang="0">
+                <a:pos x="connsiteX1" y="connsiteY1"/>
+              </a:cxn>
+            </a:cxnLst>
+            <a:rect l="l" t="t" r="r" b="b"/>
+            <a:pathLst>
+              <a:path w="139700" h="250825">
+                <a:moveTo>
+                  <a:pt x="139700" y="0"/>
+                </a:moveTo>
+                <a:cubicBezTo>
+                  <a:pt x="5292" y="2117"/>
+                  <a:pt x="74083" y="248708"/>
+                  <a:pt x="0" y="250825"/>
+                </a:cubicBezTo>
+              </a:path>
+            </a:pathLst>
+          </a:custGeom>
+          <a:ln w="6350">
+            <a:solidFill>
+              <a:schemeClr val="accent5">
+                <a:lumMod val="50000"/>
+              </a:schemeClr>
+            </a:solidFill>
+          </a:ln>
+        </p:spPr>
+        <p:style>
+          <a:lnRef idx="1">
+            <a:schemeClr val="accent1"/>
+          </a:lnRef>
+          <a:fillRef idx="0">
+            <a:schemeClr val="accent1"/>
+          </a:fillRef>
+          <a:effectRef idx="0">
+            <a:schemeClr val="accent1"/>
+          </a:effectRef>
+          <a:fontRef idx="minor">
+            <a:schemeClr val="tx1"/>
+          </a:fontRef>
+        </p:style>
+        <p:txBody>
+          <a:bodyPr rtlCol="0" anchor="ctr"/>
+          <a:lstStyle/>
+          <a:p>
+            <a:pPr algn="ctr"/>
+            <a:endParaRPr lang="fr-FR"/>
+          </a:p>
+        </p:txBody>
+      </p:sp>
+      <p:sp>
+        <p:nvSpPr>
           <p:cNvPr id="190" name="Rectangle 189"/>
           <p:cNvSpPr/>
           <p:nvPr/>
@@ -15703,10 +15805,9 @@
           <a:lstStyle/>
           <a:p>
             <a:r>
-              <a:rPr lang="fr-FR" sz="1050" dirty="0" smtClean="0"/>
+              <a:rPr lang="fr-FR" sz="1050" dirty="0"/>
               <a:t>Appui plan</a:t>
             </a:r>
-            <a:endParaRPr lang="fr-FR" sz="1050" dirty="0"/>
           </a:p>
         </p:txBody>
       </p:sp>
@@ -15808,10 +15909,9 @@
           <a:lstStyle/>
           <a:p>
             <a:r>
-              <a:rPr lang="fr-FR" sz="1050" dirty="0" smtClean="0"/>
+              <a:rPr lang="fr-FR" sz="1050" dirty="0"/>
               <a:t>Centrage court</a:t>
             </a:r>
-            <a:endParaRPr lang="fr-FR" sz="1050" dirty="0"/>
           </a:p>
         </p:txBody>
       </p:sp>
@@ -15851,6 +15951,2154 @@
           </a:fontRef>
         </p:style>
       </p:cxnSp>
+      <p:sp>
+        <p:nvSpPr>
+          <p:cNvPr id="3" name="Forme libre 2"/>
+          <p:cNvSpPr/>
+          <p:nvPr/>
+        </p:nvSpPr>
+        <p:spPr>
+          <a:xfrm rot="20932008">
+            <a:off x="2951542" y="1275559"/>
+            <a:ext cx="94532" cy="247463"/>
+          </a:xfrm>
+          <a:custGeom>
+            <a:avLst/>
+            <a:gdLst>
+              <a:gd name="connsiteX0" fmla="*/ 88900 w 95082"/>
+              <a:gd name="connsiteY0" fmla="*/ 0 h 254000"/>
+              <a:gd name="connsiteX1" fmla="*/ 85725 w 95082"/>
+              <a:gd name="connsiteY1" fmla="*/ 139700 h 254000"/>
+              <a:gd name="connsiteX2" fmla="*/ 0 w 95082"/>
+              <a:gd name="connsiteY2" fmla="*/ 254000 h 254000"/>
+              <a:gd name="connsiteX0" fmla="*/ 88900 w 89272"/>
+              <a:gd name="connsiteY0" fmla="*/ 0 h 254000"/>
+              <a:gd name="connsiteX1" fmla="*/ 15875 w 89272"/>
+              <a:gd name="connsiteY1" fmla="*/ 130175 h 254000"/>
+              <a:gd name="connsiteX2" fmla="*/ 0 w 89272"/>
+              <a:gd name="connsiteY2" fmla="*/ 254000 h 254000"/>
+              <a:gd name="connsiteX0" fmla="*/ 88900 w 88900"/>
+              <a:gd name="connsiteY0" fmla="*/ 0 h 254000"/>
+              <a:gd name="connsiteX1" fmla="*/ 0 w 88900"/>
+              <a:gd name="connsiteY1" fmla="*/ 254000 h 254000"/>
+              <a:gd name="connsiteX0" fmla="*/ 88900 w 88900"/>
+              <a:gd name="connsiteY0" fmla="*/ 0 h 254000"/>
+              <a:gd name="connsiteX1" fmla="*/ 0 w 88900"/>
+              <a:gd name="connsiteY1" fmla="*/ 254000 h 254000"/>
+              <a:gd name="connsiteX0" fmla="*/ 88900 w 88900"/>
+              <a:gd name="connsiteY0" fmla="*/ 0 h 254000"/>
+              <a:gd name="connsiteX1" fmla="*/ 0 w 88900"/>
+              <a:gd name="connsiteY1" fmla="*/ 254000 h 254000"/>
+              <a:gd name="connsiteX0" fmla="*/ 139700 w 139700"/>
+              <a:gd name="connsiteY0" fmla="*/ 0 h 250825"/>
+              <a:gd name="connsiteX1" fmla="*/ 0 w 139700"/>
+              <a:gd name="connsiteY1" fmla="*/ 250825 h 250825"/>
+            </a:gdLst>
+            <a:ahLst/>
+            <a:cxnLst>
+              <a:cxn ang="0">
+                <a:pos x="connsiteX0" y="connsiteY0"/>
+              </a:cxn>
+              <a:cxn ang="0">
+                <a:pos x="connsiteX1" y="connsiteY1"/>
+              </a:cxn>
+            </a:cxnLst>
+            <a:rect l="l" t="t" r="r" b="b"/>
+            <a:pathLst>
+              <a:path w="139700" h="250825">
+                <a:moveTo>
+                  <a:pt x="139700" y="0"/>
+                </a:moveTo>
+                <a:cubicBezTo>
+                  <a:pt x="5292" y="2117"/>
+                  <a:pt x="74083" y="248708"/>
+                  <a:pt x="0" y="250825"/>
+                </a:cubicBezTo>
+              </a:path>
+            </a:pathLst>
+          </a:custGeom>
+          <a:ln w="6350">
+            <a:solidFill>
+              <a:schemeClr val="accent5">
+                <a:lumMod val="50000"/>
+              </a:schemeClr>
+            </a:solidFill>
+          </a:ln>
+        </p:spPr>
+        <p:style>
+          <a:lnRef idx="1">
+            <a:schemeClr val="accent1"/>
+          </a:lnRef>
+          <a:fillRef idx="0">
+            <a:schemeClr val="accent1"/>
+          </a:fillRef>
+          <a:effectRef idx="0">
+            <a:schemeClr val="accent1"/>
+          </a:effectRef>
+          <a:fontRef idx="minor">
+            <a:schemeClr val="tx1"/>
+          </a:fontRef>
+        </p:style>
+        <p:txBody>
+          <a:bodyPr rtlCol="0" anchor="ctr"/>
+          <a:lstStyle/>
+          <a:p>
+            <a:pPr algn="ctr"/>
+            <a:endParaRPr lang="fr-FR"/>
+          </a:p>
+        </p:txBody>
+      </p:sp>
+      <p:sp>
+        <p:nvSpPr>
+          <p:cNvPr id="61" name="Forme libre 60"/>
+          <p:cNvSpPr/>
+          <p:nvPr/>
+        </p:nvSpPr>
+        <p:spPr>
+          <a:xfrm flipV="1">
+            <a:off x="3564837" y="1691774"/>
+            <a:ext cx="573880" cy="516731"/>
+          </a:xfrm>
+          <a:custGeom>
+            <a:avLst/>
+            <a:gdLst>
+              <a:gd name="connsiteX0" fmla="*/ 0 w 576262"/>
+              <a:gd name="connsiteY0" fmla="*/ 0 h 438150"/>
+              <a:gd name="connsiteX1" fmla="*/ 4762 w 576262"/>
+              <a:gd name="connsiteY1" fmla="*/ 407194 h 438150"/>
+              <a:gd name="connsiteX2" fmla="*/ 145256 w 576262"/>
+              <a:gd name="connsiteY2" fmla="*/ 407194 h 438150"/>
+              <a:gd name="connsiteX3" fmla="*/ 145256 w 576262"/>
+              <a:gd name="connsiteY3" fmla="*/ 438150 h 438150"/>
+              <a:gd name="connsiteX4" fmla="*/ 576262 w 576262"/>
+              <a:gd name="connsiteY4" fmla="*/ 438150 h 438150"/>
+              <a:gd name="connsiteX5" fmla="*/ 576262 w 576262"/>
+              <a:gd name="connsiteY5" fmla="*/ 273844 h 438150"/>
+              <a:gd name="connsiteX6" fmla="*/ 423862 w 576262"/>
+              <a:gd name="connsiteY6" fmla="*/ 273844 h 438150"/>
+              <a:gd name="connsiteX7" fmla="*/ 285750 w 576262"/>
+              <a:gd name="connsiteY7" fmla="*/ 204788 h 438150"/>
+              <a:gd name="connsiteX8" fmla="*/ 230981 w 576262"/>
+              <a:gd name="connsiteY8" fmla="*/ 69057 h 438150"/>
+              <a:gd name="connsiteX9" fmla="*/ 138112 w 576262"/>
+              <a:gd name="connsiteY9" fmla="*/ 69057 h 438150"/>
+              <a:gd name="connsiteX10" fmla="*/ 138112 w 576262"/>
+              <a:gd name="connsiteY10" fmla="*/ 0 h 438150"/>
+              <a:gd name="connsiteX11" fmla="*/ 0 w 576262"/>
+              <a:gd name="connsiteY11" fmla="*/ 0 h 438150"/>
+              <a:gd name="connsiteX0" fmla="*/ 0 w 576262"/>
+              <a:gd name="connsiteY0" fmla="*/ 78581 h 516731"/>
+              <a:gd name="connsiteX1" fmla="*/ 4762 w 576262"/>
+              <a:gd name="connsiteY1" fmla="*/ 485775 h 516731"/>
+              <a:gd name="connsiteX2" fmla="*/ 145256 w 576262"/>
+              <a:gd name="connsiteY2" fmla="*/ 485775 h 516731"/>
+              <a:gd name="connsiteX3" fmla="*/ 145256 w 576262"/>
+              <a:gd name="connsiteY3" fmla="*/ 516731 h 516731"/>
+              <a:gd name="connsiteX4" fmla="*/ 576262 w 576262"/>
+              <a:gd name="connsiteY4" fmla="*/ 516731 h 516731"/>
+              <a:gd name="connsiteX5" fmla="*/ 576262 w 576262"/>
+              <a:gd name="connsiteY5" fmla="*/ 352425 h 516731"/>
+              <a:gd name="connsiteX6" fmla="*/ 423862 w 576262"/>
+              <a:gd name="connsiteY6" fmla="*/ 352425 h 516731"/>
+              <a:gd name="connsiteX7" fmla="*/ 285750 w 576262"/>
+              <a:gd name="connsiteY7" fmla="*/ 283369 h 516731"/>
+              <a:gd name="connsiteX8" fmla="*/ 230981 w 576262"/>
+              <a:gd name="connsiteY8" fmla="*/ 147638 h 516731"/>
+              <a:gd name="connsiteX9" fmla="*/ 138112 w 576262"/>
+              <a:gd name="connsiteY9" fmla="*/ 147638 h 516731"/>
+              <a:gd name="connsiteX10" fmla="*/ 135730 w 576262"/>
+              <a:gd name="connsiteY10" fmla="*/ 0 h 516731"/>
+              <a:gd name="connsiteX11" fmla="*/ 0 w 576262"/>
+              <a:gd name="connsiteY11" fmla="*/ 78581 h 516731"/>
+              <a:gd name="connsiteX0" fmla="*/ 0 w 573880"/>
+              <a:gd name="connsiteY0" fmla="*/ 9525 h 516731"/>
+              <a:gd name="connsiteX1" fmla="*/ 2380 w 573880"/>
+              <a:gd name="connsiteY1" fmla="*/ 485775 h 516731"/>
+              <a:gd name="connsiteX2" fmla="*/ 142874 w 573880"/>
+              <a:gd name="connsiteY2" fmla="*/ 485775 h 516731"/>
+              <a:gd name="connsiteX3" fmla="*/ 142874 w 573880"/>
+              <a:gd name="connsiteY3" fmla="*/ 516731 h 516731"/>
+              <a:gd name="connsiteX4" fmla="*/ 573880 w 573880"/>
+              <a:gd name="connsiteY4" fmla="*/ 516731 h 516731"/>
+              <a:gd name="connsiteX5" fmla="*/ 573880 w 573880"/>
+              <a:gd name="connsiteY5" fmla="*/ 352425 h 516731"/>
+              <a:gd name="connsiteX6" fmla="*/ 421480 w 573880"/>
+              <a:gd name="connsiteY6" fmla="*/ 352425 h 516731"/>
+              <a:gd name="connsiteX7" fmla="*/ 283368 w 573880"/>
+              <a:gd name="connsiteY7" fmla="*/ 283369 h 516731"/>
+              <a:gd name="connsiteX8" fmla="*/ 228599 w 573880"/>
+              <a:gd name="connsiteY8" fmla="*/ 147638 h 516731"/>
+              <a:gd name="connsiteX9" fmla="*/ 135730 w 573880"/>
+              <a:gd name="connsiteY9" fmla="*/ 147638 h 516731"/>
+              <a:gd name="connsiteX10" fmla="*/ 133348 w 573880"/>
+              <a:gd name="connsiteY10" fmla="*/ 0 h 516731"/>
+              <a:gd name="connsiteX11" fmla="*/ 0 w 573880"/>
+              <a:gd name="connsiteY11" fmla="*/ 9525 h 516731"/>
+            </a:gdLst>
+            <a:ahLst/>
+            <a:cxnLst>
+              <a:cxn ang="0">
+                <a:pos x="connsiteX0" y="connsiteY0"/>
+              </a:cxn>
+              <a:cxn ang="0">
+                <a:pos x="connsiteX1" y="connsiteY1"/>
+              </a:cxn>
+              <a:cxn ang="0">
+                <a:pos x="connsiteX2" y="connsiteY2"/>
+              </a:cxn>
+              <a:cxn ang="0">
+                <a:pos x="connsiteX3" y="connsiteY3"/>
+              </a:cxn>
+              <a:cxn ang="0">
+                <a:pos x="connsiteX4" y="connsiteY4"/>
+              </a:cxn>
+              <a:cxn ang="0">
+                <a:pos x="connsiteX5" y="connsiteY5"/>
+              </a:cxn>
+              <a:cxn ang="0">
+                <a:pos x="connsiteX6" y="connsiteY6"/>
+              </a:cxn>
+              <a:cxn ang="0">
+                <a:pos x="connsiteX7" y="connsiteY7"/>
+              </a:cxn>
+              <a:cxn ang="0">
+                <a:pos x="connsiteX8" y="connsiteY8"/>
+              </a:cxn>
+              <a:cxn ang="0">
+                <a:pos x="connsiteX9" y="connsiteY9"/>
+              </a:cxn>
+              <a:cxn ang="0">
+                <a:pos x="connsiteX10" y="connsiteY10"/>
+              </a:cxn>
+              <a:cxn ang="0">
+                <a:pos x="connsiteX11" y="connsiteY11"/>
+              </a:cxn>
+            </a:cxnLst>
+            <a:rect l="l" t="t" r="r" b="b"/>
+            <a:pathLst>
+              <a:path w="573880" h="516731">
+                <a:moveTo>
+                  <a:pt x="0" y="9525"/>
+                </a:moveTo>
+                <a:cubicBezTo>
+                  <a:pt x="1587" y="145256"/>
+                  <a:pt x="793" y="350044"/>
+                  <a:pt x="2380" y="485775"/>
+                </a:cubicBezTo>
+                <a:lnTo>
+                  <a:pt x="142874" y="485775"/>
+                </a:lnTo>
+                <a:lnTo>
+                  <a:pt x="142874" y="516731"/>
+                </a:lnTo>
+                <a:lnTo>
+                  <a:pt x="573880" y="516731"/>
+                </a:lnTo>
+                <a:lnTo>
+                  <a:pt x="573880" y="352425"/>
+                </a:lnTo>
+                <a:lnTo>
+                  <a:pt x="421480" y="352425"/>
+                </a:lnTo>
+                <a:lnTo>
+                  <a:pt x="283368" y="283369"/>
+                </a:lnTo>
+                <a:lnTo>
+                  <a:pt x="228599" y="147638"/>
+                </a:lnTo>
+                <a:lnTo>
+                  <a:pt x="135730" y="147638"/>
+                </a:lnTo>
+                <a:lnTo>
+                  <a:pt x="133348" y="0"/>
+                </a:lnTo>
+                <a:cubicBezTo>
+                  <a:pt x="87311" y="0"/>
+                  <a:pt x="46037" y="9525"/>
+                  <a:pt x="0" y="9525"/>
+                </a:cubicBezTo>
+                <a:close/>
+              </a:path>
+            </a:pathLst>
+          </a:custGeom>
+          <a:pattFill prst="ltDnDiag">
+            <a:fgClr>
+              <a:schemeClr val="accent1"/>
+            </a:fgClr>
+            <a:bgClr>
+              <a:schemeClr val="bg1"/>
+            </a:bgClr>
+          </a:pattFill>
+          <a:ln>
+            <a:noFill/>
+          </a:ln>
+        </p:spPr>
+        <p:style>
+          <a:lnRef idx="2">
+            <a:schemeClr val="accent1">
+              <a:shade val="50000"/>
+            </a:schemeClr>
+          </a:lnRef>
+          <a:fillRef idx="1">
+            <a:schemeClr val="accent1"/>
+          </a:fillRef>
+          <a:effectRef idx="0">
+            <a:schemeClr val="accent1"/>
+          </a:effectRef>
+          <a:fontRef idx="minor">
+            <a:schemeClr val="lt1"/>
+          </a:fontRef>
+        </p:style>
+        <p:txBody>
+          <a:bodyPr rtlCol="0" anchor="ctr"/>
+          <a:lstStyle/>
+          <a:p>
+            <a:pPr algn="ctr"/>
+            <a:endParaRPr lang="fr-FR"/>
+          </a:p>
+        </p:txBody>
+      </p:sp>
+      <p:sp>
+        <p:nvSpPr>
+          <p:cNvPr id="62" name="Forme libre 61"/>
+          <p:cNvSpPr/>
+          <p:nvPr/>
+        </p:nvSpPr>
+        <p:spPr>
+          <a:xfrm rot="667992" flipV="1">
+            <a:off x="4107149" y="1646554"/>
+            <a:ext cx="94532" cy="247463"/>
+          </a:xfrm>
+          <a:custGeom>
+            <a:avLst/>
+            <a:gdLst>
+              <a:gd name="connsiteX0" fmla="*/ 88900 w 95082"/>
+              <a:gd name="connsiteY0" fmla="*/ 0 h 254000"/>
+              <a:gd name="connsiteX1" fmla="*/ 85725 w 95082"/>
+              <a:gd name="connsiteY1" fmla="*/ 139700 h 254000"/>
+              <a:gd name="connsiteX2" fmla="*/ 0 w 95082"/>
+              <a:gd name="connsiteY2" fmla="*/ 254000 h 254000"/>
+              <a:gd name="connsiteX0" fmla="*/ 88900 w 89272"/>
+              <a:gd name="connsiteY0" fmla="*/ 0 h 254000"/>
+              <a:gd name="connsiteX1" fmla="*/ 15875 w 89272"/>
+              <a:gd name="connsiteY1" fmla="*/ 130175 h 254000"/>
+              <a:gd name="connsiteX2" fmla="*/ 0 w 89272"/>
+              <a:gd name="connsiteY2" fmla="*/ 254000 h 254000"/>
+              <a:gd name="connsiteX0" fmla="*/ 88900 w 88900"/>
+              <a:gd name="connsiteY0" fmla="*/ 0 h 254000"/>
+              <a:gd name="connsiteX1" fmla="*/ 0 w 88900"/>
+              <a:gd name="connsiteY1" fmla="*/ 254000 h 254000"/>
+              <a:gd name="connsiteX0" fmla="*/ 88900 w 88900"/>
+              <a:gd name="connsiteY0" fmla="*/ 0 h 254000"/>
+              <a:gd name="connsiteX1" fmla="*/ 0 w 88900"/>
+              <a:gd name="connsiteY1" fmla="*/ 254000 h 254000"/>
+              <a:gd name="connsiteX0" fmla="*/ 88900 w 88900"/>
+              <a:gd name="connsiteY0" fmla="*/ 0 h 254000"/>
+              <a:gd name="connsiteX1" fmla="*/ 0 w 88900"/>
+              <a:gd name="connsiteY1" fmla="*/ 254000 h 254000"/>
+              <a:gd name="connsiteX0" fmla="*/ 139700 w 139700"/>
+              <a:gd name="connsiteY0" fmla="*/ 0 h 250825"/>
+              <a:gd name="connsiteX1" fmla="*/ 0 w 139700"/>
+              <a:gd name="connsiteY1" fmla="*/ 250825 h 250825"/>
+            </a:gdLst>
+            <a:ahLst/>
+            <a:cxnLst>
+              <a:cxn ang="0">
+                <a:pos x="connsiteX0" y="connsiteY0"/>
+              </a:cxn>
+              <a:cxn ang="0">
+                <a:pos x="connsiteX1" y="connsiteY1"/>
+              </a:cxn>
+            </a:cxnLst>
+            <a:rect l="l" t="t" r="r" b="b"/>
+            <a:pathLst>
+              <a:path w="139700" h="250825">
+                <a:moveTo>
+                  <a:pt x="139700" y="0"/>
+                </a:moveTo>
+                <a:cubicBezTo>
+                  <a:pt x="5292" y="2117"/>
+                  <a:pt x="74083" y="248708"/>
+                  <a:pt x="0" y="250825"/>
+                </a:cubicBezTo>
+              </a:path>
+            </a:pathLst>
+          </a:custGeom>
+          <a:ln w="6350">
+            <a:solidFill>
+              <a:schemeClr val="accent5">
+                <a:lumMod val="50000"/>
+              </a:schemeClr>
+            </a:solidFill>
+          </a:ln>
+        </p:spPr>
+        <p:style>
+          <a:lnRef idx="1">
+            <a:schemeClr val="accent1"/>
+          </a:lnRef>
+          <a:fillRef idx="0">
+            <a:schemeClr val="accent1"/>
+          </a:fillRef>
+          <a:effectRef idx="0">
+            <a:schemeClr val="accent1"/>
+          </a:effectRef>
+          <a:fontRef idx="minor">
+            <a:schemeClr val="tx1"/>
+          </a:fontRef>
+        </p:style>
+        <p:txBody>
+          <a:bodyPr rtlCol="0" anchor="ctr"/>
+          <a:lstStyle/>
+          <a:p>
+            <a:pPr algn="ctr"/>
+            <a:endParaRPr lang="fr-FR"/>
+          </a:p>
+        </p:txBody>
+      </p:sp>
+      <p:sp>
+        <p:nvSpPr>
+          <p:cNvPr id="65" name="Rectangle 64"/>
+          <p:cNvSpPr/>
+          <p:nvPr/>
+        </p:nvSpPr>
+        <p:spPr>
+          <a:xfrm flipV="1">
+            <a:off x="3559230" y="2352520"/>
+            <a:ext cx="143109" cy="85853"/>
+          </a:xfrm>
+          <a:prstGeom prst="rect">
+            <a:avLst/>
+          </a:prstGeom>
+          <a:pattFill prst="ltDnDiag">
+            <a:fgClr>
+              <a:schemeClr val="accent1"/>
+            </a:fgClr>
+            <a:bgClr>
+              <a:schemeClr val="bg1"/>
+            </a:bgClr>
+          </a:pattFill>
+          <a:ln>
+            <a:noFill/>
+          </a:ln>
+        </p:spPr>
+        <p:style>
+          <a:lnRef idx="2">
+            <a:schemeClr val="accent1">
+              <a:shade val="50000"/>
+            </a:schemeClr>
+          </a:lnRef>
+          <a:fillRef idx="1">
+            <a:schemeClr val="accent1"/>
+          </a:fillRef>
+          <a:effectRef idx="0">
+            <a:schemeClr val="accent1"/>
+          </a:effectRef>
+          <a:fontRef idx="minor">
+            <a:schemeClr val="lt1"/>
+          </a:fontRef>
+        </p:style>
+        <p:txBody>
+          <a:bodyPr rtlCol="0" anchor="ctr"/>
+          <a:lstStyle/>
+          <a:p>
+            <a:pPr algn="ctr"/>
+            <a:endParaRPr lang="fr-FR"/>
+          </a:p>
+        </p:txBody>
+      </p:sp>
+      <p:sp>
+        <p:nvSpPr>
+          <p:cNvPr id="72" name="Rectangle 71"/>
+          <p:cNvSpPr/>
+          <p:nvPr/>
+        </p:nvSpPr>
+        <p:spPr>
+          <a:xfrm flipH="1" flipV="1">
+            <a:off x="3414924" y="2062313"/>
+            <a:ext cx="144306" cy="353666"/>
+          </a:xfrm>
+          <a:prstGeom prst="rect">
+            <a:avLst/>
+          </a:prstGeom>
+          <a:solidFill>
+            <a:schemeClr val="bg1"/>
+          </a:solidFill>
+          <a:ln w="12700">
+            <a:solidFill>
+              <a:schemeClr val="bg1"/>
+            </a:solidFill>
+          </a:ln>
+        </p:spPr>
+        <p:style>
+          <a:lnRef idx="1">
+            <a:schemeClr val="accent1"/>
+          </a:lnRef>
+          <a:fillRef idx="0">
+            <a:schemeClr val="accent1"/>
+          </a:fillRef>
+          <a:effectRef idx="0">
+            <a:schemeClr val="accent1"/>
+          </a:effectRef>
+          <a:fontRef idx="minor">
+            <a:schemeClr val="tx1"/>
+          </a:fontRef>
+        </p:style>
+        <p:txBody>
+          <a:bodyPr rtlCol="0" anchor="ctr"/>
+          <a:lstStyle/>
+          <a:p>
+            <a:pPr algn="ctr"/>
+            <a:endParaRPr lang="fr-FR"/>
+          </a:p>
+        </p:txBody>
+      </p:sp>
+      <p:sp>
+        <p:nvSpPr>
+          <p:cNvPr id="73" name="Rectangle 72"/>
+          <p:cNvSpPr/>
+          <p:nvPr/>
+        </p:nvSpPr>
+        <p:spPr>
+          <a:xfrm flipV="1">
+            <a:off x="3415214" y="2349345"/>
+            <a:ext cx="144016" cy="86353"/>
+          </a:xfrm>
+          <a:prstGeom prst="rect">
+            <a:avLst/>
+          </a:prstGeom>
+          <a:pattFill prst="ltUpDiag">
+            <a:fgClr>
+              <a:schemeClr val="accent1"/>
+            </a:fgClr>
+            <a:bgClr>
+              <a:schemeClr val="bg1"/>
+            </a:bgClr>
+          </a:pattFill>
+          <a:ln>
+            <a:noFill/>
+          </a:ln>
+        </p:spPr>
+        <p:style>
+          <a:lnRef idx="2">
+            <a:schemeClr val="accent1">
+              <a:shade val="50000"/>
+            </a:schemeClr>
+          </a:lnRef>
+          <a:fillRef idx="1">
+            <a:schemeClr val="accent1"/>
+          </a:fillRef>
+          <a:effectRef idx="0">
+            <a:schemeClr val="accent1"/>
+          </a:effectRef>
+          <a:fontRef idx="minor">
+            <a:schemeClr val="lt1"/>
+          </a:fontRef>
+        </p:style>
+        <p:txBody>
+          <a:bodyPr rtlCol="0" anchor="ctr"/>
+          <a:lstStyle/>
+          <a:p>
+            <a:pPr algn="ctr"/>
+            <a:endParaRPr lang="fr-FR"/>
+          </a:p>
+        </p:txBody>
+      </p:sp>
+      <p:sp>
+        <p:nvSpPr>
+          <p:cNvPr id="74" name="Forme libre 73"/>
+          <p:cNvSpPr/>
+          <p:nvPr/>
+        </p:nvSpPr>
+        <p:spPr>
+          <a:xfrm flipV="1">
+            <a:off x="2990955" y="1651292"/>
+            <a:ext cx="631031" cy="559593"/>
+          </a:xfrm>
+          <a:custGeom>
+            <a:avLst/>
+            <a:gdLst>
+              <a:gd name="connsiteX0" fmla="*/ 340518 w 631031"/>
+              <a:gd name="connsiteY0" fmla="*/ 123825 h 476250"/>
+              <a:gd name="connsiteX1" fmla="*/ 431006 w 631031"/>
+              <a:gd name="connsiteY1" fmla="*/ 123825 h 476250"/>
+              <a:gd name="connsiteX2" fmla="*/ 431006 w 631031"/>
+              <a:gd name="connsiteY2" fmla="*/ 0 h 476250"/>
+              <a:gd name="connsiteX3" fmla="*/ 564356 w 631031"/>
+              <a:gd name="connsiteY3" fmla="*/ 0 h 476250"/>
+              <a:gd name="connsiteX4" fmla="*/ 566737 w 631031"/>
+              <a:gd name="connsiteY4" fmla="*/ 411956 h 476250"/>
+              <a:gd name="connsiteX5" fmla="*/ 631031 w 631031"/>
+              <a:gd name="connsiteY5" fmla="*/ 411956 h 476250"/>
+              <a:gd name="connsiteX6" fmla="*/ 631031 w 631031"/>
+              <a:gd name="connsiteY6" fmla="*/ 476250 h 476250"/>
+              <a:gd name="connsiteX7" fmla="*/ 0 w 631031"/>
+              <a:gd name="connsiteY7" fmla="*/ 476250 h 476250"/>
+              <a:gd name="connsiteX8" fmla="*/ 0 w 631031"/>
+              <a:gd name="connsiteY8" fmla="*/ 321468 h 476250"/>
+              <a:gd name="connsiteX9" fmla="*/ 145256 w 631031"/>
+              <a:gd name="connsiteY9" fmla="*/ 321468 h 476250"/>
+              <a:gd name="connsiteX10" fmla="*/ 280987 w 631031"/>
+              <a:gd name="connsiteY10" fmla="*/ 261937 h 476250"/>
+              <a:gd name="connsiteX11" fmla="*/ 340518 w 631031"/>
+              <a:gd name="connsiteY11" fmla="*/ 123825 h 476250"/>
+              <a:gd name="connsiteX0" fmla="*/ 340518 w 631031"/>
+              <a:gd name="connsiteY0" fmla="*/ 200025 h 552450"/>
+              <a:gd name="connsiteX1" fmla="*/ 431006 w 631031"/>
+              <a:gd name="connsiteY1" fmla="*/ 200025 h 552450"/>
+              <a:gd name="connsiteX2" fmla="*/ 431006 w 631031"/>
+              <a:gd name="connsiteY2" fmla="*/ 76200 h 552450"/>
+              <a:gd name="connsiteX3" fmla="*/ 561975 w 631031"/>
+              <a:gd name="connsiteY3" fmla="*/ 0 h 552450"/>
+              <a:gd name="connsiteX4" fmla="*/ 566737 w 631031"/>
+              <a:gd name="connsiteY4" fmla="*/ 488156 h 552450"/>
+              <a:gd name="connsiteX5" fmla="*/ 631031 w 631031"/>
+              <a:gd name="connsiteY5" fmla="*/ 488156 h 552450"/>
+              <a:gd name="connsiteX6" fmla="*/ 631031 w 631031"/>
+              <a:gd name="connsiteY6" fmla="*/ 552450 h 552450"/>
+              <a:gd name="connsiteX7" fmla="*/ 0 w 631031"/>
+              <a:gd name="connsiteY7" fmla="*/ 552450 h 552450"/>
+              <a:gd name="connsiteX8" fmla="*/ 0 w 631031"/>
+              <a:gd name="connsiteY8" fmla="*/ 397668 h 552450"/>
+              <a:gd name="connsiteX9" fmla="*/ 145256 w 631031"/>
+              <a:gd name="connsiteY9" fmla="*/ 397668 h 552450"/>
+              <a:gd name="connsiteX10" fmla="*/ 280987 w 631031"/>
+              <a:gd name="connsiteY10" fmla="*/ 338137 h 552450"/>
+              <a:gd name="connsiteX11" fmla="*/ 340518 w 631031"/>
+              <a:gd name="connsiteY11" fmla="*/ 200025 h 552450"/>
+              <a:gd name="connsiteX0" fmla="*/ 340518 w 631031"/>
+              <a:gd name="connsiteY0" fmla="*/ 207168 h 559593"/>
+              <a:gd name="connsiteX1" fmla="*/ 431006 w 631031"/>
+              <a:gd name="connsiteY1" fmla="*/ 207168 h 559593"/>
+              <a:gd name="connsiteX2" fmla="*/ 431006 w 631031"/>
+              <a:gd name="connsiteY2" fmla="*/ 0 h 559593"/>
+              <a:gd name="connsiteX3" fmla="*/ 561975 w 631031"/>
+              <a:gd name="connsiteY3" fmla="*/ 7143 h 559593"/>
+              <a:gd name="connsiteX4" fmla="*/ 566737 w 631031"/>
+              <a:gd name="connsiteY4" fmla="*/ 495299 h 559593"/>
+              <a:gd name="connsiteX5" fmla="*/ 631031 w 631031"/>
+              <a:gd name="connsiteY5" fmla="*/ 495299 h 559593"/>
+              <a:gd name="connsiteX6" fmla="*/ 631031 w 631031"/>
+              <a:gd name="connsiteY6" fmla="*/ 559593 h 559593"/>
+              <a:gd name="connsiteX7" fmla="*/ 0 w 631031"/>
+              <a:gd name="connsiteY7" fmla="*/ 559593 h 559593"/>
+              <a:gd name="connsiteX8" fmla="*/ 0 w 631031"/>
+              <a:gd name="connsiteY8" fmla="*/ 404811 h 559593"/>
+              <a:gd name="connsiteX9" fmla="*/ 145256 w 631031"/>
+              <a:gd name="connsiteY9" fmla="*/ 404811 h 559593"/>
+              <a:gd name="connsiteX10" fmla="*/ 280987 w 631031"/>
+              <a:gd name="connsiteY10" fmla="*/ 345280 h 559593"/>
+              <a:gd name="connsiteX11" fmla="*/ 340518 w 631031"/>
+              <a:gd name="connsiteY11" fmla="*/ 207168 h 559593"/>
+            </a:gdLst>
+            <a:ahLst/>
+            <a:cxnLst>
+              <a:cxn ang="0">
+                <a:pos x="connsiteX0" y="connsiteY0"/>
+              </a:cxn>
+              <a:cxn ang="0">
+                <a:pos x="connsiteX1" y="connsiteY1"/>
+              </a:cxn>
+              <a:cxn ang="0">
+                <a:pos x="connsiteX2" y="connsiteY2"/>
+              </a:cxn>
+              <a:cxn ang="0">
+                <a:pos x="connsiteX3" y="connsiteY3"/>
+              </a:cxn>
+              <a:cxn ang="0">
+                <a:pos x="connsiteX4" y="connsiteY4"/>
+              </a:cxn>
+              <a:cxn ang="0">
+                <a:pos x="connsiteX5" y="connsiteY5"/>
+              </a:cxn>
+              <a:cxn ang="0">
+                <a:pos x="connsiteX6" y="connsiteY6"/>
+              </a:cxn>
+              <a:cxn ang="0">
+                <a:pos x="connsiteX7" y="connsiteY7"/>
+              </a:cxn>
+              <a:cxn ang="0">
+                <a:pos x="connsiteX8" y="connsiteY8"/>
+              </a:cxn>
+              <a:cxn ang="0">
+                <a:pos x="connsiteX9" y="connsiteY9"/>
+              </a:cxn>
+              <a:cxn ang="0">
+                <a:pos x="connsiteX10" y="connsiteY10"/>
+              </a:cxn>
+              <a:cxn ang="0">
+                <a:pos x="connsiteX11" y="connsiteY11"/>
+              </a:cxn>
+            </a:cxnLst>
+            <a:rect l="l" t="t" r="r" b="b"/>
+            <a:pathLst>
+              <a:path w="631031" h="559593">
+                <a:moveTo>
+                  <a:pt x="340518" y="207168"/>
+                </a:moveTo>
+                <a:lnTo>
+                  <a:pt x="431006" y="207168"/>
+                </a:lnTo>
+                <a:lnTo>
+                  <a:pt x="431006" y="0"/>
+                </a:lnTo>
+                <a:cubicBezTo>
+                  <a:pt x="475456" y="0"/>
+                  <a:pt x="517525" y="7143"/>
+                  <a:pt x="561975" y="7143"/>
+                </a:cubicBezTo>
+                <a:cubicBezTo>
+                  <a:pt x="562769" y="144462"/>
+                  <a:pt x="565943" y="357980"/>
+                  <a:pt x="566737" y="495299"/>
+                </a:cubicBezTo>
+                <a:lnTo>
+                  <a:pt x="631031" y="495299"/>
+                </a:lnTo>
+                <a:lnTo>
+                  <a:pt x="631031" y="559593"/>
+                </a:lnTo>
+                <a:lnTo>
+                  <a:pt x="0" y="559593"/>
+                </a:lnTo>
+                <a:lnTo>
+                  <a:pt x="0" y="404811"/>
+                </a:lnTo>
+                <a:lnTo>
+                  <a:pt x="145256" y="404811"/>
+                </a:lnTo>
+                <a:lnTo>
+                  <a:pt x="280987" y="345280"/>
+                </a:lnTo>
+                <a:lnTo>
+                  <a:pt x="340518" y="207168"/>
+                </a:lnTo>
+                <a:close/>
+              </a:path>
+            </a:pathLst>
+          </a:custGeom>
+          <a:pattFill prst="ltUpDiag">
+            <a:fgClr>
+              <a:schemeClr val="accent1"/>
+            </a:fgClr>
+            <a:bgClr>
+              <a:schemeClr val="bg1"/>
+            </a:bgClr>
+          </a:pattFill>
+          <a:ln>
+            <a:noFill/>
+          </a:ln>
+        </p:spPr>
+        <p:style>
+          <a:lnRef idx="2">
+            <a:schemeClr val="accent1">
+              <a:shade val="50000"/>
+            </a:schemeClr>
+          </a:lnRef>
+          <a:fillRef idx="1">
+            <a:schemeClr val="accent1"/>
+          </a:fillRef>
+          <a:effectRef idx="0">
+            <a:schemeClr val="accent1"/>
+          </a:effectRef>
+          <a:fontRef idx="minor">
+            <a:schemeClr val="lt1"/>
+          </a:fontRef>
+        </p:style>
+        <p:txBody>
+          <a:bodyPr rtlCol="0" anchor="ctr"/>
+          <a:lstStyle/>
+          <a:p>
+            <a:pPr algn="ctr"/>
+            <a:endParaRPr lang="fr-FR" dirty="0"/>
+          </a:p>
+        </p:txBody>
+      </p:sp>
+      <p:cxnSp>
+        <p:nvCxnSpPr>
+          <p:cNvPr id="76" name="Connecteur droit 75"/>
+          <p:cNvCxnSpPr/>
+          <p:nvPr/>
+        </p:nvCxnSpPr>
+        <p:spPr>
+          <a:xfrm flipV="1">
+            <a:off x="2983166" y="1809045"/>
+            <a:ext cx="144016" cy="0"/>
+          </a:xfrm>
+          <a:prstGeom prst="line">
+            <a:avLst/>
+          </a:prstGeom>
+          <a:ln w="12700">
+            <a:solidFill>
+              <a:schemeClr val="accent5">
+                <a:lumMod val="50000"/>
+              </a:schemeClr>
+            </a:solidFill>
+          </a:ln>
+        </p:spPr>
+        <p:style>
+          <a:lnRef idx="1">
+            <a:schemeClr val="accent1"/>
+          </a:lnRef>
+          <a:fillRef idx="0">
+            <a:schemeClr val="accent1"/>
+          </a:fillRef>
+          <a:effectRef idx="0">
+            <a:schemeClr val="accent1"/>
+          </a:effectRef>
+          <a:fontRef idx="minor">
+            <a:schemeClr val="tx1"/>
+          </a:fontRef>
+        </p:style>
+      </p:cxnSp>
+      <p:sp>
+        <p:nvSpPr>
+          <p:cNvPr id="77" name="Arc 76"/>
+          <p:cNvSpPr/>
+          <p:nvPr/>
+        </p:nvSpPr>
+        <p:spPr>
+          <a:xfrm rot="16200000" flipV="1">
+            <a:off x="2928540" y="1809045"/>
+            <a:ext cx="397284" cy="397284"/>
+          </a:xfrm>
+          <a:prstGeom prst="arc">
+            <a:avLst/>
+          </a:prstGeom>
+          <a:solidFill>
+            <a:schemeClr val="bg1"/>
+          </a:solidFill>
+          <a:ln w="12700">
+            <a:solidFill>
+              <a:schemeClr val="accent5">
+                <a:lumMod val="50000"/>
+              </a:schemeClr>
+            </a:solidFill>
+          </a:ln>
+        </p:spPr>
+        <p:style>
+          <a:lnRef idx="1">
+            <a:schemeClr val="accent1"/>
+          </a:lnRef>
+          <a:fillRef idx="0">
+            <a:schemeClr val="accent1"/>
+          </a:fillRef>
+          <a:effectRef idx="0">
+            <a:schemeClr val="accent1"/>
+          </a:effectRef>
+          <a:fontRef idx="minor">
+            <a:schemeClr val="tx1"/>
+          </a:fontRef>
+        </p:style>
+        <p:txBody>
+          <a:bodyPr rtlCol="0" anchor="ctr"/>
+          <a:lstStyle/>
+          <a:p>
+            <a:pPr algn="ctr"/>
+            <a:endParaRPr lang="fr-FR"/>
+          </a:p>
+        </p:txBody>
+      </p:sp>
+      <p:cxnSp>
+        <p:nvCxnSpPr>
+          <p:cNvPr id="78" name="Connecteur droit 77"/>
+          <p:cNvCxnSpPr>
+            <a:endCxn id="77" idx="0"/>
+          </p:cNvCxnSpPr>
+          <p:nvPr/>
+        </p:nvCxnSpPr>
+        <p:spPr>
+          <a:xfrm flipH="1" flipV="1">
+            <a:off x="3325824" y="2007687"/>
+            <a:ext cx="89390" cy="0"/>
+          </a:xfrm>
+          <a:prstGeom prst="line">
+            <a:avLst/>
+          </a:prstGeom>
+          <a:ln w="12700">
+            <a:solidFill>
+              <a:schemeClr val="accent5">
+                <a:lumMod val="50000"/>
+              </a:schemeClr>
+            </a:solidFill>
+          </a:ln>
+        </p:spPr>
+        <p:style>
+          <a:lnRef idx="1">
+            <a:schemeClr val="accent1"/>
+          </a:lnRef>
+          <a:fillRef idx="0">
+            <a:schemeClr val="accent1"/>
+          </a:fillRef>
+          <a:effectRef idx="0">
+            <a:schemeClr val="accent1"/>
+          </a:effectRef>
+          <a:fontRef idx="minor">
+            <a:schemeClr val="tx1"/>
+          </a:fontRef>
+        </p:style>
+      </p:cxnSp>
+      <p:cxnSp>
+        <p:nvCxnSpPr>
+          <p:cNvPr id="79" name="Connecteur droit 78"/>
+          <p:cNvCxnSpPr/>
+          <p:nvPr/>
+        </p:nvCxnSpPr>
+        <p:spPr>
+          <a:xfrm flipV="1">
+            <a:off x="3419580" y="2003717"/>
+            <a:ext cx="0" cy="207168"/>
+          </a:xfrm>
+          <a:prstGeom prst="line">
+            <a:avLst/>
+          </a:prstGeom>
+          <a:ln w="12700">
+            <a:solidFill>
+              <a:schemeClr val="accent5">
+                <a:lumMod val="50000"/>
+              </a:schemeClr>
+            </a:solidFill>
+          </a:ln>
+        </p:spPr>
+        <p:style>
+          <a:lnRef idx="1">
+            <a:schemeClr val="accent1"/>
+          </a:lnRef>
+          <a:fillRef idx="0">
+            <a:schemeClr val="accent1"/>
+          </a:fillRef>
+          <a:effectRef idx="0">
+            <a:schemeClr val="accent1"/>
+          </a:effectRef>
+          <a:fontRef idx="minor">
+            <a:schemeClr val="tx1"/>
+          </a:fontRef>
+        </p:style>
+      </p:cxnSp>
+      <p:cxnSp>
+        <p:nvCxnSpPr>
+          <p:cNvPr id="80" name="Connecteur droit 79"/>
+          <p:cNvCxnSpPr/>
+          <p:nvPr/>
+        </p:nvCxnSpPr>
+        <p:spPr>
+          <a:xfrm flipV="1">
+            <a:off x="3415214" y="2439734"/>
+            <a:ext cx="288032" cy="0"/>
+          </a:xfrm>
+          <a:prstGeom prst="line">
+            <a:avLst/>
+          </a:prstGeom>
+          <a:ln w="12700">
+            <a:solidFill>
+              <a:schemeClr val="accent5">
+                <a:lumMod val="50000"/>
+              </a:schemeClr>
+            </a:solidFill>
+          </a:ln>
+        </p:spPr>
+        <p:style>
+          <a:lnRef idx="1">
+            <a:schemeClr val="accent1"/>
+          </a:lnRef>
+          <a:fillRef idx="0">
+            <a:schemeClr val="accent1"/>
+          </a:fillRef>
+          <a:effectRef idx="0">
+            <a:schemeClr val="accent1"/>
+          </a:effectRef>
+          <a:fontRef idx="minor">
+            <a:schemeClr val="tx1"/>
+          </a:fontRef>
+        </p:style>
+      </p:cxnSp>
+      <p:cxnSp>
+        <p:nvCxnSpPr>
+          <p:cNvPr id="81" name="Connecteur droit 80"/>
+          <p:cNvCxnSpPr/>
+          <p:nvPr/>
+        </p:nvCxnSpPr>
+        <p:spPr>
+          <a:xfrm flipH="1" flipV="1">
+            <a:off x="3559230" y="1727047"/>
+            <a:ext cx="0" cy="479076"/>
+          </a:xfrm>
+          <a:prstGeom prst="line">
+            <a:avLst/>
+          </a:prstGeom>
+          <a:ln w="12700">
+            <a:solidFill>
+              <a:schemeClr val="accent5">
+                <a:lumMod val="50000"/>
+              </a:schemeClr>
+            </a:solidFill>
+          </a:ln>
+        </p:spPr>
+        <p:style>
+          <a:lnRef idx="1">
+            <a:schemeClr val="accent1"/>
+          </a:lnRef>
+          <a:fillRef idx="0">
+            <a:schemeClr val="accent1"/>
+          </a:fillRef>
+          <a:effectRef idx="0">
+            <a:schemeClr val="accent1"/>
+          </a:effectRef>
+          <a:fontRef idx="minor">
+            <a:schemeClr val="tx1"/>
+          </a:fontRef>
+        </p:style>
+      </p:cxnSp>
+      <p:cxnSp>
+        <p:nvCxnSpPr>
+          <p:cNvPr id="82" name="Connecteur droit 81"/>
+          <p:cNvCxnSpPr/>
+          <p:nvPr/>
+        </p:nvCxnSpPr>
+        <p:spPr>
+          <a:xfrm flipV="1">
+            <a:off x="2984925" y="1647646"/>
+            <a:ext cx="648072" cy="0"/>
+          </a:xfrm>
+          <a:prstGeom prst="line">
+            <a:avLst/>
+          </a:prstGeom>
+          <a:ln w="12700">
+            <a:solidFill>
+              <a:schemeClr val="accent5">
+                <a:lumMod val="50000"/>
+              </a:schemeClr>
+            </a:solidFill>
+          </a:ln>
+        </p:spPr>
+        <p:style>
+          <a:lnRef idx="1">
+            <a:schemeClr val="accent1"/>
+          </a:lnRef>
+          <a:fillRef idx="0">
+            <a:schemeClr val="accent1"/>
+          </a:fillRef>
+          <a:effectRef idx="0">
+            <a:schemeClr val="accent1"/>
+          </a:effectRef>
+          <a:fontRef idx="minor">
+            <a:schemeClr val="tx1"/>
+          </a:fontRef>
+        </p:style>
+      </p:cxnSp>
+      <p:cxnSp>
+        <p:nvCxnSpPr>
+          <p:cNvPr id="83" name="Connecteur droit 82"/>
+          <p:cNvCxnSpPr/>
+          <p:nvPr/>
+        </p:nvCxnSpPr>
+        <p:spPr>
+          <a:xfrm>
+            <a:off x="3325824" y="2278871"/>
+            <a:ext cx="449430" cy="1"/>
+          </a:xfrm>
+          <a:prstGeom prst="line">
+            <a:avLst/>
+          </a:prstGeom>
+          <a:ln w="6350">
+            <a:solidFill>
+              <a:schemeClr val="accent5">
+                <a:lumMod val="50000"/>
+              </a:schemeClr>
+            </a:solidFill>
+            <a:prstDash val="lgDashDot"/>
+          </a:ln>
+        </p:spPr>
+        <p:style>
+          <a:lnRef idx="1">
+            <a:schemeClr val="accent1"/>
+          </a:lnRef>
+          <a:fillRef idx="0">
+            <a:schemeClr val="accent1"/>
+          </a:fillRef>
+          <a:effectRef idx="0">
+            <a:schemeClr val="accent1"/>
+          </a:effectRef>
+          <a:fontRef idx="minor">
+            <a:schemeClr val="tx1"/>
+          </a:fontRef>
+        </p:style>
+      </p:cxnSp>
+      <p:cxnSp>
+        <p:nvCxnSpPr>
+          <p:cNvPr id="85" name="Connecteur droit 84"/>
+          <p:cNvCxnSpPr/>
+          <p:nvPr/>
+        </p:nvCxnSpPr>
+        <p:spPr>
+          <a:xfrm flipV="1">
+            <a:off x="3703246" y="2062312"/>
+            <a:ext cx="0" cy="144017"/>
+          </a:xfrm>
+          <a:prstGeom prst="line">
+            <a:avLst/>
+          </a:prstGeom>
+          <a:ln w="12700">
+            <a:solidFill>
+              <a:schemeClr val="accent5">
+                <a:lumMod val="50000"/>
+              </a:schemeClr>
+            </a:solidFill>
+          </a:ln>
+        </p:spPr>
+        <p:style>
+          <a:lnRef idx="1">
+            <a:schemeClr val="accent1"/>
+          </a:lnRef>
+          <a:fillRef idx="0">
+            <a:schemeClr val="accent1"/>
+          </a:fillRef>
+          <a:effectRef idx="0">
+            <a:schemeClr val="accent1"/>
+          </a:effectRef>
+          <a:fontRef idx="minor">
+            <a:schemeClr val="tx1"/>
+          </a:fontRef>
+        </p:style>
+      </p:cxnSp>
+      <p:cxnSp>
+        <p:nvCxnSpPr>
+          <p:cNvPr id="86" name="Connecteur droit 85"/>
+          <p:cNvCxnSpPr/>
+          <p:nvPr/>
+        </p:nvCxnSpPr>
+        <p:spPr>
+          <a:xfrm flipH="1" flipV="1">
+            <a:off x="3703246" y="2062312"/>
+            <a:ext cx="89390" cy="0"/>
+          </a:xfrm>
+          <a:prstGeom prst="line">
+            <a:avLst/>
+          </a:prstGeom>
+          <a:ln w="12700">
+            <a:solidFill>
+              <a:schemeClr val="accent5">
+                <a:lumMod val="50000"/>
+              </a:schemeClr>
+            </a:solidFill>
+          </a:ln>
+        </p:spPr>
+        <p:style>
+          <a:lnRef idx="1">
+            <a:schemeClr val="accent1"/>
+          </a:lnRef>
+          <a:fillRef idx="0">
+            <a:schemeClr val="accent1"/>
+          </a:fillRef>
+          <a:effectRef idx="0">
+            <a:schemeClr val="accent1"/>
+          </a:effectRef>
+          <a:fontRef idx="minor">
+            <a:schemeClr val="tx1"/>
+          </a:fontRef>
+        </p:style>
+      </p:cxnSp>
+      <p:sp>
+        <p:nvSpPr>
+          <p:cNvPr id="87" name="Arc 86"/>
+          <p:cNvSpPr/>
+          <p:nvPr/>
+        </p:nvSpPr>
+        <p:spPr>
+          <a:xfrm rot="5400000" flipH="1" flipV="1">
+            <a:off x="3792636" y="1863670"/>
+            <a:ext cx="397284" cy="397284"/>
+          </a:xfrm>
+          <a:prstGeom prst="arc">
+            <a:avLst/>
+          </a:prstGeom>
+          <a:ln w="12700">
+            <a:solidFill>
+              <a:schemeClr val="accent5">
+                <a:lumMod val="50000"/>
+              </a:schemeClr>
+            </a:solidFill>
+          </a:ln>
+        </p:spPr>
+        <p:style>
+          <a:lnRef idx="1">
+            <a:schemeClr val="accent1"/>
+          </a:lnRef>
+          <a:fillRef idx="0">
+            <a:schemeClr val="accent1"/>
+          </a:fillRef>
+          <a:effectRef idx="0">
+            <a:schemeClr val="accent1"/>
+          </a:effectRef>
+          <a:fontRef idx="minor">
+            <a:schemeClr val="tx1"/>
+          </a:fontRef>
+        </p:style>
+        <p:txBody>
+          <a:bodyPr rtlCol="0" anchor="ctr"/>
+          <a:lstStyle/>
+          <a:p>
+            <a:pPr algn="ctr"/>
+            <a:endParaRPr lang="fr-FR"/>
+          </a:p>
+        </p:txBody>
+      </p:sp>
+      <p:cxnSp>
+        <p:nvCxnSpPr>
+          <p:cNvPr id="88" name="Connecteur droit 87"/>
+          <p:cNvCxnSpPr/>
+          <p:nvPr/>
+        </p:nvCxnSpPr>
+        <p:spPr>
+          <a:xfrm flipV="1">
+            <a:off x="3991278" y="1863670"/>
+            <a:ext cx="144016" cy="0"/>
+          </a:xfrm>
+          <a:prstGeom prst="line">
+            <a:avLst/>
+          </a:prstGeom>
+          <a:ln w="12700">
+            <a:solidFill>
+              <a:schemeClr val="accent5">
+                <a:lumMod val="50000"/>
+              </a:schemeClr>
+            </a:solidFill>
+          </a:ln>
+        </p:spPr>
+        <p:style>
+          <a:lnRef idx="1">
+            <a:schemeClr val="accent1"/>
+          </a:lnRef>
+          <a:fillRef idx="0">
+            <a:schemeClr val="accent1"/>
+          </a:fillRef>
+          <a:effectRef idx="0">
+            <a:schemeClr val="accent1"/>
+          </a:effectRef>
+          <a:fontRef idx="minor">
+            <a:schemeClr val="tx1"/>
+          </a:fontRef>
+        </p:style>
+      </p:cxnSp>
+      <p:cxnSp>
+        <p:nvCxnSpPr>
+          <p:cNvPr id="89" name="Connecteur droit 88"/>
+          <p:cNvCxnSpPr/>
+          <p:nvPr/>
+        </p:nvCxnSpPr>
+        <p:spPr>
+          <a:xfrm flipV="1">
+            <a:off x="3698409" y="1687921"/>
+            <a:ext cx="436885" cy="0"/>
+          </a:xfrm>
+          <a:prstGeom prst="line">
+            <a:avLst/>
+          </a:prstGeom>
+          <a:ln w="12700">
+            <a:solidFill>
+              <a:schemeClr val="accent5">
+                <a:lumMod val="50000"/>
+              </a:schemeClr>
+            </a:solidFill>
+          </a:ln>
+        </p:spPr>
+        <p:style>
+          <a:lnRef idx="1">
+            <a:schemeClr val="accent1"/>
+          </a:lnRef>
+          <a:fillRef idx="0">
+            <a:schemeClr val="accent1"/>
+          </a:fillRef>
+          <a:effectRef idx="0">
+            <a:schemeClr val="accent1"/>
+          </a:effectRef>
+          <a:fontRef idx="minor">
+            <a:schemeClr val="tx1"/>
+          </a:fontRef>
+        </p:style>
+      </p:cxnSp>
+      <p:cxnSp>
+        <p:nvCxnSpPr>
+          <p:cNvPr id="90" name="Connecteur droit 89"/>
+          <p:cNvCxnSpPr/>
+          <p:nvPr/>
+        </p:nvCxnSpPr>
+        <p:spPr>
+          <a:xfrm flipH="1" flipV="1">
+            <a:off x="3626476" y="1647646"/>
+            <a:ext cx="0" cy="72256"/>
+          </a:xfrm>
+          <a:prstGeom prst="line">
+            <a:avLst/>
+          </a:prstGeom>
+          <a:ln w="12700">
+            <a:solidFill>
+              <a:schemeClr val="accent5">
+                <a:lumMod val="50000"/>
+              </a:schemeClr>
+            </a:solidFill>
+          </a:ln>
+        </p:spPr>
+        <p:style>
+          <a:lnRef idx="1">
+            <a:schemeClr val="accent1"/>
+          </a:lnRef>
+          <a:fillRef idx="0">
+            <a:schemeClr val="accent1"/>
+          </a:fillRef>
+          <a:effectRef idx="0">
+            <a:schemeClr val="accent1"/>
+          </a:effectRef>
+          <a:fontRef idx="minor">
+            <a:schemeClr val="tx1"/>
+          </a:fontRef>
+        </p:style>
+      </p:cxnSp>
+      <p:cxnSp>
+        <p:nvCxnSpPr>
+          <p:cNvPr id="91" name="Connecteur droit 90"/>
+          <p:cNvCxnSpPr/>
+          <p:nvPr/>
+        </p:nvCxnSpPr>
+        <p:spPr>
+          <a:xfrm flipV="1">
+            <a:off x="3698409" y="1685837"/>
+            <a:ext cx="0" cy="36000"/>
+          </a:xfrm>
+          <a:prstGeom prst="line">
+            <a:avLst/>
+          </a:prstGeom>
+          <a:ln w="12700">
+            <a:solidFill>
+              <a:schemeClr val="accent5">
+                <a:lumMod val="50000"/>
+              </a:schemeClr>
+            </a:solidFill>
+          </a:ln>
+        </p:spPr>
+        <p:style>
+          <a:lnRef idx="1">
+            <a:schemeClr val="accent1"/>
+          </a:lnRef>
+          <a:fillRef idx="0">
+            <a:schemeClr val="accent1"/>
+          </a:fillRef>
+          <a:effectRef idx="0">
+            <a:schemeClr val="accent1"/>
+          </a:effectRef>
+          <a:fontRef idx="minor">
+            <a:schemeClr val="tx1"/>
+          </a:fontRef>
+        </p:style>
+      </p:cxnSp>
+      <p:cxnSp>
+        <p:nvCxnSpPr>
+          <p:cNvPr id="92" name="Connecteur droit 91"/>
+          <p:cNvCxnSpPr/>
+          <p:nvPr/>
+        </p:nvCxnSpPr>
+        <p:spPr>
+          <a:xfrm flipV="1">
+            <a:off x="3558324" y="1721837"/>
+            <a:ext cx="144922" cy="0"/>
+          </a:xfrm>
+          <a:prstGeom prst="line">
+            <a:avLst/>
+          </a:prstGeom>
+          <a:ln w="12700">
+            <a:solidFill>
+              <a:schemeClr val="accent5">
+                <a:lumMod val="50000"/>
+              </a:schemeClr>
+            </a:solidFill>
+          </a:ln>
+        </p:spPr>
+        <p:style>
+          <a:lnRef idx="1">
+            <a:schemeClr val="accent1"/>
+          </a:lnRef>
+          <a:fillRef idx="0">
+            <a:schemeClr val="accent1"/>
+          </a:fillRef>
+          <a:effectRef idx="0">
+            <a:schemeClr val="accent1"/>
+          </a:effectRef>
+          <a:fontRef idx="minor">
+            <a:schemeClr val="tx1"/>
+          </a:fontRef>
+        </p:style>
+      </p:cxnSp>
+      <p:cxnSp>
+        <p:nvCxnSpPr>
+          <p:cNvPr id="93" name="Connecteur droit 92"/>
+          <p:cNvCxnSpPr>
+            <a:stCxn id="13" idx="0"/>
+            <a:endCxn id="96" idx="0"/>
+          </p:cNvCxnSpPr>
+          <p:nvPr/>
+        </p:nvCxnSpPr>
+        <p:spPr>
+          <a:xfrm flipV="1">
+            <a:off x="3402852" y="2347933"/>
+            <a:ext cx="330344" cy="1378"/>
+          </a:xfrm>
+          <a:prstGeom prst="line">
+            <a:avLst/>
+          </a:prstGeom>
+          <a:ln w="12700">
+            <a:solidFill>
+              <a:schemeClr val="accent5">
+                <a:lumMod val="50000"/>
+              </a:schemeClr>
+            </a:solidFill>
+          </a:ln>
+        </p:spPr>
+        <p:style>
+          <a:lnRef idx="1">
+            <a:schemeClr val="accent1"/>
+          </a:lnRef>
+          <a:fillRef idx="0">
+            <a:schemeClr val="accent1"/>
+          </a:fillRef>
+          <a:effectRef idx="0">
+            <a:schemeClr val="accent1"/>
+          </a:effectRef>
+          <a:fontRef idx="minor">
+            <a:schemeClr val="tx1"/>
+          </a:fontRef>
+        </p:style>
+      </p:cxnSp>
+      <p:cxnSp>
+        <p:nvCxnSpPr>
+          <p:cNvPr id="98" name="Connecteur droit 97"/>
+          <p:cNvCxnSpPr>
+            <a:stCxn id="13" idx="2"/>
+            <a:endCxn id="96" idx="2"/>
+          </p:cNvCxnSpPr>
+          <p:nvPr/>
+        </p:nvCxnSpPr>
+        <p:spPr>
+          <a:xfrm flipV="1">
+            <a:off x="3404026" y="2206121"/>
+            <a:ext cx="328008" cy="1"/>
+          </a:xfrm>
+          <a:prstGeom prst="line">
+            <a:avLst/>
+          </a:prstGeom>
+          <a:ln w="12700">
+            <a:solidFill>
+              <a:schemeClr val="accent5">
+                <a:lumMod val="50000"/>
+              </a:schemeClr>
+            </a:solidFill>
+          </a:ln>
+        </p:spPr>
+        <p:style>
+          <a:lnRef idx="1">
+            <a:schemeClr val="accent1"/>
+          </a:lnRef>
+          <a:fillRef idx="0">
+            <a:schemeClr val="accent1"/>
+          </a:fillRef>
+          <a:effectRef idx="0">
+            <a:schemeClr val="accent1"/>
+          </a:effectRef>
+          <a:fontRef idx="minor">
+            <a:schemeClr val="tx1"/>
+          </a:fontRef>
+        </p:style>
+      </p:cxnSp>
+      <p:cxnSp>
+        <p:nvCxnSpPr>
+          <p:cNvPr id="100" name="Connecteur droit 99"/>
+          <p:cNvCxnSpPr/>
+          <p:nvPr/>
+        </p:nvCxnSpPr>
+        <p:spPr>
+          <a:xfrm flipV="1">
+            <a:off x="3703544" y="2348678"/>
+            <a:ext cx="0" cy="91967"/>
+          </a:xfrm>
+          <a:prstGeom prst="line">
+            <a:avLst/>
+          </a:prstGeom>
+          <a:ln w="12700">
+            <a:solidFill>
+              <a:schemeClr val="accent5">
+                <a:lumMod val="50000"/>
+              </a:schemeClr>
+            </a:solidFill>
+          </a:ln>
+        </p:spPr>
+        <p:style>
+          <a:lnRef idx="1">
+            <a:schemeClr val="accent1"/>
+          </a:lnRef>
+          <a:fillRef idx="0">
+            <a:schemeClr val="accent1"/>
+          </a:fillRef>
+          <a:effectRef idx="0">
+            <a:schemeClr val="accent1"/>
+          </a:effectRef>
+          <a:fontRef idx="minor">
+            <a:schemeClr val="tx1"/>
+          </a:fontRef>
+        </p:style>
+      </p:cxnSp>
+      <p:sp>
+        <p:nvSpPr>
+          <p:cNvPr id="126" name="Forme libre 125"/>
+          <p:cNvSpPr/>
+          <p:nvPr/>
+        </p:nvSpPr>
+        <p:spPr>
+          <a:xfrm rot="667992" flipV="1">
+            <a:off x="2946884" y="1609408"/>
+            <a:ext cx="94532" cy="247463"/>
+          </a:xfrm>
+          <a:custGeom>
+            <a:avLst/>
+            <a:gdLst>
+              <a:gd name="connsiteX0" fmla="*/ 88900 w 95082"/>
+              <a:gd name="connsiteY0" fmla="*/ 0 h 254000"/>
+              <a:gd name="connsiteX1" fmla="*/ 85725 w 95082"/>
+              <a:gd name="connsiteY1" fmla="*/ 139700 h 254000"/>
+              <a:gd name="connsiteX2" fmla="*/ 0 w 95082"/>
+              <a:gd name="connsiteY2" fmla="*/ 254000 h 254000"/>
+              <a:gd name="connsiteX0" fmla="*/ 88900 w 89272"/>
+              <a:gd name="connsiteY0" fmla="*/ 0 h 254000"/>
+              <a:gd name="connsiteX1" fmla="*/ 15875 w 89272"/>
+              <a:gd name="connsiteY1" fmla="*/ 130175 h 254000"/>
+              <a:gd name="connsiteX2" fmla="*/ 0 w 89272"/>
+              <a:gd name="connsiteY2" fmla="*/ 254000 h 254000"/>
+              <a:gd name="connsiteX0" fmla="*/ 88900 w 88900"/>
+              <a:gd name="connsiteY0" fmla="*/ 0 h 254000"/>
+              <a:gd name="connsiteX1" fmla="*/ 0 w 88900"/>
+              <a:gd name="connsiteY1" fmla="*/ 254000 h 254000"/>
+              <a:gd name="connsiteX0" fmla="*/ 88900 w 88900"/>
+              <a:gd name="connsiteY0" fmla="*/ 0 h 254000"/>
+              <a:gd name="connsiteX1" fmla="*/ 0 w 88900"/>
+              <a:gd name="connsiteY1" fmla="*/ 254000 h 254000"/>
+              <a:gd name="connsiteX0" fmla="*/ 88900 w 88900"/>
+              <a:gd name="connsiteY0" fmla="*/ 0 h 254000"/>
+              <a:gd name="connsiteX1" fmla="*/ 0 w 88900"/>
+              <a:gd name="connsiteY1" fmla="*/ 254000 h 254000"/>
+              <a:gd name="connsiteX0" fmla="*/ 139700 w 139700"/>
+              <a:gd name="connsiteY0" fmla="*/ 0 h 250825"/>
+              <a:gd name="connsiteX1" fmla="*/ 0 w 139700"/>
+              <a:gd name="connsiteY1" fmla="*/ 250825 h 250825"/>
+            </a:gdLst>
+            <a:ahLst/>
+            <a:cxnLst>
+              <a:cxn ang="0">
+                <a:pos x="connsiteX0" y="connsiteY0"/>
+              </a:cxn>
+              <a:cxn ang="0">
+                <a:pos x="connsiteX1" y="connsiteY1"/>
+              </a:cxn>
+            </a:cxnLst>
+            <a:rect l="l" t="t" r="r" b="b"/>
+            <a:pathLst>
+              <a:path w="139700" h="250825">
+                <a:moveTo>
+                  <a:pt x="139700" y="0"/>
+                </a:moveTo>
+                <a:cubicBezTo>
+                  <a:pt x="5292" y="2117"/>
+                  <a:pt x="74083" y="248708"/>
+                  <a:pt x="0" y="250825"/>
+                </a:cubicBezTo>
+              </a:path>
+            </a:pathLst>
+          </a:custGeom>
+          <a:ln w="6350">
+            <a:solidFill>
+              <a:schemeClr val="accent5">
+                <a:lumMod val="50000"/>
+              </a:schemeClr>
+            </a:solidFill>
+          </a:ln>
+        </p:spPr>
+        <p:style>
+          <a:lnRef idx="1">
+            <a:schemeClr val="accent1"/>
+          </a:lnRef>
+          <a:fillRef idx="0">
+            <a:schemeClr val="accent1"/>
+          </a:fillRef>
+          <a:effectRef idx="0">
+            <a:schemeClr val="accent1"/>
+          </a:effectRef>
+          <a:fontRef idx="minor">
+            <a:schemeClr val="tx1"/>
+          </a:fontRef>
+        </p:style>
+        <p:txBody>
+          <a:bodyPr rtlCol="0" anchor="ctr"/>
+          <a:lstStyle/>
+          <a:p>
+            <a:pPr algn="ctr"/>
+            <a:endParaRPr lang="fr-FR"/>
+          </a:p>
+        </p:txBody>
+      </p:sp>
+      <p:cxnSp>
+        <p:nvCxnSpPr>
+          <p:cNvPr id="94" name="Connecteur droit 93"/>
+          <p:cNvCxnSpPr/>
+          <p:nvPr/>
+        </p:nvCxnSpPr>
+        <p:spPr>
+          <a:xfrm flipV="1">
+            <a:off x="3558324" y="2348493"/>
+            <a:ext cx="0" cy="91967"/>
+          </a:xfrm>
+          <a:prstGeom prst="line">
+            <a:avLst/>
+          </a:prstGeom>
+          <a:ln w="12700">
+            <a:solidFill>
+              <a:schemeClr val="accent5">
+                <a:lumMod val="50000"/>
+              </a:schemeClr>
+            </a:solidFill>
+          </a:ln>
+        </p:spPr>
+        <p:style>
+          <a:lnRef idx="1">
+            <a:schemeClr val="accent1"/>
+          </a:lnRef>
+          <a:fillRef idx="0">
+            <a:schemeClr val="accent1"/>
+          </a:fillRef>
+          <a:effectRef idx="0">
+            <a:schemeClr val="accent1"/>
+          </a:effectRef>
+          <a:fontRef idx="minor">
+            <a:schemeClr val="tx1"/>
+          </a:fontRef>
+        </p:style>
+      </p:cxnSp>
+      <p:cxnSp>
+        <p:nvCxnSpPr>
+          <p:cNvPr id="95" name="Connecteur droit 94"/>
+          <p:cNvCxnSpPr/>
+          <p:nvPr/>
+        </p:nvCxnSpPr>
+        <p:spPr>
+          <a:xfrm flipV="1">
+            <a:off x="3413403" y="2345051"/>
+            <a:ext cx="0" cy="91967"/>
+          </a:xfrm>
+          <a:prstGeom prst="line">
+            <a:avLst/>
+          </a:prstGeom>
+          <a:ln w="12700">
+            <a:solidFill>
+              <a:schemeClr val="accent5">
+                <a:lumMod val="50000"/>
+              </a:schemeClr>
+            </a:solidFill>
+          </a:ln>
+        </p:spPr>
+        <p:style>
+          <a:lnRef idx="1">
+            <a:schemeClr val="accent1"/>
+          </a:lnRef>
+          <a:fillRef idx="0">
+            <a:schemeClr val="accent1"/>
+          </a:fillRef>
+          <a:effectRef idx="0">
+            <a:schemeClr val="accent1"/>
+          </a:effectRef>
+          <a:fontRef idx="minor">
+            <a:schemeClr val="tx1"/>
+          </a:fontRef>
+        </p:style>
+      </p:cxnSp>
+      <p:sp>
+        <p:nvSpPr>
+          <p:cNvPr id="13" name="Arc 12"/>
+          <p:cNvSpPr/>
+          <p:nvPr/>
+        </p:nvSpPr>
+        <p:spPr>
+          <a:xfrm rot="16200000">
+            <a:off x="3332414" y="2239885"/>
+            <a:ext cx="143223" cy="75697"/>
+          </a:xfrm>
+          <a:prstGeom prst="arc">
+            <a:avLst>
+              <a:gd name="adj1" fmla="val 10856346"/>
+              <a:gd name="adj2" fmla="val 0"/>
+            </a:avLst>
+          </a:prstGeom>
+          <a:ln w="12700">
+            <a:solidFill>
+              <a:schemeClr val="accent5">
+                <a:lumMod val="50000"/>
+              </a:schemeClr>
+            </a:solidFill>
+          </a:ln>
+        </p:spPr>
+        <p:style>
+          <a:lnRef idx="1">
+            <a:schemeClr val="accent1"/>
+          </a:lnRef>
+          <a:fillRef idx="0">
+            <a:schemeClr val="accent1"/>
+          </a:fillRef>
+          <a:effectRef idx="0">
+            <a:schemeClr val="accent1"/>
+          </a:effectRef>
+          <a:fontRef idx="minor">
+            <a:schemeClr val="tx1"/>
+          </a:fontRef>
+        </p:style>
+        <p:txBody>
+          <a:bodyPr rtlCol="0" anchor="ctr"/>
+          <a:lstStyle/>
+          <a:p>
+            <a:pPr algn="ctr"/>
+            <a:endParaRPr lang="fr-FR"/>
+          </a:p>
+        </p:txBody>
+      </p:sp>
+      <p:sp>
+        <p:nvSpPr>
+          <p:cNvPr id="96" name="Arc 95"/>
+          <p:cNvSpPr/>
+          <p:nvPr/>
+        </p:nvSpPr>
+        <p:spPr>
+          <a:xfrm rot="5400000" flipH="1">
+            <a:off x="3661113" y="2237171"/>
+            <a:ext cx="141842" cy="79742"/>
+          </a:xfrm>
+          <a:prstGeom prst="arc">
+            <a:avLst>
+              <a:gd name="adj1" fmla="val 10856346"/>
+              <a:gd name="adj2" fmla="val 0"/>
+            </a:avLst>
+          </a:prstGeom>
+          <a:ln w="12700">
+            <a:solidFill>
+              <a:schemeClr val="accent5">
+                <a:lumMod val="50000"/>
+              </a:schemeClr>
+            </a:solidFill>
+          </a:ln>
+        </p:spPr>
+        <p:style>
+          <a:lnRef idx="1">
+            <a:schemeClr val="accent1"/>
+          </a:lnRef>
+          <a:fillRef idx="0">
+            <a:schemeClr val="accent1"/>
+          </a:fillRef>
+          <a:effectRef idx="0">
+            <a:schemeClr val="accent1"/>
+          </a:effectRef>
+          <a:fontRef idx="minor">
+            <a:schemeClr val="tx1"/>
+          </a:fontRef>
+        </p:style>
+        <p:txBody>
+          <a:bodyPr rtlCol="0" anchor="ctr"/>
+          <a:lstStyle/>
+          <a:p>
+            <a:pPr algn="ctr"/>
+            <a:endParaRPr lang="fr-FR"/>
+          </a:p>
+        </p:txBody>
+      </p:sp>
+      <p:grpSp>
+        <p:nvGrpSpPr>
+          <p:cNvPr id="24" name="Groupe 23"/>
+          <p:cNvGrpSpPr/>
+          <p:nvPr/>
+        </p:nvGrpSpPr>
+        <p:grpSpPr>
+          <a:xfrm>
+            <a:off x="3405069" y="2262045"/>
+            <a:ext cx="293340" cy="36000"/>
+            <a:chOff x="976312" y="1933539"/>
+            <a:chExt cx="714376" cy="114372"/>
+          </a:xfrm>
+        </p:grpSpPr>
+        <p:sp>
+          <p:nvSpPr>
+            <p:cNvPr id="22" name="Forme libre 21"/>
+            <p:cNvSpPr/>
+            <p:nvPr/>
+          </p:nvSpPr>
+          <p:spPr>
+            <a:xfrm>
+              <a:off x="976313" y="1933539"/>
+              <a:ext cx="714375" cy="57186"/>
+            </a:xfrm>
+            <a:custGeom>
+              <a:avLst/>
+              <a:gdLst>
+                <a:gd name="connsiteX0" fmla="*/ 0 w 714375"/>
+                <a:gd name="connsiteY0" fmla="*/ 85736 h 85736"/>
+                <a:gd name="connsiteX1" fmla="*/ 371475 w 714375"/>
+                <a:gd name="connsiteY1" fmla="*/ 11 h 85736"/>
+                <a:gd name="connsiteX2" fmla="*/ 714375 w 714375"/>
+                <a:gd name="connsiteY2" fmla="*/ 80974 h 85736"/>
+                <a:gd name="connsiteX0" fmla="*/ 0 w 714375"/>
+                <a:gd name="connsiteY0" fmla="*/ 85736 h 85736"/>
+                <a:gd name="connsiteX1" fmla="*/ 371475 w 714375"/>
+                <a:gd name="connsiteY1" fmla="*/ 11 h 85736"/>
+                <a:gd name="connsiteX2" fmla="*/ 714375 w 714375"/>
+                <a:gd name="connsiteY2" fmla="*/ 80974 h 85736"/>
+                <a:gd name="connsiteX0" fmla="*/ 0 w 714375"/>
+                <a:gd name="connsiteY0" fmla="*/ 57186 h 57186"/>
+                <a:gd name="connsiteX1" fmla="*/ 366713 w 714375"/>
+                <a:gd name="connsiteY1" fmla="*/ 36 h 57186"/>
+                <a:gd name="connsiteX2" fmla="*/ 714375 w 714375"/>
+                <a:gd name="connsiteY2" fmla="*/ 52424 h 57186"/>
+              </a:gdLst>
+              <a:ahLst/>
+              <a:cxnLst>
+                <a:cxn ang="0">
+                  <a:pos x="connsiteX0" y="connsiteY0"/>
+                </a:cxn>
+                <a:cxn ang="0">
+                  <a:pos x="connsiteX1" y="connsiteY1"/>
+                </a:cxn>
+                <a:cxn ang="0">
+                  <a:pos x="connsiteX2" y="connsiteY2"/>
+                </a:cxn>
+              </a:cxnLst>
+              <a:rect l="l" t="t" r="r" b="b"/>
+              <a:pathLst>
+                <a:path w="714375" h="57186">
+                  <a:moveTo>
+                    <a:pt x="0" y="57186"/>
+                  </a:moveTo>
+                  <a:cubicBezTo>
+                    <a:pt x="126206" y="14720"/>
+                    <a:pt x="247651" y="830"/>
+                    <a:pt x="366713" y="36"/>
+                  </a:cubicBezTo>
+                  <a:cubicBezTo>
+                    <a:pt x="485776" y="-758"/>
+                    <a:pt x="602456" y="11545"/>
+                    <a:pt x="714375" y="52424"/>
+                  </a:cubicBezTo>
+                </a:path>
+              </a:pathLst>
+            </a:custGeom>
+            <a:ln w="12700">
+              <a:solidFill>
+                <a:schemeClr val="accent5">
+                  <a:lumMod val="50000"/>
+                </a:schemeClr>
+              </a:solidFill>
+            </a:ln>
+          </p:spPr>
+          <p:style>
+            <a:lnRef idx="1">
+              <a:schemeClr val="accent1"/>
+            </a:lnRef>
+            <a:fillRef idx="0">
+              <a:schemeClr val="accent1"/>
+            </a:fillRef>
+            <a:effectRef idx="0">
+              <a:schemeClr val="accent1"/>
+            </a:effectRef>
+            <a:fontRef idx="minor">
+              <a:schemeClr val="tx1"/>
+            </a:fontRef>
+          </p:style>
+          <p:txBody>
+            <a:bodyPr rtlCol="0" anchor="ctr"/>
+            <a:lstStyle/>
+            <a:p>
+              <a:pPr algn="ctr"/>
+              <a:endParaRPr lang="fr-FR"/>
+            </a:p>
+          </p:txBody>
+        </p:sp>
+        <p:sp>
+          <p:nvSpPr>
+            <p:cNvPr id="103" name="Forme libre 102"/>
+            <p:cNvSpPr/>
+            <p:nvPr/>
+          </p:nvSpPr>
+          <p:spPr>
+            <a:xfrm flipV="1">
+              <a:off x="976312" y="1990725"/>
+              <a:ext cx="714375" cy="57186"/>
+            </a:xfrm>
+            <a:custGeom>
+              <a:avLst/>
+              <a:gdLst>
+                <a:gd name="connsiteX0" fmla="*/ 0 w 714375"/>
+                <a:gd name="connsiteY0" fmla="*/ 85736 h 85736"/>
+                <a:gd name="connsiteX1" fmla="*/ 371475 w 714375"/>
+                <a:gd name="connsiteY1" fmla="*/ 11 h 85736"/>
+                <a:gd name="connsiteX2" fmla="*/ 714375 w 714375"/>
+                <a:gd name="connsiteY2" fmla="*/ 80974 h 85736"/>
+                <a:gd name="connsiteX0" fmla="*/ 0 w 714375"/>
+                <a:gd name="connsiteY0" fmla="*/ 85736 h 85736"/>
+                <a:gd name="connsiteX1" fmla="*/ 371475 w 714375"/>
+                <a:gd name="connsiteY1" fmla="*/ 11 h 85736"/>
+                <a:gd name="connsiteX2" fmla="*/ 714375 w 714375"/>
+                <a:gd name="connsiteY2" fmla="*/ 80974 h 85736"/>
+                <a:gd name="connsiteX0" fmla="*/ 0 w 714375"/>
+                <a:gd name="connsiteY0" fmla="*/ 57186 h 57186"/>
+                <a:gd name="connsiteX1" fmla="*/ 366713 w 714375"/>
+                <a:gd name="connsiteY1" fmla="*/ 36 h 57186"/>
+                <a:gd name="connsiteX2" fmla="*/ 714375 w 714375"/>
+                <a:gd name="connsiteY2" fmla="*/ 52424 h 57186"/>
+              </a:gdLst>
+              <a:ahLst/>
+              <a:cxnLst>
+                <a:cxn ang="0">
+                  <a:pos x="connsiteX0" y="connsiteY0"/>
+                </a:cxn>
+                <a:cxn ang="0">
+                  <a:pos x="connsiteX1" y="connsiteY1"/>
+                </a:cxn>
+                <a:cxn ang="0">
+                  <a:pos x="connsiteX2" y="connsiteY2"/>
+                </a:cxn>
+              </a:cxnLst>
+              <a:rect l="l" t="t" r="r" b="b"/>
+              <a:pathLst>
+                <a:path w="714375" h="57186">
+                  <a:moveTo>
+                    <a:pt x="0" y="57186"/>
+                  </a:moveTo>
+                  <a:cubicBezTo>
+                    <a:pt x="126206" y="14720"/>
+                    <a:pt x="247651" y="830"/>
+                    <a:pt x="366713" y="36"/>
+                  </a:cubicBezTo>
+                  <a:cubicBezTo>
+                    <a:pt x="485776" y="-758"/>
+                    <a:pt x="602456" y="11545"/>
+                    <a:pt x="714375" y="52424"/>
+                  </a:cubicBezTo>
+                </a:path>
+              </a:pathLst>
+            </a:custGeom>
+            <a:ln w="12700">
+              <a:solidFill>
+                <a:schemeClr val="accent5">
+                  <a:lumMod val="50000"/>
+                </a:schemeClr>
+              </a:solidFill>
+            </a:ln>
+          </p:spPr>
+          <p:style>
+            <a:lnRef idx="1">
+              <a:schemeClr val="accent1"/>
+            </a:lnRef>
+            <a:fillRef idx="0">
+              <a:schemeClr val="accent1"/>
+            </a:fillRef>
+            <a:effectRef idx="0">
+              <a:schemeClr val="accent1"/>
+            </a:effectRef>
+            <a:fontRef idx="minor">
+              <a:schemeClr val="tx1"/>
+            </a:fontRef>
+          </p:style>
+          <p:txBody>
+            <a:bodyPr rtlCol="0" anchor="ctr"/>
+            <a:lstStyle/>
+            <a:p>
+              <a:pPr algn="ctr"/>
+              <a:endParaRPr lang="fr-FR"/>
+            </a:p>
+          </p:txBody>
+        </p:sp>
+      </p:grpSp>
+      <p:cxnSp>
+        <p:nvCxnSpPr>
+          <p:cNvPr id="111" name="Connecteur droit 110"/>
+          <p:cNvCxnSpPr>
+            <a:stCxn id="96" idx="0"/>
+          </p:cNvCxnSpPr>
+          <p:nvPr/>
+        </p:nvCxnSpPr>
+        <p:spPr>
+          <a:xfrm flipV="1">
+            <a:off x="3733196" y="2206390"/>
+            <a:ext cx="0" cy="141543"/>
+          </a:xfrm>
+          <a:prstGeom prst="line">
+            <a:avLst/>
+          </a:prstGeom>
+          <a:ln w="12700">
+            <a:solidFill>
+              <a:schemeClr val="accent5">
+                <a:lumMod val="50000"/>
+              </a:schemeClr>
+            </a:solidFill>
+          </a:ln>
+        </p:spPr>
+        <p:style>
+          <a:lnRef idx="1">
+            <a:schemeClr val="accent1"/>
+          </a:lnRef>
+          <a:fillRef idx="0">
+            <a:schemeClr val="accent1"/>
+          </a:fillRef>
+          <a:effectRef idx="0">
+            <a:schemeClr val="accent1"/>
+          </a:effectRef>
+          <a:fontRef idx="minor">
+            <a:schemeClr val="tx1"/>
+          </a:fontRef>
+        </p:style>
+      </p:cxnSp>
+      <p:cxnSp>
+        <p:nvCxnSpPr>
+          <p:cNvPr id="117" name="Connecteur droit 116"/>
+          <p:cNvCxnSpPr/>
+          <p:nvPr/>
+        </p:nvCxnSpPr>
+        <p:spPr>
+          <a:xfrm flipV="1">
+            <a:off x="3400907" y="2203508"/>
+            <a:ext cx="0" cy="141543"/>
+          </a:xfrm>
+          <a:prstGeom prst="line">
+            <a:avLst/>
+          </a:prstGeom>
+          <a:ln w="12700">
+            <a:solidFill>
+              <a:schemeClr val="accent5">
+                <a:lumMod val="50000"/>
+              </a:schemeClr>
+            </a:solidFill>
+          </a:ln>
+        </p:spPr>
+        <p:style>
+          <a:lnRef idx="1">
+            <a:schemeClr val="accent1"/>
+          </a:lnRef>
+          <a:fillRef idx="0">
+            <a:schemeClr val="accent1"/>
+          </a:fillRef>
+          <a:effectRef idx="0">
+            <a:schemeClr val="accent1"/>
+          </a:effectRef>
+          <a:fontRef idx="minor">
+            <a:schemeClr val="tx1"/>
+          </a:fontRef>
+        </p:style>
+      </p:cxnSp>
+      <p:cxnSp>
+        <p:nvCxnSpPr>
+          <p:cNvPr id="119" name="Connecteur droit avec flèche 118"/>
+          <p:cNvCxnSpPr/>
+          <p:nvPr/>
+        </p:nvCxnSpPr>
+        <p:spPr>
+          <a:xfrm flipH="1">
+            <a:off x="3778885" y="2216962"/>
+            <a:ext cx="447961" cy="54083"/>
+          </a:xfrm>
+          <a:prstGeom prst="straightConnector1">
+            <a:avLst/>
+          </a:prstGeom>
+          <a:ln>
+            <a:solidFill>
+              <a:srgbClr val="C00000"/>
+            </a:solidFill>
+            <a:tailEnd type="stealth" w="sm" len="med"/>
+          </a:ln>
+        </p:spPr>
+        <p:style>
+          <a:lnRef idx="1">
+            <a:schemeClr val="accent1"/>
+          </a:lnRef>
+          <a:fillRef idx="0">
+            <a:schemeClr val="accent1"/>
+          </a:fillRef>
+          <a:effectRef idx="0">
+            <a:schemeClr val="accent1"/>
+          </a:effectRef>
+          <a:fontRef idx="minor">
+            <a:schemeClr val="tx1"/>
+          </a:fontRef>
+        </p:style>
+      </p:cxnSp>
+      <p:cxnSp>
+        <p:nvCxnSpPr>
+          <p:cNvPr id="122" name="Connecteur droit avec flèche 121"/>
+          <p:cNvCxnSpPr/>
+          <p:nvPr/>
+        </p:nvCxnSpPr>
+        <p:spPr>
+          <a:xfrm flipV="1">
+            <a:off x="4231086" y="2112769"/>
+            <a:ext cx="0" cy="181478"/>
+          </a:xfrm>
+          <a:prstGeom prst="straightConnector1">
+            <a:avLst/>
+          </a:prstGeom>
+          <a:ln>
+            <a:solidFill>
+              <a:srgbClr val="C00000"/>
+            </a:solidFill>
+            <a:tailEnd type="none" w="sm" len="med"/>
+          </a:ln>
+        </p:spPr>
+        <p:style>
+          <a:lnRef idx="1">
+            <a:schemeClr val="accent1"/>
+          </a:lnRef>
+          <a:fillRef idx="0">
+            <a:schemeClr val="accent1"/>
+          </a:fillRef>
+          <a:effectRef idx="0">
+            <a:schemeClr val="accent1"/>
+          </a:effectRef>
+          <a:fontRef idx="minor">
+            <a:schemeClr val="tx1"/>
+          </a:fontRef>
+        </p:style>
+      </p:cxnSp>
+      <p:sp>
+        <p:nvSpPr>
+          <p:cNvPr id="123" name="ZoneTexte 122"/>
+          <p:cNvSpPr txBox="1"/>
+          <p:nvPr/>
+        </p:nvSpPr>
+        <p:spPr>
+          <a:xfrm>
+            <a:off x="4226846" y="2074448"/>
+            <a:ext cx="1785314" cy="415498"/>
+          </a:xfrm>
+          <a:prstGeom prst="rect">
+            <a:avLst/>
+          </a:prstGeom>
+          <a:noFill/>
+        </p:spPr>
+        <p:txBody>
+          <a:bodyPr wrap="square" lIns="36000" rtlCol="0">
+            <a:spAutoFit/>
+          </a:bodyPr>
+          <a:lstStyle/>
+          <a:p>
+            <a:r>
+              <a:rPr lang="fr-FR" sz="1050" dirty="0"/>
+              <a:t>Goupille</a:t>
+            </a:r>
+          </a:p>
+          <a:p>
+            <a:r>
+              <a:rPr lang="fr-FR" sz="1050" dirty="0"/>
+              <a:t>(Arrêt du DDL de rotation)</a:t>
+            </a:r>
+          </a:p>
+        </p:txBody>
+      </p:sp>
     </p:spTree>
     <p:extLst>
       <p:ext uri="{BB962C8B-B14F-4D97-AF65-F5344CB8AC3E}">

--- a/01_LiaisonEncastrement/Cours/Figures/Figures.pptx
+++ b/01_LiaisonEncastrement/Cours/Figures/Figures.pptx
@@ -5,7 +5,7 @@
     <p:sldMasterId id="2147483648" r:id="rId1"/>
   </p:sldMasterIdLst>
   <p:notesMasterIdLst>
-    <p:notesMasterId r:id="rId10"/>
+    <p:notesMasterId r:id="rId11"/>
   </p:notesMasterIdLst>
   <p:sldIdLst>
     <p:sldId id="256" r:id="rId2"/>
@@ -15,7 +15,8 @@
     <p:sldId id="260" r:id="rId6"/>
     <p:sldId id="261" r:id="rId7"/>
     <p:sldId id="263" r:id="rId8"/>
-    <p:sldId id="262" r:id="rId9"/>
+    <p:sldId id="264" r:id="rId9"/>
+    <p:sldId id="262" r:id="rId10"/>
   </p:sldIdLst>
   <p:sldSz cx="9144000" cy="6858000" type="screen4x3"/>
   <p:notesSz cx="6858000" cy="9144000"/>
@@ -557,6 +558,90 @@
     <p:extLst>
       <p:ext uri="{BB962C8B-B14F-4D97-AF65-F5344CB8AC3E}">
         <p14:creationId xmlns:p14="http://schemas.microsoft.com/office/powerpoint/2010/main" val="2330899470"/>
+      </p:ext>
+    </p:extLst>
+  </p:cSld>
+  <p:clrMapOvr>
+    <a:masterClrMapping/>
+  </p:clrMapOvr>
+</p:notes>
+</file>
+
+<file path=ppt/notesSlides/notesSlide2.xml><?xml version="1.0" encoding="utf-8"?>
+<p:notes xmlns:a="http://schemas.openxmlformats.org/drawingml/2006/main" xmlns:r="http://schemas.openxmlformats.org/officeDocument/2006/relationships" xmlns:p="http://schemas.openxmlformats.org/presentationml/2006/main">
+  <p:cSld>
+    <p:spTree>
+      <p:nvGrpSpPr>
+        <p:cNvPr id="1" name=""/>
+        <p:cNvGrpSpPr/>
+        <p:nvPr/>
+      </p:nvGrpSpPr>
+      <p:grpSpPr>
+        <a:xfrm>
+          <a:off x="0" y="0"/>
+          <a:ext cx="0" cy="0"/>
+          <a:chOff x="0" y="0"/>
+          <a:chExt cx="0" cy="0"/>
+        </a:xfrm>
+      </p:grpSpPr>
+      <p:sp>
+        <p:nvSpPr>
+          <p:cNvPr id="2" name="Espace réservé de l'image des diapositives 1"/>
+          <p:cNvSpPr>
+            <a:spLocks noGrp="1" noRot="1" noChangeAspect="1"/>
+          </p:cNvSpPr>
+          <p:nvPr>
+            <p:ph type="sldImg"/>
+          </p:nvPr>
+        </p:nvSpPr>
+        <p:spPr/>
+      </p:sp>
+      <p:sp>
+        <p:nvSpPr>
+          <p:cNvPr id="3" name="Espace réservé des notes 2"/>
+          <p:cNvSpPr>
+            <a:spLocks noGrp="1"/>
+          </p:cNvSpPr>
+          <p:nvPr>
+            <p:ph type="body" idx="1"/>
+          </p:nvPr>
+        </p:nvSpPr>
+        <p:spPr/>
+        <p:txBody>
+          <a:bodyPr/>
+          <a:lstStyle/>
+          <a:p>
+            <a:endParaRPr lang="fr-FR" dirty="0"/>
+          </a:p>
+        </p:txBody>
+      </p:sp>
+      <p:sp>
+        <p:nvSpPr>
+          <p:cNvPr id="4" name="Espace réservé du numéro de diapositive 3"/>
+          <p:cNvSpPr>
+            <a:spLocks noGrp="1"/>
+          </p:cNvSpPr>
+          <p:nvPr>
+            <p:ph type="sldNum" sz="quarter" idx="10"/>
+          </p:nvPr>
+        </p:nvSpPr>
+        <p:spPr/>
+        <p:txBody>
+          <a:bodyPr/>
+          <a:lstStyle/>
+          <a:p>
+            <a:fld id="{CA8570F5-2E3D-4969-A998-18667143157D}" type="slidenum">
+              <a:rPr lang="fr-FR" smtClean="0"/>
+              <a:t>8</a:t>
+            </a:fld>
+            <a:endParaRPr lang="fr-FR"/>
+          </a:p>
+        </p:txBody>
+      </p:sp>
+    </p:spTree>
+    <p:extLst>
+      <p:ext uri="{BB962C8B-B14F-4D97-AF65-F5344CB8AC3E}">
+        <p14:creationId xmlns:p14="http://schemas.microsoft.com/office/powerpoint/2010/main" val="1245092776"/>
       </p:ext>
     </p:extLst>
   </p:cSld>
@@ -13464,6 +13549,3222 @@
           <a:chExt cx="0" cy="0"/>
         </a:xfrm>
       </p:grpSpPr>
+      <mc:AlternateContent xmlns:mc="http://schemas.openxmlformats.org/markup-compatibility/2006">
+        <mc:Choice xmlns:a14="http://schemas.microsoft.com/office/drawing/2010/main" Requires="a14">
+          <p:sp>
+            <p:nvSpPr>
+              <p:cNvPr id="79" name="ZoneTexte 78"/>
+              <p:cNvSpPr txBox="1"/>
+              <p:nvPr/>
+            </p:nvSpPr>
+            <p:spPr>
+              <a:xfrm>
+                <a:off x="3736540" y="1412776"/>
+                <a:ext cx="430931" cy="253916"/>
+              </a:xfrm>
+              <a:prstGeom prst="rect">
+                <a:avLst/>
+              </a:prstGeom>
+              <a:noFill/>
+            </p:spPr>
+            <p:txBody>
+              <a:bodyPr wrap="square" lIns="36000" rtlCol="0">
+                <a:spAutoFit/>
+              </a:bodyPr>
+              <a:lstStyle>
+                <a:defPPr>
+                  <a:defRPr lang="fr-FR"/>
+                </a:defPPr>
+                <a:lvl1pPr>
+                  <a:defRPr sz="1050"/>
+                </a:lvl1pPr>
+              </a:lstStyle>
+              <a:p>
+                <a:pPr algn="ctr"/>
+                <a14:m>
+                  <m:oMathPara xmlns:m="http://schemas.openxmlformats.org/officeDocument/2006/math">
+                    <m:oMathParaPr>
+                      <m:jc m:val="centerGroup"/>
+                    </m:oMathParaPr>
+                    <m:oMath xmlns:m="http://schemas.openxmlformats.org/officeDocument/2006/math">
+                      <m:r>
+                        <a:rPr lang="fr-FR" b="0" i="1" smtClean="0">
+                          <a:latin typeface="Cambria Math" panose="02040503050406030204" pitchFamily="18" charset="0"/>
+                        </a:rPr>
+                        <m:t>𝐿</m:t>
+                      </m:r>
+                    </m:oMath>
+                  </m:oMathPara>
+                </a14:m>
+                <a:endParaRPr lang="fr-FR" dirty="0"/>
+              </a:p>
+            </p:txBody>
+          </p:sp>
+        </mc:Choice>
+        <mc:Fallback>
+          <p:sp>
+            <p:nvSpPr>
+              <p:cNvPr id="79" name="ZoneTexte 78"/>
+              <p:cNvSpPr txBox="1">
+                <a:spLocks noRot="1" noChangeAspect="1" noMove="1" noResize="1" noEditPoints="1" noAdjustHandles="1" noChangeArrowheads="1" noChangeShapeType="1" noTextEdit="1"/>
+              </p:cNvSpPr>
+              <p:nvPr/>
+            </p:nvSpPr>
+            <p:spPr>
+              <a:xfrm>
+                <a:off x="3736540" y="1412776"/>
+                <a:ext cx="430931" cy="253916"/>
+              </a:xfrm>
+              <a:prstGeom prst="rect">
+                <a:avLst/>
+              </a:prstGeom>
+              <a:blipFill>
+                <a:blip r:embed="rId3"/>
+                <a:stretch>
+                  <a:fillRect/>
+                </a:stretch>
+              </a:blipFill>
+            </p:spPr>
+            <p:txBody>
+              <a:bodyPr/>
+              <a:lstStyle/>
+              <a:p>
+                <a:r>
+                  <a:rPr lang="fr-FR">
+                    <a:noFill/>
+                  </a:rPr>
+                  <a:t> </a:t>
+                </a:r>
+              </a:p>
+            </p:txBody>
+          </p:sp>
+        </mc:Fallback>
+      </mc:AlternateContent>
+      <p:sp>
+        <p:nvSpPr>
+          <p:cNvPr id="166" name="Forme libre 165"/>
+          <p:cNvSpPr/>
+          <p:nvPr/>
+        </p:nvSpPr>
+        <p:spPr>
+          <a:xfrm>
+            <a:off x="2362200" y="1270000"/>
+            <a:ext cx="1087152" cy="133350"/>
+          </a:xfrm>
+          <a:custGeom>
+            <a:avLst/>
+            <a:gdLst>
+              <a:gd name="connsiteX0" fmla="*/ 0 w 679714"/>
+              <a:gd name="connsiteY0" fmla="*/ 0 h 133350"/>
+              <a:gd name="connsiteX1" fmla="*/ 9525 w 679714"/>
+              <a:gd name="connsiteY1" fmla="*/ 25400 h 133350"/>
+              <a:gd name="connsiteX2" fmla="*/ 15875 w 679714"/>
+              <a:gd name="connsiteY2" fmla="*/ 47625 h 133350"/>
+              <a:gd name="connsiteX3" fmla="*/ 22225 w 679714"/>
+              <a:gd name="connsiteY3" fmla="*/ 57150 h 133350"/>
+              <a:gd name="connsiteX4" fmla="*/ 28575 w 679714"/>
+              <a:gd name="connsiteY4" fmla="*/ 76200 h 133350"/>
+              <a:gd name="connsiteX5" fmla="*/ 31750 w 679714"/>
+              <a:gd name="connsiteY5" fmla="*/ 85725 h 133350"/>
+              <a:gd name="connsiteX6" fmla="*/ 38100 w 679714"/>
+              <a:gd name="connsiteY6" fmla="*/ 95250 h 133350"/>
+              <a:gd name="connsiteX7" fmla="*/ 60325 w 679714"/>
+              <a:gd name="connsiteY7" fmla="*/ 117475 h 133350"/>
+              <a:gd name="connsiteX8" fmla="*/ 190500 w 679714"/>
+              <a:gd name="connsiteY8" fmla="*/ 123825 h 133350"/>
+              <a:gd name="connsiteX9" fmla="*/ 250825 w 679714"/>
+              <a:gd name="connsiteY9" fmla="*/ 130175 h 133350"/>
+              <a:gd name="connsiteX10" fmla="*/ 285750 w 679714"/>
+              <a:gd name="connsiteY10" fmla="*/ 133350 h 133350"/>
+              <a:gd name="connsiteX11" fmla="*/ 431800 w 679714"/>
+              <a:gd name="connsiteY11" fmla="*/ 130175 h 133350"/>
+              <a:gd name="connsiteX12" fmla="*/ 454025 w 679714"/>
+              <a:gd name="connsiteY12" fmla="*/ 123825 h 133350"/>
+              <a:gd name="connsiteX13" fmla="*/ 473075 w 679714"/>
+              <a:gd name="connsiteY13" fmla="*/ 120650 h 133350"/>
+              <a:gd name="connsiteX14" fmla="*/ 492125 w 679714"/>
+              <a:gd name="connsiteY14" fmla="*/ 114300 h 133350"/>
+              <a:gd name="connsiteX15" fmla="*/ 508000 w 679714"/>
+              <a:gd name="connsiteY15" fmla="*/ 111125 h 133350"/>
+              <a:gd name="connsiteX16" fmla="*/ 527050 w 679714"/>
+              <a:gd name="connsiteY16" fmla="*/ 104775 h 133350"/>
+              <a:gd name="connsiteX17" fmla="*/ 581025 w 679714"/>
+              <a:gd name="connsiteY17" fmla="*/ 107950 h 133350"/>
+              <a:gd name="connsiteX18" fmla="*/ 590550 w 679714"/>
+              <a:gd name="connsiteY18" fmla="*/ 111125 h 133350"/>
+              <a:gd name="connsiteX19" fmla="*/ 615950 w 679714"/>
+              <a:gd name="connsiteY19" fmla="*/ 114300 h 133350"/>
+              <a:gd name="connsiteX20" fmla="*/ 657225 w 679714"/>
+              <a:gd name="connsiteY20" fmla="*/ 111125 h 133350"/>
+              <a:gd name="connsiteX21" fmla="*/ 669925 w 679714"/>
+              <a:gd name="connsiteY21" fmla="*/ 92075 h 133350"/>
+              <a:gd name="connsiteX22" fmla="*/ 673100 w 679714"/>
+              <a:gd name="connsiteY22" fmla="*/ 69850 h 133350"/>
+              <a:gd name="connsiteX23" fmla="*/ 679450 w 679714"/>
+              <a:gd name="connsiteY23" fmla="*/ 31750 h 133350"/>
+              <a:gd name="connsiteX24" fmla="*/ 679450 w 679714"/>
+              <a:gd name="connsiteY24" fmla="*/ 3175 h 133350"/>
+            </a:gdLst>
+            <a:ahLst/>
+            <a:cxnLst>
+              <a:cxn ang="0">
+                <a:pos x="connsiteX0" y="connsiteY0"/>
+              </a:cxn>
+              <a:cxn ang="0">
+                <a:pos x="connsiteX1" y="connsiteY1"/>
+              </a:cxn>
+              <a:cxn ang="0">
+                <a:pos x="connsiteX2" y="connsiteY2"/>
+              </a:cxn>
+              <a:cxn ang="0">
+                <a:pos x="connsiteX3" y="connsiteY3"/>
+              </a:cxn>
+              <a:cxn ang="0">
+                <a:pos x="connsiteX4" y="connsiteY4"/>
+              </a:cxn>
+              <a:cxn ang="0">
+                <a:pos x="connsiteX5" y="connsiteY5"/>
+              </a:cxn>
+              <a:cxn ang="0">
+                <a:pos x="connsiteX6" y="connsiteY6"/>
+              </a:cxn>
+              <a:cxn ang="0">
+                <a:pos x="connsiteX7" y="connsiteY7"/>
+              </a:cxn>
+              <a:cxn ang="0">
+                <a:pos x="connsiteX8" y="connsiteY8"/>
+              </a:cxn>
+              <a:cxn ang="0">
+                <a:pos x="connsiteX9" y="connsiteY9"/>
+              </a:cxn>
+              <a:cxn ang="0">
+                <a:pos x="connsiteX10" y="connsiteY10"/>
+              </a:cxn>
+              <a:cxn ang="0">
+                <a:pos x="connsiteX11" y="connsiteY11"/>
+              </a:cxn>
+              <a:cxn ang="0">
+                <a:pos x="connsiteX12" y="connsiteY12"/>
+              </a:cxn>
+              <a:cxn ang="0">
+                <a:pos x="connsiteX13" y="connsiteY13"/>
+              </a:cxn>
+              <a:cxn ang="0">
+                <a:pos x="connsiteX14" y="connsiteY14"/>
+              </a:cxn>
+              <a:cxn ang="0">
+                <a:pos x="connsiteX15" y="connsiteY15"/>
+              </a:cxn>
+              <a:cxn ang="0">
+                <a:pos x="connsiteX16" y="connsiteY16"/>
+              </a:cxn>
+              <a:cxn ang="0">
+                <a:pos x="connsiteX17" y="connsiteY17"/>
+              </a:cxn>
+              <a:cxn ang="0">
+                <a:pos x="connsiteX18" y="connsiteY18"/>
+              </a:cxn>
+              <a:cxn ang="0">
+                <a:pos x="connsiteX19" y="connsiteY19"/>
+              </a:cxn>
+              <a:cxn ang="0">
+                <a:pos x="connsiteX20" y="connsiteY20"/>
+              </a:cxn>
+              <a:cxn ang="0">
+                <a:pos x="connsiteX21" y="connsiteY21"/>
+              </a:cxn>
+              <a:cxn ang="0">
+                <a:pos x="connsiteX22" y="connsiteY22"/>
+              </a:cxn>
+              <a:cxn ang="0">
+                <a:pos x="connsiteX23" y="connsiteY23"/>
+              </a:cxn>
+              <a:cxn ang="0">
+                <a:pos x="connsiteX24" y="connsiteY24"/>
+              </a:cxn>
+            </a:cxnLst>
+            <a:rect l="l" t="t" r="r" b="b"/>
+            <a:pathLst>
+              <a:path w="679714" h="133350">
+                <a:moveTo>
+                  <a:pt x="0" y="0"/>
+                </a:moveTo>
+                <a:cubicBezTo>
+                  <a:pt x="8053" y="40263"/>
+                  <a:pt x="-2738" y="-3214"/>
+                  <a:pt x="9525" y="25400"/>
+                </a:cubicBezTo>
+                <a:cubicBezTo>
+                  <a:pt x="15629" y="39642"/>
+                  <a:pt x="9696" y="35268"/>
+                  <a:pt x="15875" y="47625"/>
+                </a:cubicBezTo>
+                <a:cubicBezTo>
+                  <a:pt x="17582" y="51038"/>
+                  <a:pt x="20675" y="53663"/>
+                  <a:pt x="22225" y="57150"/>
+                </a:cubicBezTo>
+                <a:cubicBezTo>
+                  <a:pt x="24943" y="63267"/>
+                  <a:pt x="26458" y="69850"/>
+                  <a:pt x="28575" y="76200"/>
+                </a:cubicBezTo>
+                <a:lnTo>
+                  <a:pt x="31750" y="85725"/>
+                </a:lnTo>
+                <a:cubicBezTo>
+                  <a:pt x="32957" y="89345"/>
+                  <a:pt x="36393" y="91837"/>
+                  <a:pt x="38100" y="95250"/>
+                </a:cubicBezTo>
+                <a:cubicBezTo>
+                  <a:pt x="44125" y="107300"/>
+                  <a:pt x="37494" y="113670"/>
+                  <a:pt x="60325" y="117475"/>
+                </a:cubicBezTo>
+                <a:cubicBezTo>
+                  <a:pt x="115928" y="126742"/>
+                  <a:pt x="72940" y="120466"/>
+                  <a:pt x="190500" y="123825"/>
+                </a:cubicBezTo>
+                <a:cubicBezTo>
+                  <a:pt x="222234" y="130172"/>
+                  <a:pt x="197433" y="125904"/>
+                  <a:pt x="250825" y="130175"/>
+                </a:cubicBezTo>
+                <a:cubicBezTo>
+                  <a:pt x="262477" y="131107"/>
+                  <a:pt x="274108" y="132292"/>
+                  <a:pt x="285750" y="133350"/>
+                </a:cubicBezTo>
+                <a:lnTo>
+                  <a:pt x="431800" y="130175"/>
+                </a:lnTo>
+                <a:cubicBezTo>
+                  <a:pt x="440233" y="129838"/>
+                  <a:pt x="446123" y="125581"/>
+                  <a:pt x="454025" y="123825"/>
+                </a:cubicBezTo>
+                <a:cubicBezTo>
+                  <a:pt x="460309" y="122428"/>
+                  <a:pt x="466725" y="121708"/>
+                  <a:pt x="473075" y="120650"/>
+                </a:cubicBezTo>
+                <a:cubicBezTo>
+                  <a:pt x="479425" y="118533"/>
+                  <a:pt x="485561" y="115613"/>
+                  <a:pt x="492125" y="114300"/>
+                </a:cubicBezTo>
+                <a:cubicBezTo>
+                  <a:pt x="497417" y="113242"/>
+                  <a:pt x="502794" y="112545"/>
+                  <a:pt x="508000" y="111125"/>
+                </a:cubicBezTo>
+                <a:cubicBezTo>
+                  <a:pt x="514458" y="109364"/>
+                  <a:pt x="527050" y="104775"/>
+                  <a:pt x="527050" y="104775"/>
+                </a:cubicBezTo>
+                <a:cubicBezTo>
+                  <a:pt x="545042" y="105833"/>
+                  <a:pt x="563092" y="106157"/>
+                  <a:pt x="581025" y="107950"/>
+                </a:cubicBezTo>
+                <a:cubicBezTo>
+                  <a:pt x="584355" y="108283"/>
+                  <a:pt x="587257" y="110526"/>
+                  <a:pt x="590550" y="111125"/>
+                </a:cubicBezTo>
+                <a:cubicBezTo>
+                  <a:pt x="598945" y="112651"/>
+                  <a:pt x="607483" y="113242"/>
+                  <a:pt x="615950" y="114300"/>
+                </a:cubicBezTo>
+                <a:lnTo>
+                  <a:pt x="657225" y="111125"/>
+                </a:lnTo>
+                <a:cubicBezTo>
+                  <a:pt x="664282" y="108219"/>
+                  <a:pt x="669925" y="92075"/>
+                  <a:pt x="669925" y="92075"/>
+                </a:cubicBezTo>
+                <a:cubicBezTo>
+                  <a:pt x="670983" y="84667"/>
+                  <a:pt x="671870" y="77232"/>
+                  <a:pt x="673100" y="69850"/>
+                </a:cubicBezTo>
+                <a:cubicBezTo>
+                  <a:pt x="675651" y="54544"/>
+                  <a:pt x="678412" y="48352"/>
+                  <a:pt x="679450" y="31750"/>
+                </a:cubicBezTo>
+                <a:cubicBezTo>
+                  <a:pt x="680044" y="22244"/>
+                  <a:pt x="679450" y="12700"/>
+                  <a:pt x="679450" y="3175"/>
+                </a:cubicBezTo>
+              </a:path>
+            </a:pathLst>
+          </a:custGeom>
+          <a:pattFill prst="ltDnDiag">
+            <a:fgClr>
+              <a:schemeClr val="accent5">
+                <a:lumMod val="50000"/>
+              </a:schemeClr>
+            </a:fgClr>
+            <a:bgClr>
+              <a:schemeClr val="bg1"/>
+            </a:bgClr>
+          </a:pattFill>
+          <a:ln w="12700">
+            <a:solidFill>
+              <a:schemeClr val="accent5">
+                <a:lumMod val="50000"/>
+              </a:schemeClr>
+            </a:solidFill>
+          </a:ln>
+        </p:spPr>
+        <p:style>
+          <a:lnRef idx="1">
+            <a:schemeClr val="accent1"/>
+          </a:lnRef>
+          <a:fillRef idx="0">
+            <a:schemeClr val="accent1"/>
+          </a:fillRef>
+          <a:effectRef idx="0">
+            <a:schemeClr val="accent1"/>
+          </a:effectRef>
+          <a:fontRef idx="minor">
+            <a:schemeClr val="tx1"/>
+          </a:fontRef>
+        </p:style>
+        <p:txBody>
+          <a:bodyPr rtlCol="0" anchor="ctr"/>
+          <a:lstStyle/>
+          <a:p>
+            <a:pPr algn="ctr"/>
+            <a:endParaRPr lang="fr-FR"/>
+          </a:p>
+        </p:txBody>
+      </p:sp>
+      <p:sp>
+        <p:nvSpPr>
+          <p:cNvPr id="205" name="Rectangle 204"/>
+          <p:cNvSpPr/>
+          <p:nvPr/>
+        </p:nvSpPr>
+        <p:spPr>
+          <a:xfrm>
+            <a:off x="3111973" y="1251586"/>
+            <a:ext cx="380434" cy="79042"/>
+          </a:xfrm>
+          <a:prstGeom prst="rect">
+            <a:avLst/>
+          </a:prstGeom>
+          <a:solidFill>
+            <a:schemeClr val="bg1"/>
+          </a:solidFill>
+          <a:ln>
+            <a:noFill/>
+          </a:ln>
+        </p:spPr>
+        <p:style>
+          <a:lnRef idx="2">
+            <a:schemeClr val="accent1">
+              <a:shade val="50000"/>
+            </a:schemeClr>
+          </a:lnRef>
+          <a:fillRef idx="1">
+            <a:schemeClr val="accent1"/>
+          </a:fillRef>
+          <a:effectRef idx="0">
+            <a:schemeClr val="accent1"/>
+          </a:effectRef>
+          <a:fontRef idx="minor">
+            <a:schemeClr val="lt1"/>
+          </a:fontRef>
+        </p:style>
+        <p:txBody>
+          <a:bodyPr rtlCol="0" anchor="ctr"/>
+          <a:lstStyle/>
+          <a:p>
+            <a:pPr algn="ctr"/>
+            <a:endParaRPr lang="fr-FR">
+              <a:solidFill>
+                <a:schemeClr val="bg1"/>
+              </a:solidFill>
+            </a:endParaRPr>
+          </a:p>
+        </p:txBody>
+      </p:sp>
+      <p:sp>
+        <p:nvSpPr>
+          <p:cNvPr id="177" name="Rectangle 176"/>
+          <p:cNvSpPr/>
+          <p:nvPr/>
+        </p:nvSpPr>
+        <p:spPr>
+          <a:xfrm flipH="1" flipV="1">
+            <a:off x="3161223" y="1985914"/>
+            <a:ext cx="45719" cy="87052"/>
+          </a:xfrm>
+          <a:prstGeom prst="rect">
+            <a:avLst/>
+          </a:prstGeom>
+          <a:pattFill prst="ltUpDiag">
+            <a:fgClr>
+              <a:schemeClr val="accent5">
+                <a:lumMod val="50000"/>
+              </a:schemeClr>
+            </a:fgClr>
+            <a:bgClr>
+              <a:schemeClr val="bg1"/>
+            </a:bgClr>
+          </a:pattFill>
+          <a:ln w="12700">
+            <a:noFill/>
+          </a:ln>
+        </p:spPr>
+        <p:style>
+          <a:lnRef idx="1">
+            <a:schemeClr val="accent1"/>
+          </a:lnRef>
+          <a:fillRef idx="0">
+            <a:schemeClr val="accent1"/>
+          </a:fillRef>
+          <a:effectRef idx="0">
+            <a:schemeClr val="accent1"/>
+          </a:effectRef>
+          <a:fontRef idx="minor">
+            <a:schemeClr val="tx1"/>
+          </a:fontRef>
+        </p:style>
+        <p:txBody>
+          <a:bodyPr rtlCol="0" anchor="ctr"/>
+          <a:lstStyle/>
+          <a:p>
+            <a:pPr algn="ctr"/>
+            <a:endParaRPr lang="fr-FR"/>
+          </a:p>
+        </p:txBody>
+      </p:sp>
+      <p:sp>
+        <p:nvSpPr>
+          <p:cNvPr id="155" name="Rectangle 154"/>
+          <p:cNvSpPr/>
+          <p:nvPr/>
+        </p:nvSpPr>
+        <p:spPr>
+          <a:xfrm flipH="1">
+            <a:off x="3158131" y="1172276"/>
+            <a:ext cx="36000" cy="158620"/>
+          </a:xfrm>
+          <a:prstGeom prst="rect">
+            <a:avLst/>
+          </a:prstGeom>
+          <a:pattFill prst="ltUpDiag">
+            <a:fgClr>
+              <a:schemeClr val="accent5">
+                <a:lumMod val="50000"/>
+              </a:schemeClr>
+            </a:fgClr>
+            <a:bgClr>
+              <a:schemeClr val="bg1"/>
+            </a:bgClr>
+          </a:pattFill>
+          <a:ln w="12700">
+            <a:noFill/>
+          </a:ln>
+        </p:spPr>
+        <p:style>
+          <a:lnRef idx="1">
+            <a:schemeClr val="accent1"/>
+          </a:lnRef>
+          <a:fillRef idx="0">
+            <a:schemeClr val="accent1"/>
+          </a:fillRef>
+          <a:effectRef idx="0">
+            <a:schemeClr val="accent1"/>
+          </a:effectRef>
+          <a:fontRef idx="minor">
+            <a:schemeClr val="tx1"/>
+          </a:fontRef>
+        </p:style>
+        <p:txBody>
+          <a:bodyPr rtlCol="0" anchor="ctr"/>
+          <a:lstStyle/>
+          <a:p>
+            <a:pPr algn="ctr"/>
+            <a:endParaRPr lang="fr-FR"/>
+          </a:p>
+        </p:txBody>
+      </p:sp>
+      <p:sp>
+        <p:nvSpPr>
+          <p:cNvPr id="165" name="Rectangle 164"/>
+          <p:cNvSpPr/>
+          <p:nvPr/>
+        </p:nvSpPr>
+        <p:spPr>
+          <a:xfrm>
+            <a:off x="2412244" y="1267520"/>
+            <a:ext cx="575580" cy="72008"/>
+          </a:xfrm>
+          <a:prstGeom prst="rect">
+            <a:avLst/>
+          </a:prstGeom>
+          <a:solidFill>
+            <a:schemeClr val="bg1"/>
+          </a:solidFill>
+          <a:ln w="12700">
+            <a:solidFill>
+              <a:schemeClr val="accent5">
+                <a:lumMod val="50000"/>
+              </a:schemeClr>
+            </a:solidFill>
+          </a:ln>
+        </p:spPr>
+        <p:style>
+          <a:lnRef idx="1">
+            <a:schemeClr val="accent1"/>
+          </a:lnRef>
+          <a:fillRef idx="0">
+            <a:schemeClr val="accent1"/>
+          </a:fillRef>
+          <a:effectRef idx="0">
+            <a:schemeClr val="accent1"/>
+          </a:effectRef>
+          <a:fontRef idx="minor">
+            <a:schemeClr val="tx1"/>
+          </a:fontRef>
+        </p:style>
+        <p:txBody>
+          <a:bodyPr rtlCol="0" anchor="ctr"/>
+          <a:lstStyle/>
+          <a:p>
+            <a:pPr algn="ctr"/>
+            <a:endParaRPr lang="fr-FR"/>
+          </a:p>
+        </p:txBody>
+      </p:sp>
+      <p:cxnSp>
+        <p:nvCxnSpPr>
+          <p:cNvPr id="5" name="Connecteur droit 4"/>
+          <p:cNvCxnSpPr/>
+          <p:nvPr/>
+        </p:nvCxnSpPr>
+        <p:spPr>
+          <a:xfrm>
+            <a:off x="3413352" y="1270000"/>
+            <a:ext cx="36000" cy="36000"/>
+          </a:xfrm>
+          <a:prstGeom prst="line">
+            <a:avLst/>
+          </a:prstGeom>
+          <a:ln w="12700">
+            <a:solidFill>
+              <a:schemeClr val="accent5">
+                <a:lumMod val="50000"/>
+              </a:schemeClr>
+            </a:solidFill>
+          </a:ln>
+        </p:spPr>
+        <p:style>
+          <a:lnRef idx="1">
+            <a:schemeClr val="accent1"/>
+          </a:lnRef>
+          <a:fillRef idx="0">
+            <a:schemeClr val="accent1"/>
+          </a:fillRef>
+          <a:effectRef idx="0">
+            <a:schemeClr val="accent1"/>
+          </a:effectRef>
+          <a:fontRef idx="minor">
+            <a:schemeClr val="tx1"/>
+          </a:fontRef>
+        </p:style>
+      </p:cxnSp>
+      <p:sp>
+        <p:nvSpPr>
+          <p:cNvPr id="118" name="Rectangle 117"/>
+          <p:cNvSpPr/>
+          <p:nvPr/>
+        </p:nvSpPr>
+        <p:spPr>
+          <a:xfrm>
+            <a:off x="2267744" y="1165474"/>
+            <a:ext cx="884268" cy="102046"/>
+          </a:xfrm>
+          <a:prstGeom prst="rect">
+            <a:avLst/>
+          </a:prstGeom>
+          <a:solidFill>
+            <a:schemeClr val="accent5">
+              <a:lumMod val="20000"/>
+              <a:lumOff val="80000"/>
+            </a:schemeClr>
+          </a:solidFill>
+          <a:ln w="12700">
+            <a:solidFill>
+              <a:schemeClr val="accent5">
+                <a:lumMod val="20000"/>
+                <a:lumOff val="80000"/>
+              </a:schemeClr>
+            </a:solidFill>
+          </a:ln>
+        </p:spPr>
+        <p:style>
+          <a:lnRef idx="1">
+            <a:schemeClr val="accent1"/>
+          </a:lnRef>
+          <a:fillRef idx="0">
+            <a:schemeClr val="accent1"/>
+          </a:fillRef>
+          <a:effectRef idx="0">
+            <a:schemeClr val="accent1"/>
+          </a:effectRef>
+          <a:fontRef idx="minor">
+            <a:schemeClr val="tx1"/>
+          </a:fontRef>
+        </p:style>
+        <p:txBody>
+          <a:bodyPr rtlCol="0" anchor="ctr"/>
+          <a:lstStyle/>
+          <a:p>
+            <a:pPr algn="ctr"/>
+            <a:endParaRPr lang="fr-FR"/>
+          </a:p>
+        </p:txBody>
+      </p:sp>
+      <p:sp>
+        <p:nvSpPr>
+          <p:cNvPr id="105" name="Rectangle 104"/>
+          <p:cNvSpPr/>
+          <p:nvPr/>
+        </p:nvSpPr>
+        <p:spPr>
+          <a:xfrm>
+            <a:off x="2268798" y="777243"/>
+            <a:ext cx="883213" cy="388231"/>
+          </a:xfrm>
+          <a:prstGeom prst="rect">
+            <a:avLst/>
+          </a:prstGeom>
+          <a:pattFill prst="ltDnDiag">
+            <a:fgClr>
+              <a:schemeClr val="accent5">
+                <a:lumMod val="50000"/>
+              </a:schemeClr>
+            </a:fgClr>
+            <a:bgClr>
+              <a:schemeClr val="bg1"/>
+            </a:bgClr>
+          </a:pattFill>
+          <a:ln w="12700">
+            <a:noFill/>
+          </a:ln>
+        </p:spPr>
+        <p:style>
+          <a:lnRef idx="1">
+            <a:schemeClr val="accent1"/>
+          </a:lnRef>
+          <a:fillRef idx="0">
+            <a:schemeClr val="accent1"/>
+          </a:fillRef>
+          <a:effectRef idx="0">
+            <a:schemeClr val="accent1"/>
+          </a:effectRef>
+          <a:fontRef idx="minor">
+            <a:schemeClr val="tx1"/>
+          </a:fontRef>
+        </p:style>
+        <p:txBody>
+          <a:bodyPr rtlCol="0" anchor="ctr"/>
+          <a:lstStyle/>
+          <a:p>
+            <a:pPr algn="ctr"/>
+            <a:endParaRPr lang="fr-FR"/>
+          </a:p>
+        </p:txBody>
+      </p:sp>
+      <p:sp>
+        <p:nvSpPr>
+          <p:cNvPr id="103" name="Rectangle 102"/>
+          <p:cNvSpPr/>
+          <p:nvPr/>
+        </p:nvSpPr>
+        <p:spPr>
+          <a:xfrm>
+            <a:off x="2268799" y="1988840"/>
+            <a:ext cx="883213" cy="499890"/>
+          </a:xfrm>
+          <a:prstGeom prst="rect">
+            <a:avLst/>
+          </a:prstGeom>
+          <a:pattFill prst="ltDnDiag">
+            <a:fgClr>
+              <a:schemeClr val="accent5">
+                <a:lumMod val="50000"/>
+              </a:schemeClr>
+            </a:fgClr>
+            <a:bgClr>
+              <a:schemeClr val="bg1"/>
+            </a:bgClr>
+          </a:pattFill>
+          <a:ln w="12700">
+            <a:noFill/>
+          </a:ln>
+        </p:spPr>
+        <p:style>
+          <a:lnRef idx="1">
+            <a:schemeClr val="accent1"/>
+          </a:lnRef>
+          <a:fillRef idx="0">
+            <a:schemeClr val="accent1"/>
+          </a:fillRef>
+          <a:effectRef idx="0">
+            <a:schemeClr val="accent1"/>
+          </a:effectRef>
+          <a:fontRef idx="minor">
+            <a:schemeClr val="tx1"/>
+          </a:fontRef>
+        </p:style>
+        <p:txBody>
+          <a:bodyPr rtlCol="0" anchor="ctr"/>
+          <a:lstStyle/>
+          <a:p>
+            <a:pPr algn="ctr"/>
+            <a:endParaRPr lang="fr-FR"/>
+          </a:p>
+        </p:txBody>
+      </p:sp>
+      <p:cxnSp>
+        <p:nvCxnSpPr>
+          <p:cNvPr id="4" name="Connecteur droit 3"/>
+          <p:cNvCxnSpPr/>
+          <p:nvPr/>
+        </p:nvCxnSpPr>
+        <p:spPr>
+          <a:xfrm>
+            <a:off x="2266343" y="1268760"/>
+            <a:ext cx="882000" cy="0"/>
+          </a:xfrm>
+          <a:prstGeom prst="line">
+            <a:avLst/>
+          </a:prstGeom>
+          <a:ln w="12700">
+            <a:solidFill>
+              <a:schemeClr val="accent5">
+                <a:lumMod val="50000"/>
+              </a:schemeClr>
+            </a:solidFill>
+          </a:ln>
+        </p:spPr>
+        <p:style>
+          <a:lnRef idx="1">
+            <a:schemeClr val="accent1"/>
+          </a:lnRef>
+          <a:fillRef idx="0">
+            <a:schemeClr val="accent1"/>
+          </a:fillRef>
+          <a:effectRef idx="0">
+            <a:schemeClr val="accent1"/>
+          </a:effectRef>
+          <a:fontRef idx="minor">
+            <a:schemeClr val="tx1"/>
+          </a:fontRef>
+        </p:style>
+      </p:cxnSp>
+      <p:cxnSp>
+        <p:nvCxnSpPr>
+          <p:cNvPr id="6" name="Connecteur droit 5"/>
+          <p:cNvCxnSpPr/>
+          <p:nvPr/>
+        </p:nvCxnSpPr>
+        <p:spPr>
+          <a:xfrm>
+            <a:off x="2267744" y="1988840"/>
+            <a:ext cx="861985" cy="0"/>
+          </a:xfrm>
+          <a:prstGeom prst="line">
+            <a:avLst/>
+          </a:prstGeom>
+          <a:ln w="12700">
+            <a:solidFill>
+              <a:schemeClr val="accent5">
+                <a:lumMod val="50000"/>
+              </a:schemeClr>
+            </a:solidFill>
+          </a:ln>
+        </p:spPr>
+        <p:style>
+          <a:lnRef idx="1">
+            <a:schemeClr val="accent1"/>
+          </a:lnRef>
+          <a:fillRef idx="0">
+            <a:schemeClr val="accent1"/>
+          </a:fillRef>
+          <a:effectRef idx="0">
+            <a:schemeClr val="accent1"/>
+          </a:effectRef>
+          <a:fontRef idx="minor">
+            <a:schemeClr val="tx1"/>
+          </a:fontRef>
+        </p:style>
+      </p:cxnSp>
+      <p:cxnSp>
+        <p:nvCxnSpPr>
+          <p:cNvPr id="27" name="Connecteur droit 26"/>
+          <p:cNvCxnSpPr/>
+          <p:nvPr/>
+        </p:nvCxnSpPr>
+        <p:spPr>
+          <a:xfrm>
+            <a:off x="2267744" y="1196752"/>
+            <a:ext cx="0" cy="864096"/>
+          </a:xfrm>
+          <a:prstGeom prst="line">
+            <a:avLst/>
+          </a:prstGeom>
+          <a:ln w="12700">
+            <a:solidFill>
+              <a:schemeClr val="accent5">
+                <a:lumMod val="50000"/>
+              </a:schemeClr>
+            </a:solidFill>
+          </a:ln>
+        </p:spPr>
+        <p:style>
+          <a:lnRef idx="1">
+            <a:schemeClr val="accent1"/>
+          </a:lnRef>
+          <a:fillRef idx="0">
+            <a:schemeClr val="accent1"/>
+          </a:fillRef>
+          <a:effectRef idx="0">
+            <a:schemeClr val="accent1"/>
+          </a:effectRef>
+          <a:fontRef idx="minor">
+            <a:schemeClr val="tx1"/>
+          </a:fontRef>
+        </p:style>
+      </p:cxnSp>
+      <p:cxnSp>
+        <p:nvCxnSpPr>
+          <p:cNvPr id="31" name="Connecteur droit 30"/>
+          <p:cNvCxnSpPr/>
+          <p:nvPr/>
+        </p:nvCxnSpPr>
+        <p:spPr>
+          <a:xfrm>
+            <a:off x="2160259" y="1196752"/>
+            <a:ext cx="108540" cy="0"/>
+          </a:xfrm>
+          <a:prstGeom prst="line">
+            <a:avLst/>
+          </a:prstGeom>
+          <a:ln w="12700">
+            <a:solidFill>
+              <a:schemeClr val="accent5">
+                <a:lumMod val="50000"/>
+              </a:schemeClr>
+            </a:solidFill>
+          </a:ln>
+        </p:spPr>
+        <p:style>
+          <a:lnRef idx="1">
+            <a:schemeClr val="accent1"/>
+          </a:lnRef>
+          <a:fillRef idx="0">
+            <a:schemeClr val="accent1"/>
+          </a:fillRef>
+          <a:effectRef idx="0">
+            <a:schemeClr val="accent1"/>
+          </a:effectRef>
+          <a:fontRef idx="minor">
+            <a:schemeClr val="tx1"/>
+          </a:fontRef>
+        </p:style>
+      </p:cxnSp>
+      <p:cxnSp>
+        <p:nvCxnSpPr>
+          <p:cNvPr id="36" name="Connecteur droit 35"/>
+          <p:cNvCxnSpPr/>
+          <p:nvPr/>
+        </p:nvCxnSpPr>
+        <p:spPr>
+          <a:xfrm>
+            <a:off x="2160259" y="2062212"/>
+            <a:ext cx="108540" cy="0"/>
+          </a:xfrm>
+          <a:prstGeom prst="line">
+            <a:avLst/>
+          </a:prstGeom>
+          <a:ln w="12700">
+            <a:solidFill>
+              <a:schemeClr val="accent5">
+                <a:lumMod val="50000"/>
+              </a:schemeClr>
+            </a:solidFill>
+          </a:ln>
+        </p:spPr>
+        <p:style>
+          <a:lnRef idx="1">
+            <a:schemeClr val="accent1"/>
+          </a:lnRef>
+          <a:fillRef idx="0">
+            <a:schemeClr val="accent1"/>
+          </a:fillRef>
+          <a:effectRef idx="0">
+            <a:schemeClr val="accent1"/>
+          </a:effectRef>
+          <a:fontRef idx="minor">
+            <a:schemeClr val="tx1"/>
+          </a:fontRef>
+        </p:style>
+      </p:cxnSp>
+      <p:cxnSp>
+        <p:nvCxnSpPr>
+          <p:cNvPr id="37" name="Connecteur droit 36"/>
+          <p:cNvCxnSpPr/>
+          <p:nvPr/>
+        </p:nvCxnSpPr>
+        <p:spPr>
+          <a:xfrm>
+            <a:off x="2160259" y="1088740"/>
+            <a:ext cx="0" cy="1080120"/>
+          </a:xfrm>
+          <a:prstGeom prst="line">
+            <a:avLst/>
+          </a:prstGeom>
+          <a:ln w="12700">
+            <a:solidFill>
+              <a:schemeClr val="accent5">
+                <a:lumMod val="50000"/>
+              </a:schemeClr>
+            </a:solidFill>
+          </a:ln>
+        </p:spPr>
+        <p:style>
+          <a:lnRef idx="1">
+            <a:schemeClr val="accent1"/>
+          </a:lnRef>
+          <a:fillRef idx="0">
+            <a:schemeClr val="accent1"/>
+          </a:fillRef>
+          <a:effectRef idx="0">
+            <a:schemeClr val="accent1"/>
+          </a:effectRef>
+          <a:fontRef idx="minor">
+            <a:schemeClr val="tx1"/>
+          </a:fontRef>
+        </p:style>
+      </p:cxnSp>
+      <p:sp>
+        <p:nvSpPr>
+          <p:cNvPr id="39" name="Rectangle 38"/>
+          <p:cNvSpPr/>
+          <p:nvPr/>
+        </p:nvSpPr>
+        <p:spPr>
+          <a:xfrm>
+            <a:off x="2483768" y="1196752"/>
+            <a:ext cx="432048" cy="142776"/>
+          </a:xfrm>
+          <a:prstGeom prst="rect">
+            <a:avLst/>
+          </a:prstGeom>
+          <a:solidFill>
+            <a:schemeClr val="bg1"/>
+          </a:solidFill>
+          <a:ln w="12700">
+            <a:solidFill>
+              <a:schemeClr val="accent5">
+                <a:lumMod val="50000"/>
+              </a:schemeClr>
+            </a:solidFill>
+          </a:ln>
+        </p:spPr>
+        <p:style>
+          <a:lnRef idx="1">
+            <a:schemeClr val="accent1"/>
+          </a:lnRef>
+          <a:fillRef idx="0">
+            <a:schemeClr val="accent1"/>
+          </a:fillRef>
+          <a:effectRef idx="0">
+            <a:schemeClr val="accent1"/>
+          </a:effectRef>
+          <a:fontRef idx="minor">
+            <a:schemeClr val="tx1"/>
+          </a:fontRef>
+        </p:style>
+        <p:txBody>
+          <a:bodyPr rtlCol="0" anchor="ctr"/>
+          <a:lstStyle/>
+          <a:p>
+            <a:pPr algn="ctr"/>
+            <a:endParaRPr lang="fr-FR"/>
+          </a:p>
+        </p:txBody>
+      </p:sp>
+      <p:cxnSp>
+        <p:nvCxnSpPr>
+          <p:cNvPr id="45" name="Connecteur droit 44"/>
+          <p:cNvCxnSpPr/>
+          <p:nvPr/>
+        </p:nvCxnSpPr>
+        <p:spPr>
+          <a:xfrm>
+            <a:off x="2268799" y="1165474"/>
+            <a:ext cx="883213" cy="0"/>
+          </a:xfrm>
+          <a:prstGeom prst="line">
+            <a:avLst/>
+          </a:prstGeom>
+          <a:ln w="12700">
+            <a:solidFill>
+              <a:schemeClr val="accent5">
+                <a:lumMod val="50000"/>
+              </a:schemeClr>
+            </a:solidFill>
+          </a:ln>
+        </p:spPr>
+        <p:style>
+          <a:lnRef idx="1">
+            <a:schemeClr val="accent1"/>
+          </a:lnRef>
+          <a:fillRef idx="0">
+            <a:schemeClr val="accent1"/>
+          </a:fillRef>
+          <a:effectRef idx="0">
+            <a:schemeClr val="accent1"/>
+          </a:effectRef>
+          <a:fontRef idx="minor">
+            <a:schemeClr val="tx1"/>
+          </a:fontRef>
+        </p:style>
+      </p:cxnSp>
+      <p:cxnSp>
+        <p:nvCxnSpPr>
+          <p:cNvPr id="46" name="Connecteur droit 45"/>
+          <p:cNvCxnSpPr/>
+          <p:nvPr/>
+        </p:nvCxnSpPr>
+        <p:spPr>
+          <a:xfrm flipV="1">
+            <a:off x="2268799" y="764704"/>
+            <a:ext cx="0" cy="502816"/>
+          </a:xfrm>
+          <a:prstGeom prst="line">
+            <a:avLst/>
+          </a:prstGeom>
+          <a:ln w="12700">
+            <a:solidFill>
+              <a:schemeClr val="accent5">
+                <a:lumMod val="50000"/>
+              </a:schemeClr>
+            </a:solidFill>
+          </a:ln>
+        </p:spPr>
+        <p:style>
+          <a:lnRef idx="1">
+            <a:schemeClr val="accent1"/>
+          </a:lnRef>
+          <a:fillRef idx="0">
+            <a:schemeClr val="accent1"/>
+          </a:fillRef>
+          <a:effectRef idx="0">
+            <a:schemeClr val="accent1"/>
+          </a:effectRef>
+          <a:fontRef idx="minor">
+            <a:schemeClr val="tx1"/>
+          </a:fontRef>
+        </p:style>
+      </p:cxnSp>
+      <p:cxnSp>
+        <p:nvCxnSpPr>
+          <p:cNvPr id="50" name="Connecteur droit 49"/>
+          <p:cNvCxnSpPr/>
+          <p:nvPr/>
+        </p:nvCxnSpPr>
+        <p:spPr>
+          <a:xfrm flipV="1">
+            <a:off x="3152012" y="761778"/>
+            <a:ext cx="0" cy="508222"/>
+          </a:xfrm>
+          <a:prstGeom prst="line">
+            <a:avLst/>
+          </a:prstGeom>
+          <a:ln w="12700">
+            <a:solidFill>
+              <a:schemeClr val="accent5">
+                <a:lumMod val="50000"/>
+              </a:schemeClr>
+            </a:solidFill>
+          </a:ln>
+        </p:spPr>
+        <p:style>
+          <a:lnRef idx="1">
+            <a:schemeClr val="accent1"/>
+          </a:lnRef>
+          <a:fillRef idx="0">
+            <a:schemeClr val="accent1"/>
+          </a:fillRef>
+          <a:effectRef idx="0">
+            <a:schemeClr val="accent1"/>
+          </a:effectRef>
+          <a:fontRef idx="minor">
+            <a:schemeClr val="tx1"/>
+          </a:fontRef>
+        </p:style>
+      </p:cxnSp>
+      <p:cxnSp>
+        <p:nvCxnSpPr>
+          <p:cNvPr id="53" name="Connecteur droit 52"/>
+          <p:cNvCxnSpPr/>
+          <p:nvPr/>
+        </p:nvCxnSpPr>
+        <p:spPr>
+          <a:xfrm>
+            <a:off x="2267744" y="768128"/>
+            <a:ext cx="884268" cy="0"/>
+          </a:xfrm>
+          <a:prstGeom prst="line">
+            <a:avLst/>
+          </a:prstGeom>
+          <a:ln w="12700">
+            <a:solidFill>
+              <a:schemeClr val="accent5">
+                <a:lumMod val="50000"/>
+              </a:schemeClr>
+            </a:solidFill>
+          </a:ln>
+        </p:spPr>
+        <p:style>
+          <a:lnRef idx="1">
+            <a:schemeClr val="accent1"/>
+          </a:lnRef>
+          <a:fillRef idx="0">
+            <a:schemeClr val="accent1"/>
+          </a:fillRef>
+          <a:effectRef idx="0">
+            <a:schemeClr val="accent1"/>
+          </a:effectRef>
+          <a:fontRef idx="minor">
+            <a:schemeClr val="tx1"/>
+          </a:fontRef>
+        </p:style>
+      </p:cxnSp>
+      <p:cxnSp>
+        <p:nvCxnSpPr>
+          <p:cNvPr id="54" name="Connecteur droit 53"/>
+          <p:cNvCxnSpPr/>
+          <p:nvPr/>
+        </p:nvCxnSpPr>
+        <p:spPr>
+          <a:xfrm flipV="1">
+            <a:off x="2267744" y="1988840"/>
+            <a:ext cx="0" cy="502816"/>
+          </a:xfrm>
+          <a:prstGeom prst="line">
+            <a:avLst/>
+          </a:prstGeom>
+          <a:ln w="12700">
+            <a:solidFill>
+              <a:schemeClr val="accent5">
+                <a:lumMod val="50000"/>
+              </a:schemeClr>
+            </a:solidFill>
+          </a:ln>
+        </p:spPr>
+        <p:style>
+          <a:lnRef idx="1">
+            <a:schemeClr val="accent1"/>
+          </a:lnRef>
+          <a:fillRef idx="0">
+            <a:schemeClr val="accent1"/>
+          </a:fillRef>
+          <a:effectRef idx="0">
+            <a:schemeClr val="accent1"/>
+          </a:effectRef>
+          <a:fontRef idx="minor">
+            <a:schemeClr val="tx1"/>
+          </a:fontRef>
+        </p:style>
+      </p:cxnSp>
+      <p:cxnSp>
+        <p:nvCxnSpPr>
+          <p:cNvPr id="55" name="Connecteur droit 54"/>
+          <p:cNvCxnSpPr/>
+          <p:nvPr/>
+        </p:nvCxnSpPr>
+        <p:spPr>
+          <a:xfrm>
+            <a:off x="2267743" y="2488730"/>
+            <a:ext cx="894582" cy="0"/>
+          </a:xfrm>
+          <a:prstGeom prst="line">
+            <a:avLst/>
+          </a:prstGeom>
+          <a:ln w="12700">
+            <a:solidFill>
+              <a:schemeClr val="accent5">
+                <a:lumMod val="50000"/>
+              </a:schemeClr>
+            </a:solidFill>
+          </a:ln>
+        </p:spPr>
+        <p:style>
+          <a:lnRef idx="1">
+            <a:schemeClr val="accent1"/>
+          </a:lnRef>
+          <a:fillRef idx="0">
+            <a:schemeClr val="accent1"/>
+          </a:fillRef>
+          <a:effectRef idx="0">
+            <a:schemeClr val="accent1"/>
+          </a:effectRef>
+          <a:fontRef idx="minor">
+            <a:schemeClr val="tx1"/>
+          </a:fontRef>
+        </p:style>
+      </p:cxnSp>
+      <p:cxnSp>
+        <p:nvCxnSpPr>
+          <p:cNvPr id="41" name="Connecteur droit 40"/>
+          <p:cNvCxnSpPr/>
+          <p:nvPr/>
+        </p:nvCxnSpPr>
+        <p:spPr>
+          <a:xfrm flipH="1">
+            <a:off x="2052247" y="1629941"/>
+            <a:ext cx="1440160" cy="620"/>
+          </a:xfrm>
+          <a:prstGeom prst="line">
+            <a:avLst/>
+          </a:prstGeom>
+          <a:ln w="6350">
+            <a:solidFill>
+              <a:schemeClr val="accent5">
+                <a:lumMod val="50000"/>
+              </a:schemeClr>
+            </a:solidFill>
+            <a:prstDash val="lgDashDot"/>
+          </a:ln>
+        </p:spPr>
+        <p:style>
+          <a:lnRef idx="1">
+            <a:schemeClr val="accent1"/>
+          </a:lnRef>
+          <a:fillRef idx="0">
+            <a:schemeClr val="accent1"/>
+          </a:fillRef>
+          <a:effectRef idx="0">
+            <a:schemeClr val="accent1"/>
+          </a:effectRef>
+          <a:fontRef idx="minor">
+            <a:schemeClr val="tx1"/>
+          </a:fontRef>
+        </p:style>
+      </p:cxnSp>
+      <p:cxnSp>
+        <p:nvCxnSpPr>
+          <p:cNvPr id="65" name="Connecteur droit 64"/>
+          <p:cNvCxnSpPr/>
+          <p:nvPr/>
+        </p:nvCxnSpPr>
+        <p:spPr>
+          <a:xfrm>
+            <a:off x="3059832" y="1270000"/>
+            <a:ext cx="0" cy="718840"/>
+          </a:xfrm>
+          <a:prstGeom prst="line">
+            <a:avLst/>
+          </a:prstGeom>
+          <a:ln w="6350">
+            <a:solidFill>
+              <a:schemeClr val="accent5">
+                <a:lumMod val="50000"/>
+              </a:schemeClr>
+            </a:solidFill>
+          </a:ln>
+        </p:spPr>
+        <p:style>
+          <a:lnRef idx="1">
+            <a:schemeClr val="accent1"/>
+          </a:lnRef>
+          <a:fillRef idx="0">
+            <a:schemeClr val="accent1"/>
+          </a:fillRef>
+          <a:effectRef idx="0">
+            <a:schemeClr val="accent1"/>
+          </a:effectRef>
+          <a:fontRef idx="minor">
+            <a:schemeClr val="tx1"/>
+          </a:fontRef>
+        </p:style>
+      </p:cxnSp>
+      <p:cxnSp>
+        <p:nvCxnSpPr>
+          <p:cNvPr id="73" name="Connecteur droit 72"/>
+          <p:cNvCxnSpPr/>
+          <p:nvPr/>
+        </p:nvCxnSpPr>
+        <p:spPr>
+          <a:xfrm flipV="1">
+            <a:off x="3059832" y="1303338"/>
+            <a:ext cx="52042" cy="0"/>
+          </a:xfrm>
+          <a:prstGeom prst="line">
+            <a:avLst/>
+          </a:prstGeom>
+          <a:ln w="6350">
+            <a:solidFill>
+              <a:schemeClr val="accent5">
+                <a:lumMod val="50000"/>
+              </a:schemeClr>
+            </a:solidFill>
+          </a:ln>
+        </p:spPr>
+        <p:style>
+          <a:lnRef idx="1">
+            <a:schemeClr val="accent1"/>
+          </a:lnRef>
+          <a:fillRef idx="0">
+            <a:schemeClr val="accent1"/>
+          </a:fillRef>
+          <a:effectRef idx="0">
+            <a:schemeClr val="accent1"/>
+          </a:effectRef>
+          <a:fontRef idx="minor">
+            <a:schemeClr val="tx1"/>
+          </a:fontRef>
+        </p:style>
+      </p:cxnSp>
+      <p:cxnSp>
+        <p:nvCxnSpPr>
+          <p:cNvPr id="78" name="Connecteur droit 77"/>
+          <p:cNvCxnSpPr/>
+          <p:nvPr/>
+        </p:nvCxnSpPr>
+        <p:spPr>
+          <a:xfrm flipV="1">
+            <a:off x="3111874" y="1267521"/>
+            <a:ext cx="1" cy="69154"/>
+          </a:xfrm>
+          <a:prstGeom prst="line">
+            <a:avLst/>
+          </a:prstGeom>
+          <a:ln w="12700">
+            <a:solidFill>
+              <a:schemeClr val="accent5">
+                <a:lumMod val="50000"/>
+              </a:schemeClr>
+            </a:solidFill>
+          </a:ln>
+        </p:spPr>
+        <p:style>
+          <a:lnRef idx="1">
+            <a:schemeClr val="accent1"/>
+          </a:lnRef>
+          <a:fillRef idx="0">
+            <a:schemeClr val="accent1"/>
+          </a:fillRef>
+          <a:effectRef idx="0">
+            <a:schemeClr val="accent1"/>
+          </a:effectRef>
+          <a:fontRef idx="minor">
+            <a:schemeClr val="tx1"/>
+          </a:fontRef>
+        </p:style>
+      </p:cxnSp>
+      <p:cxnSp>
+        <p:nvCxnSpPr>
+          <p:cNvPr id="89" name="Connecteur droit 88"/>
+          <p:cNvCxnSpPr/>
+          <p:nvPr/>
+        </p:nvCxnSpPr>
+        <p:spPr>
+          <a:xfrm flipH="1">
+            <a:off x="3111875" y="1336675"/>
+            <a:ext cx="337477" cy="0"/>
+          </a:xfrm>
+          <a:prstGeom prst="line">
+            <a:avLst/>
+          </a:prstGeom>
+          <a:ln w="12700">
+            <a:solidFill>
+              <a:schemeClr val="accent5">
+                <a:lumMod val="50000"/>
+              </a:schemeClr>
+            </a:solidFill>
+          </a:ln>
+        </p:spPr>
+        <p:style>
+          <a:lnRef idx="1">
+            <a:schemeClr val="accent1"/>
+          </a:lnRef>
+          <a:fillRef idx="0">
+            <a:schemeClr val="accent1"/>
+          </a:fillRef>
+          <a:effectRef idx="0">
+            <a:schemeClr val="accent1"/>
+          </a:effectRef>
+          <a:fontRef idx="minor">
+            <a:schemeClr val="tx1"/>
+          </a:fontRef>
+        </p:style>
+      </p:cxnSp>
+      <p:cxnSp>
+        <p:nvCxnSpPr>
+          <p:cNvPr id="93" name="Connecteur droit 92"/>
+          <p:cNvCxnSpPr/>
+          <p:nvPr/>
+        </p:nvCxnSpPr>
+        <p:spPr>
+          <a:xfrm>
+            <a:off x="3413352" y="1336675"/>
+            <a:ext cx="1" cy="652165"/>
+          </a:xfrm>
+          <a:prstGeom prst="line">
+            <a:avLst/>
+          </a:prstGeom>
+          <a:ln w="12700">
+            <a:solidFill>
+              <a:schemeClr val="accent5">
+                <a:lumMod val="50000"/>
+              </a:schemeClr>
+            </a:solidFill>
+          </a:ln>
+        </p:spPr>
+        <p:style>
+          <a:lnRef idx="1">
+            <a:schemeClr val="accent1"/>
+          </a:lnRef>
+          <a:fillRef idx="0">
+            <a:schemeClr val="accent1"/>
+          </a:fillRef>
+          <a:effectRef idx="0">
+            <a:schemeClr val="accent1"/>
+          </a:effectRef>
+          <a:fontRef idx="minor">
+            <a:schemeClr val="tx1"/>
+          </a:fontRef>
+        </p:style>
+      </p:cxnSp>
+      <p:cxnSp>
+        <p:nvCxnSpPr>
+          <p:cNvPr id="98" name="Connecteur droit 97"/>
+          <p:cNvCxnSpPr/>
+          <p:nvPr/>
+        </p:nvCxnSpPr>
+        <p:spPr>
+          <a:xfrm flipV="1">
+            <a:off x="3413323" y="1952840"/>
+            <a:ext cx="36000" cy="36000"/>
+          </a:xfrm>
+          <a:prstGeom prst="line">
+            <a:avLst/>
+          </a:prstGeom>
+          <a:ln w="12700">
+            <a:solidFill>
+              <a:schemeClr val="accent5">
+                <a:lumMod val="50000"/>
+              </a:schemeClr>
+            </a:solidFill>
+          </a:ln>
+        </p:spPr>
+        <p:style>
+          <a:lnRef idx="1">
+            <a:schemeClr val="accent1"/>
+          </a:lnRef>
+          <a:fillRef idx="0">
+            <a:schemeClr val="accent1"/>
+          </a:fillRef>
+          <a:effectRef idx="0">
+            <a:schemeClr val="accent1"/>
+          </a:effectRef>
+          <a:fontRef idx="minor">
+            <a:schemeClr val="tx1"/>
+          </a:fontRef>
+        </p:style>
+      </p:cxnSp>
+      <p:cxnSp>
+        <p:nvCxnSpPr>
+          <p:cNvPr id="100" name="Connecteur droit 99"/>
+          <p:cNvCxnSpPr/>
+          <p:nvPr/>
+        </p:nvCxnSpPr>
+        <p:spPr>
+          <a:xfrm>
+            <a:off x="3449323" y="1302098"/>
+            <a:ext cx="29" cy="650742"/>
+          </a:xfrm>
+          <a:prstGeom prst="line">
+            <a:avLst/>
+          </a:prstGeom>
+          <a:ln w="12700">
+            <a:solidFill>
+              <a:schemeClr val="accent5">
+                <a:lumMod val="50000"/>
+              </a:schemeClr>
+            </a:solidFill>
+          </a:ln>
+        </p:spPr>
+        <p:style>
+          <a:lnRef idx="1">
+            <a:schemeClr val="accent1"/>
+          </a:lnRef>
+          <a:fillRef idx="0">
+            <a:schemeClr val="accent1"/>
+          </a:fillRef>
+          <a:effectRef idx="0">
+            <a:schemeClr val="accent1"/>
+          </a:effectRef>
+          <a:fontRef idx="minor">
+            <a:schemeClr val="tx1"/>
+          </a:fontRef>
+        </p:style>
+      </p:cxnSp>
+      <p:cxnSp>
+        <p:nvCxnSpPr>
+          <p:cNvPr id="106" name="Connecteur droit 105"/>
+          <p:cNvCxnSpPr/>
+          <p:nvPr/>
+        </p:nvCxnSpPr>
+        <p:spPr>
+          <a:xfrm>
+            <a:off x="3059832" y="1952840"/>
+            <a:ext cx="389491" cy="0"/>
+          </a:xfrm>
+          <a:prstGeom prst="line">
+            <a:avLst/>
+          </a:prstGeom>
+          <a:ln w="6350">
+            <a:solidFill>
+              <a:schemeClr val="accent5">
+                <a:lumMod val="50000"/>
+              </a:schemeClr>
+            </a:solidFill>
+          </a:ln>
+        </p:spPr>
+        <p:style>
+          <a:lnRef idx="1">
+            <a:schemeClr val="accent1"/>
+          </a:lnRef>
+          <a:fillRef idx="0">
+            <a:schemeClr val="accent1"/>
+          </a:fillRef>
+          <a:effectRef idx="0">
+            <a:schemeClr val="accent1"/>
+          </a:effectRef>
+          <a:fontRef idx="minor">
+            <a:schemeClr val="tx1"/>
+          </a:fontRef>
+        </p:style>
+      </p:cxnSp>
+      <p:cxnSp>
+        <p:nvCxnSpPr>
+          <p:cNvPr id="111" name="Connecteur droit 110"/>
+          <p:cNvCxnSpPr/>
+          <p:nvPr/>
+        </p:nvCxnSpPr>
+        <p:spPr>
+          <a:xfrm flipH="1">
+            <a:off x="3152011" y="1088740"/>
+            <a:ext cx="36505" cy="99380"/>
+          </a:xfrm>
+          <a:prstGeom prst="line">
+            <a:avLst/>
+          </a:prstGeom>
+          <a:ln w="12700">
+            <a:solidFill>
+              <a:schemeClr val="accent5">
+                <a:lumMod val="50000"/>
+              </a:schemeClr>
+            </a:solidFill>
+          </a:ln>
+        </p:spPr>
+        <p:style>
+          <a:lnRef idx="1">
+            <a:schemeClr val="accent1"/>
+          </a:lnRef>
+          <a:fillRef idx="0">
+            <a:schemeClr val="accent1"/>
+          </a:fillRef>
+          <a:effectRef idx="0">
+            <a:schemeClr val="accent1"/>
+          </a:effectRef>
+          <a:fontRef idx="minor">
+            <a:schemeClr val="tx1"/>
+          </a:fontRef>
+        </p:style>
+      </p:cxnSp>
+      <p:cxnSp>
+        <p:nvCxnSpPr>
+          <p:cNvPr id="116" name="Connecteur droit 115"/>
+          <p:cNvCxnSpPr/>
+          <p:nvPr/>
+        </p:nvCxnSpPr>
+        <p:spPr>
+          <a:xfrm flipH="1">
+            <a:off x="3197731" y="1188120"/>
+            <a:ext cx="25021" cy="0"/>
+          </a:xfrm>
+          <a:prstGeom prst="line">
+            <a:avLst/>
+          </a:prstGeom>
+          <a:ln w="12700">
+            <a:solidFill>
+              <a:schemeClr val="accent5">
+                <a:lumMod val="50000"/>
+              </a:schemeClr>
+            </a:solidFill>
+          </a:ln>
+        </p:spPr>
+        <p:style>
+          <a:lnRef idx="1">
+            <a:schemeClr val="accent1"/>
+          </a:lnRef>
+          <a:fillRef idx="0">
+            <a:schemeClr val="accent1"/>
+          </a:fillRef>
+          <a:effectRef idx="0">
+            <a:schemeClr val="accent1"/>
+          </a:effectRef>
+          <a:fontRef idx="minor">
+            <a:schemeClr val="tx1"/>
+          </a:fontRef>
+        </p:style>
+      </p:cxnSp>
+      <p:cxnSp>
+        <p:nvCxnSpPr>
+          <p:cNvPr id="117" name="Connecteur droit 116"/>
+          <p:cNvCxnSpPr/>
+          <p:nvPr/>
+        </p:nvCxnSpPr>
+        <p:spPr>
+          <a:xfrm flipH="1">
+            <a:off x="3196897" y="1156432"/>
+            <a:ext cx="77903" cy="31688"/>
+          </a:xfrm>
+          <a:prstGeom prst="line">
+            <a:avLst/>
+          </a:prstGeom>
+          <a:ln w="12700">
+            <a:solidFill>
+              <a:schemeClr val="accent5">
+                <a:lumMod val="50000"/>
+              </a:schemeClr>
+            </a:solidFill>
+          </a:ln>
+        </p:spPr>
+        <p:style>
+          <a:lnRef idx="1">
+            <a:schemeClr val="accent1"/>
+          </a:lnRef>
+          <a:fillRef idx="0">
+            <a:schemeClr val="accent1"/>
+          </a:fillRef>
+          <a:effectRef idx="0">
+            <a:schemeClr val="accent1"/>
+          </a:effectRef>
+          <a:fontRef idx="minor">
+            <a:schemeClr val="tx1"/>
+          </a:fontRef>
+        </p:style>
+      </p:cxnSp>
+      <p:cxnSp>
+        <p:nvCxnSpPr>
+          <p:cNvPr id="120" name="Connecteur droit 119"/>
+          <p:cNvCxnSpPr/>
+          <p:nvPr/>
+        </p:nvCxnSpPr>
+        <p:spPr>
+          <a:xfrm flipV="1">
+            <a:off x="3290611" y="1120687"/>
+            <a:ext cx="0" cy="66355"/>
+          </a:xfrm>
+          <a:prstGeom prst="line">
+            <a:avLst/>
+          </a:prstGeom>
+          <a:ln w="12700">
+            <a:solidFill>
+              <a:schemeClr val="accent5">
+                <a:lumMod val="50000"/>
+              </a:schemeClr>
+            </a:solidFill>
+          </a:ln>
+        </p:spPr>
+        <p:style>
+          <a:lnRef idx="1">
+            <a:schemeClr val="accent1"/>
+          </a:lnRef>
+          <a:fillRef idx="0">
+            <a:schemeClr val="accent1"/>
+          </a:fillRef>
+          <a:effectRef idx="0">
+            <a:schemeClr val="accent1"/>
+          </a:effectRef>
+          <a:fontRef idx="minor">
+            <a:schemeClr val="tx1"/>
+          </a:fontRef>
+        </p:style>
+      </p:cxnSp>
+      <p:cxnSp>
+        <p:nvCxnSpPr>
+          <p:cNvPr id="127" name="Connecteur droit 126"/>
+          <p:cNvCxnSpPr/>
+          <p:nvPr/>
+        </p:nvCxnSpPr>
+        <p:spPr>
+          <a:xfrm flipH="1">
+            <a:off x="3186247" y="1133786"/>
+            <a:ext cx="77903" cy="31688"/>
+          </a:xfrm>
+          <a:prstGeom prst="line">
+            <a:avLst/>
+          </a:prstGeom>
+          <a:ln w="12700">
+            <a:solidFill>
+              <a:schemeClr val="accent5">
+                <a:lumMod val="50000"/>
+              </a:schemeClr>
+            </a:solidFill>
+          </a:ln>
+        </p:spPr>
+        <p:style>
+          <a:lnRef idx="1">
+            <a:schemeClr val="accent1"/>
+          </a:lnRef>
+          <a:fillRef idx="0">
+            <a:schemeClr val="accent1"/>
+          </a:fillRef>
+          <a:effectRef idx="0">
+            <a:schemeClr val="accent1"/>
+          </a:effectRef>
+          <a:fontRef idx="minor">
+            <a:schemeClr val="tx1"/>
+          </a:fontRef>
+        </p:style>
+      </p:cxnSp>
+      <p:cxnSp>
+        <p:nvCxnSpPr>
+          <p:cNvPr id="128" name="Connecteur droit 127"/>
+          <p:cNvCxnSpPr/>
+          <p:nvPr/>
+        </p:nvCxnSpPr>
+        <p:spPr>
+          <a:xfrm flipH="1" flipV="1">
+            <a:off x="3259388" y="1136167"/>
+            <a:ext cx="11706" cy="22646"/>
+          </a:xfrm>
+          <a:prstGeom prst="line">
+            <a:avLst/>
+          </a:prstGeom>
+          <a:ln w="12700">
+            <a:solidFill>
+              <a:schemeClr val="accent5">
+                <a:lumMod val="50000"/>
+              </a:schemeClr>
+            </a:solidFill>
+          </a:ln>
+        </p:spPr>
+        <p:style>
+          <a:lnRef idx="1">
+            <a:schemeClr val="accent1"/>
+          </a:lnRef>
+          <a:fillRef idx="0">
+            <a:schemeClr val="accent1"/>
+          </a:fillRef>
+          <a:effectRef idx="0">
+            <a:schemeClr val="accent1"/>
+          </a:effectRef>
+          <a:fontRef idx="minor">
+            <a:schemeClr val="tx1"/>
+          </a:fontRef>
+        </p:style>
+      </p:cxnSp>
+      <p:cxnSp>
+        <p:nvCxnSpPr>
+          <p:cNvPr id="132" name="Connecteur droit 131"/>
+          <p:cNvCxnSpPr/>
+          <p:nvPr/>
+        </p:nvCxnSpPr>
+        <p:spPr>
+          <a:xfrm flipV="1">
+            <a:off x="3152011" y="1188120"/>
+            <a:ext cx="0" cy="142776"/>
+          </a:xfrm>
+          <a:prstGeom prst="line">
+            <a:avLst/>
+          </a:prstGeom>
+          <a:ln w="12700">
+            <a:solidFill>
+              <a:schemeClr val="accent5">
+                <a:lumMod val="50000"/>
+              </a:schemeClr>
+            </a:solidFill>
+          </a:ln>
+        </p:spPr>
+        <p:style>
+          <a:lnRef idx="1">
+            <a:schemeClr val="accent1"/>
+          </a:lnRef>
+          <a:fillRef idx="0">
+            <a:schemeClr val="accent1"/>
+          </a:fillRef>
+          <a:effectRef idx="0">
+            <a:schemeClr val="accent1"/>
+          </a:effectRef>
+          <a:fontRef idx="minor">
+            <a:schemeClr val="tx1"/>
+          </a:fontRef>
+        </p:style>
+      </p:cxnSp>
+      <p:cxnSp>
+        <p:nvCxnSpPr>
+          <p:cNvPr id="136" name="Connecteur droit 135"/>
+          <p:cNvCxnSpPr/>
+          <p:nvPr/>
+        </p:nvCxnSpPr>
+        <p:spPr>
+          <a:xfrm flipV="1">
+            <a:off x="3188516" y="1187852"/>
+            <a:ext cx="0" cy="142776"/>
+          </a:xfrm>
+          <a:prstGeom prst="line">
+            <a:avLst/>
+          </a:prstGeom>
+          <a:ln w="12700">
+            <a:solidFill>
+              <a:schemeClr val="accent5">
+                <a:lumMod val="50000"/>
+              </a:schemeClr>
+            </a:solidFill>
+          </a:ln>
+        </p:spPr>
+        <p:style>
+          <a:lnRef idx="1">
+            <a:schemeClr val="accent1"/>
+          </a:lnRef>
+          <a:fillRef idx="0">
+            <a:schemeClr val="accent1"/>
+          </a:fillRef>
+          <a:effectRef idx="0">
+            <a:schemeClr val="accent1"/>
+          </a:effectRef>
+          <a:fontRef idx="minor">
+            <a:schemeClr val="tx1"/>
+          </a:fontRef>
+        </p:style>
+      </p:cxnSp>
+      <p:cxnSp>
+        <p:nvCxnSpPr>
+          <p:cNvPr id="139" name="Connecteur droit 138"/>
+          <p:cNvCxnSpPr/>
+          <p:nvPr/>
+        </p:nvCxnSpPr>
+        <p:spPr>
+          <a:xfrm flipH="1">
+            <a:off x="3188516" y="1085071"/>
+            <a:ext cx="29581" cy="82528"/>
+          </a:xfrm>
+          <a:prstGeom prst="line">
+            <a:avLst/>
+          </a:prstGeom>
+          <a:ln w="12700">
+            <a:solidFill>
+              <a:schemeClr val="accent5">
+                <a:lumMod val="50000"/>
+              </a:schemeClr>
+            </a:solidFill>
+          </a:ln>
+        </p:spPr>
+        <p:style>
+          <a:lnRef idx="1">
+            <a:schemeClr val="accent1"/>
+          </a:lnRef>
+          <a:fillRef idx="0">
+            <a:schemeClr val="accent1"/>
+          </a:fillRef>
+          <a:effectRef idx="0">
+            <a:schemeClr val="accent1"/>
+          </a:effectRef>
+          <a:fontRef idx="minor">
+            <a:schemeClr val="tx1"/>
+          </a:fontRef>
+        </p:style>
+      </p:cxnSp>
+      <p:cxnSp>
+        <p:nvCxnSpPr>
+          <p:cNvPr id="141" name="Connecteur droit 140"/>
+          <p:cNvCxnSpPr/>
+          <p:nvPr/>
+        </p:nvCxnSpPr>
+        <p:spPr>
+          <a:xfrm flipH="1">
+            <a:off x="3186024" y="1088740"/>
+            <a:ext cx="27466" cy="0"/>
+          </a:xfrm>
+          <a:prstGeom prst="line">
+            <a:avLst/>
+          </a:prstGeom>
+          <a:ln w="12700">
+            <a:solidFill>
+              <a:schemeClr val="accent5">
+                <a:lumMod val="50000"/>
+              </a:schemeClr>
+            </a:solidFill>
+          </a:ln>
+        </p:spPr>
+        <p:style>
+          <a:lnRef idx="1">
+            <a:schemeClr val="accent1"/>
+          </a:lnRef>
+          <a:fillRef idx="0">
+            <a:schemeClr val="accent1"/>
+          </a:fillRef>
+          <a:effectRef idx="0">
+            <a:schemeClr val="accent1"/>
+          </a:effectRef>
+          <a:fontRef idx="minor">
+            <a:schemeClr val="tx1"/>
+          </a:fontRef>
+        </p:style>
+      </p:cxnSp>
+      <p:cxnSp>
+        <p:nvCxnSpPr>
+          <p:cNvPr id="145" name="Connecteur droit 144"/>
+          <p:cNvCxnSpPr/>
+          <p:nvPr/>
+        </p:nvCxnSpPr>
+        <p:spPr>
+          <a:xfrm flipH="1">
+            <a:off x="3280818" y="1271190"/>
+            <a:ext cx="132535" cy="0"/>
+          </a:xfrm>
+          <a:prstGeom prst="line">
+            <a:avLst/>
+          </a:prstGeom>
+          <a:ln w="12700">
+            <a:solidFill>
+              <a:schemeClr val="accent5">
+                <a:lumMod val="50000"/>
+              </a:schemeClr>
+            </a:solidFill>
+          </a:ln>
+        </p:spPr>
+        <p:style>
+          <a:lnRef idx="1">
+            <a:schemeClr val="accent1"/>
+          </a:lnRef>
+          <a:fillRef idx="0">
+            <a:schemeClr val="accent1"/>
+          </a:fillRef>
+          <a:effectRef idx="0">
+            <a:schemeClr val="accent1"/>
+          </a:effectRef>
+          <a:fontRef idx="minor">
+            <a:schemeClr val="tx1"/>
+          </a:fontRef>
+        </p:style>
+      </p:cxnSp>
+      <p:cxnSp>
+        <p:nvCxnSpPr>
+          <p:cNvPr id="151" name="Connecteur droit 150"/>
+          <p:cNvCxnSpPr/>
+          <p:nvPr/>
+        </p:nvCxnSpPr>
+        <p:spPr>
+          <a:xfrm>
+            <a:off x="3205634" y="1120687"/>
+            <a:ext cx="84977" cy="0"/>
+          </a:xfrm>
+          <a:prstGeom prst="line">
+            <a:avLst/>
+          </a:prstGeom>
+          <a:ln w="12700">
+            <a:solidFill>
+              <a:schemeClr val="accent5">
+                <a:lumMod val="50000"/>
+              </a:schemeClr>
+            </a:solidFill>
+          </a:ln>
+        </p:spPr>
+        <p:style>
+          <a:lnRef idx="1">
+            <a:schemeClr val="accent1"/>
+          </a:lnRef>
+          <a:fillRef idx="0">
+            <a:schemeClr val="accent1"/>
+          </a:fillRef>
+          <a:effectRef idx="0">
+            <a:schemeClr val="accent1"/>
+          </a:effectRef>
+          <a:fontRef idx="minor">
+            <a:schemeClr val="tx1"/>
+          </a:fontRef>
+        </p:style>
+      </p:cxnSp>
+      <p:sp>
+        <p:nvSpPr>
+          <p:cNvPr id="156" name="Rectangle 155"/>
+          <p:cNvSpPr/>
+          <p:nvPr/>
+        </p:nvSpPr>
+        <p:spPr>
+          <a:xfrm rot="3993707" flipH="1">
+            <a:off x="3215313" y="1129275"/>
+            <a:ext cx="18000" cy="72000"/>
+          </a:xfrm>
+          <a:prstGeom prst="rect">
+            <a:avLst/>
+          </a:prstGeom>
+          <a:pattFill prst="ltUpDiag">
+            <a:fgClr>
+              <a:schemeClr val="accent5">
+                <a:lumMod val="50000"/>
+              </a:schemeClr>
+            </a:fgClr>
+            <a:bgClr>
+              <a:schemeClr val="bg1"/>
+            </a:bgClr>
+          </a:pattFill>
+          <a:ln w="12700">
+            <a:noFill/>
+          </a:ln>
+        </p:spPr>
+        <p:style>
+          <a:lnRef idx="1">
+            <a:schemeClr val="accent1"/>
+          </a:lnRef>
+          <a:fillRef idx="0">
+            <a:schemeClr val="accent1"/>
+          </a:fillRef>
+          <a:effectRef idx="0">
+            <a:schemeClr val="accent1"/>
+          </a:effectRef>
+          <a:fontRef idx="minor">
+            <a:schemeClr val="tx1"/>
+          </a:fontRef>
+        </p:style>
+        <p:txBody>
+          <a:bodyPr rtlCol="0" anchor="ctr"/>
+          <a:lstStyle/>
+          <a:p>
+            <a:pPr algn="ctr"/>
+            <a:endParaRPr lang="fr-FR"/>
+          </a:p>
+        </p:txBody>
+      </p:sp>
+      <p:cxnSp>
+        <p:nvCxnSpPr>
+          <p:cNvPr id="175" name="Connecteur droit 174"/>
+          <p:cNvCxnSpPr/>
+          <p:nvPr/>
+        </p:nvCxnSpPr>
+        <p:spPr>
+          <a:xfrm flipH="1" flipV="1">
+            <a:off x="3162325" y="1167656"/>
+            <a:ext cx="27812" cy="0"/>
+          </a:xfrm>
+          <a:prstGeom prst="line">
+            <a:avLst/>
+          </a:prstGeom>
+          <a:ln w="12700">
+            <a:solidFill>
+              <a:schemeClr val="accent5">
+                <a:lumMod val="50000"/>
+              </a:schemeClr>
+            </a:solidFill>
+          </a:ln>
+        </p:spPr>
+        <p:style>
+          <a:lnRef idx="1">
+            <a:schemeClr val="accent1"/>
+          </a:lnRef>
+          <a:fillRef idx="0">
+            <a:schemeClr val="accent1"/>
+          </a:fillRef>
+          <a:effectRef idx="0">
+            <a:schemeClr val="accent1"/>
+          </a:effectRef>
+          <a:fontRef idx="minor">
+            <a:schemeClr val="tx1"/>
+          </a:fontRef>
+        </p:style>
+      </p:cxnSp>
+      <p:sp>
+        <p:nvSpPr>
+          <p:cNvPr id="125" name="Rectangle 124"/>
+          <p:cNvSpPr/>
+          <p:nvPr/>
+        </p:nvSpPr>
+        <p:spPr>
+          <a:xfrm>
+            <a:off x="3187373" y="1188119"/>
+            <a:ext cx="108000" cy="83071"/>
+          </a:xfrm>
+          <a:prstGeom prst="rect">
+            <a:avLst/>
+          </a:prstGeom>
+          <a:pattFill prst="ltDnDiag">
+            <a:fgClr>
+              <a:schemeClr val="accent5">
+                <a:lumMod val="50000"/>
+              </a:schemeClr>
+            </a:fgClr>
+            <a:bgClr>
+              <a:schemeClr val="bg1"/>
+            </a:bgClr>
+          </a:pattFill>
+          <a:ln w="12700">
+            <a:solidFill>
+              <a:schemeClr val="accent5">
+                <a:lumMod val="50000"/>
+              </a:schemeClr>
+            </a:solidFill>
+          </a:ln>
+        </p:spPr>
+        <p:style>
+          <a:lnRef idx="1">
+            <a:schemeClr val="accent1"/>
+          </a:lnRef>
+          <a:fillRef idx="0">
+            <a:schemeClr val="accent1"/>
+          </a:fillRef>
+          <a:effectRef idx="0">
+            <a:schemeClr val="accent1"/>
+          </a:effectRef>
+          <a:fontRef idx="minor">
+            <a:schemeClr val="tx1"/>
+          </a:fontRef>
+        </p:style>
+        <p:txBody>
+          <a:bodyPr rtlCol="0" anchor="ctr"/>
+          <a:lstStyle/>
+          <a:p>
+            <a:pPr algn="ctr"/>
+            <a:endParaRPr lang="fr-FR"/>
+          </a:p>
+        </p:txBody>
+      </p:sp>
+      <p:cxnSp>
+        <p:nvCxnSpPr>
+          <p:cNvPr id="176" name="Connecteur droit 175"/>
+          <p:cNvCxnSpPr/>
+          <p:nvPr/>
+        </p:nvCxnSpPr>
+        <p:spPr>
+          <a:xfrm flipV="1">
+            <a:off x="3158131" y="1985914"/>
+            <a:ext cx="0" cy="502816"/>
+          </a:xfrm>
+          <a:prstGeom prst="line">
+            <a:avLst/>
+          </a:prstGeom>
+          <a:ln w="12700">
+            <a:solidFill>
+              <a:schemeClr val="accent5">
+                <a:lumMod val="50000"/>
+              </a:schemeClr>
+            </a:solidFill>
+          </a:ln>
+        </p:spPr>
+        <p:style>
+          <a:lnRef idx="1">
+            <a:schemeClr val="accent1"/>
+          </a:lnRef>
+          <a:fillRef idx="0">
+            <a:schemeClr val="accent1"/>
+          </a:fillRef>
+          <a:effectRef idx="0">
+            <a:schemeClr val="accent1"/>
+          </a:effectRef>
+          <a:fontRef idx="minor">
+            <a:schemeClr val="tx1"/>
+          </a:fontRef>
+        </p:style>
+      </p:cxnSp>
+      <p:cxnSp>
+        <p:nvCxnSpPr>
+          <p:cNvPr id="179" name="Connecteur droit 178"/>
+          <p:cNvCxnSpPr/>
+          <p:nvPr/>
+        </p:nvCxnSpPr>
+        <p:spPr>
+          <a:xfrm flipH="1" flipV="1">
+            <a:off x="3159867" y="2071889"/>
+            <a:ext cx="37865" cy="96971"/>
+          </a:xfrm>
+          <a:prstGeom prst="line">
+            <a:avLst/>
+          </a:prstGeom>
+          <a:ln w="12700">
+            <a:solidFill>
+              <a:schemeClr val="accent5">
+                <a:lumMod val="50000"/>
+              </a:schemeClr>
+            </a:solidFill>
+          </a:ln>
+        </p:spPr>
+        <p:style>
+          <a:lnRef idx="1">
+            <a:schemeClr val="accent1"/>
+          </a:lnRef>
+          <a:fillRef idx="0">
+            <a:schemeClr val="accent1"/>
+          </a:fillRef>
+          <a:effectRef idx="0">
+            <a:schemeClr val="accent1"/>
+          </a:effectRef>
+          <a:fontRef idx="minor">
+            <a:schemeClr val="tx1"/>
+          </a:fontRef>
+        </p:style>
+      </p:cxnSp>
+      <p:cxnSp>
+        <p:nvCxnSpPr>
+          <p:cNvPr id="180" name="Connecteur droit 179"/>
+          <p:cNvCxnSpPr/>
+          <p:nvPr/>
+        </p:nvCxnSpPr>
+        <p:spPr>
+          <a:xfrm flipH="1" flipV="1">
+            <a:off x="3205587" y="2071888"/>
+            <a:ext cx="25021" cy="0"/>
+          </a:xfrm>
+          <a:prstGeom prst="line">
+            <a:avLst/>
+          </a:prstGeom>
+          <a:ln w="12700">
+            <a:solidFill>
+              <a:schemeClr val="accent5">
+                <a:lumMod val="50000"/>
+              </a:schemeClr>
+            </a:solidFill>
+          </a:ln>
+        </p:spPr>
+        <p:style>
+          <a:lnRef idx="1">
+            <a:schemeClr val="accent1"/>
+          </a:lnRef>
+          <a:fillRef idx="0">
+            <a:schemeClr val="accent1"/>
+          </a:fillRef>
+          <a:effectRef idx="0">
+            <a:schemeClr val="accent1"/>
+          </a:effectRef>
+          <a:fontRef idx="minor">
+            <a:schemeClr val="tx1"/>
+          </a:fontRef>
+        </p:style>
+      </p:cxnSp>
+      <p:cxnSp>
+        <p:nvCxnSpPr>
+          <p:cNvPr id="182" name="Connecteur droit 181"/>
+          <p:cNvCxnSpPr/>
+          <p:nvPr/>
+        </p:nvCxnSpPr>
+        <p:spPr>
+          <a:xfrm>
+            <a:off x="3298467" y="2072966"/>
+            <a:ext cx="0" cy="66355"/>
+          </a:xfrm>
+          <a:prstGeom prst="line">
+            <a:avLst/>
+          </a:prstGeom>
+          <a:ln w="12700">
+            <a:solidFill>
+              <a:schemeClr val="accent5">
+                <a:lumMod val="50000"/>
+              </a:schemeClr>
+            </a:solidFill>
+          </a:ln>
+        </p:spPr>
+        <p:style>
+          <a:lnRef idx="1">
+            <a:schemeClr val="accent1"/>
+          </a:lnRef>
+          <a:fillRef idx="0">
+            <a:schemeClr val="accent1"/>
+          </a:fillRef>
+          <a:effectRef idx="0">
+            <a:schemeClr val="accent1"/>
+          </a:effectRef>
+          <a:fontRef idx="minor">
+            <a:schemeClr val="tx1"/>
+          </a:fontRef>
+        </p:style>
+      </p:cxnSp>
+      <p:cxnSp>
+        <p:nvCxnSpPr>
+          <p:cNvPr id="187" name="Connecteur droit 186"/>
+          <p:cNvCxnSpPr/>
+          <p:nvPr/>
+        </p:nvCxnSpPr>
+        <p:spPr>
+          <a:xfrm flipH="1" flipV="1">
+            <a:off x="3192934" y="2068093"/>
+            <a:ext cx="32264" cy="100767"/>
+          </a:xfrm>
+          <a:prstGeom prst="line">
+            <a:avLst/>
+          </a:prstGeom>
+          <a:ln w="12700">
+            <a:solidFill>
+              <a:schemeClr val="accent5">
+                <a:lumMod val="50000"/>
+              </a:schemeClr>
+            </a:solidFill>
+          </a:ln>
+        </p:spPr>
+        <p:style>
+          <a:lnRef idx="1">
+            <a:schemeClr val="accent1"/>
+          </a:lnRef>
+          <a:fillRef idx="0">
+            <a:schemeClr val="accent1"/>
+          </a:fillRef>
+          <a:effectRef idx="0">
+            <a:schemeClr val="accent1"/>
+          </a:effectRef>
+          <a:fontRef idx="minor">
+            <a:schemeClr val="tx1"/>
+          </a:fontRef>
+        </p:style>
+      </p:cxnSp>
+      <p:cxnSp>
+        <p:nvCxnSpPr>
+          <p:cNvPr id="188" name="Connecteur droit 187"/>
+          <p:cNvCxnSpPr/>
+          <p:nvPr/>
+        </p:nvCxnSpPr>
+        <p:spPr>
+          <a:xfrm flipH="1" flipV="1">
+            <a:off x="3193735" y="2164343"/>
+            <a:ext cx="27466" cy="0"/>
+          </a:xfrm>
+          <a:prstGeom prst="line">
+            <a:avLst/>
+          </a:prstGeom>
+          <a:ln w="12700">
+            <a:solidFill>
+              <a:schemeClr val="accent5">
+                <a:lumMod val="50000"/>
+              </a:schemeClr>
+            </a:solidFill>
+          </a:ln>
+        </p:spPr>
+        <p:style>
+          <a:lnRef idx="1">
+            <a:schemeClr val="accent1"/>
+          </a:lnRef>
+          <a:fillRef idx="0">
+            <a:schemeClr val="accent1"/>
+          </a:fillRef>
+          <a:effectRef idx="0">
+            <a:schemeClr val="accent1"/>
+          </a:effectRef>
+          <a:fontRef idx="minor">
+            <a:schemeClr val="tx1"/>
+          </a:fontRef>
+        </p:style>
+      </p:cxnSp>
+      <p:cxnSp>
+        <p:nvCxnSpPr>
+          <p:cNvPr id="190" name="Connecteur droit 189"/>
+          <p:cNvCxnSpPr/>
+          <p:nvPr/>
+        </p:nvCxnSpPr>
+        <p:spPr>
+          <a:xfrm flipV="1">
+            <a:off x="3213490" y="2139321"/>
+            <a:ext cx="84977" cy="0"/>
+          </a:xfrm>
+          <a:prstGeom prst="line">
+            <a:avLst/>
+          </a:prstGeom>
+          <a:ln w="12700">
+            <a:solidFill>
+              <a:schemeClr val="accent5">
+                <a:lumMod val="50000"/>
+              </a:schemeClr>
+            </a:solidFill>
+          </a:ln>
+        </p:spPr>
+        <p:style>
+          <a:lnRef idx="1">
+            <a:schemeClr val="accent1"/>
+          </a:lnRef>
+          <a:fillRef idx="0">
+            <a:schemeClr val="accent1"/>
+          </a:fillRef>
+          <a:effectRef idx="0">
+            <a:schemeClr val="accent1"/>
+          </a:effectRef>
+          <a:fontRef idx="minor">
+            <a:schemeClr val="tx1"/>
+          </a:fontRef>
+        </p:style>
+      </p:cxnSp>
+      <p:sp>
+        <p:nvSpPr>
+          <p:cNvPr id="193" name="Rectangle 192"/>
+          <p:cNvSpPr/>
+          <p:nvPr/>
+        </p:nvSpPr>
+        <p:spPr>
+          <a:xfrm flipV="1">
+            <a:off x="3195229" y="1988816"/>
+            <a:ext cx="103238" cy="83071"/>
+          </a:xfrm>
+          <a:prstGeom prst="rect">
+            <a:avLst/>
+          </a:prstGeom>
+          <a:pattFill prst="ltDnDiag">
+            <a:fgClr>
+              <a:schemeClr val="accent5">
+                <a:lumMod val="50000"/>
+              </a:schemeClr>
+            </a:fgClr>
+            <a:bgClr>
+              <a:schemeClr val="bg1"/>
+            </a:bgClr>
+          </a:pattFill>
+          <a:ln w="12700">
+            <a:solidFill>
+              <a:schemeClr val="accent5">
+                <a:lumMod val="50000"/>
+              </a:schemeClr>
+            </a:solidFill>
+          </a:ln>
+        </p:spPr>
+        <p:style>
+          <a:lnRef idx="1">
+            <a:schemeClr val="accent1"/>
+          </a:lnRef>
+          <a:fillRef idx="0">
+            <a:schemeClr val="accent1"/>
+          </a:fillRef>
+          <a:effectRef idx="0">
+            <a:schemeClr val="accent1"/>
+          </a:effectRef>
+          <a:fontRef idx="minor">
+            <a:schemeClr val="tx1"/>
+          </a:fontRef>
+        </p:style>
+        <p:txBody>
+          <a:bodyPr rtlCol="0" anchor="ctr"/>
+          <a:lstStyle/>
+          <a:p>
+            <a:pPr algn="ctr"/>
+            <a:endParaRPr lang="fr-FR"/>
+          </a:p>
+        </p:txBody>
+      </p:sp>
+      <p:cxnSp>
+        <p:nvCxnSpPr>
+          <p:cNvPr id="57" name="Connecteur droit 56"/>
+          <p:cNvCxnSpPr/>
+          <p:nvPr/>
+        </p:nvCxnSpPr>
+        <p:spPr>
+          <a:xfrm>
+            <a:off x="2268799" y="1988840"/>
+            <a:ext cx="1144554" cy="0"/>
+          </a:xfrm>
+          <a:prstGeom prst="line">
+            <a:avLst/>
+          </a:prstGeom>
+          <a:ln w="12700">
+            <a:solidFill>
+              <a:schemeClr val="accent5">
+                <a:lumMod val="50000"/>
+              </a:schemeClr>
+            </a:solidFill>
+          </a:ln>
+        </p:spPr>
+        <p:style>
+          <a:lnRef idx="1">
+            <a:schemeClr val="accent1"/>
+          </a:lnRef>
+          <a:fillRef idx="0">
+            <a:schemeClr val="accent1"/>
+          </a:fillRef>
+          <a:effectRef idx="0">
+            <a:schemeClr val="accent1"/>
+          </a:effectRef>
+          <a:fontRef idx="minor">
+            <a:schemeClr val="tx1"/>
+          </a:fontRef>
+        </p:style>
+      </p:cxnSp>
+      <p:cxnSp>
+        <p:nvCxnSpPr>
+          <p:cNvPr id="197" name="Connecteur droit 196"/>
+          <p:cNvCxnSpPr/>
+          <p:nvPr/>
+        </p:nvCxnSpPr>
+        <p:spPr>
+          <a:xfrm flipH="1">
+            <a:off x="3158005" y="2070585"/>
+            <a:ext cx="41013" cy="0"/>
+          </a:xfrm>
+          <a:prstGeom prst="line">
+            <a:avLst/>
+          </a:prstGeom>
+          <a:ln w="12700">
+            <a:solidFill>
+              <a:schemeClr val="accent5">
+                <a:lumMod val="50000"/>
+              </a:schemeClr>
+            </a:solidFill>
+          </a:ln>
+        </p:spPr>
+        <p:style>
+          <a:lnRef idx="1">
+            <a:schemeClr val="accent1"/>
+          </a:lnRef>
+          <a:fillRef idx="0">
+            <a:schemeClr val="accent1"/>
+          </a:fillRef>
+          <a:effectRef idx="0">
+            <a:schemeClr val="accent1"/>
+          </a:effectRef>
+          <a:fontRef idx="minor">
+            <a:schemeClr val="tx1"/>
+          </a:fontRef>
+        </p:style>
+      </p:cxnSp>
+      <p:sp>
+        <p:nvSpPr>
+          <p:cNvPr id="63" name="Rectangle 62"/>
+          <p:cNvSpPr/>
+          <p:nvPr/>
+        </p:nvSpPr>
+        <p:spPr>
+          <a:xfrm>
+            <a:off x="2484822" y="1197385"/>
+            <a:ext cx="432048" cy="67210"/>
+          </a:xfrm>
+          <a:prstGeom prst="rect">
+            <a:avLst/>
+          </a:prstGeom>
+          <a:solidFill>
+            <a:schemeClr val="accent2">
+              <a:lumMod val="60000"/>
+              <a:lumOff val="40000"/>
+            </a:schemeClr>
+          </a:solidFill>
+          <a:ln w="12700">
+            <a:solidFill>
+              <a:schemeClr val="accent5">
+                <a:lumMod val="50000"/>
+              </a:schemeClr>
+            </a:solidFill>
+          </a:ln>
+        </p:spPr>
+        <p:style>
+          <a:lnRef idx="1">
+            <a:schemeClr val="accent1"/>
+          </a:lnRef>
+          <a:fillRef idx="0">
+            <a:schemeClr val="accent1"/>
+          </a:fillRef>
+          <a:effectRef idx="0">
+            <a:schemeClr val="accent1"/>
+          </a:effectRef>
+          <a:fontRef idx="minor">
+            <a:schemeClr val="tx1"/>
+          </a:fontRef>
+        </p:style>
+        <p:txBody>
+          <a:bodyPr rtlCol="0" anchor="ctr"/>
+          <a:lstStyle/>
+          <a:p>
+            <a:pPr algn="ctr"/>
+            <a:endParaRPr lang="fr-FR"/>
+          </a:p>
+        </p:txBody>
+      </p:sp>
+      <p:sp>
+        <p:nvSpPr>
+          <p:cNvPr id="64" name="Rectangle 63"/>
+          <p:cNvSpPr/>
+          <p:nvPr/>
+        </p:nvSpPr>
+        <p:spPr>
+          <a:xfrm>
+            <a:off x="2482747" y="1265826"/>
+            <a:ext cx="432048" cy="67210"/>
+          </a:xfrm>
+          <a:prstGeom prst="rect">
+            <a:avLst/>
+          </a:prstGeom>
+          <a:solidFill>
+            <a:schemeClr val="accent3">
+              <a:lumMod val="60000"/>
+              <a:lumOff val="40000"/>
+            </a:schemeClr>
+          </a:solidFill>
+          <a:ln w="12700">
+            <a:solidFill>
+              <a:schemeClr val="accent5">
+                <a:lumMod val="50000"/>
+              </a:schemeClr>
+            </a:solidFill>
+          </a:ln>
+        </p:spPr>
+        <p:style>
+          <a:lnRef idx="1">
+            <a:schemeClr val="accent1"/>
+          </a:lnRef>
+          <a:fillRef idx="0">
+            <a:schemeClr val="accent1"/>
+          </a:fillRef>
+          <a:effectRef idx="0">
+            <a:schemeClr val="accent1"/>
+          </a:effectRef>
+          <a:fontRef idx="minor">
+            <a:schemeClr val="tx1"/>
+          </a:fontRef>
+        </p:style>
+        <p:txBody>
+          <a:bodyPr rtlCol="0" anchor="ctr"/>
+          <a:lstStyle/>
+          <a:p>
+            <a:pPr algn="ctr"/>
+            <a:endParaRPr lang="fr-FR"/>
+          </a:p>
+        </p:txBody>
+      </p:sp>
+      <p:cxnSp>
+        <p:nvCxnSpPr>
+          <p:cNvPr id="66" name="Connecteur droit avec flèche 65"/>
+          <p:cNvCxnSpPr>
+            <a:stCxn id="70" idx="1"/>
+            <a:endCxn id="64" idx="3"/>
+          </p:cNvCxnSpPr>
+          <p:nvPr/>
+        </p:nvCxnSpPr>
+        <p:spPr>
+          <a:xfrm flipH="1">
+            <a:off x="2914795" y="1147339"/>
+            <a:ext cx="555811" cy="152092"/>
+          </a:xfrm>
+          <a:prstGeom prst="straightConnector1">
+            <a:avLst/>
+          </a:prstGeom>
+          <a:ln>
+            <a:solidFill>
+              <a:srgbClr val="C00000"/>
+            </a:solidFill>
+            <a:tailEnd type="stealth" w="sm" len="med"/>
+          </a:ln>
+        </p:spPr>
+        <p:style>
+          <a:lnRef idx="1">
+            <a:schemeClr val="accent1"/>
+          </a:lnRef>
+          <a:fillRef idx="0">
+            <a:schemeClr val="accent1"/>
+          </a:fillRef>
+          <a:effectRef idx="0">
+            <a:schemeClr val="accent1"/>
+          </a:effectRef>
+          <a:fontRef idx="minor">
+            <a:schemeClr val="tx1"/>
+          </a:fontRef>
+        </p:style>
+      </p:cxnSp>
+      <p:sp>
+        <p:nvSpPr>
+          <p:cNvPr id="67" name="ZoneTexte 66"/>
+          <p:cNvSpPr txBox="1"/>
+          <p:nvPr/>
+        </p:nvSpPr>
+        <p:spPr>
+          <a:xfrm>
+            <a:off x="3470607" y="777243"/>
+            <a:ext cx="1129232" cy="253916"/>
+          </a:xfrm>
+          <a:prstGeom prst="rect">
+            <a:avLst/>
+          </a:prstGeom>
+          <a:noFill/>
+        </p:spPr>
+        <p:txBody>
+          <a:bodyPr wrap="square" lIns="36000" rtlCol="0">
+            <a:spAutoFit/>
+          </a:bodyPr>
+          <a:lstStyle>
+            <a:defPPr>
+              <a:defRPr lang="fr-FR"/>
+            </a:defPPr>
+            <a:lvl1pPr>
+              <a:defRPr sz="1050"/>
+            </a:lvl1pPr>
+          </a:lstStyle>
+          <a:p>
+            <a:r>
+              <a:rPr lang="fr-FR" dirty="0"/>
+              <a:t>Surface matée</a:t>
+            </a:r>
+          </a:p>
+        </p:txBody>
+      </p:sp>
+      <p:sp>
+        <p:nvSpPr>
+          <p:cNvPr id="69" name="Rectangle 68"/>
+          <p:cNvSpPr/>
+          <p:nvPr/>
+        </p:nvSpPr>
+        <p:spPr>
+          <a:xfrm>
+            <a:off x="3673042" y="1662757"/>
+            <a:ext cx="432048" cy="139351"/>
+          </a:xfrm>
+          <a:prstGeom prst="rect">
+            <a:avLst/>
+          </a:prstGeom>
+          <a:solidFill>
+            <a:schemeClr val="accent1">
+              <a:lumMod val="20000"/>
+              <a:lumOff val="80000"/>
+            </a:schemeClr>
+          </a:solidFill>
+          <a:ln w="12700">
+            <a:solidFill>
+              <a:schemeClr val="accent5">
+                <a:lumMod val="50000"/>
+              </a:schemeClr>
+            </a:solidFill>
+          </a:ln>
+        </p:spPr>
+        <p:style>
+          <a:lnRef idx="1">
+            <a:schemeClr val="accent1"/>
+          </a:lnRef>
+          <a:fillRef idx="0">
+            <a:schemeClr val="accent1"/>
+          </a:fillRef>
+          <a:effectRef idx="0">
+            <a:schemeClr val="accent1"/>
+          </a:effectRef>
+          <a:fontRef idx="minor">
+            <a:schemeClr val="tx1"/>
+          </a:fontRef>
+        </p:style>
+        <p:txBody>
+          <a:bodyPr rtlCol="0" anchor="ctr"/>
+          <a:lstStyle/>
+          <a:p>
+            <a:pPr algn="ctr"/>
+            <a:endParaRPr lang="fr-FR"/>
+          </a:p>
+        </p:txBody>
+      </p:sp>
+      <p:sp>
+        <p:nvSpPr>
+          <p:cNvPr id="70" name="ZoneTexte 69"/>
+          <p:cNvSpPr txBox="1"/>
+          <p:nvPr/>
+        </p:nvSpPr>
+        <p:spPr>
+          <a:xfrm>
+            <a:off x="3470606" y="939590"/>
+            <a:ext cx="1245409" cy="415498"/>
+          </a:xfrm>
+          <a:prstGeom prst="rect">
+            <a:avLst/>
+          </a:prstGeom>
+          <a:noFill/>
+        </p:spPr>
+        <p:txBody>
+          <a:bodyPr wrap="square" lIns="36000" rtlCol="0">
+            <a:spAutoFit/>
+          </a:bodyPr>
+          <a:lstStyle>
+            <a:defPPr>
+              <a:defRPr lang="fr-FR"/>
+            </a:defPPr>
+            <a:lvl1pPr>
+              <a:defRPr sz="1050"/>
+            </a:lvl1pPr>
+          </a:lstStyle>
+          <a:p>
+            <a:r>
+              <a:rPr lang="fr-FR" dirty="0"/>
+              <a:t>Zone montée serrée dans l’arbre</a:t>
+            </a:r>
+          </a:p>
+        </p:txBody>
+      </p:sp>
+      <p:cxnSp>
+        <p:nvCxnSpPr>
+          <p:cNvPr id="74" name="Connecteur droit avec flèche 73"/>
+          <p:cNvCxnSpPr>
+            <a:stCxn id="67" idx="1"/>
+            <a:endCxn id="63" idx="3"/>
+          </p:cNvCxnSpPr>
+          <p:nvPr/>
+        </p:nvCxnSpPr>
+        <p:spPr>
+          <a:xfrm flipH="1">
+            <a:off x="2916870" y="904201"/>
+            <a:ext cx="553737" cy="326789"/>
+          </a:xfrm>
+          <a:prstGeom prst="straightConnector1">
+            <a:avLst/>
+          </a:prstGeom>
+          <a:ln>
+            <a:solidFill>
+              <a:srgbClr val="C00000"/>
+            </a:solidFill>
+            <a:tailEnd type="stealth" w="sm" len="med"/>
+          </a:ln>
+        </p:spPr>
+        <p:style>
+          <a:lnRef idx="1">
+            <a:schemeClr val="accent1"/>
+          </a:lnRef>
+          <a:fillRef idx="0">
+            <a:schemeClr val="accent1"/>
+          </a:fillRef>
+          <a:effectRef idx="0">
+            <a:schemeClr val="accent1"/>
+          </a:effectRef>
+          <a:fontRef idx="minor">
+            <a:schemeClr val="tx1"/>
+          </a:fontRef>
+        </p:style>
+      </p:cxnSp>
+      <p:cxnSp>
+        <p:nvCxnSpPr>
+          <p:cNvPr id="76" name="Connecteur droit avec flèche 75"/>
+          <p:cNvCxnSpPr/>
+          <p:nvPr/>
+        </p:nvCxnSpPr>
+        <p:spPr>
+          <a:xfrm flipH="1">
+            <a:off x="3667112" y="1627469"/>
+            <a:ext cx="437978" cy="0"/>
+          </a:xfrm>
+          <a:prstGeom prst="straightConnector1">
+            <a:avLst/>
+          </a:prstGeom>
+          <a:ln>
+            <a:solidFill>
+              <a:srgbClr val="C00000"/>
+            </a:solidFill>
+            <a:headEnd type="stealth" w="sm" len="med"/>
+            <a:tailEnd type="stealth" w="sm" len="med"/>
+          </a:ln>
+        </p:spPr>
+        <p:style>
+          <a:lnRef idx="1">
+            <a:schemeClr val="accent1"/>
+          </a:lnRef>
+          <a:fillRef idx="0">
+            <a:schemeClr val="accent1"/>
+          </a:fillRef>
+          <a:effectRef idx="0">
+            <a:schemeClr val="accent1"/>
+          </a:effectRef>
+          <a:fontRef idx="minor">
+            <a:schemeClr val="tx1"/>
+          </a:fontRef>
+        </p:style>
+      </p:cxnSp>
+      <mc:AlternateContent xmlns:mc="http://schemas.openxmlformats.org/markup-compatibility/2006">
+        <mc:Choice xmlns:a14="http://schemas.microsoft.com/office/drawing/2010/main" Requires="a14">
+          <p:sp>
+            <p:nvSpPr>
+              <p:cNvPr id="81" name="ZoneTexte 80"/>
+              <p:cNvSpPr txBox="1"/>
+              <p:nvPr/>
+            </p:nvSpPr>
+            <p:spPr>
+              <a:xfrm>
+                <a:off x="4093310" y="1592656"/>
+                <a:ext cx="430931" cy="253916"/>
+              </a:xfrm>
+              <a:prstGeom prst="rect">
+                <a:avLst/>
+              </a:prstGeom>
+              <a:noFill/>
+            </p:spPr>
+            <p:txBody>
+              <a:bodyPr wrap="square" lIns="36000" rtlCol="0">
+                <a:spAutoFit/>
+              </a:bodyPr>
+              <a:lstStyle>
+                <a:defPPr>
+                  <a:defRPr lang="fr-FR"/>
+                </a:defPPr>
+                <a:lvl1pPr>
+                  <a:defRPr sz="1050"/>
+                </a:lvl1pPr>
+              </a:lstStyle>
+              <a:p>
+                <a:pPr algn="ctr"/>
+                <a14:m>
+                  <m:oMathPara xmlns:m="http://schemas.openxmlformats.org/officeDocument/2006/math">
+                    <m:oMathParaPr>
+                      <m:jc m:val="centerGroup"/>
+                    </m:oMathParaPr>
+                    <m:oMath xmlns:m="http://schemas.openxmlformats.org/officeDocument/2006/math">
+                      <m:r>
+                        <a:rPr lang="fr-FR" b="0" i="1" smtClean="0">
+                          <a:latin typeface="Cambria Math" panose="02040503050406030204" pitchFamily="18" charset="0"/>
+                        </a:rPr>
+                        <m:t>h</m:t>
+                      </m:r>
+                    </m:oMath>
+                  </m:oMathPara>
+                </a14:m>
+                <a:endParaRPr lang="fr-FR" dirty="0"/>
+              </a:p>
+            </p:txBody>
+          </p:sp>
+        </mc:Choice>
+        <mc:Fallback>
+          <p:sp>
+            <p:nvSpPr>
+              <p:cNvPr id="81" name="ZoneTexte 80"/>
+              <p:cNvSpPr txBox="1">
+                <a:spLocks noRot="1" noChangeAspect="1" noMove="1" noResize="1" noEditPoints="1" noAdjustHandles="1" noChangeArrowheads="1" noChangeShapeType="1" noTextEdit="1"/>
+              </p:cNvSpPr>
+              <p:nvPr/>
+            </p:nvSpPr>
+            <p:spPr>
+              <a:xfrm>
+                <a:off x="4093310" y="1592656"/>
+                <a:ext cx="430931" cy="253916"/>
+              </a:xfrm>
+              <a:prstGeom prst="rect">
+                <a:avLst/>
+              </a:prstGeom>
+              <a:blipFill>
+                <a:blip r:embed="rId4"/>
+                <a:stretch>
+                  <a:fillRect/>
+                </a:stretch>
+              </a:blipFill>
+            </p:spPr>
+            <p:txBody>
+              <a:bodyPr/>
+              <a:lstStyle/>
+              <a:p>
+                <a:r>
+                  <a:rPr lang="fr-FR">
+                    <a:noFill/>
+                  </a:rPr>
+                  <a:t> </a:t>
+                </a:r>
+              </a:p>
+            </p:txBody>
+          </p:sp>
+        </mc:Fallback>
+      </mc:AlternateContent>
+      <p:cxnSp>
+        <p:nvCxnSpPr>
+          <p:cNvPr id="82" name="Connecteur droit avec flèche 81"/>
+          <p:cNvCxnSpPr/>
+          <p:nvPr/>
+        </p:nvCxnSpPr>
+        <p:spPr>
+          <a:xfrm flipH="1">
+            <a:off x="4167471" y="1662757"/>
+            <a:ext cx="1" cy="139351"/>
+          </a:xfrm>
+          <a:prstGeom prst="straightConnector1">
+            <a:avLst/>
+          </a:prstGeom>
+          <a:ln>
+            <a:solidFill>
+              <a:srgbClr val="C00000"/>
+            </a:solidFill>
+            <a:headEnd type="stealth" w="sm" len="med"/>
+            <a:tailEnd type="stealth" w="sm" len="med"/>
+          </a:ln>
+        </p:spPr>
+        <p:style>
+          <a:lnRef idx="1">
+            <a:schemeClr val="accent1"/>
+          </a:lnRef>
+          <a:fillRef idx="0">
+            <a:schemeClr val="accent1"/>
+          </a:fillRef>
+          <a:effectRef idx="0">
+            <a:schemeClr val="accent1"/>
+          </a:effectRef>
+          <a:fontRef idx="minor">
+            <a:schemeClr val="tx1"/>
+          </a:fontRef>
+        </p:style>
+      </p:cxnSp>
+      <p:cxnSp>
+        <p:nvCxnSpPr>
+          <p:cNvPr id="85" name="Connecteur droit avec flèche 84"/>
+          <p:cNvCxnSpPr/>
+          <p:nvPr/>
+        </p:nvCxnSpPr>
+        <p:spPr>
+          <a:xfrm flipH="1" flipV="1">
+            <a:off x="2328832" y="1266358"/>
+            <a:ext cx="97" cy="719196"/>
+          </a:xfrm>
+          <a:prstGeom prst="straightConnector1">
+            <a:avLst/>
+          </a:prstGeom>
+          <a:ln>
+            <a:solidFill>
+              <a:srgbClr val="C00000"/>
+            </a:solidFill>
+            <a:headEnd type="stealth" w="sm" len="med"/>
+            <a:tailEnd type="stealth" w="sm" len="med"/>
+          </a:ln>
+        </p:spPr>
+        <p:style>
+          <a:lnRef idx="1">
+            <a:schemeClr val="accent1"/>
+          </a:lnRef>
+          <a:fillRef idx="0">
+            <a:schemeClr val="accent1"/>
+          </a:fillRef>
+          <a:effectRef idx="0">
+            <a:schemeClr val="accent1"/>
+          </a:effectRef>
+          <a:fontRef idx="minor">
+            <a:schemeClr val="tx1"/>
+          </a:fontRef>
+        </p:style>
+      </p:cxnSp>
+      <mc:AlternateContent xmlns:mc="http://schemas.openxmlformats.org/markup-compatibility/2006">
+        <mc:Choice xmlns:a14="http://schemas.microsoft.com/office/drawing/2010/main" Requires="a14">
+          <p:sp>
+            <p:nvSpPr>
+              <p:cNvPr id="90" name="ZoneTexte 89"/>
+              <p:cNvSpPr txBox="1"/>
+              <p:nvPr/>
+            </p:nvSpPr>
+            <p:spPr>
+              <a:xfrm>
+                <a:off x="2222641" y="1439879"/>
+                <a:ext cx="430931" cy="253916"/>
+              </a:xfrm>
+              <a:prstGeom prst="rect">
+                <a:avLst/>
+              </a:prstGeom>
+              <a:noFill/>
+            </p:spPr>
+            <p:txBody>
+              <a:bodyPr wrap="square" lIns="36000" rtlCol="0">
+                <a:spAutoFit/>
+              </a:bodyPr>
+              <a:lstStyle>
+                <a:defPPr>
+                  <a:defRPr lang="fr-FR"/>
+                </a:defPPr>
+                <a:lvl1pPr>
+                  <a:defRPr sz="1050"/>
+                </a:lvl1pPr>
+              </a:lstStyle>
+              <a:p>
+                <a:pPr algn="ctr"/>
+                <a14:m>
+                  <m:oMathPara xmlns:m="http://schemas.openxmlformats.org/officeDocument/2006/math">
+                    <m:oMathParaPr>
+                      <m:jc m:val="centerGroup"/>
+                    </m:oMathParaPr>
+                    <m:oMath xmlns:m="http://schemas.openxmlformats.org/officeDocument/2006/math">
+                      <m:r>
+                        <a:rPr lang="fr-FR" b="0" i="1" smtClean="0">
+                          <a:latin typeface="Cambria Math" panose="02040503050406030204" pitchFamily="18" charset="0"/>
+                        </a:rPr>
+                        <m:t>𝑑</m:t>
+                      </m:r>
+                    </m:oMath>
+                  </m:oMathPara>
+                </a14:m>
+                <a:endParaRPr lang="fr-FR" dirty="0"/>
+              </a:p>
+            </p:txBody>
+          </p:sp>
+        </mc:Choice>
+        <mc:Fallback>
+          <p:sp>
+            <p:nvSpPr>
+              <p:cNvPr id="90" name="ZoneTexte 89"/>
+              <p:cNvSpPr txBox="1">
+                <a:spLocks noRot="1" noChangeAspect="1" noMove="1" noResize="1" noEditPoints="1" noAdjustHandles="1" noChangeArrowheads="1" noChangeShapeType="1" noTextEdit="1"/>
+              </p:cNvSpPr>
+              <p:nvPr/>
+            </p:nvSpPr>
+            <p:spPr>
+              <a:xfrm>
+                <a:off x="2222641" y="1439879"/>
+                <a:ext cx="430931" cy="253916"/>
+              </a:xfrm>
+              <a:prstGeom prst="rect">
+                <a:avLst/>
+              </a:prstGeom>
+              <a:blipFill>
+                <a:blip r:embed="rId5"/>
+                <a:stretch>
+                  <a:fillRect/>
+                </a:stretch>
+              </a:blipFill>
+            </p:spPr>
+            <p:txBody>
+              <a:bodyPr/>
+              <a:lstStyle/>
+              <a:p>
+                <a:r>
+                  <a:rPr lang="fr-FR">
+                    <a:noFill/>
+                  </a:rPr>
+                  <a:t> </a:t>
+                </a:r>
+              </a:p>
+            </p:txBody>
+          </p:sp>
+        </mc:Fallback>
+      </mc:AlternateContent>
+    </p:spTree>
+    <p:extLst>
+      <p:ext uri="{BB962C8B-B14F-4D97-AF65-F5344CB8AC3E}">
+        <p14:creationId xmlns:p14="http://schemas.microsoft.com/office/powerpoint/2010/main" val="1160740599"/>
+      </p:ext>
+    </p:extLst>
+  </p:cSld>
+  <p:clrMapOvr>
+    <a:masterClrMapping/>
+  </p:clrMapOvr>
+</p:sld>
+</file>
+
+<file path=ppt/slides/slide9.xml><?xml version="1.0" encoding="utf-8"?>
+<p:sld xmlns:a="http://schemas.openxmlformats.org/drawingml/2006/main" xmlns:r="http://schemas.openxmlformats.org/officeDocument/2006/relationships" xmlns:p="http://schemas.openxmlformats.org/presentationml/2006/main">
+  <p:cSld>
+    <p:spTree>
+      <p:nvGrpSpPr>
+        <p:cNvPr id="1" name=""/>
+        <p:cNvGrpSpPr/>
+        <p:nvPr/>
+      </p:nvGrpSpPr>
+      <p:grpSpPr>
+        <a:xfrm>
+          <a:off x="0" y="0"/>
+          <a:ext cx="0" cy="0"/>
+          <a:chOff x="0" y="0"/>
+          <a:chExt cx="0" cy="0"/>
+        </a:xfrm>
+      </p:grpSpPr>
       <p:sp>
         <p:nvSpPr>
           <p:cNvPr id="1051" name="Forme libre 1050"/>

--- a/01_LiaisonEncastrement/Cours/Figures/Figures.pptx
+++ b/01_LiaisonEncastrement/Cours/Figures/Figures.pptx
@@ -5,7 +5,7 @@
     <p:sldMasterId id="2147483648" r:id="rId1"/>
   </p:sldMasterIdLst>
   <p:notesMasterIdLst>
-    <p:notesMasterId r:id="rId11"/>
+    <p:notesMasterId r:id="rId12"/>
   </p:notesMasterIdLst>
   <p:sldIdLst>
     <p:sldId id="256" r:id="rId2"/>
@@ -17,6 +17,7 @@
     <p:sldId id="263" r:id="rId8"/>
     <p:sldId id="264" r:id="rId9"/>
     <p:sldId id="262" r:id="rId10"/>
+    <p:sldId id="265" r:id="rId11"/>
   </p:sldIdLst>
   <p:sldSz cx="9144000" cy="6858000" type="screen4x3"/>
   <p:notesSz cx="6858000" cy="9144000"/>
@@ -216,7 +217,7 @@
           <a:p>
             <a:fld id="{FF4F525E-41B1-4D42-8A42-4B8DA0C928B5}" type="datetimeFigureOut">
               <a:rPr lang="fr-FR" smtClean="0"/>
-              <a:t>06/07/2016</a:t>
+              <a:t>08/07/2016</a:t>
             </a:fld>
             <a:endParaRPr lang="fr-FR"/>
           </a:p>
@@ -832,7 +833,7 @@
           <a:p>
             <a:fld id="{AA309A6D-C09C-4548-B29A-6CF363A7E532}" type="datetimeFigureOut">
               <a:rPr lang="fr-FR" smtClean="0"/>
-              <a:t>06/07/2016</a:t>
+              <a:t>08/07/2016</a:t>
             </a:fld>
             <a:endParaRPr lang="fr-BE"/>
           </a:p>
@@ -997,7 +998,7 @@
           <a:p>
             <a:fld id="{AA309A6D-C09C-4548-B29A-6CF363A7E532}" type="datetimeFigureOut">
               <a:rPr lang="fr-FR" smtClean="0"/>
-              <a:t>06/07/2016</a:t>
+              <a:t>08/07/2016</a:t>
             </a:fld>
             <a:endParaRPr lang="fr-BE"/>
           </a:p>
@@ -1172,7 +1173,7 @@
           <a:p>
             <a:fld id="{AA309A6D-C09C-4548-B29A-6CF363A7E532}" type="datetimeFigureOut">
               <a:rPr lang="fr-FR" smtClean="0"/>
-              <a:t>06/07/2016</a:t>
+              <a:t>08/07/2016</a:t>
             </a:fld>
             <a:endParaRPr lang="fr-BE"/>
           </a:p>
@@ -1337,7 +1338,7 @@
           <a:p>
             <a:fld id="{AA309A6D-C09C-4548-B29A-6CF363A7E532}" type="datetimeFigureOut">
               <a:rPr lang="fr-FR" smtClean="0"/>
-              <a:t>06/07/2016</a:t>
+              <a:t>08/07/2016</a:t>
             </a:fld>
             <a:endParaRPr lang="fr-BE"/>
           </a:p>
@@ -1578,7 +1579,7 @@
           <a:p>
             <a:fld id="{AA309A6D-C09C-4548-B29A-6CF363A7E532}" type="datetimeFigureOut">
               <a:rPr lang="fr-FR" smtClean="0"/>
-              <a:t>06/07/2016</a:t>
+              <a:t>08/07/2016</a:t>
             </a:fld>
             <a:endParaRPr lang="fr-BE"/>
           </a:p>
@@ -1861,7 +1862,7 @@
           <a:p>
             <a:fld id="{AA309A6D-C09C-4548-B29A-6CF363A7E532}" type="datetimeFigureOut">
               <a:rPr lang="fr-FR" smtClean="0"/>
-              <a:t>06/07/2016</a:t>
+              <a:t>08/07/2016</a:t>
             </a:fld>
             <a:endParaRPr lang="fr-BE"/>
           </a:p>
@@ -2278,7 +2279,7 @@
           <a:p>
             <a:fld id="{AA309A6D-C09C-4548-B29A-6CF363A7E532}" type="datetimeFigureOut">
               <a:rPr lang="fr-FR" smtClean="0"/>
-              <a:t>06/07/2016</a:t>
+              <a:t>08/07/2016</a:t>
             </a:fld>
             <a:endParaRPr lang="fr-BE"/>
           </a:p>
@@ -2391,7 +2392,7 @@
           <a:p>
             <a:fld id="{AA309A6D-C09C-4548-B29A-6CF363A7E532}" type="datetimeFigureOut">
               <a:rPr lang="fr-FR" smtClean="0"/>
-              <a:t>06/07/2016</a:t>
+              <a:t>08/07/2016</a:t>
             </a:fld>
             <a:endParaRPr lang="fr-BE"/>
           </a:p>
@@ -2481,7 +2482,7 @@
           <a:p>
             <a:fld id="{AA309A6D-C09C-4548-B29A-6CF363A7E532}" type="datetimeFigureOut">
               <a:rPr lang="fr-FR" smtClean="0"/>
-              <a:t>06/07/2016</a:t>
+              <a:t>08/07/2016</a:t>
             </a:fld>
             <a:endParaRPr lang="fr-BE"/>
           </a:p>
@@ -2753,7 +2754,7 @@
           <a:p>
             <a:fld id="{AA309A6D-C09C-4548-B29A-6CF363A7E532}" type="datetimeFigureOut">
               <a:rPr lang="fr-FR" smtClean="0"/>
-              <a:t>06/07/2016</a:t>
+              <a:t>08/07/2016</a:t>
             </a:fld>
             <a:endParaRPr lang="fr-BE"/>
           </a:p>
@@ -3001,7 +3002,7 @@
           <a:p>
             <a:fld id="{AA309A6D-C09C-4548-B29A-6CF363A7E532}" type="datetimeFigureOut">
               <a:rPr lang="fr-FR" smtClean="0"/>
-              <a:t>06/07/2016</a:t>
+              <a:t>08/07/2016</a:t>
             </a:fld>
             <a:endParaRPr lang="fr-BE"/>
           </a:p>
@@ -3209,7 +3210,7 @@
           <a:p>
             <a:fld id="{AA309A6D-C09C-4548-B29A-6CF363A7E532}" type="datetimeFigureOut">
               <a:rPr lang="fr-FR" smtClean="0"/>
-              <a:t>06/07/2016</a:t>
+              <a:t>08/07/2016</a:t>
             </a:fld>
             <a:endParaRPr lang="fr-BE"/>
           </a:p>
@@ -3730,6 +3731,3600 @@
     <p:extLst>
       <p:ext uri="{BB962C8B-B14F-4D97-AF65-F5344CB8AC3E}">
         <p14:creationId xmlns:p14="http://schemas.microsoft.com/office/powerpoint/2010/main" val="2454539267"/>
+      </p:ext>
+    </p:extLst>
+  </p:cSld>
+  <p:clrMapOvr>
+    <a:masterClrMapping/>
+  </p:clrMapOvr>
+</p:sld>
+</file>
+
+<file path=ppt/slides/slide10.xml><?xml version="1.0" encoding="utf-8"?>
+<p:sld xmlns:a="http://schemas.openxmlformats.org/drawingml/2006/main" xmlns:r="http://schemas.openxmlformats.org/officeDocument/2006/relationships" xmlns:p="http://schemas.openxmlformats.org/presentationml/2006/main">
+  <p:cSld>
+    <p:spTree>
+      <p:nvGrpSpPr>
+        <p:cNvPr id="1" name=""/>
+        <p:cNvGrpSpPr/>
+        <p:nvPr/>
+      </p:nvGrpSpPr>
+      <p:grpSpPr>
+        <a:xfrm>
+          <a:off x="0" y="0"/>
+          <a:ext cx="0" cy="0"/>
+          <a:chOff x="0" y="0"/>
+          <a:chExt cx="0" cy="0"/>
+        </a:xfrm>
+      </p:grpSpPr>
+      <p:sp>
+        <p:nvSpPr>
+          <p:cNvPr id="129" name="Ellipse 128"/>
+          <p:cNvSpPr/>
+          <p:nvPr/>
+        </p:nvSpPr>
+        <p:spPr>
+          <a:xfrm>
+            <a:off x="4949840" y="741367"/>
+            <a:ext cx="512130" cy="512130"/>
+          </a:xfrm>
+          <a:prstGeom prst="ellipse">
+            <a:avLst/>
+          </a:prstGeom>
+          <a:solidFill>
+            <a:schemeClr val="accent2">
+              <a:lumMod val="20000"/>
+              <a:lumOff val="80000"/>
+            </a:schemeClr>
+          </a:solidFill>
+          <a:ln w="12700">
+            <a:solidFill>
+              <a:srgbClr val="C00000"/>
+            </a:solidFill>
+          </a:ln>
+        </p:spPr>
+        <p:style>
+          <a:lnRef idx="1">
+            <a:schemeClr val="accent1"/>
+          </a:lnRef>
+          <a:fillRef idx="0">
+            <a:schemeClr val="accent1"/>
+          </a:fillRef>
+          <a:effectRef idx="0">
+            <a:schemeClr val="accent1"/>
+          </a:effectRef>
+          <a:fontRef idx="minor">
+            <a:schemeClr val="tx1"/>
+          </a:fontRef>
+        </p:style>
+        <p:txBody>
+          <a:bodyPr rtlCol="0" anchor="ctr"/>
+          <a:lstStyle/>
+          <a:p>
+            <a:pPr algn="ctr"/>
+            <a:endParaRPr lang="fr-FR">
+              <a:solidFill>
+                <a:schemeClr val="tx1"/>
+              </a:solidFill>
+            </a:endParaRPr>
+          </a:p>
+        </p:txBody>
+      </p:sp>
+      <p:sp>
+        <p:nvSpPr>
+          <p:cNvPr id="131" name="Ellipse 130"/>
+          <p:cNvSpPr/>
+          <p:nvPr/>
+        </p:nvSpPr>
+        <p:spPr>
+          <a:xfrm>
+            <a:off x="5105471" y="896304"/>
+            <a:ext cx="202256" cy="202256"/>
+          </a:xfrm>
+          <a:prstGeom prst="ellipse">
+            <a:avLst/>
+          </a:prstGeom>
+          <a:solidFill>
+            <a:schemeClr val="bg1"/>
+          </a:solidFill>
+          <a:ln w="12700">
+            <a:solidFill>
+              <a:srgbClr val="C00000"/>
+            </a:solidFill>
+          </a:ln>
+        </p:spPr>
+        <p:style>
+          <a:lnRef idx="1">
+            <a:schemeClr val="accent1"/>
+          </a:lnRef>
+          <a:fillRef idx="0">
+            <a:schemeClr val="accent1"/>
+          </a:fillRef>
+          <a:effectRef idx="0">
+            <a:schemeClr val="accent1"/>
+          </a:effectRef>
+          <a:fontRef idx="minor">
+            <a:schemeClr val="tx1"/>
+          </a:fontRef>
+        </p:style>
+        <p:txBody>
+          <a:bodyPr rtlCol="0" anchor="ctr"/>
+          <a:lstStyle/>
+          <a:p>
+            <a:pPr algn="ctr"/>
+            <a:endParaRPr lang="fr-FR">
+              <a:solidFill>
+                <a:schemeClr val="tx1"/>
+              </a:solidFill>
+            </a:endParaRPr>
+          </a:p>
+        </p:txBody>
+      </p:sp>
+      <p:sp>
+        <p:nvSpPr>
+          <p:cNvPr id="109" name="Ellipse 108"/>
+          <p:cNvSpPr/>
+          <p:nvPr/>
+        </p:nvSpPr>
+        <p:spPr>
+          <a:xfrm>
+            <a:off x="4450192" y="649554"/>
+            <a:ext cx="512130" cy="512130"/>
+          </a:xfrm>
+          <a:prstGeom prst="ellipse">
+            <a:avLst/>
+          </a:prstGeom>
+          <a:solidFill>
+            <a:schemeClr val="accent2">
+              <a:lumMod val="20000"/>
+              <a:lumOff val="80000"/>
+            </a:schemeClr>
+          </a:solidFill>
+          <a:ln w="12700">
+            <a:solidFill>
+              <a:srgbClr val="C00000"/>
+            </a:solidFill>
+          </a:ln>
+        </p:spPr>
+        <p:style>
+          <a:lnRef idx="1">
+            <a:schemeClr val="accent1"/>
+          </a:lnRef>
+          <a:fillRef idx="0">
+            <a:schemeClr val="accent1"/>
+          </a:fillRef>
+          <a:effectRef idx="0">
+            <a:schemeClr val="accent1"/>
+          </a:effectRef>
+          <a:fontRef idx="minor">
+            <a:schemeClr val="tx1"/>
+          </a:fontRef>
+        </p:style>
+        <p:txBody>
+          <a:bodyPr rtlCol="0" anchor="ctr"/>
+          <a:lstStyle/>
+          <a:p>
+            <a:pPr algn="ctr"/>
+            <a:endParaRPr lang="fr-FR">
+              <a:solidFill>
+                <a:schemeClr val="tx1"/>
+              </a:solidFill>
+            </a:endParaRPr>
+          </a:p>
+        </p:txBody>
+      </p:sp>
+      <p:sp>
+        <p:nvSpPr>
+          <p:cNvPr id="1051" name="Forme libre 1050"/>
+          <p:cNvSpPr/>
+          <p:nvPr/>
+        </p:nvSpPr>
+        <p:spPr>
+          <a:xfrm>
+            <a:off x="3567113" y="1002506"/>
+            <a:ext cx="576262" cy="438150"/>
+          </a:xfrm>
+          <a:custGeom>
+            <a:avLst/>
+            <a:gdLst>
+              <a:gd name="connsiteX0" fmla="*/ 0 w 576262"/>
+              <a:gd name="connsiteY0" fmla="*/ 0 h 438150"/>
+              <a:gd name="connsiteX1" fmla="*/ 4762 w 576262"/>
+              <a:gd name="connsiteY1" fmla="*/ 407194 h 438150"/>
+              <a:gd name="connsiteX2" fmla="*/ 145256 w 576262"/>
+              <a:gd name="connsiteY2" fmla="*/ 407194 h 438150"/>
+              <a:gd name="connsiteX3" fmla="*/ 145256 w 576262"/>
+              <a:gd name="connsiteY3" fmla="*/ 438150 h 438150"/>
+              <a:gd name="connsiteX4" fmla="*/ 576262 w 576262"/>
+              <a:gd name="connsiteY4" fmla="*/ 438150 h 438150"/>
+              <a:gd name="connsiteX5" fmla="*/ 576262 w 576262"/>
+              <a:gd name="connsiteY5" fmla="*/ 273844 h 438150"/>
+              <a:gd name="connsiteX6" fmla="*/ 423862 w 576262"/>
+              <a:gd name="connsiteY6" fmla="*/ 273844 h 438150"/>
+              <a:gd name="connsiteX7" fmla="*/ 285750 w 576262"/>
+              <a:gd name="connsiteY7" fmla="*/ 204788 h 438150"/>
+              <a:gd name="connsiteX8" fmla="*/ 230981 w 576262"/>
+              <a:gd name="connsiteY8" fmla="*/ 69057 h 438150"/>
+              <a:gd name="connsiteX9" fmla="*/ 138112 w 576262"/>
+              <a:gd name="connsiteY9" fmla="*/ 69057 h 438150"/>
+              <a:gd name="connsiteX10" fmla="*/ 138112 w 576262"/>
+              <a:gd name="connsiteY10" fmla="*/ 0 h 438150"/>
+              <a:gd name="connsiteX11" fmla="*/ 0 w 576262"/>
+              <a:gd name="connsiteY11" fmla="*/ 0 h 438150"/>
+            </a:gdLst>
+            <a:ahLst/>
+            <a:cxnLst>
+              <a:cxn ang="0">
+                <a:pos x="connsiteX0" y="connsiteY0"/>
+              </a:cxn>
+              <a:cxn ang="0">
+                <a:pos x="connsiteX1" y="connsiteY1"/>
+              </a:cxn>
+              <a:cxn ang="0">
+                <a:pos x="connsiteX2" y="connsiteY2"/>
+              </a:cxn>
+              <a:cxn ang="0">
+                <a:pos x="connsiteX3" y="connsiteY3"/>
+              </a:cxn>
+              <a:cxn ang="0">
+                <a:pos x="connsiteX4" y="connsiteY4"/>
+              </a:cxn>
+              <a:cxn ang="0">
+                <a:pos x="connsiteX5" y="connsiteY5"/>
+              </a:cxn>
+              <a:cxn ang="0">
+                <a:pos x="connsiteX6" y="connsiteY6"/>
+              </a:cxn>
+              <a:cxn ang="0">
+                <a:pos x="connsiteX7" y="connsiteY7"/>
+              </a:cxn>
+              <a:cxn ang="0">
+                <a:pos x="connsiteX8" y="connsiteY8"/>
+              </a:cxn>
+              <a:cxn ang="0">
+                <a:pos x="connsiteX9" y="connsiteY9"/>
+              </a:cxn>
+              <a:cxn ang="0">
+                <a:pos x="connsiteX10" y="connsiteY10"/>
+              </a:cxn>
+              <a:cxn ang="0">
+                <a:pos x="connsiteX11" y="connsiteY11"/>
+              </a:cxn>
+            </a:cxnLst>
+            <a:rect l="l" t="t" r="r" b="b"/>
+            <a:pathLst>
+              <a:path w="576262" h="438150">
+                <a:moveTo>
+                  <a:pt x="0" y="0"/>
+                </a:moveTo>
+                <a:cubicBezTo>
+                  <a:pt x="1587" y="135731"/>
+                  <a:pt x="3175" y="271463"/>
+                  <a:pt x="4762" y="407194"/>
+                </a:cubicBezTo>
+                <a:lnTo>
+                  <a:pt x="145256" y="407194"/>
+                </a:lnTo>
+                <a:lnTo>
+                  <a:pt x="145256" y="438150"/>
+                </a:lnTo>
+                <a:lnTo>
+                  <a:pt x="576262" y="438150"/>
+                </a:lnTo>
+                <a:lnTo>
+                  <a:pt x="576262" y="273844"/>
+                </a:lnTo>
+                <a:lnTo>
+                  <a:pt x="423862" y="273844"/>
+                </a:lnTo>
+                <a:lnTo>
+                  <a:pt x="285750" y="204788"/>
+                </a:lnTo>
+                <a:lnTo>
+                  <a:pt x="230981" y="69057"/>
+                </a:lnTo>
+                <a:lnTo>
+                  <a:pt x="138112" y="69057"/>
+                </a:lnTo>
+                <a:lnTo>
+                  <a:pt x="138112" y="0"/>
+                </a:lnTo>
+                <a:lnTo>
+                  <a:pt x="0" y="0"/>
+                </a:lnTo>
+                <a:close/>
+              </a:path>
+            </a:pathLst>
+          </a:custGeom>
+          <a:pattFill prst="ltDnDiag">
+            <a:fgClr>
+              <a:schemeClr val="accent1"/>
+            </a:fgClr>
+            <a:bgClr>
+              <a:schemeClr val="bg1"/>
+            </a:bgClr>
+          </a:pattFill>
+          <a:ln>
+            <a:noFill/>
+          </a:ln>
+        </p:spPr>
+        <p:style>
+          <a:lnRef idx="2">
+            <a:schemeClr val="accent1">
+              <a:shade val="50000"/>
+            </a:schemeClr>
+          </a:lnRef>
+          <a:fillRef idx="1">
+            <a:schemeClr val="accent1"/>
+          </a:fillRef>
+          <a:effectRef idx="0">
+            <a:schemeClr val="accent1"/>
+          </a:effectRef>
+          <a:fontRef idx="minor">
+            <a:schemeClr val="lt1"/>
+          </a:fontRef>
+        </p:style>
+        <p:txBody>
+          <a:bodyPr rtlCol="0" anchor="ctr"/>
+          <a:lstStyle/>
+          <a:p>
+            <a:pPr algn="ctr"/>
+            <a:endParaRPr lang="fr-FR"/>
+          </a:p>
+        </p:txBody>
+      </p:sp>
+      <p:sp>
+        <p:nvSpPr>
+          <p:cNvPr id="59" name="Forme libre 58"/>
+          <p:cNvSpPr/>
+          <p:nvPr/>
+        </p:nvSpPr>
+        <p:spPr>
+          <a:xfrm rot="20932008">
+            <a:off x="4111807" y="1238413"/>
+            <a:ext cx="94532" cy="247463"/>
+          </a:xfrm>
+          <a:custGeom>
+            <a:avLst/>
+            <a:gdLst>
+              <a:gd name="connsiteX0" fmla="*/ 88900 w 95082"/>
+              <a:gd name="connsiteY0" fmla="*/ 0 h 254000"/>
+              <a:gd name="connsiteX1" fmla="*/ 85725 w 95082"/>
+              <a:gd name="connsiteY1" fmla="*/ 139700 h 254000"/>
+              <a:gd name="connsiteX2" fmla="*/ 0 w 95082"/>
+              <a:gd name="connsiteY2" fmla="*/ 254000 h 254000"/>
+              <a:gd name="connsiteX0" fmla="*/ 88900 w 89272"/>
+              <a:gd name="connsiteY0" fmla="*/ 0 h 254000"/>
+              <a:gd name="connsiteX1" fmla="*/ 15875 w 89272"/>
+              <a:gd name="connsiteY1" fmla="*/ 130175 h 254000"/>
+              <a:gd name="connsiteX2" fmla="*/ 0 w 89272"/>
+              <a:gd name="connsiteY2" fmla="*/ 254000 h 254000"/>
+              <a:gd name="connsiteX0" fmla="*/ 88900 w 88900"/>
+              <a:gd name="connsiteY0" fmla="*/ 0 h 254000"/>
+              <a:gd name="connsiteX1" fmla="*/ 0 w 88900"/>
+              <a:gd name="connsiteY1" fmla="*/ 254000 h 254000"/>
+              <a:gd name="connsiteX0" fmla="*/ 88900 w 88900"/>
+              <a:gd name="connsiteY0" fmla="*/ 0 h 254000"/>
+              <a:gd name="connsiteX1" fmla="*/ 0 w 88900"/>
+              <a:gd name="connsiteY1" fmla="*/ 254000 h 254000"/>
+              <a:gd name="connsiteX0" fmla="*/ 88900 w 88900"/>
+              <a:gd name="connsiteY0" fmla="*/ 0 h 254000"/>
+              <a:gd name="connsiteX1" fmla="*/ 0 w 88900"/>
+              <a:gd name="connsiteY1" fmla="*/ 254000 h 254000"/>
+              <a:gd name="connsiteX0" fmla="*/ 139700 w 139700"/>
+              <a:gd name="connsiteY0" fmla="*/ 0 h 250825"/>
+              <a:gd name="connsiteX1" fmla="*/ 0 w 139700"/>
+              <a:gd name="connsiteY1" fmla="*/ 250825 h 250825"/>
+            </a:gdLst>
+            <a:ahLst/>
+            <a:cxnLst>
+              <a:cxn ang="0">
+                <a:pos x="connsiteX0" y="connsiteY0"/>
+              </a:cxn>
+              <a:cxn ang="0">
+                <a:pos x="connsiteX1" y="connsiteY1"/>
+              </a:cxn>
+            </a:cxnLst>
+            <a:rect l="l" t="t" r="r" b="b"/>
+            <a:pathLst>
+              <a:path w="139700" h="250825">
+                <a:moveTo>
+                  <a:pt x="139700" y="0"/>
+                </a:moveTo>
+                <a:cubicBezTo>
+                  <a:pt x="5292" y="2117"/>
+                  <a:pt x="74083" y="248708"/>
+                  <a:pt x="0" y="250825"/>
+                </a:cubicBezTo>
+              </a:path>
+            </a:pathLst>
+          </a:custGeom>
+          <a:ln w="6350">
+            <a:solidFill>
+              <a:schemeClr val="accent5">
+                <a:lumMod val="50000"/>
+              </a:schemeClr>
+            </a:solidFill>
+          </a:ln>
+        </p:spPr>
+        <p:style>
+          <a:lnRef idx="1">
+            <a:schemeClr val="accent1"/>
+          </a:lnRef>
+          <a:fillRef idx="0">
+            <a:schemeClr val="accent1"/>
+          </a:fillRef>
+          <a:effectRef idx="0">
+            <a:schemeClr val="accent1"/>
+          </a:effectRef>
+          <a:fontRef idx="minor">
+            <a:schemeClr val="tx1"/>
+          </a:fontRef>
+        </p:style>
+        <p:txBody>
+          <a:bodyPr rtlCol="0" anchor="ctr"/>
+          <a:lstStyle/>
+          <a:p>
+            <a:pPr algn="ctr"/>
+            <a:endParaRPr lang="fr-FR"/>
+          </a:p>
+        </p:txBody>
+      </p:sp>
+      <p:sp>
+        <p:nvSpPr>
+          <p:cNvPr id="190" name="Rectangle 189"/>
+          <p:cNvSpPr/>
+          <p:nvPr/>
+        </p:nvSpPr>
+        <p:spPr>
+          <a:xfrm>
+            <a:off x="3563888" y="694056"/>
+            <a:ext cx="143109" cy="67973"/>
+          </a:xfrm>
+          <a:prstGeom prst="rect">
+            <a:avLst/>
+          </a:prstGeom>
+          <a:pattFill prst="ltDnDiag">
+            <a:fgClr>
+              <a:schemeClr val="accent1"/>
+            </a:fgClr>
+            <a:bgClr>
+              <a:schemeClr val="bg1"/>
+            </a:bgClr>
+          </a:pattFill>
+          <a:ln>
+            <a:noFill/>
+          </a:ln>
+        </p:spPr>
+        <p:style>
+          <a:lnRef idx="2">
+            <a:schemeClr val="accent1">
+              <a:shade val="50000"/>
+            </a:schemeClr>
+          </a:lnRef>
+          <a:fillRef idx="1">
+            <a:schemeClr val="accent1"/>
+          </a:fillRef>
+          <a:effectRef idx="0">
+            <a:schemeClr val="accent1"/>
+          </a:effectRef>
+          <a:fontRef idx="minor">
+            <a:schemeClr val="lt1"/>
+          </a:fontRef>
+        </p:style>
+        <p:txBody>
+          <a:bodyPr rtlCol="0" anchor="ctr"/>
+          <a:lstStyle/>
+          <a:p>
+            <a:pPr algn="ctr"/>
+            <a:endParaRPr lang="fr-FR"/>
+          </a:p>
+        </p:txBody>
+      </p:sp>
+      <p:grpSp>
+        <p:nvGrpSpPr>
+          <p:cNvPr id="135" name="Groupe 134"/>
+          <p:cNvGrpSpPr/>
+          <p:nvPr/>
+        </p:nvGrpSpPr>
+        <p:grpSpPr>
+          <a:xfrm rot="5400000">
+            <a:off x="3215163" y="810765"/>
+            <a:ext cx="332645" cy="144016"/>
+            <a:chOff x="2064420" y="764284"/>
+            <a:chExt cx="436115" cy="180020"/>
+          </a:xfrm>
+        </p:grpSpPr>
+        <p:sp>
+          <p:nvSpPr>
+            <p:cNvPr id="136" name="Rectangle à coins arrondis 135"/>
+            <p:cNvSpPr/>
+            <p:nvPr/>
+          </p:nvSpPr>
+          <p:spPr>
+            <a:xfrm>
+              <a:off x="2064420" y="764284"/>
+              <a:ext cx="131316" cy="180020"/>
+            </a:xfrm>
+            <a:prstGeom prst="roundRect">
+              <a:avLst>
+                <a:gd name="adj" fmla="val 30158"/>
+              </a:avLst>
+            </a:prstGeom>
+            <a:solidFill>
+              <a:schemeClr val="bg1"/>
+            </a:solidFill>
+            <a:ln w="12700">
+              <a:solidFill>
+                <a:schemeClr val="accent5">
+                  <a:lumMod val="50000"/>
+                </a:schemeClr>
+              </a:solidFill>
+            </a:ln>
+          </p:spPr>
+          <p:style>
+            <a:lnRef idx="1">
+              <a:schemeClr val="accent1"/>
+            </a:lnRef>
+            <a:fillRef idx="0">
+              <a:schemeClr val="accent1"/>
+            </a:fillRef>
+            <a:effectRef idx="0">
+              <a:schemeClr val="accent1"/>
+            </a:effectRef>
+            <a:fontRef idx="minor">
+              <a:schemeClr val="tx1"/>
+            </a:fontRef>
+          </p:style>
+          <p:txBody>
+            <a:bodyPr rtlCol="0" anchor="ctr"/>
+            <a:lstStyle/>
+            <a:p>
+              <a:pPr algn="ctr"/>
+              <a:endParaRPr lang="fr-FR"/>
+            </a:p>
+          </p:txBody>
+        </p:sp>
+        <p:sp>
+          <p:nvSpPr>
+            <p:cNvPr id="137" name="Rectangle à coins arrondis 136"/>
+            <p:cNvSpPr/>
+            <p:nvPr/>
+          </p:nvSpPr>
+          <p:spPr>
+            <a:xfrm>
+              <a:off x="2195958" y="764284"/>
+              <a:ext cx="173261" cy="180020"/>
+            </a:xfrm>
+            <a:prstGeom prst="roundRect">
+              <a:avLst>
+                <a:gd name="adj" fmla="val 30158"/>
+              </a:avLst>
+            </a:prstGeom>
+            <a:solidFill>
+              <a:schemeClr val="bg1"/>
+            </a:solidFill>
+            <a:ln w="12700">
+              <a:solidFill>
+                <a:schemeClr val="accent5">
+                  <a:lumMod val="50000"/>
+                </a:schemeClr>
+              </a:solidFill>
+            </a:ln>
+          </p:spPr>
+          <p:style>
+            <a:lnRef idx="1">
+              <a:schemeClr val="accent1"/>
+            </a:lnRef>
+            <a:fillRef idx="0">
+              <a:schemeClr val="accent1"/>
+            </a:fillRef>
+            <a:effectRef idx="0">
+              <a:schemeClr val="accent1"/>
+            </a:effectRef>
+            <a:fontRef idx="minor">
+              <a:schemeClr val="tx1"/>
+            </a:fontRef>
+          </p:style>
+          <p:txBody>
+            <a:bodyPr rtlCol="0" anchor="ctr"/>
+            <a:lstStyle/>
+            <a:p>
+              <a:pPr algn="ctr"/>
+              <a:endParaRPr lang="fr-FR"/>
+            </a:p>
+          </p:txBody>
+        </p:sp>
+        <p:sp>
+          <p:nvSpPr>
+            <p:cNvPr id="138" name="Rectangle à coins arrondis 137"/>
+            <p:cNvSpPr/>
+            <p:nvPr/>
+          </p:nvSpPr>
+          <p:spPr>
+            <a:xfrm>
+              <a:off x="2369219" y="764284"/>
+              <a:ext cx="131316" cy="180020"/>
+            </a:xfrm>
+            <a:prstGeom prst="roundRect">
+              <a:avLst>
+                <a:gd name="adj" fmla="val 30158"/>
+              </a:avLst>
+            </a:prstGeom>
+            <a:solidFill>
+              <a:schemeClr val="bg1"/>
+            </a:solidFill>
+            <a:ln w="12700">
+              <a:solidFill>
+                <a:schemeClr val="accent5">
+                  <a:lumMod val="50000"/>
+                </a:schemeClr>
+              </a:solidFill>
+            </a:ln>
+          </p:spPr>
+          <p:style>
+            <a:lnRef idx="1">
+              <a:schemeClr val="accent1"/>
+            </a:lnRef>
+            <a:fillRef idx="0">
+              <a:schemeClr val="accent1"/>
+            </a:fillRef>
+            <a:effectRef idx="0">
+              <a:schemeClr val="accent1"/>
+            </a:effectRef>
+            <a:fontRef idx="minor">
+              <a:schemeClr val="tx1"/>
+            </a:fontRef>
+          </p:style>
+          <p:txBody>
+            <a:bodyPr rtlCol="0" anchor="ctr"/>
+            <a:lstStyle/>
+            <a:p>
+              <a:pPr algn="ctr"/>
+              <a:endParaRPr lang="fr-FR"/>
+            </a:p>
+          </p:txBody>
+        </p:sp>
+        <p:sp>
+          <p:nvSpPr>
+            <p:cNvPr id="139" name="Rectangle à coins arrondis 138"/>
+            <p:cNvSpPr/>
+            <p:nvPr/>
+          </p:nvSpPr>
+          <p:spPr>
+            <a:xfrm>
+              <a:off x="2064420" y="764284"/>
+              <a:ext cx="436115" cy="180020"/>
+            </a:xfrm>
+            <a:prstGeom prst="roundRect">
+              <a:avLst>
+                <a:gd name="adj" fmla="val 30158"/>
+              </a:avLst>
+            </a:prstGeom>
+            <a:ln w="12700">
+              <a:solidFill>
+                <a:schemeClr val="accent5">
+                  <a:lumMod val="50000"/>
+                </a:schemeClr>
+              </a:solidFill>
+            </a:ln>
+          </p:spPr>
+          <p:style>
+            <a:lnRef idx="1">
+              <a:schemeClr val="accent1"/>
+            </a:lnRef>
+            <a:fillRef idx="0">
+              <a:schemeClr val="accent1"/>
+            </a:fillRef>
+            <a:effectRef idx="0">
+              <a:schemeClr val="accent1"/>
+            </a:effectRef>
+            <a:fontRef idx="minor">
+              <a:schemeClr val="tx1"/>
+            </a:fontRef>
+          </p:style>
+          <p:txBody>
+            <a:bodyPr rtlCol="0" anchor="ctr"/>
+            <a:lstStyle/>
+            <a:p>
+              <a:pPr algn="ctr"/>
+              <a:endParaRPr lang="fr-FR"/>
+            </a:p>
+          </p:txBody>
+        </p:sp>
+      </p:grpSp>
+      <p:sp>
+        <p:nvSpPr>
+          <p:cNvPr id="140" name="Rectangle 139"/>
+          <p:cNvSpPr/>
+          <p:nvPr/>
+        </p:nvSpPr>
+        <p:spPr>
+          <a:xfrm flipH="1">
+            <a:off x="3419582" y="716451"/>
+            <a:ext cx="144306" cy="353666"/>
+          </a:xfrm>
+          <a:prstGeom prst="rect">
+            <a:avLst/>
+          </a:prstGeom>
+          <a:solidFill>
+            <a:schemeClr val="bg1"/>
+          </a:solidFill>
+          <a:ln w="12700">
+            <a:solidFill>
+              <a:schemeClr val="bg1"/>
+            </a:solidFill>
+          </a:ln>
+        </p:spPr>
+        <p:style>
+          <a:lnRef idx="1">
+            <a:schemeClr val="accent1"/>
+          </a:lnRef>
+          <a:fillRef idx="0">
+            <a:schemeClr val="accent1"/>
+          </a:fillRef>
+          <a:effectRef idx="0">
+            <a:schemeClr val="accent1"/>
+          </a:effectRef>
+          <a:fontRef idx="minor">
+            <a:schemeClr val="tx1"/>
+          </a:fontRef>
+        </p:style>
+        <p:txBody>
+          <a:bodyPr rtlCol="0" anchor="ctr"/>
+          <a:lstStyle/>
+          <a:p>
+            <a:pPr algn="ctr"/>
+            <a:endParaRPr lang="fr-FR"/>
+          </a:p>
+        </p:txBody>
+      </p:sp>
+      <p:sp>
+        <p:nvSpPr>
+          <p:cNvPr id="1050" name="Rectangle 1049"/>
+          <p:cNvSpPr/>
+          <p:nvPr/>
+        </p:nvSpPr>
+        <p:spPr>
+          <a:xfrm>
+            <a:off x="3419872" y="696731"/>
+            <a:ext cx="144016" cy="67973"/>
+          </a:xfrm>
+          <a:prstGeom prst="rect">
+            <a:avLst/>
+          </a:prstGeom>
+          <a:pattFill prst="ltUpDiag">
+            <a:fgClr>
+              <a:schemeClr val="accent1"/>
+            </a:fgClr>
+            <a:bgClr>
+              <a:schemeClr val="bg1"/>
+            </a:bgClr>
+          </a:pattFill>
+          <a:ln>
+            <a:noFill/>
+          </a:ln>
+        </p:spPr>
+        <p:style>
+          <a:lnRef idx="2">
+            <a:schemeClr val="accent1">
+              <a:shade val="50000"/>
+            </a:schemeClr>
+          </a:lnRef>
+          <a:fillRef idx="1">
+            <a:schemeClr val="accent1"/>
+          </a:fillRef>
+          <a:effectRef idx="0">
+            <a:schemeClr val="accent1"/>
+          </a:effectRef>
+          <a:fontRef idx="minor">
+            <a:schemeClr val="lt1"/>
+          </a:fontRef>
+        </p:style>
+        <p:txBody>
+          <a:bodyPr rtlCol="0" anchor="ctr"/>
+          <a:lstStyle/>
+          <a:p>
+            <a:pPr algn="ctr"/>
+            <a:endParaRPr lang="fr-FR"/>
+          </a:p>
+        </p:txBody>
+      </p:sp>
+      <p:sp>
+        <p:nvSpPr>
+          <p:cNvPr id="1049" name="Forme libre 1048"/>
+          <p:cNvSpPr/>
+          <p:nvPr/>
+        </p:nvSpPr>
+        <p:spPr>
+          <a:xfrm>
+            <a:off x="2995613" y="1004888"/>
+            <a:ext cx="631031" cy="476250"/>
+          </a:xfrm>
+          <a:custGeom>
+            <a:avLst/>
+            <a:gdLst>
+              <a:gd name="connsiteX0" fmla="*/ 340518 w 631031"/>
+              <a:gd name="connsiteY0" fmla="*/ 123825 h 476250"/>
+              <a:gd name="connsiteX1" fmla="*/ 431006 w 631031"/>
+              <a:gd name="connsiteY1" fmla="*/ 123825 h 476250"/>
+              <a:gd name="connsiteX2" fmla="*/ 431006 w 631031"/>
+              <a:gd name="connsiteY2" fmla="*/ 0 h 476250"/>
+              <a:gd name="connsiteX3" fmla="*/ 564356 w 631031"/>
+              <a:gd name="connsiteY3" fmla="*/ 0 h 476250"/>
+              <a:gd name="connsiteX4" fmla="*/ 566737 w 631031"/>
+              <a:gd name="connsiteY4" fmla="*/ 411956 h 476250"/>
+              <a:gd name="connsiteX5" fmla="*/ 631031 w 631031"/>
+              <a:gd name="connsiteY5" fmla="*/ 411956 h 476250"/>
+              <a:gd name="connsiteX6" fmla="*/ 631031 w 631031"/>
+              <a:gd name="connsiteY6" fmla="*/ 476250 h 476250"/>
+              <a:gd name="connsiteX7" fmla="*/ 0 w 631031"/>
+              <a:gd name="connsiteY7" fmla="*/ 476250 h 476250"/>
+              <a:gd name="connsiteX8" fmla="*/ 0 w 631031"/>
+              <a:gd name="connsiteY8" fmla="*/ 321468 h 476250"/>
+              <a:gd name="connsiteX9" fmla="*/ 145256 w 631031"/>
+              <a:gd name="connsiteY9" fmla="*/ 321468 h 476250"/>
+              <a:gd name="connsiteX10" fmla="*/ 280987 w 631031"/>
+              <a:gd name="connsiteY10" fmla="*/ 261937 h 476250"/>
+              <a:gd name="connsiteX11" fmla="*/ 340518 w 631031"/>
+              <a:gd name="connsiteY11" fmla="*/ 123825 h 476250"/>
+            </a:gdLst>
+            <a:ahLst/>
+            <a:cxnLst>
+              <a:cxn ang="0">
+                <a:pos x="connsiteX0" y="connsiteY0"/>
+              </a:cxn>
+              <a:cxn ang="0">
+                <a:pos x="connsiteX1" y="connsiteY1"/>
+              </a:cxn>
+              <a:cxn ang="0">
+                <a:pos x="connsiteX2" y="connsiteY2"/>
+              </a:cxn>
+              <a:cxn ang="0">
+                <a:pos x="connsiteX3" y="connsiteY3"/>
+              </a:cxn>
+              <a:cxn ang="0">
+                <a:pos x="connsiteX4" y="connsiteY4"/>
+              </a:cxn>
+              <a:cxn ang="0">
+                <a:pos x="connsiteX5" y="connsiteY5"/>
+              </a:cxn>
+              <a:cxn ang="0">
+                <a:pos x="connsiteX6" y="connsiteY6"/>
+              </a:cxn>
+              <a:cxn ang="0">
+                <a:pos x="connsiteX7" y="connsiteY7"/>
+              </a:cxn>
+              <a:cxn ang="0">
+                <a:pos x="connsiteX8" y="connsiteY8"/>
+              </a:cxn>
+              <a:cxn ang="0">
+                <a:pos x="connsiteX9" y="connsiteY9"/>
+              </a:cxn>
+              <a:cxn ang="0">
+                <a:pos x="connsiteX10" y="connsiteY10"/>
+              </a:cxn>
+              <a:cxn ang="0">
+                <a:pos x="connsiteX11" y="connsiteY11"/>
+              </a:cxn>
+            </a:cxnLst>
+            <a:rect l="l" t="t" r="r" b="b"/>
+            <a:pathLst>
+              <a:path w="631031" h="476250">
+                <a:moveTo>
+                  <a:pt x="340518" y="123825"/>
+                </a:moveTo>
+                <a:lnTo>
+                  <a:pt x="431006" y="123825"/>
+                </a:lnTo>
+                <a:lnTo>
+                  <a:pt x="431006" y="0"/>
+                </a:lnTo>
+                <a:lnTo>
+                  <a:pt x="564356" y="0"/>
+                </a:lnTo>
+                <a:cubicBezTo>
+                  <a:pt x="565150" y="137319"/>
+                  <a:pt x="565943" y="274637"/>
+                  <a:pt x="566737" y="411956"/>
+                </a:cubicBezTo>
+                <a:lnTo>
+                  <a:pt x="631031" y="411956"/>
+                </a:lnTo>
+                <a:lnTo>
+                  <a:pt x="631031" y="476250"/>
+                </a:lnTo>
+                <a:lnTo>
+                  <a:pt x="0" y="476250"/>
+                </a:lnTo>
+                <a:lnTo>
+                  <a:pt x="0" y="321468"/>
+                </a:lnTo>
+                <a:lnTo>
+                  <a:pt x="145256" y="321468"/>
+                </a:lnTo>
+                <a:lnTo>
+                  <a:pt x="280987" y="261937"/>
+                </a:lnTo>
+                <a:lnTo>
+                  <a:pt x="340518" y="123825"/>
+                </a:lnTo>
+                <a:close/>
+              </a:path>
+            </a:pathLst>
+          </a:custGeom>
+          <a:pattFill prst="ltUpDiag">
+            <a:fgClr>
+              <a:schemeClr val="accent1"/>
+            </a:fgClr>
+            <a:bgClr>
+              <a:schemeClr val="bg1"/>
+            </a:bgClr>
+          </a:pattFill>
+          <a:ln>
+            <a:noFill/>
+          </a:ln>
+        </p:spPr>
+        <p:style>
+          <a:lnRef idx="2">
+            <a:schemeClr val="accent1">
+              <a:shade val="50000"/>
+            </a:schemeClr>
+          </a:lnRef>
+          <a:fillRef idx="1">
+            <a:schemeClr val="accent1"/>
+          </a:fillRef>
+          <a:effectRef idx="0">
+            <a:schemeClr val="accent1"/>
+          </a:effectRef>
+          <a:fontRef idx="minor">
+            <a:schemeClr val="lt1"/>
+          </a:fontRef>
+        </p:style>
+        <p:txBody>
+          <a:bodyPr rtlCol="0" anchor="ctr"/>
+          <a:lstStyle/>
+          <a:p>
+            <a:pPr algn="ctr"/>
+            <a:endParaRPr lang="fr-FR"/>
+          </a:p>
+        </p:txBody>
+      </p:sp>
+      <p:cxnSp>
+        <p:nvCxnSpPr>
+          <p:cNvPr id="130" name="Connecteur droit 129"/>
+          <p:cNvCxnSpPr/>
+          <p:nvPr/>
+        </p:nvCxnSpPr>
+        <p:spPr>
+          <a:xfrm>
+            <a:off x="3491880" y="802647"/>
+            <a:ext cx="415378" cy="0"/>
+          </a:xfrm>
+          <a:prstGeom prst="line">
+            <a:avLst/>
+          </a:prstGeom>
+          <a:ln w="6350">
+            <a:solidFill>
+              <a:schemeClr val="accent5">
+                <a:lumMod val="50000"/>
+              </a:schemeClr>
+            </a:solidFill>
+          </a:ln>
+        </p:spPr>
+        <p:style>
+          <a:lnRef idx="1">
+            <a:schemeClr val="accent1"/>
+          </a:lnRef>
+          <a:fillRef idx="0">
+            <a:schemeClr val="accent1"/>
+          </a:fillRef>
+          <a:effectRef idx="0">
+            <a:schemeClr val="accent1"/>
+          </a:effectRef>
+          <a:fontRef idx="minor">
+            <a:schemeClr val="tx1"/>
+          </a:fontRef>
+        </p:style>
+      </p:cxnSp>
+      <p:cxnSp>
+        <p:nvCxnSpPr>
+          <p:cNvPr id="2" name="Connecteur droit 1"/>
+          <p:cNvCxnSpPr/>
+          <p:nvPr/>
+        </p:nvCxnSpPr>
+        <p:spPr>
+          <a:xfrm>
+            <a:off x="2987824" y="1323385"/>
+            <a:ext cx="144016" cy="0"/>
+          </a:xfrm>
+          <a:prstGeom prst="line">
+            <a:avLst/>
+          </a:prstGeom>
+          <a:ln w="12700">
+            <a:solidFill>
+              <a:schemeClr val="accent5">
+                <a:lumMod val="50000"/>
+              </a:schemeClr>
+            </a:solidFill>
+          </a:ln>
+        </p:spPr>
+        <p:style>
+          <a:lnRef idx="1">
+            <a:schemeClr val="accent1"/>
+          </a:lnRef>
+          <a:fillRef idx="0">
+            <a:schemeClr val="accent1"/>
+          </a:fillRef>
+          <a:effectRef idx="0">
+            <a:schemeClr val="accent1"/>
+          </a:effectRef>
+          <a:fontRef idx="minor">
+            <a:schemeClr val="tx1"/>
+          </a:fontRef>
+        </p:style>
+      </p:cxnSp>
+      <p:sp>
+        <p:nvSpPr>
+          <p:cNvPr id="7" name="Arc 6"/>
+          <p:cNvSpPr/>
+          <p:nvPr/>
+        </p:nvSpPr>
+        <p:spPr>
+          <a:xfrm rot="5400000">
+            <a:off x="2933198" y="926101"/>
+            <a:ext cx="397284" cy="397284"/>
+          </a:xfrm>
+          <a:prstGeom prst="arc">
+            <a:avLst/>
+          </a:prstGeom>
+          <a:solidFill>
+            <a:schemeClr val="bg1"/>
+          </a:solidFill>
+          <a:ln w="12700">
+            <a:solidFill>
+              <a:schemeClr val="accent5">
+                <a:lumMod val="50000"/>
+              </a:schemeClr>
+            </a:solidFill>
+          </a:ln>
+        </p:spPr>
+        <p:style>
+          <a:lnRef idx="1">
+            <a:schemeClr val="accent1"/>
+          </a:lnRef>
+          <a:fillRef idx="0">
+            <a:schemeClr val="accent1"/>
+          </a:fillRef>
+          <a:effectRef idx="0">
+            <a:schemeClr val="accent1"/>
+          </a:effectRef>
+          <a:fontRef idx="minor">
+            <a:schemeClr val="tx1"/>
+          </a:fontRef>
+        </p:style>
+        <p:txBody>
+          <a:bodyPr rtlCol="0" anchor="ctr"/>
+          <a:lstStyle/>
+          <a:p>
+            <a:pPr algn="ctr"/>
+            <a:endParaRPr lang="fr-FR"/>
+          </a:p>
+        </p:txBody>
+      </p:sp>
+      <p:cxnSp>
+        <p:nvCxnSpPr>
+          <p:cNvPr id="9" name="Connecteur droit 8"/>
+          <p:cNvCxnSpPr>
+            <a:endCxn id="7" idx="0"/>
+          </p:cNvCxnSpPr>
+          <p:nvPr/>
+        </p:nvCxnSpPr>
+        <p:spPr>
+          <a:xfrm flipH="1">
+            <a:off x="3330482" y="1124743"/>
+            <a:ext cx="89390" cy="0"/>
+          </a:xfrm>
+          <a:prstGeom prst="line">
+            <a:avLst/>
+          </a:prstGeom>
+          <a:ln w="12700">
+            <a:solidFill>
+              <a:schemeClr val="accent5">
+                <a:lumMod val="50000"/>
+              </a:schemeClr>
+            </a:solidFill>
+          </a:ln>
+        </p:spPr>
+        <p:style>
+          <a:lnRef idx="1">
+            <a:schemeClr val="accent1"/>
+          </a:lnRef>
+          <a:fillRef idx="0">
+            <a:schemeClr val="accent1"/>
+          </a:fillRef>
+          <a:effectRef idx="0">
+            <a:schemeClr val="accent1"/>
+          </a:effectRef>
+          <a:fontRef idx="minor">
+            <a:schemeClr val="tx1"/>
+          </a:fontRef>
+        </p:style>
+      </p:cxnSp>
+      <p:cxnSp>
+        <p:nvCxnSpPr>
+          <p:cNvPr id="14" name="Connecteur droit 13"/>
+          <p:cNvCxnSpPr/>
+          <p:nvPr/>
+        </p:nvCxnSpPr>
+        <p:spPr>
+          <a:xfrm>
+            <a:off x="3418061" y="689521"/>
+            <a:ext cx="0" cy="435222"/>
+          </a:xfrm>
+          <a:prstGeom prst="line">
+            <a:avLst/>
+          </a:prstGeom>
+          <a:ln w="12700">
+            <a:solidFill>
+              <a:schemeClr val="accent5">
+                <a:lumMod val="50000"/>
+              </a:schemeClr>
+            </a:solidFill>
+          </a:ln>
+        </p:spPr>
+        <p:style>
+          <a:lnRef idx="1">
+            <a:schemeClr val="accent1"/>
+          </a:lnRef>
+          <a:fillRef idx="0">
+            <a:schemeClr val="accent1"/>
+          </a:fillRef>
+          <a:effectRef idx="0">
+            <a:schemeClr val="accent1"/>
+          </a:effectRef>
+          <a:fontRef idx="minor">
+            <a:schemeClr val="tx1"/>
+          </a:fontRef>
+        </p:style>
+      </p:cxnSp>
+      <p:cxnSp>
+        <p:nvCxnSpPr>
+          <p:cNvPr id="18" name="Connecteur droit 17"/>
+          <p:cNvCxnSpPr/>
+          <p:nvPr/>
+        </p:nvCxnSpPr>
+        <p:spPr>
+          <a:xfrm>
+            <a:off x="3419872" y="692696"/>
+            <a:ext cx="288032" cy="0"/>
+          </a:xfrm>
+          <a:prstGeom prst="line">
+            <a:avLst/>
+          </a:prstGeom>
+          <a:ln w="12700">
+            <a:solidFill>
+              <a:schemeClr val="accent5">
+                <a:lumMod val="50000"/>
+              </a:schemeClr>
+            </a:solidFill>
+          </a:ln>
+        </p:spPr>
+        <p:style>
+          <a:lnRef idx="1">
+            <a:schemeClr val="accent1"/>
+          </a:lnRef>
+          <a:fillRef idx="0">
+            <a:schemeClr val="accent1"/>
+          </a:fillRef>
+          <a:effectRef idx="0">
+            <a:schemeClr val="accent1"/>
+          </a:effectRef>
+          <a:fontRef idx="minor">
+            <a:schemeClr val="tx1"/>
+          </a:fontRef>
+        </p:style>
+      </p:cxnSp>
+      <p:cxnSp>
+        <p:nvCxnSpPr>
+          <p:cNvPr id="21" name="Connecteur droit 20"/>
+          <p:cNvCxnSpPr/>
+          <p:nvPr/>
+        </p:nvCxnSpPr>
+        <p:spPr>
+          <a:xfrm>
+            <a:off x="3563888" y="997395"/>
+            <a:ext cx="0" cy="415133"/>
+          </a:xfrm>
+          <a:prstGeom prst="line">
+            <a:avLst/>
+          </a:prstGeom>
+          <a:ln w="12700">
+            <a:solidFill>
+              <a:schemeClr val="accent5">
+                <a:lumMod val="50000"/>
+              </a:schemeClr>
+            </a:solidFill>
+          </a:ln>
+        </p:spPr>
+        <p:style>
+          <a:lnRef idx="1">
+            <a:schemeClr val="accent1"/>
+          </a:lnRef>
+          <a:fillRef idx="0">
+            <a:schemeClr val="accent1"/>
+          </a:fillRef>
+          <a:effectRef idx="0">
+            <a:schemeClr val="accent1"/>
+          </a:effectRef>
+          <a:fontRef idx="minor">
+            <a:schemeClr val="tx1"/>
+          </a:fontRef>
+        </p:style>
+      </p:cxnSp>
+      <p:cxnSp>
+        <p:nvCxnSpPr>
+          <p:cNvPr id="23" name="Connecteur droit 22"/>
+          <p:cNvCxnSpPr/>
+          <p:nvPr/>
+        </p:nvCxnSpPr>
+        <p:spPr>
+          <a:xfrm>
+            <a:off x="2987824" y="1484784"/>
+            <a:ext cx="648072" cy="0"/>
+          </a:xfrm>
+          <a:prstGeom prst="line">
+            <a:avLst/>
+          </a:prstGeom>
+          <a:ln w="12700">
+            <a:solidFill>
+              <a:schemeClr val="accent5">
+                <a:lumMod val="50000"/>
+              </a:schemeClr>
+            </a:solidFill>
+          </a:ln>
+        </p:spPr>
+        <p:style>
+          <a:lnRef idx="1">
+            <a:schemeClr val="accent1"/>
+          </a:lnRef>
+          <a:fillRef idx="0">
+            <a:schemeClr val="accent1"/>
+          </a:fillRef>
+          <a:effectRef idx="0">
+            <a:schemeClr val="accent1"/>
+          </a:effectRef>
+          <a:fontRef idx="minor">
+            <a:schemeClr val="tx1"/>
+          </a:fontRef>
+        </p:style>
+      </p:cxnSp>
+      <p:cxnSp>
+        <p:nvCxnSpPr>
+          <p:cNvPr id="27" name="Connecteur droit 26"/>
+          <p:cNvCxnSpPr/>
+          <p:nvPr/>
+        </p:nvCxnSpPr>
+        <p:spPr>
+          <a:xfrm flipV="1">
+            <a:off x="3330482" y="881407"/>
+            <a:ext cx="449430" cy="1"/>
+          </a:xfrm>
+          <a:prstGeom prst="line">
+            <a:avLst/>
+          </a:prstGeom>
+          <a:ln w="6350">
+            <a:solidFill>
+              <a:schemeClr val="accent5">
+                <a:lumMod val="50000"/>
+              </a:schemeClr>
+            </a:solidFill>
+            <a:prstDash val="lgDashDot"/>
+          </a:ln>
+        </p:spPr>
+        <p:style>
+          <a:lnRef idx="1">
+            <a:schemeClr val="accent1"/>
+          </a:lnRef>
+          <a:fillRef idx="0">
+            <a:schemeClr val="accent1"/>
+          </a:fillRef>
+          <a:effectRef idx="0">
+            <a:schemeClr val="accent1"/>
+          </a:effectRef>
+          <a:fontRef idx="minor">
+            <a:schemeClr val="tx1"/>
+          </a:fontRef>
+        </p:style>
+      </p:cxnSp>
+      <p:cxnSp>
+        <p:nvCxnSpPr>
+          <p:cNvPr id="31" name="Connecteur droit 30"/>
+          <p:cNvCxnSpPr/>
+          <p:nvPr/>
+        </p:nvCxnSpPr>
+        <p:spPr>
+          <a:xfrm>
+            <a:off x="3707904" y="978152"/>
+            <a:ext cx="0" cy="91967"/>
+          </a:xfrm>
+          <a:prstGeom prst="line">
+            <a:avLst/>
+          </a:prstGeom>
+          <a:ln w="12700">
+            <a:solidFill>
+              <a:schemeClr val="accent5">
+                <a:lumMod val="50000"/>
+              </a:schemeClr>
+            </a:solidFill>
+          </a:ln>
+        </p:spPr>
+        <p:style>
+          <a:lnRef idx="1">
+            <a:schemeClr val="accent1"/>
+          </a:lnRef>
+          <a:fillRef idx="0">
+            <a:schemeClr val="accent1"/>
+          </a:fillRef>
+          <a:effectRef idx="0">
+            <a:schemeClr val="accent1"/>
+          </a:effectRef>
+          <a:fontRef idx="minor">
+            <a:schemeClr val="tx1"/>
+          </a:fontRef>
+        </p:style>
+      </p:cxnSp>
+      <p:cxnSp>
+        <p:nvCxnSpPr>
+          <p:cNvPr id="32" name="Connecteur droit 31"/>
+          <p:cNvCxnSpPr/>
+          <p:nvPr/>
+        </p:nvCxnSpPr>
+        <p:spPr>
+          <a:xfrm flipH="1">
+            <a:off x="3707904" y="1070118"/>
+            <a:ext cx="89390" cy="0"/>
+          </a:xfrm>
+          <a:prstGeom prst="line">
+            <a:avLst/>
+          </a:prstGeom>
+          <a:ln w="12700">
+            <a:solidFill>
+              <a:schemeClr val="accent5">
+                <a:lumMod val="50000"/>
+              </a:schemeClr>
+            </a:solidFill>
+          </a:ln>
+        </p:spPr>
+        <p:style>
+          <a:lnRef idx="1">
+            <a:schemeClr val="accent1"/>
+          </a:lnRef>
+          <a:fillRef idx="0">
+            <a:schemeClr val="accent1"/>
+          </a:fillRef>
+          <a:effectRef idx="0">
+            <a:schemeClr val="accent1"/>
+          </a:effectRef>
+          <a:fontRef idx="minor">
+            <a:schemeClr val="tx1"/>
+          </a:fontRef>
+        </p:style>
+      </p:cxnSp>
+      <p:sp>
+        <p:nvSpPr>
+          <p:cNvPr id="35" name="Arc 34"/>
+          <p:cNvSpPr/>
+          <p:nvPr/>
+        </p:nvSpPr>
+        <p:spPr>
+          <a:xfrm rot="16200000" flipH="1">
+            <a:off x="3797294" y="871476"/>
+            <a:ext cx="397284" cy="397284"/>
+          </a:xfrm>
+          <a:prstGeom prst="arc">
+            <a:avLst/>
+          </a:prstGeom>
+          <a:ln w="12700">
+            <a:solidFill>
+              <a:schemeClr val="accent5">
+                <a:lumMod val="50000"/>
+              </a:schemeClr>
+            </a:solidFill>
+          </a:ln>
+        </p:spPr>
+        <p:style>
+          <a:lnRef idx="1">
+            <a:schemeClr val="accent1"/>
+          </a:lnRef>
+          <a:fillRef idx="0">
+            <a:schemeClr val="accent1"/>
+          </a:fillRef>
+          <a:effectRef idx="0">
+            <a:schemeClr val="accent1"/>
+          </a:effectRef>
+          <a:fontRef idx="minor">
+            <a:schemeClr val="tx1"/>
+          </a:fontRef>
+        </p:style>
+        <p:txBody>
+          <a:bodyPr rtlCol="0" anchor="ctr"/>
+          <a:lstStyle/>
+          <a:p>
+            <a:pPr algn="ctr"/>
+            <a:endParaRPr lang="fr-FR"/>
+          </a:p>
+        </p:txBody>
+      </p:sp>
+      <p:cxnSp>
+        <p:nvCxnSpPr>
+          <p:cNvPr id="37" name="Connecteur droit 36"/>
+          <p:cNvCxnSpPr/>
+          <p:nvPr/>
+        </p:nvCxnSpPr>
+        <p:spPr>
+          <a:xfrm>
+            <a:off x="3995936" y="1268760"/>
+            <a:ext cx="144016" cy="0"/>
+          </a:xfrm>
+          <a:prstGeom prst="line">
+            <a:avLst/>
+          </a:prstGeom>
+          <a:ln w="12700">
+            <a:solidFill>
+              <a:schemeClr val="accent5">
+                <a:lumMod val="50000"/>
+              </a:schemeClr>
+            </a:solidFill>
+          </a:ln>
+        </p:spPr>
+        <p:style>
+          <a:lnRef idx="1">
+            <a:schemeClr val="accent1"/>
+          </a:lnRef>
+          <a:fillRef idx="0">
+            <a:schemeClr val="accent1"/>
+          </a:fillRef>
+          <a:effectRef idx="0">
+            <a:schemeClr val="accent1"/>
+          </a:effectRef>
+          <a:fontRef idx="minor">
+            <a:schemeClr val="tx1"/>
+          </a:fontRef>
+        </p:style>
+      </p:cxnSp>
+      <p:cxnSp>
+        <p:nvCxnSpPr>
+          <p:cNvPr id="42" name="Connecteur droit 41"/>
+          <p:cNvCxnSpPr/>
+          <p:nvPr/>
+        </p:nvCxnSpPr>
+        <p:spPr>
+          <a:xfrm>
+            <a:off x="3703067" y="1444509"/>
+            <a:ext cx="436885" cy="0"/>
+          </a:xfrm>
+          <a:prstGeom prst="line">
+            <a:avLst/>
+          </a:prstGeom>
+          <a:ln w="12700">
+            <a:solidFill>
+              <a:schemeClr val="accent5">
+                <a:lumMod val="50000"/>
+              </a:schemeClr>
+            </a:solidFill>
+          </a:ln>
+        </p:spPr>
+        <p:style>
+          <a:lnRef idx="1">
+            <a:schemeClr val="accent1"/>
+          </a:lnRef>
+          <a:fillRef idx="0">
+            <a:schemeClr val="accent1"/>
+          </a:fillRef>
+          <a:effectRef idx="0">
+            <a:schemeClr val="accent1"/>
+          </a:effectRef>
+          <a:fontRef idx="minor">
+            <a:schemeClr val="tx1"/>
+          </a:fontRef>
+        </p:style>
+      </p:cxnSp>
+      <p:cxnSp>
+        <p:nvCxnSpPr>
+          <p:cNvPr id="47" name="Connecteur droit 46"/>
+          <p:cNvCxnSpPr/>
+          <p:nvPr/>
+        </p:nvCxnSpPr>
+        <p:spPr>
+          <a:xfrm flipH="1">
+            <a:off x="3631134" y="1412528"/>
+            <a:ext cx="0" cy="72256"/>
+          </a:xfrm>
+          <a:prstGeom prst="line">
+            <a:avLst/>
+          </a:prstGeom>
+          <a:ln w="12700">
+            <a:solidFill>
+              <a:schemeClr val="accent5">
+                <a:lumMod val="50000"/>
+              </a:schemeClr>
+            </a:solidFill>
+          </a:ln>
+        </p:spPr>
+        <p:style>
+          <a:lnRef idx="1">
+            <a:schemeClr val="accent1"/>
+          </a:lnRef>
+          <a:fillRef idx="0">
+            <a:schemeClr val="accent1"/>
+          </a:fillRef>
+          <a:effectRef idx="0">
+            <a:schemeClr val="accent1"/>
+          </a:effectRef>
+          <a:fontRef idx="minor">
+            <a:schemeClr val="tx1"/>
+          </a:fontRef>
+        </p:style>
+      </p:cxnSp>
+      <p:cxnSp>
+        <p:nvCxnSpPr>
+          <p:cNvPr id="48" name="Connecteur droit 47"/>
+          <p:cNvCxnSpPr/>
+          <p:nvPr/>
+        </p:nvCxnSpPr>
+        <p:spPr>
+          <a:xfrm>
+            <a:off x="3703067" y="1410593"/>
+            <a:ext cx="0" cy="36000"/>
+          </a:xfrm>
+          <a:prstGeom prst="line">
+            <a:avLst/>
+          </a:prstGeom>
+          <a:ln w="12700">
+            <a:solidFill>
+              <a:schemeClr val="accent5">
+                <a:lumMod val="50000"/>
+              </a:schemeClr>
+            </a:solidFill>
+          </a:ln>
+        </p:spPr>
+        <p:style>
+          <a:lnRef idx="1">
+            <a:schemeClr val="accent1"/>
+          </a:lnRef>
+          <a:fillRef idx="0">
+            <a:schemeClr val="accent1"/>
+          </a:fillRef>
+          <a:effectRef idx="0">
+            <a:schemeClr val="accent1"/>
+          </a:effectRef>
+          <a:fontRef idx="minor">
+            <a:schemeClr val="tx1"/>
+          </a:fontRef>
+        </p:style>
+      </p:cxnSp>
+      <p:cxnSp>
+        <p:nvCxnSpPr>
+          <p:cNvPr id="51" name="Connecteur droit 50"/>
+          <p:cNvCxnSpPr/>
+          <p:nvPr/>
+        </p:nvCxnSpPr>
+        <p:spPr>
+          <a:xfrm>
+            <a:off x="3562982" y="1410593"/>
+            <a:ext cx="144922" cy="0"/>
+          </a:xfrm>
+          <a:prstGeom prst="line">
+            <a:avLst/>
+          </a:prstGeom>
+          <a:ln w="12700">
+            <a:solidFill>
+              <a:schemeClr val="accent5">
+                <a:lumMod val="50000"/>
+              </a:schemeClr>
+            </a:solidFill>
+          </a:ln>
+        </p:spPr>
+        <p:style>
+          <a:lnRef idx="1">
+            <a:schemeClr val="accent1"/>
+          </a:lnRef>
+          <a:fillRef idx="0">
+            <a:schemeClr val="accent1"/>
+          </a:fillRef>
+          <a:effectRef idx="0">
+            <a:schemeClr val="accent1"/>
+          </a:effectRef>
+          <a:fontRef idx="minor">
+            <a:schemeClr val="tx1"/>
+          </a:fontRef>
+        </p:style>
+      </p:cxnSp>
+      <p:cxnSp>
+        <p:nvCxnSpPr>
+          <p:cNvPr id="53" name="Connecteur droit 52"/>
+          <p:cNvCxnSpPr/>
+          <p:nvPr/>
+        </p:nvCxnSpPr>
+        <p:spPr>
+          <a:xfrm>
+            <a:off x="3418061" y="764704"/>
+            <a:ext cx="289843" cy="0"/>
+          </a:xfrm>
+          <a:prstGeom prst="line">
+            <a:avLst/>
+          </a:prstGeom>
+          <a:ln w="12700">
+            <a:solidFill>
+              <a:schemeClr val="accent5">
+                <a:lumMod val="50000"/>
+              </a:schemeClr>
+            </a:solidFill>
+          </a:ln>
+        </p:spPr>
+        <p:style>
+          <a:lnRef idx="1">
+            <a:schemeClr val="accent1"/>
+          </a:lnRef>
+          <a:fillRef idx="0">
+            <a:schemeClr val="accent1"/>
+          </a:fillRef>
+          <a:effectRef idx="0">
+            <a:schemeClr val="accent1"/>
+          </a:effectRef>
+          <a:fontRef idx="minor">
+            <a:schemeClr val="tx1"/>
+          </a:fontRef>
+        </p:style>
+      </p:cxnSp>
+      <p:cxnSp>
+        <p:nvCxnSpPr>
+          <p:cNvPr id="56" name="Connecteur droit 55"/>
+          <p:cNvCxnSpPr/>
+          <p:nvPr/>
+        </p:nvCxnSpPr>
+        <p:spPr>
+          <a:xfrm>
+            <a:off x="3491880" y="958663"/>
+            <a:ext cx="413489" cy="0"/>
+          </a:xfrm>
+          <a:prstGeom prst="line">
+            <a:avLst/>
+          </a:prstGeom>
+          <a:ln w="6350">
+            <a:solidFill>
+              <a:schemeClr val="accent5">
+                <a:lumMod val="50000"/>
+              </a:schemeClr>
+            </a:solidFill>
+          </a:ln>
+        </p:spPr>
+        <p:style>
+          <a:lnRef idx="1">
+            <a:schemeClr val="accent1"/>
+          </a:lnRef>
+          <a:fillRef idx="0">
+            <a:schemeClr val="accent1"/>
+          </a:fillRef>
+          <a:effectRef idx="0">
+            <a:schemeClr val="accent1"/>
+          </a:effectRef>
+          <a:fontRef idx="minor">
+            <a:schemeClr val="tx1"/>
+          </a:fontRef>
+        </p:style>
+      </p:cxnSp>
+      <p:cxnSp>
+        <p:nvCxnSpPr>
+          <p:cNvPr id="58" name="Connecteur droit 57"/>
+          <p:cNvCxnSpPr/>
+          <p:nvPr/>
+        </p:nvCxnSpPr>
+        <p:spPr>
+          <a:xfrm>
+            <a:off x="3419872" y="783752"/>
+            <a:ext cx="291654" cy="0"/>
+          </a:xfrm>
+          <a:prstGeom prst="line">
+            <a:avLst/>
+          </a:prstGeom>
+          <a:ln w="12700">
+            <a:solidFill>
+              <a:schemeClr val="accent5">
+                <a:lumMod val="50000"/>
+              </a:schemeClr>
+            </a:solidFill>
+          </a:ln>
+        </p:spPr>
+        <p:style>
+          <a:lnRef idx="1">
+            <a:schemeClr val="accent1"/>
+          </a:lnRef>
+          <a:fillRef idx="0">
+            <a:schemeClr val="accent1"/>
+          </a:fillRef>
+          <a:effectRef idx="0">
+            <a:schemeClr val="accent1"/>
+          </a:effectRef>
+          <a:fontRef idx="minor">
+            <a:schemeClr val="tx1"/>
+          </a:fontRef>
+        </p:style>
+      </p:cxnSp>
+      <p:cxnSp>
+        <p:nvCxnSpPr>
+          <p:cNvPr id="60" name="Connecteur droit 59"/>
+          <p:cNvCxnSpPr/>
+          <p:nvPr/>
+        </p:nvCxnSpPr>
+        <p:spPr>
+          <a:xfrm flipV="1">
+            <a:off x="3491880" y="783752"/>
+            <a:ext cx="0" cy="194400"/>
+          </a:xfrm>
+          <a:prstGeom prst="line">
+            <a:avLst/>
+          </a:prstGeom>
+          <a:ln w="12700">
+            <a:solidFill>
+              <a:schemeClr val="accent5">
+                <a:lumMod val="50000"/>
+              </a:schemeClr>
+            </a:solidFill>
+          </a:ln>
+        </p:spPr>
+        <p:style>
+          <a:lnRef idx="1">
+            <a:schemeClr val="accent1"/>
+          </a:lnRef>
+          <a:fillRef idx="0">
+            <a:schemeClr val="accent1"/>
+          </a:fillRef>
+          <a:effectRef idx="0">
+            <a:schemeClr val="accent1"/>
+          </a:effectRef>
+          <a:fontRef idx="minor">
+            <a:schemeClr val="tx1"/>
+          </a:fontRef>
+        </p:style>
+      </p:cxnSp>
+      <p:cxnSp>
+        <p:nvCxnSpPr>
+          <p:cNvPr id="63" name="Connecteur droit 62"/>
+          <p:cNvCxnSpPr/>
+          <p:nvPr/>
+        </p:nvCxnSpPr>
+        <p:spPr>
+          <a:xfrm>
+            <a:off x="3418061" y="978152"/>
+            <a:ext cx="291654" cy="0"/>
+          </a:xfrm>
+          <a:prstGeom prst="line">
+            <a:avLst/>
+          </a:prstGeom>
+          <a:ln w="12700">
+            <a:solidFill>
+              <a:schemeClr val="accent5">
+                <a:lumMod val="50000"/>
+              </a:schemeClr>
+            </a:solidFill>
+          </a:ln>
+        </p:spPr>
+        <p:style>
+          <a:lnRef idx="1">
+            <a:schemeClr val="accent1"/>
+          </a:lnRef>
+          <a:fillRef idx="0">
+            <a:schemeClr val="accent1"/>
+          </a:fillRef>
+          <a:effectRef idx="0">
+            <a:schemeClr val="accent1"/>
+          </a:effectRef>
+          <a:fontRef idx="minor">
+            <a:schemeClr val="tx1"/>
+          </a:fontRef>
+        </p:style>
+      </p:cxnSp>
+      <p:cxnSp>
+        <p:nvCxnSpPr>
+          <p:cNvPr id="64" name="Connecteur droit 63"/>
+          <p:cNvCxnSpPr/>
+          <p:nvPr/>
+        </p:nvCxnSpPr>
+        <p:spPr>
+          <a:xfrm>
+            <a:off x="3418061" y="997395"/>
+            <a:ext cx="285006" cy="0"/>
+          </a:xfrm>
+          <a:prstGeom prst="line">
+            <a:avLst/>
+          </a:prstGeom>
+          <a:ln w="12700">
+            <a:solidFill>
+              <a:schemeClr val="accent5">
+                <a:lumMod val="50000"/>
+              </a:schemeClr>
+            </a:solidFill>
+          </a:ln>
+        </p:spPr>
+        <p:style>
+          <a:lnRef idx="1">
+            <a:schemeClr val="accent1"/>
+          </a:lnRef>
+          <a:fillRef idx="0">
+            <a:schemeClr val="accent1"/>
+          </a:fillRef>
+          <a:effectRef idx="0">
+            <a:schemeClr val="accent1"/>
+          </a:effectRef>
+          <a:fontRef idx="minor">
+            <a:schemeClr val="tx1"/>
+          </a:fontRef>
+        </p:style>
+      </p:cxnSp>
+      <p:cxnSp>
+        <p:nvCxnSpPr>
+          <p:cNvPr id="68" name="Connecteur droit 67"/>
+          <p:cNvCxnSpPr/>
+          <p:nvPr/>
+        </p:nvCxnSpPr>
+        <p:spPr>
+          <a:xfrm>
+            <a:off x="3565699" y="692697"/>
+            <a:ext cx="0" cy="72007"/>
+          </a:xfrm>
+          <a:prstGeom prst="line">
+            <a:avLst/>
+          </a:prstGeom>
+          <a:ln w="12700">
+            <a:solidFill>
+              <a:schemeClr val="accent5">
+                <a:lumMod val="50000"/>
+              </a:schemeClr>
+            </a:solidFill>
+          </a:ln>
+        </p:spPr>
+        <p:style>
+          <a:lnRef idx="1">
+            <a:schemeClr val="accent1"/>
+          </a:lnRef>
+          <a:fillRef idx="0">
+            <a:schemeClr val="accent1"/>
+          </a:fillRef>
+          <a:effectRef idx="0">
+            <a:schemeClr val="accent1"/>
+          </a:effectRef>
+          <a:fontRef idx="minor">
+            <a:schemeClr val="tx1"/>
+          </a:fontRef>
+        </p:style>
+      </p:cxnSp>
+      <p:cxnSp>
+        <p:nvCxnSpPr>
+          <p:cNvPr id="84" name="Connecteur droit 83"/>
+          <p:cNvCxnSpPr/>
+          <p:nvPr/>
+        </p:nvCxnSpPr>
+        <p:spPr>
+          <a:xfrm>
+            <a:off x="3708202" y="691785"/>
+            <a:ext cx="0" cy="91967"/>
+          </a:xfrm>
+          <a:prstGeom prst="line">
+            <a:avLst/>
+          </a:prstGeom>
+          <a:ln w="12700">
+            <a:solidFill>
+              <a:schemeClr val="accent5">
+                <a:lumMod val="50000"/>
+              </a:schemeClr>
+            </a:solidFill>
+          </a:ln>
+        </p:spPr>
+        <p:style>
+          <a:lnRef idx="1">
+            <a:schemeClr val="accent1"/>
+          </a:lnRef>
+          <a:fillRef idx="0">
+            <a:schemeClr val="accent1"/>
+          </a:fillRef>
+          <a:effectRef idx="0">
+            <a:schemeClr val="accent1"/>
+          </a:effectRef>
+          <a:fontRef idx="minor">
+            <a:schemeClr val="tx1"/>
+          </a:fontRef>
+        </p:style>
+      </p:cxnSp>
+      <p:grpSp>
+        <p:nvGrpSpPr>
+          <p:cNvPr id="115" name="Groupe 114"/>
+          <p:cNvGrpSpPr/>
+          <p:nvPr/>
+        </p:nvGrpSpPr>
+        <p:grpSpPr>
+          <a:xfrm rot="5400000">
+            <a:off x="3631588" y="828766"/>
+            <a:ext cx="332645" cy="108016"/>
+            <a:chOff x="2064420" y="764284"/>
+            <a:chExt cx="436115" cy="180020"/>
+          </a:xfrm>
+        </p:grpSpPr>
+        <p:sp>
+          <p:nvSpPr>
+            <p:cNvPr id="108" name="Rectangle à coins arrondis 107"/>
+            <p:cNvSpPr/>
+            <p:nvPr/>
+          </p:nvSpPr>
+          <p:spPr>
+            <a:xfrm>
+              <a:off x="2064420" y="764284"/>
+              <a:ext cx="131316" cy="180020"/>
+            </a:xfrm>
+            <a:prstGeom prst="roundRect">
+              <a:avLst>
+                <a:gd name="adj" fmla="val 30158"/>
+              </a:avLst>
+            </a:prstGeom>
+            <a:solidFill>
+              <a:schemeClr val="bg1"/>
+            </a:solidFill>
+            <a:ln w="12700">
+              <a:solidFill>
+                <a:schemeClr val="accent5">
+                  <a:lumMod val="50000"/>
+                </a:schemeClr>
+              </a:solidFill>
+            </a:ln>
+          </p:spPr>
+          <p:style>
+            <a:lnRef idx="1">
+              <a:schemeClr val="accent1"/>
+            </a:lnRef>
+            <a:fillRef idx="0">
+              <a:schemeClr val="accent1"/>
+            </a:fillRef>
+            <a:effectRef idx="0">
+              <a:schemeClr val="accent1"/>
+            </a:effectRef>
+            <a:fontRef idx="minor">
+              <a:schemeClr val="tx1"/>
+            </a:fontRef>
+          </p:style>
+          <p:txBody>
+            <a:bodyPr rtlCol="0" anchor="ctr"/>
+            <a:lstStyle/>
+            <a:p>
+              <a:pPr algn="ctr"/>
+              <a:endParaRPr lang="fr-FR"/>
+            </a:p>
+          </p:txBody>
+        </p:sp>
+        <p:sp>
+          <p:nvSpPr>
+            <p:cNvPr id="112" name="Rectangle à coins arrondis 111"/>
+            <p:cNvSpPr/>
+            <p:nvPr/>
+          </p:nvSpPr>
+          <p:spPr>
+            <a:xfrm>
+              <a:off x="2195958" y="764284"/>
+              <a:ext cx="173261" cy="180020"/>
+            </a:xfrm>
+            <a:prstGeom prst="roundRect">
+              <a:avLst>
+                <a:gd name="adj" fmla="val 30158"/>
+              </a:avLst>
+            </a:prstGeom>
+            <a:solidFill>
+              <a:schemeClr val="bg1"/>
+            </a:solidFill>
+            <a:ln w="12700">
+              <a:solidFill>
+                <a:schemeClr val="accent5">
+                  <a:lumMod val="50000"/>
+                </a:schemeClr>
+              </a:solidFill>
+            </a:ln>
+          </p:spPr>
+          <p:style>
+            <a:lnRef idx="1">
+              <a:schemeClr val="accent1"/>
+            </a:lnRef>
+            <a:fillRef idx="0">
+              <a:schemeClr val="accent1"/>
+            </a:fillRef>
+            <a:effectRef idx="0">
+              <a:schemeClr val="accent1"/>
+            </a:effectRef>
+            <a:fontRef idx="minor">
+              <a:schemeClr val="tx1"/>
+            </a:fontRef>
+          </p:style>
+          <p:txBody>
+            <a:bodyPr rtlCol="0" anchor="ctr"/>
+            <a:lstStyle/>
+            <a:p>
+              <a:pPr algn="ctr"/>
+              <a:endParaRPr lang="fr-FR"/>
+            </a:p>
+          </p:txBody>
+        </p:sp>
+        <p:sp>
+          <p:nvSpPr>
+            <p:cNvPr id="113" name="Rectangle à coins arrondis 112"/>
+            <p:cNvSpPr/>
+            <p:nvPr/>
+          </p:nvSpPr>
+          <p:spPr>
+            <a:xfrm>
+              <a:off x="2369219" y="764284"/>
+              <a:ext cx="131316" cy="180020"/>
+            </a:xfrm>
+            <a:prstGeom prst="roundRect">
+              <a:avLst>
+                <a:gd name="adj" fmla="val 30158"/>
+              </a:avLst>
+            </a:prstGeom>
+            <a:solidFill>
+              <a:schemeClr val="bg1"/>
+            </a:solidFill>
+            <a:ln w="12700">
+              <a:solidFill>
+                <a:schemeClr val="accent5">
+                  <a:lumMod val="50000"/>
+                </a:schemeClr>
+              </a:solidFill>
+            </a:ln>
+          </p:spPr>
+          <p:style>
+            <a:lnRef idx="1">
+              <a:schemeClr val="accent1"/>
+            </a:lnRef>
+            <a:fillRef idx="0">
+              <a:schemeClr val="accent1"/>
+            </a:fillRef>
+            <a:effectRef idx="0">
+              <a:schemeClr val="accent1"/>
+            </a:effectRef>
+            <a:fontRef idx="minor">
+              <a:schemeClr val="tx1"/>
+            </a:fontRef>
+          </p:style>
+          <p:txBody>
+            <a:bodyPr rtlCol="0" anchor="ctr"/>
+            <a:lstStyle/>
+            <a:p>
+              <a:pPr algn="ctr"/>
+              <a:endParaRPr lang="fr-FR"/>
+            </a:p>
+          </p:txBody>
+        </p:sp>
+        <p:sp>
+          <p:nvSpPr>
+            <p:cNvPr id="114" name="Rectangle à coins arrondis 113"/>
+            <p:cNvSpPr/>
+            <p:nvPr/>
+          </p:nvSpPr>
+          <p:spPr>
+            <a:xfrm>
+              <a:off x="2064420" y="764284"/>
+              <a:ext cx="436115" cy="180020"/>
+            </a:xfrm>
+            <a:prstGeom prst="roundRect">
+              <a:avLst>
+                <a:gd name="adj" fmla="val 30158"/>
+              </a:avLst>
+            </a:prstGeom>
+            <a:ln w="12700">
+              <a:solidFill>
+                <a:schemeClr val="accent5">
+                  <a:lumMod val="50000"/>
+                </a:schemeClr>
+              </a:solidFill>
+            </a:ln>
+          </p:spPr>
+          <p:style>
+            <a:lnRef idx="1">
+              <a:schemeClr val="accent1"/>
+            </a:lnRef>
+            <a:fillRef idx="0">
+              <a:schemeClr val="accent1"/>
+            </a:fillRef>
+            <a:effectRef idx="0">
+              <a:schemeClr val="accent1"/>
+            </a:effectRef>
+            <a:fontRef idx="minor">
+              <a:schemeClr val="tx1"/>
+            </a:fontRef>
+          </p:style>
+          <p:txBody>
+            <a:bodyPr rtlCol="0" anchor="ctr"/>
+            <a:lstStyle/>
+            <a:p>
+              <a:pPr algn="ctr"/>
+              <a:endParaRPr lang="fr-FR"/>
+            </a:p>
+          </p:txBody>
+        </p:sp>
+      </p:grpSp>
+      <p:cxnSp>
+        <p:nvCxnSpPr>
+          <p:cNvPr id="118" name="Connecteur droit 117"/>
+          <p:cNvCxnSpPr/>
+          <p:nvPr/>
+        </p:nvCxnSpPr>
+        <p:spPr>
+          <a:xfrm>
+            <a:off x="3851920" y="783752"/>
+            <a:ext cx="36000" cy="0"/>
+          </a:xfrm>
+          <a:prstGeom prst="line">
+            <a:avLst/>
+          </a:prstGeom>
+          <a:ln w="12700">
+            <a:solidFill>
+              <a:schemeClr val="accent5">
+                <a:lumMod val="50000"/>
+              </a:schemeClr>
+            </a:solidFill>
+          </a:ln>
+        </p:spPr>
+        <p:style>
+          <a:lnRef idx="1">
+            <a:schemeClr val="accent1"/>
+          </a:lnRef>
+          <a:fillRef idx="0">
+            <a:schemeClr val="accent1"/>
+          </a:fillRef>
+          <a:effectRef idx="0">
+            <a:schemeClr val="accent1"/>
+          </a:effectRef>
+          <a:fontRef idx="minor">
+            <a:schemeClr val="tx1"/>
+          </a:fontRef>
+        </p:style>
+      </p:cxnSp>
+      <p:cxnSp>
+        <p:nvCxnSpPr>
+          <p:cNvPr id="120" name="Connecteur droit 119"/>
+          <p:cNvCxnSpPr/>
+          <p:nvPr/>
+        </p:nvCxnSpPr>
+        <p:spPr>
+          <a:xfrm>
+            <a:off x="3851920" y="978472"/>
+            <a:ext cx="36000" cy="0"/>
+          </a:xfrm>
+          <a:prstGeom prst="line">
+            <a:avLst/>
+          </a:prstGeom>
+          <a:ln w="12700">
+            <a:solidFill>
+              <a:schemeClr val="accent5">
+                <a:lumMod val="50000"/>
+              </a:schemeClr>
+            </a:solidFill>
+          </a:ln>
+        </p:spPr>
+        <p:style>
+          <a:lnRef idx="1">
+            <a:schemeClr val="accent1"/>
+          </a:lnRef>
+          <a:fillRef idx="0">
+            <a:schemeClr val="accent1"/>
+          </a:fillRef>
+          <a:effectRef idx="0">
+            <a:schemeClr val="accent1"/>
+          </a:effectRef>
+          <a:fontRef idx="minor">
+            <a:schemeClr val="tx1"/>
+          </a:fontRef>
+        </p:style>
+      </p:cxnSp>
+      <p:cxnSp>
+        <p:nvCxnSpPr>
+          <p:cNvPr id="121" name="Connecteur droit 120"/>
+          <p:cNvCxnSpPr/>
+          <p:nvPr/>
+        </p:nvCxnSpPr>
+        <p:spPr>
+          <a:xfrm flipV="1">
+            <a:off x="3887920" y="783753"/>
+            <a:ext cx="0" cy="194719"/>
+          </a:xfrm>
+          <a:prstGeom prst="line">
+            <a:avLst/>
+          </a:prstGeom>
+          <a:ln w="12700">
+            <a:solidFill>
+              <a:schemeClr val="accent5">
+                <a:lumMod val="50000"/>
+              </a:schemeClr>
+            </a:solidFill>
+          </a:ln>
+        </p:spPr>
+        <p:style>
+          <a:lnRef idx="1">
+            <a:schemeClr val="accent1"/>
+          </a:lnRef>
+          <a:fillRef idx="0">
+            <a:schemeClr val="accent1"/>
+          </a:fillRef>
+          <a:effectRef idx="0">
+            <a:schemeClr val="accent1"/>
+          </a:effectRef>
+          <a:fontRef idx="minor">
+            <a:schemeClr val="tx1"/>
+          </a:fontRef>
+        </p:style>
+      </p:cxnSp>
+      <p:cxnSp>
+        <p:nvCxnSpPr>
+          <p:cNvPr id="124" name="Connecteur droit 123"/>
+          <p:cNvCxnSpPr/>
+          <p:nvPr/>
+        </p:nvCxnSpPr>
+        <p:spPr>
+          <a:xfrm flipH="1" flipV="1">
+            <a:off x="3883769" y="783753"/>
+            <a:ext cx="21600" cy="18000"/>
+          </a:xfrm>
+          <a:prstGeom prst="line">
+            <a:avLst/>
+          </a:prstGeom>
+          <a:ln w="12700">
+            <a:solidFill>
+              <a:schemeClr val="accent5">
+                <a:lumMod val="50000"/>
+              </a:schemeClr>
+            </a:solidFill>
+          </a:ln>
+        </p:spPr>
+        <p:style>
+          <a:lnRef idx="1">
+            <a:schemeClr val="accent1"/>
+          </a:lnRef>
+          <a:fillRef idx="0">
+            <a:schemeClr val="accent1"/>
+          </a:fillRef>
+          <a:effectRef idx="0">
+            <a:schemeClr val="accent1"/>
+          </a:effectRef>
+          <a:fontRef idx="minor">
+            <a:schemeClr val="tx1"/>
+          </a:fontRef>
+        </p:style>
+      </p:cxnSp>
+      <p:cxnSp>
+        <p:nvCxnSpPr>
+          <p:cNvPr id="127" name="Connecteur droit 126"/>
+          <p:cNvCxnSpPr/>
+          <p:nvPr/>
+        </p:nvCxnSpPr>
+        <p:spPr>
+          <a:xfrm flipH="1">
+            <a:off x="3887920" y="960152"/>
+            <a:ext cx="21600" cy="18000"/>
+          </a:xfrm>
+          <a:prstGeom prst="line">
+            <a:avLst/>
+          </a:prstGeom>
+          <a:ln w="12700">
+            <a:solidFill>
+              <a:schemeClr val="accent5">
+                <a:lumMod val="50000"/>
+              </a:schemeClr>
+            </a:solidFill>
+          </a:ln>
+        </p:spPr>
+        <p:style>
+          <a:lnRef idx="1">
+            <a:schemeClr val="accent1"/>
+          </a:lnRef>
+          <a:fillRef idx="0">
+            <a:schemeClr val="accent1"/>
+          </a:fillRef>
+          <a:effectRef idx="0">
+            <a:schemeClr val="accent1"/>
+          </a:effectRef>
+          <a:fontRef idx="minor">
+            <a:schemeClr val="tx1"/>
+          </a:fontRef>
+        </p:style>
+      </p:cxnSp>
+      <p:cxnSp>
+        <p:nvCxnSpPr>
+          <p:cNvPr id="128" name="Connecteur droit 127"/>
+          <p:cNvCxnSpPr/>
+          <p:nvPr/>
+        </p:nvCxnSpPr>
+        <p:spPr>
+          <a:xfrm flipV="1">
+            <a:off x="3907258" y="801754"/>
+            <a:ext cx="0" cy="158398"/>
+          </a:xfrm>
+          <a:prstGeom prst="line">
+            <a:avLst/>
+          </a:prstGeom>
+          <a:ln w="12700">
+            <a:solidFill>
+              <a:schemeClr val="accent5">
+                <a:lumMod val="50000"/>
+              </a:schemeClr>
+            </a:solidFill>
+          </a:ln>
+        </p:spPr>
+        <p:style>
+          <a:lnRef idx="1">
+            <a:schemeClr val="accent1"/>
+          </a:lnRef>
+          <a:fillRef idx="0">
+            <a:schemeClr val="accent1"/>
+          </a:fillRef>
+          <a:effectRef idx="0">
+            <a:schemeClr val="accent1"/>
+          </a:effectRef>
+          <a:fontRef idx="minor">
+            <a:schemeClr val="tx1"/>
+          </a:fontRef>
+        </p:style>
+      </p:cxnSp>
+      <p:sp>
+        <p:nvSpPr>
+          <p:cNvPr id="116" name="Rectangle 115"/>
+          <p:cNvSpPr/>
+          <p:nvPr/>
+        </p:nvSpPr>
+        <p:spPr>
+          <a:xfrm>
+            <a:off x="3707904" y="712809"/>
+            <a:ext cx="36000" cy="336286"/>
+          </a:xfrm>
+          <a:prstGeom prst="rect">
+            <a:avLst/>
+          </a:prstGeom>
+          <a:solidFill>
+            <a:schemeClr val="bg1"/>
+          </a:solidFill>
+          <a:ln w="12700">
+            <a:solidFill>
+              <a:schemeClr val="accent5">
+                <a:lumMod val="50000"/>
+              </a:schemeClr>
+            </a:solidFill>
+          </a:ln>
+        </p:spPr>
+        <p:style>
+          <a:lnRef idx="1">
+            <a:schemeClr val="accent1"/>
+          </a:lnRef>
+          <a:fillRef idx="0">
+            <a:schemeClr val="accent1"/>
+          </a:fillRef>
+          <a:effectRef idx="0">
+            <a:schemeClr val="accent1"/>
+          </a:effectRef>
+          <a:fontRef idx="minor">
+            <a:schemeClr val="tx1"/>
+          </a:fontRef>
+        </p:style>
+        <p:txBody>
+          <a:bodyPr rtlCol="0" anchor="ctr"/>
+          <a:lstStyle/>
+          <a:p>
+            <a:pPr algn="ctr"/>
+            <a:endParaRPr lang="fr-FR"/>
+          </a:p>
+        </p:txBody>
+      </p:sp>
+      <p:cxnSp>
+        <p:nvCxnSpPr>
+          <p:cNvPr id="133" name="Connecteur droit 132"/>
+          <p:cNvCxnSpPr/>
+          <p:nvPr/>
+        </p:nvCxnSpPr>
+        <p:spPr>
+          <a:xfrm flipV="1">
+            <a:off x="3707902" y="838593"/>
+            <a:ext cx="36000" cy="36000"/>
+          </a:xfrm>
+          <a:prstGeom prst="line">
+            <a:avLst/>
+          </a:prstGeom>
+          <a:ln w="12700">
+            <a:solidFill>
+              <a:schemeClr val="accent5">
+                <a:lumMod val="50000"/>
+              </a:schemeClr>
+            </a:solidFill>
+          </a:ln>
+        </p:spPr>
+        <p:style>
+          <a:lnRef idx="1">
+            <a:schemeClr val="accent1"/>
+          </a:lnRef>
+          <a:fillRef idx="0">
+            <a:schemeClr val="accent1"/>
+          </a:fillRef>
+          <a:effectRef idx="0">
+            <a:schemeClr val="accent1"/>
+          </a:effectRef>
+          <a:fontRef idx="minor">
+            <a:schemeClr val="tx1"/>
+          </a:fontRef>
+        </p:style>
+      </p:cxnSp>
+      <p:cxnSp>
+        <p:nvCxnSpPr>
+          <p:cNvPr id="134" name="Connecteur droit 133"/>
+          <p:cNvCxnSpPr/>
+          <p:nvPr/>
+        </p:nvCxnSpPr>
+        <p:spPr>
+          <a:xfrm flipV="1">
+            <a:off x="3709715" y="874593"/>
+            <a:ext cx="36000" cy="36000"/>
+          </a:xfrm>
+          <a:prstGeom prst="line">
+            <a:avLst/>
+          </a:prstGeom>
+          <a:ln w="12700">
+            <a:solidFill>
+              <a:schemeClr val="accent5">
+                <a:lumMod val="50000"/>
+              </a:schemeClr>
+            </a:solidFill>
+          </a:ln>
+        </p:spPr>
+        <p:style>
+          <a:lnRef idx="1">
+            <a:schemeClr val="accent1"/>
+          </a:lnRef>
+          <a:fillRef idx="0">
+            <a:schemeClr val="accent1"/>
+          </a:fillRef>
+          <a:effectRef idx="0">
+            <a:schemeClr val="accent1"/>
+          </a:effectRef>
+          <a:fontRef idx="minor">
+            <a:schemeClr val="tx1"/>
+          </a:fontRef>
+        </p:style>
+      </p:cxnSp>
+      <p:sp>
+        <p:nvSpPr>
+          <p:cNvPr id="3" name="Forme libre 2"/>
+          <p:cNvSpPr/>
+          <p:nvPr/>
+        </p:nvSpPr>
+        <p:spPr>
+          <a:xfrm rot="20932008">
+            <a:off x="2951542" y="1275559"/>
+            <a:ext cx="94532" cy="247463"/>
+          </a:xfrm>
+          <a:custGeom>
+            <a:avLst/>
+            <a:gdLst>
+              <a:gd name="connsiteX0" fmla="*/ 88900 w 95082"/>
+              <a:gd name="connsiteY0" fmla="*/ 0 h 254000"/>
+              <a:gd name="connsiteX1" fmla="*/ 85725 w 95082"/>
+              <a:gd name="connsiteY1" fmla="*/ 139700 h 254000"/>
+              <a:gd name="connsiteX2" fmla="*/ 0 w 95082"/>
+              <a:gd name="connsiteY2" fmla="*/ 254000 h 254000"/>
+              <a:gd name="connsiteX0" fmla="*/ 88900 w 89272"/>
+              <a:gd name="connsiteY0" fmla="*/ 0 h 254000"/>
+              <a:gd name="connsiteX1" fmla="*/ 15875 w 89272"/>
+              <a:gd name="connsiteY1" fmla="*/ 130175 h 254000"/>
+              <a:gd name="connsiteX2" fmla="*/ 0 w 89272"/>
+              <a:gd name="connsiteY2" fmla="*/ 254000 h 254000"/>
+              <a:gd name="connsiteX0" fmla="*/ 88900 w 88900"/>
+              <a:gd name="connsiteY0" fmla="*/ 0 h 254000"/>
+              <a:gd name="connsiteX1" fmla="*/ 0 w 88900"/>
+              <a:gd name="connsiteY1" fmla="*/ 254000 h 254000"/>
+              <a:gd name="connsiteX0" fmla="*/ 88900 w 88900"/>
+              <a:gd name="connsiteY0" fmla="*/ 0 h 254000"/>
+              <a:gd name="connsiteX1" fmla="*/ 0 w 88900"/>
+              <a:gd name="connsiteY1" fmla="*/ 254000 h 254000"/>
+              <a:gd name="connsiteX0" fmla="*/ 88900 w 88900"/>
+              <a:gd name="connsiteY0" fmla="*/ 0 h 254000"/>
+              <a:gd name="connsiteX1" fmla="*/ 0 w 88900"/>
+              <a:gd name="connsiteY1" fmla="*/ 254000 h 254000"/>
+              <a:gd name="connsiteX0" fmla="*/ 139700 w 139700"/>
+              <a:gd name="connsiteY0" fmla="*/ 0 h 250825"/>
+              <a:gd name="connsiteX1" fmla="*/ 0 w 139700"/>
+              <a:gd name="connsiteY1" fmla="*/ 250825 h 250825"/>
+            </a:gdLst>
+            <a:ahLst/>
+            <a:cxnLst>
+              <a:cxn ang="0">
+                <a:pos x="connsiteX0" y="connsiteY0"/>
+              </a:cxn>
+              <a:cxn ang="0">
+                <a:pos x="connsiteX1" y="connsiteY1"/>
+              </a:cxn>
+            </a:cxnLst>
+            <a:rect l="l" t="t" r="r" b="b"/>
+            <a:pathLst>
+              <a:path w="139700" h="250825">
+                <a:moveTo>
+                  <a:pt x="139700" y="0"/>
+                </a:moveTo>
+                <a:cubicBezTo>
+                  <a:pt x="5292" y="2117"/>
+                  <a:pt x="74083" y="248708"/>
+                  <a:pt x="0" y="250825"/>
+                </a:cubicBezTo>
+              </a:path>
+            </a:pathLst>
+          </a:custGeom>
+          <a:ln w="6350">
+            <a:solidFill>
+              <a:schemeClr val="accent5">
+                <a:lumMod val="50000"/>
+              </a:schemeClr>
+            </a:solidFill>
+          </a:ln>
+        </p:spPr>
+        <p:style>
+          <a:lnRef idx="1">
+            <a:schemeClr val="accent1"/>
+          </a:lnRef>
+          <a:fillRef idx="0">
+            <a:schemeClr val="accent1"/>
+          </a:fillRef>
+          <a:effectRef idx="0">
+            <a:schemeClr val="accent1"/>
+          </a:effectRef>
+          <a:fontRef idx="minor">
+            <a:schemeClr val="tx1"/>
+          </a:fontRef>
+        </p:style>
+        <p:txBody>
+          <a:bodyPr rtlCol="0" anchor="ctr"/>
+          <a:lstStyle/>
+          <a:p>
+            <a:pPr algn="ctr"/>
+            <a:endParaRPr lang="fr-FR"/>
+          </a:p>
+        </p:txBody>
+      </p:sp>
+      <p:sp>
+        <p:nvSpPr>
+          <p:cNvPr id="6" name="Rectangle avec coin rogné 5"/>
+          <p:cNvSpPr/>
+          <p:nvPr/>
+        </p:nvSpPr>
+        <p:spPr>
+          <a:xfrm flipH="1" flipV="1">
+            <a:off x="3423980" y="1001241"/>
+            <a:ext cx="134871" cy="116151"/>
+          </a:xfrm>
+          <a:prstGeom prst="snip1Rect">
+            <a:avLst>
+              <a:gd name="adj" fmla="val 50000"/>
+            </a:avLst>
+          </a:prstGeom>
+          <a:solidFill>
+            <a:schemeClr val="accent2">
+              <a:lumMod val="20000"/>
+              <a:lumOff val="80000"/>
+            </a:schemeClr>
+          </a:solidFill>
+          <a:ln>
+            <a:noFill/>
+          </a:ln>
+        </p:spPr>
+        <p:style>
+          <a:lnRef idx="2">
+            <a:schemeClr val="accent1">
+              <a:shade val="50000"/>
+            </a:schemeClr>
+          </a:lnRef>
+          <a:fillRef idx="1">
+            <a:schemeClr val="accent1"/>
+          </a:fillRef>
+          <a:effectRef idx="0">
+            <a:schemeClr val="accent1"/>
+          </a:effectRef>
+          <a:fontRef idx="minor">
+            <a:schemeClr val="lt1"/>
+          </a:fontRef>
+        </p:style>
+        <p:txBody>
+          <a:bodyPr rtlCol="0" anchor="ctr"/>
+          <a:lstStyle/>
+          <a:p>
+            <a:pPr algn="ctr"/>
+            <a:endParaRPr lang="fr-FR"/>
+          </a:p>
+        </p:txBody>
+      </p:sp>
+      <p:sp>
+        <p:nvSpPr>
+          <p:cNvPr id="8" name="Triangle rectangle 7"/>
+          <p:cNvSpPr/>
+          <p:nvPr/>
+        </p:nvSpPr>
+        <p:spPr>
+          <a:xfrm rot="5400000" flipV="1">
+            <a:off x="3448896" y="1091640"/>
+            <a:ext cx="114272" cy="105074"/>
+          </a:xfrm>
+          <a:prstGeom prst="rtTriangle">
+            <a:avLst/>
+          </a:prstGeom>
+          <a:solidFill>
+            <a:schemeClr val="accent2">
+              <a:lumMod val="20000"/>
+              <a:lumOff val="80000"/>
+            </a:schemeClr>
+          </a:solidFill>
+          <a:ln>
+            <a:noFill/>
+          </a:ln>
+        </p:spPr>
+        <p:style>
+          <a:lnRef idx="2">
+            <a:schemeClr val="accent1">
+              <a:shade val="50000"/>
+            </a:schemeClr>
+          </a:lnRef>
+          <a:fillRef idx="1">
+            <a:schemeClr val="accent1"/>
+          </a:fillRef>
+          <a:effectRef idx="0">
+            <a:schemeClr val="accent1"/>
+          </a:effectRef>
+          <a:fontRef idx="minor">
+            <a:schemeClr val="lt1"/>
+          </a:fontRef>
+        </p:style>
+        <p:txBody>
+          <a:bodyPr rtlCol="0" anchor="ctr"/>
+          <a:lstStyle/>
+          <a:p>
+            <a:pPr algn="ctr"/>
+            <a:endParaRPr lang="fr-FR"/>
+          </a:p>
+        </p:txBody>
+      </p:sp>
+      <p:cxnSp>
+        <p:nvCxnSpPr>
+          <p:cNvPr id="200" name="Connecteur droit avec flèche 199"/>
+          <p:cNvCxnSpPr/>
+          <p:nvPr/>
+        </p:nvCxnSpPr>
+        <p:spPr>
+          <a:xfrm>
+            <a:off x="3418937" y="1052750"/>
+            <a:ext cx="144000" cy="144000"/>
+          </a:xfrm>
+          <a:prstGeom prst="straightConnector1">
+            <a:avLst/>
+          </a:prstGeom>
+          <a:ln>
+            <a:solidFill>
+              <a:srgbClr val="C00000"/>
+            </a:solidFill>
+            <a:tailEnd type="none" w="sm" len="med"/>
+          </a:ln>
+        </p:spPr>
+        <p:style>
+          <a:lnRef idx="1">
+            <a:schemeClr val="accent1"/>
+          </a:lnRef>
+          <a:fillRef idx="0">
+            <a:schemeClr val="accent1"/>
+          </a:fillRef>
+          <a:effectRef idx="0">
+            <a:schemeClr val="accent1"/>
+          </a:effectRef>
+          <a:fontRef idx="minor">
+            <a:schemeClr val="tx1"/>
+          </a:fontRef>
+        </p:style>
+      </p:cxnSp>
+      <p:grpSp>
+        <p:nvGrpSpPr>
+          <p:cNvPr id="10" name="Groupe 9"/>
+          <p:cNvGrpSpPr/>
+          <p:nvPr/>
+        </p:nvGrpSpPr>
+        <p:grpSpPr>
+          <a:xfrm flipV="1">
+            <a:off x="3425277" y="567528"/>
+            <a:ext cx="139816" cy="200072"/>
+            <a:chOff x="3576380" y="1153641"/>
+            <a:chExt cx="134871" cy="200072"/>
+          </a:xfrm>
+        </p:grpSpPr>
+        <p:sp>
+          <p:nvSpPr>
+            <p:cNvPr id="102" name="Rectangle avec coin rogné 101"/>
+            <p:cNvSpPr/>
+            <p:nvPr/>
+          </p:nvSpPr>
+          <p:spPr>
+            <a:xfrm flipH="1" flipV="1">
+              <a:off x="3576380" y="1153641"/>
+              <a:ext cx="134871" cy="116151"/>
+            </a:xfrm>
+            <a:prstGeom prst="snip1Rect">
+              <a:avLst>
+                <a:gd name="adj" fmla="val 50000"/>
+              </a:avLst>
+            </a:prstGeom>
+            <a:solidFill>
+              <a:schemeClr val="accent2">
+                <a:lumMod val="20000"/>
+                <a:lumOff val="80000"/>
+              </a:schemeClr>
+            </a:solidFill>
+            <a:ln>
+              <a:noFill/>
+            </a:ln>
+          </p:spPr>
+          <p:style>
+            <a:lnRef idx="2">
+              <a:schemeClr val="accent1">
+                <a:shade val="50000"/>
+              </a:schemeClr>
+            </a:lnRef>
+            <a:fillRef idx="1">
+              <a:schemeClr val="accent1"/>
+            </a:fillRef>
+            <a:effectRef idx="0">
+              <a:schemeClr val="accent1"/>
+            </a:effectRef>
+            <a:fontRef idx="minor">
+              <a:schemeClr val="lt1"/>
+            </a:fontRef>
+          </p:style>
+          <p:txBody>
+            <a:bodyPr rtlCol="0" anchor="ctr"/>
+            <a:lstStyle/>
+            <a:p>
+              <a:pPr algn="ctr"/>
+              <a:endParaRPr lang="fr-FR"/>
+            </a:p>
+          </p:txBody>
+        </p:sp>
+        <p:sp>
+          <p:nvSpPr>
+            <p:cNvPr id="104" name="Triangle rectangle 103"/>
+            <p:cNvSpPr/>
+            <p:nvPr/>
+          </p:nvSpPr>
+          <p:spPr>
+            <a:xfrm rot="5400000" flipV="1">
+              <a:off x="3601296" y="1244040"/>
+              <a:ext cx="114272" cy="105074"/>
+            </a:xfrm>
+            <a:prstGeom prst="rtTriangle">
+              <a:avLst/>
+            </a:prstGeom>
+            <a:solidFill>
+              <a:schemeClr val="accent2">
+                <a:lumMod val="20000"/>
+                <a:lumOff val="80000"/>
+              </a:schemeClr>
+            </a:solidFill>
+            <a:ln>
+              <a:noFill/>
+            </a:ln>
+          </p:spPr>
+          <p:style>
+            <a:lnRef idx="2">
+              <a:schemeClr val="accent1">
+                <a:shade val="50000"/>
+              </a:schemeClr>
+            </a:lnRef>
+            <a:fillRef idx="1">
+              <a:schemeClr val="accent1"/>
+            </a:fillRef>
+            <a:effectRef idx="0">
+              <a:schemeClr val="accent1"/>
+            </a:effectRef>
+            <a:fontRef idx="minor">
+              <a:schemeClr val="lt1"/>
+            </a:fontRef>
+          </p:style>
+          <p:txBody>
+            <a:bodyPr rtlCol="0" anchor="ctr"/>
+            <a:lstStyle/>
+            <a:p>
+              <a:pPr algn="ctr"/>
+              <a:endParaRPr lang="fr-FR"/>
+            </a:p>
+          </p:txBody>
+        </p:sp>
+      </p:grpSp>
+      <p:cxnSp>
+        <p:nvCxnSpPr>
+          <p:cNvPr id="99" name="Connecteur droit avec flèche 98"/>
+          <p:cNvCxnSpPr/>
+          <p:nvPr/>
+        </p:nvCxnSpPr>
+        <p:spPr>
+          <a:xfrm flipV="1">
+            <a:off x="3416191" y="571870"/>
+            <a:ext cx="144000" cy="144000"/>
+          </a:xfrm>
+          <a:prstGeom prst="straightConnector1">
+            <a:avLst/>
+          </a:prstGeom>
+          <a:ln>
+            <a:solidFill>
+              <a:srgbClr val="C00000"/>
+            </a:solidFill>
+            <a:tailEnd type="none" w="sm" len="med"/>
+          </a:ln>
+        </p:spPr>
+        <p:style>
+          <a:lnRef idx="1">
+            <a:schemeClr val="accent1"/>
+          </a:lnRef>
+          <a:fillRef idx="0">
+            <a:schemeClr val="accent1"/>
+          </a:fillRef>
+          <a:effectRef idx="0">
+            <a:schemeClr val="accent1"/>
+          </a:effectRef>
+          <a:fontRef idx="minor">
+            <a:schemeClr val="tx1"/>
+          </a:fontRef>
+        </p:style>
+      </p:cxnSp>
+      <p:sp>
+        <p:nvSpPr>
+          <p:cNvPr id="12" name="Arc 11"/>
+          <p:cNvSpPr/>
+          <p:nvPr/>
+        </p:nvSpPr>
+        <p:spPr>
+          <a:xfrm>
+            <a:off x="3279748" y="695372"/>
+            <a:ext cx="2817512" cy="2817512"/>
+          </a:xfrm>
+          <a:prstGeom prst="arc">
+            <a:avLst>
+              <a:gd name="adj1" fmla="val 15063553"/>
+              <a:gd name="adj2" fmla="val 17433005"/>
+            </a:avLst>
+          </a:prstGeom>
+          <a:ln w="12700">
+            <a:solidFill>
+              <a:schemeClr val="accent5">
+                <a:lumMod val="50000"/>
+              </a:schemeClr>
+            </a:solidFill>
+          </a:ln>
+        </p:spPr>
+        <p:style>
+          <a:lnRef idx="1">
+            <a:schemeClr val="accent1"/>
+          </a:lnRef>
+          <a:fillRef idx="0">
+            <a:schemeClr val="accent1"/>
+          </a:fillRef>
+          <a:effectRef idx="0">
+            <a:schemeClr val="accent1"/>
+          </a:effectRef>
+          <a:fontRef idx="minor">
+            <a:schemeClr val="tx1"/>
+          </a:fontRef>
+        </p:style>
+        <p:txBody>
+          <a:bodyPr rtlCol="0" anchor="ctr"/>
+          <a:lstStyle/>
+          <a:p>
+            <a:pPr algn="ctr"/>
+            <a:endParaRPr lang="fr-FR"/>
+          </a:p>
+        </p:txBody>
+      </p:sp>
+      <p:sp>
+        <p:nvSpPr>
+          <p:cNvPr id="107" name="Arc 106"/>
+          <p:cNvSpPr/>
+          <p:nvPr/>
+        </p:nvSpPr>
+        <p:spPr>
+          <a:xfrm>
+            <a:off x="3279748" y="1124744"/>
+            <a:ext cx="2817512" cy="2817512"/>
+          </a:xfrm>
+          <a:prstGeom prst="arc">
+            <a:avLst>
+              <a:gd name="adj1" fmla="val 15063553"/>
+              <a:gd name="adj2" fmla="val 17433005"/>
+            </a:avLst>
+          </a:prstGeom>
+          <a:ln w="12700">
+            <a:solidFill>
+              <a:schemeClr val="accent5">
+                <a:lumMod val="50000"/>
+              </a:schemeClr>
+            </a:solidFill>
+          </a:ln>
+        </p:spPr>
+        <p:style>
+          <a:lnRef idx="1">
+            <a:schemeClr val="accent1"/>
+          </a:lnRef>
+          <a:fillRef idx="0">
+            <a:schemeClr val="accent1"/>
+          </a:fillRef>
+          <a:effectRef idx="0">
+            <a:schemeClr val="accent1"/>
+          </a:effectRef>
+          <a:fontRef idx="minor">
+            <a:schemeClr val="tx1"/>
+          </a:fontRef>
+        </p:style>
+        <p:txBody>
+          <a:bodyPr rtlCol="0" anchor="ctr"/>
+          <a:lstStyle/>
+          <a:p>
+            <a:pPr algn="ctr"/>
+            <a:endParaRPr lang="fr-FR"/>
+          </a:p>
+        </p:txBody>
+      </p:sp>
+      <p:sp>
+        <p:nvSpPr>
+          <p:cNvPr id="15" name="Ellipse 14"/>
+          <p:cNvSpPr/>
+          <p:nvPr/>
+        </p:nvSpPr>
+        <p:spPr>
+          <a:xfrm>
+            <a:off x="4605823" y="804491"/>
+            <a:ext cx="202256" cy="202256"/>
+          </a:xfrm>
+          <a:prstGeom prst="ellipse">
+            <a:avLst/>
+          </a:prstGeom>
+          <a:solidFill>
+            <a:schemeClr val="bg1"/>
+          </a:solidFill>
+          <a:ln w="12700">
+            <a:solidFill>
+              <a:srgbClr val="C00000"/>
+            </a:solidFill>
+          </a:ln>
+        </p:spPr>
+        <p:style>
+          <a:lnRef idx="1">
+            <a:schemeClr val="accent1"/>
+          </a:lnRef>
+          <a:fillRef idx="0">
+            <a:schemeClr val="accent1"/>
+          </a:fillRef>
+          <a:effectRef idx="0">
+            <a:schemeClr val="accent1"/>
+          </a:effectRef>
+          <a:fontRef idx="minor">
+            <a:schemeClr val="tx1"/>
+          </a:fontRef>
+        </p:style>
+        <p:txBody>
+          <a:bodyPr rtlCol="0" anchor="ctr"/>
+          <a:lstStyle/>
+          <a:p>
+            <a:pPr algn="ctr"/>
+            <a:endParaRPr lang="fr-FR">
+              <a:solidFill>
+                <a:schemeClr val="tx1"/>
+              </a:solidFill>
+            </a:endParaRPr>
+          </a:p>
+        </p:txBody>
+      </p:sp>
+      <p:sp>
+        <p:nvSpPr>
+          <p:cNvPr id="132" name="Arc 131"/>
+          <p:cNvSpPr/>
+          <p:nvPr/>
+        </p:nvSpPr>
+        <p:spPr>
+          <a:xfrm>
+            <a:off x="3279748" y="910058"/>
+            <a:ext cx="2817512" cy="2817512"/>
+          </a:xfrm>
+          <a:prstGeom prst="arc">
+            <a:avLst>
+              <a:gd name="adj1" fmla="val 15063553"/>
+              <a:gd name="adj2" fmla="val 17950868"/>
+            </a:avLst>
+          </a:prstGeom>
+          <a:ln w="6350">
+            <a:solidFill>
+              <a:schemeClr val="accent5">
+                <a:lumMod val="50000"/>
+              </a:schemeClr>
+            </a:solidFill>
+            <a:prstDash val="lgDashDot"/>
+          </a:ln>
+        </p:spPr>
+        <p:style>
+          <a:lnRef idx="1">
+            <a:schemeClr val="accent1"/>
+          </a:lnRef>
+          <a:fillRef idx="0">
+            <a:schemeClr val="accent1"/>
+          </a:fillRef>
+          <a:effectRef idx="0">
+            <a:schemeClr val="accent1"/>
+          </a:effectRef>
+          <a:fontRef idx="minor">
+            <a:schemeClr val="tx1"/>
+          </a:fontRef>
+        </p:style>
+        <p:txBody>
+          <a:bodyPr rtlCol="0" anchor="ctr"/>
+          <a:lstStyle/>
+          <a:p>
+            <a:pPr algn="ctr"/>
+            <a:endParaRPr lang="fr-FR"/>
+          </a:p>
+        </p:txBody>
+      </p:sp>
+      <p:cxnSp>
+        <p:nvCxnSpPr>
+          <p:cNvPr id="17" name="Connecteur droit avec flèche 16"/>
+          <p:cNvCxnSpPr/>
+          <p:nvPr/>
+        </p:nvCxnSpPr>
+        <p:spPr>
+          <a:xfrm flipV="1">
+            <a:off x="4881941" y="1144178"/>
+            <a:ext cx="67899" cy="263780"/>
+          </a:xfrm>
+          <a:prstGeom prst="straightConnector1">
+            <a:avLst/>
+          </a:prstGeom>
+          <a:ln>
+            <a:solidFill>
+              <a:srgbClr val="C00000"/>
+            </a:solidFill>
+            <a:tailEnd type="stealth" w="sm" len="med"/>
+          </a:ln>
+        </p:spPr>
+        <p:style>
+          <a:lnRef idx="1">
+            <a:schemeClr val="accent1"/>
+          </a:lnRef>
+          <a:fillRef idx="0">
+            <a:schemeClr val="accent1"/>
+          </a:fillRef>
+          <a:effectRef idx="0">
+            <a:schemeClr val="accent1"/>
+          </a:effectRef>
+          <a:fontRef idx="minor">
+            <a:schemeClr val="tx1"/>
+          </a:fontRef>
+        </p:style>
+      </p:cxnSp>
+      <p:sp>
+        <p:nvSpPr>
+          <p:cNvPr id="141" name="ZoneTexte 140"/>
+          <p:cNvSpPr txBox="1"/>
+          <p:nvPr/>
+        </p:nvSpPr>
+        <p:spPr>
+          <a:xfrm>
+            <a:off x="4561544" y="1355292"/>
+            <a:ext cx="569994" cy="253916"/>
+          </a:xfrm>
+          <a:prstGeom prst="rect">
+            <a:avLst/>
+          </a:prstGeom>
+          <a:noFill/>
+        </p:spPr>
+        <p:txBody>
+          <a:bodyPr wrap="square" lIns="36000" rtlCol="0">
+            <a:spAutoFit/>
+          </a:bodyPr>
+          <a:lstStyle/>
+          <a:p>
+            <a:pPr algn="ctr"/>
+            <a:r>
+              <a:rPr lang="fr-FR" sz="1050" dirty="0"/>
+              <a:t>D</a:t>
+            </a:r>
+          </a:p>
+        </p:txBody>
+      </p:sp>
+      <p:cxnSp>
+        <p:nvCxnSpPr>
+          <p:cNvPr id="142" name="Connecteur droit avec flèche 141"/>
+          <p:cNvCxnSpPr/>
+          <p:nvPr/>
+        </p:nvCxnSpPr>
+        <p:spPr>
+          <a:xfrm flipH="1">
+            <a:off x="5253902" y="689521"/>
+            <a:ext cx="147623" cy="227774"/>
+          </a:xfrm>
+          <a:prstGeom prst="straightConnector1">
+            <a:avLst/>
+          </a:prstGeom>
+          <a:ln>
+            <a:solidFill>
+              <a:srgbClr val="C00000"/>
+            </a:solidFill>
+            <a:tailEnd type="stealth" w="sm" len="med"/>
+          </a:ln>
+        </p:spPr>
+        <p:style>
+          <a:lnRef idx="1">
+            <a:schemeClr val="accent1"/>
+          </a:lnRef>
+          <a:fillRef idx="0">
+            <a:schemeClr val="accent1"/>
+          </a:fillRef>
+          <a:effectRef idx="0">
+            <a:schemeClr val="accent1"/>
+          </a:effectRef>
+          <a:fontRef idx="minor">
+            <a:schemeClr val="tx1"/>
+          </a:fontRef>
+        </p:style>
+      </p:cxnSp>
+      <p:cxnSp>
+        <p:nvCxnSpPr>
+          <p:cNvPr id="143" name="Connecteur droit avec flèche 142"/>
+          <p:cNvCxnSpPr/>
+          <p:nvPr/>
+        </p:nvCxnSpPr>
+        <p:spPr>
+          <a:xfrm flipH="1" flipV="1">
+            <a:off x="5401526" y="691246"/>
+            <a:ext cx="130525" cy="1359"/>
+          </a:xfrm>
+          <a:prstGeom prst="straightConnector1">
+            <a:avLst/>
+          </a:prstGeom>
+          <a:ln>
+            <a:solidFill>
+              <a:srgbClr val="C00000"/>
+            </a:solidFill>
+            <a:tailEnd type="none" w="sm" len="med"/>
+          </a:ln>
+        </p:spPr>
+        <p:style>
+          <a:lnRef idx="1">
+            <a:schemeClr val="accent1"/>
+          </a:lnRef>
+          <a:fillRef idx="0">
+            <a:schemeClr val="accent1"/>
+          </a:fillRef>
+          <a:effectRef idx="0">
+            <a:schemeClr val="accent1"/>
+          </a:effectRef>
+          <a:fontRef idx="minor">
+            <a:schemeClr val="tx1"/>
+          </a:fontRef>
+        </p:style>
+      </p:cxnSp>
+      <mc:AlternateContent xmlns:mc="http://schemas.openxmlformats.org/markup-compatibility/2006">
+        <mc:Choice xmlns:a14="http://schemas.microsoft.com/office/drawing/2010/main" Requires="a14">
+          <p:sp>
+            <p:nvSpPr>
+              <p:cNvPr id="144" name="ZoneTexte 143"/>
+              <p:cNvSpPr txBox="1"/>
+              <p:nvPr/>
+            </p:nvSpPr>
+            <p:spPr>
+              <a:xfrm>
+                <a:off x="5481020" y="565738"/>
+                <a:ext cx="362556" cy="253916"/>
+              </a:xfrm>
+              <a:prstGeom prst="rect">
+                <a:avLst/>
+              </a:prstGeom>
+              <a:noFill/>
+            </p:spPr>
+            <p:txBody>
+              <a:bodyPr wrap="square" lIns="36000" rtlCol="0">
+                <a:spAutoFit/>
+              </a:bodyPr>
+              <a:lstStyle/>
+              <a:p>
+                <a:pPr algn="ctr"/>
+                <a14:m>
+                  <m:oMathPara xmlns:m="http://schemas.openxmlformats.org/officeDocument/2006/math">
+                    <m:oMathParaPr>
+                      <m:jc m:val="centerGroup"/>
+                    </m:oMathParaPr>
+                    <m:oMath xmlns:m="http://schemas.openxmlformats.org/officeDocument/2006/math">
+                      <m:sSub>
+                        <m:sSubPr>
+                          <m:ctrlPr>
+                            <a:rPr lang="fr-FR" sz="1050" i="1" dirty="0" smtClean="0">
+                              <a:latin typeface="Cambria Math" panose="02040503050406030204" pitchFamily="18" charset="0"/>
+                            </a:rPr>
+                          </m:ctrlPr>
+                        </m:sSubPr>
+                        <m:e>
+                          <m:r>
+                            <a:rPr lang="fr-FR" sz="1050" i="1" dirty="0" smtClean="0">
+                              <a:latin typeface="Cambria Math" panose="02040503050406030204" pitchFamily="18" charset="0"/>
+                            </a:rPr>
+                            <m:t>𝐷</m:t>
+                          </m:r>
+                        </m:e>
+                        <m:sub>
+                          <m:r>
+                            <a:rPr lang="fr-FR" sz="1050" i="1" dirty="0" smtClean="0">
+                              <a:latin typeface="Cambria Math" panose="02040503050406030204" pitchFamily="18" charset="0"/>
+                            </a:rPr>
+                            <m:t>𝑣</m:t>
+                          </m:r>
+                        </m:sub>
+                      </m:sSub>
+                    </m:oMath>
+                  </m:oMathPara>
+                </a14:m>
+                <a:endParaRPr lang="fr-FR" sz="1050" dirty="0"/>
+              </a:p>
+            </p:txBody>
+          </p:sp>
+        </mc:Choice>
+        <mc:Fallback>
+          <p:sp>
+            <p:nvSpPr>
+              <p:cNvPr id="144" name="ZoneTexte 143"/>
+              <p:cNvSpPr txBox="1">
+                <a:spLocks noRot="1" noChangeAspect="1" noMove="1" noResize="1" noEditPoints="1" noAdjustHandles="1" noChangeArrowheads="1" noChangeShapeType="1" noTextEdit="1"/>
+              </p:cNvSpPr>
+              <p:nvPr/>
+            </p:nvSpPr>
+            <p:spPr>
+              <a:xfrm>
+                <a:off x="5481020" y="565738"/>
+                <a:ext cx="362556" cy="253916"/>
+              </a:xfrm>
+              <a:prstGeom prst="rect">
+                <a:avLst/>
+              </a:prstGeom>
+              <a:blipFill>
+                <a:blip r:embed="rId2"/>
+                <a:stretch>
+                  <a:fillRect/>
+                </a:stretch>
+              </a:blipFill>
+            </p:spPr>
+            <p:txBody>
+              <a:bodyPr/>
+              <a:lstStyle/>
+              <a:p>
+                <a:r>
+                  <a:rPr lang="fr-FR">
+                    <a:noFill/>
+                  </a:rPr>
+                  <a:t> </a:t>
+                </a:r>
+              </a:p>
+            </p:txBody>
+          </p:sp>
+        </mc:Fallback>
+      </mc:AlternateContent>
+      <p:cxnSp>
+        <p:nvCxnSpPr>
+          <p:cNvPr id="145" name="Connecteur droit avec flèche 144"/>
+          <p:cNvCxnSpPr>
+            <a:endCxn id="109" idx="0"/>
+          </p:cNvCxnSpPr>
+          <p:nvPr/>
+        </p:nvCxnSpPr>
+        <p:spPr>
+          <a:xfrm flipH="1">
+            <a:off x="4706257" y="480686"/>
+            <a:ext cx="0" cy="168868"/>
+          </a:xfrm>
+          <a:prstGeom prst="straightConnector1">
+            <a:avLst/>
+          </a:prstGeom>
+          <a:ln>
+            <a:solidFill>
+              <a:srgbClr val="C00000"/>
+            </a:solidFill>
+            <a:tailEnd type="stealth" w="sm" len="med"/>
+          </a:ln>
+        </p:spPr>
+        <p:style>
+          <a:lnRef idx="1">
+            <a:schemeClr val="accent1"/>
+          </a:lnRef>
+          <a:fillRef idx="0">
+            <a:schemeClr val="accent1"/>
+          </a:fillRef>
+          <a:effectRef idx="0">
+            <a:schemeClr val="accent1"/>
+          </a:effectRef>
+          <a:fontRef idx="minor">
+            <a:schemeClr val="tx1"/>
+          </a:fontRef>
+        </p:style>
+      </p:cxnSp>
+      <p:cxnSp>
+        <p:nvCxnSpPr>
+          <p:cNvPr id="146" name="Connecteur droit avec flèche 145"/>
+          <p:cNvCxnSpPr/>
+          <p:nvPr/>
+        </p:nvCxnSpPr>
+        <p:spPr>
+          <a:xfrm flipH="1" flipV="1">
+            <a:off x="4703764" y="479327"/>
+            <a:ext cx="130525" cy="1359"/>
+          </a:xfrm>
+          <a:prstGeom prst="straightConnector1">
+            <a:avLst/>
+          </a:prstGeom>
+          <a:ln>
+            <a:solidFill>
+              <a:srgbClr val="C00000"/>
+            </a:solidFill>
+            <a:tailEnd type="none" w="sm" len="med"/>
+          </a:ln>
+        </p:spPr>
+        <p:style>
+          <a:lnRef idx="1">
+            <a:schemeClr val="accent1"/>
+          </a:lnRef>
+          <a:fillRef idx="0">
+            <a:schemeClr val="accent1"/>
+          </a:fillRef>
+          <a:effectRef idx="0">
+            <a:schemeClr val="accent1"/>
+          </a:effectRef>
+          <a:fontRef idx="minor">
+            <a:schemeClr val="tx1"/>
+          </a:fontRef>
+        </p:style>
+      </p:cxnSp>
+      <p:sp>
+        <p:nvSpPr>
+          <p:cNvPr id="147" name="ZoneTexte 146"/>
+          <p:cNvSpPr txBox="1"/>
+          <p:nvPr/>
+        </p:nvSpPr>
+        <p:spPr>
+          <a:xfrm>
+            <a:off x="4742915" y="347968"/>
+            <a:ext cx="362556" cy="253916"/>
+          </a:xfrm>
+          <a:prstGeom prst="rect">
+            <a:avLst/>
+          </a:prstGeom>
+          <a:noFill/>
+        </p:spPr>
+        <p:txBody>
+          <a:bodyPr wrap="square" lIns="36000" rtlCol="0">
+            <a:spAutoFit/>
+          </a:bodyPr>
+          <a:lstStyle/>
+          <a:p>
+            <a:pPr algn="ctr"/>
+            <a:r>
+              <a:rPr lang="fr-FR" sz="1050" dirty="0"/>
+              <a:t>d</a:t>
+            </a:r>
+          </a:p>
+        </p:txBody>
+      </p:sp>
+      <p:cxnSp>
+        <p:nvCxnSpPr>
+          <p:cNvPr id="148" name="Connecteur droit avec flèche 147"/>
+          <p:cNvCxnSpPr/>
+          <p:nvPr/>
+        </p:nvCxnSpPr>
+        <p:spPr>
+          <a:xfrm flipH="1" flipV="1">
+            <a:off x="3555811" y="1141060"/>
+            <a:ext cx="241704" cy="423691"/>
+          </a:xfrm>
+          <a:prstGeom prst="straightConnector1">
+            <a:avLst/>
+          </a:prstGeom>
+          <a:ln>
+            <a:solidFill>
+              <a:srgbClr val="C00000"/>
+            </a:solidFill>
+            <a:tailEnd type="stealth" w="sm" len="med"/>
+          </a:ln>
+        </p:spPr>
+        <p:style>
+          <a:lnRef idx="1">
+            <a:schemeClr val="accent1"/>
+          </a:lnRef>
+          <a:fillRef idx="0">
+            <a:schemeClr val="accent1"/>
+          </a:fillRef>
+          <a:effectRef idx="0">
+            <a:schemeClr val="accent1"/>
+          </a:effectRef>
+          <a:fontRef idx="minor">
+            <a:schemeClr val="tx1"/>
+          </a:fontRef>
+        </p:style>
+      </p:cxnSp>
+      <p:sp>
+        <p:nvSpPr>
+          <p:cNvPr id="149" name="ZoneTexte 148"/>
+          <p:cNvSpPr txBox="1"/>
+          <p:nvPr/>
+        </p:nvSpPr>
+        <p:spPr>
+          <a:xfrm>
+            <a:off x="3353211" y="1517569"/>
+            <a:ext cx="1771667" cy="415498"/>
+          </a:xfrm>
+          <a:prstGeom prst="rect">
+            <a:avLst/>
+          </a:prstGeom>
+          <a:noFill/>
+        </p:spPr>
+        <p:txBody>
+          <a:bodyPr wrap="square" lIns="36000" rtlCol="0">
+            <a:spAutoFit/>
+          </a:bodyPr>
+          <a:lstStyle/>
+          <a:p>
+            <a:r>
+              <a:rPr lang="fr-FR" sz="1050" dirty="0"/>
+              <a:t>Champ de pression du au serrage de la vis (Cône à 45°)</a:t>
+            </a:r>
+          </a:p>
+        </p:txBody>
+      </p:sp>
+      <p:cxnSp>
+        <p:nvCxnSpPr>
+          <p:cNvPr id="150" name="Connecteur droit avec flèche 149"/>
+          <p:cNvCxnSpPr/>
+          <p:nvPr/>
+        </p:nvCxnSpPr>
+        <p:spPr>
+          <a:xfrm flipV="1">
+            <a:off x="3416191" y="474926"/>
+            <a:ext cx="0" cy="221806"/>
+          </a:xfrm>
+          <a:prstGeom prst="straightConnector1">
+            <a:avLst/>
+          </a:prstGeom>
+          <a:ln w="6350">
+            <a:solidFill>
+              <a:srgbClr val="C00000"/>
+            </a:solidFill>
+            <a:tailEnd type="none" w="sm" len="med"/>
+          </a:ln>
+        </p:spPr>
+        <p:style>
+          <a:lnRef idx="1">
+            <a:schemeClr val="accent1"/>
+          </a:lnRef>
+          <a:fillRef idx="0">
+            <a:schemeClr val="accent1"/>
+          </a:fillRef>
+          <a:effectRef idx="0">
+            <a:schemeClr val="accent1"/>
+          </a:effectRef>
+          <a:fontRef idx="minor">
+            <a:schemeClr val="tx1"/>
+          </a:fontRef>
+        </p:style>
+      </p:cxnSp>
+      <p:cxnSp>
+        <p:nvCxnSpPr>
+          <p:cNvPr id="151" name="Connecteur droit avec flèche 150"/>
+          <p:cNvCxnSpPr/>
+          <p:nvPr/>
+        </p:nvCxnSpPr>
+        <p:spPr>
+          <a:xfrm flipV="1">
+            <a:off x="3562937" y="474926"/>
+            <a:ext cx="0" cy="221806"/>
+          </a:xfrm>
+          <a:prstGeom prst="straightConnector1">
+            <a:avLst/>
+          </a:prstGeom>
+          <a:ln w="6350">
+            <a:solidFill>
+              <a:srgbClr val="C00000"/>
+            </a:solidFill>
+            <a:tailEnd type="none" w="sm" len="med"/>
+          </a:ln>
+        </p:spPr>
+        <p:style>
+          <a:lnRef idx="1">
+            <a:schemeClr val="accent1"/>
+          </a:lnRef>
+          <a:fillRef idx="0">
+            <a:schemeClr val="accent1"/>
+          </a:fillRef>
+          <a:effectRef idx="0">
+            <a:schemeClr val="accent1"/>
+          </a:effectRef>
+          <a:fontRef idx="minor">
+            <a:schemeClr val="tx1"/>
+          </a:fontRef>
+        </p:style>
+      </p:cxnSp>
+      <p:cxnSp>
+        <p:nvCxnSpPr>
+          <p:cNvPr id="152" name="Connecteur droit avec flèche 151"/>
+          <p:cNvCxnSpPr/>
+          <p:nvPr/>
+        </p:nvCxnSpPr>
+        <p:spPr>
+          <a:xfrm flipH="1">
+            <a:off x="3421459" y="505235"/>
+            <a:ext cx="138732" cy="0"/>
+          </a:xfrm>
+          <a:prstGeom prst="straightConnector1">
+            <a:avLst/>
+          </a:prstGeom>
+          <a:ln w="6350">
+            <a:solidFill>
+              <a:srgbClr val="C00000"/>
+            </a:solidFill>
+            <a:headEnd type="triangle" w="sm" len="sm"/>
+            <a:tailEnd type="triangle" w="sm" len="sm"/>
+          </a:ln>
+        </p:spPr>
+        <p:style>
+          <a:lnRef idx="1">
+            <a:schemeClr val="accent1"/>
+          </a:lnRef>
+          <a:fillRef idx="0">
+            <a:schemeClr val="accent1"/>
+          </a:fillRef>
+          <a:effectRef idx="0">
+            <a:schemeClr val="accent1"/>
+          </a:effectRef>
+          <a:fontRef idx="minor">
+            <a:schemeClr val="tx1"/>
+          </a:fontRef>
+        </p:style>
+      </p:cxnSp>
+      <p:sp>
+        <p:nvSpPr>
+          <p:cNvPr id="153" name="ZoneTexte 152"/>
+          <p:cNvSpPr txBox="1"/>
+          <p:nvPr/>
+        </p:nvSpPr>
+        <p:spPr>
+          <a:xfrm>
+            <a:off x="3338862" y="292045"/>
+            <a:ext cx="362556" cy="253916"/>
+          </a:xfrm>
+          <a:prstGeom prst="rect">
+            <a:avLst/>
+          </a:prstGeom>
+          <a:noFill/>
+        </p:spPr>
+        <p:txBody>
+          <a:bodyPr wrap="square" lIns="36000" rtlCol="0">
+            <a:spAutoFit/>
+          </a:bodyPr>
+          <a:lstStyle/>
+          <a:p>
+            <a:pPr algn="ctr"/>
+            <a:r>
+              <a:rPr lang="fr-FR" sz="1050" dirty="0"/>
+              <a:t>e</a:t>
+            </a:r>
+          </a:p>
+        </p:txBody>
+      </p:sp>
+    </p:spTree>
+    <p:extLst>
+      <p:ext uri="{BB962C8B-B14F-4D97-AF65-F5344CB8AC3E}">
+        <p14:creationId xmlns:p14="http://schemas.microsoft.com/office/powerpoint/2010/main" val="3053371135"/>
       </p:ext>
     </p:extLst>
   </p:cSld>
@@ -13549,8 +17144,8 @@
           <a:chExt cx="0" cy="0"/>
         </a:xfrm>
       </p:grpSpPr>
-      <mc:AlternateContent xmlns:mc="http://schemas.openxmlformats.org/markup-compatibility/2006">
-        <mc:Choice xmlns:a14="http://schemas.microsoft.com/office/drawing/2010/main" Requires="a14">
+      <mc:AlternateContent xmlns:mc="http://schemas.openxmlformats.org/markup-compatibility/2006" xmlns:a14="http://schemas.microsoft.com/office/drawing/2010/main">
+        <mc:Choice Requires="a14">
           <p:sp>
             <p:nvSpPr>
               <p:cNvPr id="79" name="ZoneTexte 78"/>
@@ -13601,7 +17196,7 @@
             </p:txBody>
           </p:sp>
         </mc:Choice>
-        <mc:Fallback>
+        <mc:Fallback xmlns="">
           <p:sp>
             <p:nvSpPr>
               <p:cNvPr id="79" name="ZoneTexte 78"/>
@@ -14560,29 +18155,1032 @@
           </a:fontRef>
         </p:style>
       </p:cxnSp>
+      <p:cxnSp>
+        <p:nvCxnSpPr>
+          <p:cNvPr id="45" name="Connecteur droit 44"/>
+          <p:cNvCxnSpPr/>
+          <p:nvPr/>
+        </p:nvCxnSpPr>
+        <p:spPr>
+          <a:xfrm>
+            <a:off x="2268799" y="1165474"/>
+            <a:ext cx="883213" cy="0"/>
+          </a:xfrm>
+          <a:prstGeom prst="line">
+            <a:avLst/>
+          </a:prstGeom>
+          <a:ln w="12700">
+            <a:solidFill>
+              <a:schemeClr val="accent5">
+                <a:lumMod val="50000"/>
+              </a:schemeClr>
+            </a:solidFill>
+          </a:ln>
+        </p:spPr>
+        <p:style>
+          <a:lnRef idx="1">
+            <a:schemeClr val="accent1"/>
+          </a:lnRef>
+          <a:fillRef idx="0">
+            <a:schemeClr val="accent1"/>
+          </a:fillRef>
+          <a:effectRef idx="0">
+            <a:schemeClr val="accent1"/>
+          </a:effectRef>
+          <a:fontRef idx="minor">
+            <a:schemeClr val="tx1"/>
+          </a:fontRef>
+        </p:style>
+      </p:cxnSp>
+      <p:cxnSp>
+        <p:nvCxnSpPr>
+          <p:cNvPr id="46" name="Connecteur droit 45"/>
+          <p:cNvCxnSpPr/>
+          <p:nvPr/>
+        </p:nvCxnSpPr>
+        <p:spPr>
+          <a:xfrm flipV="1">
+            <a:off x="2268799" y="764704"/>
+            <a:ext cx="0" cy="502816"/>
+          </a:xfrm>
+          <a:prstGeom prst="line">
+            <a:avLst/>
+          </a:prstGeom>
+          <a:ln w="12700">
+            <a:solidFill>
+              <a:schemeClr val="accent5">
+                <a:lumMod val="50000"/>
+              </a:schemeClr>
+            </a:solidFill>
+          </a:ln>
+        </p:spPr>
+        <p:style>
+          <a:lnRef idx="1">
+            <a:schemeClr val="accent1"/>
+          </a:lnRef>
+          <a:fillRef idx="0">
+            <a:schemeClr val="accent1"/>
+          </a:fillRef>
+          <a:effectRef idx="0">
+            <a:schemeClr val="accent1"/>
+          </a:effectRef>
+          <a:fontRef idx="minor">
+            <a:schemeClr val="tx1"/>
+          </a:fontRef>
+        </p:style>
+      </p:cxnSp>
+      <p:cxnSp>
+        <p:nvCxnSpPr>
+          <p:cNvPr id="50" name="Connecteur droit 49"/>
+          <p:cNvCxnSpPr/>
+          <p:nvPr/>
+        </p:nvCxnSpPr>
+        <p:spPr>
+          <a:xfrm flipV="1">
+            <a:off x="3152012" y="761778"/>
+            <a:ext cx="0" cy="508222"/>
+          </a:xfrm>
+          <a:prstGeom prst="line">
+            <a:avLst/>
+          </a:prstGeom>
+          <a:ln w="12700">
+            <a:solidFill>
+              <a:schemeClr val="accent5">
+                <a:lumMod val="50000"/>
+              </a:schemeClr>
+            </a:solidFill>
+          </a:ln>
+        </p:spPr>
+        <p:style>
+          <a:lnRef idx="1">
+            <a:schemeClr val="accent1"/>
+          </a:lnRef>
+          <a:fillRef idx="0">
+            <a:schemeClr val="accent1"/>
+          </a:fillRef>
+          <a:effectRef idx="0">
+            <a:schemeClr val="accent1"/>
+          </a:effectRef>
+          <a:fontRef idx="minor">
+            <a:schemeClr val="tx1"/>
+          </a:fontRef>
+        </p:style>
+      </p:cxnSp>
+      <p:cxnSp>
+        <p:nvCxnSpPr>
+          <p:cNvPr id="53" name="Connecteur droit 52"/>
+          <p:cNvCxnSpPr/>
+          <p:nvPr/>
+        </p:nvCxnSpPr>
+        <p:spPr>
+          <a:xfrm>
+            <a:off x="2267744" y="768128"/>
+            <a:ext cx="884268" cy="0"/>
+          </a:xfrm>
+          <a:prstGeom prst="line">
+            <a:avLst/>
+          </a:prstGeom>
+          <a:ln w="12700">
+            <a:solidFill>
+              <a:schemeClr val="accent5">
+                <a:lumMod val="50000"/>
+              </a:schemeClr>
+            </a:solidFill>
+          </a:ln>
+        </p:spPr>
+        <p:style>
+          <a:lnRef idx="1">
+            <a:schemeClr val="accent1"/>
+          </a:lnRef>
+          <a:fillRef idx="0">
+            <a:schemeClr val="accent1"/>
+          </a:fillRef>
+          <a:effectRef idx="0">
+            <a:schemeClr val="accent1"/>
+          </a:effectRef>
+          <a:fontRef idx="minor">
+            <a:schemeClr val="tx1"/>
+          </a:fontRef>
+        </p:style>
+      </p:cxnSp>
+      <p:cxnSp>
+        <p:nvCxnSpPr>
+          <p:cNvPr id="54" name="Connecteur droit 53"/>
+          <p:cNvCxnSpPr/>
+          <p:nvPr/>
+        </p:nvCxnSpPr>
+        <p:spPr>
+          <a:xfrm flipV="1">
+            <a:off x="2267744" y="1988840"/>
+            <a:ext cx="0" cy="502816"/>
+          </a:xfrm>
+          <a:prstGeom prst="line">
+            <a:avLst/>
+          </a:prstGeom>
+          <a:ln w="12700">
+            <a:solidFill>
+              <a:schemeClr val="accent5">
+                <a:lumMod val="50000"/>
+              </a:schemeClr>
+            </a:solidFill>
+          </a:ln>
+        </p:spPr>
+        <p:style>
+          <a:lnRef idx="1">
+            <a:schemeClr val="accent1"/>
+          </a:lnRef>
+          <a:fillRef idx="0">
+            <a:schemeClr val="accent1"/>
+          </a:fillRef>
+          <a:effectRef idx="0">
+            <a:schemeClr val="accent1"/>
+          </a:effectRef>
+          <a:fontRef idx="minor">
+            <a:schemeClr val="tx1"/>
+          </a:fontRef>
+        </p:style>
+      </p:cxnSp>
+      <p:cxnSp>
+        <p:nvCxnSpPr>
+          <p:cNvPr id="55" name="Connecteur droit 54"/>
+          <p:cNvCxnSpPr/>
+          <p:nvPr/>
+        </p:nvCxnSpPr>
+        <p:spPr>
+          <a:xfrm>
+            <a:off x="2267743" y="2488730"/>
+            <a:ext cx="894582" cy="0"/>
+          </a:xfrm>
+          <a:prstGeom prst="line">
+            <a:avLst/>
+          </a:prstGeom>
+          <a:ln w="12700">
+            <a:solidFill>
+              <a:schemeClr val="accent5">
+                <a:lumMod val="50000"/>
+              </a:schemeClr>
+            </a:solidFill>
+          </a:ln>
+        </p:spPr>
+        <p:style>
+          <a:lnRef idx="1">
+            <a:schemeClr val="accent1"/>
+          </a:lnRef>
+          <a:fillRef idx="0">
+            <a:schemeClr val="accent1"/>
+          </a:fillRef>
+          <a:effectRef idx="0">
+            <a:schemeClr val="accent1"/>
+          </a:effectRef>
+          <a:fontRef idx="minor">
+            <a:schemeClr val="tx1"/>
+          </a:fontRef>
+        </p:style>
+      </p:cxnSp>
+      <p:cxnSp>
+        <p:nvCxnSpPr>
+          <p:cNvPr id="41" name="Connecteur droit 40"/>
+          <p:cNvCxnSpPr/>
+          <p:nvPr/>
+        </p:nvCxnSpPr>
+        <p:spPr>
+          <a:xfrm flipH="1">
+            <a:off x="2052247" y="1629941"/>
+            <a:ext cx="1440160" cy="620"/>
+          </a:xfrm>
+          <a:prstGeom prst="line">
+            <a:avLst/>
+          </a:prstGeom>
+          <a:ln w="6350">
+            <a:solidFill>
+              <a:schemeClr val="accent5">
+                <a:lumMod val="50000"/>
+              </a:schemeClr>
+            </a:solidFill>
+            <a:prstDash val="lgDashDot"/>
+          </a:ln>
+        </p:spPr>
+        <p:style>
+          <a:lnRef idx="1">
+            <a:schemeClr val="accent1"/>
+          </a:lnRef>
+          <a:fillRef idx="0">
+            <a:schemeClr val="accent1"/>
+          </a:fillRef>
+          <a:effectRef idx="0">
+            <a:schemeClr val="accent1"/>
+          </a:effectRef>
+          <a:fontRef idx="minor">
+            <a:schemeClr val="tx1"/>
+          </a:fontRef>
+        </p:style>
+      </p:cxnSp>
+      <p:cxnSp>
+        <p:nvCxnSpPr>
+          <p:cNvPr id="65" name="Connecteur droit 64"/>
+          <p:cNvCxnSpPr/>
+          <p:nvPr/>
+        </p:nvCxnSpPr>
+        <p:spPr>
+          <a:xfrm>
+            <a:off x="3059832" y="1270000"/>
+            <a:ext cx="0" cy="718840"/>
+          </a:xfrm>
+          <a:prstGeom prst="line">
+            <a:avLst/>
+          </a:prstGeom>
+          <a:ln w="6350">
+            <a:solidFill>
+              <a:schemeClr val="accent5">
+                <a:lumMod val="50000"/>
+              </a:schemeClr>
+            </a:solidFill>
+          </a:ln>
+        </p:spPr>
+        <p:style>
+          <a:lnRef idx="1">
+            <a:schemeClr val="accent1"/>
+          </a:lnRef>
+          <a:fillRef idx="0">
+            <a:schemeClr val="accent1"/>
+          </a:fillRef>
+          <a:effectRef idx="0">
+            <a:schemeClr val="accent1"/>
+          </a:effectRef>
+          <a:fontRef idx="minor">
+            <a:schemeClr val="tx1"/>
+          </a:fontRef>
+        </p:style>
+      </p:cxnSp>
+      <p:cxnSp>
+        <p:nvCxnSpPr>
+          <p:cNvPr id="73" name="Connecteur droit 72"/>
+          <p:cNvCxnSpPr/>
+          <p:nvPr/>
+        </p:nvCxnSpPr>
+        <p:spPr>
+          <a:xfrm flipV="1">
+            <a:off x="3059832" y="1303338"/>
+            <a:ext cx="52042" cy="0"/>
+          </a:xfrm>
+          <a:prstGeom prst="line">
+            <a:avLst/>
+          </a:prstGeom>
+          <a:ln w="6350">
+            <a:solidFill>
+              <a:schemeClr val="accent5">
+                <a:lumMod val="50000"/>
+              </a:schemeClr>
+            </a:solidFill>
+          </a:ln>
+        </p:spPr>
+        <p:style>
+          <a:lnRef idx="1">
+            <a:schemeClr val="accent1"/>
+          </a:lnRef>
+          <a:fillRef idx="0">
+            <a:schemeClr val="accent1"/>
+          </a:fillRef>
+          <a:effectRef idx="0">
+            <a:schemeClr val="accent1"/>
+          </a:effectRef>
+          <a:fontRef idx="minor">
+            <a:schemeClr val="tx1"/>
+          </a:fontRef>
+        </p:style>
+      </p:cxnSp>
+      <p:cxnSp>
+        <p:nvCxnSpPr>
+          <p:cNvPr id="78" name="Connecteur droit 77"/>
+          <p:cNvCxnSpPr/>
+          <p:nvPr/>
+        </p:nvCxnSpPr>
+        <p:spPr>
+          <a:xfrm flipV="1">
+            <a:off x="3111874" y="1267521"/>
+            <a:ext cx="1" cy="69154"/>
+          </a:xfrm>
+          <a:prstGeom prst="line">
+            <a:avLst/>
+          </a:prstGeom>
+          <a:ln w="12700">
+            <a:solidFill>
+              <a:schemeClr val="accent5">
+                <a:lumMod val="50000"/>
+              </a:schemeClr>
+            </a:solidFill>
+          </a:ln>
+        </p:spPr>
+        <p:style>
+          <a:lnRef idx="1">
+            <a:schemeClr val="accent1"/>
+          </a:lnRef>
+          <a:fillRef idx="0">
+            <a:schemeClr val="accent1"/>
+          </a:fillRef>
+          <a:effectRef idx="0">
+            <a:schemeClr val="accent1"/>
+          </a:effectRef>
+          <a:fontRef idx="minor">
+            <a:schemeClr val="tx1"/>
+          </a:fontRef>
+        </p:style>
+      </p:cxnSp>
+      <p:cxnSp>
+        <p:nvCxnSpPr>
+          <p:cNvPr id="89" name="Connecteur droit 88"/>
+          <p:cNvCxnSpPr/>
+          <p:nvPr/>
+        </p:nvCxnSpPr>
+        <p:spPr>
+          <a:xfrm flipH="1">
+            <a:off x="3111875" y="1336675"/>
+            <a:ext cx="337477" cy="0"/>
+          </a:xfrm>
+          <a:prstGeom prst="line">
+            <a:avLst/>
+          </a:prstGeom>
+          <a:ln w="12700">
+            <a:solidFill>
+              <a:schemeClr val="accent5">
+                <a:lumMod val="50000"/>
+              </a:schemeClr>
+            </a:solidFill>
+          </a:ln>
+        </p:spPr>
+        <p:style>
+          <a:lnRef idx="1">
+            <a:schemeClr val="accent1"/>
+          </a:lnRef>
+          <a:fillRef idx="0">
+            <a:schemeClr val="accent1"/>
+          </a:fillRef>
+          <a:effectRef idx="0">
+            <a:schemeClr val="accent1"/>
+          </a:effectRef>
+          <a:fontRef idx="minor">
+            <a:schemeClr val="tx1"/>
+          </a:fontRef>
+        </p:style>
+      </p:cxnSp>
+      <p:cxnSp>
+        <p:nvCxnSpPr>
+          <p:cNvPr id="93" name="Connecteur droit 92"/>
+          <p:cNvCxnSpPr/>
+          <p:nvPr/>
+        </p:nvCxnSpPr>
+        <p:spPr>
+          <a:xfrm>
+            <a:off x="3413352" y="1336675"/>
+            <a:ext cx="1" cy="652165"/>
+          </a:xfrm>
+          <a:prstGeom prst="line">
+            <a:avLst/>
+          </a:prstGeom>
+          <a:ln w="12700">
+            <a:solidFill>
+              <a:schemeClr val="accent5">
+                <a:lumMod val="50000"/>
+              </a:schemeClr>
+            </a:solidFill>
+          </a:ln>
+        </p:spPr>
+        <p:style>
+          <a:lnRef idx="1">
+            <a:schemeClr val="accent1"/>
+          </a:lnRef>
+          <a:fillRef idx="0">
+            <a:schemeClr val="accent1"/>
+          </a:fillRef>
+          <a:effectRef idx="0">
+            <a:schemeClr val="accent1"/>
+          </a:effectRef>
+          <a:fontRef idx="minor">
+            <a:schemeClr val="tx1"/>
+          </a:fontRef>
+        </p:style>
+      </p:cxnSp>
+      <p:cxnSp>
+        <p:nvCxnSpPr>
+          <p:cNvPr id="98" name="Connecteur droit 97"/>
+          <p:cNvCxnSpPr/>
+          <p:nvPr/>
+        </p:nvCxnSpPr>
+        <p:spPr>
+          <a:xfrm flipV="1">
+            <a:off x="3413323" y="1952840"/>
+            <a:ext cx="36000" cy="36000"/>
+          </a:xfrm>
+          <a:prstGeom prst="line">
+            <a:avLst/>
+          </a:prstGeom>
+          <a:ln w="12700">
+            <a:solidFill>
+              <a:schemeClr val="accent5">
+                <a:lumMod val="50000"/>
+              </a:schemeClr>
+            </a:solidFill>
+          </a:ln>
+        </p:spPr>
+        <p:style>
+          <a:lnRef idx="1">
+            <a:schemeClr val="accent1"/>
+          </a:lnRef>
+          <a:fillRef idx="0">
+            <a:schemeClr val="accent1"/>
+          </a:fillRef>
+          <a:effectRef idx="0">
+            <a:schemeClr val="accent1"/>
+          </a:effectRef>
+          <a:fontRef idx="minor">
+            <a:schemeClr val="tx1"/>
+          </a:fontRef>
+        </p:style>
+      </p:cxnSp>
+      <p:cxnSp>
+        <p:nvCxnSpPr>
+          <p:cNvPr id="100" name="Connecteur droit 99"/>
+          <p:cNvCxnSpPr/>
+          <p:nvPr/>
+        </p:nvCxnSpPr>
+        <p:spPr>
+          <a:xfrm>
+            <a:off x="3449323" y="1302098"/>
+            <a:ext cx="29" cy="650742"/>
+          </a:xfrm>
+          <a:prstGeom prst="line">
+            <a:avLst/>
+          </a:prstGeom>
+          <a:ln w="12700">
+            <a:solidFill>
+              <a:schemeClr val="accent5">
+                <a:lumMod val="50000"/>
+              </a:schemeClr>
+            </a:solidFill>
+          </a:ln>
+        </p:spPr>
+        <p:style>
+          <a:lnRef idx="1">
+            <a:schemeClr val="accent1"/>
+          </a:lnRef>
+          <a:fillRef idx="0">
+            <a:schemeClr val="accent1"/>
+          </a:fillRef>
+          <a:effectRef idx="0">
+            <a:schemeClr val="accent1"/>
+          </a:effectRef>
+          <a:fontRef idx="minor">
+            <a:schemeClr val="tx1"/>
+          </a:fontRef>
+        </p:style>
+      </p:cxnSp>
+      <p:cxnSp>
+        <p:nvCxnSpPr>
+          <p:cNvPr id="106" name="Connecteur droit 105"/>
+          <p:cNvCxnSpPr/>
+          <p:nvPr/>
+        </p:nvCxnSpPr>
+        <p:spPr>
+          <a:xfrm>
+            <a:off x="3059832" y="1952840"/>
+            <a:ext cx="389491" cy="0"/>
+          </a:xfrm>
+          <a:prstGeom prst="line">
+            <a:avLst/>
+          </a:prstGeom>
+          <a:ln w="6350">
+            <a:solidFill>
+              <a:schemeClr val="accent5">
+                <a:lumMod val="50000"/>
+              </a:schemeClr>
+            </a:solidFill>
+          </a:ln>
+        </p:spPr>
+        <p:style>
+          <a:lnRef idx="1">
+            <a:schemeClr val="accent1"/>
+          </a:lnRef>
+          <a:fillRef idx="0">
+            <a:schemeClr val="accent1"/>
+          </a:fillRef>
+          <a:effectRef idx="0">
+            <a:schemeClr val="accent1"/>
+          </a:effectRef>
+          <a:fontRef idx="minor">
+            <a:schemeClr val="tx1"/>
+          </a:fontRef>
+        </p:style>
+      </p:cxnSp>
+      <p:cxnSp>
+        <p:nvCxnSpPr>
+          <p:cNvPr id="111" name="Connecteur droit 110"/>
+          <p:cNvCxnSpPr/>
+          <p:nvPr/>
+        </p:nvCxnSpPr>
+        <p:spPr>
+          <a:xfrm flipH="1">
+            <a:off x="3152011" y="1088740"/>
+            <a:ext cx="36505" cy="99380"/>
+          </a:xfrm>
+          <a:prstGeom prst="line">
+            <a:avLst/>
+          </a:prstGeom>
+          <a:ln w="12700">
+            <a:solidFill>
+              <a:schemeClr val="accent5">
+                <a:lumMod val="50000"/>
+              </a:schemeClr>
+            </a:solidFill>
+          </a:ln>
+        </p:spPr>
+        <p:style>
+          <a:lnRef idx="1">
+            <a:schemeClr val="accent1"/>
+          </a:lnRef>
+          <a:fillRef idx="0">
+            <a:schemeClr val="accent1"/>
+          </a:fillRef>
+          <a:effectRef idx="0">
+            <a:schemeClr val="accent1"/>
+          </a:effectRef>
+          <a:fontRef idx="minor">
+            <a:schemeClr val="tx1"/>
+          </a:fontRef>
+        </p:style>
+      </p:cxnSp>
+      <p:cxnSp>
+        <p:nvCxnSpPr>
+          <p:cNvPr id="116" name="Connecteur droit 115"/>
+          <p:cNvCxnSpPr/>
+          <p:nvPr/>
+        </p:nvCxnSpPr>
+        <p:spPr>
+          <a:xfrm flipH="1">
+            <a:off x="3197731" y="1188120"/>
+            <a:ext cx="25021" cy="0"/>
+          </a:xfrm>
+          <a:prstGeom prst="line">
+            <a:avLst/>
+          </a:prstGeom>
+          <a:ln w="12700">
+            <a:solidFill>
+              <a:schemeClr val="accent5">
+                <a:lumMod val="50000"/>
+              </a:schemeClr>
+            </a:solidFill>
+          </a:ln>
+        </p:spPr>
+        <p:style>
+          <a:lnRef idx="1">
+            <a:schemeClr val="accent1"/>
+          </a:lnRef>
+          <a:fillRef idx="0">
+            <a:schemeClr val="accent1"/>
+          </a:fillRef>
+          <a:effectRef idx="0">
+            <a:schemeClr val="accent1"/>
+          </a:effectRef>
+          <a:fontRef idx="minor">
+            <a:schemeClr val="tx1"/>
+          </a:fontRef>
+        </p:style>
+      </p:cxnSp>
+      <p:cxnSp>
+        <p:nvCxnSpPr>
+          <p:cNvPr id="117" name="Connecteur droit 116"/>
+          <p:cNvCxnSpPr/>
+          <p:nvPr/>
+        </p:nvCxnSpPr>
+        <p:spPr>
+          <a:xfrm flipH="1">
+            <a:off x="3196897" y="1156432"/>
+            <a:ext cx="77903" cy="31688"/>
+          </a:xfrm>
+          <a:prstGeom prst="line">
+            <a:avLst/>
+          </a:prstGeom>
+          <a:ln w="12700">
+            <a:solidFill>
+              <a:schemeClr val="accent5">
+                <a:lumMod val="50000"/>
+              </a:schemeClr>
+            </a:solidFill>
+          </a:ln>
+        </p:spPr>
+        <p:style>
+          <a:lnRef idx="1">
+            <a:schemeClr val="accent1"/>
+          </a:lnRef>
+          <a:fillRef idx="0">
+            <a:schemeClr val="accent1"/>
+          </a:fillRef>
+          <a:effectRef idx="0">
+            <a:schemeClr val="accent1"/>
+          </a:effectRef>
+          <a:fontRef idx="minor">
+            <a:schemeClr val="tx1"/>
+          </a:fontRef>
+        </p:style>
+      </p:cxnSp>
+      <p:cxnSp>
+        <p:nvCxnSpPr>
+          <p:cNvPr id="120" name="Connecteur droit 119"/>
+          <p:cNvCxnSpPr/>
+          <p:nvPr/>
+        </p:nvCxnSpPr>
+        <p:spPr>
+          <a:xfrm flipV="1">
+            <a:off x="3290611" y="1120687"/>
+            <a:ext cx="0" cy="66355"/>
+          </a:xfrm>
+          <a:prstGeom prst="line">
+            <a:avLst/>
+          </a:prstGeom>
+          <a:ln w="12700">
+            <a:solidFill>
+              <a:schemeClr val="accent5">
+                <a:lumMod val="50000"/>
+              </a:schemeClr>
+            </a:solidFill>
+          </a:ln>
+        </p:spPr>
+        <p:style>
+          <a:lnRef idx="1">
+            <a:schemeClr val="accent1"/>
+          </a:lnRef>
+          <a:fillRef idx="0">
+            <a:schemeClr val="accent1"/>
+          </a:fillRef>
+          <a:effectRef idx="0">
+            <a:schemeClr val="accent1"/>
+          </a:effectRef>
+          <a:fontRef idx="minor">
+            <a:schemeClr val="tx1"/>
+          </a:fontRef>
+        </p:style>
+      </p:cxnSp>
+      <p:cxnSp>
+        <p:nvCxnSpPr>
+          <p:cNvPr id="127" name="Connecteur droit 126"/>
+          <p:cNvCxnSpPr/>
+          <p:nvPr/>
+        </p:nvCxnSpPr>
+        <p:spPr>
+          <a:xfrm flipH="1">
+            <a:off x="3186247" y="1133786"/>
+            <a:ext cx="77903" cy="31688"/>
+          </a:xfrm>
+          <a:prstGeom prst="line">
+            <a:avLst/>
+          </a:prstGeom>
+          <a:ln w="12700">
+            <a:solidFill>
+              <a:schemeClr val="accent5">
+                <a:lumMod val="50000"/>
+              </a:schemeClr>
+            </a:solidFill>
+          </a:ln>
+        </p:spPr>
+        <p:style>
+          <a:lnRef idx="1">
+            <a:schemeClr val="accent1"/>
+          </a:lnRef>
+          <a:fillRef idx="0">
+            <a:schemeClr val="accent1"/>
+          </a:fillRef>
+          <a:effectRef idx="0">
+            <a:schemeClr val="accent1"/>
+          </a:effectRef>
+          <a:fontRef idx="minor">
+            <a:schemeClr val="tx1"/>
+          </a:fontRef>
+        </p:style>
+      </p:cxnSp>
+      <p:cxnSp>
+        <p:nvCxnSpPr>
+          <p:cNvPr id="128" name="Connecteur droit 127"/>
+          <p:cNvCxnSpPr/>
+          <p:nvPr/>
+        </p:nvCxnSpPr>
+        <p:spPr>
+          <a:xfrm flipH="1" flipV="1">
+            <a:off x="3259388" y="1136167"/>
+            <a:ext cx="11706" cy="22646"/>
+          </a:xfrm>
+          <a:prstGeom prst="line">
+            <a:avLst/>
+          </a:prstGeom>
+          <a:ln w="12700">
+            <a:solidFill>
+              <a:schemeClr val="accent5">
+                <a:lumMod val="50000"/>
+              </a:schemeClr>
+            </a:solidFill>
+          </a:ln>
+        </p:spPr>
+        <p:style>
+          <a:lnRef idx="1">
+            <a:schemeClr val="accent1"/>
+          </a:lnRef>
+          <a:fillRef idx="0">
+            <a:schemeClr val="accent1"/>
+          </a:fillRef>
+          <a:effectRef idx="0">
+            <a:schemeClr val="accent1"/>
+          </a:effectRef>
+          <a:fontRef idx="minor">
+            <a:schemeClr val="tx1"/>
+          </a:fontRef>
+        </p:style>
+      </p:cxnSp>
+      <p:cxnSp>
+        <p:nvCxnSpPr>
+          <p:cNvPr id="132" name="Connecteur droit 131"/>
+          <p:cNvCxnSpPr/>
+          <p:nvPr/>
+        </p:nvCxnSpPr>
+        <p:spPr>
+          <a:xfrm flipV="1">
+            <a:off x="3152011" y="1188120"/>
+            <a:ext cx="0" cy="142776"/>
+          </a:xfrm>
+          <a:prstGeom prst="line">
+            <a:avLst/>
+          </a:prstGeom>
+          <a:ln w="12700">
+            <a:solidFill>
+              <a:schemeClr val="accent5">
+                <a:lumMod val="50000"/>
+              </a:schemeClr>
+            </a:solidFill>
+          </a:ln>
+        </p:spPr>
+        <p:style>
+          <a:lnRef idx="1">
+            <a:schemeClr val="accent1"/>
+          </a:lnRef>
+          <a:fillRef idx="0">
+            <a:schemeClr val="accent1"/>
+          </a:fillRef>
+          <a:effectRef idx="0">
+            <a:schemeClr val="accent1"/>
+          </a:effectRef>
+          <a:fontRef idx="minor">
+            <a:schemeClr val="tx1"/>
+          </a:fontRef>
+        </p:style>
+      </p:cxnSp>
+      <p:cxnSp>
+        <p:nvCxnSpPr>
+          <p:cNvPr id="136" name="Connecteur droit 135"/>
+          <p:cNvCxnSpPr/>
+          <p:nvPr/>
+        </p:nvCxnSpPr>
+        <p:spPr>
+          <a:xfrm flipV="1">
+            <a:off x="3188516" y="1187852"/>
+            <a:ext cx="0" cy="142776"/>
+          </a:xfrm>
+          <a:prstGeom prst="line">
+            <a:avLst/>
+          </a:prstGeom>
+          <a:ln w="12700">
+            <a:solidFill>
+              <a:schemeClr val="accent5">
+                <a:lumMod val="50000"/>
+              </a:schemeClr>
+            </a:solidFill>
+          </a:ln>
+        </p:spPr>
+        <p:style>
+          <a:lnRef idx="1">
+            <a:schemeClr val="accent1"/>
+          </a:lnRef>
+          <a:fillRef idx="0">
+            <a:schemeClr val="accent1"/>
+          </a:fillRef>
+          <a:effectRef idx="0">
+            <a:schemeClr val="accent1"/>
+          </a:effectRef>
+          <a:fontRef idx="minor">
+            <a:schemeClr val="tx1"/>
+          </a:fontRef>
+        </p:style>
+      </p:cxnSp>
+      <p:cxnSp>
+        <p:nvCxnSpPr>
+          <p:cNvPr id="139" name="Connecteur droit 138"/>
+          <p:cNvCxnSpPr/>
+          <p:nvPr/>
+        </p:nvCxnSpPr>
+        <p:spPr>
+          <a:xfrm flipH="1">
+            <a:off x="3188516" y="1085071"/>
+            <a:ext cx="29581" cy="82528"/>
+          </a:xfrm>
+          <a:prstGeom prst="line">
+            <a:avLst/>
+          </a:prstGeom>
+          <a:ln w="12700">
+            <a:solidFill>
+              <a:schemeClr val="accent5">
+                <a:lumMod val="50000"/>
+              </a:schemeClr>
+            </a:solidFill>
+          </a:ln>
+        </p:spPr>
+        <p:style>
+          <a:lnRef idx="1">
+            <a:schemeClr val="accent1"/>
+          </a:lnRef>
+          <a:fillRef idx="0">
+            <a:schemeClr val="accent1"/>
+          </a:fillRef>
+          <a:effectRef idx="0">
+            <a:schemeClr val="accent1"/>
+          </a:effectRef>
+          <a:fontRef idx="minor">
+            <a:schemeClr val="tx1"/>
+          </a:fontRef>
+        </p:style>
+      </p:cxnSp>
+      <p:cxnSp>
+        <p:nvCxnSpPr>
+          <p:cNvPr id="141" name="Connecteur droit 140"/>
+          <p:cNvCxnSpPr/>
+          <p:nvPr/>
+        </p:nvCxnSpPr>
+        <p:spPr>
+          <a:xfrm flipH="1">
+            <a:off x="3186024" y="1088740"/>
+            <a:ext cx="27466" cy="0"/>
+          </a:xfrm>
+          <a:prstGeom prst="line">
+            <a:avLst/>
+          </a:prstGeom>
+          <a:ln w="12700">
+            <a:solidFill>
+              <a:schemeClr val="accent5">
+                <a:lumMod val="50000"/>
+              </a:schemeClr>
+            </a:solidFill>
+          </a:ln>
+        </p:spPr>
+        <p:style>
+          <a:lnRef idx="1">
+            <a:schemeClr val="accent1"/>
+          </a:lnRef>
+          <a:fillRef idx="0">
+            <a:schemeClr val="accent1"/>
+          </a:fillRef>
+          <a:effectRef idx="0">
+            <a:schemeClr val="accent1"/>
+          </a:effectRef>
+          <a:fontRef idx="minor">
+            <a:schemeClr val="tx1"/>
+          </a:fontRef>
+        </p:style>
+      </p:cxnSp>
+      <p:cxnSp>
+        <p:nvCxnSpPr>
+          <p:cNvPr id="145" name="Connecteur droit 144"/>
+          <p:cNvCxnSpPr/>
+          <p:nvPr/>
+        </p:nvCxnSpPr>
+        <p:spPr>
+          <a:xfrm flipH="1">
+            <a:off x="3280818" y="1271190"/>
+            <a:ext cx="132535" cy="0"/>
+          </a:xfrm>
+          <a:prstGeom prst="line">
+            <a:avLst/>
+          </a:prstGeom>
+          <a:ln w="12700">
+            <a:solidFill>
+              <a:schemeClr val="accent5">
+                <a:lumMod val="50000"/>
+              </a:schemeClr>
+            </a:solidFill>
+          </a:ln>
+        </p:spPr>
+        <p:style>
+          <a:lnRef idx="1">
+            <a:schemeClr val="accent1"/>
+          </a:lnRef>
+          <a:fillRef idx="0">
+            <a:schemeClr val="accent1"/>
+          </a:fillRef>
+          <a:effectRef idx="0">
+            <a:schemeClr val="accent1"/>
+          </a:effectRef>
+          <a:fontRef idx="minor">
+            <a:schemeClr val="tx1"/>
+          </a:fontRef>
+        </p:style>
+      </p:cxnSp>
+      <p:cxnSp>
+        <p:nvCxnSpPr>
+          <p:cNvPr id="151" name="Connecteur droit 150"/>
+          <p:cNvCxnSpPr/>
+          <p:nvPr/>
+        </p:nvCxnSpPr>
+        <p:spPr>
+          <a:xfrm>
+            <a:off x="3205634" y="1120687"/>
+            <a:ext cx="84977" cy="0"/>
+          </a:xfrm>
+          <a:prstGeom prst="line">
+            <a:avLst/>
+          </a:prstGeom>
+          <a:ln w="12700">
+            <a:solidFill>
+              <a:schemeClr val="accent5">
+                <a:lumMod val="50000"/>
+              </a:schemeClr>
+            </a:solidFill>
+          </a:ln>
+        </p:spPr>
+        <p:style>
+          <a:lnRef idx="1">
+            <a:schemeClr val="accent1"/>
+          </a:lnRef>
+          <a:fillRef idx="0">
+            <a:schemeClr val="accent1"/>
+          </a:fillRef>
+          <a:effectRef idx="0">
+            <a:schemeClr val="accent1"/>
+          </a:effectRef>
+          <a:fontRef idx="minor">
+            <a:schemeClr val="tx1"/>
+          </a:fontRef>
+        </p:style>
+      </p:cxnSp>
       <p:sp>
         <p:nvSpPr>
-          <p:cNvPr id="39" name="Rectangle 38"/>
+          <p:cNvPr id="156" name="Rectangle 155"/>
           <p:cNvSpPr/>
           <p:nvPr/>
         </p:nvSpPr>
         <p:spPr>
-          <a:xfrm>
-            <a:off x="2483768" y="1196752"/>
-            <a:ext cx="432048" cy="142776"/>
+          <a:xfrm rot="3993707" flipH="1">
+            <a:off x="3215313" y="1129275"/>
+            <a:ext cx="18000" cy="72000"/>
           </a:xfrm>
           <a:prstGeom prst="rect">
             <a:avLst/>
           </a:prstGeom>
-          <a:solidFill>
-            <a:schemeClr val="bg1"/>
-          </a:solidFill>
-          <a:ln w="12700">
-            <a:solidFill>
-              <a:schemeClr val="accent5">
-                <a:lumMod val="50000"/>
-              </a:schemeClr>
-            </a:solidFill>
+          <a:pattFill prst="ltUpDiag">
+            <a:fgClr>
+              <a:schemeClr val="accent5">
+                <a:lumMod val="50000"/>
+              </a:schemeClr>
+            </a:fgClr>
+            <a:bgClr>
+              <a:schemeClr val="bg1"/>
+            </a:bgClr>
+          </a:pattFill>
+          <a:ln w="12700">
+            <a:noFill/>
           </a:ln>
         </p:spPr>
         <p:style>
@@ -14610,977 +19208,14 @@
       </p:sp>
       <p:cxnSp>
         <p:nvCxnSpPr>
-          <p:cNvPr id="45" name="Connecteur droit 44"/>
-          <p:cNvCxnSpPr/>
-          <p:nvPr/>
-        </p:nvCxnSpPr>
-        <p:spPr>
-          <a:xfrm>
-            <a:off x="2268799" y="1165474"/>
-            <a:ext cx="883213" cy="0"/>
-          </a:xfrm>
-          <a:prstGeom prst="line">
-            <a:avLst/>
-          </a:prstGeom>
-          <a:ln w="12700">
-            <a:solidFill>
-              <a:schemeClr val="accent5">
-                <a:lumMod val="50000"/>
-              </a:schemeClr>
-            </a:solidFill>
-          </a:ln>
-        </p:spPr>
-        <p:style>
-          <a:lnRef idx="1">
-            <a:schemeClr val="accent1"/>
-          </a:lnRef>
-          <a:fillRef idx="0">
-            <a:schemeClr val="accent1"/>
-          </a:fillRef>
-          <a:effectRef idx="0">
-            <a:schemeClr val="accent1"/>
-          </a:effectRef>
-          <a:fontRef idx="minor">
-            <a:schemeClr val="tx1"/>
-          </a:fontRef>
-        </p:style>
-      </p:cxnSp>
-      <p:cxnSp>
-        <p:nvCxnSpPr>
-          <p:cNvPr id="46" name="Connecteur droit 45"/>
-          <p:cNvCxnSpPr/>
-          <p:nvPr/>
-        </p:nvCxnSpPr>
-        <p:spPr>
-          <a:xfrm flipV="1">
-            <a:off x="2268799" y="764704"/>
-            <a:ext cx="0" cy="502816"/>
-          </a:xfrm>
-          <a:prstGeom prst="line">
-            <a:avLst/>
-          </a:prstGeom>
-          <a:ln w="12700">
-            <a:solidFill>
-              <a:schemeClr val="accent5">
-                <a:lumMod val="50000"/>
-              </a:schemeClr>
-            </a:solidFill>
-          </a:ln>
-        </p:spPr>
-        <p:style>
-          <a:lnRef idx="1">
-            <a:schemeClr val="accent1"/>
-          </a:lnRef>
-          <a:fillRef idx="0">
-            <a:schemeClr val="accent1"/>
-          </a:fillRef>
-          <a:effectRef idx="0">
-            <a:schemeClr val="accent1"/>
-          </a:effectRef>
-          <a:fontRef idx="minor">
-            <a:schemeClr val="tx1"/>
-          </a:fontRef>
-        </p:style>
-      </p:cxnSp>
-      <p:cxnSp>
-        <p:nvCxnSpPr>
-          <p:cNvPr id="50" name="Connecteur droit 49"/>
-          <p:cNvCxnSpPr/>
-          <p:nvPr/>
-        </p:nvCxnSpPr>
-        <p:spPr>
-          <a:xfrm flipV="1">
-            <a:off x="3152012" y="761778"/>
-            <a:ext cx="0" cy="508222"/>
-          </a:xfrm>
-          <a:prstGeom prst="line">
-            <a:avLst/>
-          </a:prstGeom>
-          <a:ln w="12700">
-            <a:solidFill>
-              <a:schemeClr val="accent5">
-                <a:lumMod val="50000"/>
-              </a:schemeClr>
-            </a:solidFill>
-          </a:ln>
-        </p:spPr>
-        <p:style>
-          <a:lnRef idx="1">
-            <a:schemeClr val="accent1"/>
-          </a:lnRef>
-          <a:fillRef idx="0">
-            <a:schemeClr val="accent1"/>
-          </a:fillRef>
-          <a:effectRef idx="0">
-            <a:schemeClr val="accent1"/>
-          </a:effectRef>
-          <a:fontRef idx="minor">
-            <a:schemeClr val="tx1"/>
-          </a:fontRef>
-        </p:style>
-      </p:cxnSp>
-      <p:cxnSp>
-        <p:nvCxnSpPr>
-          <p:cNvPr id="53" name="Connecteur droit 52"/>
-          <p:cNvCxnSpPr/>
-          <p:nvPr/>
-        </p:nvCxnSpPr>
-        <p:spPr>
-          <a:xfrm>
-            <a:off x="2267744" y="768128"/>
-            <a:ext cx="884268" cy="0"/>
-          </a:xfrm>
-          <a:prstGeom prst="line">
-            <a:avLst/>
-          </a:prstGeom>
-          <a:ln w="12700">
-            <a:solidFill>
-              <a:schemeClr val="accent5">
-                <a:lumMod val="50000"/>
-              </a:schemeClr>
-            </a:solidFill>
-          </a:ln>
-        </p:spPr>
-        <p:style>
-          <a:lnRef idx="1">
-            <a:schemeClr val="accent1"/>
-          </a:lnRef>
-          <a:fillRef idx="0">
-            <a:schemeClr val="accent1"/>
-          </a:fillRef>
-          <a:effectRef idx="0">
-            <a:schemeClr val="accent1"/>
-          </a:effectRef>
-          <a:fontRef idx="minor">
-            <a:schemeClr val="tx1"/>
-          </a:fontRef>
-        </p:style>
-      </p:cxnSp>
-      <p:cxnSp>
-        <p:nvCxnSpPr>
-          <p:cNvPr id="54" name="Connecteur droit 53"/>
-          <p:cNvCxnSpPr/>
-          <p:nvPr/>
-        </p:nvCxnSpPr>
-        <p:spPr>
-          <a:xfrm flipV="1">
-            <a:off x="2267744" y="1988840"/>
-            <a:ext cx="0" cy="502816"/>
-          </a:xfrm>
-          <a:prstGeom prst="line">
-            <a:avLst/>
-          </a:prstGeom>
-          <a:ln w="12700">
-            <a:solidFill>
-              <a:schemeClr val="accent5">
-                <a:lumMod val="50000"/>
-              </a:schemeClr>
-            </a:solidFill>
-          </a:ln>
-        </p:spPr>
-        <p:style>
-          <a:lnRef idx="1">
-            <a:schemeClr val="accent1"/>
-          </a:lnRef>
-          <a:fillRef idx="0">
-            <a:schemeClr val="accent1"/>
-          </a:fillRef>
-          <a:effectRef idx="0">
-            <a:schemeClr val="accent1"/>
-          </a:effectRef>
-          <a:fontRef idx="minor">
-            <a:schemeClr val="tx1"/>
-          </a:fontRef>
-        </p:style>
-      </p:cxnSp>
-      <p:cxnSp>
-        <p:nvCxnSpPr>
-          <p:cNvPr id="55" name="Connecteur droit 54"/>
-          <p:cNvCxnSpPr/>
-          <p:nvPr/>
-        </p:nvCxnSpPr>
-        <p:spPr>
-          <a:xfrm>
-            <a:off x="2267743" y="2488730"/>
-            <a:ext cx="894582" cy="0"/>
-          </a:xfrm>
-          <a:prstGeom prst="line">
-            <a:avLst/>
-          </a:prstGeom>
-          <a:ln w="12700">
-            <a:solidFill>
-              <a:schemeClr val="accent5">
-                <a:lumMod val="50000"/>
-              </a:schemeClr>
-            </a:solidFill>
-          </a:ln>
-        </p:spPr>
-        <p:style>
-          <a:lnRef idx="1">
-            <a:schemeClr val="accent1"/>
-          </a:lnRef>
-          <a:fillRef idx="0">
-            <a:schemeClr val="accent1"/>
-          </a:fillRef>
-          <a:effectRef idx="0">
-            <a:schemeClr val="accent1"/>
-          </a:effectRef>
-          <a:fontRef idx="minor">
-            <a:schemeClr val="tx1"/>
-          </a:fontRef>
-        </p:style>
-      </p:cxnSp>
-      <p:cxnSp>
-        <p:nvCxnSpPr>
-          <p:cNvPr id="41" name="Connecteur droit 40"/>
-          <p:cNvCxnSpPr/>
-          <p:nvPr/>
-        </p:nvCxnSpPr>
-        <p:spPr>
-          <a:xfrm flipH="1">
-            <a:off x="2052247" y="1629941"/>
-            <a:ext cx="1440160" cy="620"/>
-          </a:xfrm>
-          <a:prstGeom prst="line">
-            <a:avLst/>
-          </a:prstGeom>
-          <a:ln w="6350">
-            <a:solidFill>
-              <a:schemeClr val="accent5">
-                <a:lumMod val="50000"/>
-              </a:schemeClr>
-            </a:solidFill>
-            <a:prstDash val="lgDashDot"/>
-          </a:ln>
-        </p:spPr>
-        <p:style>
-          <a:lnRef idx="1">
-            <a:schemeClr val="accent1"/>
-          </a:lnRef>
-          <a:fillRef idx="0">
-            <a:schemeClr val="accent1"/>
-          </a:fillRef>
-          <a:effectRef idx="0">
-            <a:schemeClr val="accent1"/>
-          </a:effectRef>
-          <a:fontRef idx="minor">
-            <a:schemeClr val="tx1"/>
-          </a:fontRef>
-        </p:style>
-      </p:cxnSp>
-      <p:cxnSp>
-        <p:nvCxnSpPr>
-          <p:cNvPr id="65" name="Connecteur droit 64"/>
-          <p:cNvCxnSpPr/>
-          <p:nvPr/>
-        </p:nvCxnSpPr>
-        <p:spPr>
-          <a:xfrm>
-            <a:off x="3059832" y="1270000"/>
-            <a:ext cx="0" cy="718840"/>
-          </a:xfrm>
-          <a:prstGeom prst="line">
-            <a:avLst/>
-          </a:prstGeom>
-          <a:ln w="6350">
-            <a:solidFill>
-              <a:schemeClr val="accent5">
-                <a:lumMod val="50000"/>
-              </a:schemeClr>
-            </a:solidFill>
-          </a:ln>
-        </p:spPr>
-        <p:style>
-          <a:lnRef idx="1">
-            <a:schemeClr val="accent1"/>
-          </a:lnRef>
-          <a:fillRef idx="0">
-            <a:schemeClr val="accent1"/>
-          </a:fillRef>
-          <a:effectRef idx="0">
-            <a:schemeClr val="accent1"/>
-          </a:effectRef>
-          <a:fontRef idx="minor">
-            <a:schemeClr val="tx1"/>
-          </a:fontRef>
-        </p:style>
-      </p:cxnSp>
-      <p:cxnSp>
-        <p:nvCxnSpPr>
-          <p:cNvPr id="73" name="Connecteur droit 72"/>
-          <p:cNvCxnSpPr/>
-          <p:nvPr/>
-        </p:nvCxnSpPr>
-        <p:spPr>
-          <a:xfrm flipV="1">
-            <a:off x="3059832" y="1303338"/>
-            <a:ext cx="52042" cy="0"/>
-          </a:xfrm>
-          <a:prstGeom prst="line">
-            <a:avLst/>
-          </a:prstGeom>
-          <a:ln w="6350">
-            <a:solidFill>
-              <a:schemeClr val="accent5">
-                <a:lumMod val="50000"/>
-              </a:schemeClr>
-            </a:solidFill>
-          </a:ln>
-        </p:spPr>
-        <p:style>
-          <a:lnRef idx="1">
-            <a:schemeClr val="accent1"/>
-          </a:lnRef>
-          <a:fillRef idx="0">
-            <a:schemeClr val="accent1"/>
-          </a:fillRef>
-          <a:effectRef idx="0">
-            <a:schemeClr val="accent1"/>
-          </a:effectRef>
-          <a:fontRef idx="minor">
-            <a:schemeClr val="tx1"/>
-          </a:fontRef>
-        </p:style>
-      </p:cxnSp>
-      <p:cxnSp>
-        <p:nvCxnSpPr>
-          <p:cNvPr id="78" name="Connecteur droit 77"/>
-          <p:cNvCxnSpPr/>
-          <p:nvPr/>
-        </p:nvCxnSpPr>
-        <p:spPr>
-          <a:xfrm flipV="1">
-            <a:off x="3111874" y="1267521"/>
-            <a:ext cx="1" cy="69154"/>
-          </a:xfrm>
-          <a:prstGeom prst="line">
-            <a:avLst/>
-          </a:prstGeom>
-          <a:ln w="12700">
-            <a:solidFill>
-              <a:schemeClr val="accent5">
-                <a:lumMod val="50000"/>
-              </a:schemeClr>
-            </a:solidFill>
-          </a:ln>
-        </p:spPr>
-        <p:style>
-          <a:lnRef idx="1">
-            <a:schemeClr val="accent1"/>
-          </a:lnRef>
-          <a:fillRef idx="0">
-            <a:schemeClr val="accent1"/>
-          </a:fillRef>
-          <a:effectRef idx="0">
-            <a:schemeClr val="accent1"/>
-          </a:effectRef>
-          <a:fontRef idx="minor">
-            <a:schemeClr val="tx1"/>
-          </a:fontRef>
-        </p:style>
-      </p:cxnSp>
-      <p:cxnSp>
-        <p:nvCxnSpPr>
-          <p:cNvPr id="89" name="Connecteur droit 88"/>
-          <p:cNvCxnSpPr/>
-          <p:nvPr/>
-        </p:nvCxnSpPr>
-        <p:spPr>
-          <a:xfrm flipH="1">
-            <a:off x="3111875" y="1336675"/>
-            <a:ext cx="337477" cy="0"/>
-          </a:xfrm>
-          <a:prstGeom prst="line">
-            <a:avLst/>
-          </a:prstGeom>
-          <a:ln w="12700">
-            <a:solidFill>
-              <a:schemeClr val="accent5">
-                <a:lumMod val="50000"/>
-              </a:schemeClr>
-            </a:solidFill>
-          </a:ln>
-        </p:spPr>
-        <p:style>
-          <a:lnRef idx="1">
-            <a:schemeClr val="accent1"/>
-          </a:lnRef>
-          <a:fillRef idx="0">
-            <a:schemeClr val="accent1"/>
-          </a:fillRef>
-          <a:effectRef idx="0">
-            <a:schemeClr val="accent1"/>
-          </a:effectRef>
-          <a:fontRef idx="minor">
-            <a:schemeClr val="tx1"/>
-          </a:fontRef>
-        </p:style>
-      </p:cxnSp>
-      <p:cxnSp>
-        <p:nvCxnSpPr>
-          <p:cNvPr id="93" name="Connecteur droit 92"/>
-          <p:cNvCxnSpPr/>
-          <p:nvPr/>
-        </p:nvCxnSpPr>
-        <p:spPr>
-          <a:xfrm>
-            <a:off x="3413352" y="1336675"/>
-            <a:ext cx="1" cy="652165"/>
-          </a:xfrm>
-          <a:prstGeom prst="line">
-            <a:avLst/>
-          </a:prstGeom>
-          <a:ln w="12700">
-            <a:solidFill>
-              <a:schemeClr val="accent5">
-                <a:lumMod val="50000"/>
-              </a:schemeClr>
-            </a:solidFill>
-          </a:ln>
-        </p:spPr>
-        <p:style>
-          <a:lnRef idx="1">
-            <a:schemeClr val="accent1"/>
-          </a:lnRef>
-          <a:fillRef idx="0">
-            <a:schemeClr val="accent1"/>
-          </a:fillRef>
-          <a:effectRef idx="0">
-            <a:schemeClr val="accent1"/>
-          </a:effectRef>
-          <a:fontRef idx="minor">
-            <a:schemeClr val="tx1"/>
-          </a:fontRef>
-        </p:style>
-      </p:cxnSp>
-      <p:cxnSp>
-        <p:nvCxnSpPr>
-          <p:cNvPr id="98" name="Connecteur droit 97"/>
-          <p:cNvCxnSpPr/>
-          <p:nvPr/>
-        </p:nvCxnSpPr>
-        <p:spPr>
-          <a:xfrm flipV="1">
-            <a:off x="3413323" y="1952840"/>
-            <a:ext cx="36000" cy="36000"/>
-          </a:xfrm>
-          <a:prstGeom prst="line">
-            <a:avLst/>
-          </a:prstGeom>
-          <a:ln w="12700">
-            <a:solidFill>
-              <a:schemeClr val="accent5">
-                <a:lumMod val="50000"/>
-              </a:schemeClr>
-            </a:solidFill>
-          </a:ln>
-        </p:spPr>
-        <p:style>
-          <a:lnRef idx="1">
-            <a:schemeClr val="accent1"/>
-          </a:lnRef>
-          <a:fillRef idx="0">
-            <a:schemeClr val="accent1"/>
-          </a:fillRef>
-          <a:effectRef idx="0">
-            <a:schemeClr val="accent1"/>
-          </a:effectRef>
-          <a:fontRef idx="minor">
-            <a:schemeClr val="tx1"/>
-          </a:fontRef>
-        </p:style>
-      </p:cxnSp>
-      <p:cxnSp>
-        <p:nvCxnSpPr>
-          <p:cNvPr id="100" name="Connecteur droit 99"/>
-          <p:cNvCxnSpPr/>
-          <p:nvPr/>
-        </p:nvCxnSpPr>
-        <p:spPr>
-          <a:xfrm>
-            <a:off x="3449323" y="1302098"/>
-            <a:ext cx="29" cy="650742"/>
-          </a:xfrm>
-          <a:prstGeom prst="line">
-            <a:avLst/>
-          </a:prstGeom>
-          <a:ln w="12700">
-            <a:solidFill>
-              <a:schemeClr val="accent5">
-                <a:lumMod val="50000"/>
-              </a:schemeClr>
-            </a:solidFill>
-          </a:ln>
-        </p:spPr>
-        <p:style>
-          <a:lnRef idx="1">
-            <a:schemeClr val="accent1"/>
-          </a:lnRef>
-          <a:fillRef idx="0">
-            <a:schemeClr val="accent1"/>
-          </a:fillRef>
-          <a:effectRef idx="0">
-            <a:schemeClr val="accent1"/>
-          </a:effectRef>
-          <a:fontRef idx="minor">
-            <a:schemeClr val="tx1"/>
-          </a:fontRef>
-        </p:style>
-      </p:cxnSp>
-      <p:cxnSp>
-        <p:nvCxnSpPr>
-          <p:cNvPr id="106" name="Connecteur droit 105"/>
-          <p:cNvCxnSpPr/>
-          <p:nvPr/>
-        </p:nvCxnSpPr>
-        <p:spPr>
-          <a:xfrm>
-            <a:off x="3059832" y="1952840"/>
-            <a:ext cx="389491" cy="0"/>
-          </a:xfrm>
-          <a:prstGeom prst="line">
-            <a:avLst/>
-          </a:prstGeom>
-          <a:ln w="6350">
-            <a:solidFill>
-              <a:schemeClr val="accent5">
-                <a:lumMod val="50000"/>
-              </a:schemeClr>
-            </a:solidFill>
-          </a:ln>
-        </p:spPr>
-        <p:style>
-          <a:lnRef idx="1">
-            <a:schemeClr val="accent1"/>
-          </a:lnRef>
-          <a:fillRef idx="0">
-            <a:schemeClr val="accent1"/>
-          </a:fillRef>
-          <a:effectRef idx="0">
-            <a:schemeClr val="accent1"/>
-          </a:effectRef>
-          <a:fontRef idx="minor">
-            <a:schemeClr val="tx1"/>
-          </a:fontRef>
-        </p:style>
-      </p:cxnSp>
-      <p:cxnSp>
-        <p:nvCxnSpPr>
-          <p:cNvPr id="111" name="Connecteur droit 110"/>
-          <p:cNvCxnSpPr/>
-          <p:nvPr/>
-        </p:nvCxnSpPr>
-        <p:spPr>
-          <a:xfrm flipH="1">
-            <a:off x="3152011" y="1088740"/>
-            <a:ext cx="36505" cy="99380"/>
-          </a:xfrm>
-          <a:prstGeom prst="line">
-            <a:avLst/>
-          </a:prstGeom>
-          <a:ln w="12700">
-            <a:solidFill>
-              <a:schemeClr val="accent5">
-                <a:lumMod val="50000"/>
-              </a:schemeClr>
-            </a:solidFill>
-          </a:ln>
-        </p:spPr>
-        <p:style>
-          <a:lnRef idx="1">
-            <a:schemeClr val="accent1"/>
-          </a:lnRef>
-          <a:fillRef idx="0">
-            <a:schemeClr val="accent1"/>
-          </a:fillRef>
-          <a:effectRef idx="0">
-            <a:schemeClr val="accent1"/>
-          </a:effectRef>
-          <a:fontRef idx="minor">
-            <a:schemeClr val="tx1"/>
-          </a:fontRef>
-        </p:style>
-      </p:cxnSp>
-      <p:cxnSp>
-        <p:nvCxnSpPr>
-          <p:cNvPr id="116" name="Connecteur droit 115"/>
-          <p:cNvCxnSpPr/>
-          <p:nvPr/>
-        </p:nvCxnSpPr>
-        <p:spPr>
-          <a:xfrm flipH="1">
-            <a:off x="3197731" y="1188120"/>
-            <a:ext cx="25021" cy="0"/>
-          </a:xfrm>
-          <a:prstGeom prst="line">
-            <a:avLst/>
-          </a:prstGeom>
-          <a:ln w="12700">
-            <a:solidFill>
-              <a:schemeClr val="accent5">
-                <a:lumMod val="50000"/>
-              </a:schemeClr>
-            </a:solidFill>
-          </a:ln>
-        </p:spPr>
-        <p:style>
-          <a:lnRef idx="1">
-            <a:schemeClr val="accent1"/>
-          </a:lnRef>
-          <a:fillRef idx="0">
-            <a:schemeClr val="accent1"/>
-          </a:fillRef>
-          <a:effectRef idx="0">
-            <a:schemeClr val="accent1"/>
-          </a:effectRef>
-          <a:fontRef idx="minor">
-            <a:schemeClr val="tx1"/>
-          </a:fontRef>
-        </p:style>
-      </p:cxnSp>
-      <p:cxnSp>
-        <p:nvCxnSpPr>
-          <p:cNvPr id="117" name="Connecteur droit 116"/>
-          <p:cNvCxnSpPr/>
-          <p:nvPr/>
-        </p:nvCxnSpPr>
-        <p:spPr>
-          <a:xfrm flipH="1">
-            <a:off x="3196897" y="1156432"/>
-            <a:ext cx="77903" cy="31688"/>
-          </a:xfrm>
-          <a:prstGeom prst="line">
-            <a:avLst/>
-          </a:prstGeom>
-          <a:ln w="12700">
-            <a:solidFill>
-              <a:schemeClr val="accent5">
-                <a:lumMod val="50000"/>
-              </a:schemeClr>
-            </a:solidFill>
-          </a:ln>
-        </p:spPr>
-        <p:style>
-          <a:lnRef idx="1">
-            <a:schemeClr val="accent1"/>
-          </a:lnRef>
-          <a:fillRef idx="0">
-            <a:schemeClr val="accent1"/>
-          </a:fillRef>
-          <a:effectRef idx="0">
-            <a:schemeClr val="accent1"/>
-          </a:effectRef>
-          <a:fontRef idx="minor">
-            <a:schemeClr val="tx1"/>
-          </a:fontRef>
-        </p:style>
-      </p:cxnSp>
-      <p:cxnSp>
-        <p:nvCxnSpPr>
-          <p:cNvPr id="120" name="Connecteur droit 119"/>
-          <p:cNvCxnSpPr/>
-          <p:nvPr/>
-        </p:nvCxnSpPr>
-        <p:spPr>
-          <a:xfrm flipV="1">
-            <a:off x="3290611" y="1120687"/>
-            <a:ext cx="0" cy="66355"/>
-          </a:xfrm>
-          <a:prstGeom prst="line">
-            <a:avLst/>
-          </a:prstGeom>
-          <a:ln w="12700">
-            <a:solidFill>
-              <a:schemeClr val="accent5">
-                <a:lumMod val="50000"/>
-              </a:schemeClr>
-            </a:solidFill>
-          </a:ln>
-        </p:spPr>
-        <p:style>
-          <a:lnRef idx="1">
-            <a:schemeClr val="accent1"/>
-          </a:lnRef>
-          <a:fillRef idx="0">
-            <a:schemeClr val="accent1"/>
-          </a:fillRef>
-          <a:effectRef idx="0">
-            <a:schemeClr val="accent1"/>
-          </a:effectRef>
-          <a:fontRef idx="minor">
-            <a:schemeClr val="tx1"/>
-          </a:fontRef>
-        </p:style>
-      </p:cxnSp>
-      <p:cxnSp>
-        <p:nvCxnSpPr>
-          <p:cNvPr id="127" name="Connecteur droit 126"/>
-          <p:cNvCxnSpPr/>
-          <p:nvPr/>
-        </p:nvCxnSpPr>
-        <p:spPr>
-          <a:xfrm flipH="1">
-            <a:off x="3186247" y="1133786"/>
-            <a:ext cx="77903" cy="31688"/>
-          </a:xfrm>
-          <a:prstGeom prst="line">
-            <a:avLst/>
-          </a:prstGeom>
-          <a:ln w="12700">
-            <a:solidFill>
-              <a:schemeClr val="accent5">
-                <a:lumMod val="50000"/>
-              </a:schemeClr>
-            </a:solidFill>
-          </a:ln>
-        </p:spPr>
-        <p:style>
-          <a:lnRef idx="1">
-            <a:schemeClr val="accent1"/>
-          </a:lnRef>
-          <a:fillRef idx="0">
-            <a:schemeClr val="accent1"/>
-          </a:fillRef>
-          <a:effectRef idx="0">
-            <a:schemeClr val="accent1"/>
-          </a:effectRef>
-          <a:fontRef idx="minor">
-            <a:schemeClr val="tx1"/>
-          </a:fontRef>
-        </p:style>
-      </p:cxnSp>
-      <p:cxnSp>
-        <p:nvCxnSpPr>
-          <p:cNvPr id="128" name="Connecteur droit 127"/>
+          <p:cNvPr id="175" name="Connecteur droit 174"/>
           <p:cNvCxnSpPr/>
           <p:nvPr/>
         </p:nvCxnSpPr>
         <p:spPr>
           <a:xfrm flipH="1" flipV="1">
-            <a:off x="3259388" y="1136167"/>
-            <a:ext cx="11706" cy="22646"/>
-          </a:xfrm>
-          <a:prstGeom prst="line">
-            <a:avLst/>
-          </a:prstGeom>
-          <a:ln w="12700">
-            <a:solidFill>
-              <a:schemeClr val="accent5">
-                <a:lumMod val="50000"/>
-              </a:schemeClr>
-            </a:solidFill>
-          </a:ln>
-        </p:spPr>
-        <p:style>
-          <a:lnRef idx="1">
-            <a:schemeClr val="accent1"/>
-          </a:lnRef>
-          <a:fillRef idx="0">
-            <a:schemeClr val="accent1"/>
-          </a:fillRef>
-          <a:effectRef idx="0">
-            <a:schemeClr val="accent1"/>
-          </a:effectRef>
-          <a:fontRef idx="minor">
-            <a:schemeClr val="tx1"/>
-          </a:fontRef>
-        </p:style>
-      </p:cxnSp>
-      <p:cxnSp>
-        <p:nvCxnSpPr>
-          <p:cNvPr id="132" name="Connecteur droit 131"/>
-          <p:cNvCxnSpPr/>
-          <p:nvPr/>
-        </p:nvCxnSpPr>
-        <p:spPr>
-          <a:xfrm flipV="1">
-            <a:off x="3152011" y="1188120"/>
-            <a:ext cx="0" cy="142776"/>
-          </a:xfrm>
-          <a:prstGeom prst="line">
-            <a:avLst/>
-          </a:prstGeom>
-          <a:ln w="12700">
-            <a:solidFill>
-              <a:schemeClr val="accent5">
-                <a:lumMod val="50000"/>
-              </a:schemeClr>
-            </a:solidFill>
-          </a:ln>
-        </p:spPr>
-        <p:style>
-          <a:lnRef idx="1">
-            <a:schemeClr val="accent1"/>
-          </a:lnRef>
-          <a:fillRef idx="0">
-            <a:schemeClr val="accent1"/>
-          </a:fillRef>
-          <a:effectRef idx="0">
-            <a:schemeClr val="accent1"/>
-          </a:effectRef>
-          <a:fontRef idx="minor">
-            <a:schemeClr val="tx1"/>
-          </a:fontRef>
-        </p:style>
-      </p:cxnSp>
-      <p:cxnSp>
-        <p:nvCxnSpPr>
-          <p:cNvPr id="136" name="Connecteur droit 135"/>
-          <p:cNvCxnSpPr/>
-          <p:nvPr/>
-        </p:nvCxnSpPr>
-        <p:spPr>
-          <a:xfrm flipV="1">
-            <a:off x="3188516" y="1187852"/>
-            <a:ext cx="0" cy="142776"/>
-          </a:xfrm>
-          <a:prstGeom prst="line">
-            <a:avLst/>
-          </a:prstGeom>
-          <a:ln w="12700">
-            <a:solidFill>
-              <a:schemeClr val="accent5">
-                <a:lumMod val="50000"/>
-              </a:schemeClr>
-            </a:solidFill>
-          </a:ln>
-        </p:spPr>
-        <p:style>
-          <a:lnRef idx="1">
-            <a:schemeClr val="accent1"/>
-          </a:lnRef>
-          <a:fillRef idx="0">
-            <a:schemeClr val="accent1"/>
-          </a:fillRef>
-          <a:effectRef idx="0">
-            <a:schemeClr val="accent1"/>
-          </a:effectRef>
-          <a:fontRef idx="minor">
-            <a:schemeClr val="tx1"/>
-          </a:fontRef>
-        </p:style>
-      </p:cxnSp>
-      <p:cxnSp>
-        <p:nvCxnSpPr>
-          <p:cNvPr id="139" name="Connecteur droit 138"/>
-          <p:cNvCxnSpPr/>
-          <p:nvPr/>
-        </p:nvCxnSpPr>
-        <p:spPr>
-          <a:xfrm flipH="1">
-            <a:off x="3188516" y="1085071"/>
-            <a:ext cx="29581" cy="82528"/>
-          </a:xfrm>
-          <a:prstGeom prst="line">
-            <a:avLst/>
-          </a:prstGeom>
-          <a:ln w="12700">
-            <a:solidFill>
-              <a:schemeClr val="accent5">
-                <a:lumMod val="50000"/>
-              </a:schemeClr>
-            </a:solidFill>
-          </a:ln>
-        </p:spPr>
-        <p:style>
-          <a:lnRef idx="1">
-            <a:schemeClr val="accent1"/>
-          </a:lnRef>
-          <a:fillRef idx="0">
-            <a:schemeClr val="accent1"/>
-          </a:fillRef>
-          <a:effectRef idx="0">
-            <a:schemeClr val="accent1"/>
-          </a:effectRef>
-          <a:fontRef idx="minor">
-            <a:schemeClr val="tx1"/>
-          </a:fontRef>
-        </p:style>
-      </p:cxnSp>
-      <p:cxnSp>
-        <p:nvCxnSpPr>
-          <p:cNvPr id="141" name="Connecteur droit 140"/>
-          <p:cNvCxnSpPr/>
-          <p:nvPr/>
-        </p:nvCxnSpPr>
-        <p:spPr>
-          <a:xfrm flipH="1">
-            <a:off x="3186024" y="1088740"/>
-            <a:ext cx="27466" cy="0"/>
-          </a:xfrm>
-          <a:prstGeom prst="line">
-            <a:avLst/>
-          </a:prstGeom>
-          <a:ln w="12700">
-            <a:solidFill>
-              <a:schemeClr val="accent5">
-                <a:lumMod val="50000"/>
-              </a:schemeClr>
-            </a:solidFill>
-          </a:ln>
-        </p:spPr>
-        <p:style>
-          <a:lnRef idx="1">
-            <a:schemeClr val="accent1"/>
-          </a:lnRef>
-          <a:fillRef idx="0">
-            <a:schemeClr val="accent1"/>
-          </a:fillRef>
-          <a:effectRef idx="0">
-            <a:schemeClr val="accent1"/>
-          </a:effectRef>
-          <a:fontRef idx="minor">
-            <a:schemeClr val="tx1"/>
-          </a:fontRef>
-        </p:style>
-      </p:cxnSp>
-      <p:cxnSp>
-        <p:nvCxnSpPr>
-          <p:cNvPr id="145" name="Connecteur droit 144"/>
-          <p:cNvCxnSpPr/>
-          <p:nvPr/>
-        </p:nvCxnSpPr>
-        <p:spPr>
-          <a:xfrm flipH="1">
-            <a:off x="3280818" y="1271190"/>
-            <a:ext cx="132535" cy="0"/>
-          </a:xfrm>
-          <a:prstGeom prst="line">
-            <a:avLst/>
-          </a:prstGeom>
-          <a:ln w="12700">
-            <a:solidFill>
-              <a:schemeClr val="accent5">
-                <a:lumMod val="50000"/>
-              </a:schemeClr>
-            </a:solidFill>
-          </a:ln>
-        </p:spPr>
-        <p:style>
-          <a:lnRef idx="1">
-            <a:schemeClr val="accent1"/>
-          </a:lnRef>
-          <a:fillRef idx="0">
-            <a:schemeClr val="accent1"/>
-          </a:fillRef>
-          <a:effectRef idx="0">
-            <a:schemeClr val="accent1"/>
-          </a:effectRef>
-          <a:fontRef idx="minor">
-            <a:schemeClr val="tx1"/>
-          </a:fontRef>
-        </p:style>
-      </p:cxnSp>
-      <p:cxnSp>
-        <p:nvCxnSpPr>
-          <p:cNvPr id="151" name="Connecteur droit 150"/>
-          <p:cNvCxnSpPr/>
-          <p:nvPr/>
-        </p:nvCxnSpPr>
-        <p:spPr>
-          <a:xfrm>
-            <a:off x="3205634" y="1120687"/>
-            <a:ext cx="84977" cy="0"/>
+            <a:off x="3162325" y="1167656"/>
+            <a:ext cx="27812" cy="0"/>
           </a:xfrm>
           <a:prstGeom prst="line">
             <a:avLst/>
@@ -15610,19 +19245,19 @@
       </p:cxnSp>
       <p:sp>
         <p:nvSpPr>
-          <p:cNvPr id="156" name="Rectangle 155"/>
+          <p:cNvPr id="125" name="Rectangle 124"/>
           <p:cNvSpPr/>
           <p:nvPr/>
         </p:nvSpPr>
         <p:spPr>
-          <a:xfrm rot="3993707" flipH="1">
-            <a:off x="3215313" y="1129275"/>
-            <a:ext cx="18000" cy="72000"/>
+          <a:xfrm>
+            <a:off x="3187373" y="1188119"/>
+            <a:ext cx="108000" cy="83071"/>
           </a:xfrm>
           <a:prstGeom prst="rect">
             <a:avLst/>
           </a:prstGeom>
-          <a:pattFill prst="ltUpDiag">
+          <a:pattFill prst="ltDnDiag">
             <a:fgClr>
               <a:schemeClr val="accent5">
                 <a:lumMod val="50000"/>
@@ -15633,7 +19268,11 @@
             </a:bgClr>
           </a:pattFill>
           <a:ln w="12700">
-            <a:noFill/>
+            <a:solidFill>
+              <a:schemeClr val="accent5">
+                <a:lumMod val="50000"/>
+              </a:schemeClr>
+            </a:solidFill>
           </a:ln>
         </p:spPr>
         <p:style>
@@ -15661,14 +19300,236 @@
       </p:sp>
       <p:cxnSp>
         <p:nvCxnSpPr>
-          <p:cNvPr id="175" name="Connecteur droit 174"/>
+          <p:cNvPr id="176" name="Connecteur droit 175"/>
+          <p:cNvCxnSpPr/>
+          <p:nvPr/>
+        </p:nvCxnSpPr>
+        <p:spPr>
+          <a:xfrm flipV="1">
+            <a:off x="3158131" y="1985914"/>
+            <a:ext cx="0" cy="502816"/>
+          </a:xfrm>
+          <a:prstGeom prst="line">
+            <a:avLst/>
+          </a:prstGeom>
+          <a:ln w="12700">
+            <a:solidFill>
+              <a:schemeClr val="accent5">
+                <a:lumMod val="50000"/>
+              </a:schemeClr>
+            </a:solidFill>
+          </a:ln>
+        </p:spPr>
+        <p:style>
+          <a:lnRef idx="1">
+            <a:schemeClr val="accent1"/>
+          </a:lnRef>
+          <a:fillRef idx="0">
+            <a:schemeClr val="accent1"/>
+          </a:fillRef>
+          <a:effectRef idx="0">
+            <a:schemeClr val="accent1"/>
+          </a:effectRef>
+          <a:fontRef idx="minor">
+            <a:schemeClr val="tx1"/>
+          </a:fontRef>
+        </p:style>
+      </p:cxnSp>
+      <p:cxnSp>
+        <p:nvCxnSpPr>
+          <p:cNvPr id="179" name="Connecteur droit 178"/>
           <p:cNvCxnSpPr/>
           <p:nvPr/>
         </p:nvCxnSpPr>
         <p:spPr>
           <a:xfrm flipH="1" flipV="1">
-            <a:off x="3162325" y="1167656"/>
-            <a:ext cx="27812" cy="0"/>
+            <a:off x="3159867" y="2071889"/>
+            <a:ext cx="37865" cy="96971"/>
+          </a:xfrm>
+          <a:prstGeom prst="line">
+            <a:avLst/>
+          </a:prstGeom>
+          <a:ln w="12700">
+            <a:solidFill>
+              <a:schemeClr val="accent5">
+                <a:lumMod val="50000"/>
+              </a:schemeClr>
+            </a:solidFill>
+          </a:ln>
+        </p:spPr>
+        <p:style>
+          <a:lnRef idx="1">
+            <a:schemeClr val="accent1"/>
+          </a:lnRef>
+          <a:fillRef idx="0">
+            <a:schemeClr val="accent1"/>
+          </a:fillRef>
+          <a:effectRef idx="0">
+            <a:schemeClr val="accent1"/>
+          </a:effectRef>
+          <a:fontRef idx="minor">
+            <a:schemeClr val="tx1"/>
+          </a:fontRef>
+        </p:style>
+      </p:cxnSp>
+      <p:cxnSp>
+        <p:nvCxnSpPr>
+          <p:cNvPr id="180" name="Connecteur droit 179"/>
+          <p:cNvCxnSpPr/>
+          <p:nvPr/>
+        </p:nvCxnSpPr>
+        <p:spPr>
+          <a:xfrm flipH="1" flipV="1">
+            <a:off x="3205587" y="2071888"/>
+            <a:ext cx="25021" cy="0"/>
+          </a:xfrm>
+          <a:prstGeom prst="line">
+            <a:avLst/>
+          </a:prstGeom>
+          <a:ln w="12700">
+            <a:solidFill>
+              <a:schemeClr val="accent5">
+                <a:lumMod val="50000"/>
+              </a:schemeClr>
+            </a:solidFill>
+          </a:ln>
+        </p:spPr>
+        <p:style>
+          <a:lnRef idx="1">
+            <a:schemeClr val="accent1"/>
+          </a:lnRef>
+          <a:fillRef idx="0">
+            <a:schemeClr val="accent1"/>
+          </a:fillRef>
+          <a:effectRef idx="0">
+            <a:schemeClr val="accent1"/>
+          </a:effectRef>
+          <a:fontRef idx="minor">
+            <a:schemeClr val="tx1"/>
+          </a:fontRef>
+        </p:style>
+      </p:cxnSp>
+      <p:cxnSp>
+        <p:nvCxnSpPr>
+          <p:cNvPr id="182" name="Connecteur droit 181"/>
+          <p:cNvCxnSpPr/>
+          <p:nvPr/>
+        </p:nvCxnSpPr>
+        <p:spPr>
+          <a:xfrm>
+            <a:off x="3298467" y="2072966"/>
+            <a:ext cx="0" cy="66355"/>
+          </a:xfrm>
+          <a:prstGeom prst="line">
+            <a:avLst/>
+          </a:prstGeom>
+          <a:ln w="12700">
+            <a:solidFill>
+              <a:schemeClr val="accent5">
+                <a:lumMod val="50000"/>
+              </a:schemeClr>
+            </a:solidFill>
+          </a:ln>
+        </p:spPr>
+        <p:style>
+          <a:lnRef idx="1">
+            <a:schemeClr val="accent1"/>
+          </a:lnRef>
+          <a:fillRef idx="0">
+            <a:schemeClr val="accent1"/>
+          </a:fillRef>
+          <a:effectRef idx="0">
+            <a:schemeClr val="accent1"/>
+          </a:effectRef>
+          <a:fontRef idx="minor">
+            <a:schemeClr val="tx1"/>
+          </a:fontRef>
+        </p:style>
+      </p:cxnSp>
+      <p:cxnSp>
+        <p:nvCxnSpPr>
+          <p:cNvPr id="187" name="Connecteur droit 186"/>
+          <p:cNvCxnSpPr/>
+          <p:nvPr/>
+        </p:nvCxnSpPr>
+        <p:spPr>
+          <a:xfrm flipH="1" flipV="1">
+            <a:off x="3192934" y="2068093"/>
+            <a:ext cx="32264" cy="100767"/>
+          </a:xfrm>
+          <a:prstGeom prst="line">
+            <a:avLst/>
+          </a:prstGeom>
+          <a:ln w="12700">
+            <a:solidFill>
+              <a:schemeClr val="accent5">
+                <a:lumMod val="50000"/>
+              </a:schemeClr>
+            </a:solidFill>
+          </a:ln>
+        </p:spPr>
+        <p:style>
+          <a:lnRef idx="1">
+            <a:schemeClr val="accent1"/>
+          </a:lnRef>
+          <a:fillRef idx="0">
+            <a:schemeClr val="accent1"/>
+          </a:fillRef>
+          <a:effectRef idx="0">
+            <a:schemeClr val="accent1"/>
+          </a:effectRef>
+          <a:fontRef idx="minor">
+            <a:schemeClr val="tx1"/>
+          </a:fontRef>
+        </p:style>
+      </p:cxnSp>
+      <p:cxnSp>
+        <p:nvCxnSpPr>
+          <p:cNvPr id="188" name="Connecteur droit 187"/>
+          <p:cNvCxnSpPr/>
+          <p:nvPr/>
+        </p:nvCxnSpPr>
+        <p:spPr>
+          <a:xfrm flipH="1" flipV="1">
+            <a:off x="3193735" y="2164343"/>
+            <a:ext cx="27466" cy="0"/>
+          </a:xfrm>
+          <a:prstGeom prst="line">
+            <a:avLst/>
+          </a:prstGeom>
+          <a:ln w="12700">
+            <a:solidFill>
+              <a:schemeClr val="accent5">
+                <a:lumMod val="50000"/>
+              </a:schemeClr>
+            </a:solidFill>
+          </a:ln>
+        </p:spPr>
+        <p:style>
+          <a:lnRef idx="1">
+            <a:schemeClr val="accent1"/>
+          </a:lnRef>
+          <a:fillRef idx="0">
+            <a:schemeClr val="accent1"/>
+          </a:fillRef>
+          <a:effectRef idx="0">
+            <a:schemeClr val="accent1"/>
+          </a:effectRef>
+          <a:fontRef idx="minor">
+            <a:schemeClr val="tx1"/>
+          </a:fontRef>
+        </p:style>
+      </p:cxnSp>
+      <p:cxnSp>
+        <p:nvCxnSpPr>
+          <p:cNvPr id="190" name="Connecteur droit 189"/>
+          <p:cNvCxnSpPr/>
+          <p:nvPr/>
+        </p:nvCxnSpPr>
+        <p:spPr>
+          <a:xfrm flipV="1">
+            <a:off x="3213490" y="2139321"/>
+            <a:ext cx="84977" cy="0"/>
           </a:xfrm>
           <a:prstGeom prst="line">
             <a:avLst/>
@@ -15698,14 +19559,14 @@
       </p:cxnSp>
       <p:sp>
         <p:nvSpPr>
-          <p:cNvPr id="125" name="Rectangle 124"/>
+          <p:cNvPr id="193" name="Rectangle 192"/>
           <p:cNvSpPr/>
           <p:nvPr/>
         </p:nvSpPr>
         <p:spPr>
-          <a:xfrm>
-            <a:off x="3187373" y="1188119"/>
-            <a:ext cx="108000" cy="83071"/>
+          <a:xfrm flipV="1">
+            <a:off x="3195229" y="1988816"/>
+            <a:ext cx="103238" cy="83071"/>
           </a:xfrm>
           <a:prstGeom prst="rect">
             <a:avLst/>
@@ -15753,320 +19614,6 @@
       </p:sp>
       <p:cxnSp>
         <p:nvCxnSpPr>
-          <p:cNvPr id="176" name="Connecteur droit 175"/>
-          <p:cNvCxnSpPr/>
-          <p:nvPr/>
-        </p:nvCxnSpPr>
-        <p:spPr>
-          <a:xfrm flipV="1">
-            <a:off x="3158131" y="1985914"/>
-            <a:ext cx="0" cy="502816"/>
-          </a:xfrm>
-          <a:prstGeom prst="line">
-            <a:avLst/>
-          </a:prstGeom>
-          <a:ln w="12700">
-            <a:solidFill>
-              <a:schemeClr val="accent5">
-                <a:lumMod val="50000"/>
-              </a:schemeClr>
-            </a:solidFill>
-          </a:ln>
-        </p:spPr>
-        <p:style>
-          <a:lnRef idx="1">
-            <a:schemeClr val="accent1"/>
-          </a:lnRef>
-          <a:fillRef idx="0">
-            <a:schemeClr val="accent1"/>
-          </a:fillRef>
-          <a:effectRef idx="0">
-            <a:schemeClr val="accent1"/>
-          </a:effectRef>
-          <a:fontRef idx="minor">
-            <a:schemeClr val="tx1"/>
-          </a:fontRef>
-        </p:style>
-      </p:cxnSp>
-      <p:cxnSp>
-        <p:nvCxnSpPr>
-          <p:cNvPr id="179" name="Connecteur droit 178"/>
-          <p:cNvCxnSpPr/>
-          <p:nvPr/>
-        </p:nvCxnSpPr>
-        <p:spPr>
-          <a:xfrm flipH="1" flipV="1">
-            <a:off x="3159867" y="2071889"/>
-            <a:ext cx="37865" cy="96971"/>
-          </a:xfrm>
-          <a:prstGeom prst="line">
-            <a:avLst/>
-          </a:prstGeom>
-          <a:ln w="12700">
-            <a:solidFill>
-              <a:schemeClr val="accent5">
-                <a:lumMod val="50000"/>
-              </a:schemeClr>
-            </a:solidFill>
-          </a:ln>
-        </p:spPr>
-        <p:style>
-          <a:lnRef idx="1">
-            <a:schemeClr val="accent1"/>
-          </a:lnRef>
-          <a:fillRef idx="0">
-            <a:schemeClr val="accent1"/>
-          </a:fillRef>
-          <a:effectRef idx="0">
-            <a:schemeClr val="accent1"/>
-          </a:effectRef>
-          <a:fontRef idx="minor">
-            <a:schemeClr val="tx1"/>
-          </a:fontRef>
-        </p:style>
-      </p:cxnSp>
-      <p:cxnSp>
-        <p:nvCxnSpPr>
-          <p:cNvPr id="180" name="Connecteur droit 179"/>
-          <p:cNvCxnSpPr/>
-          <p:nvPr/>
-        </p:nvCxnSpPr>
-        <p:spPr>
-          <a:xfrm flipH="1" flipV="1">
-            <a:off x="3205587" y="2071888"/>
-            <a:ext cx="25021" cy="0"/>
-          </a:xfrm>
-          <a:prstGeom prst="line">
-            <a:avLst/>
-          </a:prstGeom>
-          <a:ln w="12700">
-            <a:solidFill>
-              <a:schemeClr val="accent5">
-                <a:lumMod val="50000"/>
-              </a:schemeClr>
-            </a:solidFill>
-          </a:ln>
-        </p:spPr>
-        <p:style>
-          <a:lnRef idx="1">
-            <a:schemeClr val="accent1"/>
-          </a:lnRef>
-          <a:fillRef idx="0">
-            <a:schemeClr val="accent1"/>
-          </a:fillRef>
-          <a:effectRef idx="0">
-            <a:schemeClr val="accent1"/>
-          </a:effectRef>
-          <a:fontRef idx="minor">
-            <a:schemeClr val="tx1"/>
-          </a:fontRef>
-        </p:style>
-      </p:cxnSp>
-      <p:cxnSp>
-        <p:nvCxnSpPr>
-          <p:cNvPr id="182" name="Connecteur droit 181"/>
-          <p:cNvCxnSpPr/>
-          <p:nvPr/>
-        </p:nvCxnSpPr>
-        <p:spPr>
-          <a:xfrm>
-            <a:off x="3298467" y="2072966"/>
-            <a:ext cx="0" cy="66355"/>
-          </a:xfrm>
-          <a:prstGeom prst="line">
-            <a:avLst/>
-          </a:prstGeom>
-          <a:ln w="12700">
-            <a:solidFill>
-              <a:schemeClr val="accent5">
-                <a:lumMod val="50000"/>
-              </a:schemeClr>
-            </a:solidFill>
-          </a:ln>
-        </p:spPr>
-        <p:style>
-          <a:lnRef idx="1">
-            <a:schemeClr val="accent1"/>
-          </a:lnRef>
-          <a:fillRef idx="0">
-            <a:schemeClr val="accent1"/>
-          </a:fillRef>
-          <a:effectRef idx="0">
-            <a:schemeClr val="accent1"/>
-          </a:effectRef>
-          <a:fontRef idx="minor">
-            <a:schemeClr val="tx1"/>
-          </a:fontRef>
-        </p:style>
-      </p:cxnSp>
-      <p:cxnSp>
-        <p:nvCxnSpPr>
-          <p:cNvPr id="187" name="Connecteur droit 186"/>
-          <p:cNvCxnSpPr/>
-          <p:nvPr/>
-        </p:nvCxnSpPr>
-        <p:spPr>
-          <a:xfrm flipH="1" flipV="1">
-            <a:off x="3192934" y="2068093"/>
-            <a:ext cx="32264" cy="100767"/>
-          </a:xfrm>
-          <a:prstGeom prst="line">
-            <a:avLst/>
-          </a:prstGeom>
-          <a:ln w="12700">
-            <a:solidFill>
-              <a:schemeClr val="accent5">
-                <a:lumMod val="50000"/>
-              </a:schemeClr>
-            </a:solidFill>
-          </a:ln>
-        </p:spPr>
-        <p:style>
-          <a:lnRef idx="1">
-            <a:schemeClr val="accent1"/>
-          </a:lnRef>
-          <a:fillRef idx="0">
-            <a:schemeClr val="accent1"/>
-          </a:fillRef>
-          <a:effectRef idx="0">
-            <a:schemeClr val="accent1"/>
-          </a:effectRef>
-          <a:fontRef idx="minor">
-            <a:schemeClr val="tx1"/>
-          </a:fontRef>
-        </p:style>
-      </p:cxnSp>
-      <p:cxnSp>
-        <p:nvCxnSpPr>
-          <p:cNvPr id="188" name="Connecteur droit 187"/>
-          <p:cNvCxnSpPr/>
-          <p:nvPr/>
-        </p:nvCxnSpPr>
-        <p:spPr>
-          <a:xfrm flipH="1" flipV="1">
-            <a:off x="3193735" y="2164343"/>
-            <a:ext cx="27466" cy="0"/>
-          </a:xfrm>
-          <a:prstGeom prst="line">
-            <a:avLst/>
-          </a:prstGeom>
-          <a:ln w="12700">
-            <a:solidFill>
-              <a:schemeClr val="accent5">
-                <a:lumMod val="50000"/>
-              </a:schemeClr>
-            </a:solidFill>
-          </a:ln>
-        </p:spPr>
-        <p:style>
-          <a:lnRef idx="1">
-            <a:schemeClr val="accent1"/>
-          </a:lnRef>
-          <a:fillRef idx="0">
-            <a:schemeClr val="accent1"/>
-          </a:fillRef>
-          <a:effectRef idx="0">
-            <a:schemeClr val="accent1"/>
-          </a:effectRef>
-          <a:fontRef idx="minor">
-            <a:schemeClr val="tx1"/>
-          </a:fontRef>
-        </p:style>
-      </p:cxnSp>
-      <p:cxnSp>
-        <p:nvCxnSpPr>
-          <p:cNvPr id="190" name="Connecteur droit 189"/>
-          <p:cNvCxnSpPr/>
-          <p:nvPr/>
-        </p:nvCxnSpPr>
-        <p:spPr>
-          <a:xfrm flipV="1">
-            <a:off x="3213490" y="2139321"/>
-            <a:ext cx="84977" cy="0"/>
-          </a:xfrm>
-          <a:prstGeom prst="line">
-            <a:avLst/>
-          </a:prstGeom>
-          <a:ln w="12700">
-            <a:solidFill>
-              <a:schemeClr val="accent5">
-                <a:lumMod val="50000"/>
-              </a:schemeClr>
-            </a:solidFill>
-          </a:ln>
-        </p:spPr>
-        <p:style>
-          <a:lnRef idx="1">
-            <a:schemeClr val="accent1"/>
-          </a:lnRef>
-          <a:fillRef idx="0">
-            <a:schemeClr val="accent1"/>
-          </a:fillRef>
-          <a:effectRef idx="0">
-            <a:schemeClr val="accent1"/>
-          </a:effectRef>
-          <a:fontRef idx="minor">
-            <a:schemeClr val="tx1"/>
-          </a:fontRef>
-        </p:style>
-      </p:cxnSp>
-      <p:sp>
-        <p:nvSpPr>
-          <p:cNvPr id="193" name="Rectangle 192"/>
-          <p:cNvSpPr/>
-          <p:nvPr/>
-        </p:nvSpPr>
-        <p:spPr>
-          <a:xfrm flipV="1">
-            <a:off x="3195229" y="1988816"/>
-            <a:ext cx="103238" cy="83071"/>
-          </a:xfrm>
-          <a:prstGeom prst="rect">
-            <a:avLst/>
-          </a:prstGeom>
-          <a:pattFill prst="ltDnDiag">
-            <a:fgClr>
-              <a:schemeClr val="accent5">
-                <a:lumMod val="50000"/>
-              </a:schemeClr>
-            </a:fgClr>
-            <a:bgClr>
-              <a:schemeClr val="bg1"/>
-            </a:bgClr>
-          </a:pattFill>
-          <a:ln w="12700">
-            <a:solidFill>
-              <a:schemeClr val="accent5">
-                <a:lumMod val="50000"/>
-              </a:schemeClr>
-            </a:solidFill>
-          </a:ln>
-        </p:spPr>
-        <p:style>
-          <a:lnRef idx="1">
-            <a:schemeClr val="accent1"/>
-          </a:lnRef>
-          <a:fillRef idx="0">
-            <a:schemeClr val="accent1"/>
-          </a:fillRef>
-          <a:effectRef idx="0">
-            <a:schemeClr val="accent1"/>
-          </a:effectRef>
-          <a:fontRef idx="minor">
-            <a:schemeClr val="tx1"/>
-          </a:fontRef>
-        </p:style>
-        <p:txBody>
-          <a:bodyPr rtlCol="0" anchor="ctr"/>
-          <a:lstStyle/>
-          <a:p>
-            <a:pPr algn="ctr"/>
-            <a:endParaRPr lang="fr-FR"/>
-          </a:p>
-        </p:txBody>
-      </p:sp>
-      <p:cxnSp>
-        <p:nvCxnSpPr>
           <p:cNvPr id="57" name="Connecteur droit 56"/>
           <p:cNvCxnSpPr/>
           <p:nvPr/>
@@ -16139,108 +19686,6 @@
           </a:fontRef>
         </p:style>
       </p:cxnSp>
-      <p:sp>
-        <p:nvSpPr>
-          <p:cNvPr id="63" name="Rectangle 62"/>
-          <p:cNvSpPr/>
-          <p:nvPr/>
-        </p:nvSpPr>
-        <p:spPr>
-          <a:xfrm>
-            <a:off x="2484822" y="1197385"/>
-            <a:ext cx="432048" cy="67210"/>
-          </a:xfrm>
-          <a:prstGeom prst="rect">
-            <a:avLst/>
-          </a:prstGeom>
-          <a:solidFill>
-            <a:schemeClr val="accent2">
-              <a:lumMod val="60000"/>
-              <a:lumOff val="40000"/>
-            </a:schemeClr>
-          </a:solidFill>
-          <a:ln w="12700">
-            <a:solidFill>
-              <a:schemeClr val="accent5">
-                <a:lumMod val="50000"/>
-              </a:schemeClr>
-            </a:solidFill>
-          </a:ln>
-        </p:spPr>
-        <p:style>
-          <a:lnRef idx="1">
-            <a:schemeClr val="accent1"/>
-          </a:lnRef>
-          <a:fillRef idx="0">
-            <a:schemeClr val="accent1"/>
-          </a:fillRef>
-          <a:effectRef idx="0">
-            <a:schemeClr val="accent1"/>
-          </a:effectRef>
-          <a:fontRef idx="minor">
-            <a:schemeClr val="tx1"/>
-          </a:fontRef>
-        </p:style>
-        <p:txBody>
-          <a:bodyPr rtlCol="0" anchor="ctr"/>
-          <a:lstStyle/>
-          <a:p>
-            <a:pPr algn="ctr"/>
-            <a:endParaRPr lang="fr-FR"/>
-          </a:p>
-        </p:txBody>
-      </p:sp>
-      <p:sp>
-        <p:nvSpPr>
-          <p:cNvPr id="64" name="Rectangle 63"/>
-          <p:cNvSpPr/>
-          <p:nvPr/>
-        </p:nvSpPr>
-        <p:spPr>
-          <a:xfrm>
-            <a:off x="2482747" y="1265826"/>
-            <a:ext cx="432048" cy="67210"/>
-          </a:xfrm>
-          <a:prstGeom prst="rect">
-            <a:avLst/>
-          </a:prstGeom>
-          <a:solidFill>
-            <a:schemeClr val="accent3">
-              <a:lumMod val="60000"/>
-              <a:lumOff val="40000"/>
-            </a:schemeClr>
-          </a:solidFill>
-          <a:ln w="12700">
-            <a:solidFill>
-              <a:schemeClr val="accent5">
-                <a:lumMod val="50000"/>
-              </a:schemeClr>
-            </a:solidFill>
-          </a:ln>
-        </p:spPr>
-        <p:style>
-          <a:lnRef idx="1">
-            <a:schemeClr val="accent1"/>
-          </a:lnRef>
-          <a:fillRef idx="0">
-            <a:schemeClr val="accent1"/>
-          </a:fillRef>
-          <a:effectRef idx="0">
-            <a:schemeClr val="accent1"/>
-          </a:effectRef>
-          <a:fontRef idx="minor">
-            <a:schemeClr val="tx1"/>
-          </a:fontRef>
-        </p:style>
-        <p:txBody>
-          <a:bodyPr rtlCol="0" anchor="ctr"/>
-          <a:lstStyle/>
-          <a:p>
-            <a:pPr algn="ctr"/>
-            <a:endParaRPr lang="fr-FR"/>
-          </a:p>
-        </p:txBody>
-      </p:sp>
       <p:cxnSp>
         <p:nvCxnSpPr>
           <p:cNvPr id="66" name="Connecteur droit avec flèche 65"/>
@@ -16252,8 +19697,8 @@
         </p:nvCxnSpPr>
         <p:spPr>
           <a:xfrm flipH="1">
-            <a:off x="2914795" y="1147339"/>
-            <a:ext cx="555811" cy="152092"/>
+            <a:off x="2914794" y="1147339"/>
+            <a:ext cx="555812" cy="154490"/>
           </a:xfrm>
           <a:prstGeom prst="straightConnector1">
             <a:avLst/>
@@ -16415,7 +19860,7 @@
         <p:spPr>
           <a:xfrm flipH="1">
             <a:off x="2916870" y="904201"/>
-            <a:ext cx="553737" cy="326789"/>
+            <a:ext cx="553737" cy="330560"/>
           </a:xfrm>
           <a:prstGeom prst="straightConnector1">
             <a:avLst/>
@@ -16479,8 +19924,8 @@
           </a:fontRef>
         </p:style>
       </p:cxnSp>
-      <mc:AlternateContent xmlns:mc="http://schemas.openxmlformats.org/markup-compatibility/2006">
-        <mc:Choice xmlns:a14="http://schemas.microsoft.com/office/drawing/2010/main" Requires="a14">
+      <mc:AlternateContent xmlns:mc="http://schemas.openxmlformats.org/markup-compatibility/2006" xmlns:a14="http://schemas.microsoft.com/office/drawing/2010/main">
+        <mc:Choice Requires="a14">
           <p:sp>
             <p:nvSpPr>
               <p:cNvPr id="81" name="ZoneTexte 80"/>
@@ -16531,7 +19976,7 @@
             </p:txBody>
           </p:sp>
         </mc:Choice>
-        <mc:Fallback>
+        <mc:Fallback xmlns="">
           <p:sp>
             <p:nvSpPr>
               <p:cNvPr id="81" name="ZoneTexte 80"/>
@@ -16644,8 +20089,8 @@
           </a:fontRef>
         </p:style>
       </p:cxnSp>
-      <mc:AlternateContent xmlns:mc="http://schemas.openxmlformats.org/markup-compatibility/2006">
-        <mc:Choice xmlns:a14="http://schemas.microsoft.com/office/drawing/2010/main" Requires="a14">
+      <mc:AlternateContent xmlns:mc="http://schemas.openxmlformats.org/markup-compatibility/2006" xmlns:a14="http://schemas.microsoft.com/office/drawing/2010/main">
+        <mc:Choice Requires="a14">
           <p:sp>
             <p:nvSpPr>
               <p:cNvPr id="90" name="ZoneTexte 89"/>
@@ -16696,7 +20141,7 @@
             </p:txBody>
           </p:sp>
         </mc:Choice>
-        <mc:Fallback>
+        <mc:Fallback xmlns="">
           <p:sp>
             <p:nvSpPr>
               <p:cNvPr id="90" name="ZoneTexte 89"/>
@@ -16735,6 +20180,146 @@
           </p:sp>
         </mc:Fallback>
       </mc:AlternateContent>
+      <p:sp>
+        <p:nvSpPr>
+          <p:cNvPr id="63" name="Rectangle 62"/>
+          <p:cNvSpPr/>
+          <p:nvPr/>
+        </p:nvSpPr>
+        <p:spPr>
+          <a:xfrm>
+            <a:off x="2486966" y="1203697"/>
+            <a:ext cx="429904" cy="62128"/>
+          </a:xfrm>
+          <a:prstGeom prst="rect">
+            <a:avLst/>
+          </a:prstGeom>
+          <a:solidFill>
+            <a:schemeClr val="accent2">
+              <a:lumMod val="60000"/>
+              <a:lumOff val="40000"/>
+            </a:schemeClr>
+          </a:solidFill>
+          <a:ln w="12700">
+            <a:noFill/>
+          </a:ln>
+        </p:spPr>
+        <p:style>
+          <a:lnRef idx="1">
+            <a:schemeClr val="accent1"/>
+          </a:lnRef>
+          <a:fillRef idx="0">
+            <a:schemeClr val="accent1"/>
+          </a:fillRef>
+          <a:effectRef idx="0">
+            <a:schemeClr val="accent1"/>
+          </a:effectRef>
+          <a:fontRef idx="minor">
+            <a:schemeClr val="tx1"/>
+          </a:fontRef>
+        </p:style>
+        <p:txBody>
+          <a:bodyPr rtlCol="0" anchor="ctr"/>
+          <a:lstStyle/>
+          <a:p>
+            <a:pPr algn="ctr"/>
+            <a:endParaRPr lang="fr-FR"/>
+          </a:p>
+        </p:txBody>
+      </p:sp>
+      <p:sp>
+        <p:nvSpPr>
+          <p:cNvPr id="64" name="Rectangle 63"/>
+          <p:cNvSpPr/>
+          <p:nvPr/>
+        </p:nvSpPr>
+        <p:spPr>
+          <a:xfrm>
+            <a:off x="2486867" y="1265825"/>
+            <a:ext cx="427927" cy="72007"/>
+          </a:xfrm>
+          <a:prstGeom prst="rect">
+            <a:avLst/>
+          </a:prstGeom>
+          <a:solidFill>
+            <a:schemeClr val="accent3">
+              <a:lumMod val="60000"/>
+              <a:lumOff val="40000"/>
+            </a:schemeClr>
+          </a:solidFill>
+          <a:ln w="12700">
+            <a:noFill/>
+          </a:ln>
+        </p:spPr>
+        <p:style>
+          <a:lnRef idx="1">
+            <a:schemeClr val="accent1"/>
+          </a:lnRef>
+          <a:fillRef idx="0">
+            <a:schemeClr val="accent1"/>
+          </a:fillRef>
+          <a:effectRef idx="0">
+            <a:schemeClr val="accent1"/>
+          </a:effectRef>
+          <a:fontRef idx="minor">
+            <a:schemeClr val="tx1"/>
+          </a:fontRef>
+        </p:style>
+        <p:txBody>
+          <a:bodyPr rtlCol="0" anchor="ctr"/>
+          <a:lstStyle/>
+          <a:p>
+            <a:pPr algn="ctr"/>
+            <a:endParaRPr lang="fr-FR"/>
+          </a:p>
+        </p:txBody>
+      </p:sp>
+      <p:sp>
+        <p:nvSpPr>
+          <p:cNvPr id="39" name="Rectangle 38"/>
+          <p:cNvSpPr/>
+          <p:nvPr/>
+        </p:nvSpPr>
+        <p:spPr>
+          <a:xfrm>
+            <a:off x="2483768" y="1196752"/>
+            <a:ext cx="432048" cy="142776"/>
+          </a:xfrm>
+          <a:prstGeom prst="rect">
+            <a:avLst/>
+          </a:prstGeom>
+          <a:noFill/>
+          <a:ln w="12700">
+            <a:solidFill>
+              <a:schemeClr val="accent5">
+                <a:lumMod val="50000"/>
+              </a:schemeClr>
+            </a:solidFill>
+          </a:ln>
+        </p:spPr>
+        <p:style>
+          <a:lnRef idx="1">
+            <a:schemeClr val="accent1"/>
+          </a:lnRef>
+          <a:fillRef idx="0">
+            <a:schemeClr val="accent1"/>
+          </a:fillRef>
+          <a:effectRef idx="0">
+            <a:schemeClr val="accent1"/>
+          </a:effectRef>
+          <a:fontRef idx="minor">
+            <a:schemeClr val="tx1"/>
+          </a:fontRef>
+        </p:style>
+        <p:txBody>
+          <a:bodyPr rtlCol="0" anchor="ctr"/>
+          <a:lstStyle/>
+          <a:p>
+            <a:pPr algn="ctr"/>
+            <a:endParaRPr lang="fr-FR"/>
+          </a:p>
+        </p:txBody>
+      </p:sp>
     </p:spTree>
     <p:extLst>
       <p:ext uri="{BB962C8B-B14F-4D97-AF65-F5344CB8AC3E}">

--- a/01_LiaisonEncastrement/Cours/Figures/Figures.pptx
+++ b/01_LiaisonEncastrement/Cours/Figures/Figures.pptx
@@ -218,7 +218,7 @@
           <a:p>
             <a:fld id="{FF4F525E-41B1-4D42-8A42-4B8DA0C928B5}" type="datetimeFigureOut">
               <a:rPr lang="fr-FR" smtClean="0"/>
-              <a:t>08/07/2016</a:t>
+              <a:t>06/09/2016</a:t>
             </a:fld>
             <a:endParaRPr lang="fr-FR"/>
           </a:p>
@@ -834,7 +834,7 @@
           <a:p>
             <a:fld id="{AA309A6D-C09C-4548-B29A-6CF363A7E532}" type="datetimeFigureOut">
               <a:rPr lang="fr-FR" smtClean="0"/>
-              <a:t>08/07/2016</a:t>
+              <a:t>06/09/2016</a:t>
             </a:fld>
             <a:endParaRPr lang="fr-BE"/>
           </a:p>
@@ -999,7 +999,7 @@
           <a:p>
             <a:fld id="{AA309A6D-C09C-4548-B29A-6CF363A7E532}" type="datetimeFigureOut">
               <a:rPr lang="fr-FR" smtClean="0"/>
-              <a:t>08/07/2016</a:t>
+              <a:t>06/09/2016</a:t>
             </a:fld>
             <a:endParaRPr lang="fr-BE"/>
           </a:p>
@@ -1174,7 +1174,7 @@
           <a:p>
             <a:fld id="{AA309A6D-C09C-4548-B29A-6CF363A7E532}" type="datetimeFigureOut">
               <a:rPr lang="fr-FR" smtClean="0"/>
-              <a:t>08/07/2016</a:t>
+              <a:t>06/09/2016</a:t>
             </a:fld>
             <a:endParaRPr lang="fr-BE"/>
           </a:p>
@@ -1339,7 +1339,7 @@
           <a:p>
             <a:fld id="{AA309A6D-C09C-4548-B29A-6CF363A7E532}" type="datetimeFigureOut">
               <a:rPr lang="fr-FR" smtClean="0"/>
-              <a:t>08/07/2016</a:t>
+              <a:t>06/09/2016</a:t>
             </a:fld>
             <a:endParaRPr lang="fr-BE"/>
           </a:p>
@@ -1580,7 +1580,7 @@
           <a:p>
             <a:fld id="{AA309A6D-C09C-4548-B29A-6CF363A7E532}" type="datetimeFigureOut">
               <a:rPr lang="fr-FR" smtClean="0"/>
-              <a:t>08/07/2016</a:t>
+              <a:t>06/09/2016</a:t>
             </a:fld>
             <a:endParaRPr lang="fr-BE"/>
           </a:p>
@@ -1863,7 +1863,7 @@
           <a:p>
             <a:fld id="{AA309A6D-C09C-4548-B29A-6CF363A7E532}" type="datetimeFigureOut">
               <a:rPr lang="fr-FR" smtClean="0"/>
-              <a:t>08/07/2016</a:t>
+              <a:t>06/09/2016</a:t>
             </a:fld>
             <a:endParaRPr lang="fr-BE"/>
           </a:p>
@@ -2280,7 +2280,7 @@
           <a:p>
             <a:fld id="{AA309A6D-C09C-4548-B29A-6CF363A7E532}" type="datetimeFigureOut">
               <a:rPr lang="fr-FR" smtClean="0"/>
-              <a:t>08/07/2016</a:t>
+              <a:t>06/09/2016</a:t>
             </a:fld>
             <a:endParaRPr lang="fr-BE"/>
           </a:p>
@@ -2393,7 +2393,7 @@
           <a:p>
             <a:fld id="{AA309A6D-C09C-4548-B29A-6CF363A7E532}" type="datetimeFigureOut">
               <a:rPr lang="fr-FR" smtClean="0"/>
-              <a:t>08/07/2016</a:t>
+              <a:t>06/09/2016</a:t>
             </a:fld>
             <a:endParaRPr lang="fr-BE"/>
           </a:p>
@@ -2483,7 +2483,7 @@
           <a:p>
             <a:fld id="{AA309A6D-C09C-4548-B29A-6CF363A7E532}" type="datetimeFigureOut">
               <a:rPr lang="fr-FR" smtClean="0"/>
-              <a:t>08/07/2016</a:t>
+              <a:t>06/09/2016</a:t>
             </a:fld>
             <a:endParaRPr lang="fr-BE"/>
           </a:p>
@@ -2755,7 +2755,7 @@
           <a:p>
             <a:fld id="{AA309A6D-C09C-4548-B29A-6CF363A7E532}" type="datetimeFigureOut">
               <a:rPr lang="fr-FR" smtClean="0"/>
-              <a:t>08/07/2016</a:t>
+              <a:t>06/09/2016</a:t>
             </a:fld>
             <a:endParaRPr lang="fr-BE"/>
           </a:p>
@@ -3003,7 +3003,7 @@
           <a:p>
             <a:fld id="{AA309A6D-C09C-4548-B29A-6CF363A7E532}" type="datetimeFigureOut">
               <a:rPr lang="fr-FR" smtClean="0"/>
-              <a:t>08/07/2016</a:t>
+              <a:t>06/09/2016</a:t>
             </a:fld>
             <a:endParaRPr lang="fr-BE"/>
           </a:p>
@@ -3211,7 +3211,7 @@
           <a:p>
             <a:fld id="{AA309A6D-C09C-4548-B29A-6CF363A7E532}" type="datetimeFigureOut">
               <a:rPr lang="fr-FR" smtClean="0"/>
-              <a:t>08/07/2016</a:t>
+              <a:t>06/09/2016</a:t>
             </a:fld>
             <a:endParaRPr lang="fr-BE"/>
           </a:p>
@@ -19424,6 +19424,43 @@
           </a:p>
         </p:txBody>
       </p:sp>
+      <p:cxnSp>
+        <p:nvCxnSpPr>
+          <p:cNvPr id="63" name="Connecteur droit 62"/>
+          <p:cNvCxnSpPr/>
+          <p:nvPr/>
+        </p:nvCxnSpPr>
+        <p:spPr>
+          <a:xfrm>
+            <a:off x="3192934" y="1302098"/>
+            <a:ext cx="298946" cy="0"/>
+          </a:xfrm>
+          <a:prstGeom prst="line">
+            <a:avLst/>
+          </a:prstGeom>
+          <a:ln w="6350">
+            <a:solidFill>
+              <a:schemeClr val="accent5">
+                <a:lumMod val="50000"/>
+              </a:schemeClr>
+            </a:solidFill>
+          </a:ln>
+        </p:spPr>
+        <p:style>
+          <a:lnRef idx="1">
+            <a:schemeClr val="accent1"/>
+          </a:lnRef>
+          <a:fillRef idx="0">
+            <a:schemeClr val="accent1"/>
+          </a:fillRef>
+          <a:effectRef idx="0">
+            <a:schemeClr val="accent1"/>
+          </a:effectRef>
+          <a:fontRef idx="minor">
+            <a:schemeClr val="tx1"/>
+          </a:fontRef>
+        </p:style>
+      </p:cxnSp>
       <p:sp>
         <p:nvSpPr>
           <p:cNvPr id="177" name="Rectangle 176"/>
